--- a/PHP_MVC.pptx
+++ b/PHP_MVC.pptx
@@ -5,10 +5,10 @@
     <p:sldMasterId id="2147483672" r:id="rId1"/>
   </p:sldMasterIdLst>
   <p:notesMasterIdLst>
-    <p:notesMasterId r:id="rId21"/>
+    <p:notesMasterId r:id="rId33"/>
   </p:notesMasterIdLst>
   <p:handoutMasterIdLst>
-    <p:handoutMasterId r:id="rId22"/>
+    <p:handoutMasterId r:id="rId34"/>
   </p:handoutMasterIdLst>
   <p:sldIdLst>
     <p:sldId id="382" r:id="rId2"/>
@@ -30,6 +30,18 @@
     <p:sldId id="423" r:id="rId18"/>
     <p:sldId id="422" r:id="rId19"/>
     <p:sldId id="424" r:id="rId20"/>
+    <p:sldId id="425" r:id="rId21"/>
+    <p:sldId id="427" r:id="rId22"/>
+    <p:sldId id="428" r:id="rId23"/>
+    <p:sldId id="429" r:id="rId24"/>
+    <p:sldId id="430" r:id="rId25"/>
+    <p:sldId id="431" r:id="rId26"/>
+    <p:sldId id="433" r:id="rId27"/>
+    <p:sldId id="434" r:id="rId28"/>
+    <p:sldId id="435" r:id="rId29"/>
+    <p:sldId id="436" r:id="rId30"/>
+    <p:sldId id="437" r:id="rId31"/>
+    <p:sldId id="438" r:id="rId32"/>
   </p:sldIdLst>
   <p:sldSz cx="9144000" cy="6858000" type="screen4x3"/>
   <p:notesSz cx="6881813" cy="9296400"/>
@@ -160,7 +172,7 @@
   </p:defaultTextStyle>
   <p:extLst>
     <p:ext uri="{EFAFB233-063F-42B5-8137-9DF3F51BA10A}">
-      <p15:sldGuideLst xmlns:p15="http://schemas.microsoft.com/office/powerpoint/2012/main" xmlns="">
+      <p15:sldGuideLst xmlns="" xmlns:p15="http://schemas.microsoft.com/office/powerpoint/2012/main">
         <p15:guide id="1" orient="horz" pos="2160">
           <p15:clr>
             <a:srgbClr val="A4A3A4"/>
@@ -174,7 +186,7 @@
       </p15:sldGuideLst>
     </p:ext>
     <p:ext uri="{2D200454-40CA-4A62-9FC3-DE9A4176ACB9}">
-      <p15:notesGuideLst xmlns:p15="http://schemas.microsoft.com/office/powerpoint/2012/main" xmlns="">
+      <p15:notesGuideLst xmlns="" xmlns:p15="http://schemas.microsoft.com/office/powerpoint/2012/main">
         <p15:guide id="1" orient="horz" pos="2928">
           <p15:clr>
             <a:srgbClr val="A4A3A4"/>
@@ -306,7 +318,7 @@
             <a:fld id="{3BF7C7B5-275F-4D1F-9AB4-9255447DBC73}" type="datetimeFigureOut">
               <a:rPr lang="en-US"/>
               <a:pPr/>
-              <a:t>10/27/2014</a:t>
+              <a:t>11/4/2014</a:t>
             </a:fld>
             <a:endParaRPr lang="en-US" dirty="0"/>
           </a:p>
@@ -537,7 +549,7 @@
             <a:fld id="{9B46F231-FB2B-4655-A644-E2477325E686}" type="datetimeFigureOut">
               <a:rPr lang="en-US"/>
               <a:pPr/>
-              <a:t>10/27/2014</a:t>
+              <a:t>11/4/2014</a:t>
             </a:fld>
             <a:endParaRPr lang="en-US" dirty="0"/>
           </a:p>
@@ -1168,7 +1180,7 @@
                 </a:solidFill>
               </a:rPr>
               <a:pPr/>
-              <a:t>10/27/2014</a:t>
+              <a:t>11/4/2014</a:t>
             </a:fld>
             <a:r>
               <a:rPr lang="en-US" sz="1100" b="0" dirty="0">
@@ -1810,7 +1822,7 @@
                 </a:solidFill>
               </a:rPr>
               <a:pPr/>
-              <a:t>10/27/2014</a:t>
+              <a:t>11/4/2014</a:t>
             </a:fld>
             <a:r>
               <a:rPr lang="en-US" sz="1100" b="0" dirty="0">
@@ -2452,7 +2464,7 @@
                 </a:solidFill>
               </a:rPr>
               <a:pPr/>
-              <a:t>10/27/2014</a:t>
+              <a:t>11/4/2014</a:t>
             </a:fld>
             <a:r>
               <a:rPr lang="en-US" sz="1100" b="0" dirty="0">
@@ -3094,7 +3106,7 @@
                 </a:solidFill>
               </a:rPr>
               <a:pPr/>
-              <a:t>10/27/2014</a:t>
+              <a:t>11/4/2014</a:t>
             </a:fld>
             <a:r>
               <a:rPr lang="en-US" sz="1100" b="0" dirty="0">
@@ -3439,6 +3451,91 @@
     <p:extLst>
       <p:ext uri="{BB962C8B-B14F-4D97-AF65-F5344CB8AC3E}">
         <p14:creationId xmlns:p14="http://schemas.microsoft.com/office/powerpoint/2010/main" val="1309719148"/>
+      </p:ext>
+    </p:extLst>
+  </p:cSld>
+  <p:clrMapOvr>
+    <a:masterClrMapping/>
+  </p:clrMapOvr>
+</p:notes>
+</file>
+
+<file path=ppt/notesSlides/notesSlide5.xml><?xml version="1.0" encoding="utf-8"?>
+<p:notes xmlns:a="http://schemas.openxmlformats.org/drawingml/2006/main" xmlns:r="http://schemas.openxmlformats.org/officeDocument/2006/relationships" xmlns:p="http://schemas.openxmlformats.org/presentationml/2006/main">
+  <p:cSld>
+    <p:spTree>
+      <p:nvGrpSpPr>
+        <p:cNvPr id="1" name=""/>
+        <p:cNvGrpSpPr/>
+        <p:nvPr/>
+      </p:nvGrpSpPr>
+      <p:grpSpPr>
+        <a:xfrm>
+          <a:off x="0" y="0"/>
+          <a:ext cx="0" cy="0"/>
+          <a:chOff x="0" y="0"/>
+          <a:chExt cx="0" cy="0"/>
+        </a:xfrm>
+      </p:grpSpPr>
+      <p:sp>
+        <p:nvSpPr>
+          <p:cNvPr id="2" name="Контейнер за изображение на слайда 1"/>
+          <p:cNvSpPr>
+            <a:spLocks noGrp="1" noRot="1" noChangeAspect="1"/>
+          </p:cNvSpPr>
+          <p:nvPr>
+            <p:ph type="sldImg"/>
+          </p:nvPr>
+        </p:nvSpPr>
+        <p:spPr/>
+      </p:sp>
+      <p:sp>
+        <p:nvSpPr>
+          <p:cNvPr id="3" name="Контейнер за бележки 2"/>
+          <p:cNvSpPr>
+            <a:spLocks noGrp="1"/>
+          </p:cNvSpPr>
+          <p:nvPr>
+            <p:ph type="body" idx="1"/>
+          </p:nvPr>
+        </p:nvSpPr>
+        <p:spPr/>
+        <p:txBody>
+          <a:bodyPr/>
+          <a:lstStyle/>
+          <a:p>
+            <a:endParaRPr lang="bg-BG" dirty="0"/>
+          </a:p>
+        </p:txBody>
+      </p:sp>
+      <p:sp>
+        <p:nvSpPr>
+          <p:cNvPr id="4" name="Контейнер за номер на слайда 3"/>
+          <p:cNvSpPr>
+            <a:spLocks noGrp="1"/>
+          </p:cNvSpPr>
+          <p:nvPr>
+            <p:ph type="sldNum" sz="quarter" idx="10"/>
+          </p:nvPr>
+        </p:nvSpPr>
+        <p:spPr/>
+        <p:txBody>
+          <a:bodyPr/>
+          <a:lstStyle/>
+          <a:p>
+            <a:fld id="{6FB4F6EA-423E-42DF-9292-215E7D886C4E}" type="slidenum">
+              <a:rPr lang="en-US" smtClean="0"/>
+              <a:pPr/>
+              <a:t>31</a:t>
+            </a:fld>
+            <a:endParaRPr lang="en-US" dirty="0"/>
+          </a:p>
+        </p:txBody>
+      </p:sp>
+    </p:spTree>
+    <p:extLst>
+      <p:ext uri="{BB962C8B-B14F-4D97-AF65-F5344CB8AC3E}">
+        <p14:creationId xmlns:p14="http://schemas.microsoft.com/office/powerpoint/2010/main" val="2968209395"/>
       </p:ext>
     </p:extLst>
   </p:cSld>
@@ -8846,11 +8943,7 @@
           <a:p>
             <a:r>
               <a:rPr lang="en-US" dirty="0" smtClean="0"/>
-              <a:t>Introduction to </a:t>
-            </a:r>
-            <a:r>
-              <a:rPr lang="en-US" dirty="0" smtClean="0"/>
-              <a:t>PHP and PHP MVC Frameworks</a:t>
+              <a:t>Introduction to PHP and PHP MVC Frameworks</a:t>
             </a:r>
             <a:endParaRPr lang="en-US" dirty="0"/>
           </a:p>
@@ -10545,11 +10638,7 @@
           <a:p>
             <a:r>
               <a:rPr lang="en-US" dirty="0" smtClean="0"/>
-              <a:t>PHP </a:t>
-            </a:r>
-            <a:r>
-              <a:rPr lang="en-US" dirty="0" smtClean="0"/>
-              <a:t>Language overview</a:t>
+              <a:t>PHP Language overview</a:t>
             </a:r>
             <a:endParaRPr lang="en-US" dirty="0"/>
           </a:p>
@@ -10616,37 +10705,7 @@
                   <a:srgbClr val="F4FCD8"/>
                 </a:solidFill>
               </a:rPr>
-              <a:t>Operators and expressions</a:t>
-            </a:r>
-          </a:p>
-          <a:p>
-            <a:pPr>
-              <a:lnSpc>
-                <a:spcPct val="100000"/>
-              </a:lnSpc>
-            </a:pPr>
-            <a:r>
-              <a:rPr lang="en-US" sz="2800" dirty="0" smtClean="0">
-                <a:solidFill>
-                  <a:srgbClr val="F4FCD8"/>
-                </a:solidFill>
-              </a:rPr>
-              <a:t>Statements</a:t>
-            </a:r>
-          </a:p>
-          <a:p>
-            <a:pPr>
-              <a:lnSpc>
-                <a:spcPct val="100000"/>
-              </a:lnSpc>
-            </a:pPr>
-            <a:r>
-              <a:rPr lang="en-US" sz="2800" dirty="0" smtClean="0">
-                <a:solidFill>
-                  <a:srgbClr val="F4FCD8"/>
-                </a:solidFill>
-              </a:rPr>
-              <a:t>Error handling</a:t>
+              <a:t>Operators </a:t>
             </a:r>
             <a:endParaRPr lang="en-US" sz="2800" dirty="0" smtClean="0">
               <a:solidFill>
@@ -10666,22 +10725,7 @@
                   <a:srgbClr val="F4FCD8"/>
                 </a:solidFill>
               </a:rPr>
-              <a:t>Core functions</a:t>
-            </a:r>
-          </a:p>
-          <a:p>
-            <a:pPr>
-              <a:lnSpc>
-                <a:spcPct val="100000"/>
-              </a:lnSpc>
-            </a:pPr>
-            <a:r>
-              <a:rPr lang="en-US" sz="2800" dirty="0" smtClean="0">
-                <a:solidFill>
-                  <a:srgbClr val="F4FCD8"/>
-                </a:solidFill>
-              </a:rPr>
-              <a:t>Linking code files</a:t>
+              <a:t>Statements</a:t>
             </a:r>
             <a:endParaRPr lang="en-US" sz="2800" dirty="0" smtClean="0">
               <a:solidFill>
@@ -10701,6 +10745,75 @@
                   <a:srgbClr val="F4FCD8"/>
                 </a:solidFill>
               </a:rPr>
+              <a:t>Error handling</a:t>
+            </a:r>
+          </a:p>
+          <a:p>
+            <a:pPr>
+              <a:lnSpc>
+                <a:spcPct val="100000"/>
+              </a:lnSpc>
+            </a:pPr>
+            <a:r>
+              <a:rPr lang="en-US" sz="2800" dirty="0" smtClean="0">
+                <a:solidFill>
+                  <a:srgbClr val="F4FCD8"/>
+                </a:solidFill>
+              </a:rPr>
+              <a:t>Linking </a:t>
+            </a:r>
+            <a:r>
+              <a:rPr lang="en-US" sz="2800" dirty="0" smtClean="0">
+                <a:solidFill>
+                  <a:srgbClr val="F4FCD8"/>
+                </a:solidFill>
+              </a:rPr>
+              <a:t>code </a:t>
+            </a:r>
+            <a:r>
+              <a:rPr lang="en-US" sz="2800" dirty="0" smtClean="0">
+                <a:solidFill>
+                  <a:srgbClr val="F4FCD8"/>
+                </a:solidFill>
+              </a:rPr>
+              <a:t>files</a:t>
+            </a:r>
+          </a:p>
+          <a:p>
+            <a:pPr>
+              <a:lnSpc>
+                <a:spcPct val="100000"/>
+              </a:lnSpc>
+            </a:pPr>
+            <a:r>
+              <a:rPr lang="en-US" sz="2800" dirty="0">
+                <a:solidFill>
+                  <a:srgbClr val="F4FCD8"/>
+                </a:solidFill>
+              </a:rPr>
+              <a:t>Core </a:t>
+            </a:r>
+            <a:r>
+              <a:rPr lang="en-US" sz="2800" dirty="0" smtClean="0">
+                <a:solidFill>
+                  <a:srgbClr val="F4FCD8"/>
+                </a:solidFill>
+              </a:rPr>
+              <a:t>functions</a:t>
+            </a:r>
+          </a:p>
+          <a:p>
+            <a:pPr>
+              <a:lnSpc>
+                <a:spcPct val="100000"/>
+              </a:lnSpc>
+            </a:pPr>
+            <a:r>
+              <a:rPr lang="en-US" sz="2800" dirty="0" smtClean="0">
+                <a:solidFill>
+                  <a:srgbClr val="F4FCD8"/>
+                </a:solidFill>
+              </a:rPr>
               <a:t>Naming </a:t>
             </a:r>
             <a:r>
@@ -10710,6 +10823,14 @@
                 </a:solidFill>
               </a:rPr>
               <a:t>convensions</a:t>
+            </a:r>
+            <a:r>
+              <a:rPr lang="en-US" sz="2800" dirty="0" smtClean="0">
+                <a:solidFill>
+                  <a:srgbClr val="F4FCD8"/>
+                </a:solidFill>
+              </a:rPr>
+              <a:t>(move to end!!!!)</a:t>
             </a:r>
             <a:endParaRPr lang="en-US" sz="2800" dirty="0" smtClean="0">
               <a:solidFill>
@@ -10912,14 +11033,6 @@
               </a:rPr>
               <a:t>&gt;=false] )</a:t>
             </a:r>
-            <a:endParaRPr lang="en-US" sz="2400" dirty="0" smtClean="0">
-              <a:solidFill>
-                <a:schemeClr val="bg2">
-                  <a:lumMod val="20000"/>
-                  <a:lumOff val="80000"/>
-                </a:schemeClr>
-              </a:solidFill>
-            </a:endParaRPr>
           </a:p>
         </p:txBody>
       </p:sp>
@@ -11076,24 +11189,7 @@
                 <a:latin typeface="Consolas" pitchFamily="49" charset="0"/>
                 <a:cs typeface="Consolas" pitchFamily="49" charset="0"/>
               </a:rPr>
-              <a:t>echo GREETING; </a:t>
-            </a:r>
-            <a:r>
-              <a:rPr lang="en-US" sz="1600" b="1" noProof="1">
-                <a:solidFill>
-                  <a:srgbClr val="8CF4F2"/>
-                </a:solidFill>
-                <a:effectLst>
-                  <a:outerShdw blurRad="38100" dist="38100" dir="2700000" algn="tl">
-                    <a:srgbClr val="000000">
-                      <a:alpha val="43137"/>
-                    </a:srgbClr>
-                  </a:outerShdw>
-                </a:effectLst>
-                <a:latin typeface="Consolas" pitchFamily="49" charset="0"/>
-                <a:cs typeface="Consolas" pitchFamily="49" charset="0"/>
-              </a:rPr>
-              <a:t>// </a:t>
+              <a:t>echo GREETING; // </a:t>
             </a:r>
             <a:r>
               <a:rPr lang="en-US" sz="1600" b="1" noProof="1" smtClean="0">
@@ -11192,24 +11288,7 @@
                 <a:latin typeface="Consolas" pitchFamily="49" charset="0"/>
                 <a:cs typeface="Consolas" pitchFamily="49" charset="0"/>
               </a:rPr>
-              <a:t>$age = </a:t>
-            </a:r>
-            <a:r>
-              <a:rPr lang="en-US" sz="1600" b="1" noProof="1">
-                <a:solidFill>
-                  <a:srgbClr val="8CF4F2"/>
-                </a:solidFill>
-                <a:effectLst>
-                  <a:outerShdw blurRad="38100" dist="38100" dir="2700000" algn="tl">
-                    <a:srgbClr val="000000">
-                      <a:alpha val="43137"/>
-                    </a:srgbClr>
-                  </a:outerShdw>
-                </a:effectLst>
-                <a:latin typeface="Consolas" pitchFamily="49" charset="0"/>
-                <a:cs typeface="Consolas" pitchFamily="49" charset="0"/>
-              </a:rPr>
-              <a:t>20</a:t>
+              <a:t>$age = 20</a:t>
             </a:r>
             <a:r>
               <a:rPr lang="en-US" sz="1600" b="1" noProof="1" smtClean="0">
@@ -11274,24 +11353,7 @@
                 <a:latin typeface="Consolas" pitchFamily="49" charset="0"/>
                 <a:cs typeface="Consolas" pitchFamily="49" charset="0"/>
               </a:rPr>
-              <a:t>$ivan="</a:t>
-            </a:r>
-            <a:r>
-              <a:rPr lang="en-US" sz="1600" b="1" noProof="1">
-                <a:solidFill>
-                  <a:srgbClr val="8CF4F2"/>
-                </a:solidFill>
-                <a:effectLst>
-                  <a:outerShdw blurRad="38100" dist="38100" dir="2700000" algn="tl">
-                    <a:srgbClr val="000000">
-                      <a:alpha val="43137"/>
-                    </a:srgbClr>
-                  </a:outerShdw>
-                </a:effectLst>
-                <a:latin typeface="Consolas" pitchFamily="49" charset="0"/>
-                <a:cs typeface="Consolas" pitchFamily="49" charset="0"/>
-              </a:rPr>
-              <a:t>Ivan</a:t>
+              <a:t>$ivan="Ivan</a:t>
             </a:r>
             <a:r>
               <a:rPr lang="en-US" sz="1600" b="1" noProof="1" smtClean="0">
@@ -11356,24 +11418,7 @@
                 <a:latin typeface="Consolas" pitchFamily="49" charset="0"/>
                 <a:cs typeface="Consolas" pitchFamily="49" charset="0"/>
               </a:rPr>
-              <a:t>$maria=</a:t>
-            </a:r>
-            <a:r>
-              <a:rPr lang="en-US" sz="1600" b="1" noProof="1">
-                <a:solidFill>
-                  <a:srgbClr val="8CF4F2"/>
-                </a:solidFill>
-                <a:effectLst>
-                  <a:outerShdw blurRad="38100" dist="38100" dir="2700000" algn="tl">
-                    <a:srgbClr val="000000">
-                      <a:alpha val="43137"/>
-                    </a:srgbClr>
-                  </a:outerShdw>
-                </a:effectLst>
-                <a:latin typeface="Consolas" pitchFamily="49" charset="0"/>
-                <a:cs typeface="Consolas" pitchFamily="49" charset="0"/>
-              </a:rPr>
-              <a:t>'Maria</a:t>
+              <a:t>$maria='Maria</a:t>
             </a:r>
             <a:r>
               <a:rPr lang="en-US" sz="1600" b="1" noProof="1" smtClean="0">
@@ -11424,24 +11469,7 @@
                 <a:latin typeface="Consolas" pitchFamily="49" charset="0"/>
                 <a:cs typeface="Consolas" pitchFamily="49" charset="0"/>
               </a:rPr>
-              <a:t>$</a:t>
-            </a:r>
-            <a:r>
-              <a:rPr lang="en-US" sz="1600" b="1" noProof="1">
-                <a:solidFill>
-                  <a:srgbClr val="8CF4F2"/>
-                </a:solidFill>
-                <a:effectLst>
-                  <a:outerShdw blurRad="38100" dist="38100" dir="2700000" algn="tl">
-                    <a:srgbClr val="000000">
-                      <a:alpha val="43137"/>
-                    </a:srgbClr>
-                  </a:outerShdw>
-                </a:effectLst>
-                <a:latin typeface="Consolas" pitchFamily="49" charset="0"/>
-                <a:cs typeface="Consolas" pitchFamily="49" charset="0"/>
-              </a:rPr>
-              <a:t>PI=3.14</a:t>
+              <a:t>$PI=3.14</a:t>
             </a:r>
             <a:r>
               <a:rPr lang="en-US" sz="1600" b="1" noProof="1" smtClean="0">
@@ -11506,24 +11534,7 @@
                 <a:latin typeface="Consolas" pitchFamily="49" charset="0"/>
                 <a:cs typeface="Consolas" pitchFamily="49" charset="0"/>
               </a:rPr>
-              <a:t>$</a:t>
-            </a:r>
-            <a:r>
-              <a:rPr lang="en-US" sz="1600" b="1" noProof="1">
-                <a:solidFill>
-                  <a:srgbClr val="8CF4F2"/>
-                </a:solidFill>
-                <a:effectLst>
-                  <a:outerShdw blurRad="38100" dist="38100" dir="2700000" algn="tl">
-                    <a:srgbClr val="000000">
-                      <a:alpha val="43137"/>
-                    </a:srgbClr>
-                  </a:outerShdw>
-                </a:effectLst>
-                <a:latin typeface="Consolas" pitchFamily="49" charset="0"/>
-                <a:cs typeface="Consolas" pitchFamily="49" charset="0"/>
-              </a:rPr>
-              <a:t>condition=false</a:t>
+              <a:t>$condition=false</a:t>
             </a:r>
             <a:r>
               <a:rPr lang="en-US" sz="1600" b="1" noProof="1" smtClean="0">
@@ -11625,24 +11636,7 @@
                 <a:latin typeface="Consolas" pitchFamily="49" charset="0"/>
                 <a:cs typeface="Consolas" pitchFamily="49" charset="0"/>
               </a:rPr>
-              <a:t>date('Y</a:t>
-            </a:r>
-            <a:r>
-              <a:rPr lang="en-US" sz="1600" b="1" noProof="1">
-                <a:solidFill>
-                  <a:srgbClr val="8CF4F2"/>
-                </a:solidFill>
-                <a:effectLst>
-                  <a:outerShdw blurRad="38100" dist="38100" dir="2700000" algn="tl">
-                    <a:srgbClr val="000000">
-                      <a:alpha val="43137"/>
-                    </a:srgbClr>
-                  </a:outerShdw>
-                </a:effectLst>
-                <a:latin typeface="Consolas" pitchFamily="49" charset="0"/>
-                <a:cs typeface="Consolas" pitchFamily="49" charset="0"/>
-              </a:rPr>
-              <a:t>') </a:t>
+              <a:t>date('Y') </a:t>
             </a:r>
             <a:r>
               <a:rPr lang="en-US" sz="1600" b="1" noProof="1" smtClean="0">
@@ -12070,20 +12064,6 @@
               </a:rPr>
               <a:t>$$var_name="value";</a:t>
             </a:r>
-            <a:endParaRPr lang="en-US" sz="1600" b="1" noProof="1">
-              <a:solidFill>
-                <a:srgbClr val="8CF4F2"/>
-              </a:solidFill>
-              <a:effectLst>
-                <a:outerShdw blurRad="38100" dist="38100" dir="2700000" algn="tl">
-                  <a:srgbClr val="000000">
-                    <a:alpha val="43137"/>
-                  </a:srgbClr>
-                </a:outerShdw>
-              </a:effectLst>
-              <a:latin typeface="Consolas" pitchFamily="49" charset="0"/>
-              <a:cs typeface="Consolas" pitchFamily="49" charset="0"/>
-            </a:endParaRPr>
           </a:p>
         </p:txBody>
       </p:sp>
@@ -12208,20 +12188,6 @@
               </a:rPr>
               <a:t>)</a:t>
             </a:r>
-            <a:endParaRPr lang="en-US" sz="1600" b="1" noProof="1">
-              <a:solidFill>
-                <a:srgbClr val="8CF4F2"/>
-              </a:solidFill>
-              <a:effectLst>
-                <a:outerShdw blurRad="38100" dist="38100" dir="2700000" algn="tl">
-                  <a:srgbClr val="000000">
-                    <a:alpha val="43137"/>
-                  </a:srgbClr>
-                </a:outerShdw>
-              </a:effectLst>
-              <a:latin typeface="Consolas" pitchFamily="49" charset="0"/>
-              <a:cs typeface="Consolas" pitchFamily="49" charset="0"/>
-            </a:endParaRPr>
           </a:p>
         </p:txBody>
       </p:sp>
@@ -12284,7 +12250,11 @@
           <a:p>
             <a:r>
               <a:rPr lang="en-US" dirty="0" smtClean="0"/>
-              <a:t>Data structures and resources</a:t>
+              <a:t>Data </a:t>
+            </a:r>
+            <a:r>
+              <a:rPr lang="en-US" dirty="0" smtClean="0"/>
+              <a:t>structures</a:t>
             </a:r>
             <a:endParaRPr lang="en-US" dirty="0"/>
           </a:p>
@@ -12999,6 +12969,5144 @@
 </p:sld>
 </file>
 
+<file path=ppt/slides/slide20.xml><?xml version="1.0" encoding="utf-8"?>
+<p:sld xmlns:a="http://schemas.openxmlformats.org/drawingml/2006/main" xmlns:r="http://schemas.openxmlformats.org/officeDocument/2006/relationships" xmlns:p="http://schemas.openxmlformats.org/presentationml/2006/main">
+  <p:cSld>
+    <p:spTree>
+      <p:nvGrpSpPr>
+        <p:cNvPr id="1" name=""/>
+        <p:cNvGrpSpPr/>
+        <p:nvPr/>
+      </p:nvGrpSpPr>
+      <p:grpSpPr>
+        <a:xfrm>
+          <a:off x="0" y="0"/>
+          <a:ext cx="0" cy="0"/>
+          <a:chOff x="0" y="0"/>
+          <a:chExt cx="0" cy="0"/>
+        </a:xfrm>
+      </p:grpSpPr>
+      <p:sp>
+        <p:nvSpPr>
+          <p:cNvPr id="2" name="Title 1"/>
+          <p:cNvSpPr>
+            <a:spLocks noGrp="1"/>
+          </p:cNvSpPr>
+          <p:nvPr>
+            <p:ph type="title"/>
+          </p:nvPr>
+        </p:nvSpPr>
+        <p:spPr>
+          <a:xfrm>
+            <a:off x="1828800" y="162086"/>
+            <a:ext cx="7086600" cy="914400"/>
+          </a:xfrm>
+        </p:spPr>
+        <p:txBody>
+          <a:bodyPr/>
+          <a:lstStyle/>
+          <a:p>
+            <a:r>
+              <a:rPr lang="en-US" dirty="0" smtClean="0"/>
+              <a:t>Data </a:t>
+            </a:r>
+            <a:r>
+              <a:rPr lang="en-US" dirty="0" smtClean="0"/>
+              <a:t>structures(2)</a:t>
+            </a:r>
+            <a:endParaRPr lang="en-US" dirty="0"/>
+          </a:p>
+        </p:txBody>
+      </p:sp>
+      <p:sp>
+        <p:nvSpPr>
+          <p:cNvPr id="3" name="Content Placeholder 2"/>
+          <p:cNvSpPr>
+            <a:spLocks noGrp="1"/>
+          </p:cNvSpPr>
+          <p:nvPr>
+            <p:ph idx="1"/>
+          </p:nvPr>
+        </p:nvSpPr>
+        <p:spPr>
+          <a:xfrm>
+            <a:off x="228600" y="1371600"/>
+            <a:ext cx="8686800" cy="3651348"/>
+          </a:xfrm>
+        </p:spPr>
+        <p:txBody>
+          <a:bodyPr/>
+          <a:lstStyle/>
+          <a:p>
+            <a:pPr>
+              <a:lnSpc>
+                <a:spcPct val="100000"/>
+              </a:lnSpc>
+            </a:pPr>
+            <a:r>
+              <a:rPr lang="en-US" dirty="0" smtClean="0">
+                <a:solidFill>
+                  <a:srgbClr val="F4FCD8"/>
+                </a:solidFill>
+              </a:rPr>
+              <a:t>Lists</a:t>
+            </a:r>
+            <a:endParaRPr lang="en-US" dirty="0" smtClean="0">
+              <a:solidFill>
+                <a:srgbClr val="F4FCD8"/>
+              </a:solidFill>
+            </a:endParaRPr>
+          </a:p>
+          <a:p>
+            <a:pPr lvl="1">
+              <a:lnSpc>
+                <a:spcPct val="100000"/>
+              </a:lnSpc>
+            </a:pPr>
+            <a:r>
+              <a:rPr lang="en-US" sz="2400" dirty="0" smtClean="0">
+                <a:solidFill>
+                  <a:srgbClr val="F4FCD8"/>
+                </a:solidFill>
+              </a:rPr>
+              <a:t>Assign variables to array values</a:t>
+            </a:r>
+            <a:endParaRPr lang="en-US" sz="2400" dirty="0" smtClean="0">
+              <a:solidFill>
+                <a:srgbClr val="F4FCD8"/>
+              </a:solidFill>
+            </a:endParaRPr>
+          </a:p>
+          <a:p>
+            <a:pPr lvl="1">
+              <a:lnSpc>
+                <a:spcPct val="100000"/>
+              </a:lnSpc>
+            </a:pPr>
+            <a:r>
+              <a:rPr lang="en-US" sz="2400" dirty="0" smtClean="0">
+                <a:solidFill>
+                  <a:srgbClr val="F4FCD8"/>
+                </a:solidFill>
+              </a:rPr>
+              <a:t>Useful for making array values more readable</a:t>
+            </a:r>
+          </a:p>
+          <a:p>
+            <a:pPr lvl="1">
+              <a:lnSpc>
+                <a:spcPct val="100000"/>
+              </a:lnSpc>
+            </a:pPr>
+            <a:endParaRPr lang="en-US" sz="2400" dirty="0">
+              <a:solidFill>
+                <a:srgbClr val="F4FCD8"/>
+              </a:solidFill>
+            </a:endParaRPr>
+          </a:p>
+          <a:p>
+            <a:pPr lvl="1">
+              <a:lnSpc>
+                <a:spcPct val="100000"/>
+              </a:lnSpc>
+            </a:pPr>
+            <a:endParaRPr lang="en-US" sz="2400" dirty="0" smtClean="0">
+              <a:solidFill>
+                <a:srgbClr val="F4FCD8"/>
+              </a:solidFill>
+            </a:endParaRPr>
+          </a:p>
+          <a:p>
+            <a:pPr lvl="1">
+              <a:lnSpc>
+                <a:spcPct val="100000"/>
+              </a:lnSpc>
+            </a:pPr>
+            <a:endParaRPr lang="en-US" sz="2400" dirty="0">
+              <a:solidFill>
+                <a:srgbClr val="F4FCD8"/>
+              </a:solidFill>
+            </a:endParaRPr>
+          </a:p>
+          <a:p>
+            <a:pPr>
+              <a:lnSpc>
+                <a:spcPct val="100000"/>
+              </a:lnSpc>
+            </a:pPr>
+            <a:r>
+              <a:rPr lang="en-US" sz="2800" dirty="0" err="1" smtClean="0">
+                <a:solidFill>
+                  <a:srgbClr val="F4FCD8"/>
+                </a:solidFill>
+              </a:rPr>
+              <a:t>Spl</a:t>
+            </a:r>
+            <a:r>
+              <a:rPr lang="en-US" sz="2800" dirty="0" smtClean="0">
+                <a:solidFill>
+                  <a:srgbClr val="F4FCD8"/>
+                </a:solidFill>
+              </a:rPr>
+              <a:t> data structures</a:t>
+            </a:r>
+          </a:p>
+          <a:p>
+            <a:pPr lvl="1"/>
+            <a:r>
+              <a:rPr lang="en-GB" sz="2400" dirty="0" err="1" smtClean="0">
+                <a:hlinkClick r:id="rId2"/>
+              </a:rPr>
+              <a:t>SplDoublyLinkedList</a:t>
+            </a:r>
+            <a:r>
+              <a:rPr lang="en-GB" sz="2400" dirty="0" smtClean="0"/>
+              <a:t>, </a:t>
+            </a:r>
+            <a:r>
+              <a:rPr lang="en-GB" sz="2400" dirty="0" err="1" smtClean="0">
+                <a:hlinkClick r:id="rId3"/>
+              </a:rPr>
+              <a:t>SplStack</a:t>
+            </a:r>
+            <a:r>
+              <a:rPr lang="en-GB" sz="2400" dirty="0" smtClean="0"/>
+              <a:t>, </a:t>
+            </a:r>
+            <a:r>
+              <a:rPr lang="en-GB" sz="2400" dirty="0" err="1" smtClean="0">
+                <a:hlinkClick r:id="rId4"/>
+              </a:rPr>
+              <a:t>SplQueue</a:t>
+            </a:r>
+            <a:r>
+              <a:rPr lang="en-GB" sz="2400" dirty="0" smtClean="0">
+                <a:hlinkClick r:id="rId5"/>
+              </a:rPr>
+              <a:t>, </a:t>
+            </a:r>
+            <a:r>
+              <a:rPr lang="en-GB" sz="2400" dirty="0" err="1" smtClean="0">
+                <a:hlinkClick r:id="rId5"/>
+              </a:rPr>
+              <a:t>SplHeap</a:t>
+            </a:r>
+            <a:r>
+              <a:rPr lang="en-GB" sz="2400" dirty="0" smtClean="0"/>
+              <a:t>, </a:t>
+            </a:r>
+            <a:r>
+              <a:rPr lang="en-GB" sz="2400" dirty="0" err="1" smtClean="0">
+                <a:hlinkClick r:id="rId6"/>
+              </a:rPr>
+              <a:t>SplPriorityQueue</a:t>
+            </a:r>
+            <a:r>
+              <a:rPr lang="en-GB" sz="2400" dirty="0" smtClean="0"/>
+              <a:t>, </a:t>
+            </a:r>
+            <a:r>
+              <a:rPr lang="en-GB" sz="2400" dirty="0" err="1" smtClean="0">
+                <a:hlinkClick r:id="rId7"/>
+              </a:rPr>
+              <a:t>SplFixedArray</a:t>
+            </a:r>
+            <a:r>
+              <a:rPr lang="en-GB" sz="2400" dirty="0" smtClean="0"/>
+              <a:t>, </a:t>
+            </a:r>
+            <a:r>
+              <a:rPr lang="en-GB" sz="2400" dirty="0" err="1" smtClean="0">
+                <a:hlinkClick r:id="rId8"/>
+              </a:rPr>
+              <a:t>SplObjectStorage</a:t>
+            </a:r>
+            <a:endParaRPr lang="en-GB" sz="2400" dirty="0"/>
+          </a:p>
+          <a:p>
+            <a:pPr lvl="1">
+              <a:lnSpc>
+                <a:spcPct val="100000"/>
+              </a:lnSpc>
+            </a:pPr>
+            <a:endParaRPr lang="en-US" sz="2800" dirty="0" smtClean="0">
+              <a:solidFill>
+                <a:srgbClr val="F4FCD8"/>
+              </a:solidFill>
+            </a:endParaRPr>
+          </a:p>
+          <a:p>
+            <a:pPr lvl="1">
+              <a:lnSpc>
+                <a:spcPct val="100000"/>
+              </a:lnSpc>
+            </a:pPr>
+            <a:endParaRPr lang="en-US" sz="2800" dirty="0" smtClean="0">
+              <a:solidFill>
+                <a:srgbClr val="F4FCD8"/>
+              </a:solidFill>
+            </a:endParaRPr>
+          </a:p>
+          <a:p>
+            <a:pPr lvl="1">
+              <a:lnSpc>
+                <a:spcPct val="100000"/>
+              </a:lnSpc>
+            </a:pPr>
+            <a:endParaRPr lang="en-US" sz="2400" dirty="0">
+              <a:solidFill>
+                <a:srgbClr val="F4FCD8"/>
+              </a:solidFill>
+            </a:endParaRPr>
+          </a:p>
+        </p:txBody>
+      </p:sp>
+      <p:sp>
+        <p:nvSpPr>
+          <p:cNvPr id="5" name="Rectangle 4"/>
+          <p:cNvSpPr>
+            <a:spLocks noChangeArrowheads="1"/>
+          </p:cNvSpPr>
+          <p:nvPr/>
+        </p:nvSpPr>
+        <p:spPr bwMode="auto">
+          <a:xfrm>
+            <a:off x="533400" y="3096161"/>
+            <a:ext cx="8153400" cy="1323439"/>
+          </a:xfrm>
+          <a:prstGeom prst="rect">
+            <a:avLst/>
+          </a:prstGeom>
+          <a:solidFill>
+            <a:schemeClr val="accent5">
+              <a:lumMod val="40000"/>
+              <a:lumOff val="60000"/>
+              <a:alpha val="15000"/>
+            </a:schemeClr>
+          </a:solidFill>
+          <a:ln w="12700">
+            <a:solidFill>
+              <a:schemeClr val="accent5">
+                <a:lumMod val="60000"/>
+                <a:lumOff val="40000"/>
+              </a:schemeClr>
+            </a:solidFill>
+          </a:ln>
+        </p:spPr>
+        <p:txBody>
+          <a:bodyPr wrap="square">
+            <a:spAutoFit/>
+          </a:bodyPr>
+          <a:lstStyle/>
+          <a:p>
+            <a:pPr>
+              <a:lnSpc>
+                <a:spcPct val="100000"/>
+              </a:lnSpc>
+              <a:spcBef>
+                <a:spcPts val="0"/>
+              </a:spcBef>
+              <a:buClr>
+                <a:schemeClr val="accent5">
+                  <a:lumMod val="40000"/>
+                  <a:lumOff val="60000"/>
+                </a:schemeClr>
+              </a:buClr>
+              <a:buSzPct val="70000"/>
+            </a:pPr>
+            <a:r>
+              <a:rPr lang="en-US" sz="1600" b="1" noProof="1" smtClean="0">
+                <a:solidFill>
+                  <a:srgbClr val="8CF4F2"/>
+                </a:solidFill>
+                <a:effectLst>
+                  <a:outerShdw blurRad="38100" dist="38100" dir="2700000" algn="tl">
+                    <a:srgbClr val="000000">
+                      <a:alpha val="43137"/>
+                    </a:srgbClr>
+                  </a:outerShdw>
+                </a:effectLst>
+                <a:latin typeface="Consolas" pitchFamily="49" charset="0"/>
+                <a:cs typeface="Consolas" pitchFamily="49" charset="0"/>
+              </a:rPr>
+              <a:t>$</a:t>
+            </a:r>
+            <a:r>
+              <a:rPr lang="en-US" sz="1600" b="1" noProof="1">
+                <a:solidFill>
+                  <a:srgbClr val="8CF4F2"/>
+                </a:solidFill>
+                <a:effectLst>
+                  <a:outerShdw blurRad="38100" dist="38100" dir="2700000" algn="tl">
+                    <a:srgbClr val="000000">
+                      <a:alpha val="43137"/>
+                    </a:srgbClr>
+                  </a:outerShdw>
+                </a:effectLst>
+                <a:latin typeface="Consolas" pitchFamily="49" charset="0"/>
+                <a:cs typeface="Consolas" pitchFamily="49" charset="0"/>
+              </a:rPr>
+              <a:t>info = array('coffee', 'brown', 'caffeine');</a:t>
+            </a:r>
+          </a:p>
+          <a:p>
+            <a:pPr>
+              <a:lnSpc>
+                <a:spcPct val="100000"/>
+              </a:lnSpc>
+              <a:spcBef>
+                <a:spcPts val="0"/>
+              </a:spcBef>
+              <a:buClr>
+                <a:schemeClr val="accent5">
+                  <a:lumMod val="40000"/>
+                  <a:lumOff val="60000"/>
+                </a:schemeClr>
+              </a:buClr>
+              <a:buSzPct val="70000"/>
+            </a:pPr>
+            <a:endParaRPr lang="en-US" sz="1600" b="1" noProof="1">
+              <a:solidFill>
+                <a:srgbClr val="8CF4F2"/>
+              </a:solidFill>
+              <a:effectLst>
+                <a:outerShdw blurRad="38100" dist="38100" dir="2700000" algn="tl">
+                  <a:srgbClr val="000000">
+                    <a:alpha val="43137"/>
+                  </a:srgbClr>
+                </a:outerShdw>
+              </a:effectLst>
+              <a:latin typeface="Consolas" pitchFamily="49" charset="0"/>
+              <a:cs typeface="Consolas" pitchFamily="49" charset="0"/>
+            </a:endParaRPr>
+          </a:p>
+          <a:p>
+            <a:pPr>
+              <a:lnSpc>
+                <a:spcPct val="100000"/>
+              </a:lnSpc>
+              <a:spcBef>
+                <a:spcPts val="0"/>
+              </a:spcBef>
+              <a:buClr>
+                <a:schemeClr val="accent5">
+                  <a:lumMod val="40000"/>
+                  <a:lumOff val="60000"/>
+                </a:schemeClr>
+              </a:buClr>
+              <a:buSzPct val="70000"/>
+            </a:pPr>
+            <a:r>
+              <a:rPr lang="en-US" sz="1600" b="1" noProof="1">
+                <a:solidFill>
+                  <a:srgbClr val="8CF4F2"/>
+                </a:solidFill>
+                <a:effectLst>
+                  <a:outerShdw blurRad="38100" dist="38100" dir="2700000" algn="tl">
+                    <a:srgbClr val="000000">
+                      <a:alpha val="43137"/>
+                    </a:srgbClr>
+                  </a:outerShdw>
+                </a:effectLst>
+                <a:latin typeface="Consolas" pitchFamily="49" charset="0"/>
+                <a:cs typeface="Consolas" pitchFamily="49" charset="0"/>
+              </a:rPr>
+              <a:t>list($drink, $color, $power) = $info;</a:t>
+            </a:r>
+          </a:p>
+          <a:p>
+            <a:pPr>
+              <a:lnSpc>
+                <a:spcPct val="100000"/>
+              </a:lnSpc>
+              <a:spcBef>
+                <a:spcPts val="0"/>
+              </a:spcBef>
+              <a:buClr>
+                <a:schemeClr val="accent5">
+                  <a:lumMod val="40000"/>
+                  <a:lumOff val="60000"/>
+                </a:schemeClr>
+              </a:buClr>
+              <a:buSzPct val="70000"/>
+            </a:pPr>
+            <a:endParaRPr lang="en-US" sz="1600" b="1" noProof="1" smtClean="0">
+              <a:solidFill>
+                <a:srgbClr val="8CF4F2"/>
+              </a:solidFill>
+              <a:effectLst>
+                <a:outerShdw blurRad="38100" dist="38100" dir="2700000" algn="tl">
+                  <a:srgbClr val="000000">
+                    <a:alpha val="43137"/>
+                  </a:srgbClr>
+                </a:outerShdw>
+              </a:effectLst>
+              <a:latin typeface="Consolas" pitchFamily="49" charset="0"/>
+              <a:cs typeface="Consolas" pitchFamily="49" charset="0"/>
+            </a:endParaRPr>
+          </a:p>
+          <a:p>
+            <a:pPr>
+              <a:lnSpc>
+                <a:spcPct val="100000"/>
+              </a:lnSpc>
+              <a:spcBef>
+                <a:spcPts val="0"/>
+              </a:spcBef>
+              <a:buClr>
+                <a:schemeClr val="accent5">
+                  <a:lumMod val="40000"/>
+                  <a:lumOff val="60000"/>
+                </a:schemeClr>
+              </a:buClr>
+              <a:buSzPct val="70000"/>
+            </a:pPr>
+            <a:r>
+              <a:rPr lang="en-US" sz="1600" b="1" noProof="1" smtClean="0">
+                <a:solidFill>
+                  <a:srgbClr val="8CF4F2"/>
+                </a:solidFill>
+                <a:effectLst>
+                  <a:outerShdw blurRad="38100" dist="38100" dir="2700000" algn="tl">
+                    <a:srgbClr val="000000">
+                      <a:alpha val="43137"/>
+                    </a:srgbClr>
+                  </a:outerShdw>
+                </a:effectLst>
+                <a:latin typeface="Consolas" pitchFamily="49" charset="0"/>
+                <a:cs typeface="Consolas" pitchFamily="49" charset="0"/>
+              </a:rPr>
+              <a:t>echo </a:t>
+            </a:r>
+            <a:r>
+              <a:rPr lang="en-US" sz="1600" b="1" noProof="1">
+                <a:solidFill>
+                  <a:srgbClr val="8CF4F2"/>
+                </a:solidFill>
+                <a:effectLst>
+                  <a:outerShdw blurRad="38100" dist="38100" dir="2700000" algn="tl">
+                    <a:srgbClr val="000000">
+                      <a:alpha val="43137"/>
+                    </a:srgbClr>
+                  </a:outerShdw>
+                </a:effectLst>
+                <a:latin typeface="Consolas" pitchFamily="49" charset="0"/>
+                <a:cs typeface="Consolas" pitchFamily="49" charset="0"/>
+              </a:rPr>
+              <a:t>"$drink is $color and $power makes it special.\n";</a:t>
+            </a:r>
+            <a:endParaRPr lang="en-US" sz="1600" b="1" noProof="1">
+              <a:solidFill>
+                <a:srgbClr val="8CF4F2"/>
+              </a:solidFill>
+              <a:effectLst>
+                <a:outerShdw blurRad="38100" dist="38100" dir="2700000" algn="tl">
+                  <a:srgbClr val="000000">
+                    <a:alpha val="43137"/>
+                  </a:srgbClr>
+                </a:outerShdw>
+              </a:effectLst>
+              <a:latin typeface="Consolas" pitchFamily="49" charset="0"/>
+              <a:cs typeface="Consolas" pitchFamily="49" charset="0"/>
+            </a:endParaRPr>
+          </a:p>
+        </p:txBody>
+      </p:sp>
+    </p:spTree>
+    <p:extLst>
+      <p:ext uri="{BB962C8B-B14F-4D97-AF65-F5344CB8AC3E}">
+        <p14:creationId xmlns:p14="http://schemas.microsoft.com/office/powerpoint/2010/main" val="2356002685"/>
+      </p:ext>
+    </p:extLst>
+  </p:cSld>
+  <p:clrMapOvr>
+    <a:masterClrMapping/>
+  </p:clrMapOvr>
+  <p:timing>
+    <p:tnLst>
+      <p:par>
+        <p:cTn id="1" dur="indefinite" restart="never" nodeType="tmRoot"/>
+      </p:par>
+    </p:tnLst>
+  </p:timing>
+</p:sld>
+</file>
+
+<file path=ppt/slides/slide21.xml><?xml version="1.0" encoding="utf-8"?>
+<p:sld xmlns:a="http://schemas.openxmlformats.org/drawingml/2006/main" xmlns:r="http://schemas.openxmlformats.org/officeDocument/2006/relationships" xmlns:p="http://schemas.openxmlformats.org/presentationml/2006/main">
+  <p:cSld>
+    <p:spTree>
+      <p:nvGrpSpPr>
+        <p:cNvPr id="1" name=""/>
+        <p:cNvGrpSpPr/>
+        <p:nvPr/>
+      </p:nvGrpSpPr>
+      <p:grpSpPr>
+        <a:xfrm>
+          <a:off x="0" y="0"/>
+          <a:ext cx="0" cy="0"/>
+          <a:chOff x="0" y="0"/>
+          <a:chExt cx="0" cy="0"/>
+        </a:xfrm>
+      </p:grpSpPr>
+      <p:sp>
+        <p:nvSpPr>
+          <p:cNvPr id="2" name="Title 1"/>
+          <p:cNvSpPr>
+            <a:spLocks noGrp="1"/>
+          </p:cNvSpPr>
+          <p:nvPr>
+            <p:ph type="title"/>
+          </p:nvPr>
+        </p:nvSpPr>
+        <p:spPr>
+          <a:xfrm>
+            <a:off x="1828800" y="162086"/>
+            <a:ext cx="7086600" cy="914400"/>
+          </a:xfrm>
+        </p:spPr>
+        <p:txBody>
+          <a:bodyPr/>
+          <a:lstStyle/>
+          <a:p>
+            <a:r>
+              <a:rPr lang="en-US" dirty="0" smtClean="0"/>
+              <a:t>Resources</a:t>
+            </a:r>
+            <a:endParaRPr lang="en-US" dirty="0"/>
+          </a:p>
+        </p:txBody>
+      </p:sp>
+      <p:sp>
+        <p:nvSpPr>
+          <p:cNvPr id="3" name="Content Placeholder 2"/>
+          <p:cNvSpPr>
+            <a:spLocks noGrp="1"/>
+          </p:cNvSpPr>
+          <p:nvPr>
+            <p:ph idx="1"/>
+          </p:nvPr>
+        </p:nvSpPr>
+        <p:spPr>
+          <a:xfrm>
+            <a:off x="228600" y="1371600"/>
+            <a:ext cx="8686800" cy="3651348"/>
+          </a:xfrm>
+        </p:spPr>
+        <p:txBody>
+          <a:bodyPr/>
+          <a:lstStyle/>
+          <a:p>
+            <a:pPr>
+              <a:lnSpc>
+                <a:spcPct val="100000"/>
+              </a:lnSpc>
+            </a:pPr>
+            <a:r>
+              <a:rPr lang="en-US" dirty="0"/>
+              <a:t>A resource is a special variable, holding a reference to an external resource. </a:t>
+            </a:r>
+            <a:endParaRPr lang="en-US" dirty="0" smtClean="0"/>
+          </a:p>
+          <a:p>
+            <a:pPr lvl="1">
+              <a:lnSpc>
+                <a:spcPct val="100000"/>
+              </a:lnSpc>
+            </a:pPr>
+            <a:r>
+              <a:rPr lang="en-US" dirty="0" smtClean="0"/>
+              <a:t>Resources </a:t>
+            </a:r>
+            <a:r>
+              <a:rPr lang="en-US" dirty="0"/>
+              <a:t>are created and used by special functions. </a:t>
+            </a:r>
+            <a:endParaRPr lang="en-US" sz="2200" dirty="0">
+              <a:solidFill>
+                <a:srgbClr val="F4FCD8"/>
+              </a:solidFill>
+            </a:endParaRPr>
+          </a:p>
+        </p:txBody>
+      </p:sp>
+      <p:sp>
+        <p:nvSpPr>
+          <p:cNvPr id="5" name="Rectangle 4"/>
+          <p:cNvSpPr>
+            <a:spLocks noChangeArrowheads="1"/>
+          </p:cNvSpPr>
+          <p:nvPr/>
+        </p:nvSpPr>
+        <p:spPr bwMode="auto">
+          <a:xfrm>
+            <a:off x="533400" y="3746718"/>
+            <a:ext cx="8153400" cy="1815882"/>
+          </a:xfrm>
+          <a:prstGeom prst="rect">
+            <a:avLst/>
+          </a:prstGeom>
+          <a:solidFill>
+            <a:schemeClr val="accent5">
+              <a:lumMod val="40000"/>
+              <a:lumOff val="60000"/>
+              <a:alpha val="15000"/>
+            </a:schemeClr>
+          </a:solidFill>
+          <a:ln w="12700">
+            <a:solidFill>
+              <a:schemeClr val="accent5">
+                <a:lumMod val="60000"/>
+                <a:lumOff val="40000"/>
+              </a:schemeClr>
+            </a:solidFill>
+          </a:ln>
+        </p:spPr>
+        <p:txBody>
+          <a:bodyPr wrap="square">
+            <a:spAutoFit/>
+          </a:bodyPr>
+          <a:lstStyle/>
+          <a:p>
+            <a:pPr>
+              <a:lnSpc>
+                <a:spcPct val="100000"/>
+              </a:lnSpc>
+              <a:spcBef>
+                <a:spcPts val="0"/>
+              </a:spcBef>
+              <a:buClr>
+                <a:schemeClr val="accent5">
+                  <a:lumMod val="40000"/>
+                  <a:lumOff val="60000"/>
+                </a:schemeClr>
+              </a:buClr>
+              <a:buSzPct val="70000"/>
+            </a:pPr>
+            <a:r>
+              <a:rPr lang="en-US" sz="1600" b="1" noProof="1" smtClean="0">
+                <a:solidFill>
+                  <a:srgbClr val="8CF4F2"/>
+                </a:solidFill>
+                <a:effectLst>
+                  <a:outerShdw blurRad="38100" dist="38100" dir="2700000" algn="tl">
+                    <a:srgbClr val="000000">
+                      <a:alpha val="43137"/>
+                    </a:srgbClr>
+                  </a:outerShdw>
+                </a:effectLst>
+                <a:latin typeface="Consolas" pitchFamily="49" charset="0"/>
+                <a:cs typeface="Consolas" pitchFamily="49" charset="0"/>
+              </a:rPr>
+              <a:t>// </a:t>
+            </a:r>
+            <a:r>
+              <a:rPr lang="en-US" sz="1600" b="1" noProof="1">
+                <a:solidFill>
+                  <a:srgbClr val="8CF4F2"/>
+                </a:solidFill>
+                <a:effectLst>
+                  <a:outerShdw blurRad="38100" dist="38100" dir="2700000" algn="tl">
+                    <a:srgbClr val="000000">
+                      <a:alpha val="43137"/>
+                    </a:srgbClr>
+                  </a:outerShdw>
+                </a:effectLst>
+                <a:latin typeface="Consolas" pitchFamily="49" charset="0"/>
+                <a:cs typeface="Consolas" pitchFamily="49" charset="0"/>
+              </a:rPr>
+              <a:t>prints: mysql link</a:t>
+            </a:r>
+          </a:p>
+          <a:p>
+            <a:pPr>
+              <a:lnSpc>
+                <a:spcPct val="100000"/>
+              </a:lnSpc>
+              <a:spcBef>
+                <a:spcPts val="0"/>
+              </a:spcBef>
+              <a:buClr>
+                <a:schemeClr val="accent5">
+                  <a:lumMod val="40000"/>
+                  <a:lumOff val="60000"/>
+                </a:schemeClr>
+              </a:buClr>
+              <a:buSzPct val="70000"/>
+            </a:pPr>
+            <a:r>
+              <a:rPr lang="en-US" sz="1600" b="1" noProof="1">
+                <a:solidFill>
+                  <a:srgbClr val="8CF4F2"/>
+                </a:solidFill>
+                <a:effectLst>
+                  <a:outerShdw blurRad="38100" dist="38100" dir="2700000" algn="tl">
+                    <a:srgbClr val="000000">
+                      <a:alpha val="43137"/>
+                    </a:srgbClr>
+                  </a:outerShdw>
+                </a:effectLst>
+                <a:latin typeface="Consolas" pitchFamily="49" charset="0"/>
+                <a:cs typeface="Consolas" pitchFamily="49" charset="0"/>
+              </a:rPr>
+              <a:t>$c = mysql_connect();</a:t>
+            </a:r>
+          </a:p>
+          <a:p>
+            <a:pPr>
+              <a:lnSpc>
+                <a:spcPct val="100000"/>
+              </a:lnSpc>
+              <a:spcBef>
+                <a:spcPts val="0"/>
+              </a:spcBef>
+              <a:buClr>
+                <a:schemeClr val="accent5">
+                  <a:lumMod val="40000"/>
+                  <a:lumOff val="60000"/>
+                </a:schemeClr>
+              </a:buClr>
+              <a:buSzPct val="70000"/>
+            </a:pPr>
+            <a:r>
+              <a:rPr lang="en-US" sz="1600" b="1" noProof="1">
+                <a:solidFill>
+                  <a:srgbClr val="8CF4F2"/>
+                </a:solidFill>
+                <a:effectLst>
+                  <a:outerShdw blurRad="38100" dist="38100" dir="2700000" algn="tl">
+                    <a:srgbClr val="000000">
+                      <a:alpha val="43137"/>
+                    </a:srgbClr>
+                  </a:outerShdw>
+                </a:effectLst>
+                <a:latin typeface="Consolas" pitchFamily="49" charset="0"/>
+                <a:cs typeface="Consolas" pitchFamily="49" charset="0"/>
+              </a:rPr>
+              <a:t>echo get_resource_type($c) . "\n";</a:t>
+            </a:r>
+          </a:p>
+          <a:p>
+            <a:pPr>
+              <a:lnSpc>
+                <a:spcPct val="100000"/>
+              </a:lnSpc>
+              <a:spcBef>
+                <a:spcPts val="0"/>
+              </a:spcBef>
+              <a:buClr>
+                <a:schemeClr val="accent5">
+                  <a:lumMod val="40000"/>
+                  <a:lumOff val="60000"/>
+                </a:schemeClr>
+              </a:buClr>
+              <a:buSzPct val="70000"/>
+            </a:pPr>
+            <a:endParaRPr lang="en-US" sz="1600" b="1" noProof="1">
+              <a:solidFill>
+                <a:srgbClr val="8CF4F2"/>
+              </a:solidFill>
+              <a:effectLst>
+                <a:outerShdw blurRad="38100" dist="38100" dir="2700000" algn="tl">
+                  <a:srgbClr val="000000">
+                    <a:alpha val="43137"/>
+                  </a:srgbClr>
+                </a:outerShdw>
+              </a:effectLst>
+              <a:latin typeface="Consolas" pitchFamily="49" charset="0"/>
+              <a:cs typeface="Consolas" pitchFamily="49" charset="0"/>
+            </a:endParaRPr>
+          </a:p>
+          <a:p>
+            <a:pPr>
+              <a:lnSpc>
+                <a:spcPct val="100000"/>
+              </a:lnSpc>
+              <a:spcBef>
+                <a:spcPts val="0"/>
+              </a:spcBef>
+              <a:buClr>
+                <a:schemeClr val="accent5">
+                  <a:lumMod val="40000"/>
+                  <a:lumOff val="60000"/>
+                </a:schemeClr>
+              </a:buClr>
+              <a:buSzPct val="70000"/>
+            </a:pPr>
+            <a:r>
+              <a:rPr lang="en-US" sz="1600" b="1" noProof="1">
+                <a:solidFill>
+                  <a:srgbClr val="8CF4F2"/>
+                </a:solidFill>
+                <a:effectLst>
+                  <a:outerShdw blurRad="38100" dist="38100" dir="2700000" algn="tl">
+                    <a:srgbClr val="000000">
+                      <a:alpha val="43137"/>
+                    </a:srgbClr>
+                  </a:outerShdw>
+                </a:effectLst>
+                <a:latin typeface="Consolas" pitchFamily="49" charset="0"/>
+                <a:cs typeface="Consolas" pitchFamily="49" charset="0"/>
+              </a:rPr>
+              <a:t>// prints: stream</a:t>
+            </a:r>
+          </a:p>
+          <a:p>
+            <a:pPr>
+              <a:lnSpc>
+                <a:spcPct val="100000"/>
+              </a:lnSpc>
+              <a:spcBef>
+                <a:spcPts val="0"/>
+              </a:spcBef>
+              <a:buClr>
+                <a:schemeClr val="accent5">
+                  <a:lumMod val="40000"/>
+                  <a:lumOff val="60000"/>
+                </a:schemeClr>
+              </a:buClr>
+              <a:buSzPct val="70000"/>
+            </a:pPr>
+            <a:r>
+              <a:rPr lang="en-US" sz="1600" b="1" noProof="1">
+                <a:solidFill>
+                  <a:srgbClr val="8CF4F2"/>
+                </a:solidFill>
+                <a:effectLst>
+                  <a:outerShdw blurRad="38100" dist="38100" dir="2700000" algn="tl">
+                    <a:srgbClr val="000000">
+                      <a:alpha val="43137"/>
+                    </a:srgbClr>
+                  </a:outerShdw>
+                </a:effectLst>
+                <a:latin typeface="Consolas" pitchFamily="49" charset="0"/>
+                <a:cs typeface="Consolas" pitchFamily="49" charset="0"/>
+              </a:rPr>
+              <a:t>$fp = fopen("foo", "w");</a:t>
+            </a:r>
+          </a:p>
+          <a:p>
+            <a:pPr>
+              <a:lnSpc>
+                <a:spcPct val="100000"/>
+              </a:lnSpc>
+              <a:spcBef>
+                <a:spcPts val="0"/>
+              </a:spcBef>
+              <a:buClr>
+                <a:schemeClr val="accent5">
+                  <a:lumMod val="40000"/>
+                  <a:lumOff val="60000"/>
+                </a:schemeClr>
+              </a:buClr>
+              <a:buSzPct val="70000"/>
+            </a:pPr>
+            <a:r>
+              <a:rPr lang="en-US" sz="1600" b="1" noProof="1">
+                <a:solidFill>
+                  <a:srgbClr val="8CF4F2"/>
+                </a:solidFill>
+                <a:effectLst>
+                  <a:outerShdw blurRad="38100" dist="38100" dir="2700000" algn="tl">
+                    <a:srgbClr val="000000">
+                      <a:alpha val="43137"/>
+                    </a:srgbClr>
+                  </a:outerShdw>
+                </a:effectLst>
+                <a:latin typeface="Consolas" pitchFamily="49" charset="0"/>
+                <a:cs typeface="Consolas" pitchFamily="49" charset="0"/>
+              </a:rPr>
+              <a:t>echo get_resource_type($fp) . "\n";</a:t>
+            </a:r>
+            <a:endParaRPr lang="en-US" sz="1600" b="1" noProof="1">
+              <a:solidFill>
+                <a:srgbClr val="8CF4F2"/>
+              </a:solidFill>
+              <a:effectLst>
+                <a:outerShdw blurRad="38100" dist="38100" dir="2700000" algn="tl">
+                  <a:srgbClr val="000000">
+                    <a:alpha val="43137"/>
+                  </a:srgbClr>
+                </a:outerShdw>
+              </a:effectLst>
+              <a:latin typeface="Consolas" pitchFamily="49" charset="0"/>
+              <a:cs typeface="Consolas" pitchFamily="49" charset="0"/>
+            </a:endParaRPr>
+          </a:p>
+        </p:txBody>
+      </p:sp>
+    </p:spTree>
+    <p:extLst>
+      <p:ext uri="{BB962C8B-B14F-4D97-AF65-F5344CB8AC3E}">
+        <p14:creationId xmlns:p14="http://schemas.microsoft.com/office/powerpoint/2010/main" val="3074161047"/>
+      </p:ext>
+    </p:extLst>
+  </p:cSld>
+  <p:clrMapOvr>
+    <a:masterClrMapping/>
+  </p:clrMapOvr>
+  <p:timing>
+    <p:tnLst>
+      <p:par>
+        <p:cTn id="1" dur="indefinite" restart="never" nodeType="tmRoot"/>
+      </p:par>
+    </p:tnLst>
+  </p:timing>
+</p:sld>
+</file>
+
+<file path=ppt/slides/slide22.xml><?xml version="1.0" encoding="utf-8"?>
+<p:sld xmlns:a="http://schemas.openxmlformats.org/drawingml/2006/main" xmlns:r="http://schemas.openxmlformats.org/officeDocument/2006/relationships" xmlns:p="http://schemas.openxmlformats.org/presentationml/2006/main">
+  <p:cSld>
+    <p:spTree>
+      <p:nvGrpSpPr>
+        <p:cNvPr id="1" name=""/>
+        <p:cNvGrpSpPr/>
+        <p:nvPr/>
+      </p:nvGrpSpPr>
+      <p:grpSpPr>
+        <a:xfrm>
+          <a:off x="0" y="0"/>
+          <a:ext cx="0" cy="0"/>
+          <a:chOff x="0" y="0"/>
+          <a:chExt cx="0" cy="0"/>
+        </a:xfrm>
+      </p:grpSpPr>
+      <p:sp>
+        <p:nvSpPr>
+          <p:cNvPr id="2" name="Title 1"/>
+          <p:cNvSpPr>
+            <a:spLocks noGrp="1"/>
+          </p:cNvSpPr>
+          <p:nvPr>
+            <p:ph type="title"/>
+          </p:nvPr>
+        </p:nvSpPr>
+        <p:spPr>
+          <a:xfrm>
+            <a:off x="1828800" y="162086"/>
+            <a:ext cx="7086600" cy="914400"/>
+          </a:xfrm>
+        </p:spPr>
+        <p:txBody>
+          <a:bodyPr/>
+          <a:lstStyle/>
+          <a:p>
+            <a:r>
+              <a:rPr lang="en-US" dirty="0" smtClean="0"/>
+              <a:t>Operators</a:t>
+            </a:r>
+            <a:endParaRPr lang="en-US" dirty="0"/>
+          </a:p>
+        </p:txBody>
+      </p:sp>
+      <p:sp>
+        <p:nvSpPr>
+          <p:cNvPr id="3" name="Content Placeholder 2"/>
+          <p:cNvSpPr>
+            <a:spLocks noGrp="1"/>
+          </p:cNvSpPr>
+          <p:nvPr>
+            <p:ph idx="1"/>
+          </p:nvPr>
+        </p:nvSpPr>
+        <p:spPr>
+          <a:xfrm>
+            <a:off x="228600" y="1371600"/>
+            <a:ext cx="8686800" cy="3651348"/>
+          </a:xfrm>
+        </p:spPr>
+        <p:txBody>
+          <a:bodyPr/>
+          <a:lstStyle/>
+          <a:p>
+            <a:pPr>
+              <a:lnSpc>
+                <a:spcPct val="100000"/>
+              </a:lnSpc>
+            </a:pPr>
+            <a:r>
+              <a:rPr lang="en-US" dirty="0" smtClean="0"/>
+              <a:t>Most of them are like operators in </a:t>
+            </a:r>
+            <a:r>
+              <a:rPr lang="en-US" dirty="0"/>
+              <a:t>C</a:t>
+            </a:r>
+            <a:r>
+              <a:rPr lang="en-US" dirty="0" smtClean="0"/>
+              <a:t>++ and C#</a:t>
+            </a:r>
+          </a:p>
+          <a:p>
+            <a:pPr>
+              <a:lnSpc>
+                <a:spcPct val="100000"/>
+              </a:lnSpc>
+            </a:pPr>
+            <a:r>
+              <a:rPr lang="en-US" dirty="0" smtClean="0"/>
+              <a:t>Exceptions</a:t>
+            </a:r>
+          </a:p>
+          <a:p>
+            <a:pPr lvl="1">
+              <a:lnSpc>
+                <a:spcPct val="100000"/>
+              </a:lnSpc>
+            </a:pPr>
+            <a:r>
+              <a:rPr lang="en-US" dirty="0" smtClean="0"/>
+              <a:t>Strings: </a:t>
+            </a:r>
+            <a:r>
+              <a:rPr lang="en-US" dirty="0" smtClean="0">
+                <a:solidFill>
+                  <a:schemeClr val="tx1"/>
+                </a:solidFill>
+              </a:rPr>
+              <a:t>“.” </a:t>
+            </a:r>
+            <a:r>
+              <a:rPr lang="en-US" dirty="0" smtClean="0"/>
+              <a:t>(</a:t>
+            </a:r>
+            <a:r>
+              <a:rPr lang="en-GB" dirty="0" smtClean="0"/>
+              <a:t>Concatenation</a:t>
+            </a:r>
+            <a:r>
+              <a:rPr lang="en-US" dirty="0" smtClean="0"/>
+              <a:t>)</a:t>
+            </a:r>
+          </a:p>
+          <a:p>
+            <a:pPr lvl="1">
+              <a:lnSpc>
+                <a:spcPct val="100000"/>
+              </a:lnSpc>
+            </a:pPr>
+            <a:endParaRPr lang="en-US" dirty="0" smtClean="0"/>
+          </a:p>
+          <a:p>
+            <a:pPr lvl="1">
+              <a:lnSpc>
+                <a:spcPct val="100000"/>
+              </a:lnSpc>
+            </a:pPr>
+            <a:endParaRPr lang="en-US" dirty="0"/>
+          </a:p>
+          <a:p>
+            <a:pPr lvl="1">
+              <a:lnSpc>
+                <a:spcPct val="100000"/>
+              </a:lnSpc>
+            </a:pPr>
+            <a:r>
+              <a:rPr lang="en-US" dirty="0" smtClean="0"/>
+              <a:t>Logical: </a:t>
+            </a:r>
+            <a:r>
+              <a:rPr lang="en-US" dirty="0" smtClean="0">
+                <a:solidFill>
+                  <a:schemeClr val="tx1"/>
+                </a:solidFill>
+              </a:rPr>
+              <a:t>“AND”, “OR”, “XOR”</a:t>
+            </a:r>
+            <a:endParaRPr lang="en-US" dirty="0" smtClean="0"/>
+          </a:p>
+        </p:txBody>
+      </p:sp>
+      <p:sp>
+        <p:nvSpPr>
+          <p:cNvPr id="6" name="Rectangle 4"/>
+          <p:cNvSpPr>
+            <a:spLocks noChangeArrowheads="1"/>
+          </p:cNvSpPr>
+          <p:nvPr/>
+        </p:nvSpPr>
+        <p:spPr bwMode="auto">
+          <a:xfrm>
+            <a:off x="609600" y="3343656"/>
+            <a:ext cx="8153400" cy="1077218"/>
+          </a:xfrm>
+          <a:prstGeom prst="rect">
+            <a:avLst/>
+          </a:prstGeom>
+          <a:solidFill>
+            <a:schemeClr val="accent5">
+              <a:lumMod val="40000"/>
+              <a:lumOff val="60000"/>
+              <a:alpha val="15000"/>
+            </a:schemeClr>
+          </a:solidFill>
+          <a:ln w="12700">
+            <a:solidFill>
+              <a:schemeClr val="accent5">
+                <a:lumMod val="60000"/>
+                <a:lumOff val="40000"/>
+              </a:schemeClr>
+            </a:solidFill>
+          </a:ln>
+        </p:spPr>
+        <p:txBody>
+          <a:bodyPr wrap="square">
+            <a:spAutoFit/>
+          </a:bodyPr>
+          <a:lstStyle/>
+          <a:p>
+            <a:pPr>
+              <a:lnSpc>
+                <a:spcPct val="100000"/>
+              </a:lnSpc>
+              <a:spcBef>
+                <a:spcPts val="0"/>
+              </a:spcBef>
+              <a:buClr>
+                <a:schemeClr val="accent5">
+                  <a:lumMod val="40000"/>
+                  <a:lumOff val="60000"/>
+                </a:schemeClr>
+              </a:buClr>
+              <a:buSzPct val="70000"/>
+            </a:pPr>
+            <a:r>
+              <a:rPr lang="en-US" sz="1600" b="1" noProof="1">
+                <a:solidFill>
+                  <a:srgbClr val="8CF4F2"/>
+                </a:solidFill>
+                <a:effectLst>
+                  <a:outerShdw blurRad="38100" dist="38100" dir="2700000" algn="tl">
+                    <a:srgbClr val="000000">
+                      <a:alpha val="43137"/>
+                    </a:srgbClr>
+                  </a:outerShdw>
+                </a:effectLst>
+                <a:latin typeface="Consolas" pitchFamily="49" charset="0"/>
+                <a:cs typeface="Consolas" pitchFamily="49" charset="0"/>
+              </a:rPr>
+              <a:t>$ivan="</a:t>
+            </a:r>
+            <a:r>
+              <a:rPr lang="en-US" sz="1600" b="1" noProof="1">
+                <a:solidFill>
+                  <a:srgbClr val="8CF4F2"/>
+                </a:solidFill>
+                <a:effectLst>
+                  <a:outerShdw blurRad="38100" dist="38100" dir="2700000" algn="tl">
+                    <a:srgbClr val="000000">
+                      <a:alpha val="43137"/>
+                    </a:srgbClr>
+                  </a:outerShdw>
+                </a:effectLst>
+                <a:latin typeface="Consolas" pitchFamily="49" charset="0"/>
+                <a:cs typeface="Consolas" pitchFamily="49" charset="0"/>
+              </a:rPr>
+              <a:t>Ivan</a:t>
+            </a:r>
+            <a:r>
+              <a:rPr lang="en-US" sz="1600" b="1" noProof="1" smtClean="0">
+                <a:solidFill>
+                  <a:srgbClr val="8CF4F2"/>
+                </a:solidFill>
+                <a:effectLst>
+                  <a:outerShdw blurRad="38100" dist="38100" dir="2700000" algn="tl">
+                    <a:srgbClr val="000000">
+                      <a:alpha val="43137"/>
+                    </a:srgbClr>
+                  </a:outerShdw>
+                </a:effectLst>
+                <a:latin typeface="Consolas" pitchFamily="49" charset="0"/>
+                <a:cs typeface="Consolas" pitchFamily="49" charset="0"/>
+              </a:rPr>
+              <a:t>";</a:t>
+            </a:r>
+            <a:endParaRPr lang="en-US" sz="1600" b="1" noProof="1">
+              <a:solidFill>
+                <a:srgbClr val="8CF4F2"/>
+              </a:solidFill>
+              <a:effectLst>
+                <a:outerShdw blurRad="38100" dist="38100" dir="2700000" algn="tl">
+                  <a:srgbClr val="000000">
+                    <a:alpha val="43137"/>
+                  </a:srgbClr>
+                </a:outerShdw>
+              </a:effectLst>
+              <a:latin typeface="Consolas" pitchFamily="49" charset="0"/>
+              <a:cs typeface="Consolas" pitchFamily="49" charset="0"/>
+            </a:endParaRPr>
+          </a:p>
+          <a:p>
+            <a:pPr>
+              <a:lnSpc>
+                <a:spcPct val="100000"/>
+              </a:lnSpc>
+              <a:spcBef>
+                <a:spcPts val="0"/>
+              </a:spcBef>
+              <a:buClr>
+                <a:schemeClr val="accent5">
+                  <a:lumMod val="40000"/>
+                  <a:lumOff val="60000"/>
+                </a:schemeClr>
+              </a:buClr>
+              <a:buSzPct val="70000"/>
+            </a:pPr>
+            <a:r>
+              <a:rPr lang="en-US" sz="1600" b="1" noProof="1">
+                <a:solidFill>
+                  <a:srgbClr val="8CF4F2"/>
+                </a:solidFill>
+                <a:effectLst>
+                  <a:outerShdw blurRad="38100" dist="38100" dir="2700000" algn="tl">
+                    <a:srgbClr val="000000">
+                      <a:alpha val="43137"/>
+                    </a:srgbClr>
+                  </a:outerShdw>
+                </a:effectLst>
+                <a:latin typeface="Consolas" pitchFamily="49" charset="0"/>
+                <a:cs typeface="Consolas" pitchFamily="49" charset="0"/>
+              </a:rPr>
+              <a:t>$maria</a:t>
+            </a:r>
+            <a:r>
+              <a:rPr lang="en-US" sz="1600" b="1" noProof="1">
+                <a:solidFill>
+                  <a:srgbClr val="8CF4F2"/>
+                </a:solidFill>
+                <a:effectLst>
+                  <a:outerShdw blurRad="38100" dist="38100" dir="2700000" algn="tl">
+                    <a:srgbClr val="000000">
+                      <a:alpha val="43137"/>
+                    </a:srgbClr>
+                  </a:outerShdw>
+                </a:effectLst>
+                <a:latin typeface="Consolas" pitchFamily="49" charset="0"/>
+                <a:cs typeface="Consolas" pitchFamily="49" charset="0"/>
+              </a:rPr>
+              <a:t>=</a:t>
+            </a:r>
+            <a:r>
+              <a:rPr lang="en-US" sz="1600" b="1" noProof="1" smtClean="0">
+                <a:solidFill>
+                  <a:srgbClr val="8CF4F2"/>
+                </a:solidFill>
+                <a:effectLst>
+                  <a:outerShdw blurRad="38100" dist="38100" dir="2700000" algn="tl">
+                    <a:srgbClr val="000000">
+                      <a:alpha val="43137"/>
+                    </a:srgbClr>
+                  </a:outerShdw>
+                </a:effectLst>
+                <a:latin typeface="Consolas" pitchFamily="49" charset="0"/>
+                <a:cs typeface="Consolas" pitchFamily="49" charset="0"/>
+              </a:rPr>
+              <a:t>'Maria';</a:t>
+            </a:r>
+          </a:p>
+          <a:p>
+            <a:pPr>
+              <a:lnSpc>
+                <a:spcPct val="100000"/>
+              </a:lnSpc>
+              <a:spcBef>
+                <a:spcPts val="0"/>
+              </a:spcBef>
+              <a:buClr>
+                <a:schemeClr val="accent5">
+                  <a:lumMod val="40000"/>
+                  <a:lumOff val="60000"/>
+                </a:schemeClr>
+              </a:buClr>
+              <a:buSzPct val="70000"/>
+            </a:pPr>
+            <a:r>
+              <a:rPr lang="en-US" sz="1600" b="1" noProof="1" smtClean="0">
+                <a:solidFill>
+                  <a:srgbClr val="8CF4F2"/>
+                </a:solidFill>
+                <a:effectLst>
+                  <a:outerShdw blurRad="38100" dist="38100" dir="2700000" algn="tl">
+                    <a:srgbClr val="000000">
+                      <a:alpha val="43137"/>
+                    </a:srgbClr>
+                  </a:outerShdw>
+                </a:effectLst>
+                <a:latin typeface="Consolas" pitchFamily="49" charset="0"/>
+                <a:cs typeface="Consolas" pitchFamily="49" charset="0"/>
+              </a:rPr>
+              <a:t>$married=$ivan." and ".$maria." are married!";</a:t>
+            </a:r>
+          </a:p>
+          <a:p>
+            <a:pPr>
+              <a:lnSpc>
+                <a:spcPct val="100000"/>
+              </a:lnSpc>
+              <a:spcBef>
+                <a:spcPts val="0"/>
+              </a:spcBef>
+              <a:buClr>
+                <a:schemeClr val="accent5">
+                  <a:lumMod val="40000"/>
+                  <a:lumOff val="60000"/>
+                </a:schemeClr>
+              </a:buClr>
+              <a:buSzPct val="70000"/>
+            </a:pPr>
+            <a:r>
+              <a:rPr lang="en-US" sz="1600" b="1" noProof="1" smtClean="0">
+                <a:solidFill>
+                  <a:srgbClr val="8CF4F2"/>
+                </a:solidFill>
+                <a:effectLst>
+                  <a:outerShdw blurRad="38100" dist="38100" dir="2700000" algn="tl">
+                    <a:srgbClr val="000000">
+                      <a:alpha val="43137"/>
+                    </a:srgbClr>
+                  </a:outerShdw>
+                </a:effectLst>
+                <a:latin typeface="Consolas" pitchFamily="49" charset="0"/>
+                <a:cs typeface="Consolas" pitchFamily="49" charset="0"/>
+              </a:rPr>
+              <a:t>echo($married);//outputs “Ivan and Maria are married!”</a:t>
+            </a:r>
+            <a:endParaRPr lang="en-US" sz="1600" b="1" noProof="1">
+              <a:solidFill>
+                <a:srgbClr val="8CF4F2"/>
+              </a:solidFill>
+              <a:effectLst>
+                <a:outerShdw blurRad="38100" dist="38100" dir="2700000" algn="tl">
+                  <a:srgbClr val="000000">
+                    <a:alpha val="43137"/>
+                  </a:srgbClr>
+                </a:outerShdw>
+              </a:effectLst>
+              <a:latin typeface="Consolas" pitchFamily="49" charset="0"/>
+              <a:cs typeface="Consolas" pitchFamily="49" charset="0"/>
+            </a:endParaRPr>
+          </a:p>
+        </p:txBody>
+      </p:sp>
+      <p:sp>
+        <p:nvSpPr>
+          <p:cNvPr id="7" name="Rectangle 4"/>
+          <p:cNvSpPr>
+            <a:spLocks noChangeArrowheads="1"/>
+          </p:cNvSpPr>
+          <p:nvPr/>
+        </p:nvSpPr>
+        <p:spPr bwMode="auto">
+          <a:xfrm>
+            <a:off x="609600" y="5105400"/>
+            <a:ext cx="8153400" cy="1077218"/>
+          </a:xfrm>
+          <a:prstGeom prst="rect">
+            <a:avLst/>
+          </a:prstGeom>
+          <a:solidFill>
+            <a:schemeClr val="accent5">
+              <a:lumMod val="40000"/>
+              <a:lumOff val="60000"/>
+              <a:alpha val="15000"/>
+            </a:schemeClr>
+          </a:solidFill>
+          <a:ln w="12700">
+            <a:solidFill>
+              <a:schemeClr val="accent5">
+                <a:lumMod val="60000"/>
+                <a:lumOff val="40000"/>
+              </a:schemeClr>
+            </a:solidFill>
+          </a:ln>
+        </p:spPr>
+        <p:txBody>
+          <a:bodyPr wrap="square">
+            <a:spAutoFit/>
+          </a:bodyPr>
+          <a:lstStyle/>
+          <a:p>
+            <a:pPr>
+              <a:lnSpc>
+                <a:spcPct val="100000"/>
+              </a:lnSpc>
+              <a:spcBef>
+                <a:spcPts val="0"/>
+              </a:spcBef>
+              <a:buClr>
+                <a:schemeClr val="accent5">
+                  <a:lumMod val="40000"/>
+                  <a:lumOff val="60000"/>
+                </a:schemeClr>
+              </a:buClr>
+              <a:buSzPct val="70000"/>
+            </a:pPr>
+            <a:r>
+              <a:rPr lang="en-US" sz="1600" b="1" noProof="1">
+                <a:solidFill>
+                  <a:srgbClr val="8CF4F2"/>
+                </a:solidFill>
+                <a:effectLst>
+                  <a:outerShdw blurRad="38100" dist="38100" dir="2700000" algn="tl">
+                    <a:srgbClr val="000000">
+                      <a:alpha val="43137"/>
+                    </a:srgbClr>
+                  </a:outerShdw>
+                </a:effectLst>
+                <a:latin typeface="Consolas" pitchFamily="49" charset="0"/>
+                <a:cs typeface="Consolas" pitchFamily="49" charset="0"/>
+              </a:rPr>
+              <a:t>$conditionA=true;</a:t>
+            </a:r>
+          </a:p>
+          <a:p>
+            <a:pPr>
+              <a:lnSpc>
+                <a:spcPct val="100000"/>
+              </a:lnSpc>
+              <a:spcBef>
+                <a:spcPts val="0"/>
+              </a:spcBef>
+              <a:buClr>
+                <a:schemeClr val="accent5">
+                  <a:lumMod val="40000"/>
+                  <a:lumOff val="60000"/>
+                </a:schemeClr>
+              </a:buClr>
+              <a:buSzPct val="70000"/>
+            </a:pPr>
+            <a:r>
+              <a:rPr lang="en-US" sz="1600" b="1" noProof="1" smtClean="0">
+                <a:solidFill>
+                  <a:srgbClr val="8CF4F2"/>
+                </a:solidFill>
+                <a:effectLst>
+                  <a:outerShdw blurRad="38100" dist="38100" dir="2700000" algn="tl">
+                    <a:srgbClr val="000000">
+                      <a:alpha val="43137"/>
+                    </a:srgbClr>
+                  </a:outerShdw>
+                </a:effectLst>
+                <a:latin typeface="Consolas" pitchFamily="49" charset="0"/>
+                <a:cs typeface="Consolas" pitchFamily="49" charset="0"/>
+              </a:rPr>
+              <a:t>$</a:t>
+            </a:r>
+            <a:r>
+              <a:rPr lang="en-US" sz="1600" b="1" noProof="1">
+                <a:solidFill>
+                  <a:srgbClr val="8CF4F2"/>
+                </a:solidFill>
+                <a:effectLst>
+                  <a:outerShdw blurRad="38100" dist="38100" dir="2700000" algn="tl">
+                    <a:srgbClr val="000000">
+                      <a:alpha val="43137"/>
+                    </a:srgbClr>
+                  </a:outerShdw>
+                </a:effectLst>
+                <a:latin typeface="Consolas" pitchFamily="49" charset="0"/>
+                <a:cs typeface="Consolas" pitchFamily="49" charset="0"/>
+              </a:rPr>
+              <a:t>conditionB=true;</a:t>
+            </a:r>
+          </a:p>
+          <a:p>
+            <a:pPr>
+              <a:lnSpc>
+                <a:spcPct val="100000"/>
+              </a:lnSpc>
+              <a:spcBef>
+                <a:spcPts val="0"/>
+              </a:spcBef>
+              <a:buClr>
+                <a:schemeClr val="accent5">
+                  <a:lumMod val="40000"/>
+                  <a:lumOff val="60000"/>
+                </a:schemeClr>
+              </a:buClr>
+              <a:buSzPct val="70000"/>
+            </a:pPr>
+            <a:r>
+              <a:rPr lang="en-US" sz="1600" b="1" noProof="1" smtClean="0">
+                <a:solidFill>
+                  <a:srgbClr val="8CF4F2"/>
+                </a:solidFill>
+                <a:effectLst>
+                  <a:outerShdw blurRad="38100" dist="38100" dir="2700000" algn="tl">
+                    <a:srgbClr val="000000">
+                      <a:alpha val="43137"/>
+                    </a:srgbClr>
+                  </a:outerShdw>
+                </a:effectLst>
+                <a:latin typeface="Consolas" pitchFamily="49" charset="0"/>
+                <a:cs typeface="Consolas" pitchFamily="49" charset="0"/>
+              </a:rPr>
+              <a:t>if(($</a:t>
+            </a:r>
+            <a:r>
+              <a:rPr lang="en-US" sz="1600" b="1" noProof="1">
+                <a:solidFill>
+                  <a:srgbClr val="8CF4F2"/>
+                </a:solidFill>
+                <a:effectLst>
+                  <a:outerShdw blurRad="38100" dist="38100" dir="2700000" algn="tl">
+                    <a:srgbClr val="000000">
+                      <a:alpha val="43137"/>
+                    </a:srgbClr>
+                  </a:outerShdw>
+                </a:effectLst>
+                <a:latin typeface="Consolas" pitchFamily="49" charset="0"/>
+                <a:cs typeface="Consolas" pitchFamily="49" charset="0"/>
+              </a:rPr>
+              <a:t>conditionA </a:t>
+            </a:r>
+            <a:r>
+              <a:rPr lang="en-US" sz="1600" b="1" noProof="1" smtClean="0">
+                <a:solidFill>
+                  <a:srgbClr val="8CF4F2"/>
+                </a:solidFill>
+                <a:effectLst>
+                  <a:outerShdw blurRad="38100" dist="38100" dir="2700000" algn="tl">
+                    <a:srgbClr val="000000">
+                      <a:alpha val="43137"/>
+                    </a:srgbClr>
+                  </a:outerShdw>
+                </a:effectLst>
+                <a:latin typeface="Consolas" pitchFamily="49" charset="0"/>
+                <a:cs typeface="Consolas" pitchFamily="49" charset="0"/>
+              </a:rPr>
+              <a:t>AND </a:t>
+            </a:r>
+            <a:r>
+              <a:rPr lang="en-US" sz="1600" b="1" noProof="1">
+                <a:solidFill>
+                  <a:srgbClr val="8CF4F2"/>
+                </a:solidFill>
+                <a:effectLst>
+                  <a:outerShdw blurRad="38100" dist="38100" dir="2700000" algn="tl">
+                    <a:srgbClr val="000000">
+                      <a:alpha val="43137"/>
+                    </a:srgbClr>
+                  </a:outerShdw>
+                </a:effectLst>
+                <a:latin typeface="Consolas" pitchFamily="49" charset="0"/>
+                <a:cs typeface="Consolas" pitchFamily="49" charset="0"/>
+              </a:rPr>
+              <a:t>$conditionB</a:t>
+            </a:r>
+            <a:r>
+              <a:rPr lang="en-US" sz="1600" b="1" noProof="1">
+                <a:solidFill>
+                  <a:srgbClr val="8CF4F2"/>
+                </a:solidFill>
+                <a:effectLst>
+                  <a:outerShdw blurRad="38100" dist="38100" dir="2700000" algn="tl">
+                    <a:srgbClr val="000000">
+                      <a:alpha val="43137"/>
+                    </a:srgbClr>
+                  </a:outerShdw>
+                </a:effectLst>
+                <a:latin typeface="Consolas" pitchFamily="49" charset="0"/>
+                <a:cs typeface="Consolas" pitchFamily="49" charset="0"/>
+              </a:rPr>
+              <a:t>) </a:t>
+            </a:r>
+            <a:r>
+              <a:rPr lang="en-US" sz="1600" b="1" noProof="1" smtClean="0">
+                <a:solidFill>
+                  <a:srgbClr val="8CF4F2"/>
+                </a:solidFill>
+                <a:effectLst>
+                  <a:outerShdw blurRad="38100" dist="38100" dir="2700000" algn="tl">
+                    <a:srgbClr val="000000">
+                      <a:alpha val="43137"/>
+                    </a:srgbClr>
+                  </a:outerShdw>
+                </a:effectLst>
+                <a:latin typeface="Consolas" pitchFamily="49" charset="0"/>
+                <a:cs typeface="Consolas" pitchFamily="49" charset="0"/>
+              </a:rPr>
+              <a:t>|| </a:t>
+            </a:r>
+            <a:r>
+              <a:rPr lang="en-US" sz="1600" b="1" noProof="1">
+                <a:solidFill>
+                  <a:srgbClr val="8CF4F2"/>
+                </a:solidFill>
+                <a:effectLst>
+                  <a:outerShdw blurRad="38100" dist="38100" dir="2700000" algn="tl">
+                    <a:srgbClr val="000000">
+                      <a:alpha val="43137"/>
+                    </a:srgbClr>
+                  </a:outerShdw>
+                </a:effectLst>
+                <a:latin typeface="Consolas" pitchFamily="49" charset="0"/>
+                <a:cs typeface="Consolas" pitchFamily="49" charset="0"/>
+              </a:rPr>
+              <a:t>(!$conditionA OR $</a:t>
+            </a:r>
+            <a:r>
+              <a:rPr lang="en-US" sz="1600" b="1" noProof="1">
+                <a:solidFill>
+                  <a:srgbClr val="8CF4F2"/>
+                </a:solidFill>
+                <a:effectLst>
+                  <a:outerShdw blurRad="38100" dist="38100" dir="2700000" algn="tl">
+                    <a:srgbClr val="000000">
+                      <a:alpha val="43137"/>
+                    </a:srgbClr>
+                  </a:outerShdw>
+                </a:effectLst>
+                <a:latin typeface="Consolas" pitchFamily="49" charset="0"/>
+                <a:cs typeface="Consolas" pitchFamily="49" charset="0"/>
+              </a:rPr>
+              <a:t>conditionB</a:t>
+            </a:r>
+            <a:r>
+              <a:rPr lang="en-US" sz="1600" b="1" noProof="1" smtClean="0">
+                <a:solidFill>
+                  <a:srgbClr val="8CF4F2"/>
+                </a:solidFill>
+                <a:effectLst>
+                  <a:outerShdw blurRad="38100" dist="38100" dir="2700000" algn="tl">
+                    <a:srgbClr val="000000">
+                      <a:alpha val="43137"/>
+                    </a:srgbClr>
+                  </a:outerShdw>
+                </a:effectLst>
+                <a:latin typeface="Consolas" pitchFamily="49" charset="0"/>
+                <a:cs typeface="Consolas" pitchFamily="49" charset="0"/>
+              </a:rPr>
+              <a:t>)){…}</a:t>
+            </a:r>
+            <a:endParaRPr lang="en-US" sz="1600" b="1" noProof="1">
+              <a:solidFill>
+                <a:srgbClr val="8CF4F2"/>
+              </a:solidFill>
+              <a:effectLst>
+                <a:outerShdw blurRad="38100" dist="38100" dir="2700000" algn="tl">
+                  <a:srgbClr val="000000">
+                    <a:alpha val="43137"/>
+                  </a:srgbClr>
+                </a:outerShdw>
+              </a:effectLst>
+              <a:latin typeface="Consolas" pitchFamily="49" charset="0"/>
+              <a:cs typeface="Consolas" pitchFamily="49" charset="0"/>
+            </a:endParaRPr>
+          </a:p>
+          <a:p>
+            <a:pPr>
+              <a:lnSpc>
+                <a:spcPct val="100000"/>
+              </a:lnSpc>
+              <a:spcBef>
+                <a:spcPts val="0"/>
+              </a:spcBef>
+              <a:buClr>
+                <a:schemeClr val="accent5">
+                  <a:lumMod val="40000"/>
+                  <a:lumOff val="60000"/>
+                </a:schemeClr>
+              </a:buClr>
+              <a:buSzPct val="70000"/>
+            </a:pPr>
+            <a:r>
+              <a:rPr lang="en-US" sz="1600" b="1" noProof="1" smtClean="0">
+                <a:solidFill>
+                  <a:srgbClr val="8CF4F2"/>
+                </a:solidFill>
+                <a:effectLst>
+                  <a:outerShdw blurRad="38100" dist="38100" dir="2700000" algn="tl">
+                    <a:srgbClr val="000000">
+                      <a:alpha val="43137"/>
+                    </a:srgbClr>
+                  </a:outerShdw>
+                </a:effectLst>
+                <a:latin typeface="Consolas" pitchFamily="49" charset="0"/>
+                <a:cs typeface="Consolas" pitchFamily="49" charset="0"/>
+              </a:rPr>
+              <a:t>else{…}</a:t>
+            </a:r>
+            <a:endParaRPr lang="en-US" sz="1600" b="1" noProof="1">
+              <a:solidFill>
+                <a:srgbClr val="8CF4F2"/>
+              </a:solidFill>
+              <a:effectLst>
+                <a:outerShdw blurRad="38100" dist="38100" dir="2700000" algn="tl">
+                  <a:srgbClr val="000000">
+                    <a:alpha val="43137"/>
+                  </a:srgbClr>
+                </a:outerShdw>
+              </a:effectLst>
+              <a:latin typeface="Consolas" pitchFamily="49" charset="0"/>
+              <a:cs typeface="Consolas" pitchFamily="49" charset="0"/>
+            </a:endParaRPr>
+          </a:p>
+        </p:txBody>
+      </p:sp>
+    </p:spTree>
+    <p:extLst>
+      <p:ext uri="{BB962C8B-B14F-4D97-AF65-F5344CB8AC3E}">
+        <p14:creationId xmlns:p14="http://schemas.microsoft.com/office/powerpoint/2010/main" val="4023653255"/>
+      </p:ext>
+    </p:extLst>
+  </p:cSld>
+  <p:clrMapOvr>
+    <a:masterClrMapping/>
+  </p:clrMapOvr>
+  <p:timing>
+    <p:tnLst>
+      <p:par>
+        <p:cTn id="1" dur="indefinite" restart="never" nodeType="tmRoot"/>
+      </p:par>
+    </p:tnLst>
+  </p:timing>
+</p:sld>
+</file>
+
+<file path=ppt/slides/slide23.xml><?xml version="1.0" encoding="utf-8"?>
+<p:sld xmlns:a="http://schemas.openxmlformats.org/drawingml/2006/main" xmlns:r="http://schemas.openxmlformats.org/officeDocument/2006/relationships" xmlns:p="http://schemas.openxmlformats.org/presentationml/2006/main">
+  <p:cSld>
+    <p:spTree>
+      <p:nvGrpSpPr>
+        <p:cNvPr id="1" name=""/>
+        <p:cNvGrpSpPr/>
+        <p:nvPr/>
+      </p:nvGrpSpPr>
+      <p:grpSpPr>
+        <a:xfrm>
+          <a:off x="0" y="0"/>
+          <a:ext cx="0" cy="0"/>
+          <a:chOff x="0" y="0"/>
+          <a:chExt cx="0" cy="0"/>
+        </a:xfrm>
+      </p:grpSpPr>
+      <p:sp>
+        <p:nvSpPr>
+          <p:cNvPr id="2" name="Title 1"/>
+          <p:cNvSpPr>
+            <a:spLocks noGrp="1"/>
+          </p:cNvSpPr>
+          <p:nvPr>
+            <p:ph type="title"/>
+          </p:nvPr>
+        </p:nvSpPr>
+        <p:spPr>
+          <a:xfrm>
+            <a:off x="1828800" y="162086"/>
+            <a:ext cx="7086600" cy="914400"/>
+          </a:xfrm>
+        </p:spPr>
+        <p:txBody>
+          <a:bodyPr/>
+          <a:lstStyle/>
+          <a:p>
+            <a:r>
+              <a:rPr lang="en-US" dirty="0" smtClean="0"/>
+              <a:t>Operators(2)</a:t>
+            </a:r>
+            <a:endParaRPr lang="en-US" dirty="0"/>
+          </a:p>
+        </p:txBody>
+      </p:sp>
+      <p:sp>
+        <p:nvSpPr>
+          <p:cNvPr id="3" name="Content Placeholder 2"/>
+          <p:cNvSpPr>
+            <a:spLocks noGrp="1"/>
+          </p:cNvSpPr>
+          <p:nvPr>
+            <p:ph idx="1"/>
+          </p:nvPr>
+        </p:nvSpPr>
+        <p:spPr>
+          <a:xfrm>
+            <a:off x="228600" y="1371600"/>
+            <a:ext cx="8686800" cy="3651348"/>
+          </a:xfrm>
+        </p:spPr>
+        <p:txBody>
+          <a:bodyPr/>
+          <a:lstStyle/>
+          <a:p>
+            <a:pPr>
+              <a:lnSpc>
+                <a:spcPct val="100000"/>
+              </a:lnSpc>
+            </a:pPr>
+            <a:r>
+              <a:rPr lang="en-GB" sz="2800" dirty="0"/>
+              <a:t>PHP Array Operators</a:t>
+            </a:r>
+          </a:p>
+          <a:p>
+            <a:pPr lvl="1">
+              <a:lnSpc>
+                <a:spcPct val="100000"/>
+              </a:lnSpc>
+            </a:pPr>
+            <a:r>
+              <a:rPr lang="en-US" sz="2800" dirty="0"/>
+              <a:t>The PHP array operators are used to compare </a:t>
+            </a:r>
+            <a:r>
+              <a:rPr lang="en-US" sz="2800" dirty="0" smtClean="0"/>
+              <a:t>arrays</a:t>
+            </a:r>
+          </a:p>
+          <a:p>
+            <a:pPr lvl="1">
+              <a:lnSpc>
+                <a:spcPct val="100000"/>
+              </a:lnSpc>
+            </a:pPr>
+            <a:r>
+              <a:rPr lang="en-US" sz="2800" dirty="0" smtClean="0"/>
+              <a:t>Same as comparison operators, but for arrays</a:t>
+            </a:r>
+          </a:p>
+          <a:p>
+            <a:pPr lvl="1">
+              <a:lnSpc>
+                <a:spcPct val="100000"/>
+              </a:lnSpc>
+            </a:pPr>
+            <a:endParaRPr lang="en-US" sz="2800" dirty="0" smtClean="0"/>
+          </a:p>
+          <a:p>
+            <a:pPr lvl="1">
+              <a:lnSpc>
+                <a:spcPct val="100000"/>
+              </a:lnSpc>
+            </a:pPr>
+            <a:endParaRPr lang="en-US" sz="2800" dirty="0" smtClean="0"/>
+          </a:p>
+        </p:txBody>
+      </p:sp>
+      <p:sp>
+        <p:nvSpPr>
+          <p:cNvPr id="7" name="Rectangle 4"/>
+          <p:cNvSpPr>
+            <a:spLocks noChangeArrowheads="1"/>
+          </p:cNvSpPr>
+          <p:nvPr/>
+        </p:nvSpPr>
+        <p:spPr bwMode="auto">
+          <a:xfrm>
+            <a:off x="609600" y="3657600"/>
+            <a:ext cx="8153400" cy="2308324"/>
+          </a:xfrm>
+          <a:prstGeom prst="rect">
+            <a:avLst/>
+          </a:prstGeom>
+          <a:solidFill>
+            <a:schemeClr val="accent5">
+              <a:lumMod val="40000"/>
+              <a:lumOff val="60000"/>
+              <a:alpha val="15000"/>
+            </a:schemeClr>
+          </a:solidFill>
+          <a:ln w="12700">
+            <a:solidFill>
+              <a:schemeClr val="accent5">
+                <a:lumMod val="60000"/>
+                <a:lumOff val="40000"/>
+              </a:schemeClr>
+            </a:solidFill>
+          </a:ln>
+        </p:spPr>
+        <p:txBody>
+          <a:bodyPr wrap="square">
+            <a:spAutoFit/>
+          </a:bodyPr>
+          <a:lstStyle/>
+          <a:p>
+            <a:pPr>
+              <a:lnSpc>
+                <a:spcPct val="100000"/>
+              </a:lnSpc>
+              <a:spcBef>
+                <a:spcPts val="0"/>
+              </a:spcBef>
+              <a:buClr>
+                <a:schemeClr val="accent5">
+                  <a:lumMod val="40000"/>
+                  <a:lumOff val="60000"/>
+                </a:schemeClr>
+              </a:buClr>
+              <a:buSzPct val="70000"/>
+            </a:pPr>
+            <a:r>
+              <a:rPr lang="en-US" sz="1600" b="1" noProof="1">
+                <a:solidFill>
+                  <a:srgbClr val="8CF4F2"/>
+                </a:solidFill>
+                <a:effectLst>
+                  <a:outerShdw blurRad="38100" dist="38100" dir="2700000" algn="tl">
+                    <a:srgbClr val="000000">
+                      <a:alpha val="43137"/>
+                    </a:srgbClr>
+                  </a:outerShdw>
+                </a:effectLst>
+                <a:latin typeface="Consolas" pitchFamily="49" charset="0"/>
+                <a:cs typeface="Consolas" pitchFamily="49" charset="0"/>
+              </a:rPr>
+              <a:t>$x = array("a" =&gt; "red", "b" =&gt; "green");</a:t>
+            </a:r>
+          </a:p>
+          <a:p>
+            <a:pPr>
+              <a:lnSpc>
+                <a:spcPct val="100000"/>
+              </a:lnSpc>
+              <a:spcBef>
+                <a:spcPts val="0"/>
+              </a:spcBef>
+              <a:buClr>
+                <a:schemeClr val="accent5">
+                  <a:lumMod val="40000"/>
+                  <a:lumOff val="60000"/>
+                </a:schemeClr>
+              </a:buClr>
+              <a:buSzPct val="70000"/>
+            </a:pPr>
+            <a:r>
+              <a:rPr lang="en-US" sz="1600" b="1" noProof="1">
+                <a:solidFill>
+                  <a:srgbClr val="8CF4F2"/>
+                </a:solidFill>
+                <a:effectLst>
+                  <a:outerShdw blurRad="38100" dist="38100" dir="2700000" algn="tl">
+                    <a:srgbClr val="000000">
+                      <a:alpha val="43137"/>
+                    </a:srgbClr>
+                  </a:outerShdw>
+                </a:effectLst>
+                <a:latin typeface="Consolas" pitchFamily="49" charset="0"/>
+                <a:cs typeface="Consolas" pitchFamily="49" charset="0"/>
+              </a:rPr>
+              <a:t>$y = array("c" =&gt; "blue", "d" =&gt; "yellow");</a:t>
+            </a:r>
+          </a:p>
+          <a:p>
+            <a:pPr>
+              <a:lnSpc>
+                <a:spcPct val="100000"/>
+              </a:lnSpc>
+              <a:spcBef>
+                <a:spcPts val="0"/>
+              </a:spcBef>
+              <a:buClr>
+                <a:schemeClr val="accent5">
+                  <a:lumMod val="40000"/>
+                  <a:lumOff val="60000"/>
+                </a:schemeClr>
+              </a:buClr>
+              <a:buSzPct val="70000"/>
+            </a:pPr>
+            <a:r>
+              <a:rPr lang="en-US" sz="1600" b="1" noProof="1">
+                <a:solidFill>
+                  <a:srgbClr val="8CF4F2"/>
+                </a:solidFill>
+                <a:effectLst>
+                  <a:outerShdw blurRad="38100" dist="38100" dir="2700000" algn="tl">
+                    <a:srgbClr val="000000">
+                      <a:alpha val="43137"/>
+                    </a:srgbClr>
+                  </a:outerShdw>
+                </a:effectLst>
+                <a:latin typeface="Consolas" pitchFamily="49" charset="0"/>
+                <a:cs typeface="Consolas" pitchFamily="49" charset="0"/>
+              </a:rPr>
+              <a:t>$z = $x + $y; // union of $x and $y</a:t>
+            </a:r>
+          </a:p>
+          <a:p>
+            <a:pPr>
+              <a:lnSpc>
+                <a:spcPct val="100000"/>
+              </a:lnSpc>
+              <a:spcBef>
+                <a:spcPts val="0"/>
+              </a:spcBef>
+              <a:buClr>
+                <a:schemeClr val="accent5">
+                  <a:lumMod val="40000"/>
+                  <a:lumOff val="60000"/>
+                </a:schemeClr>
+              </a:buClr>
+              <a:buSzPct val="70000"/>
+            </a:pPr>
+            <a:r>
+              <a:rPr lang="en-US" sz="1600" b="1" noProof="1">
+                <a:solidFill>
+                  <a:srgbClr val="8CF4F2"/>
+                </a:solidFill>
+                <a:effectLst>
+                  <a:outerShdw blurRad="38100" dist="38100" dir="2700000" algn="tl">
+                    <a:srgbClr val="000000">
+                      <a:alpha val="43137"/>
+                    </a:srgbClr>
+                  </a:outerShdw>
+                </a:effectLst>
+                <a:latin typeface="Consolas" pitchFamily="49" charset="0"/>
+                <a:cs typeface="Consolas" pitchFamily="49" charset="0"/>
+              </a:rPr>
+              <a:t>var_dump($z);</a:t>
+            </a:r>
+          </a:p>
+          <a:p>
+            <a:pPr>
+              <a:lnSpc>
+                <a:spcPct val="100000"/>
+              </a:lnSpc>
+              <a:spcBef>
+                <a:spcPts val="0"/>
+              </a:spcBef>
+              <a:buClr>
+                <a:schemeClr val="accent5">
+                  <a:lumMod val="40000"/>
+                  <a:lumOff val="60000"/>
+                </a:schemeClr>
+              </a:buClr>
+              <a:buSzPct val="70000"/>
+            </a:pPr>
+            <a:r>
+              <a:rPr lang="en-US" sz="1600" b="1" noProof="1">
+                <a:solidFill>
+                  <a:srgbClr val="8CF4F2"/>
+                </a:solidFill>
+                <a:effectLst>
+                  <a:outerShdw blurRad="38100" dist="38100" dir="2700000" algn="tl">
+                    <a:srgbClr val="000000">
+                      <a:alpha val="43137"/>
+                    </a:srgbClr>
+                  </a:outerShdw>
+                </a:effectLst>
+                <a:latin typeface="Consolas" pitchFamily="49" charset="0"/>
+                <a:cs typeface="Consolas" pitchFamily="49" charset="0"/>
+              </a:rPr>
+              <a:t>var_dump($x == $y);</a:t>
+            </a:r>
+          </a:p>
+          <a:p>
+            <a:pPr>
+              <a:lnSpc>
+                <a:spcPct val="100000"/>
+              </a:lnSpc>
+              <a:spcBef>
+                <a:spcPts val="0"/>
+              </a:spcBef>
+              <a:buClr>
+                <a:schemeClr val="accent5">
+                  <a:lumMod val="40000"/>
+                  <a:lumOff val="60000"/>
+                </a:schemeClr>
+              </a:buClr>
+              <a:buSzPct val="70000"/>
+            </a:pPr>
+            <a:r>
+              <a:rPr lang="en-US" sz="1600" b="1" noProof="1">
+                <a:solidFill>
+                  <a:srgbClr val="8CF4F2"/>
+                </a:solidFill>
+                <a:effectLst>
+                  <a:outerShdw blurRad="38100" dist="38100" dir="2700000" algn="tl">
+                    <a:srgbClr val="000000">
+                      <a:alpha val="43137"/>
+                    </a:srgbClr>
+                  </a:outerShdw>
+                </a:effectLst>
+                <a:latin typeface="Consolas" pitchFamily="49" charset="0"/>
+                <a:cs typeface="Consolas" pitchFamily="49" charset="0"/>
+              </a:rPr>
+              <a:t>var_dump($x === $y);</a:t>
+            </a:r>
+          </a:p>
+          <a:p>
+            <a:pPr>
+              <a:lnSpc>
+                <a:spcPct val="100000"/>
+              </a:lnSpc>
+              <a:spcBef>
+                <a:spcPts val="0"/>
+              </a:spcBef>
+              <a:buClr>
+                <a:schemeClr val="accent5">
+                  <a:lumMod val="40000"/>
+                  <a:lumOff val="60000"/>
+                </a:schemeClr>
+              </a:buClr>
+              <a:buSzPct val="70000"/>
+            </a:pPr>
+            <a:r>
+              <a:rPr lang="en-US" sz="1600" b="1" noProof="1">
+                <a:solidFill>
+                  <a:srgbClr val="8CF4F2"/>
+                </a:solidFill>
+                <a:effectLst>
+                  <a:outerShdw blurRad="38100" dist="38100" dir="2700000" algn="tl">
+                    <a:srgbClr val="000000">
+                      <a:alpha val="43137"/>
+                    </a:srgbClr>
+                  </a:outerShdw>
+                </a:effectLst>
+                <a:latin typeface="Consolas" pitchFamily="49" charset="0"/>
+                <a:cs typeface="Consolas" pitchFamily="49" charset="0"/>
+              </a:rPr>
+              <a:t>var_dump($x != $y);</a:t>
+            </a:r>
+          </a:p>
+          <a:p>
+            <a:pPr>
+              <a:lnSpc>
+                <a:spcPct val="100000"/>
+              </a:lnSpc>
+              <a:spcBef>
+                <a:spcPts val="0"/>
+              </a:spcBef>
+              <a:buClr>
+                <a:schemeClr val="accent5">
+                  <a:lumMod val="40000"/>
+                  <a:lumOff val="60000"/>
+                </a:schemeClr>
+              </a:buClr>
+              <a:buSzPct val="70000"/>
+            </a:pPr>
+            <a:r>
+              <a:rPr lang="en-US" sz="1600" b="1" noProof="1">
+                <a:solidFill>
+                  <a:srgbClr val="8CF4F2"/>
+                </a:solidFill>
+                <a:effectLst>
+                  <a:outerShdw blurRad="38100" dist="38100" dir="2700000" algn="tl">
+                    <a:srgbClr val="000000">
+                      <a:alpha val="43137"/>
+                    </a:srgbClr>
+                  </a:outerShdw>
+                </a:effectLst>
+                <a:latin typeface="Consolas" pitchFamily="49" charset="0"/>
+                <a:cs typeface="Consolas" pitchFamily="49" charset="0"/>
+              </a:rPr>
+              <a:t>var_dump($x &lt;&gt; $y);</a:t>
+            </a:r>
+          </a:p>
+          <a:p>
+            <a:pPr>
+              <a:lnSpc>
+                <a:spcPct val="100000"/>
+              </a:lnSpc>
+              <a:spcBef>
+                <a:spcPts val="0"/>
+              </a:spcBef>
+              <a:buClr>
+                <a:schemeClr val="accent5">
+                  <a:lumMod val="40000"/>
+                  <a:lumOff val="60000"/>
+                </a:schemeClr>
+              </a:buClr>
+              <a:buSzPct val="70000"/>
+            </a:pPr>
+            <a:r>
+              <a:rPr lang="en-US" sz="1600" b="1" noProof="1">
+                <a:solidFill>
+                  <a:srgbClr val="8CF4F2"/>
+                </a:solidFill>
+                <a:effectLst>
+                  <a:outerShdw blurRad="38100" dist="38100" dir="2700000" algn="tl">
+                    <a:srgbClr val="000000">
+                      <a:alpha val="43137"/>
+                    </a:srgbClr>
+                  </a:outerShdw>
+                </a:effectLst>
+                <a:latin typeface="Consolas" pitchFamily="49" charset="0"/>
+                <a:cs typeface="Consolas" pitchFamily="49" charset="0"/>
+              </a:rPr>
+              <a:t>var_dump($x !== $y);</a:t>
+            </a:r>
+            <a:endParaRPr lang="en-US" sz="1600" b="1" noProof="1">
+              <a:solidFill>
+                <a:srgbClr val="8CF4F2"/>
+              </a:solidFill>
+              <a:effectLst>
+                <a:outerShdw blurRad="38100" dist="38100" dir="2700000" algn="tl">
+                  <a:srgbClr val="000000">
+                    <a:alpha val="43137"/>
+                  </a:srgbClr>
+                </a:outerShdw>
+              </a:effectLst>
+              <a:latin typeface="Consolas" pitchFamily="49" charset="0"/>
+              <a:cs typeface="Consolas" pitchFamily="49" charset="0"/>
+            </a:endParaRPr>
+          </a:p>
+        </p:txBody>
+      </p:sp>
+    </p:spTree>
+    <p:extLst>
+      <p:ext uri="{BB962C8B-B14F-4D97-AF65-F5344CB8AC3E}">
+        <p14:creationId xmlns:p14="http://schemas.microsoft.com/office/powerpoint/2010/main" val="810591860"/>
+      </p:ext>
+    </p:extLst>
+  </p:cSld>
+  <p:clrMapOvr>
+    <a:masterClrMapping/>
+  </p:clrMapOvr>
+  <p:timing>
+    <p:tnLst>
+      <p:par>
+        <p:cTn id="1" dur="indefinite" restart="never" nodeType="tmRoot"/>
+      </p:par>
+    </p:tnLst>
+  </p:timing>
+</p:sld>
+</file>
+
+<file path=ppt/slides/slide24.xml><?xml version="1.0" encoding="utf-8"?>
+<p:sld xmlns:a="http://schemas.openxmlformats.org/drawingml/2006/main" xmlns:r="http://schemas.openxmlformats.org/officeDocument/2006/relationships" xmlns:p="http://schemas.openxmlformats.org/presentationml/2006/main">
+  <p:cSld>
+    <p:spTree>
+      <p:nvGrpSpPr>
+        <p:cNvPr id="1" name=""/>
+        <p:cNvGrpSpPr/>
+        <p:nvPr/>
+      </p:nvGrpSpPr>
+      <p:grpSpPr>
+        <a:xfrm>
+          <a:off x="0" y="0"/>
+          <a:ext cx="0" cy="0"/>
+          <a:chOff x="0" y="0"/>
+          <a:chExt cx="0" cy="0"/>
+        </a:xfrm>
+      </p:grpSpPr>
+      <p:sp>
+        <p:nvSpPr>
+          <p:cNvPr id="2" name="Title 1"/>
+          <p:cNvSpPr>
+            <a:spLocks noGrp="1"/>
+          </p:cNvSpPr>
+          <p:nvPr>
+            <p:ph type="title"/>
+          </p:nvPr>
+        </p:nvSpPr>
+        <p:spPr>
+          <a:xfrm>
+            <a:off x="1828800" y="162086"/>
+            <a:ext cx="7086600" cy="914400"/>
+          </a:xfrm>
+        </p:spPr>
+        <p:txBody>
+          <a:bodyPr/>
+          <a:lstStyle/>
+          <a:p>
+            <a:r>
+              <a:rPr lang="en-US" dirty="0" smtClean="0"/>
+              <a:t>Operators(3)</a:t>
+            </a:r>
+            <a:endParaRPr lang="en-US" dirty="0"/>
+          </a:p>
+        </p:txBody>
+      </p:sp>
+      <p:sp>
+        <p:nvSpPr>
+          <p:cNvPr id="3" name="Content Placeholder 2"/>
+          <p:cNvSpPr>
+            <a:spLocks noGrp="1"/>
+          </p:cNvSpPr>
+          <p:nvPr>
+            <p:ph idx="1"/>
+          </p:nvPr>
+        </p:nvSpPr>
+        <p:spPr>
+          <a:xfrm>
+            <a:off x="228600" y="1371600"/>
+            <a:ext cx="8686800" cy="3651348"/>
+          </a:xfrm>
+        </p:spPr>
+        <p:txBody>
+          <a:bodyPr/>
+          <a:lstStyle/>
+          <a:p>
+            <a:pPr>
+              <a:lnSpc>
+                <a:spcPct val="100000"/>
+              </a:lnSpc>
+            </a:pPr>
+            <a:r>
+              <a:rPr lang="en-US" dirty="0" smtClean="0"/>
+              <a:t>More info on operators: </a:t>
+            </a:r>
+            <a:r>
+              <a:rPr lang="en-US" dirty="0" smtClean="0">
+                <a:hlinkClick r:id="rId2"/>
+              </a:rPr>
+              <a:t>http://www.w3schools.com/php/php_operators.asp</a:t>
+            </a:r>
+            <a:endParaRPr lang="en-US" dirty="0" smtClean="0"/>
+          </a:p>
+        </p:txBody>
+      </p:sp>
+    </p:spTree>
+    <p:extLst>
+      <p:ext uri="{BB962C8B-B14F-4D97-AF65-F5344CB8AC3E}">
+        <p14:creationId xmlns:p14="http://schemas.microsoft.com/office/powerpoint/2010/main" val="2382653740"/>
+      </p:ext>
+    </p:extLst>
+  </p:cSld>
+  <p:clrMapOvr>
+    <a:masterClrMapping/>
+  </p:clrMapOvr>
+  <p:timing>
+    <p:tnLst>
+      <p:par>
+        <p:cTn id="1" dur="indefinite" restart="never" nodeType="tmRoot"/>
+      </p:par>
+    </p:tnLst>
+  </p:timing>
+</p:sld>
+</file>
+
+<file path=ppt/slides/slide25.xml><?xml version="1.0" encoding="utf-8"?>
+<p:sld xmlns:a="http://schemas.openxmlformats.org/drawingml/2006/main" xmlns:r="http://schemas.openxmlformats.org/officeDocument/2006/relationships" xmlns:p="http://schemas.openxmlformats.org/presentationml/2006/main">
+  <p:cSld>
+    <p:spTree>
+      <p:nvGrpSpPr>
+        <p:cNvPr id="1" name=""/>
+        <p:cNvGrpSpPr/>
+        <p:nvPr/>
+      </p:nvGrpSpPr>
+      <p:grpSpPr>
+        <a:xfrm>
+          <a:off x="0" y="0"/>
+          <a:ext cx="0" cy="0"/>
+          <a:chOff x="0" y="0"/>
+          <a:chExt cx="0" cy="0"/>
+        </a:xfrm>
+      </p:grpSpPr>
+      <p:sp>
+        <p:nvSpPr>
+          <p:cNvPr id="2" name="Title 1"/>
+          <p:cNvSpPr>
+            <a:spLocks noGrp="1"/>
+          </p:cNvSpPr>
+          <p:nvPr>
+            <p:ph type="title"/>
+          </p:nvPr>
+        </p:nvSpPr>
+        <p:spPr>
+          <a:xfrm>
+            <a:off x="1828800" y="162086"/>
+            <a:ext cx="7086600" cy="914400"/>
+          </a:xfrm>
+        </p:spPr>
+        <p:txBody>
+          <a:bodyPr/>
+          <a:lstStyle/>
+          <a:p>
+            <a:r>
+              <a:rPr lang="en-US" dirty="0" smtClean="0"/>
+              <a:t>Statements</a:t>
+            </a:r>
+            <a:endParaRPr lang="en-US" dirty="0"/>
+          </a:p>
+        </p:txBody>
+      </p:sp>
+      <p:sp>
+        <p:nvSpPr>
+          <p:cNvPr id="3" name="Content Placeholder 2"/>
+          <p:cNvSpPr>
+            <a:spLocks noGrp="1"/>
+          </p:cNvSpPr>
+          <p:nvPr>
+            <p:ph idx="1"/>
+          </p:nvPr>
+        </p:nvSpPr>
+        <p:spPr>
+          <a:xfrm>
+            <a:off x="228600" y="1371600"/>
+            <a:ext cx="8686800" cy="3651348"/>
+          </a:xfrm>
+        </p:spPr>
+        <p:txBody>
+          <a:bodyPr/>
+          <a:lstStyle/>
+          <a:p>
+            <a:pPr>
+              <a:lnSpc>
+                <a:spcPct val="100000"/>
+              </a:lnSpc>
+            </a:pPr>
+            <a:r>
+              <a:rPr lang="en-US" dirty="0" smtClean="0"/>
+              <a:t>Like in </a:t>
+            </a:r>
+            <a:r>
+              <a:rPr lang="en-US" dirty="0"/>
+              <a:t>C</a:t>
+            </a:r>
+            <a:r>
+              <a:rPr lang="en-US" dirty="0" smtClean="0"/>
+              <a:t>++ and C#</a:t>
+            </a:r>
+          </a:p>
+          <a:p>
+            <a:pPr lvl="1">
+              <a:lnSpc>
+                <a:spcPct val="100000"/>
+              </a:lnSpc>
+            </a:pPr>
+            <a:r>
+              <a:rPr lang="en-US" dirty="0" smtClean="0"/>
+              <a:t>If-else statement, switch</a:t>
+            </a:r>
+          </a:p>
+          <a:p>
+            <a:pPr lvl="1">
+              <a:lnSpc>
+                <a:spcPct val="100000"/>
+              </a:lnSpc>
+            </a:pPr>
+            <a:r>
+              <a:rPr lang="en-US" dirty="0" smtClean="0"/>
+              <a:t>for, while, do-while loops</a:t>
+            </a:r>
+          </a:p>
+          <a:p>
+            <a:pPr lvl="1">
+              <a:lnSpc>
+                <a:spcPct val="100000"/>
+              </a:lnSpc>
+            </a:pPr>
+            <a:r>
+              <a:rPr lang="en-US" dirty="0" smtClean="0"/>
+              <a:t>try-catch-finally</a:t>
+            </a:r>
+          </a:p>
+          <a:p>
+            <a:pPr>
+              <a:lnSpc>
+                <a:spcPct val="100000"/>
+              </a:lnSpc>
+            </a:pPr>
+            <a:r>
+              <a:rPr lang="en-US" dirty="0" smtClean="0"/>
+              <a:t>Exceptions</a:t>
+            </a:r>
+          </a:p>
+          <a:p>
+            <a:pPr lvl="1">
+              <a:lnSpc>
+                <a:spcPct val="100000"/>
+              </a:lnSpc>
+            </a:pPr>
+            <a:r>
+              <a:rPr lang="en-US" dirty="0" err="1" smtClean="0"/>
+              <a:t>foreach</a:t>
+            </a:r>
+            <a:r>
+              <a:rPr lang="en-US" dirty="0" smtClean="0"/>
+              <a:t> </a:t>
+            </a:r>
+          </a:p>
+          <a:p>
+            <a:pPr lvl="1">
+              <a:lnSpc>
+                <a:spcPct val="100000"/>
+              </a:lnSpc>
+            </a:pPr>
+            <a:endParaRPr lang="en-US" dirty="0" smtClean="0"/>
+          </a:p>
+          <a:p>
+            <a:pPr lvl="1">
+              <a:lnSpc>
+                <a:spcPct val="100000"/>
+              </a:lnSpc>
+            </a:pPr>
+            <a:endParaRPr lang="en-US" dirty="0"/>
+          </a:p>
+          <a:p>
+            <a:pPr marL="357188" lvl="1" indent="0">
+              <a:lnSpc>
+                <a:spcPct val="100000"/>
+              </a:lnSpc>
+              <a:buNone/>
+            </a:pPr>
+            <a:endParaRPr lang="en-US" dirty="0" smtClean="0"/>
+          </a:p>
+        </p:txBody>
+      </p:sp>
+      <p:sp>
+        <p:nvSpPr>
+          <p:cNvPr id="6" name="Rectangle 4"/>
+          <p:cNvSpPr>
+            <a:spLocks noChangeArrowheads="1"/>
+          </p:cNvSpPr>
+          <p:nvPr/>
+        </p:nvSpPr>
+        <p:spPr bwMode="auto">
+          <a:xfrm>
+            <a:off x="609600" y="5153561"/>
+            <a:ext cx="8153400" cy="1323439"/>
+          </a:xfrm>
+          <a:prstGeom prst="rect">
+            <a:avLst/>
+          </a:prstGeom>
+          <a:solidFill>
+            <a:schemeClr val="accent5">
+              <a:lumMod val="40000"/>
+              <a:lumOff val="60000"/>
+              <a:alpha val="15000"/>
+            </a:schemeClr>
+          </a:solidFill>
+          <a:ln w="12700">
+            <a:solidFill>
+              <a:schemeClr val="accent5">
+                <a:lumMod val="60000"/>
+                <a:lumOff val="40000"/>
+              </a:schemeClr>
+            </a:solidFill>
+          </a:ln>
+        </p:spPr>
+        <p:txBody>
+          <a:bodyPr wrap="square">
+            <a:spAutoFit/>
+          </a:bodyPr>
+          <a:lstStyle/>
+          <a:p>
+            <a:pPr>
+              <a:lnSpc>
+                <a:spcPct val="100000"/>
+              </a:lnSpc>
+              <a:spcBef>
+                <a:spcPts val="0"/>
+              </a:spcBef>
+              <a:buClr>
+                <a:schemeClr val="accent5">
+                  <a:lumMod val="40000"/>
+                  <a:lumOff val="60000"/>
+                </a:schemeClr>
+              </a:buClr>
+              <a:buSzPct val="70000"/>
+            </a:pPr>
+            <a:r>
+              <a:rPr lang="en-US" sz="1600" b="1" noProof="1">
+                <a:solidFill>
+                  <a:srgbClr val="8CF4F2"/>
+                </a:solidFill>
+                <a:effectLst>
+                  <a:outerShdw blurRad="38100" dist="38100" dir="2700000" algn="tl">
+                    <a:srgbClr val="000000">
+                      <a:alpha val="43137"/>
+                    </a:srgbClr>
+                  </a:outerShdw>
+                </a:effectLst>
+                <a:latin typeface="Consolas" pitchFamily="49" charset="0"/>
+                <a:cs typeface="Consolas" pitchFamily="49" charset="0"/>
+              </a:rPr>
+              <a:t>foreach</a:t>
+            </a:r>
+            <a:r>
+              <a:rPr lang="en-US" sz="1600" b="1" noProof="1" smtClean="0">
+                <a:solidFill>
+                  <a:srgbClr val="8CF4F2"/>
+                </a:solidFill>
+                <a:effectLst>
+                  <a:outerShdw blurRad="38100" dist="38100" dir="2700000" algn="tl">
+                    <a:srgbClr val="000000">
+                      <a:alpha val="43137"/>
+                    </a:srgbClr>
+                  </a:outerShdw>
+                </a:effectLst>
+                <a:latin typeface="Consolas" pitchFamily="49" charset="0"/>
+                <a:cs typeface="Consolas" pitchFamily="49" charset="0"/>
+              </a:rPr>
+              <a:t>($&lt;collection_ident&gt; as $&lt;key_ident&gt;=&gt;$&lt;value_ident&gt;)</a:t>
+            </a:r>
+          </a:p>
+          <a:p>
+            <a:pPr>
+              <a:lnSpc>
+                <a:spcPct val="100000"/>
+              </a:lnSpc>
+              <a:spcBef>
+                <a:spcPts val="0"/>
+              </a:spcBef>
+              <a:buClr>
+                <a:schemeClr val="accent5">
+                  <a:lumMod val="40000"/>
+                  <a:lumOff val="60000"/>
+                </a:schemeClr>
+              </a:buClr>
+              <a:buSzPct val="70000"/>
+            </a:pPr>
+            <a:r>
+              <a:rPr lang="en-US" sz="1600" b="1" noProof="1" smtClean="0">
+                <a:solidFill>
+                  <a:srgbClr val="8CF4F2"/>
+                </a:solidFill>
+                <a:effectLst>
+                  <a:outerShdw blurRad="38100" dist="38100" dir="2700000" algn="tl">
+                    <a:srgbClr val="000000">
+                      <a:alpha val="43137"/>
+                    </a:srgbClr>
+                  </a:outerShdw>
+                </a:effectLst>
+                <a:latin typeface="Consolas" pitchFamily="49" charset="0"/>
+                <a:cs typeface="Consolas" pitchFamily="49" charset="0"/>
+              </a:rPr>
+              <a:t>{</a:t>
+            </a:r>
+          </a:p>
+          <a:p>
+            <a:pPr>
+              <a:lnSpc>
+                <a:spcPct val="100000"/>
+              </a:lnSpc>
+              <a:spcBef>
+                <a:spcPts val="0"/>
+              </a:spcBef>
+              <a:buClr>
+                <a:schemeClr val="accent5">
+                  <a:lumMod val="40000"/>
+                  <a:lumOff val="60000"/>
+                </a:schemeClr>
+              </a:buClr>
+              <a:buSzPct val="70000"/>
+            </a:pPr>
+            <a:r>
+              <a:rPr lang="en-US" sz="1600" b="1" noProof="1" smtClean="0">
+                <a:solidFill>
+                  <a:srgbClr val="8CF4F2"/>
+                </a:solidFill>
+                <a:effectLst>
+                  <a:outerShdw blurRad="38100" dist="38100" dir="2700000" algn="tl">
+                    <a:srgbClr val="000000">
+                      <a:alpha val="43137"/>
+                    </a:srgbClr>
+                  </a:outerShdw>
+                </a:effectLst>
+                <a:latin typeface="Consolas" pitchFamily="49" charset="0"/>
+                <a:cs typeface="Consolas" pitchFamily="49" charset="0"/>
+              </a:rPr>
+              <a:t>   //Expressions using $&lt;key&gt; and $&lt;value_ident&gt;...</a:t>
+            </a:r>
+          </a:p>
+          <a:p>
+            <a:pPr>
+              <a:lnSpc>
+                <a:spcPct val="100000"/>
+              </a:lnSpc>
+              <a:spcBef>
+                <a:spcPts val="0"/>
+              </a:spcBef>
+              <a:buClr>
+                <a:schemeClr val="accent5">
+                  <a:lumMod val="40000"/>
+                  <a:lumOff val="60000"/>
+                </a:schemeClr>
+              </a:buClr>
+              <a:buSzPct val="70000"/>
+            </a:pPr>
+            <a:r>
+              <a:rPr lang="en-US" sz="1600" b="1" noProof="1" smtClean="0">
+                <a:solidFill>
+                  <a:srgbClr val="8CF4F2"/>
+                </a:solidFill>
+                <a:effectLst>
+                  <a:outerShdw blurRad="38100" dist="38100" dir="2700000" algn="tl">
+                    <a:srgbClr val="000000">
+                      <a:alpha val="43137"/>
+                    </a:srgbClr>
+                  </a:outerShdw>
+                </a:effectLst>
+                <a:latin typeface="Consolas" pitchFamily="49" charset="0"/>
+                <a:cs typeface="Consolas" pitchFamily="49" charset="0"/>
+              </a:rPr>
+              <a:t>   ...</a:t>
+            </a:r>
+            <a:endParaRPr lang="en-US" sz="1600" b="1" noProof="1">
+              <a:solidFill>
+                <a:srgbClr val="8CF4F2"/>
+              </a:solidFill>
+              <a:effectLst>
+                <a:outerShdw blurRad="38100" dist="38100" dir="2700000" algn="tl">
+                  <a:srgbClr val="000000">
+                    <a:alpha val="43137"/>
+                  </a:srgbClr>
+                </a:outerShdw>
+              </a:effectLst>
+              <a:latin typeface="Consolas" pitchFamily="49" charset="0"/>
+              <a:cs typeface="Consolas" pitchFamily="49" charset="0"/>
+            </a:endParaRPr>
+          </a:p>
+          <a:p>
+            <a:pPr>
+              <a:lnSpc>
+                <a:spcPct val="100000"/>
+              </a:lnSpc>
+              <a:spcBef>
+                <a:spcPts val="0"/>
+              </a:spcBef>
+              <a:buClr>
+                <a:schemeClr val="accent5">
+                  <a:lumMod val="40000"/>
+                  <a:lumOff val="60000"/>
+                </a:schemeClr>
+              </a:buClr>
+              <a:buSzPct val="70000"/>
+            </a:pPr>
+            <a:r>
+              <a:rPr lang="en-US" sz="1600" b="1" noProof="1" smtClean="0">
+                <a:solidFill>
+                  <a:srgbClr val="8CF4F2"/>
+                </a:solidFill>
+                <a:effectLst>
+                  <a:outerShdw blurRad="38100" dist="38100" dir="2700000" algn="tl">
+                    <a:srgbClr val="000000">
+                      <a:alpha val="43137"/>
+                    </a:srgbClr>
+                  </a:outerShdw>
+                </a:effectLst>
+                <a:latin typeface="Consolas" pitchFamily="49" charset="0"/>
+                <a:cs typeface="Consolas" pitchFamily="49" charset="0"/>
+              </a:rPr>
+              <a:t>}</a:t>
+            </a:r>
+            <a:endParaRPr lang="en-US" sz="1600" b="1" noProof="1">
+              <a:solidFill>
+                <a:srgbClr val="8CF4F2"/>
+              </a:solidFill>
+              <a:effectLst>
+                <a:outerShdw blurRad="38100" dist="38100" dir="2700000" algn="tl">
+                  <a:srgbClr val="000000">
+                    <a:alpha val="43137"/>
+                  </a:srgbClr>
+                </a:outerShdw>
+              </a:effectLst>
+              <a:latin typeface="Consolas" pitchFamily="49" charset="0"/>
+              <a:cs typeface="Consolas" pitchFamily="49" charset="0"/>
+            </a:endParaRPr>
+          </a:p>
+        </p:txBody>
+      </p:sp>
+    </p:spTree>
+    <p:extLst>
+      <p:ext uri="{BB962C8B-B14F-4D97-AF65-F5344CB8AC3E}">
+        <p14:creationId xmlns:p14="http://schemas.microsoft.com/office/powerpoint/2010/main" val="2201713551"/>
+      </p:ext>
+    </p:extLst>
+  </p:cSld>
+  <p:clrMapOvr>
+    <a:masterClrMapping/>
+  </p:clrMapOvr>
+  <p:timing>
+    <p:tnLst>
+      <p:par>
+        <p:cTn id="1" dur="indefinite" restart="never" nodeType="tmRoot"/>
+      </p:par>
+    </p:tnLst>
+  </p:timing>
+</p:sld>
+</file>
+
+<file path=ppt/slides/slide26.xml><?xml version="1.0" encoding="utf-8"?>
+<p:sld xmlns:a="http://schemas.openxmlformats.org/drawingml/2006/main" xmlns:r="http://schemas.openxmlformats.org/officeDocument/2006/relationships" xmlns:p="http://schemas.openxmlformats.org/presentationml/2006/main">
+  <p:cSld>
+    <p:spTree>
+      <p:nvGrpSpPr>
+        <p:cNvPr id="1" name=""/>
+        <p:cNvGrpSpPr/>
+        <p:nvPr/>
+      </p:nvGrpSpPr>
+      <p:grpSpPr>
+        <a:xfrm>
+          <a:off x="0" y="0"/>
+          <a:ext cx="0" cy="0"/>
+          <a:chOff x="0" y="0"/>
+          <a:chExt cx="0" cy="0"/>
+        </a:xfrm>
+      </p:grpSpPr>
+      <p:sp>
+        <p:nvSpPr>
+          <p:cNvPr id="2" name="Title 1"/>
+          <p:cNvSpPr>
+            <a:spLocks noGrp="1"/>
+          </p:cNvSpPr>
+          <p:nvPr>
+            <p:ph type="title"/>
+          </p:nvPr>
+        </p:nvSpPr>
+        <p:spPr>
+          <a:xfrm>
+            <a:off x="1828800" y="162086"/>
+            <a:ext cx="7086600" cy="914400"/>
+          </a:xfrm>
+        </p:spPr>
+        <p:txBody>
+          <a:bodyPr/>
+          <a:lstStyle/>
+          <a:p>
+            <a:r>
+              <a:rPr lang="en-US" dirty="0" smtClean="0"/>
+              <a:t>Error handling</a:t>
+            </a:r>
+            <a:endParaRPr lang="en-US" dirty="0"/>
+          </a:p>
+        </p:txBody>
+      </p:sp>
+      <p:sp>
+        <p:nvSpPr>
+          <p:cNvPr id="3" name="Content Placeholder 2"/>
+          <p:cNvSpPr>
+            <a:spLocks noGrp="1"/>
+          </p:cNvSpPr>
+          <p:nvPr>
+            <p:ph idx="1"/>
+          </p:nvPr>
+        </p:nvSpPr>
+        <p:spPr>
+          <a:xfrm>
+            <a:off x="228600" y="1371600"/>
+            <a:ext cx="8686800" cy="3651348"/>
+          </a:xfrm>
+        </p:spPr>
+        <p:txBody>
+          <a:bodyPr/>
+          <a:lstStyle/>
+          <a:p>
+            <a:pPr>
+              <a:lnSpc>
+                <a:spcPct val="100000"/>
+              </a:lnSpc>
+            </a:pPr>
+            <a:r>
+              <a:rPr lang="en-US" dirty="0" smtClean="0"/>
+              <a:t>Simple </a:t>
+            </a:r>
+            <a:r>
+              <a:rPr lang="en-US" dirty="0" smtClean="0">
+                <a:solidFill>
+                  <a:schemeClr val="tx1"/>
+                </a:solidFill>
+              </a:rPr>
+              <a:t>die() </a:t>
+            </a:r>
+            <a:r>
+              <a:rPr lang="en-US" dirty="0" smtClean="0"/>
+              <a:t>statements</a:t>
+            </a:r>
+          </a:p>
+          <a:p>
+            <a:pPr>
+              <a:lnSpc>
+                <a:spcPct val="100000"/>
+              </a:lnSpc>
+            </a:pPr>
+            <a:endParaRPr lang="en-US" dirty="0"/>
+          </a:p>
+          <a:p>
+            <a:pPr>
+              <a:lnSpc>
+                <a:spcPct val="100000"/>
+              </a:lnSpc>
+            </a:pPr>
+            <a:endParaRPr lang="en-US" dirty="0" smtClean="0"/>
+          </a:p>
+          <a:p>
+            <a:pPr>
+              <a:lnSpc>
+                <a:spcPct val="100000"/>
+              </a:lnSpc>
+            </a:pPr>
+            <a:endParaRPr lang="en-US" dirty="0"/>
+          </a:p>
+          <a:p>
+            <a:pPr lvl="1">
+              <a:lnSpc>
+                <a:spcPct val="100000"/>
+              </a:lnSpc>
+            </a:pPr>
+            <a:r>
+              <a:rPr lang="en-US" dirty="0" smtClean="0"/>
+              <a:t>Read more here: </a:t>
+            </a:r>
+            <a:r>
+              <a:rPr lang="en-US" dirty="0" smtClean="0">
+                <a:hlinkClick r:id="rId2"/>
+              </a:rPr>
+              <a:t>http://php.net/manual/en/function.die.php</a:t>
+            </a:r>
+            <a:endParaRPr lang="en-US" dirty="0" smtClean="0"/>
+          </a:p>
+          <a:p>
+            <a:pPr lvl="1">
+              <a:lnSpc>
+                <a:spcPct val="100000"/>
+              </a:lnSpc>
+            </a:pPr>
+            <a:endParaRPr lang="en-US" dirty="0" smtClean="0"/>
+          </a:p>
+          <a:p>
+            <a:pPr lvl="1">
+              <a:lnSpc>
+                <a:spcPct val="100000"/>
+              </a:lnSpc>
+            </a:pPr>
+            <a:endParaRPr lang="en-US" dirty="0"/>
+          </a:p>
+          <a:p>
+            <a:pPr marL="357188" lvl="1" indent="0">
+              <a:lnSpc>
+                <a:spcPct val="100000"/>
+              </a:lnSpc>
+              <a:buNone/>
+            </a:pPr>
+            <a:endParaRPr lang="en-US" dirty="0" smtClean="0"/>
+          </a:p>
+        </p:txBody>
+      </p:sp>
+      <p:sp>
+        <p:nvSpPr>
+          <p:cNvPr id="6" name="Rectangle 4"/>
+          <p:cNvSpPr>
+            <a:spLocks noChangeArrowheads="1"/>
+          </p:cNvSpPr>
+          <p:nvPr/>
+        </p:nvSpPr>
+        <p:spPr bwMode="auto">
+          <a:xfrm>
+            <a:off x="533400" y="2334161"/>
+            <a:ext cx="8153400" cy="1323439"/>
+          </a:xfrm>
+          <a:prstGeom prst="rect">
+            <a:avLst/>
+          </a:prstGeom>
+          <a:solidFill>
+            <a:schemeClr val="accent5">
+              <a:lumMod val="40000"/>
+              <a:lumOff val="60000"/>
+              <a:alpha val="15000"/>
+            </a:schemeClr>
+          </a:solidFill>
+          <a:ln w="12700">
+            <a:solidFill>
+              <a:schemeClr val="accent5">
+                <a:lumMod val="60000"/>
+                <a:lumOff val="40000"/>
+              </a:schemeClr>
+            </a:solidFill>
+          </a:ln>
+        </p:spPr>
+        <p:txBody>
+          <a:bodyPr wrap="square">
+            <a:spAutoFit/>
+          </a:bodyPr>
+          <a:lstStyle/>
+          <a:p>
+            <a:pPr>
+              <a:lnSpc>
+                <a:spcPct val="100000"/>
+              </a:lnSpc>
+              <a:spcBef>
+                <a:spcPts val="0"/>
+              </a:spcBef>
+              <a:buClr>
+                <a:schemeClr val="accent5">
+                  <a:lumMod val="40000"/>
+                  <a:lumOff val="60000"/>
+                </a:schemeClr>
+              </a:buClr>
+              <a:buSzPct val="70000"/>
+            </a:pPr>
+            <a:r>
+              <a:rPr lang="en-US" sz="1600" b="1" noProof="1">
+                <a:solidFill>
+                  <a:srgbClr val="8CF4F2"/>
+                </a:solidFill>
+                <a:effectLst>
+                  <a:outerShdw blurRad="38100" dist="38100" dir="2700000" algn="tl">
+                    <a:srgbClr val="000000">
+                      <a:alpha val="43137"/>
+                    </a:srgbClr>
+                  </a:outerShdw>
+                </a:effectLst>
+                <a:latin typeface="Consolas" pitchFamily="49" charset="0"/>
+                <a:cs typeface="Consolas" pitchFamily="49" charset="0"/>
+              </a:rPr>
+              <a:t>if(!file_exists("welcome.txt")) {</a:t>
+            </a:r>
+          </a:p>
+          <a:p>
+            <a:pPr>
+              <a:lnSpc>
+                <a:spcPct val="100000"/>
+              </a:lnSpc>
+              <a:spcBef>
+                <a:spcPts val="0"/>
+              </a:spcBef>
+              <a:buClr>
+                <a:schemeClr val="accent5">
+                  <a:lumMod val="40000"/>
+                  <a:lumOff val="60000"/>
+                </a:schemeClr>
+              </a:buClr>
+              <a:buSzPct val="70000"/>
+            </a:pPr>
+            <a:r>
+              <a:rPr lang="en-US" sz="1600" b="1" noProof="1">
+                <a:solidFill>
+                  <a:srgbClr val="8CF4F2"/>
+                </a:solidFill>
+                <a:effectLst>
+                  <a:outerShdw blurRad="38100" dist="38100" dir="2700000" algn="tl">
+                    <a:srgbClr val="000000">
+                      <a:alpha val="43137"/>
+                    </a:srgbClr>
+                  </a:outerShdw>
+                </a:effectLst>
+                <a:latin typeface="Consolas" pitchFamily="49" charset="0"/>
+                <a:cs typeface="Consolas" pitchFamily="49" charset="0"/>
+              </a:rPr>
+              <a:t>  die("File not found");</a:t>
+            </a:r>
+          </a:p>
+          <a:p>
+            <a:pPr>
+              <a:lnSpc>
+                <a:spcPct val="100000"/>
+              </a:lnSpc>
+              <a:spcBef>
+                <a:spcPts val="0"/>
+              </a:spcBef>
+              <a:buClr>
+                <a:schemeClr val="accent5">
+                  <a:lumMod val="40000"/>
+                  <a:lumOff val="60000"/>
+                </a:schemeClr>
+              </a:buClr>
+              <a:buSzPct val="70000"/>
+            </a:pPr>
+            <a:r>
+              <a:rPr lang="en-US" sz="1600" b="1" noProof="1">
+                <a:solidFill>
+                  <a:srgbClr val="8CF4F2"/>
+                </a:solidFill>
+                <a:effectLst>
+                  <a:outerShdw blurRad="38100" dist="38100" dir="2700000" algn="tl">
+                    <a:srgbClr val="000000">
+                      <a:alpha val="43137"/>
+                    </a:srgbClr>
+                  </a:outerShdw>
+                </a:effectLst>
+                <a:latin typeface="Consolas" pitchFamily="49" charset="0"/>
+                <a:cs typeface="Consolas" pitchFamily="49" charset="0"/>
+              </a:rPr>
+              <a:t>} else {</a:t>
+            </a:r>
+          </a:p>
+          <a:p>
+            <a:pPr>
+              <a:lnSpc>
+                <a:spcPct val="100000"/>
+              </a:lnSpc>
+              <a:spcBef>
+                <a:spcPts val="0"/>
+              </a:spcBef>
+              <a:buClr>
+                <a:schemeClr val="accent5">
+                  <a:lumMod val="40000"/>
+                  <a:lumOff val="60000"/>
+                </a:schemeClr>
+              </a:buClr>
+              <a:buSzPct val="70000"/>
+            </a:pPr>
+            <a:r>
+              <a:rPr lang="en-US" sz="1600" b="1" noProof="1">
+                <a:solidFill>
+                  <a:srgbClr val="8CF4F2"/>
+                </a:solidFill>
+                <a:effectLst>
+                  <a:outerShdw blurRad="38100" dist="38100" dir="2700000" algn="tl">
+                    <a:srgbClr val="000000">
+                      <a:alpha val="43137"/>
+                    </a:srgbClr>
+                  </a:outerShdw>
+                </a:effectLst>
+                <a:latin typeface="Consolas" pitchFamily="49" charset="0"/>
+                <a:cs typeface="Consolas" pitchFamily="49" charset="0"/>
+              </a:rPr>
+              <a:t>  $file=fopen("welcome.txt","r");</a:t>
+            </a:r>
+          </a:p>
+          <a:p>
+            <a:pPr>
+              <a:lnSpc>
+                <a:spcPct val="100000"/>
+              </a:lnSpc>
+              <a:spcBef>
+                <a:spcPts val="0"/>
+              </a:spcBef>
+              <a:buClr>
+                <a:schemeClr val="accent5">
+                  <a:lumMod val="40000"/>
+                  <a:lumOff val="60000"/>
+                </a:schemeClr>
+              </a:buClr>
+              <a:buSzPct val="70000"/>
+            </a:pPr>
+            <a:r>
+              <a:rPr lang="en-US" sz="1600" b="1" noProof="1">
+                <a:solidFill>
+                  <a:srgbClr val="8CF4F2"/>
+                </a:solidFill>
+                <a:effectLst>
+                  <a:outerShdw blurRad="38100" dist="38100" dir="2700000" algn="tl">
+                    <a:srgbClr val="000000">
+                      <a:alpha val="43137"/>
+                    </a:srgbClr>
+                  </a:outerShdw>
+                </a:effectLst>
+                <a:latin typeface="Consolas" pitchFamily="49" charset="0"/>
+                <a:cs typeface="Consolas" pitchFamily="49" charset="0"/>
+              </a:rPr>
+              <a:t>}</a:t>
+            </a:r>
+            <a:endParaRPr lang="en-US" sz="1600" b="1" noProof="1">
+              <a:solidFill>
+                <a:srgbClr val="8CF4F2"/>
+              </a:solidFill>
+              <a:effectLst>
+                <a:outerShdw blurRad="38100" dist="38100" dir="2700000" algn="tl">
+                  <a:srgbClr val="000000">
+                    <a:alpha val="43137"/>
+                  </a:srgbClr>
+                </a:outerShdw>
+              </a:effectLst>
+              <a:latin typeface="Consolas" pitchFamily="49" charset="0"/>
+              <a:cs typeface="Consolas" pitchFamily="49" charset="0"/>
+            </a:endParaRPr>
+          </a:p>
+        </p:txBody>
+      </p:sp>
+    </p:spTree>
+    <p:extLst>
+      <p:ext uri="{BB962C8B-B14F-4D97-AF65-F5344CB8AC3E}">
+        <p14:creationId xmlns:p14="http://schemas.microsoft.com/office/powerpoint/2010/main" val="4059031487"/>
+      </p:ext>
+    </p:extLst>
+  </p:cSld>
+  <p:clrMapOvr>
+    <a:masterClrMapping/>
+  </p:clrMapOvr>
+  <p:timing>
+    <p:tnLst>
+      <p:par>
+        <p:cTn id="1" dur="indefinite" restart="never" nodeType="tmRoot"/>
+      </p:par>
+    </p:tnLst>
+  </p:timing>
+</p:sld>
+</file>
+
+<file path=ppt/slides/slide27.xml><?xml version="1.0" encoding="utf-8"?>
+<p:sld xmlns:a="http://schemas.openxmlformats.org/drawingml/2006/main" xmlns:r="http://schemas.openxmlformats.org/officeDocument/2006/relationships" xmlns:p="http://schemas.openxmlformats.org/presentationml/2006/main">
+  <p:cSld>
+    <p:spTree>
+      <p:nvGrpSpPr>
+        <p:cNvPr id="1" name=""/>
+        <p:cNvGrpSpPr/>
+        <p:nvPr/>
+      </p:nvGrpSpPr>
+      <p:grpSpPr>
+        <a:xfrm>
+          <a:off x="0" y="0"/>
+          <a:ext cx="0" cy="0"/>
+          <a:chOff x="0" y="0"/>
+          <a:chExt cx="0" cy="0"/>
+        </a:xfrm>
+      </p:grpSpPr>
+      <p:sp>
+        <p:nvSpPr>
+          <p:cNvPr id="2" name="Title 1"/>
+          <p:cNvSpPr>
+            <a:spLocks noGrp="1"/>
+          </p:cNvSpPr>
+          <p:nvPr>
+            <p:ph type="title"/>
+          </p:nvPr>
+        </p:nvSpPr>
+        <p:spPr>
+          <a:xfrm>
+            <a:off x="1828800" y="162086"/>
+            <a:ext cx="7086600" cy="914400"/>
+          </a:xfrm>
+        </p:spPr>
+        <p:txBody>
+          <a:bodyPr/>
+          <a:lstStyle/>
+          <a:p>
+            <a:r>
+              <a:rPr lang="en-US" dirty="0" smtClean="0"/>
+              <a:t>Error handling(2)</a:t>
+            </a:r>
+            <a:endParaRPr lang="en-US" dirty="0"/>
+          </a:p>
+        </p:txBody>
+      </p:sp>
+      <p:sp>
+        <p:nvSpPr>
+          <p:cNvPr id="3" name="Content Placeholder 2"/>
+          <p:cNvSpPr>
+            <a:spLocks noGrp="1"/>
+          </p:cNvSpPr>
+          <p:nvPr>
+            <p:ph idx="1"/>
+          </p:nvPr>
+        </p:nvSpPr>
+        <p:spPr>
+          <a:xfrm>
+            <a:off x="228600" y="1371600"/>
+            <a:ext cx="8686800" cy="3651348"/>
+          </a:xfrm>
+        </p:spPr>
+        <p:txBody>
+          <a:bodyPr/>
+          <a:lstStyle/>
+          <a:p>
+            <a:pPr>
+              <a:lnSpc>
+                <a:spcPct val="100000"/>
+              </a:lnSpc>
+            </a:pPr>
+            <a:r>
+              <a:rPr lang="en-US" dirty="0" smtClean="0"/>
+              <a:t>try-catch-finally</a:t>
+            </a:r>
+          </a:p>
+          <a:p>
+            <a:pPr lvl="1">
+              <a:lnSpc>
+                <a:spcPct val="100000"/>
+              </a:lnSpc>
+            </a:pPr>
+            <a:r>
+              <a:rPr lang="en-US" dirty="0" smtClean="0"/>
+              <a:t>Works with \Exception class</a:t>
+            </a:r>
+            <a:endParaRPr lang="en-US" dirty="0"/>
+          </a:p>
+          <a:p>
+            <a:pPr>
+              <a:lnSpc>
+                <a:spcPct val="100000"/>
+              </a:lnSpc>
+            </a:pPr>
+            <a:endParaRPr lang="en-US" dirty="0" smtClean="0"/>
+          </a:p>
+          <a:p>
+            <a:pPr>
+              <a:lnSpc>
+                <a:spcPct val="100000"/>
+              </a:lnSpc>
+            </a:pPr>
+            <a:endParaRPr lang="en-US" dirty="0"/>
+          </a:p>
+          <a:p>
+            <a:pPr lvl="1">
+              <a:lnSpc>
+                <a:spcPct val="100000"/>
+              </a:lnSpc>
+            </a:pPr>
+            <a:endParaRPr lang="en-US" dirty="0"/>
+          </a:p>
+          <a:p>
+            <a:pPr marL="357188" lvl="1" indent="0">
+              <a:lnSpc>
+                <a:spcPct val="100000"/>
+              </a:lnSpc>
+              <a:buNone/>
+            </a:pPr>
+            <a:endParaRPr lang="en-US" dirty="0" smtClean="0"/>
+          </a:p>
+        </p:txBody>
+      </p:sp>
+      <p:sp>
+        <p:nvSpPr>
+          <p:cNvPr id="6" name="Rectangle 4"/>
+          <p:cNvSpPr>
+            <a:spLocks noChangeArrowheads="1"/>
+          </p:cNvSpPr>
+          <p:nvPr/>
+        </p:nvSpPr>
+        <p:spPr bwMode="auto">
+          <a:xfrm>
+            <a:off x="533400" y="2819400"/>
+            <a:ext cx="8153400" cy="3293209"/>
+          </a:xfrm>
+          <a:prstGeom prst="rect">
+            <a:avLst/>
+          </a:prstGeom>
+          <a:solidFill>
+            <a:schemeClr val="accent5">
+              <a:lumMod val="40000"/>
+              <a:lumOff val="60000"/>
+              <a:alpha val="15000"/>
+            </a:schemeClr>
+          </a:solidFill>
+          <a:ln w="12700">
+            <a:solidFill>
+              <a:schemeClr val="accent5">
+                <a:lumMod val="60000"/>
+                <a:lumOff val="40000"/>
+              </a:schemeClr>
+            </a:solidFill>
+          </a:ln>
+        </p:spPr>
+        <p:txBody>
+          <a:bodyPr wrap="square">
+            <a:spAutoFit/>
+          </a:bodyPr>
+          <a:lstStyle/>
+          <a:p>
+            <a:pPr>
+              <a:lnSpc>
+                <a:spcPct val="100000"/>
+              </a:lnSpc>
+              <a:spcBef>
+                <a:spcPts val="0"/>
+              </a:spcBef>
+              <a:buClr>
+                <a:schemeClr val="accent5">
+                  <a:lumMod val="40000"/>
+                  <a:lumOff val="60000"/>
+                </a:schemeClr>
+              </a:buClr>
+              <a:buSzPct val="70000"/>
+            </a:pPr>
+            <a:r>
+              <a:rPr lang="en-US" sz="1600" b="1" noProof="1">
+                <a:solidFill>
+                  <a:srgbClr val="8CF4F2"/>
+                </a:solidFill>
+                <a:effectLst>
+                  <a:outerShdw blurRad="38100" dist="38100" dir="2700000" algn="tl">
+                    <a:srgbClr val="000000">
+                      <a:alpha val="43137"/>
+                    </a:srgbClr>
+                  </a:outerShdw>
+                </a:effectLst>
+                <a:latin typeface="Consolas" pitchFamily="49" charset="0"/>
+                <a:cs typeface="Consolas" pitchFamily="49" charset="0"/>
+              </a:rPr>
+              <a:t>try</a:t>
+            </a:r>
+          </a:p>
+          <a:p>
+            <a:pPr>
+              <a:lnSpc>
+                <a:spcPct val="100000"/>
+              </a:lnSpc>
+              <a:spcBef>
+                <a:spcPts val="0"/>
+              </a:spcBef>
+              <a:buClr>
+                <a:schemeClr val="accent5">
+                  <a:lumMod val="40000"/>
+                  <a:lumOff val="60000"/>
+                </a:schemeClr>
+              </a:buClr>
+              <a:buSzPct val="70000"/>
+            </a:pPr>
+            <a:r>
+              <a:rPr lang="en-US" sz="1600" b="1" noProof="1">
+                <a:solidFill>
+                  <a:srgbClr val="8CF4F2"/>
+                </a:solidFill>
+                <a:effectLst>
+                  <a:outerShdw blurRad="38100" dist="38100" dir="2700000" algn="tl">
+                    <a:srgbClr val="000000">
+                      <a:alpha val="43137"/>
+                    </a:srgbClr>
+                  </a:outerShdw>
+                </a:effectLst>
+                <a:latin typeface="Consolas" pitchFamily="49" charset="0"/>
+                <a:cs typeface="Consolas" pitchFamily="49" charset="0"/>
+              </a:rPr>
+              <a:t>{</a:t>
+            </a:r>
+          </a:p>
+          <a:p>
+            <a:pPr>
+              <a:lnSpc>
+                <a:spcPct val="100000"/>
+              </a:lnSpc>
+              <a:spcBef>
+                <a:spcPts val="0"/>
+              </a:spcBef>
+              <a:buClr>
+                <a:schemeClr val="accent5">
+                  <a:lumMod val="40000"/>
+                  <a:lumOff val="60000"/>
+                </a:schemeClr>
+              </a:buClr>
+              <a:buSzPct val="70000"/>
+            </a:pPr>
+            <a:r>
+              <a:rPr lang="en-US" sz="1600" b="1" noProof="1" smtClean="0">
+                <a:solidFill>
+                  <a:srgbClr val="8CF4F2"/>
+                </a:solidFill>
+                <a:effectLst>
+                  <a:outerShdw blurRad="38100" dist="38100" dir="2700000" algn="tl">
+                    <a:srgbClr val="000000">
+                      <a:alpha val="43137"/>
+                    </a:srgbClr>
+                  </a:outerShdw>
+                </a:effectLst>
+                <a:latin typeface="Consolas" pitchFamily="49" charset="0"/>
+                <a:cs typeface="Consolas" pitchFamily="49" charset="0"/>
+              </a:rPr>
+              <a:t>    //</a:t>
+            </a:r>
+            <a:r>
+              <a:rPr lang="en-US" sz="1600" b="1" noProof="1">
+                <a:solidFill>
+                  <a:srgbClr val="8CF4F2"/>
+                </a:solidFill>
+                <a:effectLst>
+                  <a:outerShdw blurRad="38100" dist="38100" dir="2700000" algn="tl">
+                    <a:srgbClr val="000000">
+                      <a:alpha val="43137"/>
+                    </a:srgbClr>
+                  </a:outerShdw>
+                </a:effectLst>
+                <a:latin typeface="Consolas" pitchFamily="49" charset="0"/>
+                <a:cs typeface="Consolas" pitchFamily="49" charset="0"/>
+              </a:rPr>
+              <a:t>troll</a:t>
+            </a:r>
+          </a:p>
+          <a:p>
+            <a:pPr>
+              <a:lnSpc>
+                <a:spcPct val="100000"/>
+              </a:lnSpc>
+              <a:spcBef>
+                <a:spcPts val="0"/>
+              </a:spcBef>
+              <a:buClr>
+                <a:schemeClr val="accent5">
+                  <a:lumMod val="40000"/>
+                  <a:lumOff val="60000"/>
+                </a:schemeClr>
+              </a:buClr>
+              <a:buSzPct val="70000"/>
+            </a:pPr>
+            <a:r>
+              <a:rPr lang="en-US" sz="1600" b="1" noProof="1" smtClean="0">
+                <a:solidFill>
+                  <a:srgbClr val="8CF4F2"/>
+                </a:solidFill>
+                <a:effectLst>
+                  <a:outerShdw blurRad="38100" dist="38100" dir="2700000" algn="tl">
+                    <a:srgbClr val="000000">
+                      <a:alpha val="43137"/>
+                    </a:srgbClr>
+                  </a:outerShdw>
+                </a:effectLst>
+                <a:latin typeface="Consolas" pitchFamily="49" charset="0"/>
+                <a:cs typeface="Consolas" pitchFamily="49" charset="0"/>
+              </a:rPr>
+              <a:t>    throw </a:t>
+            </a:r>
+            <a:r>
+              <a:rPr lang="en-US" sz="1600" b="1" noProof="1">
+                <a:solidFill>
+                  <a:srgbClr val="8CF4F2"/>
+                </a:solidFill>
+                <a:effectLst>
+                  <a:outerShdw blurRad="38100" dist="38100" dir="2700000" algn="tl">
+                    <a:srgbClr val="000000">
+                      <a:alpha val="43137"/>
+                    </a:srgbClr>
+                  </a:outerShdw>
+                </a:effectLst>
+                <a:latin typeface="Consolas" pitchFamily="49" charset="0"/>
+                <a:cs typeface="Consolas" pitchFamily="49" charset="0"/>
+              </a:rPr>
+              <a:t>new Exception("Just kidding!");</a:t>
+            </a:r>
+          </a:p>
+          <a:p>
+            <a:pPr>
+              <a:lnSpc>
+                <a:spcPct val="100000"/>
+              </a:lnSpc>
+              <a:spcBef>
+                <a:spcPts val="0"/>
+              </a:spcBef>
+              <a:buClr>
+                <a:schemeClr val="accent5">
+                  <a:lumMod val="40000"/>
+                  <a:lumOff val="60000"/>
+                </a:schemeClr>
+              </a:buClr>
+              <a:buSzPct val="70000"/>
+            </a:pPr>
+            <a:r>
+              <a:rPr lang="en-US" sz="1600" b="1" noProof="1">
+                <a:solidFill>
+                  <a:srgbClr val="8CF4F2"/>
+                </a:solidFill>
+                <a:effectLst>
+                  <a:outerShdw blurRad="38100" dist="38100" dir="2700000" algn="tl">
+                    <a:srgbClr val="000000">
+                      <a:alpha val="43137"/>
+                    </a:srgbClr>
+                  </a:outerShdw>
+                </a:effectLst>
+                <a:latin typeface="Consolas" pitchFamily="49" charset="0"/>
+                <a:cs typeface="Consolas" pitchFamily="49" charset="0"/>
+              </a:rPr>
+              <a:t>}</a:t>
+            </a:r>
+          </a:p>
+          <a:p>
+            <a:pPr>
+              <a:lnSpc>
+                <a:spcPct val="100000"/>
+              </a:lnSpc>
+              <a:spcBef>
+                <a:spcPts val="0"/>
+              </a:spcBef>
+              <a:buClr>
+                <a:schemeClr val="accent5">
+                  <a:lumMod val="40000"/>
+                  <a:lumOff val="60000"/>
+                </a:schemeClr>
+              </a:buClr>
+              <a:buSzPct val="70000"/>
+            </a:pPr>
+            <a:r>
+              <a:rPr lang="en-US" sz="1600" b="1" noProof="1">
+                <a:solidFill>
+                  <a:srgbClr val="8CF4F2"/>
+                </a:solidFill>
+                <a:effectLst>
+                  <a:outerShdw blurRad="38100" dist="38100" dir="2700000" algn="tl">
+                    <a:srgbClr val="000000">
+                      <a:alpha val="43137"/>
+                    </a:srgbClr>
+                  </a:outerShdw>
+                </a:effectLst>
+                <a:latin typeface="Consolas" pitchFamily="49" charset="0"/>
+                <a:cs typeface="Consolas" pitchFamily="49" charset="0"/>
+              </a:rPr>
+              <a:t>catch(Exception $boom)</a:t>
+            </a:r>
+          </a:p>
+          <a:p>
+            <a:pPr>
+              <a:lnSpc>
+                <a:spcPct val="100000"/>
+              </a:lnSpc>
+              <a:spcBef>
+                <a:spcPts val="0"/>
+              </a:spcBef>
+              <a:buClr>
+                <a:schemeClr val="accent5">
+                  <a:lumMod val="40000"/>
+                  <a:lumOff val="60000"/>
+                </a:schemeClr>
+              </a:buClr>
+              <a:buSzPct val="70000"/>
+            </a:pPr>
+            <a:r>
+              <a:rPr lang="en-US" sz="1600" b="1" noProof="1">
+                <a:solidFill>
+                  <a:srgbClr val="8CF4F2"/>
+                </a:solidFill>
+                <a:effectLst>
+                  <a:outerShdw blurRad="38100" dist="38100" dir="2700000" algn="tl">
+                    <a:srgbClr val="000000">
+                      <a:alpha val="43137"/>
+                    </a:srgbClr>
+                  </a:outerShdw>
+                </a:effectLst>
+                <a:latin typeface="Consolas" pitchFamily="49" charset="0"/>
+                <a:cs typeface="Consolas" pitchFamily="49" charset="0"/>
+              </a:rPr>
+              <a:t>{</a:t>
+            </a:r>
+          </a:p>
+          <a:p>
+            <a:pPr>
+              <a:lnSpc>
+                <a:spcPct val="100000"/>
+              </a:lnSpc>
+              <a:spcBef>
+                <a:spcPts val="0"/>
+              </a:spcBef>
+              <a:buClr>
+                <a:schemeClr val="accent5">
+                  <a:lumMod val="40000"/>
+                  <a:lumOff val="60000"/>
+                </a:schemeClr>
+              </a:buClr>
+              <a:buSzPct val="70000"/>
+            </a:pPr>
+            <a:r>
+              <a:rPr lang="en-US" sz="1600" b="1" noProof="1" smtClean="0">
+                <a:solidFill>
+                  <a:srgbClr val="8CF4F2"/>
+                </a:solidFill>
+                <a:effectLst>
+                  <a:outerShdw blurRad="38100" dist="38100" dir="2700000" algn="tl">
+                    <a:srgbClr val="000000">
+                      <a:alpha val="43137"/>
+                    </a:srgbClr>
+                  </a:outerShdw>
+                </a:effectLst>
+                <a:latin typeface="Consolas" pitchFamily="49" charset="0"/>
+                <a:cs typeface="Consolas" pitchFamily="49" charset="0"/>
+              </a:rPr>
+              <a:t>    var_dump</a:t>
+            </a:r>
+            <a:r>
+              <a:rPr lang="en-US" sz="1600" b="1" noProof="1">
+                <a:solidFill>
+                  <a:srgbClr val="8CF4F2"/>
+                </a:solidFill>
+                <a:effectLst>
+                  <a:outerShdw blurRad="38100" dist="38100" dir="2700000" algn="tl">
+                    <a:srgbClr val="000000">
+                      <a:alpha val="43137"/>
+                    </a:srgbClr>
+                  </a:outerShdw>
+                </a:effectLst>
+                <a:latin typeface="Consolas" pitchFamily="49" charset="0"/>
+                <a:cs typeface="Consolas" pitchFamily="49" charset="0"/>
+              </a:rPr>
+              <a:t>($boom);</a:t>
+            </a:r>
+          </a:p>
+          <a:p>
+            <a:pPr>
+              <a:lnSpc>
+                <a:spcPct val="100000"/>
+              </a:lnSpc>
+              <a:spcBef>
+                <a:spcPts val="0"/>
+              </a:spcBef>
+              <a:buClr>
+                <a:schemeClr val="accent5">
+                  <a:lumMod val="40000"/>
+                  <a:lumOff val="60000"/>
+                </a:schemeClr>
+              </a:buClr>
+              <a:buSzPct val="70000"/>
+            </a:pPr>
+            <a:r>
+              <a:rPr lang="en-US" sz="1600" b="1" noProof="1" smtClean="0">
+                <a:solidFill>
+                  <a:srgbClr val="8CF4F2"/>
+                </a:solidFill>
+                <a:effectLst>
+                  <a:outerShdw blurRad="38100" dist="38100" dir="2700000" algn="tl">
+                    <a:srgbClr val="000000">
+                      <a:alpha val="43137"/>
+                    </a:srgbClr>
+                  </a:outerShdw>
+                </a:effectLst>
+                <a:latin typeface="Consolas" pitchFamily="49" charset="0"/>
+                <a:cs typeface="Consolas" pitchFamily="49" charset="0"/>
+              </a:rPr>
+              <a:t>}</a:t>
+            </a:r>
+          </a:p>
+          <a:p>
+            <a:pPr>
+              <a:lnSpc>
+                <a:spcPct val="100000"/>
+              </a:lnSpc>
+              <a:spcBef>
+                <a:spcPts val="0"/>
+              </a:spcBef>
+              <a:buClr>
+                <a:schemeClr val="accent5">
+                  <a:lumMod val="40000"/>
+                  <a:lumOff val="60000"/>
+                </a:schemeClr>
+              </a:buClr>
+              <a:buSzPct val="70000"/>
+            </a:pPr>
+            <a:r>
+              <a:rPr lang="en-US" sz="1600" b="1" noProof="1" smtClean="0">
+                <a:solidFill>
+                  <a:srgbClr val="8CF4F2"/>
+                </a:solidFill>
+                <a:effectLst>
+                  <a:outerShdw blurRad="38100" dist="38100" dir="2700000" algn="tl">
+                    <a:srgbClr val="000000">
+                      <a:alpha val="43137"/>
+                    </a:srgbClr>
+                  </a:outerShdw>
+                </a:effectLst>
+                <a:latin typeface="Consolas" pitchFamily="49" charset="0"/>
+                <a:cs typeface="Consolas" pitchFamily="49" charset="0"/>
+              </a:rPr>
+              <a:t>finally</a:t>
+            </a:r>
+          </a:p>
+          <a:p>
+            <a:pPr>
+              <a:lnSpc>
+                <a:spcPct val="100000"/>
+              </a:lnSpc>
+              <a:spcBef>
+                <a:spcPts val="0"/>
+              </a:spcBef>
+              <a:buClr>
+                <a:schemeClr val="accent5">
+                  <a:lumMod val="40000"/>
+                  <a:lumOff val="60000"/>
+                </a:schemeClr>
+              </a:buClr>
+              <a:buSzPct val="70000"/>
+            </a:pPr>
+            <a:r>
+              <a:rPr lang="en-US" sz="1600" b="1" noProof="1" smtClean="0">
+                <a:solidFill>
+                  <a:srgbClr val="8CF4F2"/>
+                </a:solidFill>
+                <a:effectLst>
+                  <a:outerShdw blurRad="38100" dist="38100" dir="2700000" algn="tl">
+                    <a:srgbClr val="000000">
+                      <a:alpha val="43137"/>
+                    </a:srgbClr>
+                  </a:outerShdw>
+                </a:effectLst>
+                <a:latin typeface="Consolas" pitchFamily="49" charset="0"/>
+                <a:cs typeface="Consolas" pitchFamily="49" charset="0"/>
+              </a:rPr>
+              <a:t>{</a:t>
+            </a:r>
+          </a:p>
+          <a:p>
+            <a:pPr>
+              <a:lnSpc>
+                <a:spcPct val="100000"/>
+              </a:lnSpc>
+              <a:spcBef>
+                <a:spcPts val="0"/>
+              </a:spcBef>
+              <a:buClr>
+                <a:schemeClr val="accent5">
+                  <a:lumMod val="40000"/>
+                  <a:lumOff val="60000"/>
+                </a:schemeClr>
+              </a:buClr>
+              <a:buSzPct val="70000"/>
+            </a:pPr>
+            <a:r>
+              <a:rPr lang="en-US" sz="1600" b="1" noProof="1">
+                <a:solidFill>
+                  <a:srgbClr val="8CF4F2"/>
+                </a:solidFill>
+                <a:effectLst>
+                  <a:outerShdw blurRad="38100" dist="38100" dir="2700000" algn="tl">
+                    <a:srgbClr val="000000">
+                      <a:alpha val="43137"/>
+                    </a:srgbClr>
+                  </a:outerShdw>
+                </a:effectLst>
+                <a:latin typeface="Consolas" pitchFamily="49" charset="0"/>
+                <a:cs typeface="Consolas" pitchFamily="49" charset="0"/>
+              </a:rPr>
+              <a:t> </a:t>
+            </a:r>
+            <a:r>
+              <a:rPr lang="en-US" sz="1600" b="1" noProof="1" smtClean="0">
+                <a:solidFill>
+                  <a:srgbClr val="8CF4F2"/>
+                </a:solidFill>
+                <a:effectLst>
+                  <a:outerShdw blurRad="38100" dist="38100" dir="2700000" algn="tl">
+                    <a:srgbClr val="000000">
+                      <a:alpha val="43137"/>
+                    </a:srgbClr>
+                  </a:outerShdw>
+                </a:effectLst>
+                <a:latin typeface="Consolas" pitchFamily="49" charset="0"/>
+                <a:cs typeface="Consolas" pitchFamily="49" charset="0"/>
+              </a:rPr>
+              <a:t>   echo </a:t>
+            </a:r>
+            <a:r>
+              <a:rPr lang="en-US" sz="1600" b="1" noProof="1">
+                <a:solidFill>
+                  <a:srgbClr val="8CF4F2"/>
+                </a:solidFill>
+                <a:effectLst>
+                  <a:outerShdw blurRad="38100" dist="38100" dir="2700000" algn="tl">
+                    <a:srgbClr val="000000">
+                      <a:alpha val="43137"/>
+                    </a:srgbClr>
+                  </a:outerShdw>
+                </a:effectLst>
+                <a:latin typeface="Consolas" pitchFamily="49" charset="0"/>
+                <a:cs typeface="Consolas" pitchFamily="49" charset="0"/>
+              </a:rPr>
+              <a:t>"</a:t>
+            </a:r>
+            <a:r>
+              <a:rPr lang="en-US" sz="1600" b="1" noProof="1" smtClean="0">
+                <a:solidFill>
+                  <a:srgbClr val="8CF4F2"/>
+                </a:solidFill>
+                <a:effectLst>
+                  <a:outerShdw blurRad="38100" dist="38100" dir="2700000" algn="tl">
+                    <a:srgbClr val="000000">
+                      <a:alpha val="43137"/>
+                    </a:srgbClr>
+                  </a:outerShdw>
+                </a:effectLst>
+                <a:latin typeface="Consolas" pitchFamily="49" charset="0"/>
+                <a:cs typeface="Consolas" pitchFamily="49" charset="0"/>
+              </a:rPr>
+              <a:t>That’s all folks! ";</a:t>
+            </a:r>
+          </a:p>
+          <a:p>
+            <a:pPr>
+              <a:lnSpc>
+                <a:spcPct val="100000"/>
+              </a:lnSpc>
+              <a:spcBef>
+                <a:spcPts val="0"/>
+              </a:spcBef>
+              <a:buClr>
+                <a:schemeClr val="accent5">
+                  <a:lumMod val="40000"/>
+                  <a:lumOff val="60000"/>
+                </a:schemeClr>
+              </a:buClr>
+              <a:buSzPct val="70000"/>
+            </a:pPr>
+            <a:r>
+              <a:rPr lang="en-US" sz="1600" b="1" noProof="1" smtClean="0">
+                <a:solidFill>
+                  <a:srgbClr val="8CF4F2"/>
+                </a:solidFill>
+                <a:effectLst>
+                  <a:outerShdw blurRad="38100" dist="38100" dir="2700000" algn="tl">
+                    <a:srgbClr val="000000">
+                      <a:alpha val="43137"/>
+                    </a:srgbClr>
+                  </a:outerShdw>
+                </a:effectLst>
+                <a:latin typeface="Consolas" pitchFamily="49" charset="0"/>
+                <a:cs typeface="Consolas" pitchFamily="49" charset="0"/>
+              </a:rPr>
+              <a:t>}</a:t>
+            </a:r>
+            <a:endParaRPr lang="en-US" sz="1600" b="1" noProof="1">
+              <a:solidFill>
+                <a:srgbClr val="8CF4F2"/>
+              </a:solidFill>
+              <a:effectLst>
+                <a:outerShdw blurRad="38100" dist="38100" dir="2700000" algn="tl">
+                  <a:srgbClr val="000000">
+                    <a:alpha val="43137"/>
+                  </a:srgbClr>
+                </a:outerShdw>
+              </a:effectLst>
+              <a:latin typeface="Consolas" pitchFamily="49" charset="0"/>
+              <a:cs typeface="Consolas" pitchFamily="49" charset="0"/>
+            </a:endParaRPr>
+          </a:p>
+        </p:txBody>
+      </p:sp>
+    </p:spTree>
+    <p:extLst>
+      <p:ext uri="{BB962C8B-B14F-4D97-AF65-F5344CB8AC3E}">
+        <p14:creationId xmlns:p14="http://schemas.microsoft.com/office/powerpoint/2010/main" val="2907406283"/>
+      </p:ext>
+    </p:extLst>
+  </p:cSld>
+  <p:clrMapOvr>
+    <a:masterClrMapping/>
+  </p:clrMapOvr>
+  <p:timing>
+    <p:tnLst>
+      <p:par>
+        <p:cTn id="1" dur="indefinite" restart="never" nodeType="tmRoot"/>
+      </p:par>
+    </p:tnLst>
+  </p:timing>
+</p:sld>
+</file>
+
+<file path=ppt/slides/slide28.xml><?xml version="1.0" encoding="utf-8"?>
+<p:sld xmlns:a="http://schemas.openxmlformats.org/drawingml/2006/main" xmlns:r="http://schemas.openxmlformats.org/officeDocument/2006/relationships" xmlns:p="http://schemas.openxmlformats.org/presentationml/2006/main">
+  <p:cSld>
+    <p:spTree>
+      <p:nvGrpSpPr>
+        <p:cNvPr id="1" name=""/>
+        <p:cNvGrpSpPr/>
+        <p:nvPr/>
+      </p:nvGrpSpPr>
+      <p:grpSpPr>
+        <a:xfrm>
+          <a:off x="0" y="0"/>
+          <a:ext cx="0" cy="0"/>
+          <a:chOff x="0" y="0"/>
+          <a:chExt cx="0" cy="0"/>
+        </a:xfrm>
+      </p:grpSpPr>
+      <p:sp>
+        <p:nvSpPr>
+          <p:cNvPr id="2" name="Title 1"/>
+          <p:cNvSpPr>
+            <a:spLocks noGrp="1"/>
+          </p:cNvSpPr>
+          <p:nvPr>
+            <p:ph type="title"/>
+          </p:nvPr>
+        </p:nvSpPr>
+        <p:spPr>
+          <a:xfrm>
+            <a:off x="1828800" y="162086"/>
+            <a:ext cx="7086600" cy="914400"/>
+          </a:xfrm>
+        </p:spPr>
+        <p:txBody>
+          <a:bodyPr/>
+          <a:lstStyle/>
+          <a:p>
+            <a:r>
+              <a:rPr lang="en-US" dirty="0" smtClean="0"/>
+              <a:t>Error handling(3)</a:t>
+            </a:r>
+            <a:endParaRPr lang="en-US" dirty="0"/>
+          </a:p>
+        </p:txBody>
+      </p:sp>
+      <p:sp>
+        <p:nvSpPr>
+          <p:cNvPr id="3" name="Content Placeholder 2"/>
+          <p:cNvSpPr>
+            <a:spLocks noGrp="1"/>
+          </p:cNvSpPr>
+          <p:nvPr>
+            <p:ph idx="1"/>
+          </p:nvPr>
+        </p:nvSpPr>
+        <p:spPr>
+          <a:xfrm>
+            <a:off x="228600" y="1371600"/>
+            <a:ext cx="8686800" cy="3651348"/>
+          </a:xfrm>
+        </p:spPr>
+        <p:txBody>
+          <a:bodyPr/>
+          <a:lstStyle/>
+          <a:p>
+            <a:pPr>
+              <a:lnSpc>
+                <a:spcPct val="100000"/>
+              </a:lnSpc>
+            </a:pPr>
+            <a:r>
+              <a:rPr lang="en-US" dirty="0" smtClean="0"/>
+              <a:t>Error report levels</a:t>
+            </a:r>
+          </a:p>
+          <a:p>
+            <a:pPr lvl="1">
+              <a:lnSpc>
+                <a:spcPct val="100000"/>
+              </a:lnSpc>
+            </a:pPr>
+            <a:r>
+              <a:rPr lang="en-US" dirty="0" smtClean="0"/>
+              <a:t>Assigned with </a:t>
+            </a:r>
+            <a:r>
+              <a:rPr lang="en-GB" dirty="0" err="1" smtClean="0"/>
+              <a:t>error_reporting</a:t>
+            </a:r>
+            <a:r>
+              <a:rPr lang="en-GB" dirty="0" smtClean="0"/>
+              <a:t>() function</a:t>
+            </a:r>
+            <a:r>
+              <a:rPr lang="en-US" dirty="0" smtClean="0"/>
+              <a:t> </a:t>
+            </a:r>
+          </a:p>
+          <a:p>
+            <a:pPr marL="0" indent="0">
+              <a:lnSpc>
+                <a:spcPct val="100000"/>
+              </a:lnSpc>
+              <a:buNone/>
+            </a:pPr>
+            <a:endParaRPr lang="en-US" dirty="0" smtClean="0"/>
+          </a:p>
+          <a:p>
+            <a:pPr>
+              <a:lnSpc>
+                <a:spcPct val="100000"/>
+              </a:lnSpc>
+            </a:pPr>
+            <a:endParaRPr lang="en-US" dirty="0"/>
+          </a:p>
+          <a:p>
+            <a:pPr lvl="1">
+              <a:lnSpc>
+                <a:spcPct val="100000"/>
+              </a:lnSpc>
+            </a:pPr>
+            <a:endParaRPr lang="en-US" dirty="0"/>
+          </a:p>
+          <a:p>
+            <a:pPr marL="357188" lvl="1" indent="0">
+              <a:lnSpc>
+                <a:spcPct val="100000"/>
+              </a:lnSpc>
+              <a:buNone/>
+            </a:pPr>
+            <a:endParaRPr lang="en-US" dirty="0" smtClean="0"/>
+          </a:p>
+        </p:txBody>
+      </p:sp>
+      <p:sp>
+        <p:nvSpPr>
+          <p:cNvPr id="6" name="Rectangle 4"/>
+          <p:cNvSpPr>
+            <a:spLocks noChangeArrowheads="1"/>
+          </p:cNvSpPr>
+          <p:nvPr/>
+        </p:nvSpPr>
+        <p:spPr bwMode="auto">
+          <a:xfrm>
+            <a:off x="533400" y="2709446"/>
+            <a:ext cx="8153400" cy="338554"/>
+          </a:xfrm>
+          <a:prstGeom prst="rect">
+            <a:avLst/>
+          </a:prstGeom>
+          <a:solidFill>
+            <a:schemeClr val="accent5">
+              <a:lumMod val="40000"/>
+              <a:lumOff val="60000"/>
+              <a:alpha val="15000"/>
+            </a:schemeClr>
+          </a:solidFill>
+          <a:ln w="12700">
+            <a:solidFill>
+              <a:schemeClr val="accent5">
+                <a:lumMod val="60000"/>
+                <a:lumOff val="40000"/>
+              </a:schemeClr>
+            </a:solidFill>
+          </a:ln>
+        </p:spPr>
+        <p:txBody>
+          <a:bodyPr wrap="square">
+            <a:spAutoFit/>
+          </a:bodyPr>
+          <a:lstStyle/>
+          <a:p>
+            <a:pPr>
+              <a:lnSpc>
+                <a:spcPct val="100000"/>
+              </a:lnSpc>
+              <a:spcBef>
+                <a:spcPts val="0"/>
+              </a:spcBef>
+              <a:buClr>
+                <a:schemeClr val="accent5">
+                  <a:lumMod val="40000"/>
+                  <a:lumOff val="60000"/>
+                </a:schemeClr>
+              </a:buClr>
+              <a:buSzPct val="70000"/>
+            </a:pPr>
+            <a:r>
+              <a:rPr lang="en-US" sz="1600" b="1" noProof="1" smtClean="0">
+                <a:solidFill>
+                  <a:srgbClr val="8CF4F2"/>
+                </a:solidFill>
+                <a:effectLst>
+                  <a:outerShdw blurRad="38100" dist="38100" dir="2700000" algn="tl">
+                    <a:srgbClr val="000000">
+                      <a:alpha val="43137"/>
+                    </a:srgbClr>
+                  </a:outerShdw>
+                </a:effectLst>
+                <a:latin typeface="Consolas" pitchFamily="49" charset="0"/>
+                <a:cs typeface="Consolas" pitchFamily="49" charset="0"/>
+              </a:rPr>
+              <a:t>error_reporting(E_ALL); </a:t>
+            </a:r>
+            <a:endParaRPr lang="en-US" sz="1600" b="1" noProof="1">
+              <a:solidFill>
+                <a:srgbClr val="8CF4F2"/>
+              </a:solidFill>
+              <a:effectLst>
+                <a:outerShdw blurRad="38100" dist="38100" dir="2700000" algn="tl">
+                  <a:srgbClr val="000000">
+                    <a:alpha val="43137"/>
+                  </a:srgbClr>
+                </a:outerShdw>
+              </a:effectLst>
+              <a:latin typeface="Consolas" pitchFamily="49" charset="0"/>
+              <a:cs typeface="Consolas" pitchFamily="49" charset="0"/>
+            </a:endParaRPr>
+          </a:p>
+        </p:txBody>
+      </p:sp>
+      <p:graphicFrame>
+        <p:nvGraphicFramePr>
+          <p:cNvPr id="7" name="Таблица 6"/>
+          <p:cNvGraphicFramePr>
+            <a:graphicFrameLocks noGrp="1"/>
+          </p:cNvGraphicFramePr>
+          <p:nvPr>
+            <p:extLst>
+              <p:ext uri="{D42A27DB-BD31-4B8C-83A1-F6EECF244321}">
+                <p14:modId xmlns:p14="http://schemas.microsoft.com/office/powerpoint/2010/main" val="2352515367"/>
+              </p:ext>
+            </p:extLst>
+          </p:nvPr>
+        </p:nvGraphicFramePr>
+        <p:xfrm>
+          <a:off x="533400" y="3200400"/>
+          <a:ext cx="8153400" cy="3225800"/>
+        </p:xfrm>
+        <a:graphic>
+          <a:graphicData uri="http://schemas.openxmlformats.org/drawingml/2006/table">
+            <a:tbl>
+              <a:tblPr firstRow="1" bandRow="1">
+                <a:tableStyleId>{22838BEF-8BB2-4498-84A7-C5851F593DF1}</a:tableStyleId>
+              </a:tblPr>
+              <a:tblGrid>
+                <a:gridCol w="2717800"/>
+                <a:gridCol w="2717800"/>
+                <a:gridCol w="2717800"/>
+              </a:tblGrid>
+              <a:tr h="370840">
+                <a:tc>
+                  <a:txBody>
+                    <a:bodyPr/>
+                    <a:lstStyle/>
+                    <a:p>
+                      <a:r>
+                        <a:rPr lang="en-GB" sz="1200" dirty="0" smtClean="0">
+                          <a:effectLst/>
+                        </a:rPr>
+                        <a:t>Integer code</a:t>
+                      </a:r>
+                      <a:endParaRPr lang="en-GB" sz="1200" dirty="0">
+                        <a:effectLst/>
+                      </a:endParaRPr>
+                    </a:p>
+                  </a:txBody>
+                  <a:tcPr anchor="ctr"/>
+                </a:tc>
+                <a:tc>
+                  <a:txBody>
+                    <a:bodyPr/>
+                    <a:lstStyle/>
+                    <a:p>
+                      <a:r>
+                        <a:rPr lang="en-GB" sz="1200" dirty="0">
+                          <a:effectLst/>
+                        </a:rPr>
+                        <a:t>Constant</a:t>
+                      </a:r>
+                    </a:p>
+                  </a:txBody>
+                  <a:tcPr anchor="ctr"/>
+                </a:tc>
+                <a:tc>
+                  <a:txBody>
+                    <a:bodyPr/>
+                    <a:lstStyle/>
+                    <a:p>
+                      <a:r>
+                        <a:rPr lang="en-GB" sz="1200" dirty="0">
+                          <a:effectLst/>
+                        </a:rPr>
+                        <a:t>Description</a:t>
+                      </a:r>
+                    </a:p>
+                  </a:txBody>
+                  <a:tcPr anchor="ctr"/>
+                </a:tc>
+              </a:tr>
+              <a:tr h="370840">
+                <a:tc>
+                  <a:txBody>
+                    <a:bodyPr/>
+                    <a:lstStyle/>
+                    <a:p>
+                      <a:r>
+                        <a:rPr lang="bg-BG" sz="1200" dirty="0"/>
+                        <a:t>2</a:t>
+                      </a:r>
+                    </a:p>
+                  </a:txBody>
+                  <a:tcPr anchor="ctr"/>
+                </a:tc>
+                <a:tc>
+                  <a:txBody>
+                    <a:bodyPr/>
+                    <a:lstStyle/>
+                    <a:p>
+                      <a:r>
+                        <a:rPr lang="en-GB" sz="1200" dirty="0"/>
+                        <a:t>E_WARNING</a:t>
+                      </a:r>
+                    </a:p>
+                  </a:txBody>
+                  <a:tcPr anchor="ctr"/>
+                </a:tc>
+                <a:tc>
+                  <a:txBody>
+                    <a:bodyPr/>
+                    <a:lstStyle/>
+                    <a:p>
+                      <a:r>
+                        <a:rPr lang="en-US" sz="1200" dirty="0" smtClean="0"/>
+                        <a:t>Non-fatal.</a:t>
+                      </a:r>
+                      <a:r>
+                        <a:rPr lang="en-US" sz="1200" baseline="0" dirty="0" smtClean="0"/>
+                        <a:t> </a:t>
+                      </a:r>
+                      <a:r>
+                        <a:rPr lang="en-US" sz="1200" dirty="0" smtClean="0"/>
+                        <a:t>Execution </a:t>
+                      </a:r>
+                      <a:r>
+                        <a:rPr lang="en-US" sz="1200" dirty="0"/>
+                        <a:t>of the script is not halted</a:t>
+                      </a:r>
+                    </a:p>
+                  </a:txBody>
+                  <a:tcPr anchor="ctr"/>
+                </a:tc>
+              </a:tr>
+              <a:tr h="370840">
+                <a:tc>
+                  <a:txBody>
+                    <a:bodyPr/>
+                    <a:lstStyle/>
+                    <a:p>
+                      <a:r>
+                        <a:rPr lang="bg-BG" sz="1200" dirty="0"/>
+                        <a:t>8</a:t>
+                      </a:r>
+                    </a:p>
+                  </a:txBody>
+                  <a:tcPr anchor="ctr"/>
+                </a:tc>
+                <a:tc>
+                  <a:txBody>
+                    <a:bodyPr/>
+                    <a:lstStyle/>
+                    <a:p>
+                      <a:r>
+                        <a:rPr lang="en-GB" sz="1200"/>
+                        <a:t>E_NOTICE</a:t>
+                      </a:r>
+                    </a:p>
+                  </a:txBody>
+                  <a:tcPr anchor="ctr"/>
+                </a:tc>
+                <a:tc>
+                  <a:txBody>
+                    <a:bodyPr/>
+                    <a:lstStyle/>
+                    <a:p>
+                      <a:r>
+                        <a:rPr lang="en-US" sz="1200" dirty="0"/>
+                        <a:t>Run-time notices. </a:t>
+                      </a:r>
+                      <a:r>
+                        <a:rPr lang="en-US" sz="1200" dirty="0" smtClean="0"/>
+                        <a:t>Potential</a:t>
+                      </a:r>
+                      <a:r>
+                        <a:rPr lang="en-US" sz="1200" baseline="0" dirty="0" smtClean="0"/>
+                        <a:t> error.</a:t>
+                      </a:r>
+                      <a:endParaRPr lang="en-US" sz="1200" dirty="0"/>
+                    </a:p>
+                  </a:txBody>
+                  <a:tcPr anchor="ctr"/>
+                </a:tc>
+              </a:tr>
+              <a:tr h="370840">
+                <a:tc>
+                  <a:txBody>
+                    <a:bodyPr/>
+                    <a:lstStyle/>
+                    <a:p>
+                      <a:r>
+                        <a:rPr lang="bg-BG" sz="1200" dirty="0"/>
+                        <a:t>256</a:t>
+                      </a:r>
+                    </a:p>
+                  </a:txBody>
+                  <a:tcPr anchor="ctr"/>
+                </a:tc>
+                <a:tc>
+                  <a:txBody>
+                    <a:bodyPr/>
+                    <a:lstStyle/>
+                    <a:p>
+                      <a:r>
+                        <a:rPr lang="en-GB" sz="1200"/>
+                        <a:t>E_USER_ERROR</a:t>
+                      </a:r>
+                    </a:p>
+                  </a:txBody>
+                  <a:tcPr anchor="ctr"/>
+                </a:tc>
+                <a:tc>
+                  <a:txBody>
+                    <a:bodyPr/>
+                    <a:lstStyle/>
+                    <a:p>
+                      <a:r>
+                        <a:rPr lang="en-US" sz="1200" dirty="0"/>
+                        <a:t>Fatal user-generated error. </a:t>
+                      </a:r>
+                      <a:r>
+                        <a:rPr lang="en-US" sz="1200" dirty="0" smtClean="0"/>
+                        <a:t>Caused</a:t>
+                      </a:r>
+                      <a:r>
+                        <a:rPr lang="en-US" sz="1200" baseline="0" dirty="0" smtClean="0"/>
+                        <a:t> by </a:t>
+                      </a:r>
+                      <a:r>
+                        <a:rPr lang="en-US" sz="1200" dirty="0" err="1" smtClean="0"/>
+                        <a:t>trigger_error</a:t>
+                      </a:r>
+                      <a:r>
+                        <a:rPr lang="en-US" sz="1200" dirty="0" smtClean="0"/>
+                        <a:t>()</a:t>
+                      </a:r>
+                      <a:endParaRPr lang="en-US" sz="1200" dirty="0"/>
+                    </a:p>
+                  </a:txBody>
+                  <a:tcPr anchor="ctr"/>
+                </a:tc>
+              </a:tr>
+              <a:tr h="370840">
+                <a:tc>
+                  <a:txBody>
+                    <a:bodyPr/>
+                    <a:lstStyle/>
+                    <a:p>
+                      <a:r>
+                        <a:rPr lang="bg-BG" sz="1200" dirty="0"/>
+                        <a:t>512</a:t>
+                      </a:r>
+                    </a:p>
+                  </a:txBody>
+                  <a:tcPr anchor="ctr"/>
+                </a:tc>
+                <a:tc>
+                  <a:txBody>
+                    <a:bodyPr/>
+                    <a:lstStyle/>
+                    <a:p>
+                      <a:r>
+                        <a:rPr lang="en-GB" sz="1200"/>
+                        <a:t>E_USER_WARNING</a:t>
+                      </a:r>
+                    </a:p>
+                  </a:txBody>
+                  <a:tcPr anchor="ctr"/>
+                </a:tc>
+                <a:tc>
+                  <a:txBody>
+                    <a:bodyPr/>
+                    <a:lstStyle/>
+                    <a:p>
+                      <a:r>
+                        <a:rPr lang="en-US" sz="1200" dirty="0"/>
+                        <a:t>Non-fatal user-generated warning. </a:t>
+                      </a:r>
+                    </a:p>
+                  </a:txBody>
+                  <a:tcPr anchor="ctr"/>
+                </a:tc>
+              </a:tr>
+              <a:tr h="370840">
+                <a:tc>
+                  <a:txBody>
+                    <a:bodyPr/>
+                    <a:lstStyle/>
+                    <a:p>
+                      <a:r>
+                        <a:rPr lang="bg-BG" sz="1200" dirty="0"/>
+                        <a:t>1024</a:t>
+                      </a:r>
+                    </a:p>
+                  </a:txBody>
+                  <a:tcPr anchor="ctr"/>
+                </a:tc>
+                <a:tc>
+                  <a:txBody>
+                    <a:bodyPr/>
+                    <a:lstStyle/>
+                    <a:p>
+                      <a:r>
+                        <a:rPr lang="en-GB" sz="1200"/>
+                        <a:t>E_USER_NOTICE</a:t>
+                      </a:r>
+                    </a:p>
+                  </a:txBody>
+                  <a:tcPr anchor="ctr"/>
+                </a:tc>
+                <a:tc>
+                  <a:txBody>
+                    <a:bodyPr/>
+                    <a:lstStyle/>
+                    <a:p>
+                      <a:r>
+                        <a:rPr lang="en-US" sz="1200" dirty="0"/>
+                        <a:t>User-generated </a:t>
+                      </a:r>
+                      <a:r>
+                        <a:rPr lang="en-US" sz="1200" dirty="0" smtClean="0"/>
+                        <a:t>notice.</a:t>
+                      </a:r>
+                      <a:endParaRPr lang="en-US" sz="1200" dirty="0"/>
+                    </a:p>
+                  </a:txBody>
+                  <a:tcPr anchor="ctr"/>
+                </a:tc>
+              </a:tr>
+              <a:tr h="370840">
+                <a:tc>
+                  <a:txBody>
+                    <a:bodyPr/>
+                    <a:lstStyle/>
+                    <a:p>
+                      <a:r>
+                        <a:rPr lang="bg-BG" sz="1200" dirty="0"/>
+                        <a:t>4096</a:t>
+                      </a:r>
+                    </a:p>
+                  </a:txBody>
+                  <a:tcPr anchor="ctr"/>
+                </a:tc>
+                <a:tc>
+                  <a:txBody>
+                    <a:bodyPr/>
+                    <a:lstStyle/>
+                    <a:p>
+                      <a:r>
+                        <a:rPr lang="en-GB" sz="1200"/>
+                        <a:t>E_RECOVERABLE_ERROR</a:t>
+                      </a:r>
+                    </a:p>
+                  </a:txBody>
+                  <a:tcPr anchor="ctr"/>
+                </a:tc>
+                <a:tc>
+                  <a:txBody>
+                    <a:bodyPr/>
+                    <a:lstStyle/>
+                    <a:p>
+                      <a:r>
+                        <a:rPr lang="en-US" sz="1200" dirty="0"/>
+                        <a:t>Catchable fatal error</a:t>
+                      </a:r>
+                      <a:r>
+                        <a:rPr lang="en-US" sz="1200" dirty="0" smtClean="0"/>
+                        <a:t>. Used with </a:t>
+                      </a:r>
+                      <a:r>
+                        <a:rPr lang="en-US" sz="1200" dirty="0" err="1" smtClean="0"/>
+                        <a:t>set_error_handler</a:t>
+                      </a:r>
+                      <a:r>
+                        <a:rPr lang="en-US" sz="1200" dirty="0" smtClean="0"/>
+                        <a:t>()</a:t>
+                      </a:r>
+                      <a:endParaRPr lang="en-US" sz="1200" dirty="0"/>
+                    </a:p>
+                  </a:txBody>
+                  <a:tcPr anchor="ctr"/>
+                </a:tc>
+              </a:tr>
+              <a:tr h="370840">
+                <a:tc>
+                  <a:txBody>
+                    <a:bodyPr/>
+                    <a:lstStyle/>
+                    <a:p>
+                      <a:r>
+                        <a:rPr lang="bg-BG" sz="1200"/>
+                        <a:t>8191</a:t>
+                      </a:r>
+                    </a:p>
+                  </a:txBody>
+                  <a:tcPr anchor="ctr"/>
+                </a:tc>
+                <a:tc>
+                  <a:txBody>
+                    <a:bodyPr/>
+                    <a:lstStyle/>
+                    <a:p>
+                      <a:r>
+                        <a:rPr lang="en-GB" sz="1200"/>
+                        <a:t>E_ALL</a:t>
+                      </a:r>
+                    </a:p>
+                  </a:txBody>
+                  <a:tcPr anchor="ctr"/>
+                </a:tc>
+                <a:tc>
+                  <a:txBody>
+                    <a:bodyPr/>
+                    <a:lstStyle/>
+                    <a:p>
+                      <a:r>
+                        <a:rPr lang="en-US" sz="1200" dirty="0"/>
+                        <a:t>All errors and warnings </a:t>
+                      </a:r>
+                      <a:r>
+                        <a:rPr lang="en-US" sz="1200" dirty="0" smtClean="0"/>
+                        <a:t>(PHP </a:t>
+                      </a:r>
+                      <a:r>
+                        <a:rPr lang="en-US" sz="1200" dirty="0"/>
+                        <a:t>5.4)</a:t>
+                      </a:r>
+                    </a:p>
+                  </a:txBody>
+                  <a:tcPr anchor="ctr"/>
+                </a:tc>
+              </a:tr>
+            </a:tbl>
+          </a:graphicData>
+        </a:graphic>
+      </p:graphicFrame>
+    </p:spTree>
+    <p:extLst>
+      <p:ext uri="{BB962C8B-B14F-4D97-AF65-F5344CB8AC3E}">
+        <p14:creationId xmlns:p14="http://schemas.microsoft.com/office/powerpoint/2010/main" val="2492679992"/>
+      </p:ext>
+    </p:extLst>
+  </p:cSld>
+  <p:clrMapOvr>
+    <a:masterClrMapping/>
+  </p:clrMapOvr>
+  <p:timing>
+    <p:tnLst>
+      <p:par>
+        <p:cTn id="1" dur="indefinite" restart="never" nodeType="tmRoot"/>
+      </p:par>
+    </p:tnLst>
+  </p:timing>
+</p:sld>
+</file>
+
+<file path=ppt/slides/slide29.xml><?xml version="1.0" encoding="utf-8"?>
+<p:sld xmlns:a="http://schemas.openxmlformats.org/drawingml/2006/main" xmlns:r="http://schemas.openxmlformats.org/officeDocument/2006/relationships" xmlns:p="http://schemas.openxmlformats.org/presentationml/2006/main">
+  <p:cSld>
+    <p:spTree>
+      <p:nvGrpSpPr>
+        <p:cNvPr id="1" name=""/>
+        <p:cNvGrpSpPr/>
+        <p:nvPr/>
+      </p:nvGrpSpPr>
+      <p:grpSpPr>
+        <a:xfrm>
+          <a:off x="0" y="0"/>
+          <a:ext cx="0" cy="0"/>
+          <a:chOff x="0" y="0"/>
+          <a:chExt cx="0" cy="0"/>
+        </a:xfrm>
+      </p:grpSpPr>
+      <p:sp>
+        <p:nvSpPr>
+          <p:cNvPr id="2" name="Title 1"/>
+          <p:cNvSpPr>
+            <a:spLocks noGrp="1"/>
+          </p:cNvSpPr>
+          <p:nvPr>
+            <p:ph type="title"/>
+          </p:nvPr>
+        </p:nvSpPr>
+        <p:spPr>
+          <a:xfrm>
+            <a:off x="1828800" y="162086"/>
+            <a:ext cx="7086600" cy="914400"/>
+          </a:xfrm>
+        </p:spPr>
+        <p:txBody>
+          <a:bodyPr/>
+          <a:lstStyle/>
+          <a:p>
+            <a:r>
+              <a:rPr lang="en-US" dirty="0" smtClean="0"/>
+              <a:t>Linking code files</a:t>
+            </a:r>
+            <a:endParaRPr lang="en-US" dirty="0"/>
+          </a:p>
+        </p:txBody>
+      </p:sp>
+      <p:sp>
+        <p:nvSpPr>
+          <p:cNvPr id="3" name="Content Placeholder 2"/>
+          <p:cNvSpPr>
+            <a:spLocks noGrp="1"/>
+          </p:cNvSpPr>
+          <p:nvPr>
+            <p:ph idx="1"/>
+          </p:nvPr>
+        </p:nvSpPr>
+        <p:spPr>
+          <a:xfrm>
+            <a:off x="228600" y="1371600"/>
+            <a:ext cx="8153400" cy="3651348"/>
+          </a:xfrm>
+        </p:spPr>
+        <p:txBody>
+          <a:bodyPr/>
+          <a:lstStyle/>
+          <a:p>
+            <a:pPr>
+              <a:lnSpc>
+                <a:spcPct val="100000"/>
+              </a:lnSpc>
+            </a:pPr>
+            <a:r>
+              <a:rPr lang="en-US" dirty="0"/>
+              <a:t>The </a:t>
+            </a:r>
+            <a:r>
+              <a:rPr lang="en-US" dirty="0" smtClean="0">
+                <a:solidFill>
+                  <a:schemeClr val="tx1"/>
+                </a:solidFill>
+              </a:rPr>
+              <a:t>include()</a:t>
+            </a:r>
+            <a:r>
+              <a:rPr lang="en-US" dirty="0" smtClean="0"/>
+              <a:t> function</a:t>
+            </a:r>
+          </a:p>
+          <a:p>
+            <a:pPr lvl="1">
+              <a:lnSpc>
+                <a:spcPct val="100000"/>
+              </a:lnSpc>
+            </a:pPr>
+            <a:r>
+              <a:rPr lang="en-US" dirty="0" smtClean="0"/>
+              <a:t>when </a:t>
+            </a:r>
+            <a:r>
+              <a:rPr lang="en-US" dirty="0"/>
+              <a:t>you want to include a </a:t>
+            </a:r>
+            <a:r>
+              <a:rPr lang="en-US" dirty="0" smtClean="0"/>
+              <a:t>file </a:t>
+            </a:r>
+            <a:r>
+              <a:rPr lang="en-US" dirty="0"/>
+              <a:t>within the current process</a:t>
+            </a:r>
+            <a:endParaRPr lang="en-US" dirty="0" smtClean="0"/>
+          </a:p>
+          <a:p>
+            <a:pPr>
+              <a:lnSpc>
+                <a:spcPct val="100000"/>
+              </a:lnSpc>
+            </a:pPr>
+            <a:endParaRPr lang="en-US" dirty="0"/>
+          </a:p>
+          <a:p>
+            <a:pPr>
+              <a:lnSpc>
+                <a:spcPct val="100000"/>
+              </a:lnSpc>
+            </a:pPr>
+            <a:r>
+              <a:rPr lang="en-US" dirty="0"/>
+              <a:t>The </a:t>
+            </a:r>
+            <a:r>
+              <a:rPr lang="en-US" dirty="0" err="1" smtClean="0">
+                <a:solidFill>
+                  <a:schemeClr val="tx1"/>
+                </a:solidFill>
+              </a:rPr>
+              <a:t>include_once</a:t>
+            </a:r>
+            <a:r>
+              <a:rPr lang="en-US" dirty="0" smtClean="0">
+                <a:solidFill>
+                  <a:schemeClr val="tx1"/>
+                </a:solidFill>
+              </a:rPr>
+              <a:t>()</a:t>
+            </a:r>
+            <a:r>
+              <a:rPr lang="en-US" dirty="0" smtClean="0"/>
+              <a:t> function</a:t>
+            </a:r>
+          </a:p>
+          <a:p>
+            <a:pPr lvl="2">
+              <a:lnSpc>
+                <a:spcPct val="100000"/>
+              </a:lnSpc>
+            </a:pPr>
+            <a:r>
+              <a:rPr lang="en-US" dirty="0"/>
+              <a:t>exactly the same as </a:t>
+            </a:r>
+            <a:r>
+              <a:rPr lang="en-US" dirty="0" smtClean="0"/>
+              <a:t>the </a:t>
+            </a:r>
+            <a:r>
+              <a:rPr lang="en-US" dirty="0"/>
+              <a:t>include function except it will limit the file to be used once.</a:t>
+            </a:r>
+          </a:p>
+          <a:p>
+            <a:pPr lvl="1">
+              <a:lnSpc>
+                <a:spcPct val="100000"/>
+              </a:lnSpc>
+            </a:pPr>
+            <a:endParaRPr lang="en-US" dirty="0"/>
+          </a:p>
+          <a:p>
+            <a:pPr marL="357188" lvl="1" indent="0">
+              <a:lnSpc>
+                <a:spcPct val="100000"/>
+              </a:lnSpc>
+              <a:buNone/>
+            </a:pPr>
+            <a:endParaRPr lang="en-US" dirty="0" smtClean="0"/>
+          </a:p>
+        </p:txBody>
+      </p:sp>
+      <p:sp>
+        <p:nvSpPr>
+          <p:cNvPr id="6" name="Rectangle 4"/>
+          <p:cNvSpPr>
+            <a:spLocks noChangeArrowheads="1"/>
+          </p:cNvSpPr>
+          <p:nvPr/>
+        </p:nvSpPr>
+        <p:spPr bwMode="auto">
+          <a:xfrm>
+            <a:off x="533400" y="3166646"/>
+            <a:ext cx="8153400" cy="338554"/>
+          </a:xfrm>
+          <a:prstGeom prst="rect">
+            <a:avLst/>
+          </a:prstGeom>
+          <a:solidFill>
+            <a:schemeClr val="accent5">
+              <a:lumMod val="40000"/>
+              <a:lumOff val="60000"/>
+              <a:alpha val="15000"/>
+            </a:schemeClr>
+          </a:solidFill>
+          <a:ln w="12700">
+            <a:solidFill>
+              <a:schemeClr val="accent5">
+                <a:lumMod val="60000"/>
+                <a:lumOff val="40000"/>
+              </a:schemeClr>
+            </a:solidFill>
+          </a:ln>
+        </p:spPr>
+        <p:txBody>
+          <a:bodyPr wrap="square">
+            <a:spAutoFit/>
+          </a:bodyPr>
+          <a:lstStyle/>
+          <a:p>
+            <a:pPr>
+              <a:lnSpc>
+                <a:spcPct val="100000"/>
+              </a:lnSpc>
+              <a:spcBef>
+                <a:spcPts val="0"/>
+              </a:spcBef>
+              <a:buClr>
+                <a:schemeClr val="accent5">
+                  <a:lumMod val="40000"/>
+                  <a:lumOff val="60000"/>
+                </a:schemeClr>
+              </a:buClr>
+              <a:buSzPct val="70000"/>
+            </a:pPr>
+            <a:r>
+              <a:rPr lang="en-US" sz="1600" b="1" noProof="1">
+                <a:solidFill>
+                  <a:srgbClr val="8CF4F2"/>
+                </a:solidFill>
+                <a:effectLst>
+                  <a:outerShdw blurRad="38100" dist="38100" dir="2700000" algn="tl">
+                    <a:srgbClr val="000000">
+                      <a:alpha val="43137"/>
+                    </a:srgbClr>
+                  </a:outerShdw>
+                </a:effectLst>
+                <a:latin typeface="Consolas" pitchFamily="49" charset="0"/>
+                <a:cs typeface="Consolas" pitchFamily="49" charset="0"/>
+              </a:rPr>
+              <a:t>include</a:t>
+            </a:r>
+            <a:r>
+              <a:rPr lang="en-US" sz="1600" b="1" noProof="1" smtClean="0">
+                <a:solidFill>
+                  <a:srgbClr val="8CF4F2"/>
+                </a:solidFill>
+                <a:effectLst>
+                  <a:outerShdw blurRad="38100" dist="38100" dir="2700000" algn="tl">
+                    <a:srgbClr val="000000">
+                      <a:alpha val="43137"/>
+                    </a:srgbClr>
+                  </a:outerShdw>
+                </a:effectLst>
+                <a:latin typeface="Consolas" pitchFamily="49" charset="0"/>
+                <a:cs typeface="Consolas" pitchFamily="49" charset="0"/>
+              </a:rPr>
+              <a:t>(&lt;</a:t>
+            </a:r>
+            <a:r>
+              <a:rPr lang="en-US" sz="1600" b="1" noProof="1">
+                <a:solidFill>
+                  <a:srgbClr val="8CF4F2"/>
+                </a:solidFill>
+                <a:effectLst>
+                  <a:outerShdw blurRad="38100" dist="38100" dir="2700000" algn="tl">
+                    <a:srgbClr val="000000">
+                      <a:alpha val="43137"/>
+                    </a:srgbClr>
+                  </a:outerShdw>
+                </a:effectLst>
+                <a:latin typeface="Consolas" pitchFamily="49" charset="0"/>
+                <a:cs typeface="Consolas" pitchFamily="49" charset="0"/>
+              </a:rPr>
+              <a:t>filename</a:t>
+            </a:r>
+            <a:r>
+              <a:rPr lang="en-US" sz="1600" b="1" noProof="1" smtClean="0">
+                <a:solidFill>
+                  <a:srgbClr val="8CF4F2"/>
+                </a:solidFill>
+                <a:effectLst>
+                  <a:outerShdw blurRad="38100" dist="38100" dir="2700000" algn="tl">
+                    <a:srgbClr val="000000">
+                      <a:alpha val="43137"/>
+                    </a:srgbClr>
+                  </a:outerShdw>
+                </a:effectLst>
+                <a:latin typeface="Consolas" pitchFamily="49" charset="0"/>
+                <a:cs typeface="Consolas" pitchFamily="49" charset="0"/>
+              </a:rPr>
+              <a:t>&gt;);</a:t>
+            </a:r>
+            <a:endParaRPr lang="en-US" sz="1600" b="1" noProof="1">
+              <a:solidFill>
+                <a:srgbClr val="8CF4F2"/>
+              </a:solidFill>
+              <a:effectLst>
+                <a:outerShdw blurRad="38100" dist="38100" dir="2700000" algn="tl">
+                  <a:srgbClr val="000000">
+                    <a:alpha val="43137"/>
+                  </a:srgbClr>
+                </a:outerShdw>
+              </a:effectLst>
+              <a:latin typeface="Consolas" pitchFamily="49" charset="0"/>
+              <a:cs typeface="Consolas" pitchFamily="49" charset="0"/>
+            </a:endParaRPr>
+          </a:p>
+        </p:txBody>
+      </p:sp>
+      <p:sp>
+        <p:nvSpPr>
+          <p:cNvPr id="8" name="Rectangle 4"/>
+          <p:cNvSpPr>
+            <a:spLocks noChangeArrowheads="1"/>
+          </p:cNvSpPr>
+          <p:nvPr/>
+        </p:nvSpPr>
+        <p:spPr bwMode="auto">
+          <a:xfrm>
+            <a:off x="542544" y="5410200"/>
+            <a:ext cx="8153400" cy="338554"/>
+          </a:xfrm>
+          <a:prstGeom prst="rect">
+            <a:avLst/>
+          </a:prstGeom>
+          <a:solidFill>
+            <a:schemeClr val="accent5">
+              <a:lumMod val="40000"/>
+              <a:lumOff val="60000"/>
+              <a:alpha val="15000"/>
+            </a:schemeClr>
+          </a:solidFill>
+          <a:ln w="12700">
+            <a:solidFill>
+              <a:schemeClr val="accent5">
+                <a:lumMod val="60000"/>
+                <a:lumOff val="40000"/>
+              </a:schemeClr>
+            </a:solidFill>
+          </a:ln>
+        </p:spPr>
+        <p:txBody>
+          <a:bodyPr wrap="square">
+            <a:spAutoFit/>
+          </a:bodyPr>
+          <a:lstStyle/>
+          <a:p>
+            <a:pPr>
+              <a:lnSpc>
+                <a:spcPct val="100000"/>
+              </a:lnSpc>
+              <a:spcBef>
+                <a:spcPts val="0"/>
+              </a:spcBef>
+              <a:buClr>
+                <a:schemeClr val="accent5">
+                  <a:lumMod val="40000"/>
+                  <a:lumOff val="60000"/>
+                </a:schemeClr>
+              </a:buClr>
+              <a:buSzPct val="70000"/>
+            </a:pPr>
+            <a:r>
+              <a:rPr lang="en-US" sz="1600" b="1" noProof="1">
+                <a:solidFill>
+                  <a:srgbClr val="8CF4F2"/>
+                </a:solidFill>
+                <a:effectLst>
+                  <a:outerShdw blurRad="38100" dist="38100" dir="2700000" algn="tl">
+                    <a:srgbClr val="000000">
+                      <a:alpha val="43137"/>
+                    </a:srgbClr>
+                  </a:outerShdw>
+                </a:effectLst>
+                <a:latin typeface="Consolas" pitchFamily="49" charset="0"/>
+                <a:cs typeface="Consolas" pitchFamily="49" charset="0"/>
+              </a:rPr>
+              <a:t>i</a:t>
+            </a:r>
+            <a:r>
+              <a:rPr lang="en-US" sz="1600" b="1" noProof="1" smtClean="0">
+                <a:solidFill>
+                  <a:srgbClr val="8CF4F2"/>
+                </a:solidFill>
+                <a:effectLst>
+                  <a:outerShdw blurRad="38100" dist="38100" dir="2700000" algn="tl">
+                    <a:srgbClr val="000000">
+                      <a:alpha val="43137"/>
+                    </a:srgbClr>
+                  </a:outerShdw>
+                </a:effectLst>
+                <a:latin typeface="Consolas" pitchFamily="49" charset="0"/>
+                <a:cs typeface="Consolas" pitchFamily="49" charset="0"/>
+              </a:rPr>
+              <a:t>nclude_once(&lt;</a:t>
+            </a:r>
+            <a:r>
+              <a:rPr lang="en-US" sz="1600" b="1" noProof="1">
+                <a:solidFill>
+                  <a:srgbClr val="8CF4F2"/>
+                </a:solidFill>
+                <a:effectLst>
+                  <a:outerShdw blurRad="38100" dist="38100" dir="2700000" algn="tl">
+                    <a:srgbClr val="000000">
+                      <a:alpha val="43137"/>
+                    </a:srgbClr>
+                  </a:outerShdw>
+                </a:effectLst>
+                <a:latin typeface="Consolas" pitchFamily="49" charset="0"/>
+                <a:cs typeface="Consolas" pitchFamily="49" charset="0"/>
+              </a:rPr>
+              <a:t>filename</a:t>
+            </a:r>
+            <a:r>
+              <a:rPr lang="en-US" sz="1600" b="1" noProof="1" smtClean="0">
+                <a:solidFill>
+                  <a:srgbClr val="8CF4F2"/>
+                </a:solidFill>
+                <a:effectLst>
+                  <a:outerShdw blurRad="38100" dist="38100" dir="2700000" algn="tl">
+                    <a:srgbClr val="000000">
+                      <a:alpha val="43137"/>
+                    </a:srgbClr>
+                  </a:outerShdw>
+                </a:effectLst>
+                <a:latin typeface="Consolas" pitchFamily="49" charset="0"/>
+                <a:cs typeface="Consolas" pitchFamily="49" charset="0"/>
+              </a:rPr>
+              <a:t>&gt;);</a:t>
+            </a:r>
+            <a:endParaRPr lang="en-US" sz="1600" b="1" noProof="1">
+              <a:solidFill>
+                <a:srgbClr val="8CF4F2"/>
+              </a:solidFill>
+              <a:effectLst>
+                <a:outerShdw blurRad="38100" dist="38100" dir="2700000" algn="tl">
+                  <a:srgbClr val="000000">
+                    <a:alpha val="43137"/>
+                  </a:srgbClr>
+                </a:outerShdw>
+              </a:effectLst>
+              <a:latin typeface="Consolas" pitchFamily="49" charset="0"/>
+              <a:cs typeface="Consolas" pitchFamily="49" charset="0"/>
+            </a:endParaRPr>
+          </a:p>
+        </p:txBody>
+      </p:sp>
+    </p:spTree>
+    <p:extLst>
+      <p:ext uri="{BB962C8B-B14F-4D97-AF65-F5344CB8AC3E}">
+        <p14:creationId xmlns:p14="http://schemas.microsoft.com/office/powerpoint/2010/main" val="1240277219"/>
+      </p:ext>
+    </p:extLst>
+  </p:cSld>
+  <p:clrMapOvr>
+    <a:masterClrMapping/>
+  </p:clrMapOvr>
+  <p:timing>
+    <p:tnLst>
+      <p:par>
+        <p:cTn id="1" dur="indefinite" restart="never" nodeType="tmRoot"/>
+      </p:par>
+    </p:tnLst>
+  </p:timing>
+</p:sld>
+</file>
+
 <file path=ppt/slides/slide3.xml><?xml version="1.0" encoding="utf-8"?>
 <p:sld xmlns:a="http://schemas.openxmlformats.org/drawingml/2006/main" xmlns:r="http://schemas.openxmlformats.org/officeDocument/2006/relationships" xmlns:p="http://schemas.openxmlformats.org/presentationml/2006/main">
   <p:cSld>
@@ -13131,6 +18239,475 @@
       <p:transition spd="slow"/>
     </mc:Fallback>
   </mc:AlternateContent>
+  <p:timing>
+    <p:tnLst>
+      <p:par>
+        <p:cTn id="1" dur="indefinite" restart="never" nodeType="tmRoot"/>
+      </p:par>
+    </p:tnLst>
+  </p:timing>
+</p:sld>
+</file>
+
+<file path=ppt/slides/slide30.xml><?xml version="1.0" encoding="utf-8"?>
+<p:sld xmlns:a="http://schemas.openxmlformats.org/drawingml/2006/main" xmlns:r="http://schemas.openxmlformats.org/officeDocument/2006/relationships" xmlns:p="http://schemas.openxmlformats.org/presentationml/2006/main">
+  <p:cSld>
+    <p:spTree>
+      <p:nvGrpSpPr>
+        <p:cNvPr id="1" name=""/>
+        <p:cNvGrpSpPr/>
+        <p:nvPr/>
+      </p:nvGrpSpPr>
+      <p:grpSpPr>
+        <a:xfrm>
+          <a:off x="0" y="0"/>
+          <a:ext cx="0" cy="0"/>
+          <a:chOff x="0" y="0"/>
+          <a:chExt cx="0" cy="0"/>
+        </a:xfrm>
+      </p:grpSpPr>
+      <p:sp>
+        <p:nvSpPr>
+          <p:cNvPr id="2" name="Title 1"/>
+          <p:cNvSpPr>
+            <a:spLocks noGrp="1"/>
+          </p:cNvSpPr>
+          <p:nvPr>
+            <p:ph type="title"/>
+          </p:nvPr>
+        </p:nvSpPr>
+        <p:spPr>
+          <a:xfrm>
+            <a:off x="1828800" y="162086"/>
+            <a:ext cx="7086600" cy="914400"/>
+          </a:xfrm>
+        </p:spPr>
+        <p:txBody>
+          <a:bodyPr/>
+          <a:lstStyle/>
+          <a:p>
+            <a:r>
+              <a:rPr lang="en-US" dirty="0" smtClean="0"/>
+              <a:t>Linking code files(2)</a:t>
+            </a:r>
+            <a:endParaRPr lang="en-US" dirty="0"/>
+          </a:p>
+        </p:txBody>
+      </p:sp>
+      <p:sp>
+        <p:nvSpPr>
+          <p:cNvPr id="3" name="Content Placeholder 2"/>
+          <p:cNvSpPr>
+            <a:spLocks noGrp="1"/>
+          </p:cNvSpPr>
+          <p:nvPr>
+            <p:ph idx="1"/>
+          </p:nvPr>
+        </p:nvSpPr>
+        <p:spPr>
+          <a:xfrm>
+            <a:off x="228600" y="1371600"/>
+            <a:ext cx="8153400" cy="3651348"/>
+          </a:xfrm>
+        </p:spPr>
+        <p:txBody>
+          <a:bodyPr/>
+          <a:lstStyle/>
+          <a:p>
+            <a:pPr>
+              <a:lnSpc>
+                <a:spcPct val="100000"/>
+              </a:lnSpc>
+            </a:pPr>
+            <a:r>
+              <a:rPr lang="en-US" dirty="0"/>
+              <a:t>The </a:t>
+            </a:r>
+            <a:r>
+              <a:rPr lang="en-US" dirty="0" smtClean="0">
+                <a:solidFill>
+                  <a:schemeClr val="tx1"/>
+                </a:solidFill>
+              </a:rPr>
+              <a:t>require()</a:t>
+            </a:r>
+            <a:r>
+              <a:rPr lang="en-US" dirty="0" smtClean="0"/>
+              <a:t> function</a:t>
+            </a:r>
+          </a:p>
+          <a:p>
+            <a:pPr lvl="1">
+              <a:lnSpc>
+                <a:spcPct val="100000"/>
+              </a:lnSpc>
+            </a:pPr>
+            <a:r>
+              <a:rPr lang="en-US" dirty="0"/>
+              <a:t>used exactly the same as the </a:t>
+            </a:r>
+            <a:r>
+              <a:rPr lang="en-US" dirty="0" smtClean="0"/>
+              <a:t>include() function</a:t>
+            </a:r>
+          </a:p>
+          <a:p>
+            <a:pPr>
+              <a:lnSpc>
+                <a:spcPct val="100000"/>
+              </a:lnSpc>
+            </a:pPr>
+            <a:r>
+              <a:rPr lang="en-US" dirty="0" smtClean="0"/>
+              <a:t>The </a:t>
+            </a:r>
+            <a:r>
+              <a:rPr lang="en-US" dirty="0" err="1" smtClean="0">
+                <a:solidFill>
+                  <a:schemeClr val="tx1"/>
+                </a:solidFill>
+              </a:rPr>
+              <a:t>require_once</a:t>
+            </a:r>
+            <a:r>
+              <a:rPr lang="en-US" dirty="0" smtClean="0">
+                <a:solidFill>
+                  <a:schemeClr val="tx1"/>
+                </a:solidFill>
+              </a:rPr>
+              <a:t>()</a:t>
+            </a:r>
+            <a:r>
+              <a:rPr lang="en-US" dirty="0" smtClean="0"/>
+              <a:t> function</a:t>
+            </a:r>
+          </a:p>
+          <a:p>
+            <a:pPr lvl="2">
+              <a:lnSpc>
+                <a:spcPct val="100000"/>
+              </a:lnSpc>
+            </a:pPr>
+            <a:r>
+              <a:rPr lang="en-US" dirty="0" smtClean="0"/>
+              <a:t>like the </a:t>
+            </a:r>
+            <a:r>
+              <a:rPr lang="en-US" dirty="0" err="1" smtClean="0"/>
+              <a:t>include_once</a:t>
+            </a:r>
+            <a:r>
+              <a:rPr lang="en-US" dirty="0" smtClean="0"/>
+              <a:t>() function</a:t>
+            </a:r>
+          </a:p>
+          <a:p>
+            <a:pPr lvl="2">
+              <a:lnSpc>
+                <a:spcPct val="100000"/>
+              </a:lnSpc>
+            </a:pPr>
+            <a:r>
+              <a:rPr lang="en-US" dirty="0" smtClean="0"/>
+              <a:t>It will </a:t>
+            </a:r>
+            <a:r>
+              <a:rPr lang="en-US" dirty="0"/>
+              <a:t>make sure that the file exists before adding it to the </a:t>
+            </a:r>
+            <a:r>
+              <a:rPr lang="en-US" dirty="0" smtClean="0"/>
+              <a:t>page </a:t>
+            </a:r>
+            <a:r>
+              <a:rPr lang="en-US" dirty="0"/>
+              <a:t>if it's not there it will throw a fatal error.</a:t>
+            </a:r>
+          </a:p>
+          <a:p>
+            <a:pPr marL="357188" lvl="1" indent="0">
+              <a:lnSpc>
+                <a:spcPct val="100000"/>
+              </a:lnSpc>
+              <a:buNone/>
+            </a:pPr>
+            <a:endParaRPr lang="en-US" dirty="0" smtClean="0"/>
+          </a:p>
+        </p:txBody>
+      </p:sp>
+      <p:sp>
+        <p:nvSpPr>
+          <p:cNvPr id="8" name="Rectangle 4"/>
+          <p:cNvSpPr>
+            <a:spLocks noChangeArrowheads="1"/>
+          </p:cNvSpPr>
+          <p:nvPr/>
+        </p:nvSpPr>
+        <p:spPr bwMode="auto">
+          <a:xfrm>
+            <a:off x="542544" y="5833646"/>
+            <a:ext cx="8153400" cy="338554"/>
+          </a:xfrm>
+          <a:prstGeom prst="rect">
+            <a:avLst/>
+          </a:prstGeom>
+          <a:solidFill>
+            <a:schemeClr val="accent5">
+              <a:lumMod val="40000"/>
+              <a:lumOff val="60000"/>
+              <a:alpha val="15000"/>
+            </a:schemeClr>
+          </a:solidFill>
+          <a:ln w="12700">
+            <a:solidFill>
+              <a:schemeClr val="accent5">
+                <a:lumMod val="60000"/>
+                <a:lumOff val="40000"/>
+              </a:schemeClr>
+            </a:solidFill>
+          </a:ln>
+        </p:spPr>
+        <p:txBody>
+          <a:bodyPr wrap="square">
+            <a:spAutoFit/>
+          </a:bodyPr>
+          <a:lstStyle/>
+          <a:p>
+            <a:pPr>
+              <a:lnSpc>
+                <a:spcPct val="100000"/>
+              </a:lnSpc>
+              <a:spcBef>
+                <a:spcPts val="0"/>
+              </a:spcBef>
+              <a:buClr>
+                <a:schemeClr val="accent5">
+                  <a:lumMod val="40000"/>
+                  <a:lumOff val="60000"/>
+                </a:schemeClr>
+              </a:buClr>
+              <a:buSzPct val="70000"/>
+            </a:pPr>
+            <a:r>
+              <a:rPr lang="en-US" sz="1600" b="1" noProof="1" smtClean="0">
+                <a:solidFill>
+                  <a:srgbClr val="8CF4F2"/>
+                </a:solidFill>
+                <a:effectLst>
+                  <a:outerShdw blurRad="38100" dist="38100" dir="2700000" algn="tl">
+                    <a:srgbClr val="000000">
+                      <a:alpha val="43137"/>
+                    </a:srgbClr>
+                  </a:outerShdw>
+                </a:effectLst>
+                <a:latin typeface="Consolas" pitchFamily="49" charset="0"/>
+                <a:cs typeface="Consolas" pitchFamily="49" charset="0"/>
+              </a:rPr>
+              <a:t>require_once(&lt;</a:t>
+            </a:r>
+            <a:r>
+              <a:rPr lang="en-US" sz="1600" b="1" noProof="1">
+                <a:solidFill>
+                  <a:srgbClr val="8CF4F2"/>
+                </a:solidFill>
+                <a:effectLst>
+                  <a:outerShdw blurRad="38100" dist="38100" dir="2700000" algn="tl">
+                    <a:srgbClr val="000000">
+                      <a:alpha val="43137"/>
+                    </a:srgbClr>
+                  </a:outerShdw>
+                </a:effectLst>
+                <a:latin typeface="Consolas" pitchFamily="49" charset="0"/>
+                <a:cs typeface="Consolas" pitchFamily="49" charset="0"/>
+              </a:rPr>
+              <a:t>filename</a:t>
+            </a:r>
+            <a:r>
+              <a:rPr lang="en-US" sz="1600" b="1" noProof="1" smtClean="0">
+                <a:solidFill>
+                  <a:srgbClr val="8CF4F2"/>
+                </a:solidFill>
+                <a:effectLst>
+                  <a:outerShdw blurRad="38100" dist="38100" dir="2700000" algn="tl">
+                    <a:srgbClr val="000000">
+                      <a:alpha val="43137"/>
+                    </a:srgbClr>
+                  </a:outerShdw>
+                </a:effectLst>
+                <a:latin typeface="Consolas" pitchFamily="49" charset="0"/>
+                <a:cs typeface="Consolas" pitchFamily="49" charset="0"/>
+              </a:rPr>
+              <a:t>&gt;);</a:t>
+            </a:r>
+            <a:endParaRPr lang="en-US" sz="1600" b="1" noProof="1">
+              <a:solidFill>
+                <a:srgbClr val="8CF4F2"/>
+              </a:solidFill>
+              <a:effectLst>
+                <a:outerShdw blurRad="38100" dist="38100" dir="2700000" algn="tl">
+                  <a:srgbClr val="000000">
+                    <a:alpha val="43137"/>
+                  </a:srgbClr>
+                </a:outerShdw>
+              </a:effectLst>
+              <a:latin typeface="Consolas" pitchFamily="49" charset="0"/>
+              <a:cs typeface="Consolas" pitchFamily="49" charset="0"/>
+            </a:endParaRPr>
+          </a:p>
+        </p:txBody>
+      </p:sp>
+    </p:spTree>
+    <p:extLst>
+      <p:ext uri="{BB962C8B-B14F-4D97-AF65-F5344CB8AC3E}">
+        <p14:creationId xmlns:p14="http://schemas.microsoft.com/office/powerpoint/2010/main" val="1079858647"/>
+      </p:ext>
+    </p:extLst>
+  </p:cSld>
+  <p:clrMapOvr>
+    <a:masterClrMapping/>
+  </p:clrMapOvr>
+  <p:timing>
+    <p:tnLst>
+      <p:par>
+        <p:cTn id="1" dur="indefinite" restart="never" nodeType="tmRoot"/>
+      </p:par>
+    </p:tnLst>
+  </p:timing>
+</p:sld>
+</file>
+
+<file path=ppt/slides/slide31.xml><?xml version="1.0" encoding="utf-8"?>
+<p:sld xmlns:a="http://schemas.openxmlformats.org/drawingml/2006/main" xmlns:r="http://schemas.openxmlformats.org/officeDocument/2006/relationships" xmlns:p="http://schemas.openxmlformats.org/presentationml/2006/main">
+  <p:cSld>
+    <p:spTree>
+      <p:nvGrpSpPr>
+        <p:cNvPr id="1" name=""/>
+        <p:cNvGrpSpPr/>
+        <p:nvPr/>
+      </p:nvGrpSpPr>
+      <p:grpSpPr>
+        <a:xfrm>
+          <a:off x="0" y="0"/>
+          <a:ext cx="0" cy="0"/>
+          <a:chOff x="0" y="0"/>
+          <a:chExt cx="0" cy="0"/>
+        </a:xfrm>
+      </p:grpSpPr>
+      <p:sp>
+        <p:nvSpPr>
+          <p:cNvPr id="2" name="Title 1"/>
+          <p:cNvSpPr>
+            <a:spLocks noGrp="1"/>
+          </p:cNvSpPr>
+          <p:nvPr>
+            <p:ph type="title"/>
+          </p:nvPr>
+        </p:nvSpPr>
+        <p:spPr>
+          <a:xfrm>
+            <a:off x="1828800" y="162086"/>
+            <a:ext cx="7086600" cy="914400"/>
+          </a:xfrm>
+        </p:spPr>
+        <p:txBody>
+          <a:bodyPr/>
+          <a:lstStyle/>
+          <a:p>
+            <a:r>
+              <a:rPr lang="en-US" dirty="0" smtClean="0"/>
+              <a:t>Core functions</a:t>
+            </a:r>
+            <a:endParaRPr lang="en-US" dirty="0"/>
+          </a:p>
+        </p:txBody>
+      </p:sp>
+      <p:sp>
+        <p:nvSpPr>
+          <p:cNvPr id="3" name="Content Placeholder 2"/>
+          <p:cNvSpPr>
+            <a:spLocks noGrp="1"/>
+          </p:cNvSpPr>
+          <p:nvPr>
+            <p:ph idx="1"/>
+          </p:nvPr>
+        </p:nvSpPr>
+        <p:spPr>
+          <a:xfrm>
+            <a:off x="228600" y="1371600"/>
+            <a:ext cx="5562600" cy="3651348"/>
+          </a:xfrm>
+        </p:spPr>
+        <p:txBody>
+          <a:bodyPr/>
+          <a:lstStyle/>
+          <a:p>
+            <a:pPr>
+              <a:lnSpc>
+                <a:spcPct val="100000"/>
+              </a:lnSpc>
+            </a:pPr>
+            <a:r>
+              <a:rPr lang="en-US" dirty="0" smtClean="0"/>
+              <a:t>PHP has many </a:t>
+            </a:r>
+            <a:r>
+              <a:rPr lang="en-US" dirty="0" err="1" smtClean="0"/>
+              <a:t>inbuild</a:t>
+            </a:r>
+            <a:r>
+              <a:rPr lang="en-US" dirty="0" smtClean="0"/>
+              <a:t> functions</a:t>
+            </a:r>
+          </a:p>
+          <a:p>
+            <a:pPr lvl="1">
+              <a:lnSpc>
+                <a:spcPct val="100000"/>
+              </a:lnSpc>
+            </a:pPr>
+            <a:r>
+              <a:rPr lang="en-US" dirty="0" smtClean="0"/>
+              <a:t>this makes the development process easy and fast, but it could be harmful</a:t>
+            </a:r>
+          </a:p>
+          <a:p>
+            <a:pPr lvl="1">
+              <a:lnSpc>
+                <a:spcPct val="100000"/>
+              </a:lnSpc>
+            </a:pPr>
+            <a:r>
+              <a:rPr lang="en-US" dirty="0" smtClean="0"/>
+              <a:t>Read about core functions from here: </a:t>
+            </a:r>
+            <a:r>
+              <a:rPr lang="en-US" dirty="0" smtClean="0">
+                <a:hlinkClick r:id="rId3"/>
+              </a:rPr>
+              <a:t>http://php.net/manual/en/functions.internal.php</a:t>
+            </a:r>
+            <a:endParaRPr lang="en-US" dirty="0" smtClean="0"/>
+          </a:p>
+          <a:p>
+            <a:pPr lvl="1">
+              <a:lnSpc>
+                <a:spcPct val="100000"/>
+              </a:lnSpc>
+            </a:pPr>
+            <a:endParaRPr lang="en-US" dirty="0" smtClean="0"/>
+          </a:p>
+        </p:txBody>
+      </p:sp>
+    </p:spTree>
+    <p:extLst>
+      <p:ext uri="{BB962C8B-B14F-4D97-AF65-F5344CB8AC3E}">
+        <p14:creationId xmlns:p14="http://schemas.microsoft.com/office/powerpoint/2010/main" val="2163116254"/>
+      </p:ext>
+    </p:extLst>
+  </p:cSld>
+  <p:clrMapOvr>
+    <a:masterClrMapping/>
+  </p:clrMapOvr>
   <p:timing>
     <p:tnLst>
       <p:par>

--- a/PHP_MVC.pptx
+++ b/PHP_MVC.pptx
@@ -172,7 +172,7 @@
   </p:defaultTextStyle>
   <p:extLst>
     <p:ext uri="{EFAFB233-063F-42B5-8137-9DF3F51BA10A}">
-      <p15:sldGuideLst xmlns="" xmlns:p15="http://schemas.microsoft.com/office/powerpoint/2012/main">
+      <p15:sldGuideLst xmlns:p15="http://schemas.microsoft.com/office/powerpoint/2012/main" xmlns="">
         <p15:guide id="1" orient="horz" pos="2160">
           <p15:clr>
             <a:srgbClr val="A4A3A4"/>
@@ -186,7 +186,7 @@
       </p15:sldGuideLst>
     </p:ext>
     <p:ext uri="{2D200454-40CA-4A62-9FC3-DE9A4176ACB9}">
-      <p15:notesGuideLst xmlns="" xmlns:p15="http://schemas.microsoft.com/office/powerpoint/2012/main">
+      <p15:notesGuideLst xmlns:p15="http://schemas.microsoft.com/office/powerpoint/2012/main" xmlns="">
         <p15:guide id="1" orient="horz" pos="2928">
           <p15:clr>
             <a:srgbClr val="A4A3A4"/>
@@ -10707,11 +10707,6 @@
               </a:rPr>
               <a:t>Operators </a:t>
             </a:r>
-            <a:endParaRPr lang="en-US" sz="2800" dirty="0" smtClean="0">
-              <a:solidFill>
-                <a:srgbClr val="F4FCD8"/>
-              </a:solidFill>
-            </a:endParaRPr>
           </a:p>
           <a:p>
             <a:pPr>
@@ -10727,11 +10722,6 @@
               </a:rPr>
               <a:t>Statements</a:t>
             </a:r>
-            <a:endParaRPr lang="en-US" sz="2800" dirty="0" smtClean="0">
-              <a:solidFill>
-                <a:srgbClr val="F4FCD8"/>
-              </a:solidFill>
-            </a:endParaRPr>
           </a:p>
           <a:p>
             <a:pPr>
@@ -10760,7 +10750,22 @@
                   <a:srgbClr val="F4FCD8"/>
                 </a:solidFill>
               </a:rPr>
-              <a:t>Linking </a:t>
+              <a:t>Linking code files</a:t>
+            </a:r>
+          </a:p>
+          <a:p>
+            <a:pPr>
+              <a:lnSpc>
+                <a:spcPct val="100000"/>
+              </a:lnSpc>
+            </a:pPr>
+            <a:r>
+              <a:rPr lang="en-US" sz="2800" dirty="0">
+                <a:solidFill>
+                  <a:srgbClr val="F4FCD8"/>
+                </a:solidFill>
+              </a:rPr>
+              <a:t>Core </a:t>
             </a:r>
             <a:r>
               <a:rPr lang="en-US" sz="2800" dirty="0" smtClean="0">
@@ -10768,30 +10773,30 @@
                   <a:srgbClr val="F4FCD8"/>
                 </a:solidFill>
               </a:rPr>
-              <a:t>code </a:t>
-            </a:r>
+              <a:t>functions</a:t>
+            </a:r>
+          </a:p>
+          <a:p>
+            <a:pPr>
+              <a:lnSpc>
+                <a:spcPct val="100000"/>
+              </a:lnSpc>
+            </a:pPr>
             <a:r>
               <a:rPr lang="en-US" sz="2800" dirty="0" smtClean="0">
                 <a:solidFill>
                   <a:srgbClr val="F4FCD8"/>
                 </a:solidFill>
               </a:rPr>
-              <a:t>files</a:t>
-            </a:r>
-          </a:p>
-          <a:p>
-            <a:pPr>
-              <a:lnSpc>
-                <a:spcPct val="100000"/>
-              </a:lnSpc>
-            </a:pPr>
-            <a:r>
-              <a:rPr lang="en-US" sz="2800" dirty="0">
+              <a:t>Naming </a:t>
+            </a:r>
+            <a:r>
+              <a:rPr lang="en-US" sz="2800" dirty="0" err="1" smtClean="0">
                 <a:solidFill>
                   <a:srgbClr val="F4FCD8"/>
                 </a:solidFill>
               </a:rPr>
-              <a:t>Core </a:t>
+              <a:t>convensions</a:t>
             </a:r>
             <a:r>
               <a:rPr lang="en-US" sz="2800" dirty="0" smtClean="0">
@@ -10799,44 +10804,8 @@
                   <a:srgbClr val="F4FCD8"/>
                 </a:solidFill>
               </a:rPr>
-              <a:t>functions</a:t>
-            </a:r>
-          </a:p>
-          <a:p>
-            <a:pPr>
-              <a:lnSpc>
-                <a:spcPct val="100000"/>
-              </a:lnSpc>
-            </a:pPr>
-            <a:r>
-              <a:rPr lang="en-US" sz="2800" dirty="0" smtClean="0">
-                <a:solidFill>
-                  <a:srgbClr val="F4FCD8"/>
-                </a:solidFill>
-              </a:rPr>
-              <a:t>Naming </a:t>
-            </a:r>
-            <a:r>
-              <a:rPr lang="en-US" sz="2800" dirty="0" err="1" smtClean="0">
-                <a:solidFill>
-                  <a:srgbClr val="F4FCD8"/>
-                </a:solidFill>
-              </a:rPr>
-              <a:t>convensions</a:t>
-            </a:r>
-            <a:r>
-              <a:rPr lang="en-US" sz="2800" dirty="0" smtClean="0">
-                <a:solidFill>
-                  <a:srgbClr val="F4FCD8"/>
-                </a:solidFill>
-              </a:rPr>
               <a:t>(move to end!!!!)</a:t>
             </a:r>
-            <a:endParaRPr lang="en-US" sz="2800" dirty="0" smtClean="0">
-              <a:solidFill>
-                <a:srgbClr val="F4FCD8"/>
-              </a:solidFill>
-            </a:endParaRPr>
           </a:p>
         </p:txBody>
       </p:sp>
@@ -12250,11 +12219,7 @@
           <a:p>
             <a:r>
               <a:rPr lang="en-US" dirty="0" smtClean="0"/>
-              <a:t>Data </a:t>
-            </a:r>
-            <a:r>
-              <a:rPr lang="en-US" dirty="0" smtClean="0"/>
-              <a:t>structures</a:t>
+              <a:t>Data structures</a:t>
             </a:r>
             <a:endParaRPr lang="en-US" dirty="0"/>
           </a:p>
@@ -13008,11 +12973,7 @@
           <a:p>
             <a:r>
               <a:rPr lang="en-US" dirty="0" smtClean="0"/>
-              <a:t>Data </a:t>
-            </a:r>
-            <a:r>
-              <a:rPr lang="en-US" dirty="0" smtClean="0"/>
-              <a:t>structures(2)</a:t>
+              <a:t>Data structures(2)</a:t>
             </a:r>
             <a:endParaRPr lang="en-US" dirty="0"/>
           </a:p>
@@ -13051,11 +13012,6 @@
               </a:rPr>
               <a:t>Lists</a:t>
             </a:r>
-            <a:endParaRPr lang="en-US" dirty="0" smtClean="0">
-              <a:solidFill>
-                <a:srgbClr val="F4FCD8"/>
-              </a:solidFill>
-            </a:endParaRPr>
           </a:p>
           <a:p>
             <a:pPr lvl="1">
@@ -13071,11 +13027,6 @@
               </a:rPr>
               <a:t>Assign variables to array values</a:t>
             </a:r>
-            <a:endParaRPr lang="en-US" sz="2400" dirty="0" smtClean="0">
-              <a:solidFill>
-                <a:srgbClr val="F4FCD8"/>
-              </a:solidFill>
-            </a:endParaRPr>
           </a:p>
           <a:p>
             <a:pPr lvl="1">
@@ -13495,20 +13446,6 @@
               </a:rPr>
               <a:t>"$drink is $color and $power makes it special.\n";</a:t>
             </a:r>
-            <a:endParaRPr lang="en-US" sz="1600" b="1" noProof="1">
-              <a:solidFill>
-                <a:srgbClr val="8CF4F2"/>
-              </a:solidFill>
-              <a:effectLst>
-                <a:outerShdw blurRad="38100" dist="38100" dir="2700000" algn="tl">
-                  <a:srgbClr val="000000">
-                    <a:alpha val="43137"/>
-                  </a:srgbClr>
-                </a:outerShdw>
-              </a:effectLst>
-              <a:latin typeface="Consolas" pitchFamily="49" charset="0"/>
-              <a:cs typeface="Consolas" pitchFamily="49" charset="0"/>
-            </a:endParaRPr>
           </a:p>
         </p:txBody>
       </p:sp>
@@ -13918,20 +13855,6 @@
               </a:rPr>
               <a:t>echo get_resource_type($fp) . "\n";</a:t>
             </a:r>
-            <a:endParaRPr lang="en-US" sz="1600" b="1" noProof="1">
-              <a:solidFill>
-                <a:srgbClr val="8CF4F2"/>
-              </a:solidFill>
-              <a:effectLst>
-                <a:outerShdw blurRad="38100" dist="38100" dir="2700000" algn="tl">
-                  <a:srgbClr val="000000">
-                    <a:alpha val="43137"/>
-                  </a:srgbClr>
-                </a:outerShdw>
-              </a:effectLst>
-              <a:latin typeface="Consolas" pitchFamily="49" charset="0"/>
-              <a:cs typeface="Consolas" pitchFamily="49" charset="0"/>
-            </a:endParaRPr>
           </a:p>
         </p:txBody>
       </p:sp>
@@ -14186,24 +14109,7 @@
                 <a:latin typeface="Consolas" pitchFamily="49" charset="0"/>
                 <a:cs typeface="Consolas" pitchFamily="49" charset="0"/>
               </a:rPr>
-              <a:t>$ivan="</a:t>
-            </a:r>
-            <a:r>
-              <a:rPr lang="en-US" sz="1600" b="1" noProof="1">
-                <a:solidFill>
-                  <a:srgbClr val="8CF4F2"/>
-                </a:solidFill>
-                <a:effectLst>
-                  <a:outerShdw blurRad="38100" dist="38100" dir="2700000" algn="tl">
-                    <a:srgbClr val="000000">
-                      <a:alpha val="43137"/>
-                    </a:srgbClr>
-                  </a:outerShdw>
-                </a:effectLst>
-                <a:latin typeface="Consolas" pitchFamily="49" charset="0"/>
-                <a:cs typeface="Consolas" pitchFamily="49" charset="0"/>
-              </a:rPr>
-              <a:t>Ivan</a:t>
+              <a:t>$ivan="Ivan</a:t>
             </a:r>
             <a:r>
               <a:rPr lang="en-US" sz="1600" b="1" noProof="1" smtClean="0">
@@ -14268,24 +14174,7 @@
                 <a:latin typeface="Consolas" pitchFamily="49" charset="0"/>
                 <a:cs typeface="Consolas" pitchFamily="49" charset="0"/>
               </a:rPr>
-              <a:t>$maria</a:t>
-            </a:r>
-            <a:r>
-              <a:rPr lang="en-US" sz="1600" b="1" noProof="1">
-                <a:solidFill>
-                  <a:srgbClr val="8CF4F2"/>
-                </a:solidFill>
-                <a:effectLst>
-                  <a:outerShdw blurRad="38100" dist="38100" dir="2700000" algn="tl">
-                    <a:srgbClr val="000000">
-                      <a:alpha val="43137"/>
-                    </a:srgbClr>
-                  </a:outerShdw>
-                </a:effectLst>
-                <a:latin typeface="Consolas" pitchFamily="49" charset="0"/>
-                <a:cs typeface="Consolas" pitchFamily="49" charset="0"/>
-              </a:rPr>
-              <a:t>=</a:t>
+              <a:t>$maria=</a:t>
             </a:r>
             <a:r>
               <a:rPr lang="en-US" sz="1600" b="1" noProof="1" smtClean="0">
@@ -14593,10 +14482,10 @@
                 <a:latin typeface="Consolas" pitchFamily="49" charset="0"/>
                 <a:cs typeface="Consolas" pitchFamily="49" charset="0"/>
               </a:rPr>
-              <a:t>$conditionB</a:t>
-            </a:r>
-            <a:r>
-              <a:rPr lang="en-US" sz="1600" b="1" noProof="1">
+              <a:t>$conditionB) </a:t>
+            </a:r>
+            <a:r>
+              <a:rPr lang="en-US" sz="1600" b="1" noProof="1" smtClean="0">
                 <a:solidFill>
                   <a:srgbClr val="8CF4F2"/>
                 </a:solidFill>
@@ -14610,10 +14499,10 @@
                 <a:latin typeface="Consolas" pitchFamily="49" charset="0"/>
                 <a:cs typeface="Consolas" pitchFamily="49" charset="0"/>
               </a:rPr>
-              <a:t>) </a:t>
-            </a:r>
-            <a:r>
-              <a:rPr lang="en-US" sz="1600" b="1" noProof="1" smtClean="0">
+              <a:t>|| </a:t>
+            </a:r>
+            <a:r>
+              <a:rPr lang="en-US" sz="1600" b="1" noProof="1">
                 <a:solidFill>
                   <a:srgbClr val="8CF4F2"/>
                 </a:solidFill>
@@ -14627,41 +14516,7 @@
                 <a:latin typeface="Consolas" pitchFamily="49" charset="0"/>
                 <a:cs typeface="Consolas" pitchFamily="49" charset="0"/>
               </a:rPr>
-              <a:t>|| </a:t>
-            </a:r>
-            <a:r>
-              <a:rPr lang="en-US" sz="1600" b="1" noProof="1">
-                <a:solidFill>
-                  <a:srgbClr val="8CF4F2"/>
-                </a:solidFill>
-                <a:effectLst>
-                  <a:outerShdw blurRad="38100" dist="38100" dir="2700000" algn="tl">
-                    <a:srgbClr val="000000">
-                      <a:alpha val="43137"/>
-                    </a:srgbClr>
-                  </a:outerShdw>
-                </a:effectLst>
-                <a:latin typeface="Consolas" pitchFamily="49" charset="0"/>
-                <a:cs typeface="Consolas" pitchFamily="49" charset="0"/>
-              </a:rPr>
-              <a:t>(!$conditionA OR $</a:t>
-            </a:r>
-            <a:r>
-              <a:rPr lang="en-US" sz="1600" b="1" noProof="1">
-                <a:solidFill>
-                  <a:srgbClr val="8CF4F2"/>
-                </a:solidFill>
-                <a:effectLst>
-                  <a:outerShdw blurRad="38100" dist="38100" dir="2700000" algn="tl">
-                    <a:srgbClr val="000000">
-                      <a:alpha val="43137"/>
-                    </a:srgbClr>
-                  </a:outerShdw>
-                </a:effectLst>
-                <a:latin typeface="Consolas" pitchFamily="49" charset="0"/>
-                <a:cs typeface="Consolas" pitchFamily="49" charset="0"/>
-              </a:rPr>
-              <a:t>conditionB</a:t>
+              <a:t>(!$conditionA OR $conditionB</a:t>
             </a:r>
             <a:r>
               <a:rPr lang="en-US" sz="1600" b="1" noProof="1" smtClean="0">
@@ -15226,20 +15081,6 @@
               </a:rPr>
               <a:t>var_dump($x !== $y);</a:t>
             </a:r>
-            <a:endParaRPr lang="en-US" sz="1600" b="1" noProof="1">
-              <a:solidFill>
-                <a:srgbClr val="8CF4F2"/>
-              </a:solidFill>
-              <a:effectLst>
-                <a:outerShdw blurRad="38100" dist="38100" dir="2700000" algn="tl">
-                  <a:srgbClr val="000000">
-                    <a:alpha val="43137"/>
-                  </a:srgbClr>
-                </a:outerShdw>
-              </a:effectLst>
-              <a:latin typeface="Consolas" pitchFamily="49" charset="0"/>
-              <a:cs typeface="Consolas" pitchFamily="49" charset="0"/>
-            </a:endParaRPr>
           </a:p>
         </p:txBody>
       </p:sp>
@@ -16172,20 +16013,6 @@
               </a:rPr>
               <a:t>}</a:t>
             </a:r>
-            <a:endParaRPr lang="en-US" sz="1600" b="1" noProof="1">
-              <a:solidFill>
-                <a:srgbClr val="8CF4F2"/>
-              </a:solidFill>
-              <a:effectLst>
-                <a:outerShdw blurRad="38100" dist="38100" dir="2700000" algn="tl">
-                  <a:srgbClr val="000000">
-                    <a:alpha val="43137"/>
-                  </a:srgbClr>
-                </a:outerShdw>
-              </a:effectLst>
-              <a:latin typeface="Consolas" pitchFamily="49" charset="0"/>
-              <a:cs typeface="Consolas" pitchFamily="49" charset="0"/>
-            </a:endParaRPr>
           </a:p>
         </p:txBody>
       </p:sp>

--- a/PHP_MVC.pptx
+++ b/PHP_MVC.pptx
@@ -5,10 +5,10 @@
     <p:sldMasterId id="2147483672" r:id="rId1"/>
   </p:sldMasterIdLst>
   <p:notesMasterIdLst>
-    <p:notesMasterId r:id="rId33"/>
+    <p:notesMasterId r:id="rId37"/>
   </p:notesMasterIdLst>
   <p:handoutMasterIdLst>
-    <p:handoutMasterId r:id="rId34"/>
+    <p:handoutMasterId r:id="rId38"/>
   </p:handoutMasterIdLst>
   <p:sldIdLst>
     <p:sldId id="382" r:id="rId2"/>
@@ -42,6 +42,10 @@
     <p:sldId id="436" r:id="rId30"/>
     <p:sldId id="437" r:id="rId31"/>
     <p:sldId id="438" r:id="rId32"/>
+    <p:sldId id="441" r:id="rId33"/>
+    <p:sldId id="442" r:id="rId34"/>
+    <p:sldId id="439" r:id="rId35"/>
+    <p:sldId id="440" r:id="rId36"/>
   </p:sldIdLst>
   <p:sldSz cx="9144000" cy="6858000" type="screen4x3"/>
   <p:notesSz cx="6881813" cy="9296400"/>
@@ -172,7 +176,7 @@
   </p:defaultTextStyle>
   <p:extLst>
     <p:ext uri="{EFAFB233-063F-42B5-8137-9DF3F51BA10A}">
-      <p15:sldGuideLst xmlns:p15="http://schemas.microsoft.com/office/powerpoint/2012/main" xmlns="">
+      <p15:sldGuideLst xmlns="" xmlns:p15="http://schemas.microsoft.com/office/powerpoint/2012/main">
         <p15:guide id="1" orient="horz" pos="2160">
           <p15:clr>
             <a:srgbClr val="A4A3A4"/>
@@ -186,7 +190,7 @@
       </p15:sldGuideLst>
     </p:ext>
     <p:ext uri="{2D200454-40CA-4A62-9FC3-DE9A4176ACB9}">
-      <p15:notesGuideLst xmlns:p15="http://schemas.microsoft.com/office/powerpoint/2012/main" xmlns="">
+      <p15:notesGuideLst xmlns="" xmlns:p15="http://schemas.microsoft.com/office/powerpoint/2012/main">
         <p15:guide id="1" orient="horz" pos="2928">
           <p15:clr>
             <a:srgbClr val="A4A3A4"/>
@@ -318,7 +322,7 @@
             <a:fld id="{3BF7C7B5-275F-4D1F-9AB4-9255447DBC73}" type="datetimeFigureOut">
               <a:rPr lang="en-US"/>
               <a:pPr/>
-              <a:t>11/4/2014</a:t>
+              <a:t>11/10/2014</a:t>
             </a:fld>
             <a:endParaRPr lang="en-US" dirty="0"/>
           </a:p>
@@ -549,7 +553,7 @@
             <a:fld id="{9B46F231-FB2B-4655-A644-E2477325E686}" type="datetimeFigureOut">
               <a:rPr lang="en-US"/>
               <a:pPr/>
-              <a:t>11/4/2014</a:t>
+              <a:t>11/10/2014</a:t>
             </a:fld>
             <a:endParaRPr lang="en-US" dirty="0"/>
           </a:p>
@@ -1180,7 +1184,7 @@
                 </a:solidFill>
               </a:rPr>
               <a:pPr/>
-              <a:t>11/4/2014</a:t>
+              <a:t>11/10/2014</a:t>
             </a:fld>
             <a:r>
               <a:rPr lang="en-US" sz="1100" b="0" dirty="0">
@@ -1822,7 +1826,7 @@
                 </a:solidFill>
               </a:rPr>
               <a:pPr/>
-              <a:t>11/4/2014</a:t>
+              <a:t>11/10/2014</a:t>
             </a:fld>
             <a:r>
               <a:rPr lang="en-US" sz="1100" b="0" dirty="0">
@@ -2464,7 +2468,7 @@
                 </a:solidFill>
               </a:rPr>
               <a:pPr/>
-              <a:t>11/4/2014</a:t>
+              <a:t>11/10/2014</a:t>
             </a:fld>
             <a:r>
               <a:rPr lang="en-US" sz="1100" b="0" dirty="0">
@@ -3106,7 +3110,7 @@
                 </a:solidFill>
               </a:rPr>
               <a:pPr/>
-              <a:t>11/4/2014</a:t>
+              <a:t>11/10/2014</a:t>
             </a:fld>
             <a:r>
               <a:rPr lang="en-US" sz="1100" b="0" dirty="0">
@@ -3527,6 +3531,818 @@
               <a:rPr lang="en-US" smtClean="0"/>
               <a:pPr/>
               <a:t>31</a:t>
+            </a:fld>
+            <a:endParaRPr lang="en-US" dirty="0"/>
+          </a:p>
+        </p:txBody>
+      </p:sp>
+    </p:spTree>
+    <p:extLst>
+      <p:ext uri="{BB962C8B-B14F-4D97-AF65-F5344CB8AC3E}">
+        <p14:creationId xmlns:p14="http://schemas.microsoft.com/office/powerpoint/2010/main" val="2968209395"/>
+      </p:ext>
+    </p:extLst>
+  </p:cSld>
+  <p:clrMapOvr>
+    <a:masterClrMapping/>
+  </p:clrMapOvr>
+</p:notes>
+</file>
+
+<file path=ppt/notesSlides/notesSlide6.xml><?xml version="1.0" encoding="utf-8"?>
+<p:notes xmlns:a="http://schemas.openxmlformats.org/drawingml/2006/main" xmlns:r="http://schemas.openxmlformats.org/officeDocument/2006/relationships" xmlns:p="http://schemas.openxmlformats.org/presentationml/2006/main">
+  <p:cSld>
+    <p:spTree>
+      <p:nvGrpSpPr>
+        <p:cNvPr id="1" name=""/>
+        <p:cNvGrpSpPr/>
+        <p:nvPr/>
+      </p:nvGrpSpPr>
+      <p:grpSpPr>
+        <a:xfrm>
+          <a:off x="0" y="0"/>
+          <a:ext cx="0" cy="0"/>
+          <a:chOff x="0" y="0"/>
+          <a:chExt cx="0" cy="0"/>
+        </a:xfrm>
+      </p:grpSpPr>
+      <p:sp>
+        <p:nvSpPr>
+          <p:cNvPr id="50178" name="Rectangle 2"/>
+          <p:cNvSpPr>
+            <a:spLocks noGrp="1" noChangeArrowheads="1"/>
+          </p:cNvSpPr>
+          <p:nvPr>
+            <p:ph type="hdr" sz="quarter"/>
+          </p:nvPr>
+        </p:nvSpPr>
+        <p:spPr/>
+        <p:txBody>
+          <a:bodyPr/>
+          <a:lstStyle>
+            <a:lvl1pPr defTabSz="990600">
+              <a:defRPr kumimoji="1" sz="4000" b="1">
+                <a:solidFill>
+                  <a:srgbClr val="000000"/>
+                </a:solidFill>
+                <a:latin typeface="Arial" charset="0"/>
+              </a:defRPr>
+            </a:lvl1pPr>
+            <a:lvl2pPr marL="776288" indent="-298450" defTabSz="990600">
+              <a:defRPr kumimoji="1" sz="4000" b="1">
+                <a:solidFill>
+                  <a:srgbClr val="000000"/>
+                </a:solidFill>
+                <a:latin typeface="Arial" charset="0"/>
+              </a:defRPr>
+            </a:lvl2pPr>
+            <a:lvl3pPr marL="1193800" indent="-238125" defTabSz="990600">
+              <a:defRPr kumimoji="1" sz="4000" b="1">
+                <a:solidFill>
+                  <a:srgbClr val="000000"/>
+                </a:solidFill>
+                <a:latin typeface="Arial" charset="0"/>
+              </a:defRPr>
+            </a:lvl3pPr>
+            <a:lvl4pPr marL="1671638" indent="-239713" defTabSz="990600">
+              <a:defRPr kumimoji="1" sz="4000" b="1">
+                <a:solidFill>
+                  <a:srgbClr val="000000"/>
+                </a:solidFill>
+                <a:latin typeface="Arial" charset="0"/>
+              </a:defRPr>
+            </a:lvl4pPr>
+            <a:lvl5pPr marL="2149475" indent="-239713" defTabSz="990600">
+              <a:defRPr kumimoji="1" sz="4000" b="1">
+                <a:solidFill>
+                  <a:srgbClr val="000000"/>
+                </a:solidFill>
+                <a:latin typeface="Arial" charset="0"/>
+              </a:defRPr>
+            </a:lvl5pPr>
+            <a:lvl6pPr marL="2606675" indent="-239713" defTabSz="990600" eaLnBrk="0" fontAlgn="base" hangingPunct="0">
+              <a:lnSpc>
+                <a:spcPct val="85000"/>
+              </a:lnSpc>
+              <a:spcBef>
+                <a:spcPct val="0"/>
+              </a:spcBef>
+              <a:spcAft>
+                <a:spcPct val="0"/>
+              </a:spcAft>
+              <a:defRPr kumimoji="1" sz="4000" b="1">
+                <a:solidFill>
+                  <a:srgbClr val="000000"/>
+                </a:solidFill>
+                <a:latin typeface="Arial" charset="0"/>
+              </a:defRPr>
+            </a:lvl6pPr>
+            <a:lvl7pPr marL="3063875" indent="-239713" defTabSz="990600" eaLnBrk="0" fontAlgn="base" hangingPunct="0">
+              <a:lnSpc>
+                <a:spcPct val="85000"/>
+              </a:lnSpc>
+              <a:spcBef>
+                <a:spcPct val="0"/>
+              </a:spcBef>
+              <a:spcAft>
+                <a:spcPct val="0"/>
+              </a:spcAft>
+              <a:defRPr kumimoji="1" sz="4000" b="1">
+                <a:solidFill>
+                  <a:srgbClr val="000000"/>
+                </a:solidFill>
+                <a:latin typeface="Arial" charset="0"/>
+              </a:defRPr>
+            </a:lvl7pPr>
+            <a:lvl8pPr marL="3521075" indent="-239713" defTabSz="990600" eaLnBrk="0" fontAlgn="base" hangingPunct="0">
+              <a:lnSpc>
+                <a:spcPct val="85000"/>
+              </a:lnSpc>
+              <a:spcBef>
+                <a:spcPct val="0"/>
+              </a:spcBef>
+              <a:spcAft>
+                <a:spcPct val="0"/>
+              </a:spcAft>
+              <a:defRPr kumimoji="1" sz="4000" b="1">
+                <a:solidFill>
+                  <a:srgbClr val="000000"/>
+                </a:solidFill>
+                <a:latin typeface="Arial" charset="0"/>
+              </a:defRPr>
+            </a:lvl8pPr>
+            <a:lvl9pPr marL="3978275" indent="-239713" defTabSz="990600" eaLnBrk="0" fontAlgn="base" hangingPunct="0">
+              <a:lnSpc>
+                <a:spcPct val="85000"/>
+              </a:lnSpc>
+              <a:spcBef>
+                <a:spcPct val="0"/>
+              </a:spcBef>
+              <a:spcAft>
+                <a:spcPct val="0"/>
+              </a:spcAft>
+              <a:defRPr kumimoji="1" sz="4000" b="1">
+                <a:solidFill>
+                  <a:srgbClr val="000000"/>
+                </a:solidFill>
+                <a:latin typeface="Arial" charset="0"/>
+              </a:defRPr>
+            </a:lvl9pPr>
+          </a:lstStyle>
+          <a:p>
+            <a:r>
+              <a:rPr lang="en-US" sz="1100" b="0" dirty="0">
+                <a:solidFill>
+                  <a:schemeClr val="tx1"/>
+                </a:solidFill>
+              </a:rPr>
+              <a:t>*</a:t>
+            </a:r>
+            <a:endParaRPr lang="en-US" sz="1300" b="0" i="0" dirty="0">
+              <a:solidFill>
+                <a:schemeClr val="tx1"/>
+              </a:solidFill>
+            </a:endParaRPr>
+          </a:p>
+        </p:txBody>
+      </p:sp>
+      <p:sp>
+        <p:nvSpPr>
+          <p:cNvPr id="50179" name="Rectangle 3"/>
+          <p:cNvSpPr>
+            <a:spLocks noGrp="1" noChangeArrowheads="1"/>
+          </p:cNvSpPr>
+          <p:nvPr>
+            <p:ph type="dt" sz="quarter" idx="1"/>
+          </p:nvPr>
+        </p:nvSpPr>
+        <p:spPr/>
+        <p:txBody>
+          <a:bodyPr/>
+          <a:lstStyle>
+            <a:lvl1pPr defTabSz="990600">
+              <a:defRPr kumimoji="1" sz="4000" b="1">
+                <a:solidFill>
+                  <a:srgbClr val="000000"/>
+                </a:solidFill>
+                <a:latin typeface="Arial" charset="0"/>
+              </a:defRPr>
+            </a:lvl1pPr>
+            <a:lvl2pPr marL="776288" indent="-298450" defTabSz="990600">
+              <a:defRPr kumimoji="1" sz="4000" b="1">
+                <a:solidFill>
+                  <a:srgbClr val="000000"/>
+                </a:solidFill>
+                <a:latin typeface="Arial" charset="0"/>
+              </a:defRPr>
+            </a:lvl2pPr>
+            <a:lvl3pPr marL="1193800" indent="-238125" defTabSz="990600">
+              <a:defRPr kumimoji="1" sz="4000" b="1">
+                <a:solidFill>
+                  <a:srgbClr val="000000"/>
+                </a:solidFill>
+                <a:latin typeface="Arial" charset="0"/>
+              </a:defRPr>
+            </a:lvl3pPr>
+            <a:lvl4pPr marL="1671638" indent="-239713" defTabSz="990600">
+              <a:defRPr kumimoji="1" sz="4000" b="1">
+                <a:solidFill>
+                  <a:srgbClr val="000000"/>
+                </a:solidFill>
+                <a:latin typeface="Arial" charset="0"/>
+              </a:defRPr>
+            </a:lvl4pPr>
+            <a:lvl5pPr marL="2149475" indent="-239713" defTabSz="990600">
+              <a:defRPr kumimoji="1" sz="4000" b="1">
+                <a:solidFill>
+                  <a:srgbClr val="000000"/>
+                </a:solidFill>
+                <a:latin typeface="Arial" charset="0"/>
+              </a:defRPr>
+            </a:lvl5pPr>
+            <a:lvl6pPr marL="2606675" indent="-239713" defTabSz="990600" eaLnBrk="0" fontAlgn="base" hangingPunct="0">
+              <a:lnSpc>
+                <a:spcPct val="85000"/>
+              </a:lnSpc>
+              <a:spcBef>
+                <a:spcPct val="0"/>
+              </a:spcBef>
+              <a:spcAft>
+                <a:spcPct val="0"/>
+              </a:spcAft>
+              <a:defRPr kumimoji="1" sz="4000" b="1">
+                <a:solidFill>
+                  <a:srgbClr val="000000"/>
+                </a:solidFill>
+                <a:latin typeface="Arial" charset="0"/>
+              </a:defRPr>
+            </a:lvl6pPr>
+            <a:lvl7pPr marL="3063875" indent="-239713" defTabSz="990600" eaLnBrk="0" fontAlgn="base" hangingPunct="0">
+              <a:lnSpc>
+                <a:spcPct val="85000"/>
+              </a:lnSpc>
+              <a:spcBef>
+                <a:spcPct val="0"/>
+              </a:spcBef>
+              <a:spcAft>
+                <a:spcPct val="0"/>
+              </a:spcAft>
+              <a:defRPr kumimoji="1" sz="4000" b="1">
+                <a:solidFill>
+                  <a:srgbClr val="000000"/>
+                </a:solidFill>
+                <a:latin typeface="Arial" charset="0"/>
+              </a:defRPr>
+            </a:lvl7pPr>
+            <a:lvl8pPr marL="3521075" indent="-239713" defTabSz="990600" eaLnBrk="0" fontAlgn="base" hangingPunct="0">
+              <a:lnSpc>
+                <a:spcPct val="85000"/>
+              </a:lnSpc>
+              <a:spcBef>
+                <a:spcPct val="0"/>
+              </a:spcBef>
+              <a:spcAft>
+                <a:spcPct val="0"/>
+              </a:spcAft>
+              <a:defRPr kumimoji="1" sz="4000" b="1">
+                <a:solidFill>
+                  <a:srgbClr val="000000"/>
+                </a:solidFill>
+                <a:latin typeface="Arial" charset="0"/>
+              </a:defRPr>
+            </a:lvl8pPr>
+            <a:lvl9pPr marL="3978275" indent="-239713" defTabSz="990600" eaLnBrk="0" fontAlgn="base" hangingPunct="0">
+              <a:lnSpc>
+                <a:spcPct val="85000"/>
+              </a:lnSpc>
+              <a:spcBef>
+                <a:spcPct val="0"/>
+              </a:spcBef>
+              <a:spcAft>
+                <a:spcPct val="0"/>
+              </a:spcAft>
+              <a:defRPr kumimoji="1" sz="4000" b="1">
+                <a:solidFill>
+                  <a:srgbClr val="000000"/>
+                </a:solidFill>
+                <a:latin typeface="Arial" charset="0"/>
+              </a:defRPr>
+            </a:lvl9pPr>
+          </a:lstStyle>
+          <a:p>
+            <a:fld id="{33BD271E-2113-4C30-9CBB-D88489DF8451}" type="datetime1">
+              <a:rPr lang="en-US" sz="1100" b="0">
+                <a:solidFill>
+                  <a:schemeClr val="tx1"/>
+                </a:solidFill>
+              </a:rPr>
+              <a:pPr/>
+              <a:t>11/10/2014</a:t>
+            </a:fld>
+            <a:r>
+              <a:rPr lang="en-US" sz="1100" b="0" dirty="0">
+                <a:solidFill>
+                  <a:schemeClr val="tx1"/>
+                </a:solidFill>
+              </a:rPr>
+              <a:t>07/16/96</a:t>
+            </a:r>
+            <a:endParaRPr lang="en-US" sz="1300" b="0" i="0" dirty="0">
+              <a:solidFill>
+                <a:schemeClr val="tx1"/>
+              </a:solidFill>
+            </a:endParaRPr>
+          </a:p>
+        </p:txBody>
+      </p:sp>
+      <p:sp>
+        <p:nvSpPr>
+          <p:cNvPr id="50180" name="Rectangle 6"/>
+          <p:cNvSpPr>
+            <a:spLocks noGrp="1" noChangeArrowheads="1"/>
+          </p:cNvSpPr>
+          <p:nvPr>
+            <p:ph type="ftr" sz="quarter" idx="4"/>
+          </p:nvPr>
+        </p:nvSpPr>
+        <p:spPr/>
+        <p:txBody>
+          <a:bodyPr/>
+          <a:lstStyle>
+            <a:lvl1pPr defTabSz="990600">
+              <a:defRPr kumimoji="1" sz="4000" b="1">
+                <a:solidFill>
+                  <a:srgbClr val="000000"/>
+                </a:solidFill>
+                <a:latin typeface="Arial" charset="0"/>
+              </a:defRPr>
+            </a:lvl1pPr>
+            <a:lvl2pPr marL="776288" indent="-298450" defTabSz="990600">
+              <a:defRPr kumimoji="1" sz="4000" b="1">
+                <a:solidFill>
+                  <a:srgbClr val="000000"/>
+                </a:solidFill>
+                <a:latin typeface="Arial" charset="0"/>
+              </a:defRPr>
+            </a:lvl2pPr>
+            <a:lvl3pPr marL="1193800" indent="-238125" defTabSz="990600">
+              <a:defRPr kumimoji="1" sz="4000" b="1">
+                <a:solidFill>
+                  <a:srgbClr val="000000"/>
+                </a:solidFill>
+                <a:latin typeface="Arial" charset="0"/>
+              </a:defRPr>
+            </a:lvl3pPr>
+            <a:lvl4pPr marL="1671638" indent="-239713" defTabSz="990600">
+              <a:defRPr kumimoji="1" sz="4000" b="1">
+                <a:solidFill>
+                  <a:srgbClr val="000000"/>
+                </a:solidFill>
+                <a:latin typeface="Arial" charset="0"/>
+              </a:defRPr>
+            </a:lvl4pPr>
+            <a:lvl5pPr marL="2149475" indent="-239713" defTabSz="990600">
+              <a:defRPr kumimoji="1" sz="4000" b="1">
+                <a:solidFill>
+                  <a:srgbClr val="000000"/>
+                </a:solidFill>
+                <a:latin typeface="Arial" charset="0"/>
+              </a:defRPr>
+            </a:lvl5pPr>
+            <a:lvl6pPr marL="2606675" indent="-239713" defTabSz="990600" eaLnBrk="0" fontAlgn="base" hangingPunct="0">
+              <a:lnSpc>
+                <a:spcPct val="85000"/>
+              </a:lnSpc>
+              <a:spcBef>
+                <a:spcPct val="0"/>
+              </a:spcBef>
+              <a:spcAft>
+                <a:spcPct val="0"/>
+              </a:spcAft>
+              <a:defRPr kumimoji="1" sz="4000" b="1">
+                <a:solidFill>
+                  <a:srgbClr val="000000"/>
+                </a:solidFill>
+                <a:latin typeface="Arial" charset="0"/>
+              </a:defRPr>
+            </a:lvl6pPr>
+            <a:lvl7pPr marL="3063875" indent="-239713" defTabSz="990600" eaLnBrk="0" fontAlgn="base" hangingPunct="0">
+              <a:lnSpc>
+                <a:spcPct val="85000"/>
+              </a:lnSpc>
+              <a:spcBef>
+                <a:spcPct val="0"/>
+              </a:spcBef>
+              <a:spcAft>
+                <a:spcPct val="0"/>
+              </a:spcAft>
+              <a:defRPr kumimoji="1" sz="4000" b="1">
+                <a:solidFill>
+                  <a:srgbClr val="000000"/>
+                </a:solidFill>
+                <a:latin typeface="Arial" charset="0"/>
+              </a:defRPr>
+            </a:lvl7pPr>
+            <a:lvl8pPr marL="3521075" indent="-239713" defTabSz="990600" eaLnBrk="0" fontAlgn="base" hangingPunct="0">
+              <a:lnSpc>
+                <a:spcPct val="85000"/>
+              </a:lnSpc>
+              <a:spcBef>
+                <a:spcPct val="0"/>
+              </a:spcBef>
+              <a:spcAft>
+                <a:spcPct val="0"/>
+              </a:spcAft>
+              <a:defRPr kumimoji="1" sz="4000" b="1">
+                <a:solidFill>
+                  <a:srgbClr val="000000"/>
+                </a:solidFill>
+                <a:latin typeface="Arial" charset="0"/>
+              </a:defRPr>
+            </a:lvl8pPr>
+            <a:lvl9pPr marL="3978275" indent="-239713" defTabSz="990600" eaLnBrk="0" fontAlgn="base" hangingPunct="0">
+              <a:lnSpc>
+                <a:spcPct val="85000"/>
+              </a:lnSpc>
+              <a:spcBef>
+                <a:spcPct val="0"/>
+              </a:spcBef>
+              <a:spcAft>
+                <a:spcPct val="0"/>
+              </a:spcAft>
+              <a:defRPr kumimoji="1" sz="4000" b="1">
+                <a:solidFill>
+                  <a:srgbClr val="000000"/>
+                </a:solidFill>
+                <a:latin typeface="Arial" charset="0"/>
+              </a:defRPr>
+            </a:lvl9pPr>
+          </a:lstStyle>
+          <a:p>
+            <a:r>
+              <a:rPr lang="en-US" sz="1100" b="0" dirty="0">
+                <a:solidFill>
+                  <a:schemeClr val="tx1"/>
+                </a:solidFill>
+              </a:rPr>
+              <a:t>(c) 2005 National Academy for Software Development - http://academy.devbg.org. All rights reserved. Unauthorized copying or re-distribution is strictly prohibited.*</a:t>
+            </a:r>
+            <a:endParaRPr lang="en-US" sz="1300" b="0" i="0" dirty="0">
+              <a:solidFill>
+                <a:schemeClr val="tx1"/>
+              </a:solidFill>
+            </a:endParaRPr>
+          </a:p>
+        </p:txBody>
+      </p:sp>
+      <p:sp>
+        <p:nvSpPr>
+          <p:cNvPr id="50181" name="Rectangle 7"/>
+          <p:cNvSpPr>
+            <a:spLocks noGrp="1" noChangeArrowheads="1"/>
+          </p:cNvSpPr>
+          <p:nvPr>
+            <p:ph type="sldNum" sz="quarter" idx="5"/>
+          </p:nvPr>
+        </p:nvSpPr>
+        <p:spPr/>
+        <p:txBody>
+          <a:bodyPr/>
+          <a:lstStyle>
+            <a:lvl1pPr defTabSz="990600">
+              <a:defRPr kumimoji="1" sz="4000" b="1">
+                <a:solidFill>
+                  <a:srgbClr val="000000"/>
+                </a:solidFill>
+                <a:latin typeface="Arial" charset="0"/>
+              </a:defRPr>
+            </a:lvl1pPr>
+            <a:lvl2pPr marL="776288" indent="-298450" defTabSz="990600">
+              <a:defRPr kumimoji="1" sz="4000" b="1">
+                <a:solidFill>
+                  <a:srgbClr val="000000"/>
+                </a:solidFill>
+                <a:latin typeface="Arial" charset="0"/>
+              </a:defRPr>
+            </a:lvl2pPr>
+            <a:lvl3pPr marL="1193800" indent="-238125" defTabSz="990600">
+              <a:defRPr kumimoji="1" sz="4000" b="1">
+                <a:solidFill>
+                  <a:srgbClr val="000000"/>
+                </a:solidFill>
+                <a:latin typeface="Arial" charset="0"/>
+              </a:defRPr>
+            </a:lvl3pPr>
+            <a:lvl4pPr marL="1671638" indent="-239713" defTabSz="990600">
+              <a:defRPr kumimoji="1" sz="4000" b="1">
+                <a:solidFill>
+                  <a:srgbClr val="000000"/>
+                </a:solidFill>
+                <a:latin typeface="Arial" charset="0"/>
+              </a:defRPr>
+            </a:lvl4pPr>
+            <a:lvl5pPr marL="2149475" indent="-239713" defTabSz="990600">
+              <a:defRPr kumimoji="1" sz="4000" b="1">
+                <a:solidFill>
+                  <a:srgbClr val="000000"/>
+                </a:solidFill>
+                <a:latin typeface="Arial" charset="0"/>
+              </a:defRPr>
+            </a:lvl5pPr>
+            <a:lvl6pPr marL="2606675" indent="-239713" defTabSz="990600" eaLnBrk="0" fontAlgn="base" hangingPunct="0">
+              <a:lnSpc>
+                <a:spcPct val="85000"/>
+              </a:lnSpc>
+              <a:spcBef>
+                <a:spcPct val="0"/>
+              </a:spcBef>
+              <a:spcAft>
+                <a:spcPct val="0"/>
+              </a:spcAft>
+              <a:defRPr kumimoji="1" sz="4000" b="1">
+                <a:solidFill>
+                  <a:srgbClr val="000000"/>
+                </a:solidFill>
+                <a:latin typeface="Arial" charset="0"/>
+              </a:defRPr>
+            </a:lvl6pPr>
+            <a:lvl7pPr marL="3063875" indent="-239713" defTabSz="990600" eaLnBrk="0" fontAlgn="base" hangingPunct="0">
+              <a:lnSpc>
+                <a:spcPct val="85000"/>
+              </a:lnSpc>
+              <a:spcBef>
+                <a:spcPct val="0"/>
+              </a:spcBef>
+              <a:spcAft>
+                <a:spcPct val="0"/>
+              </a:spcAft>
+              <a:defRPr kumimoji="1" sz="4000" b="1">
+                <a:solidFill>
+                  <a:srgbClr val="000000"/>
+                </a:solidFill>
+                <a:latin typeface="Arial" charset="0"/>
+              </a:defRPr>
+            </a:lvl7pPr>
+            <a:lvl8pPr marL="3521075" indent="-239713" defTabSz="990600" eaLnBrk="0" fontAlgn="base" hangingPunct="0">
+              <a:lnSpc>
+                <a:spcPct val="85000"/>
+              </a:lnSpc>
+              <a:spcBef>
+                <a:spcPct val="0"/>
+              </a:spcBef>
+              <a:spcAft>
+                <a:spcPct val="0"/>
+              </a:spcAft>
+              <a:defRPr kumimoji="1" sz="4000" b="1">
+                <a:solidFill>
+                  <a:srgbClr val="000000"/>
+                </a:solidFill>
+                <a:latin typeface="Arial" charset="0"/>
+              </a:defRPr>
+            </a:lvl8pPr>
+            <a:lvl9pPr marL="3978275" indent="-239713" defTabSz="990600" eaLnBrk="0" fontAlgn="base" hangingPunct="0">
+              <a:lnSpc>
+                <a:spcPct val="85000"/>
+              </a:lnSpc>
+              <a:spcBef>
+                <a:spcPct val="0"/>
+              </a:spcBef>
+              <a:spcAft>
+                <a:spcPct val="0"/>
+              </a:spcAft>
+              <a:defRPr kumimoji="1" sz="4000" b="1">
+                <a:solidFill>
+                  <a:srgbClr val="000000"/>
+                </a:solidFill>
+                <a:latin typeface="Arial" charset="0"/>
+              </a:defRPr>
+            </a:lvl9pPr>
+          </a:lstStyle>
+          <a:p>
+            <a:fld id="{BE444996-B045-43EC-8E14-9E3A374FC3C1}" type="slidenum">
+              <a:rPr lang="en-US" sz="1100" b="0">
+                <a:solidFill>
+                  <a:schemeClr val="tx1"/>
+                </a:solidFill>
+              </a:rPr>
+              <a:pPr/>
+              <a:t>32</a:t>
+            </a:fld>
+            <a:r>
+              <a:rPr lang="en-US" sz="1100" b="0" dirty="0">
+                <a:solidFill>
+                  <a:schemeClr val="tx1"/>
+                </a:solidFill>
+              </a:rPr>
+              <a:t>##</a:t>
+            </a:r>
+            <a:endParaRPr lang="en-US" sz="1300" b="0" i="0" dirty="0">
+              <a:solidFill>
+                <a:schemeClr val="tx1"/>
+              </a:solidFill>
+            </a:endParaRPr>
+          </a:p>
+        </p:txBody>
+      </p:sp>
+      <p:sp>
+        <p:nvSpPr>
+          <p:cNvPr id="50182" name="Rectangle 2"/>
+          <p:cNvSpPr>
+            <a:spLocks noGrp="1" noRot="1" noChangeAspect="1" noChangeArrowheads="1" noTextEdit="1"/>
+          </p:cNvSpPr>
+          <p:nvPr>
+            <p:ph type="sldImg"/>
+          </p:nvPr>
+        </p:nvSpPr>
+        <p:spPr>
+          <a:ln/>
+        </p:spPr>
+      </p:sp>
+      <p:sp>
+        <p:nvSpPr>
+          <p:cNvPr id="50183" name="Rectangle 3"/>
+          <p:cNvSpPr>
+            <a:spLocks noGrp="1" noChangeArrowheads="1"/>
+          </p:cNvSpPr>
+          <p:nvPr>
+            <p:ph type="body" idx="1"/>
+          </p:nvPr>
+        </p:nvSpPr>
+        <p:spPr/>
+        <p:txBody>
+          <a:bodyPr/>
+          <a:lstStyle/>
+          <a:p>
+            <a:pPr eaLnBrk="1" hangingPunct="1"/>
+            <a:endParaRPr lang="bg-BG" smtClean="0"/>
+          </a:p>
+        </p:txBody>
+      </p:sp>
+    </p:spTree>
+    <p:extLst>
+      <p:ext uri="{BB962C8B-B14F-4D97-AF65-F5344CB8AC3E}">
+        <p14:creationId xmlns:p14="http://schemas.microsoft.com/office/powerpoint/2010/main" val="1309719148"/>
+      </p:ext>
+    </p:extLst>
+  </p:cSld>
+  <p:clrMapOvr>
+    <a:masterClrMapping/>
+  </p:clrMapOvr>
+</p:notes>
+</file>
+
+<file path=ppt/notesSlides/notesSlide7.xml><?xml version="1.0" encoding="utf-8"?>
+<p:notes xmlns:a="http://schemas.openxmlformats.org/drawingml/2006/main" xmlns:r="http://schemas.openxmlformats.org/officeDocument/2006/relationships" xmlns:p="http://schemas.openxmlformats.org/presentationml/2006/main">
+  <p:cSld>
+    <p:spTree>
+      <p:nvGrpSpPr>
+        <p:cNvPr id="1" name=""/>
+        <p:cNvGrpSpPr/>
+        <p:nvPr/>
+      </p:nvGrpSpPr>
+      <p:grpSpPr>
+        <a:xfrm>
+          <a:off x="0" y="0"/>
+          <a:ext cx="0" cy="0"/>
+          <a:chOff x="0" y="0"/>
+          <a:chExt cx="0" cy="0"/>
+        </a:xfrm>
+      </p:grpSpPr>
+      <p:sp>
+        <p:nvSpPr>
+          <p:cNvPr id="2" name="Контейнер за изображение на слайда 1"/>
+          <p:cNvSpPr>
+            <a:spLocks noGrp="1" noRot="1" noChangeAspect="1"/>
+          </p:cNvSpPr>
+          <p:nvPr>
+            <p:ph type="sldImg"/>
+          </p:nvPr>
+        </p:nvSpPr>
+        <p:spPr/>
+      </p:sp>
+      <p:sp>
+        <p:nvSpPr>
+          <p:cNvPr id="3" name="Контейнер за бележки 2"/>
+          <p:cNvSpPr>
+            <a:spLocks noGrp="1"/>
+          </p:cNvSpPr>
+          <p:nvPr>
+            <p:ph type="body" idx="1"/>
+          </p:nvPr>
+        </p:nvSpPr>
+        <p:spPr/>
+        <p:txBody>
+          <a:bodyPr/>
+          <a:lstStyle/>
+          <a:p>
+            <a:endParaRPr lang="bg-BG" dirty="0"/>
+          </a:p>
+        </p:txBody>
+      </p:sp>
+      <p:sp>
+        <p:nvSpPr>
+          <p:cNvPr id="4" name="Контейнер за номер на слайда 3"/>
+          <p:cNvSpPr>
+            <a:spLocks noGrp="1"/>
+          </p:cNvSpPr>
+          <p:nvPr>
+            <p:ph type="sldNum" sz="quarter" idx="10"/>
+          </p:nvPr>
+        </p:nvSpPr>
+        <p:spPr/>
+        <p:txBody>
+          <a:bodyPr/>
+          <a:lstStyle/>
+          <a:p>
+            <a:fld id="{6FB4F6EA-423E-42DF-9292-215E7D886C4E}" type="slidenum">
+              <a:rPr lang="en-US" smtClean="0"/>
+              <a:pPr/>
+              <a:t>34</a:t>
+            </a:fld>
+            <a:endParaRPr lang="en-US" dirty="0"/>
+          </a:p>
+        </p:txBody>
+      </p:sp>
+    </p:spTree>
+    <p:extLst>
+      <p:ext uri="{BB962C8B-B14F-4D97-AF65-F5344CB8AC3E}">
+        <p14:creationId xmlns:p14="http://schemas.microsoft.com/office/powerpoint/2010/main" val="2968209395"/>
+      </p:ext>
+    </p:extLst>
+  </p:cSld>
+  <p:clrMapOvr>
+    <a:masterClrMapping/>
+  </p:clrMapOvr>
+</p:notes>
+</file>
+
+<file path=ppt/notesSlides/notesSlide8.xml><?xml version="1.0" encoding="utf-8"?>
+<p:notes xmlns:a="http://schemas.openxmlformats.org/drawingml/2006/main" xmlns:r="http://schemas.openxmlformats.org/officeDocument/2006/relationships" xmlns:p="http://schemas.openxmlformats.org/presentationml/2006/main">
+  <p:cSld>
+    <p:spTree>
+      <p:nvGrpSpPr>
+        <p:cNvPr id="1" name=""/>
+        <p:cNvGrpSpPr/>
+        <p:nvPr/>
+      </p:nvGrpSpPr>
+      <p:grpSpPr>
+        <a:xfrm>
+          <a:off x="0" y="0"/>
+          <a:ext cx="0" cy="0"/>
+          <a:chOff x="0" y="0"/>
+          <a:chExt cx="0" cy="0"/>
+        </a:xfrm>
+      </p:grpSpPr>
+      <p:sp>
+        <p:nvSpPr>
+          <p:cNvPr id="2" name="Контейнер за изображение на слайда 1"/>
+          <p:cNvSpPr>
+            <a:spLocks noGrp="1" noRot="1" noChangeAspect="1"/>
+          </p:cNvSpPr>
+          <p:nvPr>
+            <p:ph type="sldImg"/>
+          </p:nvPr>
+        </p:nvSpPr>
+        <p:spPr/>
+      </p:sp>
+      <p:sp>
+        <p:nvSpPr>
+          <p:cNvPr id="3" name="Контейнер за бележки 2"/>
+          <p:cNvSpPr>
+            <a:spLocks noGrp="1"/>
+          </p:cNvSpPr>
+          <p:nvPr>
+            <p:ph type="body" idx="1"/>
+          </p:nvPr>
+        </p:nvSpPr>
+        <p:spPr/>
+        <p:txBody>
+          <a:bodyPr/>
+          <a:lstStyle/>
+          <a:p>
+            <a:endParaRPr lang="bg-BG" dirty="0"/>
+          </a:p>
+        </p:txBody>
+      </p:sp>
+      <p:sp>
+        <p:nvSpPr>
+          <p:cNvPr id="4" name="Контейнер за номер на слайда 3"/>
+          <p:cNvSpPr>
+            <a:spLocks noGrp="1"/>
+          </p:cNvSpPr>
+          <p:nvPr>
+            <p:ph type="sldNum" sz="quarter" idx="10"/>
+          </p:nvPr>
+        </p:nvSpPr>
+        <p:spPr/>
+        <p:txBody>
+          <a:bodyPr/>
+          <a:lstStyle/>
+          <a:p>
+            <a:fld id="{6FB4F6EA-423E-42DF-9292-215E7D886C4E}" type="slidenum">
+              <a:rPr lang="en-US" smtClean="0"/>
+              <a:pPr/>
+              <a:t>35</a:t>
             </a:fld>
             <a:endParaRPr lang="en-US" dirty="0"/>
           </a:p>
@@ -10775,37 +11591,11 @@
               </a:rPr>
               <a:t>functions</a:t>
             </a:r>
-          </a:p>
-          <a:p>
-            <a:pPr>
-              <a:lnSpc>
-                <a:spcPct val="100000"/>
-              </a:lnSpc>
-            </a:pPr>
-            <a:r>
-              <a:rPr lang="en-US" sz="2800" dirty="0" smtClean="0">
-                <a:solidFill>
-                  <a:srgbClr val="F4FCD8"/>
-                </a:solidFill>
-              </a:rPr>
-              <a:t>Naming </a:t>
-            </a:r>
-            <a:r>
-              <a:rPr lang="en-US" sz="2800" dirty="0" err="1" smtClean="0">
-                <a:solidFill>
-                  <a:srgbClr val="F4FCD8"/>
-                </a:solidFill>
-              </a:rPr>
-              <a:t>convensions</a:t>
-            </a:r>
-            <a:r>
-              <a:rPr lang="en-US" sz="2800" dirty="0" smtClean="0">
-                <a:solidFill>
-                  <a:srgbClr val="F4FCD8"/>
-                </a:solidFill>
-              </a:rPr>
-              <a:t>(move to end!!!!)</a:t>
-            </a:r>
+            <a:endParaRPr lang="en-US" sz="2800" dirty="0" smtClean="0">
+              <a:solidFill>
+                <a:srgbClr val="F4FCD8"/>
+              </a:solidFill>
+            </a:endParaRPr>
           </a:p>
         </p:txBody>
       </p:sp>
@@ -12829,7 +13619,11 @@
             </a:pPr>
             <a:r>
               <a:rPr lang="en-US" dirty="0" smtClean="0"/>
-              <a:t>PHP Language Overview</a:t>
+              <a:t>PHP Language </a:t>
+            </a:r>
+            <a:r>
+              <a:rPr lang="en-US" dirty="0" smtClean="0"/>
+              <a:t>Overview</a:t>
             </a:r>
           </a:p>
           <a:p>
@@ -12842,6 +13636,20 @@
             </a:pPr>
             <a:r>
               <a:rPr lang="en-US" dirty="0" smtClean="0"/>
+              <a:t>PHP OOP Overview</a:t>
+            </a:r>
+            <a:endParaRPr lang="en-US" dirty="0" smtClean="0"/>
+          </a:p>
+          <a:p>
+            <a:pPr marL="514350" indent="-514350">
+              <a:lnSpc>
+                <a:spcPct val="110000"/>
+              </a:lnSpc>
+              <a:buFont typeface="+mj-lt"/>
+              <a:buAutoNum type="arabicPeriod"/>
+            </a:pPr>
+            <a:r>
+              <a:rPr lang="en-US" dirty="0" smtClean="0"/>
               <a:t>Writing a PHP based Web Application</a:t>
             </a:r>
           </a:p>
@@ -12853,7 +13661,15 @@
             </a:pPr>
             <a:r>
               <a:rPr lang="en-US" dirty="0" smtClean="0"/>
-              <a:t>Using Native PHP</a:t>
+              <a:t>Using </a:t>
+            </a:r>
+            <a:r>
+              <a:rPr lang="en-US" dirty="0" smtClean="0"/>
+              <a:t>native </a:t>
+            </a:r>
+            <a:r>
+              <a:rPr lang="en-US" dirty="0" smtClean="0"/>
+              <a:t>PHP</a:t>
             </a:r>
           </a:p>
           <a:p>
@@ -17005,7 +17821,7 @@
           <p:nvPr>
             <p:extLst>
               <p:ext uri="{D42A27DB-BD31-4B8C-83A1-F6EECF244321}">
-                <p14:modId xmlns:p14="http://schemas.microsoft.com/office/powerpoint/2010/main" val="2352515367"/>
+                <p14:modId xmlns:p14="http://schemas.microsoft.com/office/powerpoint/2010/main" val="1420165081"/>
               </p:ext>
             </p:extLst>
           </p:nvPr>
@@ -17018,7 +17834,7 @@
           <a:graphicData uri="http://schemas.openxmlformats.org/drawingml/2006/table">
             <a:tbl>
               <a:tblPr firstRow="1" bandRow="1">
-                <a:tableStyleId>{22838BEF-8BB2-4498-84A7-C5851F593DF1}</a:tableStyleId>
+                <a:tableStyleId>{073A0DAA-6AF3-43AB-8588-CEC1D06C72B9}</a:tableStyleId>
               </a:tblPr>
               <a:tblGrid>
                 <a:gridCol w="2717800"/>
@@ -18529,6 +19345,1616 @@
     <p:extLst>
       <p:ext uri="{BB962C8B-B14F-4D97-AF65-F5344CB8AC3E}">
         <p14:creationId xmlns:p14="http://schemas.microsoft.com/office/powerpoint/2010/main" val="2163116254"/>
+      </p:ext>
+    </p:extLst>
+  </p:cSld>
+  <p:clrMapOvr>
+    <a:masterClrMapping/>
+  </p:clrMapOvr>
+  <p:timing>
+    <p:tnLst>
+      <p:par>
+        <p:cTn id="1" dur="indefinite" restart="never" nodeType="tmRoot"/>
+      </p:par>
+    </p:tnLst>
+  </p:timing>
+</p:sld>
+</file>
+
+<file path=ppt/slides/slide32.xml><?xml version="1.0" encoding="utf-8"?>
+<p:sld xmlns:a="http://schemas.openxmlformats.org/drawingml/2006/main" xmlns:r="http://schemas.openxmlformats.org/officeDocument/2006/relationships" xmlns:p="http://schemas.openxmlformats.org/presentationml/2006/main">
+  <p:cSld>
+    <p:spTree>
+      <p:nvGrpSpPr>
+        <p:cNvPr id="1" name=""/>
+        <p:cNvGrpSpPr/>
+        <p:nvPr/>
+      </p:nvGrpSpPr>
+      <p:grpSpPr>
+        <a:xfrm>
+          <a:off x="0" y="0"/>
+          <a:ext cx="0" cy="0"/>
+          <a:chOff x="0" y="0"/>
+          <a:chExt cx="0" cy="0"/>
+        </a:xfrm>
+      </p:grpSpPr>
+      <p:sp>
+        <p:nvSpPr>
+          <p:cNvPr id="344066" name="Rectangle 2"/>
+          <p:cNvSpPr>
+            <a:spLocks noGrp="1" noChangeArrowheads="1"/>
+          </p:cNvSpPr>
+          <p:nvPr>
+            <p:ph type="ctrTitle"/>
+          </p:nvPr>
+        </p:nvSpPr>
+        <p:spPr>
+          <a:xfrm>
+            <a:off x="609600" y="4255368"/>
+            <a:ext cx="7924800" cy="1693912"/>
+          </a:xfrm>
+        </p:spPr>
+        <p:txBody>
+          <a:bodyPr/>
+          <a:lstStyle/>
+          <a:p>
+            <a:pPr marL="514350" indent="-514350">
+              <a:lnSpc>
+                <a:spcPct val="110000"/>
+              </a:lnSpc>
+            </a:pPr>
+            <a:r>
+              <a:rPr lang="en-US" dirty="0" smtClean="0"/>
+              <a:t>PHP OOP</a:t>
+            </a:r>
+            <a:endParaRPr lang="en-US" dirty="0"/>
+          </a:p>
+        </p:txBody>
+      </p:sp>
+    </p:spTree>
+    <p:extLst>
+      <p:ext uri="{BB962C8B-B14F-4D97-AF65-F5344CB8AC3E}">
+        <p14:creationId xmlns:p14="http://schemas.microsoft.com/office/powerpoint/2010/main" val="1507035637"/>
+      </p:ext>
+    </p:extLst>
+  </p:cSld>
+  <p:clrMapOvr>
+    <a:masterClrMapping/>
+  </p:clrMapOvr>
+  <mc:AlternateContent xmlns:mc="http://schemas.openxmlformats.org/markup-compatibility/2006" xmlns:p14="http://schemas.microsoft.com/office/powerpoint/2010/main">
+    <mc:Choice Requires="p14">
+      <p:transition spd="slow" p14:dur="2000"/>
+    </mc:Choice>
+    <mc:Fallback xmlns="">
+      <p:transition spd="slow"/>
+    </mc:Fallback>
+  </mc:AlternateContent>
+  <p:timing>
+    <p:tnLst>
+      <p:par>
+        <p:cTn id="1" dur="indefinite" restart="never" nodeType="tmRoot"/>
+      </p:par>
+    </p:tnLst>
+  </p:timing>
+</p:sld>
+</file>
+
+<file path=ppt/slides/slide33.xml><?xml version="1.0" encoding="utf-8"?>
+<p:sld xmlns:a="http://schemas.openxmlformats.org/drawingml/2006/main" xmlns:r="http://schemas.openxmlformats.org/officeDocument/2006/relationships" xmlns:p="http://schemas.openxmlformats.org/presentationml/2006/main">
+  <p:cSld>
+    <p:spTree>
+      <p:nvGrpSpPr>
+        <p:cNvPr id="1" name=""/>
+        <p:cNvGrpSpPr/>
+        <p:nvPr/>
+      </p:nvGrpSpPr>
+      <p:grpSpPr>
+        <a:xfrm>
+          <a:off x="0" y="0"/>
+          <a:ext cx="0" cy="0"/>
+          <a:chOff x="0" y="0"/>
+          <a:chExt cx="0" cy="0"/>
+        </a:xfrm>
+      </p:grpSpPr>
+      <p:sp>
+        <p:nvSpPr>
+          <p:cNvPr id="2" name="Title 1"/>
+          <p:cNvSpPr>
+            <a:spLocks noGrp="1"/>
+          </p:cNvSpPr>
+          <p:nvPr>
+            <p:ph type="title"/>
+          </p:nvPr>
+        </p:nvSpPr>
+        <p:spPr>
+          <a:xfrm>
+            <a:off x="1828800" y="162086"/>
+            <a:ext cx="7086600" cy="914400"/>
+          </a:xfrm>
+        </p:spPr>
+        <p:txBody>
+          <a:bodyPr/>
+          <a:lstStyle/>
+          <a:p>
+            <a:r>
+              <a:rPr lang="en-US" dirty="0" smtClean="0"/>
+              <a:t>PHP </a:t>
+            </a:r>
+            <a:r>
+              <a:rPr lang="en-US" dirty="0" smtClean="0"/>
+              <a:t>OOP</a:t>
+            </a:r>
+            <a:endParaRPr lang="en-US" dirty="0"/>
+          </a:p>
+        </p:txBody>
+      </p:sp>
+      <p:sp>
+        <p:nvSpPr>
+          <p:cNvPr id="3" name="Content Placeholder 2"/>
+          <p:cNvSpPr>
+            <a:spLocks noGrp="1"/>
+          </p:cNvSpPr>
+          <p:nvPr>
+            <p:ph idx="1"/>
+          </p:nvPr>
+        </p:nvSpPr>
+        <p:spPr>
+          <a:xfrm>
+            <a:off x="228600" y="1371600"/>
+            <a:ext cx="8686800" cy="3651348"/>
+          </a:xfrm>
+        </p:spPr>
+        <p:txBody>
+          <a:bodyPr/>
+          <a:lstStyle/>
+          <a:p>
+            <a:pPr>
+              <a:lnSpc>
+                <a:spcPct val="100000"/>
+              </a:lnSpc>
+            </a:pPr>
+            <a:r>
+              <a:rPr lang="en-US" sz="2800" dirty="0" smtClean="0">
+                <a:solidFill>
+                  <a:srgbClr val="F4FCD8"/>
+                </a:solidFill>
+              </a:rPr>
+              <a:t>Creating a “simple” class</a:t>
+            </a:r>
+            <a:endParaRPr lang="en-US" sz="2800" dirty="0" smtClean="0">
+              <a:solidFill>
+                <a:srgbClr val="F4FCD8"/>
+              </a:solidFill>
+            </a:endParaRPr>
+          </a:p>
+          <a:p>
+            <a:pPr>
+              <a:lnSpc>
+                <a:spcPct val="100000"/>
+              </a:lnSpc>
+            </a:pPr>
+            <a:r>
+              <a:rPr lang="en-US" sz="2800" dirty="0" smtClean="0">
+                <a:solidFill>
+                  <a:srgbClr val="F4FCD8"/>
+                </a:solidFill>
+              </a:rPr>
+              <a:t>Extending classes</a:t>
+            </a:r>
+            <a:endParaRPr lang="en-US" sz="2800" dirty="0" smtClean="0">
+              <a:solidFill>
+                <a:srgbClr val="F4FCD8"/>
+              </a:solidFill>
+            </a:endParaRPr>
+          </a:p>
+          <a:p>
+            <a:pPr>
+              <a:lnSpc>
+                <a:spcPct val="100000"/>
+              </a:lnSpc>
+            </a:pPr>
+            <a:r>
+              <a:rPr lang="en-US" sz="2800" dirty="0" smtClean="0">
+                <a:solidFill>
+                  <a:srgbClr val="F4FCD8"/>
+                </a:solidFill>
+              </a:rPr>
+              <a:t>Utility classes</a:t>
+            </a:r>
+            <a:endParaRPr lang="en-US" sz="2800" dirty="0" smtClean="0">
+              <a:solidFill>
+                <a:srgbClr val="F4FCD8"/>
+              </a:solidFill>
+            </a:endParaRPr>
+          </a:p>
+          <a:p>
+            <a:pPr>
+              <a:lnSpc>
+                <a:spcPct val="100000"/>
+              </a:lnSpc>
+            </a:pPr>
+            <a:r>
+              <a:rPr lang="en-US" sz="2800" dirty="0" smtClean="0">
+                <a:solidFill>
+                  <a:srgbClr val="F4FCD8"/>
+                </a:solidFill>
+              </a:rPr>
+              <a:t>Interfaces</a:t>
+            </a:r>
+            <a:endParaRPr lang="en-US" sz="2800" dirty="0" smtClean="0">
+              <a:solidFill>
+                <a:srgbClr val="F4FCD8"/>
+              </a:solidFill>
+            </a:endParaRPr>
+          </a:p>
+          <a:p>
+            <a:pPr>
+              <a:lnSpc>
+                <a:spcPct val="100000"/>
+              </a:lnSpc>
+            </a:pPr>
+            <a:r>
+              <a:rPr lang="en-US" sz="2800" dirty="0" smtClean="0">
+                <a:solidFill>
+                  <a:srgbClr val="F4FCD8"/>
+                </a:solidFill>
+              </a:rPr>
+              <a:t>Enumeration like abstract classes</a:t>
+            </a:r>
+            <a:endParaRPr lang="en-US" sz="2800" dirty="0" smtClean="0">
+              <a:solidFill>
+                <a:srgbClr val="F4FCD8"/>
+              </a:solidFill>
+            </a:endParaRPr>
+          </a:p>
+          <a:p>
+            <a:pPr>
+              <a:lnSpc>
+                <a:spcPct val="100000"/>
+              </a:lnSpc>
+            </a:pPr>
+            <a:r>
+              <a:rPr lang="en-US" sz="2800" dirty="0" smtClean="0">
+                <a:solidFill>
+                  <a:srgbClr val="F4FCD8"/>
+                </a:solidFill>
+              </a:rPr>
+              <a:t>Using design patterns</a:t>
+            </a:r>
+          </a:p>
+          <a:p>
+            <a:pPr>
+              <a:lnSpc>
+                <a:spcPct val="100000"/>
+              </a:lnSpc>
+            </a:pPr>
+            <a:r>
+              <a:rPr lang="en-US" sz="2800" dirty="0" smtClean="0">
+                <a:solidFill>
+                  <a:srgbClr val="F4FCD8"/>
+                </a:solidFill>
+              </a:rPr>
+              <a:t>Naming </a:t>
+            </a:r>
+            <a:r>
+              <a:rPr lang="en-US" sz="2800" dirty="0" err="1" smtClean="0">
+                <a:solidFill>
+                  <a:srgbClr val="F4FCD8"/>
+                </a:solidFill>
+              </a:rPr>
+              <a:t>convensions</a:t>
+            </a:r>
+            <a:endParaRPr lang="en-US" sz="2800" dirty="0" smtClean="0">
+              <a:solidFill>
+                <a:srgbClr val="F4FCD8"/>
+              </a:solidFill>
+            </a:endParaRPr>
+          </a:p>
+        </p:txBody>
+      </p:sp>
+    </p:spTree>
+    <p:extLst>
+      <p:ext uri="{BB962C8B-B14F-4D97-AF65-F5344CB8AC3E}">
+        <p14:creationId xmlns:p14="http://schemas.microsoft.com/office/powerpoint/2010/main" val="2737008221"/>
+      </p:ext>
+    </p:extLst>
+  </p:cSld>
+  <p:clrMapOvr>
+    <a:masterClrMapping/>
+  </p:clrMapOvr>
+  <p:timing>
+    <p:tnLst>
+      <p:par>
+        <p:cTn id="1" dur="indefinite" restart="never" nodeType="tmRoot"/>
+      </p:par>
+    </p:tnLst>
+  </p:timing>
+</p:sld>
+</file>
+
+<file path=ppt/slides/slide34.xml><?xml version="1.0" encoding="utf-8"?>
+<p:sld xmlns:a="http://schemas.openxmlformats.org/drawingml/2006/main" xmlns:r="http://schemas.openxmlformats.org/officeDocument/2006/relationships" xmlns:p="http://schemas.openxmlformats.org/presentationml/2006/main">
+  <p:cSld>
+    <p:spTree>
+      <p:nvGrpSpPr>
+        <p:cNvPr id="1" name=""/>
+        <p:cNvGrpSpPr/>
+        <p:nvPr/>
+      </p:nvGrpSpPr>
+      <p:grpSpPr>
+        <a:xfrm>
+          <a:off x="0" y="0"/>
+          <a:ext cx="0" cy="0"/>
+          <a:chOff x="0" y="0"/>
+          <a:chExt cx="0" cy="0"/>
+        </a:xfrm>
+      </p:grpSpPr>
+      <p:sp>
+        <p:nvSpPr>
+          <p:cNvPr id="2" name="Title 1"/>
+          <p:cNvSpPr>
+            <a:spLocks noGrp="1"/>
+          </p:cNvSpPr>
+          <p:nvPr>
+            <p:ph type="title"/>
+          </p:nvPr>
+        </p:nvSpPr>
+        <p:spPr>
+          <a:xfrm>
+            <a:off x="1828800" y="162086"/>
+            <a:ext cx="7086600" cy="914400"/>
+          </a:xfrm>
+        </p:spPr>
+        <p:txBody>
+          <a:bodyPr/>
+          <a:lstStyle/>
+          <a:p>
+            <a:r>
+              <a:rPr lang="en-US" dirty="0" smtClean="0"/>
+              <a:t>Naming </a:t>
+            </a:r>
+            <a:r>
+              <a:rPr lang="en-US" dirty="0" err="1" smtClean="0"/>
+              <a:t>convensions</a:t>
+            </a:r>
+            <a:endParaRPr lang="en-US" dirty="0"/>
+          </a:p>
+        </p:txBody>
+      </p:sp>
+      <p:graphicFrame>
+        <p:nvGraphicFramePr>
+          <p:cNvPr id="6" name="Контейнер за съдържание 5"/>
+          <p:cNvGraphicFramePr>
+            <a:graphicFrameLocks noGrp="1"/>
+          </p:cNvGraphicFramePr>
+          <p:nvPr>
+            <p:ph idx="1"/>
+            <p:extLst>
+              <p:ext uri="{D42A27DB-BD31-4B8C-83A1-F6EECF244321}">
+                <p14:modId xmlns:p14="http://schemas.microsoft.com/office/powerpoint/2010/main" val="3978952508"/>
+              </p:ext>
+            </p:extLst>
+          </p:nvPr>
+        </p:nvGraphicFramePr>
+        <p:xfrm>
+          <a:off x="457200" y="2438400"/>
+          <a:ext cx="8229600" cy="3230436"/>
+        </p:xfrm>
+        <a:graphic>
+          <a:graphicData uri="http://schemas.openxmlformats.org/drawingml/2006/table">
+            <a:tbl>
+              <a:tblPr firstRow="1" bandRow="1">
+                <a:tableStyleId>{073A0DAA-6AF3-43AB-8588-CEC1D06C72B9}</a:tableStyleId>
+              </a:tblPr>
+              <a:tblGrid>
+                <a:gridCol w="1371600"/>
+                <a:gridCol w="1371600"/>
+                <a:gridCol w="1371600"/>
+                <a:gridCol w="1371600"/>
+                <a:gridCol w="1371600"/>
+                <a:gridCol w="1371600"/>
+              </a:tblGrid>
+              <a:tr h="375191">
+                <a:tc>
+                  <a:txBody>
+                    <a:bodyPr/>
+                    <a:lstStyle/>
+                    <a:p>
+                      <a:r>
+                        <a:rPr lang="en-GB" dirty="0" smtClean="0"/>
+                        <a:t> PHP Project </a:t>
+                      </a:r>
+                      <a:endParaRPr lang="bg-BG" dirty="0"/>
+                    </a:p>
+                  </a:txBody>
+                  <a:tcPr/>
+                </a:tc>
+                <a:tc>
+                  <a:txBody>
+                    <a:bodyPr/>
+                    <a:lstStyle/>
+                    <a:p>
+                      <a:r>
+                        <a:rPr lang="en-GB" dirty="0" smtClean="0"/>
+                        <a:t>Classes</a:t>
+                      </a:r>
+                      <a:endParaRPr lang="bg-BG" dirty="0"/>
+                    </a:p>
+                  </a:txBody>
+                  <a:tcPr/>
+                </a:tc>
+                <a:tc>
+                  <a:txBody>
+                    <a:bodyPr/>
+                    <a:lstStyle/>
+                    <a:p>
+                      <a:r>
+                        <a:rPr lang="en-GB" dirty="0" smtClean="0"/>
+                        <a:t>Methods</a:t>
+                      </a:r>
+                      <a:endParaRPr lang="bg-BG" dirty="0"/>
+                    </a:p>
+                  </a:txBody>
+                  <a:tcPr/>
+                </a:tc>
+                <a:tc>
+                  <a:txBody>
+                    <a:bodyPr/>
+                    <a:lstStyle/>
+                    <a:p>
+                      <a:r>
+                        <a:rPr lang="en-GB" dirty="0" smtClean="0"/>
+                        <a:t>Properties</a:t>
+                      </a:r>
+                      <a:endParaRPr lang="bg-BG" dirty="0"/>
+                    </a:p>
+                  </a:txBody>
+                  <a:tcPr/>
+                </a:tc>
+                <a:tc>
+                  <a:txBody>
+                    <a:bodyPr/>
+                    <a:lstStyle/>
+                    <a:p>
+                      <a:r>
+                        <a:rPr lang="en-GB" dirty="0" smtClean="0"/>
+                        <a:t>Functions</a:t>
+                      </a:r>
+                      <a:endParaRPr lang="bg-BG" dirty="0"/>
+                    </a:p>
+                  </a:txBody>
+                  <a:tcPr/>
+                </a:tc>
+                <a:tc>
+                  <a:txBody>
+                    <a:bodyPr/>
+                    <a:lstStyle/>
+                    <a:p>
+                      <a:r>
+                        <a:rPr lang="en-GB" dirty="0" smtClean="0"/>
+                        <a:t>Variables</a:t>
+                      </a:r>
+                      <a:endParaRPr lang="bg-BG" dirty="0"/>
+                    </a:p>
+                  </a:txBody>
+                  <a:tcPr/>
+                </a:tc>
+              </a:tr>
+              <a:tr h="647589">
+                <a:tc>
+                  <a:txBody>
+                    <a:bodyPr/>
+                    <a:lstStyle/>
+                    <a:p>
+                      <a:r>
+                        <a:rPr lang="en-GB" dirty="0" err="1" smtClean="0"/>
+                        <a:t>CakePHP</a:t>
+                      </a:r>
+                      <a:r>
+                        <a:rPr lang="en-GB" dirty="0" smtClean="0"/>
+                        <a:t> Framework</a:t>
+                      </a:r>
+                      <a:endParaRPr lang="bg-BG" dirty="0"/>
+                    </a:p>
+                  </a:txBody>
+                  <a:tcPr/>
+                </a:tc>
+                <a:tc>
+                  <a:txBody>
+                    <a:bodyPr/>
+                    <a:lstStyle/>
+                    <a:p>
+                      <a:r>
+                        <a:rPr lang="en-GB" dirty="0" err="1" smtClean="0"/>
+                        <a:t>PascalCase</a:t>
+                      </a:r>
+                      <a:endParaRPr lang="bg-BG" dirty="0"/>
+                    </a:p>
+                  </a:txBody>
+                  <a:tcPr/>
+                </a:tc>
+                <a:tc>
+                  <a:txBody>
+                    <a:bodyPr/>
+                    <a:lstStyle/>
+                    <a:p>
+                      <a:r>
+                        <a:rPr lang="en-GB" dirty="0" err="1" smtClean="0"/>
+                        <a:t>camelCase</a:t>
+                      </a:r>
+                      <a:endParaRPr lang="bg-BG" dirty="0"/>
+                    </a:p>
+                  </a:txBody>
+                  <a:tcPr/>
+                </a:tc>
+                <a:tc>
+                  <a:txBody>
+                    <a:bodyPr/>
+                    <a:lstStyle/>
+                    <a:p>
+                      <a:r>
+                        <a:rPr lang="en-GB" dirty="0" err="1" smtClean="0"/>
+                        <a:t>camelCase</a:t>
+                      </a:r>
+                      <a:endParaRPr lang="bg-BG" dirty="0"/>
+                    </a:p>
+                  </a:txBody>
+                  <a:tcPr/>
+                </a:tc>
+                <a:tc>
+                  <a:txBody>
+                    <a:bodyPr/>
+                    <a:lstStyle/>
+                    <a:p>
+                      <a:r>
+                        <a:rPr lang="en-GB" dirty="0" err="1" smtClean="0"/>
+                        <a:t>camelCase</a:t>
+                      </a:r>
+                      <a:endParaRPr lang="bg-BG" dirty="0"/>
+                    </a:p>
+                  </a:txBody>
+                  <a:tcPr/>
+                </a:tc>
+                <a:tc>
+                  <a:txBody>
+                    <a:bodyPr/>
+                    <a:lstStyle/>
+                    <a:p>
+                      <a:r>
+                        <a:rPr lang="en-GB" dirty="0" err="1" smtClean="0"/>
+                        <a:t>camelCase</a:t>
+                      </a:r>
+                      <a:endParaRPr lang="bg-BG" dirty="0"/>
+                    </a:p>
+                  </a:txBody>
+                  <a:tcPr/>
+                </a:tc>
+              </a:tr>
+              <a:tr h="647589">
+                <a:tc>
+                  <a:txBody>
+                    <a:bodyPr/>
+                    <a:lstStyle/>
+                    <a:p>
+                      <a:r>
+                        <a:rPr lang="en-GB" dirty="0" err="1" smtClean="0"/>
+                        <a:t>CodeIgniter</a:t>
+                      </a:r>
+                      <a:r>
+                        <a:rPr lang="en-GB" dirty="0" smtClean="0"/>
+                        <a:t> Framework</a:t>
+                      </a:r>
+                      <a:endParaRPr lang="bg-BG" dirty="0"/>
+                    </a:p>
+                  </a:txBody>
+                  <a:tcPr/>
+                </a:tc>
+                <a:tc>
+                  <a:txBody>
+                    <a:bodyPr/>
+                    <a:lstStyle/>
+                    <a:p>
+                      <a:r>
+                        <a:rPr lang="en-US" dirty="0" err="1" smtClean="0"/>
+                        <a:t>Proper_Case</a:t>
+                      </a:r>
+                      <a:endParaRPr lang="bg-BG" dirty="0"/>
+                    </a:p>
+                  </a:txBody>
+                  <a:tcPr/>
+                </a:tc>
+                <a:tc>
+                  <a:txBody>
+                    <a:bodyPr/>
+                    <a:lstStyle/>
+                    <a:p>
+                      <a:r>
+                        <a:rPr lang="en-US" dirty="0" err="1" smtClean="0"/>
+                        <a:t>lower_case</a:t>
+                      </a:r>
+                      <a:r>
+                        <a:rPr lang="en-US" dirty="0" smtClean="0"/>
+                        <a:t> </a:t>
+                      </a:r>
+                      <a:endParaRPr lang="bg-BG" dirty="0"/>
+                    </a:p>
+                  </a:txBody>
+                  <a:tcPr/>
+                </a:tc>
+                <a:tc>
+                  <a:txBody>
+                    <a:bodyPr/>
+                    <a:lstStyle/>
+                    <a:p>
+                      <a:r>
+                        <a:rPr lang="en-US" dirty="0" err="1" smtClean="0"/>
+                        <a:t>lower_case</a:t>
+                      </a:r>
+                      <a:r>
+                        <a:rPr lang="en-US" dirty="0" smtClean="0"/>
+                        <a:t> </a:t>
+                      </a:r>
+                      <a:endParaRPr lang="bg-BG" dirty="0"/>
+                    </a:p>
+                  </a:txBody>
+                  <a:tcPr/>
+                </a:tc>
+                <a:tc>
+                  <a:txBody>
+                    <a:bodyPr/>
+                    <a:lstStyle/>
+                    <a:p>
+                      <a:r>
+                        <a:rPr lang="en-US" dirty="0" err="1" smtClean="0"/>
+                        <a:t>lower_case</a:t>
+                      </a:r>
+                      <a:r>
+                        <a:rPr lang="en-US" dirty="0" smtClean="0"/>
+                        <a:t> </a:t>
+                      </a:r>
+                      <a:endParaRPr lang="bg-BG" dirty="0"/>
+                    </a:p>
+                  </a:txBody>
+                  <a:tcPr/>
+                </a:tc>
+                <a:tc>
+                  <a:txBody>
+                    <a:bodyPr/>
+                    <a:lstStyle/>
+                    <a:p>
+                      <a:r>
+                        <a:rPr lang="en-US" dirty="0" err="1" smtClean="0"/>
+                        <a:t>lower_case</a:t>
+                      </a:r>
+                      <a:r>
+                        <a:rPr lang="en-US" dirty="0" smtClean="0"/>
+                        <a:t> </a:t>
+                      </a:r>
+                      <a:endParaRPr lang="bg-BG" dirty="0"/>
+                    </a:p>
+                  </a:txBody>
+                  <a:tcPr/>
+                </a:tc>
+              </a:tr>
+              <a:tr h="647589">
+                <a:tc>
+                  <a:txBody>
+                    <a:bodyPr/>
+                    <a:lstStyle/>
+                    <a:p>
+                      <a:r>
+                        <a:rPr lang="en-GB" dirty="0" err="1" smtClean="0"/>
+                        <a:t>Symfony</a:t>
+                      </a:r>
+                      <a:r>
+                        <a:rPr lang="en-GB" dirty="0" smtClean="0"/>
+                        <a:t> Framework</a:t>
+                      </a:r>
+                      <a:endParaRPr lang="bg-BG" dirty="0"/>
+                    </a:p>
+                  </a:txBody>
+                  <a:tcPr/>
+                </a:tc>
+                <a:tc>
+                  <a:txBody>
+                    <a:bodyPr/>
+                    <a:lstStyle/>
+                    <a:p>
+                      <a:r>
+                        <a:rPr lang="en-GB" dirty="0" err="1" smtClean="0"/>
+                        <a:t>PascalCase</a:t>
+                      </a:r>
+                      <a:endParaRPr lang="bg-BG" dirty="0"/>
+                    </a:p>
+                  </a:txBody>
+                  <a:tcPr/>
+                </a:tc>
+                <a:tc>
+                  <a:txBody>
+                    <a:bodyPr/>
+                    <a:lstStyle/>
+                    <a:p>
+                      <a:r>
+                        <a:rPr lang="en-GB" dirty="0" err="1" smtClean="0"/>
+                        <a:t>camelCase</a:t>
+                      </a:r>
+                      <a:endParaRPr lang="bg-BG" dirty="0"/>
+                    </a:p>
+                  </a:txBody>
+                  <a:tcPr/>
+                </a:tc>
+                <a:tc>
+                  <a:txBody>
+                    <a:bodyPr/>
+                    <a:lstStyle/>
+                    <a:p>
+                      <a:r>
+                        <a:rPr lang="en-GB" dirty="0" err="1" smtClean="0"/>
+                        <a:t>camelCase</a:t>
+                      </a:r>
+                      <a:endParaRPr lang="bg-BG" dirty="0"/>
+                    </a:p>
+                  </a:txBody>
+                  <a:tcPr/>
+                </a:tc>
+                <a:tc>
+                  <a:txBody>
+                    <a:bodyPr/>
+                    <a:lstStyle/>
+                    <a:p>
+                      <a:r>
+                        <a:rPr lang="en-GB" dirty="0" err="1" smtClean="0"/>
+                        <a:t>camelCase</a:t>
+                      </a:r>
+                      <a:endParaRPr lang="bg-BG" dirty="0"/>
+                    </a:p>
+                  </a:txBody>
+                  <a:tcPr/>
+                </a:tc>
+                <a:tc>
+                  <a:txBody>
+                    <a:bodyPr/>
+                    <a:lstStyle/>
+                    <a:p>
+                      <a:r>
+                        <a:rPr lang="en-GB" dirty="0" err="1" smtClean="0"/>
+                        <a:t>camelCase</a:t>
+                      </a:r>
+                      <a:endParaRPr lang="bg-BG" dirty="0"/>
+                    </a:p>
+                  </a:txBody>
+                  <a:tcPr/>
+                </a:tc>
+              </a:tr>
+              <a:tr h="647589">
+                <a:tc>
+                  <a:txBody>
+                    <a:bodyPr/>
+                    <a:lstStyle/>
+                    <a:p>
+                      <a:r>
+                        <a:rPr lang="en-GB" dirty="0" err="1" smtClean="0"/>
+                        <a:t>Zend</a:t>
+                      </a:r>
+                      <a:r>
+                        <a:rPr lang="en-GB" dirty="0" smtClean="0"/>
+                        <a:t> Framework </a:t>
+                      </a:r>
+                      <a:endParaRPr lang="bg-BG" dirty="0"/>
+                    </a:p>
+                  </a:txBody>
+                  <a:tcPr/>
+                </a:tc>
+                <a:tc>
+                  <a:txBody>
+                    <a:bodyPr/>
+                    <a:lstStyle/>
+                    <a:p>
+                      <a:r>
+                        <a:rPr lang="en-GB" dirty="0" err="1" smtClean="0"/>
+                        <a:t>PascalCase</a:t>
+                      </a:r>
+                      <a:r>
+                        <a:rPr lang="en-GB" dirty="0" smtClean="0"/>
+                        <a:t> </a:t>
+                      </a:r>
+                      <a:endParaRPr lang="bg-BG" dirty="0"/>
+                    </a:p>
+                  </a:txBody>
+                  <a:tcPr/>
+                </a:tc>
+                <a:tc>
+                  <a:txBody>
+                    <a:bodyPr/>
+                    <a:lstStyle/>
+                    <a:p>
+                      <a:r>
+                        <a:rPr lang="en-GB" dirty="0" err="1" smtClean="0"/>
+                        <a:t>camelCase</a:t>
+                      </a:r>
+                      <a:r>
+                        <a:rPr lang="en-GB" dirty="0" smtClean="0"/>
+                        <a:t> </a:t>
+                      </a:r>
+                      <a:endParaRPr lang="bg-BG" dirty="0"/>
+                    </a:p>
+                  </a:txBody>
+                  <a:tcPr/>
+                </a:tc>
+                <a:tc>
+                  <a:txBody>
+                    <a:bodyPr/>
+                    <a:lstStyle/>
+                    <a:p>
+                      <a:r>
+                        <a:rPr lang="en-GB" dirty="0" err="1" smtClean="0"/>
+                        <a:t>camelCase</a:t>
+                      </a:r>
+                      <a:r>
+                        <a:rPr lang="en-GB" dirty="0" smtClean="0"/>
+                        <a:t> </a:t>
+                      </a:r>
+                      <a:endParaRPr lang="bg-BG" dirty="0"/>
+                    </a:p>
+                  </a:txBody>
+                  <a:tcPr/>
+                </a:tc>
+                <a:tc>
+                  <a:txBody>
+                    <a:bodyPr/>
+                    <a:lstStyle/>
+                    <a:p>
+                      <a:r>
+                        <a:rPr lang="en-GB" dirty="0" err="1" smtClean="0"/>
+                        <a:t>camelCase</a:t>
+                      </a:r>
+                      <a:r>
+                        <a:rPr lang="en-GB" dirty="0" smtClean="0"/>
+                        <a:t> </a:t>
+                      </a:r>
+                      <a:endParaRPr lang="bg-BG" dirty="0"/>
+                    </a:p>
+                  </a:txBody>
+                  <a:tcPr/>
+                </a:tc>
+                <a:tc>
+                  <a:txBody>
+                    <a:bodyPr/>
+                    <a:lstStyle/>
+                    <a:p>
+                      <a:r>
+                        <a:rPr lang="en-GB" dirty="0" err="1" smtClean="0"/>
+                        <a:t>camelCase</a:t>
+                      </a:r>
+                      <a:r>
+                        <a:rPr lang="en-GB" dirty="0" smtClean="0"/>
+                        <a:t> </a:t>
+                      </a:r>
+                      <a:endParaRPr lang="bg-BG" dirty="0"/>
+                    </a:p>
+                  </a:txBody>
+                  <a:tcPr/>
+                </a:tc>
+              </a:tr>
+            </a:tbl>
+          </a:graphicData>
+        </a:graphic>
+      </p:graphicFrame>
+      <p:sp>
+        <p:nvSpPr>
+          <p:cNvPr id="9" name="Content Placeholder 2"/>
+          <p:cNvSpPr txBox="1">
+            <a:spLocks/>
+          </p:cNvSpPr>
+          <p:nvPr/>
+        </p:nvSpPr>
+        <p:spPr>
+          <a:xfrm>
+            <a:off x="228600" y="1606452"/>
+            <a:ext cx="5562600" cy="3651348"/>
+          </a:xfrm>
+          <a:prstGeom prst="rect">
+            <a:avLst/>
+          </a:prstGeom>
+        </p:spPr>
+        <p:txBody>
+          <a:bodyPr/>
+          <a:lstStyle>
+            <a:lvl1pPr marL="282575" indent="-282575" algn="l" rtl="0" eaLnBrk="0" fontAlgn="base" hangingPunct="0">
+              <a:lnSpc>
+                <a:spcPct val="105000"/>
+              </a:lnSpc>
+              <a:spcBef>
+                <a:spcPts val="600"/>
+              </a:spcBef>
+              <a:spcAft>
+                <a:spcPts val="600"/>
+              </a:spcAft>
+              <a:buClr>
+                <a:schemeClr val="accent5">
+                  <a:lumMod val="40000"/>
+                  <a:lumOff val="60000"/>
+                </a:schemeClr>
+              </a:buClr>
+              <a:buSzPct val="70000"/>
+              <a:buFont typeface="Wingdings 2" pitchFamily="18" charset="2"/>
+              <a:buChar char=""/>
+              <a:tabLst>
+                <a:tab pos="282575" algn="l"/>
+              </a:tabLst>
+              <a:defRPr sz="3200" b="1" kern="1200">
+                <a:solidFill>
+                  <a:srgbClr val="EBFFD2"/>
+                </a:solidFill>
+                <a:effectLst>
+                  <a:outerShdw blurRad="38100" dist="38100" dir="2700000" algn="tl">
+                    <a:srgbClr val="000000">
+                      <a:alpha val="43137"/>
+                    </a:srgbClr>
+                  </a:outerShdw>
+                </a:effectLst>
+                <a:latin typeface="+mn-lt"/>
+                <a:ea typeface="+mn-ea"/>
+                <a:cs typeface="+mn-cs"/>
+              </a:defRPr>
+            </a:lvl1pPr>
+            <a:lvl2pPr marL="630238" indent="-273050" algn="l" rtl="0" eaLnBrk="0" fontAlgn="base" hangingPunct="0">
+              <a:lnSpc>
+                <a:spcPct val="105000"/>
+              </a:lnSpc>
+              <a:spcBef>
+                <a:spcPts val="600"/>
+              </a:spcBef>
+              <a:spcAft>
+                <a:spcPts val="600"/>
+              </a:spcAft>
+              <a:buClr>
+                <a:srgbClr val="8FD600"/>
+              </a:buClr>
+              <a:buFont typeface="Wingdings 2" pitchFamily="18" charset="2"/>
+              <a:buChar char=""/>
+              <a:defRPr sz="3000" b="1" kern="1200">
+                <a:solidFill>
+                  <a:schemeClr val="tx1">
+                    <a:lumMod val="40000"/>
+                    <a:lumOff val="60000"/>
+                  </a:schemeClr>
+                </a:solidFill>
+                <a:effectLst>
+                  <a:outerShdw blurRad="38100" dist="38100" dir="2700000" algn="tl">
+                    <a:srgbClr val="000000">
+                      <a:alpha val="43137"/>
+                    </a:srgbClr>
+                  </a:outerShdw>
+                </a:effectLst>
+                <a:latin typeface="+mn-lt"/>
+                <a:ea typeface="+mn-ea"/>
+                <a:cs typeface="+mn-cs"/>
+              </a:defRPr>
+            </a:lvl2pPr>
+            <a:lvl3pPr marL="922338" indent="-273050" algn="l" rtl="0" eaLnBrk="0" fontAlgn="base" hangingPunct="0">
+              <a:lnSpc>
+                <a:spcPct val="105000"/>
+              </a:lnSpc>
+              <a:spcBef>
+                <a:spcPts val="600"/>
+              </a:spcBef>
+              <a:spcAft>
+                <a:spcPts val="600"/>
+              </a:spcAft>
+              <a:buClr>
+                <a:srgbClr val="FFAD9F"/>
+              </a:buClr>
+              <a:buFont typeface="Wingdings 2" pitchFamily="18" charset="2"/>
+              <a:buChar char=""/>
+              <a:defRPr sz="2800" b="1" kern="1200">
+                <a:solidFill>
+                  <a:srgbClr val="F5FFC2"/>
+                </a:solidFill>
+                <a:effectLst>
+                  <a:outerShdw blurRad="38100" dist="38100" dir="2700000" algn="tl">
+                    <a:srgbClr val="000000">
+                      <a:alpha val="43137"/>
+                    </a:srgbClr>
+                  </a:outerShdw>
+                </a:effectLst>
+                <a:latin typeface="+mn-lt"/>
+                <a:ea typeface="+mn-ea"/>
+                <a:cs typeface="+mn-cs"/>
+              </a:defRPr>
+            </a:lvl3pPr>
+            <a:lvl4pPr marL="1187450" indent="-228600" algn="l" rtl="0" eaLnBrk="0" fontAlgn="base" hangingPunct="0">
+              <a:lnSpc>
+                <a:spcPct val="105000"/>
+              </a:lnSpc>
+              <a:spcBef>
+                <a:spcPts val="600"/>
+              </a:spcBef>
+              <a:spcAft>
+                <a:spcPts val="600"/>
+              </a:spcAft>
+              <a:buClr>
+                <a:srgbClr val="FACF82"/>
+              </a:buClr>
+              <a:buFont typeface="Wingdings 2" pitchFamily="18" charset="2"/>
+              <a:buChar char=""/>
+              <a:defRPr sz="2600" b="1" kern="1200">
+                <a:solidFill>
+                  <a:schemeClr val="tx1">
+                    <a:lumMod val="40000"/>
+                    <a:lumOff val="60000"/>
+                  </a:schemeClr>
+                </a:solidFill>
+                <a:effectLst>
+                  <a:outerShdw blurRad="38100" dist="38100" dir="2700000" algn="tl">
+                    <a:srgbClr val="000000">
+                      <a:alpha val="43137"/>
+                    </a:srgbClr>
+                  </a:outerShdw>
+                </a:effectLst>
+                <a:latin typeface="+mn-lt"/>
+                <a:ea typeface="+mn-ea"/>
+                <a:cs typeface="+mn-cs"/>
+              </a:defRPr>
+            </a:lvl4pPr>
+            <a:lvl5pPr marL="1425575" indent="-228600" algn="l" rtl="0" eaLnBrk="0" fontAlgn="base" hangingPunct="0">
+              <a:lnSpc>
+                <a:spcPct val="105000"/>
+              </a:lnSpc>
+              <a:spcBef>
+                <a:spcPts val="600"/>
+              </a:spcBef>
+              <a:spcAft>
+                <a:spcPts val="600"/>
+              </a:spcAft>
+              <a:buClr>
+                <a:srgbClr val="46A6BD"/>
+              </a:buClr>
+              <a:buFont typeface="Wingdings 2" pitchFamily="18" charset="2"/>
+              <a:buChar char=""/>
+              <a:defRPr sz="2400" b="1" kern="1200">
+                <a:solidFill>
+                  <a:schemeClr val="tx1">
+                    <a:lumMod val="40000"/>
+                    <a:lumOff val="60000"/>
+                  </a:schemeClr>
+                </a:solidFill>
+                <a:effectLst>
+                  <a:outerShdw blurRad="38100" dist="38100" dir="2700000" algn="tl">
+                    <a:srgbClr val="000000">
+                      <a:alpha val="43137"/>
+                    </a:srgbClr>
+                  </a:outerShdw>
+                </a:effectLst>
+                <a:latin typeface="+mn-lt"/>
+                <a:ea typeface="+mn-ea"/>
+                <a:cs typeface="+mn-cs"/>
+              </a:defRPr>
+            </a:lvl5pPr>
+            <a:lvl6pPr marL="1673352" indent="-228600" algn="l" rtl="0" eaLnBrk="1" latinLnBrk="0" hangingPunct="1">
+              <a:spcBef>
+                <a:spcPct val="20000"/>
+              </a:spcBef>
+              <a:buClr>
+                <a:schemeClr val="accent6"/>
+              </a:buClr>
+              <a:buFont typeface="Wingdings 2"/>
+              <a:buChar char=""/>
+              <a:defRPr sz="1800" kern="1200">
+                <a:solidFill>
+                  <a:schemeClr val="tx1"/>
+                </a:solidFill>
+                <a:latin typeface="+mn-lt"/>
+                <a:ea typeface="+mn-ea"/>
+                <a:cs typeface="+mn-cs"/>
+              </a:defRPr>
+            </a:lvl6pPr>
+            <a:lvl7pPr marL="1911096" indent="-228600" algn="l" rtl="0" eaLnBrk="1" latinLnBrk="0" hangingPunct="1">
+              <a:spcBef>
+                <a:spcPct val="20000"/>
+              </a:spcBef>
+              <a:buClr>
+                <a:schemeClr val="tx2"/>
+              </a:buClr>
+              <a:buFont typeface="Wingdings 2"/>
+              <a:buChar char=""/>
+              <a:defRPr sz="1600" kern="1200">
+                <a:solidFill>
+                  <a:schemeClr val="tx1"/>
+                </a:solidFill>
+                <a:latin typeface="+mn-lt"/>
+                <a:ea typeface="+mn-ea"/>
+                <a:cs typeface="+mn-cs"/>
+              </a:defRPr>
+            </a:lvl7pPr>
+            <a:lvl8pPr marL="2121408" indent="-182880" algn="l" rtl="0" eaLnBrk="1" latinLnBrk="0" hangingPunct="1">
+              <a:spcBef>
+                <a:spcPct val="20000"/>
+              </a:spcBef>
+              <a:buClr>
+                <a:schemeClr val="tx2"/>
+              </a:buClr>
+              <a:buFont typeface="Wingdings 2"/>
+              <a:buChar char=""/>
+              <a:defRPr sz="1400" kern="1200">
+                <a:solidFill>
+                  <a:schemeClr val="tx1"/>
+                </a:solidFill>
+                <a:latin typeface="+mn-lt"/>
+                <a:ea typeface="+mn-ea"/>
+                <a:cs typeface="+mn-cs"/>
+              </a:defRPr>
+            </a:lvl8pPr>
+            <a:lvl9pPr marL="2322576" indent="-182880" algn="l" rtl="0" eaLnBrk="1" latinLnBrk="0" hangingPunct="1">
+              <a:spcBef>
+                <a:spcPct val="20000"/>
+              </a:spcBef>
+              <a:buClr>
+                <a:schemeClr val="tx2"/>
+              </a:buClr>
+              <a:buFont typeface="Wingdings 2"/>
+              <a:buChar char=""/>
+              <a:defRPr sz="1400" kern="1200">
+                <a:solidFill>
+                  <a:schemeClr val="tx1"/>
+                </a:solidFill>
+                <a:latin typeface="+mn-lt"/>
+                <a:ea typeface="+mn-ea"/>
+                <a:cs typeface="+mn-cs"/>
+              </a:defRPr>
+            </a:lvl9pPr>
+          </a:lstStyle>
+          <a:p>
+            <a:pPr>
+              <a:lnSpc>
+                <a:spcPct val="100000"/>
+              </a:lnSpc>
+            </a:pPr>
+            <a:r>
+              <a:rPr lang="en-US" dirty="0" smtClean="0"/>
+              <a:t>Depends on the project</a:t>
+            </a:r>
+            <a:endParaRPr lang="en-US" dirty="0" smtClean="0"/>
+          </a:p>
+        </p:txBody>
+      </p:sp>
+    </p:spTree>
+    <p:extLst>
+      <p:ext uri="{BB962C8B-B14F-4D97-AF65-F5344CB8AC3E}">
+        <p14:creationId xmlns:p14="http://schemas.microsoft.com/office/powerpoint/2010/main" val="3269492465"/>
+      </p:ext>
+    </p:extLst>
+  </p:cSld>
+  <p:clrMapOvr>
+    <a:masterClrMapping/>
+  </p:clrMapOvr>
+  <p:timing>
+    <p:tnLst>
+      <p:par>
+        <p:cTn id="1" dur="indefinite" restart="never" nodeType="tmRoot"/>
+      </p:par>
+    </p:tnLst>
+  </p:timing>
+</p:sld>
+</file>
+
+<file path=ppt/slides/slide35.xml><?xml version="1.0" encoding="utf-8"?>
+<p:sld xmlns:a="http://schemas.openxmlformats.org/drawingml/2006/main" xmlns:r="http://schemas.openxmlformats.org/officeDocument/2006/relationships" xmlns:p="http://schemas.openxmlformats.org/presentationml/2006/main">
+  <p:cSld>
+    <p:spTree>
+      <p:nvGrpSpPr>
+        <p:cNvPr id="1" name=""/>
+        <p:cNvGrpSpPr/>
+        <p:nvPr/>
+      </p:nvGrpSpPr>
+      <p:grpSpPr>
+        <a:xfrm>
+          <a:off x="0" y="0"/>
+          <a:ext cx="0" cy="0"/>
+          <a:chOff x="0" y="0"/>
+          <a:chExt cx="0" cy="0"/>
+        </a:xfrm>
+      </p:grpSpPr>
+      <p:sp>
+        <p:nvSpPr>
+          <p:cNvPr id="2" name="Title 1"/>
+          <p:cNvSpPr>
+            <a:spLocks noGrp="1"/>
+          </p:cNvSpPr>
+          <p:nvPr>
+            <p:ph type="title"/>
+          </p:nvPr>
+        </p:nvSpPr>
+        <p:spPr>
+          <a:xfrm>
+            <a:off x="1828800" y="162086"/>
+            <a:ext cx="7086600" cy="914400"/>
+          </a:xfrm>
+        </p:spPr>
+        <p:txBody>
+          <a:bodyPr/>
+          <a:lstStyle/>
+          <a:p>
+            <a:r>
+              <a:rPr lang="en-US" dirty="0" smtClean="0"/>
+              <a:t>Naming </a:t>
+            </a:r>
+            <a:r>
+              <a:rPr lang="en-US" dirty="0" err="1" smtClean="0"/>
+              <a:t>convensions</a:t>
+            </a:r>
+            <a:r>
+              <a:rPr lang="en-US" dirty="0" smtClean="0"/>
+              <a:t>(2)</a:t>
+            </a:r>
+            <a:endParaRPr lang="en-US" dirty="0"/>
+          </a:p>
+        </p:txBody>
+      </p:sp>
+      <p:sp>
+        <p:nvSpPr>
+          <p:cNvPr id="9" name="Content Placeholder 2"/>
+          <p:cNvSpPr txBox="1">
+            <a:spLocks/>
+          </p:cNvSpPr>
+          <p:nvPr/>
+        </p:nvSpPr>
+        <p:spPr>
+          <a:xfrm>
+            <a:off x="228600" y="1295400"/>
+            <a:ext cx="5562600" cy="3651348"/>
+          </a:xfrm>
+          <a:prstGeom prst="rect">
+            <a:avLst/>
+          </a:prstGeom>
+        </p:spPr>
+        <p:txBody>
+          <a:bodyPr/>
+          <a:lstStyle>
+            <a:lvl1pPr marL="282575" indent="-282575" algn="l" rtl="0" eaLnBrk="0" fontAlgn="base" hangingPunct="0">
+              <a:lnSpc>
+                <a:spcPct val="105000"/>
+              </a:lnSpc>
+              <a:spcBef>
+                <a:spcPts val="600"/>
+              </a:spcBef>
+              <a:spcAft>
+                <a:spcPts val="600"/>
+              </a:spcAft>
+              <a:buClr>
+                <a:schemeClr val="accent5">
+                  <a:lumMod val="40000"/>
+                  <a:lumOff val="60000"/>
+                </a:schemeClr>
+              </a:buClr>
+              <a:buSzPct val="70000"/>
+              <a:buFont typeface="Wingdings 2" pitchFamily="18" charset="2"/>
+              <a:buChar char=""/>
+              <a:tabLst>
+                <a:tab pos="282575" algn="l"/>
+              </a:tabLst>
+              <a:defRPr sz="3200" b="1" kern="1200">
+                <a:solidFill>
+                  <a:srgbClr val="EBFFD2"/>
+                </a:solidFill>
+                <a:effectLst>
+                  <a:outerShdw blurRad="38100" dist="38100" dir="2700000" algn="tl">
+                    <a:srgbClr val="000000">
+                      <a:alpha val="43137"/>
+                    </a:srgbClr>
+                  </a:outerShdw>
+                </a:effectLst>
+                <a:latin typeface="+mn-lt"/>
+                <a:ea typeface="+mn-ea"/>
+                <a:cs typeface="+mn-cs"/>
+              </a:defRPr>
+            </a:lvl1pPr>
+            <a:lvl2pPr marL="630238" indent="-273050" algn="l" rtl="0" eaLnBrk="0" fontAlgn="base" hangingPunct="0">
+              <a:lnSpc>
+                <a:spcPct val="105000"/>
+              </a:lnSpc>
+              <a:spcBef>
+                <a:spcPts val="600"/>
+              </a:spcBef>
+              <a:spcAft>
+                <a:spcPts val="600"/>
+              </a:spcAft>
+              <a:buClr>
+                <a:srgbClr val="8FD600"/>
+              </a:buClr>
+              <a:buFont typeface="Wingdings 2" pitchFamily="18" charset="2"/>
+              <a:buChar char=""/>
+              <a:defRPr sz="3000" b="1" kern="1200">
+                <a:solidFill>
+                  <a:schemeClr val="tx1">
+                    <a:lumMod val="40000"/>
+                    <a:lumOff val="60000"/>
+                  </a:schemeClr>
+                </a:solidFill>
+                <a:effectLst>
+                  <a:outerShdw blurRad="38100" dist="38100" dir="2700000" algn="tl">
+                    <a:srgbClr val="000000">
+                      <a:alpha val="43137"/>
+                    </a:srgbClr>
+                  </a:outerShdw>
+                </a:effectLst>
+                <a:latin typeface="+mn-lt"/>
+                <a:ea typeface="+mn-ea"/>
+                <a:cs typeface="+mn-cs"/>
+              </a:defRPr>
+            </a:lvl2pPr>
+            <a:lvl3pPr marL="922338" indent="-273050" algn="l" rtl="0" eaLnBrk="0" fontAlgn="base" hangingPunct="0">
+              <a:lnSpc>
+                <a:spcPct val="105000"/>
+              </a:lnSpc>
+              <a:spcBef>
+                <a:spcPts val="600"/>
+              </a:spcBef>
+              <a:spcAft>
+                <a:spcPts val="600"/>
+              </a:spcAft>
+              <a:buClr>
+                <a:srgbClr val="FFAD9F"/>
+              </a:buClr>
+              <a:buFont typeface="Wingdings 2" pitchFamily="18" charset="2"/>
+              <a:buChar char=""/>
+              <a:defRPr sz="2800" b="1" kern="1200">
+                <a:solidFill>
+                  <a:srgbClr val="F5FFC2"/>
+                </a:solidFill>
+                <a:effectLst>
+                  <a:outerShdw blurRad="38100" dist="38100" dir="2700000" algn="tl">
+                    <a:srgbClr val="000000">
+                      <a:alpha val="43137"/>
+                    </a:srgbClr>
+                  </a:outerShdw>
+                </a:effectLst>
+                <a:latin typeface="+mn-lt"/>
+                <a:ea typeface="+mn-ea"/>
+                <a:cs typeface="+mn-cs"/>
+              </a:defRPr>
+            </a:lvl3pPr>
+            <a:lvl4pPr marL="1187450" indent="-228600" algn="l" rtl="0" eaLnBrk="0" fontAlgn="base" hangingPunct="0">
+              <a:lnSpc>
+                <a:spcPct val="105000"/>
+              </a:lnSpc>
+              <a:spcBef>
+                <a:spcPts val="600"/>
+              </a:spcBef>
+              <a:spcAft>
+                <a:spcPts val="600"/>
+              </a:spcAft>
+              <a:buClr>
+                <a:srgbClr val="FACF82"/>
+              </a:buClr>
+              <a:buFont typeface="Wingdings 2" pitchFamily="18" charset="2"/>
+              <a:buChar char=""/>
+              <a:defRPr sz="2600" b="1" kern="1200">
+                <a:solidFill>
+                  <a:schemeClr val="tx1">
+                    <a:lumMod val="40000"/>
+                    <a:lumOff val="60000"/>
+                  </a:schemeClr>
+                </a:solidFill>
+                <a:effectLst>
+                  <a:outerShdw blurRad="38100" dist="38100" dir="2700000" algn="tl">
+                    <a:srgbClr val="000000">
+                      <a:alpha val="43137"/>
+                    </a:srgbClr>
+                  </a:outerShdw>
+                </a:effectLst>
+                <a:latin typeface="+mn-lt"/>
+                <a:ea typeface="+mn-ea"/>
+                <a:cs typeface="+mn-cs"/>
+              </a:defRPr>
+            </a:lvl4pPr>
+            <a:lvl5pPr marL="1425575" indent="-228600" algn="l" rtl="0" eaLnBrk="0" fontAlgn="base" hangingPunct="0">
+              <a:lnSpc>
+                <a:spcPct val="105000"/>
+              </a:lnSpc>
+              <a:spcBef>
+                <a:spcPts val="600"/>
+              </a:spcBef>
+              <a:spcAft>
+                <a:spcPts val="600"/>
+              </a:spcAft>
+              <a:buClr>
+                <a:srgbClr val="46A6BD"/>
+              </a:buClr>
+              <a:buFont typeface="Wingdings 2" pitchFamily="18" charset="2"/>
+              <a:buChar char=""/>
+              <a:defRPr sz="2400" b="1" kern="1200">
+                <a:solidFill>
+                  <a:schemeClr val="tx1">
+                    <a:lumMod val="40000"/>
+                    <a:lumOff val="60000"/>
+                  </a:schemeClr>
+                </a:solidFill>
+                <a:effectLst>
+                  <a:outerShdw blurRad="38100" dist="38100" dir="2700000" algn="tl">
+                    <a:srgbClr val="000000">
+                      <a:alpha val="43137"/>
+                    </a:srgbClr>
+                  </a:outerShdw>
+                </a:effectLst>
+                <a:latin typeface="+mn-lt"/>
+                <a:ea typeface="+mn-ea"/>
+                <a:cs typeface="+mn-cs"/>
+              </a:defRPr>
+            </a:lvl5pPr>
+            <a:lvl6pPr marL="1673352" indent="-228600" algn="l" rtl="0" eaLnBrk="1" latinLnBrk="0" hangingPunct="1">
+              <a:spcBef>
+                <a:spcPct val="20000"/>
+              </a:spcBef>
+              <a:buClr>
+                <a:schemeClr val="accent6"/>
+              </a:buClr>
+              <a:buFont typeface="Wingdings 2"/>
+              <a:buChar char=""/>
+              <a:defRPr sz="1800" kern="1200">
+                <a:solidFill>
+                  <a:schemeClr val="tx1"/>
+                </a:solidFill>
+                <a:latin typeface="+mn-lt"/>
+                <a:ea typeface="+mn-ea"/>
+                <a:cs typeface="+mn-cs"/>
+              </a:defRPr>
+            </a:lvl6pPr>
+            <a:lvl7pPr marL="1911096" indent="-228600" algn="l" rtl="0" eaLnBrk="1" latinLnBrk="0" hangingPunct="1">
+              <a:spcBef>
+                <a:spcPct val="20000"/>
+              </a:spcBef>
+              <a:buClr>
+                <a:schemeClr val="tx2"/>
+              </a:buClr>
+              <a:buFont typeface="Wingdings 2"/>
+              <a:buChar char=""/>
+              <a:defRPr sz="1600" kern="1200">
+                <a:solidFill>
+                  <a:schemeClr val="tx1"/>
+                </a:solidFill>
+                <a:latin typeface="+mn-lt"/>
+                <a:ea typeface="+mn-ea"/>
+                <a:cs typeface="+mn-cs"/>
+              </a:defRPr>
+            </a:lvl7pPr>
+            <a:lvl8pPr marL="2121408" indent="-182880" algn="l" rtl="0" eaLnBrk="1" latinLnBrk="0" hangingPunct="1">
+              <a:spcBef>
+                <a:spcPct val="20000"/>
+              </a:spcBef>
+              <a:buClr>
+                <a:schemeClr val="tx2"/>
+              </a:buClr>
+              <a:buFont typeface="Wingdings 2"/>
+              <a:buChar char=""/>
+              <a:defRPr sz="1400" kern="1200">
+                <a:solidFill>
+                  <a:schemeClr val="tx1"/>
+                </a:solidFill>
+                <a:latin typeface="+mn-lt"/>
+                <a:ea typeface="+mn-ea"/>
+                <a:cs typeface="+mn-cs"/>
+              </a:defRPr>
+            </a:lvl8pPr>
+            <a:lvl9pPr marL="2322576" indent="-182880" algn="l" rtl="0" eaLnBrk="1" latinLnBrk="0" hangingPunct="1">
+              <a:spcBef>
+                <a:spcPct val="20000"/>
+              </a:spcBef>
+              <a:buClr>
+                <a:schemeClr val="tx2"/>
+              </a:buClr>
+              <a:buFont typeface="Wingdings 2"/>
+              <a:buChar char=""/>
+              <a:defRPr sz="1400" kern="1200">
+                <a:solidFill>
+                  <a:schemeClr val="tx1"/>
+                </a:solidFill>
+                <a:latin typeface="+mn-lt"/>
+                <a:ea typeface="+mn-ea"/>
+                <a:cs typeface="+mn-cs"/>
+              </a:defRPr>
+            </a:lvl9pPr>
+          </a:lstStyle>
+          <a:p>
+            <a:pPr>
+              <a:lnSpc>
+                <a:spcPct val="100000"/>
+              </a:lnSpc>
+            </a:pPr>
+            <a:r>
+              <a:rPr lang="en-US" dirty="0" smtClean="0"/>
+              <a:t>Go with</a:t>
+            </a:r>
+          </a:p>
+          <a:p>
+            <a:pPr lvl="1">
+              <a:lnSpc>
+                <a:spcPct val="100000"/>
+              </a:lnSpc>
+            </a:pPr>
+            <a:r>
+              <a:rPr lang="en-US" dirty="0" err="1" smtClean="0"/>
+              <a:t>ClassName</a:t>
+            </a:r>
+            <a:endParaRPr lang="en-US" dirty="0"/>
+          </a:p>
+          <a:p>
+            <a:pPr lvl="1">
+              <a:lnSpc>
+                <a:spcPct val="100000"/>
+              </a:lnSpc>
+            </a:pPr>
+            <a:r>
+              <a:rPr lang="en-US" dirty="0" err="1" smtClean="0"/>
+              <a:t>methodName</a:t>
+            </a:r>
+            <a:endParaRPr lang="en-US" dirty="0"/>
+          </a:p>
+          <a:p>
+            <a:pPr lvl="1">
+              <a:lnSpc>
+                <a:spcPct val="100000"/>
+              </a:lnSpc>
+            </a:pPr>
+            <a:r>
+              <a:rPr lang="en-US" dirty="0" err="1" smtClean="0"/>
+              <a:t>propertyName</a:t>
+            </a:r>
+            <a:endParaRPr lang="en-US" dirty="0"/>
+          </a:p>
+          <a:p>
+            <a:pPr lvl="1">
+              <a:lnSpc>
+                <a:spcPct val="100000"/>
+              </a:lnSpc>
+            </a:pPr>
+            <a:r>
+              <a:rPr lang="en-US" dirty="0" err="1" smtClean="0"/>
+              <a:t>function_name</a:t>
+            </a:r>
+            <a:r>
+              <a:rPr lang="en-US" dirty="0" smtClean="0"/>
+              <a:t> </a:t>
+            </a:r>
+            <a:r>
+              <a:rPr lang="en-US" dirty="0"/>
+              <a:t>(meant for global functions)</a:t>
+            </a:r>
+          </a:p>
+          <a:p>
+            <a:pPr lvl="1">
+              <a:lnSpc>
+                <a:spcPct val="100000"/>
+              </a:lnSpc>
+            </a:pPr>
+            <a:r>
+              <a:rPr lang="en-US" dirty="0" smtClean="0"/>
+              <a:t>$</a:t>
+            </a:r>
+            <a:r>
+              <a:rPr lang="en-US" dirty="0" err="1"/>
+              <a:t>variable_name</a:t>
+            </a:r>
+            <a:endParaRPr lang="en-US" dirty="0"/>
+          </a:p>
+          <a:p>
+            <a:pPr lvl="1">
+              <a:lnSpc>
+                <a:spcPct val="100000"/>
+              </a:lnSpc>
+            </a:pPr>
+            <a:r>
+              <a:rPr lang="en-US" dirty="0" err="1" smtClean="0"/>
+              <a:t>iInterfaceName</a:t>
+            </a:r>
+            <a:endParaRPr lang="en-US" dirty="0" smtClean="0"/>
+          </a:p>
+        </p:txBody>
+      </p:sp>
+    </p:spTree>
+    <p:extLst>
+      <p:ext uri="{BB962C8B-B14F-4D97-AF65-F5344CB8AC3E}">
+        <p14:creationId xmlns:p14="http://schemas.microsoft.com/office/powerpoint/2010/main" val="181046617"/>
       </p:ext>
     </p:extLst>
   </p:cSld>

--- a/PHP_MVC.pptx
+++ b/PHP_MVC.pptx
@@ -5,10 +5,10 @@
     <p:sldMasterId id="2147483672" r:id="rId1"/>
   </p:sldMasterIdLst>
   <p:notesMasterIdLst>
-    <p:notesMasterId r:id="rId37"/>
+    <p:notesMasterId r:id="rId45"/>
   </p:notesMasterIdLst>
   <p:handoutMasterIdLst>
-    <p:handoutMasterId r:id="rId38"/>
+    <p:handoutMasterId r:id="rId46"/>
   </p:handoutMasterIdLst>
   <p:sldIdLst>
     <p:sldId id="382" r:id="rId2"/>
@@ -44,8 +44,16 @@
     <p:sldId id="438" r:id="rId32"/>
     <p:sldId id="441" r:id="rId33"/>
     <p:sldId id="442" r:id="rId34"/>
-    <p:sldId id="439" r:id="rId35"/>
-    <p:sldId id="440" r:id="rId36"/>
+    <p:sldId id="443" r:id="rId35"/>
+    <p:sldId id="444" r:id="rId36"/>
+    <p:sldId id="450" r:id="rId37"/>
+    <p:sldId id="445" r:id="rId38"/>
+    <p:sldId id="446" r:id="rId39"/>
+    <p:sldId id="447" r:id="rId40"/>
+    <p:sldId id="448" r:id="rId41"/>
+    <p:sldId id="449" r:id="rId42"/>
+    <p:sldId id="439" r:id="rId43"/>
+    <p:sldId id="440" r:id="rId44"/>
   </p:sldIdLst>
   <p:sldSz cx="9144000" cy="6858000" type="screen4x3"/>
   <p:notesSz cx="6881813" cy="9296400"/>
@@ -176,7 +184,7 @@
   </p:defaultTextStyle>
   <p:extLst>
     <p:ext uri="{EFAFB233-063F-42B5-8137-9DF3F51BA10A}">
-      <p15:sldGuideLst xmlns="" xmlns:p15="http://schemas.microsoft.com/office/powerpoint/2012/main">
+      <p15:sldGuideLst xmlns:p15="http://schemas.microsoft.com/office/powerpoint/2012/main" xmlns="">
         <p15:guide id="1" orient="horz" pos="2160">
           <p15:clr>
             <a:srgbClr val="A4A3A4"/>
@@ -190,7 +198,7 @@
       </p15:sldGuideLst>
     </p:ext>
     <p:ext uri="{2D200454-40CA-4A62-9FC3-DE9A4176ACB9}">
-      <p15:notesGuideLst xmlns="" xmlns:p15="http://schemas.microsoft.com/office/powerpoint/2012/main">
+      <p15:notesGuideLst xmlns:p15="http://schemas.microsoft.com/office/powerpoint/2012/main" xmlns="">
         <p15:guide id="1" orient="horz" pos="2928">
           <p15:clr>
             <a:srgbClr val="A4A3A4"/>
@@ -4257,7 +4265,7 @@
             <a:fld id="{6FB4F6EA-423E-42DF-9292-215E7D886C4E}" type="slidenum">
               <a:rPr lang="en-US" smtClean="0"/>
               <a:pPr/>
-              <a:t>34</a:t>
+              <a:t>42</a:t>
             </a:fld>
             <a:endParaRPr lang="en-US" dirty="0"/>
           </a:p>
@@ -4342,7 +4350,7 @@
             <a:fld id="{6FB4F6EA-423E-42DF-9292-215E7D886C4E}" type="slidenum">
               <a:rPr lang="en-US" smtClean="0"/>
               <a:pPr/>
-              <a:t>35</a:t>
+              <a:t>43</a:t>
             </a:fld>
             <a:endParaRPr lang="en-US" dirty="0"/>
           </a:p>
@@ -11591,11 +11599,6 @@
               </a:rPr>
               <a:t>functions</a:t>
             </a:r>
-            <a:endParaRPr lang="en-US" sz="2800" dirty="0" smtClean="0">
-              <a:solidFill>
-                <a:srgbClr val="F4FCD8"/>
-              </a:solidFill>
-            </a:endParaRPr>
           </a:p>
         </p:txBody>
       </p:sp>
@@ -13619,11 +13622,7 @@
             </a:pPr>
             <a:r>
               <a:rPr lang="en-US" dirty="0" smtClean="0"/>
-              <a:t>PHP Language </a:t>
-            </a:r>
-            <a:r>
-              <a:rPr lang="en-US" dirty="0" smtClean="0"/>
-              <a:t>Overview</a:t>
+              <a:t>PHP Language Overview</a:t>
             </a:r>
           </a:p>
           <a:p>
@@ -13638,7 +13637,6 @@
               <a:rPr lang="en-US" dirty="0" smtClean="0"/>
               <a:t>PHP OOP Overview</a:t>
             </a:r>
-            <a:endParaRPr lang="en-US" dirty="0" smtClean="0"/>
           </a:p>
           <a:p>
             <a:pPr marL="514350" indent="-514350">
@@ -13661,15 +13659,7 @@
             </a:pPr>
             <a:r>
               <a:rPr lang="en-US" dirty="0" smtClean="0"/>
-              <a:t>Using </a:t>
-            </a:r>
-            <a:r>
-              <a:rPr lang="en-US" dirty="0" smtClean="0"/>
-              <a:t>native </a:t>
-            </a:r>
-            <a:r>
-              <a:rPr lang="en-US" dirty="0" smtClean="0"/>
-              <a:t>PHP</a:t>
+              <a:t>Using native PHP</a:t>
             </a:r>
           </a:p>
           <a:p>
@@ -19478,11 +19468,7 @@
           <a:p>
             <a:r>
               <a:rPr lang="en-US" dirty="0" smtClean="0"/>
-              <a:t>PHP </a:t>
-            </a:r>
-            <a:r>
-              <a:rPr lang="en-US" dirty="0" smtClean="0"/>
-              <a:t>OOP</a:t>
+              <a:t>PHP OOP</a:t>
             </a:r>
             <a:endParaRPr lang="en-US" dirty="0"/>
           </a:p>
@@ -19500,7 +19486,7 @@
         </p:nvSpPr>
         <p:spPr>
           <a:xfrm>
-            <a:off x="228600" y="1371600"/>
+            <a:off x="228600" y="1219200"/>
             <a:ext cx="8686800" cy="3651348"/>
           </a:xfrm>
         </p:spPr>
@@ -19521,6 +19507,44 @@
               </a:rPr>
               <a:t>Creating a “simple” class</a:t>
             </a:r>
+          </a:p>
+          <a:p>
+            <a:pPr>
+              <a:lnSpc>
+                <a:spcPct val="100000"/>
+              </a:lnSpc>
+            </a:pPr>
+            <a:r>
+              <a:rPr lang="en-US" sz="2800" dirty="0" smtClean="0">
+                <a:solidFill>
+                  <a:srgbClr val="F4FCD8"/>
+                </a:solidFill>
+              </a:rPr>
+              <a:t>Extending </a:t>
+            </a:r>
+            <a:r>
+              <a:rPr lang="en-US" sz="2800" dirty="0" smtClean="0">
+                <a:solidFill>
+                  <a:srgbClr val="F4FCD8"/>
+                </a:solidFill>
+              </a:rPr>
+              <a:t>classes</a:t>
+            </a:r>
+          </a:p>
+          <a:p>
+            <a:pPr>
+              <a:lnSpc>
+                <a:spcPct val="100000"/>
+              </a:lnSpc>
+            </a:pPr>
+            <a:r>
+              <a:rPr lang="en-US" sz="2800" dirty="0"/>
+              <a:t>Creating </a:t>
+            </a:r>
+            <a:r>
+              <a:rPr lang="en-US" sz="2800" dirty="0" smtClean="0"/>
+              <a:t>objects</a:t>
+            </a:r>
             <a:endParaRPr lang="en-US" sz="2800" dirty="0" smtClean="0">
               <a:solidFill>
                 <a:srgbClr val="F4FCD8"/>
@@ -19539,13 +19563,8 @@
                   <a:srgbClr val="F4FCD8"/>
                 </a:solidFill>
               </a:rPr>
-              <a:t>Extending classes</a:t>
-            </a:r>
-            <a:endParaRPr lang="en-US" sz="2800" dirty="0" smtClean="0">
-              <a:solidFill>
-                <a:srgbClr val="F4FCD8"/>
-              </a:solidFill>
-            </a:endParaRPr>
+              <a:t>Utility classes</a:t>
+            </a:r>
           </a:p>
           <a:p>
             <a:pPr>
@@ -19559,13 +19578,8 @@
                   <a:srgbClr val="F4FCD8"/>
                 </a:solidFill>
               </a:rPr>
-              <a:t>Utility classes</a:t>
-            </a:r>
-            <a:endParaRPr lang="en-US" sz="2800" dirty="0" smtClean="0">
-              <a:solidFill>
-                <a:srgbClr val="F4FCD8"/>
-              </a:solidFill>
-            </a:endParaRPr>
+              <a:t>Interfaces</a:t>
+            </a:r>
           </a:p>
           <a:p>
             <a:pPr>
@@ -19579,13 +19593,8 @@
                   <a:srgbClr val="F4FCD8"/>
                 </a:solidFill>
               </a:rPr>
-              <a:t>Interfaces</a:t>
-            </a:r>
-            <a:endParaRPr lang="en-US" sz="2800" dirty="0" smtClean="0">
-              <a:solidFill>
-                <a:srgbClr val="F4FCD8"/>
-              </a:solidFill>
-            </a:endParaRPr>
+              <a:t>Enumeration like abstract classes</a:t>
+            </a:r>
           </a:p>
           <a:p>
             <a:pPr>
@@ -19594,55 +19603,46 @@
               </a:lnSpc>
             </a:pPr>
             <a:r>
+              <a:rPr lang="en-US" sz="2800" dirty="0"/>
+              <a:t>Using </a:t>
+            </a:r>
+            <a:r>
+              <a:rPr lang="en-US" sz="2800" dirty="0" smtClean="0"/>
+              <a:t>singleton</a:t>
+            </a:r>
+          </a:p>
+          <a:p>
+            <a:pPr>
+              <a:lnSpc>
+                <a:spcPct val="100000"/>
+              </a:lnSpc>
+            </a:pPr>
+            <a:r>
+              <a:rPr lang="en-US" sz="2800" dirty="0" smtClean="0"/>
+              <a:t>Namespaces</a:t>
+            </a:r>
+          </a:p>
+          <a:p>
+            <a:pPr>
+              <a:lnSpc>
+                <a:spcPct val="100000"/>
+              </a:lnSpc>
+            </a:pPr>
+            <a:r>
               <a:rPr lang="en-US" sz="2800" dirty="0" smtClean="0">
                 <a:solidFill>
                   <a:srgbClr val="F4FCD8"/>
                 </a:solidFill>
               </a:rPr>
-              <a:t>Enumeration like abstract classes</a:t>
-            </a:r>
-            <a:endParaRPr lang="en-US" sz="2800" dirty="0" smtClean="0">
-              <a:solidFill>
-                <a:srgbClr val="F4FCD8"/>
-              </a:solidFill>
-            </a:endParaRPr>
-          </a:p>
-          <a:p>
-            <a:pPr>
-              <a:lnSpc>
-                <a:spcPct val="100000"/>
-              </a:lnSpc>
-            </a:pPr>
+              <a:t>Naming </a:t>
+            </a:r>
             <a:r>
               <a:rPr lang="en-US" sz="2800" dirty="0" smtClean="0">
                 <a:solidFill>
                   <a:srgbClr val="F4FCD8"/>
                 </a:solidFill>
               </a:rPr>
-              <a:t>Using design patterns</a:t>
-            </a:r>
-          </a:p>
-          <a:p>
-            <a:pPr>
-              <a:lnSpc>
-                <a:spcPct val="100000"/>
-              </a:lnSpc>
-            </a:pPr>
-            <a:r>
-              <a:rPr lang="en-US" sz="2800" dirty="0" smtClean="0">
-                <a:solidFill>
-                  <a:srgbClr val="F4FCD8"/>
-                </a:solidFill>
-              </a:rPr>
-              <a:t>Naming </a:t>
-            </a:r>
-            <a:r>
-              <a:rPr lang="en-US" sz="2800" dirty="0" err="1" smtClean="0">
-                <a:solidFill>
-                  <a:srgbClr val="F4FCD8"/>
-                </a:solidFill>
-              </a:rPr>
-              <a:t>convensions</a:t>
+              <a:t>conventions</a:t>
             </a:r>
             <a:endParaRPr lang="en-US" sz="2800" dirty="0" smtClean="0">
               <a:solidFill>
@@ -19710,14 +19710,6955 @@
           <a:lstStyle/>
           <a:p>
             <a:r>
+              <a:rPr lang="en-US" dirty="0"/>
+              <a:t>Creating a “simple” class</a:t>
+            </a:r>
+          </a:p>
+        </p:txBody>
+      </p:sp>
+      <p:sp>
+        <p:nvSpPr>
+          <p:cNvPr id="3" name="Content Placeholder 2"/>
+          <p:cNvSpPr>
+            <a:spLocks noGrp="1"/>
+          </p:cNvSpPr>
+          <p:nvPr>
+            <p:ph idx="1"/>
+          </p:nvPr>
+        </p:nvSpPr>
+        <p:spPr>
+          <a:xfrm>
+            <a:off x="228600" y="1371600"/>
+            <a:ext cx="8153400" cy="3651348"/>
+          </a:xfrm>
+        </p:spPr>
+        <p:txBody>
+          <a:bodyPr/>
+          <a:lstStyle/>
+          <a:p>
+            <a:pPr lvl="1">
+              <a:lnSpc>
+                <a:spcPct val="100000"/>
+              </a:lnSpc>
+            </a:pPr>
+            <a:r>
               <a:rPr lang="en-US" dirty="0" smtClean="0"/>
-              <a:t>Naming </a:t>
+              <a:t>Example class</a:t>
+            </a:r>
+            <a:endParaRPr lang="en-US" dirty="0" smtClean="0"/>
+          </a:p>
+        </p:txBody>
+      </p:sp>
+      <p:sp>
+        <p:nvSpPr>
+          <p:cNvPr id="8" name="Rectangle 4"/>
+          <p:cNvSpPr>
+            <a:spLocks noChangeArrowheads="1"/>
+          </p:cNvSpPr>
+          <p:nvPr/>
+        </p:nvSpPr>
+        <p:spPr bwMode="auto">
+          <a:xfrm>
+            <a:off x="457200" y="2057400"/>
+            <a:ext cx="8153400" cy="4278094"/>
+          </a:xfrm>
+          <a:prstGeom prst="rect">
+            <a:avLst/>
+          </a:prstGeom>
+          <a:solidFill>
+            <a:schemeClr val="accent5">
+              <a:lumMod val="40000"/>
+              <a:lumOff val="60000"/>
+              <a:alpha val="15000"/>
+            </a:schemeClr>
+          </a:solidFill>
+          <a:ln w="12700">
+            <a:solidFill>
+              <a:schemeClr val="accent5">
+                <a:lumMod val="60000"/>
+                <a:lumOff val="40000"/>
+              </a:schemeClr>
+            </a:solidFill>
+          </a:ln>
+        </p:spPr>
+        <p:txBody>
+          <a:bodyPr wrap="square">
+            <a:spAutoFit/>
+          </a:bodyPr>
+          <a:lstStyle/>
+          <a:p>
+            <a:pPr>
+              <a:lnSpc>
+                <a:spcPct val="100000"/>
+              </a:lnSpc>
+              <a:spcBef>
+                <a:spcPts val="0"/>
+              </a:spcBef>
+              <a:buClr>
+                <a:schemeClr val="accent5">
+                  <a:lumMod val="40000"/>
+                  <a:lumOff val="60000"/>
+                </a:schemeClr>
+              </a:buClr>
+              <a:buSzPct val="70000"/>
+            </a:pPr>
+            <a:r>
+              <a:rPr lang="en-US" sz="1600" b="1" noProof="1" smtClean="0">
+                <a:solidFill>
+                  <a:srgbClr val="8CF4F2"/>
+                </a:solidFill>
+                <a:effectLst>
+                  <a:outerShdw blurRad="38100" dist="38100" dir="2700000" algn="tl">
+                    <a:srgbClr val="000000">
+                      <a:alpha val="43137"/>
+                    </a:srgbClr>
+                  </a:outerShdw>
+                </a:effectLst>
+                <a:latin typeface="Consolas" pitchFamily="49" charset="0"/>
+                <a:cs typeface="Consolas" pitchFamily="49" charset="0"/>
+              </a:rPr>
+              <a:t>class </a:t>
+            </a:r>
+            <a:r>
+              <a:rPr lang="en-US" sz="1600" b="1" noProof="1">
+                <a:solidFill>
+                  <a:srgbClr val="8CF4F2"/>
+                </a:solidFill>
+                <a:effectLst>
+                  <a:outerShdw blurRad="38100" dist="38100" dir="2700000" algn="tl">
+                    <a:srgbClr val="000000">
+                      <a:alpha val="43137"/>
+                    </a:srgbClr>
+                  </a:outerShdw>
+                </a:effectLst>
+                <a:latin typeface="Consolas" pitchFamily="49" charset="0"/>
+                <a:cs typeface="Consolas" pitchFamily="49" charset="0"/>
+              </a:rPr>
+              <a:t>SimpleClass</a:t>
+            </a:r>
+          </a:p>
+          <a:p>
+            <a:pPr>
+              <a:lnSpc>
+                <a:spcPct val="100000"/>
+              </a:lnSpc>
+              <a:spcBef>
+                <a:spcPts val="0"/>
+              </a:spcBef>
+              <a:buClr>
+                <a:schemeClr val="accent5">
+                  <a:lumMod val="40000"/>
+                  <a:lumOff val="60000"/>
+                </a:schemeClr>
+              </a:buClr>
+              <a:buSzPct val="70000"/>
+            </a:pPr>
+            <a:r>
+              <a:rPr lang="en-US" sz="1600" b="1" noProof="1" smtClean="0">
+                <a:solidFill>
+                  <a:srgbClr val="8CF4F2"/>
+                </a:solidFill>
+                <a:effectLst>
+                  <a:outerShdw blurRad="38100" dist="38100" dir="2700000" algn="tl">
+                    <a:srgbClr val="000000">
+                      <a:alpha val="43137"/>
+                    </a:srgbClr>
+                  </a:outerShdw>
+                </a:effectLst>
+                <a:latin typeface="Consolas" pitchFamily="49" charset="0"/>
+                <a:cs typeface="Consolas" pitchFamily="49" charset="0"/>
+              </a:rPr>
+              <a:t>{</a:t>
+            </a:r>
+            <a:endParaRPr lang="en-US" sz="1600" b="1" noProof="1">
+              <a:solidFill>
+                <a:srgbClr val="8CF4F2"/>
+              </a:solidFill>
+              <a:effectLst>
+                <a:outerShdw blurRad="38100" dist="38100" dir="2700000" algn="tl">
+                  <a:srgbClr val="000000">
+                    <a:alpha val="43137"/>
+                  </a:srgbClr>
+                </a:outerShdw>
+              </a:effectLst>
+              <a:latin typeface="Consolas" pitchFamily="49" charset="0"/>
+              <a:cs typeface="Consolas" pitchFamily="49" charset="0"/>
+            </a:endParaRPr>
+          </a:p>
+          <a:p>
+            <a:pPr>
+              <a:lnSpc>
+                <a:spcPct val="100000"/>
+              </a:lnSpc>
+              <a:spcBef>
+                <a:spcPts val="0"/>
+              </a:spcBef>
+              <a:buClr>
+                <a:schemeClr val="accent5">
+                  <a:lumMod val="40000"/>
+                  <a:lumOff val="60000"/>
+                </a:schemeClr>
+              </a:buClr>
+              <a:buSzPct val="70000"/>
+            </a:pPr>
+            <a:r>
+              <a:rPr lang="en-US" sz="1600" b="1" noProof="1" smtClean="0">
+                <a:solidFill>
+                  <a:srgbClr val="8CF4F2"/>
+                </a:solidFill>
+                <a:effectLst>
+                  <a:outerShdw blurRad="38100" dist="38100" dir="2700000" algn="tl">
+                    <a:srgbClr val="000000">
+                      <a:alpha val="43137"/>
+                    </a:srgbClr>
+                  </a:outerShdw>
+                </a:effectLst>
+                <a:latin typeface="Consolas" pitchFamily="49" charset="0"/>
+                <a:cs typeface="Consolas" pitchFamily="49" charset="0"/>
+              </a:rPr>
+              <a:t>    	//</a:t>
+            </a:r>
+            <a:r>
+              <a:rPr lang="en-US" sz="1600" b="1" noProof="1">
+                <a:solidFill>
+                  <a:srgbClr val="8CF4F2"/>
+                </a:solidFill>
+                <a:effectLst>
+                  <a:outerShdw blurRad="38100" dist="38100" dir="2700000" algn="tl">
+                    <a:srgbClr val="000000">
+                      <a:alpha val="43137"/>
+                    </a:srgbClr>
+                  </a:outerShdw>
+                </a:effectLst>
+                <a:latin typeface="Consolas" pitchFamily="49" charset="0"/>
+                <a:cs typeface="Consolas" pitchFamily="49" charset="0"/>
+              </a:rPr>
+              <a:t>constructor</a:t>
+            </a:r>
+          </a:p>
+          <a:p>
+            <a:pPr lvl="1">
+              <a:spcBef>
+                <a:spcPts val="0"/>
+              </a:spcBef>
+              <a:buClr>
+                <a:schemeClr val="accent5">
+                  <a:lumMod val="40000"/>
+                  <a:lumOff val="60000"/>
+                </a:schemeClr>
+              </a:buClr>
+              <a:buSzPct val="70000"/>
+            </a:pPr>
+            <a:r>
+              <a:rPr lang="en-US" sz="1600" b="1" noProof="1" smtClean="0">
+                <a:solidFill>
+                  <a:srgbClr val="8CF4F2"/>
+                </a:solidFill>
+                <a:effectLst>
+                  <a:outerShdw blurRad="38100" dist="38100" dir="2700000" algn="tl">
+                    <a:srgbClr val="000000">
+                      <a:alpha val="43137"/>
+                    </a:srgbClr>
+                  </a:outerShdw>
+                </a:effectLst>
+                <a:latin typeface="Consolas" pitchFamily="49" charset="0"/>
+                <a:cs typeface="Consolas" pitchFamily="49" charset="0"/>
+              </a:rPr>
+              <a:t>	public </a:t>
+            </a:r>
+            <a:r>
+              <a:rPr lang="en-US" sz="1600" b="1" noProof="1">
+                <a:solidFill>
+                  <a:srgbClr val="8CF4F2"/>
+                </a:solidFill>
+                <a:effectLst>
+                  <a:outerShdw blurRad="38100" dist="38100" dir="2700000" algn="tl">
+                    <a:srgbClr val="000000">
+                      <a:alpha val="43137"/>
+                    </a:srgbClr>
+                  </a:outerShdw>
+                </a:effectLst>
+                <a:latin typeface="Consolas" pitchFamily="49" charset="0"/>
+                <a:cs typeface="Consolas" pitchFamily="49" charset="0"/>
+              </a:rPr>
+              <a:t>function __construct($field_init_value)</a:t>
+            </a:r>
+          </a:p>
+          <a:p>
+            <a:pPr lvl="1">
+              <a:spcBef>
+                <a:spcPts val="0"/>
+              </a:spcBef>
+              <a:buClr>
+                <a:schemeClr val="accent5">
+                  <a:lumMod val="40000"/>
+                  <a:lumOff val="60000"/>
+                </a:schemeClr>
+              </a:buClr>
+              <a:buSzPct val="70000"/>
+            </a:pPr>
+            <a:r>
+              <a:rPr lang="en-US" sz="1600" b="1" noProof="1" smtClean="0">
+                <a:solidFill>
+                  <a:srgbClr val="8CF4F2"/>
+                </a:solidFill>
+                <a:effectLst>
+                  <a:outerShdw blurRad="38100" dist="38100" dir="2700000" algn="tl">
+                    <a:srgbClr val="000000">
+                      <a:alpha val="43137"/>
+                    </a:srgbClr>
+                  </a:outerShdw>
+                </a:effectLst>
+                <a:latin typeface="Consolas" pitchFamily="49" charset="0"/>
+                <a:cs typeface="Consolas" pitchFamily="49" charset="0"/>
+              </a:rPr>
+              <a:t>    </a:t>
+            </a:r>
+            <a:r>
+              <a:rPr lang="en-US" sz="1600" b="1" noProof="1">
+                <a:solidFill>
+                  <a:srgbClr val="8CF4F2"/>
+                </a:solidFill>
+                <a:effectLst>
+                  <a:outerShdw blurRad="38100" dist="38100" dir="2700000" algn="tl">
+                    <a:srgbClr val="000000">
+                      <a:alpha val="43137"/>
+                    </a:srgbClr>
+                  </a:outerShdw>
+                </a:effectLst>
+                <a:latin typeface="Consolas" pitchFamily="49" charset="0"/>
+                <a:cs typeface="Consolas" pitchFamily="49" charset="0"/>
+              </a:rPr>
+              <a:t>{</a:t>
+            </a:r>
+          </a:p>
+          <a:p>
+            <a:pPr lvl="2">
+              <a:spcBef>
+                <a:spcPts val="0"/>
+              </a:spcBef>
+              <a:buClr>
+                <a:schemeClr val="accent5">
+                  <a:lumMod val="40000"/>
+                  <a:lumOff val="60000"/>
+                </a:schemeClr>
+              </a:buClr>
+              <a:buSzPct val="70000"/>
+            </a:pPr>
+            <a:r>
+              <a:rPr lang="en-US" sz="1600" b="1" noProof="1" smtClean="0">
+                <a:solidFill>
+                  <a:srgbClr val="8CF4F2"/>
+                </a:solidFill>
+                <a:effectLst>
+                  <a:outerShdw blurRad="38100" dist="38100" dir="2700000" algn="tl">
+                    <a:srgbClr val="000000">
+                      <a:alpha val="43137"/>
+                    </a:srgbClr>
+                  </a:outerShdw>
+                </a:effectLst>
+                <a:latin typeface="Consolas" pitchFamily="49" charset="0"/>
+                <a:cs typeface="Consolas" pitchFamily="49" charset="0"/>
+              </a:rPr>
+              <a:t>    </a:t>
+            </a:r>
+            <a:r>
+              <a:rPr lang="en-US" sz="1600" b="1" noProof="1">
+                <a:solidFill>
+                  <a:srgbClr val="8CF4F2"/>
+                </a:solidFill>
+                <a:effectLst>
+                  <a:outerShdw blurRad="38100" dist="38100" dir="2700000" algn="tl">
+                    <a:srgbClr val="000000">
+                      <a:alpha val="43137"/>
+                    </a:srgbClr>
+                  </a:outerShdw>
+                </a:effectLst>
+                <a:latin typeface="Consolas" pitchFamily="49" charset="0"/>
+                <a:cs typeface="Consolas" pitchFamily="49" charset="0"/>
+              </a:rPr>
+              <a:t>	$this-&gt;field=$field_init_value;</a:t>
+            </a:r>
+          </a:p>
+          <a:p>
+            <a:pPr>
+              <a:lnSpc>
+                <a:spcPct val="100000"/>
+              </a:lnSpc>
+              <a:spcBef>
+                <a:spcPts val="0"/>
+              </a:spcBef>
+              <a:buClr>
+                <a:schemeClr val="accent5">
+                  <a:lumMod val="40000"/>
+                  <a:lumOff val="60000"/>
+                </a:schemeClr>
+              </a:buClr>
+              <a:buSzPct val="70000"/>
+            </a:pPr>
+            <a:r>
+              <a:rPr lang="en-US" sz="1600" b="1" noProof="1" smtClean="0">
+                <a:solidFill>
+                  <a:srgbClr val="8CF4F2"/>
+                </a:solidFill>
+                <a:effectLst>
+                  <a:outerShdw blurRad="38100" dist="38100" dir="2700000" algn="tl">
+                    <a:srgbClr val="000000">
+                      <a:alpha val="43137"/>
+                    </a:srgbClr>
+                  </a:outerShdw>
+                </a:effectLst>
+                <a:latin typeface="Consolas" pitchFamily="49" charset="0"/>
+                <a:cs typeface="Consolas" pitchFamily="49" charset="0"/>
+              </a:rPr>
+              <a:t>	}</a:t>
+            </a:r>
+            <a:endParaRPr lang="en-US" sz="1600" b="1" noProof="1">
+              <a:solidFill>
+                <a:srgbClr val="8CF4F2"/>
+              </a:solidFill>
+              <a:effectLst>
+                <a:outerShdw blurRad="38100" dist="38100" dir="2700000" algn="tl">
+                  <a:srgbClr val="000000">
+                    <a:alpha val="43137"/>
+                  </a:srgbClr>
+                </a:outerShdw>
+              </a:effectLst>
+              <a:latin typeface="Consolas" pitchFamily="49" charset="0"/>
+              <a:cs typeface="Consolas" pitchFamily="49" charset="0"/>
+            </a:endParaRPr>
+          </a:p>
+          <a:p>
+            <a:pPr>
+              <a:lnSpc>
+                <a:spcPct val="100000"/>
+              </a:lnSpc>
+              <a:spcBef>
+                <a:spcPts val="0"/>
+              </a:spcBef>
+              <a:buClr>
+                <a:schemeClr val="accent5">
+                  <a:lumMod val="40000"/>
+                  <a:lumOff val="60000"/>
+                </a:schemeClr>
+              </a:buClr>
+              <a:buSzPct val="70000"/>
+            </a:pPr>
+            <a:endParaRPr lang="en-US" sz="1600" b="1" noProof="1" smtClean="0">
+              <a:solidFill>
+                <a:srgbClr val="8CF4F2"/>
+              </a:solidFill>
+              <a:effectLst>
+                <a:outerShdw blurRad="38100" dist="38100" dir="2700000" algn="tl">
+                  <a:srgbClr val="000000">
+                    <a:alpha val="43137"/>
+                  </a:srgbClr>
+                </a:outerShdw>
+              </a:effectLst>
+              <a:latin typeface="Consolas" pitchFamily="49" charset="0"/>
+              <a:cs typeface="Consolas" pitchFamily="49" charset="0"/>
+            </a:endParaRPr>
+          </a:p>
+          <a:p>
+            <a:pPr>
+              <a:lnSpc>
+                <a:spcPct val="100000"/>
+              </a:lnSpc>
+              <a:spcBef>
+                <a:spcPts val="0"/>
+              </a:spcBef>
+              <a:buClr>
+                <a:schemeClr val="accent5">
+                  <a:lumMod val="40000"/>
+                  <a:lumOff val="60000"/>
+                </a:schemeClr>
+              </a:buClr>
+              <a:buSzPct val="70000"/>
+            </a:pPr>
+            <a:r>
+              <a:rPr lang="en-US" sz="1600" b="1" noProof="1" smtClean="0">
+                <a:solidFill>
+                  <a:srgbClr val="8CF4F2"/>
+                </a:solidFill>
+                <a:effectLst>
+                  <a:outerShdw blurRad="38100" dist="38100" dir="2700000" algn="tl">
+                    <a:srgbClr val="000000">
+                      <a:alpha val="43137"/>
+                    </a:srgbClr>
+                  </a:outerShdw>
+                </a:effectLst>
+                <a:latin typeface="Consolas" pitchFamily="49" charset="0"/>
+                <a:cs typeface="Consolas" pitchFamily="49" charset="0"/>
+              </a:rPr>
+              <a:t>	// </a:t>
+            </a:r>
+            <a:r>
+              <a:rPr lang="en-US" sz="1600" b="1" noProof="1">
+                <a:solidFill>
+                  <a:srgbClr val="8CF4F2"/>
+                </a:solidFill>
+                <a:effectLst>
+                  <a:outerShdw blurRad="38100" dist="38100" dir="2700000" algn="tl">
+                    <a:srgbClr val="000000">
+                      <a:alpha val="43137"/>
+                    </a:srgbClr>
+                  </a:outerShdw>
+                </a:effectLst>
+                <a:latin typeface="Consolas" pitchFamily="49" charset="0"/>
+                <a:cs typeface="Consolas" pitchFamily="49" charset="0"/>
+              </a:rPr>
+              <a:t>property declaration</a:t>
+            </a:r>
+          </a:p>
+          <a:p>
+            <a:pPr>
+              <a:lnSpc>
+                <a:spcPct val="100000"/>
+              </a:lnSpc>
+              <a:spcBef>
+                <a:spcPts val="0"/>
+              </a:spcBef>
+              <a:buClr>
+                <a:schemeClr val="accent5">
+                  <a:lumMod val="40000"/>
+                  <a:lumOff val="60000"/>
+                </a:schemeClr>
+              </a:buClr>
+              <a:buSzPct val="70000"/>
+            </a:pPr>
+            <a:r>
+              <a:rPr lang="en-US" sz="1600" b="1" noProof="1" smtClean="0">
+                <a:solidFill>
+                  <a:srgbClr val="8CF4F2"/>
+                </a:solidFill>
+                <a:effectLst>
+                  <a:outerShdw blurRad="38100" dist="38100" dir="2700000" algn="tl">
+                    <a:srgbClr val="000000">
+                      <a:alpha val="43137"/>
+                    </a:srgbClr>
+                  </a:outerShdw>
+                </a:effectLst>
+                <a:latin typeface="Consolas" pitchFamily="49" charset="0"/>
+                <a:cs typeface="Consolas" pitchFamily="49" charset="0"/>
+              </a:rPr>
+              <a:t>	private </a:t>
+            </a:r>
+            <a:r>
+              <a:rPr lang="en-US" sz="1600" b="1" noProof="1">
+                <a:solidFill>
+                  <a:srgbClr val="8CF4F2"/>
+                </a:solidFill>
+                <a:effectLst>
+                  <a:outerShdw blurRad="38100" dist="38100" dir="2700000" algn="tl">
+                    <a:srgbClr val="000000">
+                      <a:alpha val="43137"/>
+                    </a:srgbClr>
+                  </a:outerShdw>
+                </a:effectLst>
+                <a:latin typeface="Consolas" pitchFamily="49" charset="0"/>
+                <a:cs typeface="Consolas" pitchFamily="49" charset="0"/>
+              </a:rPr>
+              <a:t>$field = 'a default value';</a:t>
+            </a:r>
+          </a:p>
+          <a:p>
+            <a:pPr>
+              <a:lnSpc>
+                <a:spcPct val="100000"/>
+              </a:lnSpc>
+              <a:spcBef>
+                <a:spcPts val="0"/>
+              </a:spcBef>
+              <a:buClr>
+                <a:schemeClr val="accent5">
+                  <a:lumMod val="40000"/>
+                  <a:lumOff val="60000"/>
+                </a:schemeClr>
+              </a:buClr>
+              <a:buSzPct val="70000"/>
+            </a:pPr>
+            <a:endParaRPr lang="en-US" sz="1600" b="1" noProof="1" smtClean="0">
+              <a:solidFill>
+                <a:srgbClr val="8CF4F2"/>
+              </a:solidFill>
+              <a:effectLst>
+                <a:outerShdw blurRad="38100" dist="38100" dir="2700000" algn="tl">
+                  <a:srgbClr val="000000">
+                    <a:alpha val="43137"/>
+                  </a:srgbClr>
+                </a:outerShdw>
+              </a:effectLst>
+              <a:latin typeface="Consolas" pitchFamily="49" charset="0"/>
+              <a:cs typeface="Consolas" pitchFamily="49" charset="0"/>
+            </a:endParaRPr>
+          </a:p>
+          <a:p>
+            <a:pPr>
+              <a:lnSpc>
+                <a:spcPct val="100000"/>
+              </a:lnSpc>
+              <a:spcBef>
+                <a:spcPts val="0"/>
+              </a:spcBef>
+              <a:buClr>
+                <a:schemeClr val="accent5">
+                  <a:lumMod val="40000"/>
+                  <a:lumOff val="60000"/>
+                </a:schemeClr>
+              </a:buClr>
+              <a:buSzPct val="70000"/>
+            </a:pPr>
+            <a:r>
+              <a:rPr lang="en-US" sz="1600" b="1" noProof="1" smtClean="0">
+                <a:solidFill>
+                  <a:srgbClr val="8CF4F2"/>
+                </a:solidFill>
+                <a:effectLst>
+                  <a:outerShdw blurRad="38100" dist="38100" dir="2700000" algn="tl">
+                    <a:srgbClr val="000000">
+                      <a:alpha val="43137"/>
+                    </a:srgbClr>
+                  </a:outerShdw>
+                </a:effectLst>
+                <a:latin typeface="Consolas" pitchFamily="49" charset="0"/>
+                <a:cs typeface="Consolas" pitchFamily="49" charset="0"/>
+              </a:rPr>
+              <a:t>	// method declaration</a:t>
+            </a:r>
+          </a:p>
+          <a:p>
+            <a:pPr>
+              <a:lnSpc>
+                <a:spcPct val="100000"/>
+              </a:lnSpc>
+              <a:spcBef>
+                <a:spcPts val="0"/>
+              </a:spcBef>
+              <a:buClr>
+                <a:schemeClr val="accent5">
+                  <a:lumMod val="40000"/>
+                  <a:lumOff val="60000"/>
+                </a:schemeClr>
+              </a:buClr>
+              <a:buSzPct val="70000"/>
+            </a:pPr>
+            <a:r>
+              <a:rPr lang="en-US" sz="1600" b="1" noProof="1" smtClean="0">
+                <a:solidFill>
+                  <a:srgbClr val="8CF4F2"/>
+                </a:solidFill>
+                <a:effectLst>
+                  <a:outerShdw blurRad="38100" dist="38100" dir="2700000" algn="tl">
+                    <a:srgbClr val="000000">
+                      <a:alpha val="43137"/>
+                    </a:srgbClr>
+                  </a:outerShdw>
+                </a:effectLst>
+                <a:latin typeface="Consolas" pitchFamily="49" charset="0"/>
+                <a:cs typeface="Consolas" pitchFamily="49" charset="0"/>
+              </a:rPr>
+              <a:t>	public function displayField() </a:t>
+            </a:r>
+          </a:p>
+          <a:p>
+            <a:pPr>
+              <a:lnSpc>
+                <a:spcPct val="100000"/>
+              </a:lnSpc>
+              <a:spcBef>
+                <a:spcPts val="0"/>
+              </a:spcBef>
+              <a:buClr>
+                <a:schemeClr val="accent5">
+                  <a:lumMod val="40000"/>
+                  <a:lumOff val="60000"/>
+                </a:schemeClr>
+              </a:buClr>
+              <a:buSzPct val="70000"/>
+            </a:pPr>
+            <a:r>
+              <a:rPr lang="en-US" sz="1600" b="1" noProof="1" smtClean="0">
+                <a:solidFill>
+                  <a:srgbClr val="8CF4F2"/>
+                </a:solidFill>
+                <a:effectLst>
+                  <a:outerShdw blurRad="38100" dist="38100" dir="2700000" algn="tl">
+                    <a:srgbClr val="000000">
+                      <a:alpha val="43137"/>
+                    </a:srgbClr>
+                  </a:outerShdw>
+                </a:effectLst>
+                <a:latin typeface="Consolas" pitchFamily="49" charset="0"/>
+                <a:cs typeface="Consolas" pitchFamily="49" charset="0"/>
+              </a:rPr>
+              <a:t>	{</a:t>
+            </a:r>
+          </a:p>
+          <a:p>
+            <a:pPr>
+              <a:lnSpc>
+                <a:spcPct val="100000"/>
+              </a:lnSpc>
+              <a:spcBef>
+                <a:spcPts val="0"/>
+              </a:spcBef>
+              <a:buClr>
+                <a:schemeClr val="accent5">
+                  <a:lumMod val="40000"/>
+                  <a:lumOff val="60000"/>
+                </a:schemeClr>
+              </a:buClr>
+              <a:buSzPct val="70000"/>
+            </a:pPr>
+            <a:r>
+              <a:rPr lang="en-US" sz="1600" b="1" noProof="1" smtClean="0">
+                <a:solidFill>
+                  <a:srgbClr val="8CF4F2"/>
+                </a:solidFill>
+                <a:effectLst>
+                  <a:outerShdw blurRad="38100" dist="38100" dir="2700000" algn="tl">
+                    <a:srgbClr val="000000">
+                      <a:alpha val="43137"/>
+                    </a:srgbClr>
+                  </a:outerShdw>
+                </a:effectLst>
+                <a:latin typeface="Consolas" pitchFamily="49" charset="0"/>
+                <a:cs typeface="Consolas" pitchFamily="49" charset="0"/>
+              </a:rPr>
+              <a:t>		echo $this-&gt;field;</a:t>
+            </a:r>
+          </a:p>
+          <a:p>
+            <a:pPr>
+              <a:lnSpc>
+                <a:spcPct val="100000"/>
+              </a:lnSpc>
+              <a:spcBef>
+                <a:spcPts val="0"/>
+              </a:spcBef>
+              <a:buClr>
+                <a:schemeClr val="accent5">
+                  <a:lumMod val="40000"/>
+                  <a:lumOff val="60000"/>
+                </a:schemeClr>
+              </a:buClr>
+              <a:buSzPct val="70000"/>
+            </a:pPr>
+            <a:r>
+              <a:rPr lang="en-US" sz="1600" b="1" noProof="1">
+                <a:solidFill>
+                  <a:srgbClr val="8CF4F2"/>
+                </a:solidFill>
+                <a:effectLst>
+                  <a:outerShdw blurRad="38100" dist="38100" dir="2700000" algn="tl">
+                    <a:srgbClr val="000000">
+                      <a:alpha val="43137"/>
+                    </a:srgbClr>
+                  </a:outerShdw>
+                </a:effectLst>
+                <a:latin typeface="Consolas" pitchFamily="49" charset="0"/>
+                <a:cs typeface="Consolas" pitchFamily="49" charset="0"/>
+              </a:rPr>
+              <a:t>	</a:t>
+            </a:r>
+            <a:r>
+              <a:rPr lang="en-US" sz="1600" b="1" noProof="1" smtClean="0">
+                <a:solidFill>
+                  <a:srgbClr val="8CF4F2"/>
+                </a:solidFill>
+                <a:effectLst>
+                  <a:outerShdw blurRad="38100" dist="38100" dir="2700000" algn="tl">
+                    <a:srgbClr val="000000">
+                      <a:alpha val="43137"/>
+                    </a:srgbClr>
+                  </a:outerShdw>
+                </a:effectLst>
+                <a:latin typeface="Consolas" pitchFamily="49" charset="0"/>
+                <a:cs typeface="Consolas" pitchFamily="49" charset="0"/>
+              </a:rPr>
+              <a:t>}</a:t>
+            </a:r>
+          </a:p>
+          <a:p>
+            <a:pPr>
+              <a:lnSpc>
+                <a:spcPct val="100000"/>
+              </a:lnSpc>
+              <a:spcBef>
+                <a:spcPts val="0"/>
+              </a:spcBef>
+              <a:buClr>
+                <a:schemeClr val="accent5">
+                  <a:lumMod val="40000"/>
+                  <a:lumOff val="60000"/>
+                </a:schemeClr>
+              </a:buClr>
+              <a:buSzPct val="70000"/>
+            </a:pPr>
+            <a:r>
+              <a:rPr lang="en-US" sz="1600" b="1" noProof="1" smtClean="0">
+                <a:solidFill>
+                  <a:srgbClr val="8CF4F2"/>
+                </a:solidFill>
+                <a:effectLst>
+                  <a:outerShdw blurRad="38100" dist="38100" dir="2700000" algn="tl">
+                    <a:srgbClr val="000000">
+                      <a:alpha val="43137"/>
+                    </a:srgbClr>
+                  </a:outerShdw>
+                </a:effectLst>
+                <a:latin typeface="Consolas" pitchFamily="49" charset="0"/>
+                <a:cs typeface="Consolas" pitchFamily="49" charset="0"/>
+              </a:rPr>
+              <a:t>}</a:t>
+            </a:r>
+            <a:endParaRPr lang="en-US" sz="1600" b="1" noProof="1">
+              <a:solidFill>
+                <a:srgbClr val="8CF4F2"/>
+              </a:solidFill>
+              <a:effectLst>
+                <a:outerShdw blurRad="38100" dist="38100" dir="2700000" algn="tl">
+                  <a:srgbClr val="000000">
+                    <a:alpha val="43137"/>
+                  </a:srgbClr>
+                </a:outerShdw>
+              </a:effectLst>
+              <a:latin typeface="Consolas" pitchFamily="49" charset="0"/>
+              <a:cs typeface="Consolas" pitchFamily="49" charset="0"/>
+            </a:endParaRPr>
+          </a:p>
+        </p:txBody>
+      </p:sp>
+    </p:spTree>
+    <p:extLst>
+      <p:ext uri="{BB962C8B-B14F-4D97-AF65-F5344CB8AC3E}">
+        <p14:creationId xmlns:p14="http://schemas.microsoft.com/office/powerpoint/2010/main" val="167849796"/>
+      </p:ext>
+    </p:extLst>
+  </p:cSld>
+  <p:clrMapOvr>
+    <a:masterClrMapping/>
+  </p:clrMapOvr>
+  <p:timing>
+    <p:tnLst>
+      <p:par>
+        <p:cTn id="1" dur="indefinite" restart="never" nodeType="tmRoot"/>
+      </p:par>
+    </p:tnLst>
+  </p:timing>
+</p:sld>
+</file>
+
+<file path=ppt/slides/slide35.xml><?xml version="1.0" encoding="utf-8"?>
+<p:sld xmlns:a="http://schemas.openxmlformats.org/drawingml/2006/main" xmlns:r="http://schemas.openxmlformats.org/officeDocument/2006/relationships" xmlns:p="http://schemas.openxmlformats.org/presentationml/2006/main">
+  <p:cSld>
+    <p:spTree>
+      <p:nvGrpSpPr>
+        <p:cNvPr id="1" name=""/>
+        <p:cNvGrpSpPr/>
+        <p:nvPr/>
+      </p:nvGrpSpPr>
+      <p:grpSpPr>
+        <a:xfrm>
+          <a:off x="0" y="0"/>
+          <a:ext cx="0" cy="0"/>
+          <a:chOff x="0" y="0"/>
+          <a:chExt cx="0" cy="0"/>
+        </a:xfrm>
+      </p:grpSpPr>
+      <p:sp>
+        <p:nvSpPr>
+          <p:cNvPr id="2" name="Title 1"/>
+          <p:cNvSpPr>
+            <a:spLocks noGrp="1"/>
+          </p:cNvSpPr>
+          <p:nvPr>
+            <p:ph type="title"/>
+          </p:nvPr>
+        </p:nvSpPr>
+        <p:spPr>
+          <a:xfrm>
+            <a:off x="1828800" y="162086"/>
+            <a:ext cx="7086600" cy="914400"/>
+          </a:xfrm>
+        </p:spPr>
+        <p:txBody>
+          <a:bodyPr/>
+          <a:lstStyle/>
+          <a:p>
+            <a:r>
+              <a:rPr lang="en-US" dirty="0" smtClean="0"/>
+              <a:t>Extending classes</a:t>
+            </a:r>
+            <a:endParaRPr lang="en-US" dirty="0"/>
+          </a:p>
+        </p:txBody>
+      </p:sp>
+      <p:sp>
+        <p:nvSpPr>
+          <p:cNvPr id="3" name="Content Placeholder 2"/>
+          <p:cNvSpPr>
+            <a:spLocks noGrp="1"/>
+          </p:cNvSpPr>
+          <p:nvPr>
+            <p:ph idx="1"/>
+          </p:nvPr>
+        </p:nvSpPr>
+        <p:spPr>
+          <a:xfrm>
+            <a:off x="228600" y="1371600"/>
+            <a:ext cx="8153400" cy="3651348"/>
+          </a:xfrm>
+        </p:spPr>
+        <p:txBody>
+          <a:bodyPr/>
+          <a:lstStyle/>
+          <a:p>
+            <a:pPr lvl="1">
+              <a:lnSpc>
+                <a:spcPct val="100000"/>
+              </a:lnSpc>
+            </a:pPr>
+            <a:r>
+              <a:rPr lang="en-US" dirty="0" smtClean="0"/>
+              <a:t>Using the </a:t>
+            </a:r>
+            <a:r>
+              <a:rPr lang="en-US" dirty="0" smtClean="0">
+                <a:solidFill>
+                  <a:schemeClr val="tx1"/>
+                </a:solidFill>
+              </a:rPr>
+              <a:t>extend</a:t>
+            </a:r>
+            <a:r>
+              <a:rPr lang="en-US" dirty="0" smtClean="0"/>
+              <a:t> keyword</a:t>
+            </a:r>
+          </a:p>
+          <a:p>
+            <a:pPr lvl="1">
+              <a:lnSpc>
+                <a:spcPct val="100000"/>
+              </a:lnSpc>
+            </a:pPr>
+            <a:endParaRPr lang="en-US" dirty="0" smtClean="0"/>
+          </a:p>
+          <a:p>
+            <a:pPr marL="357188" lvl="1" indent="0">
+              <a:lnSpc>
+                <a:spcPct val="100000"/>
+              </a:lnSpc>
+              <a:buNone/>
+            </a:pPr>
+            <a:endParaRPr lang="en-US" dirty="0"/>
+          </a:p>
+          <a:p>
+            <a:pPr lvl="1">
+              <a:lnSpc>
+                <a:spcPct val="100000"/>
+              </a:lnSpc>
+            </a:pPr>
+            <a:r>
+              <a:rPr lang="en-US" dirty="0" smtClean="0"/>
+              <a:t>We can call parent constructor, if needed</a:t>
+            </a:r>
+          </a:p>
+        </p:txBody>
+      </p:sp>
+      <p:sp>
+        <p:nvSpPr>
+          <p:cNvPr id="8" name="Rectangle 4"/>
+          <p:cNvSpPr>
+            <a:spLocks noChangeArrowheads="1"/>
+          </p:cNvSpPr>
+          <p:nvPr/>
+        </p:nvSpPr>
+        <p:spPr bwMode="auto">
+          <a:xfrm>
+            <a:off x="609600" y="3957697"/>
+            <a:ext cx="8153400" cy="2062103"/>
+          </a:xfrm>
+          <a:prstGeom prst="rect">
+            <a:avLst/>
+          </a:prstGeom>
+          <a:solidFill>
+            <a:schemeClr val="accent5">
+              <a:lumMod val="40000"/>
+              <a:lumOff val="60000"/>
+              <a:alpha val="15000"/>
+            </a:schemeClr>
+          </a:solidFill>
+          <a:ln w="12700">
+            <a:solidFill>
+              <a:schemeClr val="accent5">
+                <a:lumMod val="60000"/>
+                <a:lumOff val="40000"/>
+              </a:schemeClr>
+            </a:solidFill>
+          </a:ln>
+        </p:spPr>
+        <p:txBody>
+          <a:bodyPr wrap="square">
+            <a:spAutoFit/>
+          </a:bodyPr>
+          <a:lstStyle/>
+          <a:p>
+            <a:pPr>
+              <a:lnSpc>
+                <a:spcPct val="100000"/>
+              </a:lnSpc>
+              <a:spcBef>
+                <a:spcPts val="0"/>
+              </a:spcBef>
+              <a:buClr>
+                <a:schemeClr val="accent5">
+                  <a:lumMod val="40000"/>
+                  <a:lumOff val="60000"/>
+                </a:schemeClr>
+              </a:buClr>
+              <a:buSzPct val="70000"/>
+            </a:pPr>
+            <a:r>
+              <a:rPr lang="en-US" sz="1600" b="1" noProof="1">
+                <a:solidFill>
+                  <a:srgbClr val="8CF4F2"/>
+                </a:solidFill>
+                <a:effectLst>
+                  <a:outerShdw blurRad="38100" dist="38100" dir="2700000" algn="tl">
+                    <a:srgbClr val="000000">
+                      <a:alpha val="43137"/>
+                    </a:srgbClr>
+                  </a:outerShdw>
+                </a:effectLst>
+                <a:latin typeface="Consolas" pitchFamily="49" charset="0"/>
+                <a:cs typeface="Consolas" pitchFamily="49" charset="0"/>
+              </a:rPr>
+              <a:t>class ExtendClass extends SimpleClass</a:t>
+            </a:r>
+          </a:p>
+          <a:p>
+            <a:pPr>
+              <a:lnSpc>
+                <a:spcPct val="100000"/>
+              </a:lnSpc>
+              <a:spcBef>
+                <a:spcPts val="0"/>
+              </a:spcBef>
+              <a:buClr>
+                <a:schemeClr val="accent5">
+                  <a:lumMod val="40000"/>
+                  <a:lumOff val="60000"/>
+                </a:schemeClr>
+              </a:buClr>
+              <a:buSzPct val="70000"/>
+            </a:pPr>
+            <a:r>
+              <a:rPr lang="en-US" sz="1600" b="1" noProof="1">
+                <a:solidFill>
+                  <a:srgbClr val="8CF4F2"/>
+                </a:solidFill>
+                <a:effectLst>
+                  <a:outerShdw blurRad="38100" dist="38100" dir="2700000" algn="tl">
+                    <a:srgbClr val="000000">
+                      <a:alpha val="43137"/>
+                    </a:srgbClr>
+                  </a:outerShdw>
+                </a:effectLst>
+                <a:latin typeface="Consolas" pitchFamily="49" charset="0"/>
+                <a:cs typeface="Consolas" pitchFamily="49" charset="0"/>
+              </a:rPr>
+              <a:t>{</a:t>
+            </a:r>
+          </a:p>
+          <a:p>
+            <a:pPr lvl="1">
+              <a:spcBef>
+                <a:spcPts val="0"/>
+              </a:spcBef>
+              <a:buClr>
+                <a:schemeClr val="accent5">
+                  <a:lumMod val="40000"/>
+                  <a:lumOff val="60000"/>
+                </a:schemeClr>
+              </a:buClr>
+              <a:buSzPct val="70000"/>
+            </a:pPr>
+            <a:r>
+              <a:rPr lang="en-US" sz="1600" b="1" noProof="1">
+                <a:solidFill>
+                  <a:srgbClr val="8CF4F2"/>
+                </a:solidFill>
+                <a:effectLst>
+                  <a:outerShdw blurRad="38100" dist="38100" dir="2700000" algn="tl">
+                    <a:srgbClr val="000000">
+                      <a:alpha val="43137"/>
+                    </a:srgbClr>
+                  </a:outerShdw>
+                </a:effectLst>
+                <a:latin typeface="Consolas" pitchFamily="49" charset="0"/>
+                <a:cs typeface="Consolas" pitchFamily="49" charset="0"/>
+              </a:rPr>
+              <a:t>public function __construct($field_init_value)</a:t>
+            </a:r>
+          </a:p>
+          <a:p>
+            <a:pPr lvl="1">
+              <a:spcBef>
+                <a:spcPts val="0"/>
+              </a:spcBef>
+              <a:buClr>
+                <a:schemeClr val="accent5">
+                  <a:lumMod val="40000"/>
+                  <a:lumOff val="60000"/>
+                </a:schemeClr>
+              </a:buClr>
+              <a:buSzPct val="70000"/>
+            </a:pPr>
+            <a:r>
+              <a:rPr lang="en-US" sz="1600" b="1" noProof="1">
+                <a:solidFill>
+                  <a:srgbClr val="8CF4F2"/>
+                </a:solidFill>
+                <a:effectLst>
+                  <a:outerShdw blurRad="38100" dist="38100" dir="2700000" algn="tl">
+                    <a:srgbClr val="000000">
+                      <a:alpha val="43137"/>
+                    </a:srgbClr>
+                  </a:outerShdw>
+                </a:effectLst>
+                <a:latin typeface="Consolas" pitchFamily="49" charset="0"/>
+                <a:cs typeface="Consolas" pitchFamily="49" charset="0"/>
+              </a:rPr>
+              <a:t>{</a:t>
+            </a:r>
+          </a:p>
+          <a:p>
+            <a:pPr lvl="1">
+              <a:spcBef>
+                <a:spcPts val="0"/>
+              </a:spcBef>
+              <a:buClr>
+                <a:schemeClr val="accent5">
+                  <a:lumMod val="40000"/>
+                  <a:lumOff val="60000"/>
+                </a:schemeClr>
+              </a:buClr>
+              <a:buSzPct val="70000"/>
+            </a:pPr>
+            <a:r>
+              <a:rPr lang="en-US" sz="1600" b="1" noProof="1">
+                <a:solidFill>
+                  <a:srgbClr val="8CF4F2"/>
+                </a:solidFill>
+                <a:effectLst>
+                  <a:outerShdw blurRad="38100" dist="38100" dir="2700000" algn="tl">
+                    <a:srgbClr val="000000">
+                      <a:alpha val="43137"/>
+                    </a:srgbClr>
+                  </a:outerShdw>
+                </a:effectLst>
+                <a:latin typeface="Consolas" pitchFamily="49" charset="0"/>
+                <a:cs typeface="Consolas" pitchFamily="49" charset="0"/>
+              </a:rPr>
+              <a:t>	parent::__construct($field_init_value);</a:t>
+            </a:r>
+          </a:p>
+          <a:p>
+            <a:pPr lvl="1">
+              <a:spcBef>
+                <a:spcPts val="0"/>
+              </a:spcBef>
+              <a:buClr>
+                <a:schemeClr val="accent5">
+                  <a:lumMod val="40000"/>
+                  <a:lumOff val="60000"/>
+                </a:schemeClr>
+              </a:buClr>
+              <a:buSzPct val="70000"/>
+            </a:pPr>
+            <a:r>
+              <a:rPr lang="en-US" sz="1600" b="1" noProof="1">
+                <a:solidFill>
+                  <a:srgbClr val="8CF4F2"/>
+                </a:solidFill>
+                <a:effectLst>
+                  <a:outerShdw blurRad="38100" dist="38100" dir="2700000" algn="tl">
+                    <a:srgbClr val="000000">
+                      <a:alpha val="43137"/>
+                    </a:srgbClr>
+                  </a:outerShdw>
+                </a:effectLst>
+                <a:latin typeface="Consolas" pitchFamily="49" charset="0"/>
+                <a:cs typeface="Consolas" pitchFamily="49" charset="0"/>
+              </a:rPr>
+              <a:t>	//do more stuff here...			</a:t>
+            </a:r>
+          </a:p>
+          <a:p>
+            <a:pPr lvl="1">
+              <a:spcBef>
+                <a:spcPts val="0"/>
+              </a:spcBef>
+              <a:buClr>
+                <a:schemeClr val="accent5">
+                  <a:lumMod val="40000"/>
+                  <a:lumOff val="60000"/>
+                </a:schemeClr>
+              </a:buClr>
+              <a:buSzPct val="70000"/>
+            </a:pPr>
+            <a:r>
+              <a:rPr lang="en-US" sz="1600" b="1" noProof="1">
+                <a:solidFill>
+                  <a:srgbClr val="8CF4F2"/>
+                </a:solidFill>
+                <a:effectLst>
+                  <a:outerShdw blurRad="38100" dist="38100" dir="2700000" algn="tl">
+                    <a:srgbClr val="000000">
+                      <a:alpha val="43137"/>
+                    </a:srgbClr>
+                  </a:outerShdw>
+                </a:effectLst>
+                <a:latin typeface="Consolas" pitchFamily="49" charset="0"/>
+                <a:cs typeface="Consolas" pitchFamily="49" charset="0"/>
+              </a:rPr>
+              <a:t>} 	</a:t>
+            </a:r>
+          </a:p>
+          <a:p>
+            <a:pPr>
+              <a:lnSpc>
+                <a:spcPct val="100000"/>
+              </a:lnSpc>
+              <a:spcBef>
+                <a:spcPts val="0"/>
+              </a:spcBef>
+              <a:buClr>
+                <a:schemeClr val="accent5">
+                  <a:lumMod val="40000"/>
+                  <a:lumOff val="60000"/>
+                </a:schemeClr>
+              </a:buClr>
+              <a:buSzPct val="70000"/>
+            </a:pPr>
+            <a:r>
+              <a:rPr lang="en-US" sz="1600" b="1" noProof="1" smtClean="0">
+                <a:solidFill>
+                  <a:srgbClr val="8CF4F2"/>
+                </a:solidFill>
+                <a:effectLst>
+                  <a:outerShdw blurRad="38100" dist="38100" dir="2700000" algn="tl">
+                    <a:srgbClr val="000000">
+                      <a:alpha val="43137"/>
+                    </a:srgbClr>
+                  </a:outerShdw>
+                </a:effectLst>
+                <a:latin typeface="Consolas" pitchFamily="49" charset="0"/>
+                <a:cs typeface="Consolas" pitchFamily="49" charset="0"/>
+              </a:rPr>
+              <a:t>}</a:t>
+            </a:r>
+            <a:r>
+              <a:rPr lang="en-US" sz="1600" b="1" noProof="1">
+                <a:solidFill>
+                  <a:srgbClr val="8CF4F2"/>
+                </a:solidFill>
+                <a:effectLst>
+                  <a:outerShdw blurRad="38100" dist="38100" dir="2700000" algn="tl">
+                    <a:srgbClr val="000000">
+                      <a:alpha val="43137"/>
+                    </a:srgbClr>
+                  </a:outerShdw>
+                </a:effectLst>
+                <a:latin typeface="Consolas" pitchFamily="49" charset="0"/>
+                <a:cs typeface="Consolas" pitchFamily="49" charset="0"/>
+              </a:rPr>
+              <a:t>	</a:t>
+            </a:r>
+            <a:endParaRPr lang="en-US" sz="1600" b="1" noProof="1">
+              <a:solidFill>
+                <a:srgbClr val="8CF4F2"/>
+              </a:solidFill>
+              <a:effectLst>
+                <a:outerShdw blurRad="38100" dist="38100" dir="2700000" algn="tl">
+                  <a:srgbClr val="000000">
+                    <a:alpha val="43137"/>
+                  </a:srgbClr>
+                </a:outerShdw>
+              </a:effectLst>
+              <a:latin typeface="Consolas" pitchFamily="49" charset="0"/>
+              <a:cs typeface="Consolas" pitchFamily="49" charset="0"/>
+            </a:endParaRPr>
+          </a:p>
+        </p:txBody>
+      </p:sp>
+      <p:sp>
+        <p:nvSpPr>
+          <p:cNvPr id="5" name="Rectangle 4"/>
+          <p:cNvSpPr>
+            <a:spLocks noChangeArrowheads="1"/>
+          </p:cNvSpPr>
+          <p:nvPr/>
+        </p:nvSpPr>
+        <p:spPr bwMode="auto">
+          <a:xfrm>
+            <a:off x="594360" y="1981200"/>
+            <a:ext cx="8153400" cy="1077218"/>
+          </a:xfrm>
+          <a:prstGeom prst="rect">
+            <a:avLst/>
+          </a:prstGeom>
+          <a:solidFill>
+            <a:schemeClr val="accent5">
+              <a:lumMod val="40000"/>
+              <a:lumOff val="60000"/>
+              <a:alpha val="15000"/>
+            </a:schemeClr>
+          </a:solidFill>
+          <a:ln w="12700">
+            <a:solidFill>
+              <a:schemeClr val="accent5">
+                <a:lumMod val="60000"/>
+                <a:lumOff val="40000"/>
+              </a:schemeClr>
+            </a:solidFill>
+          </a:ln>
+        </p:spPr>
+        <p:txBody>
+          <a:bodyPr wrap="square">
+            <a:spAutoFit/>
+          </a:bodyPr>
+          <a:lstStyle/>
+          <a:p>
+            <a:pPr>
+              <a:lnSpc>
+                <a:spcPct val="100000"/>
+              </a:lnSpc>
+              <a:spcBef>
+                <a:spcPts val="0"/>
+              </a:spcBef>
+              <a:buClr>
+                <a:schemeClr val="accent5">
+                  <a:lumMod val="40000"/>
+                  <a:lumOff val="60000"/>
+                </a:schemeClr>
+              </a:buClr>
+              <a:buSzPct val="70000"/>
+            </a:pPr>
+            <a:r>
+              <a:rPr lang="en-US" sz="1600" b="1" noProof="1" smtClean="0">
+                <a:solidFill>
+                  <a:srgbClr val="8CF4F2"/>
+                </a:solidFill>
+                <a:effectLst>
+                  <a:outerShdw blurRad="38100" dist="38100" dir="2700000" algn="tl">
+                    <a:srgbClr val="000000">
+                      <a:alpha val="43137"/>
+                    </a:srgbClr>
+                  </a:outerShdw>
+                </a:effectLst>
+                <a:latin typeface="Consolas" pitchFamily="49" charset="0"/>
+                <a:cs typeface="Consolas" pitchFamily="49" charset="0"/>
+              </a:rPr>
+              <a:t>class </a:t>
+            </a:r>
+            <a:r>
+              <a:rPr lang="en-US" sz="1600" b="1" noProof="1">
+                <a:solidFill>
+                  <a:srgbClr val="8CF4F2"/>
+                </a:solidFill>
+                <a:effectLst>
+                  <a:outerShdw blurRad="38100" dist="38100" dir="2700000" algn="tl">
+                    <a:srgbClr val="000000">
+                      <a:alpha val="43137"/>
+                    </a:srgbClr>
+                  </a:outerShdw>
+                </a:effectLst>
+                <a:latin typeface="Consolas" pitchFamily="49" charset="0"/>
+                <a:cs typeface="Consolas" pitchFamily="49" charset="0"/>
+              </a:rPr>
+              <a:t>ExtendClass extends SimpleClass</a:t>
+            </a:r>
+          </a:p>
+          <a:p>
+            <a:pPr>
+              <a:lnSpc>
+                <a:spcPct val="100000"/>
+              </a:lnSpc>
+              <a:spcBef>
+                <a:spcPts val="0"/>
+              </a:spcBef>
+              <a:buClr>
+                <a:schemeClr val="accent5">
+                  <a:lumMod val="40000"/>
+                  <a:lumOff val="60000"/>
+                </a:schemeClr>
+              </a:buClr>
+              <a:buSzPct val="70000"/>
+            </a:pPr>
+            <a:r>
+              <a:rPr lang="en-US" sz="1600" b="1" noProof="1" smtClean="0">
+                <a:solidFill>
+                  <a:srgbClr val="8CF4F2"/>
+                </a:solidFill>
+                <a:effectLst>
+                  <a:outerShdw blurRad="38100" dist="38100" dir="2700000" algn="tl">
+                    <a:srgbClr val="000000">
+                      <a:alpha val="43137"/>
+                    </a:srgbClr>
+                  </a:outerShdw>
+                </a:effectLst>
+                <a:latin typeface="Consolas" pitchFamily="49" charset="0"/>
+                <a:cs typeface="Consolas" pitchFamily="49" charset="0"/>
+              </a:rPr>
+              <a:t>{</a:t>
+            </a:r>
+            <a:endParaRPr lang="en-US" sz="1600" b="1" noProof="1">
+              <a:solidFill>
+                <a:srgbClr val="8CF4F2"/>
+              </a:solidFill>
+              <a:effectLst>
+                <a:outerShdw blurRad="38100" dist="38100" dir="2700000" algn="tl">
+                  <a:srgbClr val="000000">
+                    <a:alpha val="43137"/>
+                  </a:srgbClr>
+                </a:outerShdw>
+              </a:effectLst>
+              <a:latin typeface="Consolas" pitchFamily="49" charset="0"/>
+              <a:cs typeface="Consolas" pitchFamily="49" charset="0"/>
+            </a:endParaRPr>
+          </a:p>
+          <a:p>
+            <a:pPr>
+              <a:lnSpc>
+                <a:spcPct val="100000"/>
+              </a:lnSpc>
+              <a:spcBef>
+                <a:spcPts val="0"/>
+              </a:spcBef>
+              <a:buClr>
+                <a:schemeClr val="accent5">
+                  <a:lumMod val="40000"/>
+                  <a:lumOff val="60000"/>
+                </a:schemeClr>
+              </a:buClr>
+              <a:buSzPct val="70000"/>
+            </a:pPr>
+            <a:r>
+              <a:rPr lang="en-US" sz="1600" b="1" noProof="1" smtClean="0">
+                <a:solidFill>
+                  <a:srgbClr val="8CF4F2"/>
+                </a:solidFill>
+                <a:effectLst>
+                  <a:outerShdw blurRad="38100" dist="38100" dir="2700000" algn="tl">
+                    <a:srgbClr val="000000">
+                      <a:alpha val="43137"/>
+                    </a:srgbClr>
+                  </a:outerShdw>
+                </a:effectLst>
+                <a:latin typeface="Consolas" pitchFamily="49" charset="0"/>
+                <a:cs typeface="Consolas" pitchFamily="49" charset="0"/>
+              </a:rPr>
+              <a:t>	...</a:t>
+            </a:r>
+            <a:endParaRPr lang="en-US" sz="1600" b="1" noProof="1">
+              <a:solidFill>
+                <a:srgbClr val="8CF4F2"/>
+              </a:solidFill>
+              <a:effectLst>
+                <a:outerShdw blurRad="38100" dist="38100" dir="2700000" algn="tl">
+                  <a:srgbClr val="000000">
+                    <a:alpha val="43137"/>
+                  </a:srgbClr>
+                </a:outerShdw>
+              </a:effectLst>
+              <a:latin typeface="Consolas" pitchFamily="49" charset="0"/>
+              <a:cs typeface="Consolas" pitchFamily="49" charset="0"/>
+            </a:endParaRPr>
+          </a:p>
+          <a:p>
+            <a:pPr>
+              <a:lnSpc>
+                <a:spcPct val="100000"/>
+              </a:lnSpc>
+              <a:spcBef>
+                <a:spcPts val="0"/>
+              </a:spcBef>
+              <a:buClr>
+                <a:schemeClr val="accent5">
+                  <a:lumMod val="40000"/>
+                  <a:lumOff val="60000"/>
+                </a:schemeClr>
+              </a:buClr>
+              <a:buSzPct val="70000"/>
+            </a:pPr>
+            <a:r>
+              <a:rPr lang="en-US" sz="1600" b="1" noProof="1" smtClean="0">
+                <a:solidFill>
+                  <a:srgbClr val="8CF4F2"/>
+                </a:solidFill>
+                <a:effectLst>
+                  <a:outerShdw blurRad="38100" dist="38100" dir="2700000" algn="tl">
+                    <a:srgbClr val="000000">
+                      <a:alpha val="43137"/>
+                    </a:srgbClr>
+                  </a:outerShdw>
+                </a:effectLst>
+                <a:latin typeface="Consolas" pitchFamily="49" charset="0"/>
+                <a:cs typeface="Consolas" pitchFamily="49" charset="0"/>
+              </a:rPr>
+              <a:t>}</a:t>
+            </a:r>
+            <a:endParaRPr lang="en-US" sz="1600" b="1" noProof="1">
+              <a:solidFill>
+                <a:srgbClr val="8CF4F2"/>
+              </a:solidFill>
+              <a:effectLst>
+                <a:outerShdw blurRad="38100" dist="38100" dir="2700000" algn="tl">
+                  <a:srgbClr val="000000">
+                    <a:alpha val="43137"/>
+                  </a:srgbClr>
+                </a:outerShdw>
+              </a:effectLst>
+              <a:latin typeface="Consolas" pitchFamily="49" charset="0"/>
+              <a:cs typeface="Consolas" pitchFamily="49" charset="0"/>
+            </a:endParaRPr>
+          </a:p>
+        </p:txBody>
+      </p:sp>
+    </p:spTree>
+    <p:extLst>
+      <p:ext uri="{BB962C8B-B14F-4D97-AF65-F5344CB8AC3E}">
+        <p14:creationId xmlns:p14="http://schemas.microsoft.com/office/powerpoint/2010/main" val="2757763123"/>
+      </p:ext>
+    </p:extLst>
+  </p:cSld>
+  <p:clrMapOvr>
+    <a:masterClrMapping/>
+  </p:clrMapOvr>
+  <p:timing>
+    <p:tnLst>
+      <p:par>
+        <p:cTn id="1" dur="indefinite" restart="never" nodeType="tmRoot"/>
+      </p:par>
+    </p:tnLst>
+  </p:timing>
+</p:sld>
+</file>
+
+<file path=ppt/slides/slide36.xml><?xml version="1.0" encoding="utf-8"?>
+<p:sld xmlns:a="http://schemas.openxmlformats.org/drawingml/2006/main" xmlns:r="http://schemas.openxmlformats.org/officeDocument/2006/relationships" xmlns:p="http://schemas.openxmlformats.org/presentationml/2006/main">
+  <p:cSld>
+    <p:spTree>
+      <p:nvGrpSpPr>
+        <p:cNvPr id="1" name=""/>
+        <p:cNvGrpSpPr/>
+        <p:nvPr/>
+      </p:nvGrpSpPr>
+      <p:grpSpPr>
+        <a:xfrm>
+          <a:off x="0" y="0"/>
+          <a:ext cx="0" cy="0"/>
+          <a:chOff x="0" y="0"/>
+          <a:chExt cx="0" cy="0"/>
+        </a:xfrm>
+      </p:grpSpPr>
+      <p:sp>
+        <p:nvSpPr>
+          <p:cNvPr id="2" name="Title 1"/>
+          <p:cNvSpPr>
+            <a:spLocks noGrp="1"/>
+          </p:cNvSpPr>
+          <p:nvPr>
+            <p:ph type="title"/>
+          </p:nvPr>
+        </p:nvSpPr>
+        <p:spPr>
+          <a:xfrm>
+            <a:off x="1828800" y="162086"/>
+            <a:ext cx="7086600" cy="914400"/>
+          </a:xfrm>
+        </p:spPr>
+        <p:txBody>
+          <a:bodyPr/>
+          <a:lstStyle/>
+          <a:p>
+            <a:pPr>
+              <a:lnSpc>
+                <a:spcPct val="100000"/>
+              </a:lnSpc>
+            </a:pPr>
+            <a:r>
+              <a:rPr lang="en-US" dirty="0"/>
+              <a:t>Creating objects</a:t>
+            </a:r>
+            <a:endParaRPr lang="en-US" dirty="0">
+              <a:solidFill>
+                <a:srgbClr val="F4FCD8"/>
+              </a:solidFill>
+            </a:endParaRPr>
+          </a:p>
+        </p:txBody>
+      </p:sp>
+      <p:sp>
+        <p:nvSpPr>
+          <p:cNvPr id="3" name="Content Placeholder 2"/>
+          <p:cNvSpPr>
+            <a:spLocks noGrp="1"/>
+          </p:cNvSpPr>
+          <p:nvPr>
+            <p:ph idx="1"/>
+          </p:nvPr>
+        </p:nvSpPr>
+        <p:spPr>
+          <a:xfrm>
+            <a:off x="228600" y="1454052"/>
+            <a:ext cx="8153400" cy="3651348"/>
+          </a:xfrm>
+        </p:spPr>
+        <p:txBody>
+          <a:bodyPr/>
+          <a:lstStyle/>
+          <a:p>
+            <a:pPr lvl="1">
+              <a:lnSpc>
+                <a:spcPct val="100000"/>
+              </a:lnSpc>
+            </a:pPr>
+            <a:r>
+              <a:rPr lang="en-US" dirty="0" smtClean="0"/>
+              <a:t>Example code</a:t>
+            </a:r>
+          </a:p>
+          <a:p>
+            <a:pPr marL="357188" lvl="1" indent="0">
+              <a:lnSpc>
+                <a:spcPct val="100000"/>
+              </a:lnSpc>
+              <a:buNone/>
+            </a:pPr>
+            <a:endParaRPr lang="en-US" dirty="0"/>
+          </a:p>
+        </p:txBody>
+      </p:sp>
+      <p:sp>
+        <p:nvSpPr>
+          <p:cNvPr id="8" name="Rectangle 4"/>
+          <p:cNvSpPr>
+            <a:spLocks noChangeArrowheads="1"/>
+          </p:cNvSpPr>
+          <p:nvPr/>
+        </p:nvSpPr>
+        <p:spPr bwMode="auto">
+          <a:xfrm>
+            <a:off x="609600" y="2133600"/>
+            <a:ext cx="8153400" cy="4031873"/>
+          </a:xfrm>
+          <a:prstGeom prst="rect">
+            <a:avLst/>
+          </a:prstGeom>
+          <a:solidFill>
+            <a:schemeClr val="accent5">
+              <a:lumMod val="40000"/>
+              <a:lumOff val="60000"/>
+              <a:alpha val="15000"/>
+            </a:schemeClr>
+          </a:solidFill>
+          <a:ln w="12700">
+            <a:solidFill>
+              <a:schemeClr val="accent5">
+                <a:lumMod val="60000"/>
+                <a:lumOff val="40000"/>
+              </a:schemeClr>
+            </a:solidFill>
+          </a:ln>
+        </p:spPr>
+        <p:txBody>
+          <a:bodyPr wrap="square">
+            <a:spAutoFit/>
+          </a:bodyPr>
+          <a:lstStyle/>
+          <a:p>
+            <a:pPr>
+              <a:lnSpc>
+                <a:spcPct val="100000"/>
+              </a:lnSpc>
+              <a:spcBef>
+                <a:spcPts val="0"/>
+              </a:spcBef>
+              <a:buClr>
+                <a:schemeClr val="accent5">
+                  <a:lumMod val="40000"/>
+                  <a:lumOff val="60000"/>
+                </a:schemeClr>
+              </a:buClr>
+              <a:buSzPct val="70000"/>
+            </a:pPr>
+            <a:r>
+              <a:rPr lang="en-US" sz="1600" b="1" noProof="1" smtClean="0">
+                <a:solidFill>
+                  <a:srgbClr val="8CF4F2"/>
+                </a:solidFill>
+                <a:effectLst>
+                  <a:outerShdw blurRad="38100" dist="38100" dir="2700000" algn="tl">
+                    <a:srgbClr val="000000">
+                      <a:alpha val="43137"/>
+                    </a:srgbClr>
+                  </a:outerShdw>
+                </a:effectLst>
+                <a:latin typeface="Consolas" pitchFamily="49" charset="0"/>
+                <a:cs typeface="Consolas" pitchFamily="49" charset="0"/>
+              </a:rPr>
+              <a:t>//</a:t>
+            </a:r>
+            <a:r>
+              <a:rPr lang="en-US" sz="1600" b="1" noProof="1">
+                <a:solidFill>
+                  <a:srgbClr val="8CF4F2"/>
+                </a:solidFill>
+                <a:effectLst>
+                  <a:outerShdw blurRad="38100" dist="38100" dir="2700000" algn="tl">
+                    <a:srgbClr val="000000">
+                      <a:alpha val="43137"/>
+                    </a:srgbClr>
+                  </a:outerShdw>
+                </a:effectLst>
+                <a:latin typeface="Consolas" pitchFamily="49" charset="0"/>
+                <a:cs typeface="Consolas" pitchFamily="49" charset="0"/>
+              </a:rPr>
+              <a:t>instance</a:t>
+            </a:r>
+          </a:p>
+          <a:p>
+            <a:pPr>
+              <a:lnSpc>
+                <a:spcPct val="100000"/>
+              </a:lnSpc>
+              <a:spcBef>
+                <a:spcPts val="0"/>
+              </a:spcBef>
+              <a:buClr>
+                <a:schemeClr val="accent5">
+                  <a:lumMod val="40000"/>
+                  <a:lumOff val="60000"/>
+                </a:schemeClr>
+              </a:buClr>
+              <a:buSzPct val="70000"/>
+            </a:pPr>
+            <a:r>
+              <a:rPr lang="en-US" sz="1600" b="1" noProof="1" smtClean="0">
+                <a:solidFill>
+                  <a:srgbClr val="8CF4F2"/>
+                </a:solidFill>
+                <a:effectLst>
+                  <a:outerShdw blurRad="38100" dist="38100" dir="2700000" algn="tl">
+                    <a:srgbClr val="000000">
+                      <a:alpha val="43137"/>
+                    </a:srgbClr>
+                  </a:outerShdw>
+                </a:effectLst>
+                <a:latin typeface="Consolas" pitchFamily="49" charset="0"/>
+                <a:cs typeface="Consolas" pitchFamily="49" charset="0"/>
+              </a:rPr>
+              <a:t>$</a:t>
+            </a:r>
+            <a:r>
+              <a:rPr lang="en-US" sz="1600" b="1" noProof="1">
+                <a:solidFill>
+                  <a:srgbClr val="8CF4F2"/>
+                </a:solidFill>
+                <a:effectLst>
+                  <a:outerShdw blurRad="38100" dist="38100" dir="2700000" algn="tl">
+                    <a:srgbClr val="000000">
+                      <a:alpha val="43137"/>
+                    </a:srgbClr>
+                  </a:outerShdw>
+                </a:effectLst>
+                <a:latin typeface="Consolas" pitchFamily="49" charset="0"/>
+                <a:cs typeface="Consolas" pitchFamily="49" charset="0"/>
+              </a:rPr>
+              <a:t>instance = new SimpleClass(10);</a:t>
+            </a:r>
+          </a:p>
+          <a:p>
+            <a:pPr>
+              <a:lnSpc>
+                <a:spcPct val="100000"/>
+              </a:lnSpc>
+              <a:spcBef>
+                <a:spcPts val="0"/>
+              </a:spcBef>
+              <a:buClr>
+                <a:schemeClr val="accent5">
+                  <a:lumMod val="40000"/>
+                  <a:lumOff val="60000"/>
+                </a:schemeClr>
+              </a:buClr>
+              <a:buSzPct val="70000"/>
+            </a:pPr>
+            <a:endParaRPr lang="en-US" sz="1600" b="1" noProof="1" smtClean="0">
+              <a:solidFill>
+                <a:srgbClr val="8CF4F2"/>
+              </a:solidFill>
+              <a:effectLst>
+                <a:outerShdw blurRad="38100" dist="38100" dir="2700000" algn="tl">
+                  <a:srgbClr val="000000">
+                    <a:alpha val="43137"/>
+                  </a:srgbClr>
+                </a:outerShdw>
+              </a:effectLst>
+              <a:latin typeface="Consolas" pitchFamily="49" charset="0"/>
+              <a:cs typeface="Consolas" pitchFamily="49" charset="0"/>
+            </a:endParaRPr>
+          </a:p>
+          <a:p>
+            <a:pPr>
+              <a:lnSpc>
+                <a:spcPct val="100000"/>
+              </a:lnSpc>
+              <a:spcBef>
+                <a:spcPts val="0"/>
+              </a:spcBef>
+              <a:buClr>
+                <a:schemeClr val="accent5">
+                  <a:lumMod val="40000"/>
+                  <a:lumOff val="60000"/>
+                </a:schemeClr>
+              </a:buClr>
+              <a:buSzPct val="70000"/>
+            </a:pPr>
+            <a:r>
+              <a:rPr lang="en-US" sz="1600" b="1" noProof="1" smtClean="0">
+                <a:solidFill>
+                  <a:srgbClr val="8CF4F2"/>
+                </a:solidFill>
+                <a:effectLst>
+                  <a:outerShdw blurRad="38100" dist="38100" dir="2700000" algn="tl">
+                    <a:srgbClr val="000000">
+                      <a:alpha val="43137"/>
+                    </a:srgbClr>
+                  </a:outerShdw>
+                </a:effectLst>
+                <a:latin typeface="Consolas" pitchFamily="49" charset="0"/>
+                <a:cs typeface="Consolas" pitchFamily="49" charset="0"/>
+              </a:rPr>
+              <a:t>$</a:t>
+            </a:r>
+            <a:r>
+              <a:rPr lang="en-US" sz="1600" b="1" noProof="1">
+                <a:solidFill>
+                  <a:srgbClr val="8CF4F2"/>
+                </a:solidFill>
+                <a:effectLst>
+                  <a:outerShdw blurRad="38100" dist="38100" dir="2700000" algn="tl">
+                    <a:srgbClr val="000000">
+                      <a:alpha val="43137"/>
+                    </a:srgbClr>
+                  </a:outerShdw>
+                </a:effectLst>
+                <a:latin typeface="Consolas" pitchFamily="49" charset="0"/>
+                <a:cs typeface="Consolas" pitchFamily="49" charset="0"/>
+              </a:rPr>
+              <a:t>assigned   =  $instance;</a:t>
+            </a:r>
+          </a:p>
+          <a:p>
+            <a:pPr>
+              <a:lnSpc>
+                <a:spcPct val="100000"/>
+              </a:lnSpc>
+              <a:spcBef>
+                <a:spcPts val="0"/>
+              </a:spcBef>
+              <a:buClr>
+                <a:schemeClr val="accent5">
+                  <a:lumMod val="40000"/>
+                  <a:lumOff val="60000"/>
+                </a:schemeClr>
+              </a:buClr>
+              <a:buSzPct val="70000"/>
+            </a:pPr>
+            <a:r>
+              <a:rPr lang="en-US" sz="1600" b="1" noProof="1" smtClean="0">
+                <a:solidFill>
+                  <a:srgbClr val="8CF4F2"/>
+                </a:solidFill>
+                <a:effectLst>
+                  <a:outerShdw blurRad="38100" dist="38100" dir="2700000" algn="tl">
+                    <a:srgbClr val="000000">
+                      <a:alpha val="43137"/>
+                    </a:srgbClr>
+                  </a:outerShdw>
+                </a:effectLst>
+                <a:latin typeface="Consolas" pitchFamily="49" charset="0"/>
+                <a:cs typeface="Consolas" pitchFamily="49" charset="0"/>
+              </a:rPr>
+              <a:t>$</a:t>
+            </a:r>
+            <a:r>
+              <a:rPr lang="en-US" sz="1600" b="1" noProof="1">
+                <a:solidFill>
+                  <a:srgbClr val="8CF4F2"/>
+                </a:solidFill>
+                <a:effectLst>
+                  <a:outerShdw blurRad="38100" dist="38100" dir="2700000" algn="tl">
+                    <a:srgbClr val="000000">
+                      <a:alpha val="43137"/>
+                    </a:srgbClr>
+                  </a:outerShdw>
+                </a:effectLst>
+                <a:latin typeface="Consolas" pitchFamily="49" charset="0"/>
+                <a:cs typeface="Consolas" pitchFamily="49" charset="0"/>
+              </a:rPr>
+              <a:t>reference  =&amp; $instance;</a:t>
+            </a:r>
+          </a:p>
+          <a:p>
+            <a:pPr>
+              <a:lnSpc>
+                <a:spcPct val="100000"/>
+              </a:lnSpc>
+              <a:spcBef>
+                <a:spcPts val="0"/>
+              </a:spcBef>
+              <a:buClr>
+                <a:schemeClr val="accent5">
+                  <a:lumMod val="40000"/>
+                  <a:lumOff val="60000"/>
+                </a:schemeClr>
+              </a:buClr>
+              <a:buSzPct val="70000"/>
+            </a:pPr>
+            <a:endParaRPr lang="en-US" sz="1600" b="1" noProof="1" smtClean="0">
+              <a:solidFill>
+                <a:srgbClr val="8CF4F2"/>
+              </a:solidFill>
+              <a:effectLst>
+                <a:outerShdw blurRad="38100" dist="38100" dir="2700000" algn="tl">
+                  <a:srgbClr val="000000">
+                    <a:alpha val="43137"/>
+                  </a:srgbClr>
+                </a:outerShdw>
+              </a:effectLst>
+              <a:latin typeface="Consolas" pitchFamily="49" charset="0"/>
+              <a:cs typeface="Consolas" pitchFamily="49" charset="0"/>
+            </a:endParaRPr>
+          </a:p>
+          <a:p>
+            <a:pPr>
+              <a:lnSpc>
+                <a:spcPct val="100000"/>
+              </a:lnSpc>
+              <a:spcBef>
+                <a:spcPts val="0"/>
+              </a:spcBef>
+              <a:buClr>
+                <a:schemeClr val="accent5">
+                  <a:lumMod val="40000"/>
+                  <a:lumOff val="60000"/>
+                </a:schemeClr>
+              </a:buClr>
+              <a:buSzPct val="70000"/>
+            </a:pPr>
+            <a:r>
+              <a:rPr lang="en-US" sz="1600" b="1" noProof="1" smtClean="0">
+                <a:solidFill>
+                  <a:srgbClr val="8CF4F2"/>
+                </a:solidFill>
+                <a:effectLst>
+                  <a:outerShdw blurRad="38100" dist="38100" dir="2700000" algn="tl">
+                    <a:srgbClr val="000000">
+                      <a:alpha val="43137"/>
+                    </a:srgbClr>
+                  </a:outerShdw>
+                </a:effectLst>
+                <a:latin typeface="Consolas" pitchFamily="49" charset="0"/>
+                <a:cs typeface="Consolas" pitchFamily="49" charset="0"/>
+              </a:rPr>
+              <a:t>//some experimentation</a:t>
+            </a:r>
+            <a:endParaRPr lang="en-US" sz="1600" b="1" noProof="1">
+              <a:solidFill>
+                <a:srgbClr val="8CF4F2"/>
+              </a:solidFill>
+              <a:effectLst>
+                <a:outerShdw blurRad="38100" dist="38100" dir="2700000" algn="tl">
+                  <a:srgbClr val="000000">
+                    <a:alpha val="43137"/>
+                  </a:srgbClr>
+                </a:outerShdw>
+              </a:effectLst>
+              <a:latin typeface="Consolas" pitchFamily="49" charset="0"/>
+              <a:cs typeface="Consolas" pitchFamily="49" charset="0"/>
+            </a:endParaRPr>
+          </a:p>
+          <a:p>
+            <a:pPr>
+              <a:lnSpc>
+                <a:spcPct val="100000"/>
+              </a:lnSpc>
+              <a:spcBef>
+                <a:spcPts val="0"/>
+              </a:spcBef>
+              <a:buClr>
+                <a:schemeClr val="accent5">
+                  <a:lumMod val="40000"/>
+                  <a:lumOff val="60000"/>
+                </a:schemeClr>
+              </a:buClr>
+              <a:buSzPct val="70000"/>
+            </a:pPr>
+            <a:endParaRPr lang="en-US" sz="1600" b="1" noProof="1">
+              <a:solidFill>
+                <a:srgbClr val="8CF4F2"/>
+              </a:solidFill>
+              <a:effectLst>
+                <a:outerShdw blurRad="38100" dist="38100" dir="2700000" algn="tl">
+                  <a:srgbClr val="000000">
+                    <a:alpha val="43137"/>
+                  </a:srgbClr>
+                </a:outerShdw>
+              </a:effectLst>
+              <a:latin typeface="Consolas" pitchFamily="49" charset="0"/>
+              <a:cs typeface="Consolas" pitchFamily="49" charset="0"/>
+            </a:endParaRPr>
+          </a:p>
+          <a:p>
+            <a:pPr>
+              <a:lnSpc>
+                <a:spcPct val="100000"/>
+              </a:lnSpc>
+              <a:spcBef>
+                <a:spcPts val="0"/>
+              </a:spcBef>
+              <a:buClr>
+                <a:schemeClr val="accent5">
+                  <a:lumMod val="40000"/>
+                  <a:lumOff val="60000"/>
+                </a:schemeClr>
+              </a:buClr>
+              <a:buSzPct val="70000"/>
+            </a:pPr>
+            <a:r>
+              <a:rPr lang="en-US" sz="1600" b="1" noProof="1" smtClean="0">
+                <a:solidFill>
+                  <a:srgbClr val="8CF4F2"/>
+                </a:solidFill>
+                <a:effectLst>
+                  <a:outerShdw blurRad="38100" dist="38100" dir="2700000" algn="tl">
+                    <a:srgbClr val="000000">
+                      <a:alpha val="43137"/>
+                    </a:srgbClr>
+                  </a:outerShdw>
+                </a:effectLst>
+                <a:latin typeface="Consolas" pitchFamily="49" charset="0"/>
+                <a:cs typeface="Consolas" pitchFamily="49" charset="0"/>
+              </a:rPr>
+              <a:t>$</a:t>
+            </a:r>
+            <a:r>
+              <a:rPr lang="en-US" sz="1600" b="1" noProof="1">
+                <a:solidFill>
+                  <a:srgbClr val="8CF4F2"/>
+                </a:solidFill>
+                <a:effectLst>
+                  <a:outerShdw blurRad="38100" dist="38100" dir="2700000" algn="tl">
+                    <a:srgbClr val="000000">
+                      <a:alpha val="43137"/>
+                    </a:srgbClr>
+                  </a:outerShdw>
+                </a:effectLst>
+                <a:latin typeface="Consolas" pitchFamily="49" charset="0"/>
+                <a:cs typeface="Consolas" pitchFamily="49" charset="0"/>
+              </a:rPr>
+              <a:t>instance-&gt;field = '$assigned will have this value';</a:t>
+            </a:r>
+          </a:p>
+          <a:p>
+            <a:pPr>
+              <a:lnSpc>
+                <a:spcPct val="100000"/>
+              </a:lnSpc>
+              <a:spcBef>
+                <a:spcPts val="0"/>
+              </a:spcBef>
+              <a:buClr>
+                <a:schemeClr val="accent5">
+                  <a:lumMod val="40000"/>
+                  <a:lumOff val="60000"/>
+                </a:schemeClr>
+              </a:buClr>
+              <a:buSzPct val="70000"/>
+            </a:pPr>
+            <a:endParaRPr lang="en-US" sz="1600" b="1" noProof="1">
+              <a:solidFill>
+                <a:srgbClr val="8CF4F2"/>
+              </a:solidFill>
+              <a:effectLst>
+                <a:outerShdw blurRad="38100" dist="38100" dir="2700000" algn="tl">
+                  <a:srgbClr val="000000">
+                    <a:alpha val="43137"/>
+                  </a:srgbClr>
+                </a:outerShdw>
+              </a:effectLst>
+              <a:latin typeface="Consolas" pitchFamily="49" charset="0"/>
+              <a:cs typeface="Consolas" pitchFamily="49" charset="0"/>
+            </a:endParaRPr>
+          </a:p>
+          <a:p>
+            <a:pPr>
+              <a:lnSpc>
+                <a:spcPct val="100000"/>
+              </a:lnSpc>
+              <a:spcBef>
+                <a:spcPts val="0"/>
+              </a:spcBef>
+              <a:buClr>
+                <a:schemeClr val="accent5">
+                  <a:lumMod val="40000"/>
+                  <a:lumOff val="60000"/>
+                </a:schemeClr>
+              </a:buClr>
+              <a:buSzPct val="70000"/>
+            </a:pPr>
+            <a:r>
+              <a:rPr lang="en-US" sz="1600" b="1" noProof="1" smtClean="0">
+                <a:solidFill>
+                  <a:srgbClr val="8CF4F2"/>
+                </a:solidFill>
+                <a:effectLst>
+                  <a:outerShdw blurRad="38100" dist="38100" dir="2700000" algn="tl">
+                    <a:srgbClr val="000000">
+                      <a:alpha val="43137"/>
+                    </a:srgbClr>
+                  </a:outerShdw>
+                </a:effectLst>
+                <a:latin typeface="Consolas" pitchFamily="49" charset="0"/>
+                <a:cs typeface="Consolas" pitchFamily="49" charset="0"/>
+              </a:rPr>
+              <a:t>$</a:t>
+            </a:r>
+            <a:r>
+              <a:rPr lang="en-US" sz="1600" b="1" noProof="1">
+                <a:solidFill>
+                  <a:srgbClr val="8CF4F2"/>
+                </a:solidFill>
+                <a:effectLst>
+                  <a:outerShdw blurRad="38100" dist="38100" dir="2700000" algn="tl">
+                    <a:srgbClr val="000000">
+                      <a:alpha val="43137"/>
+                    </a:srgbClr>
+                  </a:outerShdw>
+                </a:effectLst>
+                <a:latin typeface="Consolas" pitchFamily="49" charset="0"/>
+                <a:cs typeface="Consolas" pitchFamily="49" charset="0"/>
+              </a:rPr>
+              <a:t>instance = null; // $instance and $reference become null</a:t>
+            </a:r>
+          </a:p>
+          <a:p>
+            <a:pPr>
+              <a:lnSpc>
+                <a:spcPct val="100000"/>
+              </a:lnSpc>
+              <a:spcBef>
+                <a:spcPts val="0"/>
+              </a:spcBef>
+              <a:buClr>
+                <a:schemeClr val="accent5">
+                  <a:lumMod val="40000"/>
+                  <a:lumOff val="60000"/>
+                </a:schemeClr>
+              </a:buClr>
+              <a:buSzPct val="70000"/>
+            </a:pPr>
+            <a:endParaRPr lang="en-US" sz="1600" b="1" noProof="1" smtClean="0">
+              <a:solidFill>
+                <a:srgbClr val="8CF4F2"/>
+              </a:solidFill>
+              <a:effectLst>
+                <a:outerShdw blurRad="38100" dist="38100" dir="2700000" algn="tl">
+                  <a:srgbClr val="000000">
+                    <a:alpha val="43137"/>
+                  </a:srgbClr>
+                </a:outerShdw>
+              </a:effectLst>
+              <a:latin typeface="Consolas" pitchFamily="49" charset="0"/>
+              <a:cs typeface="Consolas" pitchFamily="49" charset="0"/>
+            </a:endParaRPr>
+          </a:p>
+          <a:p>
+            <a:pPr>
+              <a:lnSpc>
+                <a:spcPct val="100000"/>
+              </a:lnSpc>
+              <a:spcBef>
+                <a:spcPts val="0"/>
+              </a:spcBef>
+              <a:buClr>
+                <a:schemeClr val="accent5">
+                  <a:lumMod val="40000"/>
+                  <a:lumOff val="60000"/>
+                </a:schemeClr>
+              </a:buClr>
+              <a:buSzPct val="70000"/>
+            </a:pPr>
+            <a:r>
+              <a:rPr lang="en-US" sz="1600" b="1" noProof="1" smtClean="0">
+                <a:solidFill>
+                  <a:srgbClr val="8CF4F2"/>
+                </a:solidFill>
+                <a:effectLst>
+                  <a:outerShdw blurRad="38100" dist="38100" dir="2700000" algn="tl">
+                    <a:srgbClr val="000000">
+                      <a:alpha val="43137"/>
+                    </a:srgbClr>
+                  </a:outerShdw>
+                </a:effectLst>
+                <a:latin typeface="Consolas" pitchFamily="49" charset="0"/>
+                <a:cs typeface="Consolas" pitchFamily="49" charset="0"/>
+              </a:rPr>
+              <a:t>//output results</a:t>
+            </a:r>
+            <a:endParaRPr lang="en-US" sz="1600" b="1" noProof="1">
+              <a:solidFill>
+                <a:srgbClr val="8CF4F2"/>
+              </a:solidFill>
+              <a:effectLst>
+                <a:outerShdw blurRad="38100" dist="38100" dir="2700000" algn="tl">
+                  <a:srgbClr val="000000">
+                    <a:alpha val="43137"/>
+                  </a:srgbClr>
+                </a:outerShdw>
+              </a:effectLst>
+              <a:latin typeface="Consolas" pitchFamily="49" charset="0"/>
+              <a:cs typeface="Consolas" pitchFamily="49" charset="0"/>
+            </a:endParaRPr>
+          </a:p>
+          <a:p>
+            <a:pPr>
+              <a:lnSpc>
+                <a:spcPct val="100000"/>
+              </a:lnSpc>
+              <a:spcBef>
+                <a:spcPts val="0"/>
+              </a:spcBef>
+              <a:buClr>
+                <a:schemeClr val="accent5">
+                  <a:lumMod val="40000"/>
+                  <a:lumOff val="60000"/>
+                </a:schemeClr>
+              </a:buClr>
+              <a:buSzPct val="70000"/>
+            </a:pPr>
+            <a:r>
+              <a:rPr lang="en-US" sz="1600" b="1" noProof="1" smtClean="0">
+                <a:solidFill>
+                  <a:srgbClr val="8CF4F2"/>
+                </a:solidFill>
+                <a:effectLst>
+                  <a:outerShdw blurRad="38100" dist="38100" dir="2700000" algn="tl">
+                    <a:srgbClr val="000000">
+                      <a:alpha val="43137"/>
+                    </a:srgbClr>
+                  </a:outerShdw>
+                </a:effectLst>
+                <a:latin typeface="Consolas" pitchFamily="49" charset="0"/>
+                <a:cs typeface="Consolas" pitchFamily="49" charset="0"/>
+              </a:rPr>
+              <a:t>var_dump</a:t>
+            </a:r>
+            <a:r>
+              <a:rPr lang="en-US" sz="1600" b="1" noProof="1">
+                <a:solidFill>
+                  <a:srgbClr val="8CF4F2"/>
+                </a:solidFill>
+                <a:effectLst>
+                  <a:outerShdw blurRad="38100" dist="38100" dir="2700000" algn="tl">
+                    <a:srgbClr val="000000">
+                      <a:alpha val="43137"/>
+                    </a:srgbClr>
+                  </a:outerShdw>
+                </a:effectLst>
+                <a:latin typeface="Consolas" pitchFamily="49" charset="0"/>
+                <a:cs typeface="Consolas" pitchFamily="49" charset="0"/>
+              </a:rPr>
+              <a:t>($</a:t>
+            </a:r>
+            <a:r>
+              <a:rPr lang="en-US" sz="1600" b="1" noProof="1">
+                <a:solidFill>
+                  <a:srgbClr val="8CF4F2"/>
+                </a:solidFill>
+                <a:effectLst>
+                  <a:outerShdw blurRad="38100" dist="38100" dir="2700000" algn="tl">
+                    <a:srgbClr val="000000">
+                      <a:alpha val="43137"/>
+                    </a:srgbClr>
+                  </a:outerShdw>
+                </a:effectLst>
+                <a:latin typeface="Consolas" pitchFamily="49" charset="0"/>
+                <a:cs typeface="Consolas" pitchFamily="49" charset="0"/>
+              </a:rPr>
+              <a:t>instance</a:t>
+            </a:r>
+            <a:r>
+              <a:rPr lang="en-US" sz="1600" b="1" noProof="1" smtClean="0">
+                <a:solidFill>
+                  <a:srgbClr val="8CF4F2"/>
+                </a:solidFill>
+                <a:effectLst>
+                  <a:outerShdw blurRad="38100" dist="38100" dir="2700000" algn="tl">
+                    <a:srgbClr val="000000">
+                      <a:alpha val="43137"/>
+                    </a:srgbClr>
+                  </a:outerShdw>
+                </a:effectLst>
+                <a:latin typeface="Consolas" pitchFamily="49" charset="0"/>
+                <a:cs typeface="Consolas" pitchFamily="49" charset="0"/>
+              </a:rPr>
+              <a:t>);</a:t>
+            </a:r>
+          </a:p>
+          <a:p>
+            <a:pPr>
+              <a:lnSpc>
+                <a:spcPct val="100000"/>
+              </a:lnSpc>
+              <a:spcBef>
+                <a:spcPts val="0"/>
+              </a:spcBef>
+              <a:buClr>
+                <a:schemeClr val="accent5">
+                  <a:lumMod val="40000"/>
+                  <a:lumOff val="60000"/>
+                </a:schemeClr>
+              </a:buClr>
+              <a:buSzPct val="70000"/>
+            </a:pPr>
+            <a:r>
+              <a:rPr lang="en-US" sz="1600" b="1" noProof="1" smtClean="0">
+                <a:solidFill>
+                  <a:srgbClr val="8CF4F2"/>
+                </a:solidFill>
+                <a:effectLst>
+                  <a:outerShdw blurRad="38100" dist="38100" dir="2700000" algn="tl">
+                    <a:srgbClr val="000000">
+                      <a:alpha val="43137"/>
+                    </a:srgbClr>
+                  </a:outerShdw>
+                </a:effectLst>
+                <a:latin typeface="Consolas" pitchFamily="49" charset="0"/>
+                <a:cs typeface="Consolas" pitchFamily="49" charset="0"/>
+              </a:rPr>
+              <a:t>var_dump</a:t>
+            </a:r>
+            <a:r>
+              <a:rPr lang="en-US" sz="1600" b="1" noProof="1">
+                <a:solidFill>
+                  <a:srgbClr val="8CF4F2"/>
+                </a:solidFill>
+                <a:effectLst>
+                  <a:outerShdw blurRad="38100" dist="38100" dir="2700000" algn="tl">
+                    <a:srgbClr val="000000">
+                      <a:alpha val="43137"/>
+                    </a:srgbClr>
+                  </a:outerShdw>
+                </a:effectLst>
+                <a:latin typeface="Consolas" pitchFamily="49" charset="0"/>
+                <a:cs typeface="Consolas" pitchFamily="49" charset="0"/>
+              </a:rPr>
+              <a:t>($</a:t>
+            </a:r>
+            <a:r>
+              <a:rPr lang="en-US" sz="1600" b="1" noProof="1">
+                <a:solidFill>
+                  <a:srgbClr val="8CF4F2"/>
+                </a:solidFill>
+                <a:effectLst>
+                  <a:outerShdw blurRad="38100" dist="38100" dir="2700000" algn="tl">
+                    <a:srgbClr val="000000">
+                      <a:alpha val="43137"/>
+                    </a:srgbClr>
+                  </a:outerShdw>
+                </a:effectLst>
+                <a:latin typeface="Consolas" pitchFamily="49" charset="0"/>
+                <a:cs typeface="Consolas" pitchFamily="49" charset="0"/>
+              </a:rPr>
+              <a:t>reference</a:t>
+            </a:r>
+            <a:r>
+              <a:rPr lang="en-US" sz="1600" b="1" noProof="1" smtClean="0">
+                <a:solidFill>
+                  <a:srgbClr val="8CF4F2"/>
+                </a:solidFill>
+                <a:effectLst>
+                  <a:outerShdw blurRad="38100" dist="38100" dir="2700000" algn="tl">
+                    <a:srgbClr val="000000">
+                      <a:alpha val="43137"/>
+                    </a:srgbClr>
+                  </a:outerShdw>
+                </a:effectLst>
+                <a:latin typeface="Consolas" pitchFamily="49" charset="0"/>
+                <a:cs typeface="Consolas" pitchFamily="49" charset="0"/>
+              </a:rPr>
+              <a:t>);</a:t>
+            </a:r>
+          </a:p>
+          <a:p>
+            <a:pPr>
+              <a:lnSpc>
+                <a:spcPct val="100000"/>
+              </a:lnSpc>
+              <a:spcBef>
+                <a:spcPts val="0"/>
+              </a:spcBef>
+              <a:buClr>
+                <a:schemeClr val="accent5">
+                  <a:lumMod val="40000"/>
+                  <a:lumOff val="60000"/>
+                </a:schemeClr>
+              </a:buClr>
+              <a:buSzPct val="70000"/>
+            </a:pPr>
+            <a:r>
+              <a:rPr lang="en-US" sz="1600" b="1" noProof="1" smtClean="0">
+                <a:solidFill>
+                  <a:srgbClr val="8CF4F2"/>
+                </a:solidFill>
+                <a:effectLst>
+                  <a:outerShdw blurRad="38100" dist="38100" dir="2700000" algn="tl">
+                    <a:srgbClr val="000000">
+                      <a:alpha val="43137"/>
+                    </a:srgbClr>
+                  </a:outerShdw>
+                </a:effectLst>
+                <a:latin typeface="Consolas" pitchFamily="49" charset="0"/>
+                <a:cs typeface="Consolas" pitchFamily="49" charset="0"/>
+              </a:rPr>
+              <a:t>var_dump</a:t>
+            </a:r>
+            <a:r>
+              <a:rPr lang="en-US" sz="1600" b="1" noProof="1">
+                <a:solidFill>
+                  <a:srgbClr val="8CF4F2"/>
+                </a:solidFill>
+                <a:effectLst>
+                  <a:outerShdw blurRad="38100" dist="38100" dir="2700000" algn="tl">
+                    <a:srgbClr val="000000">
+                      <a:alpha val="43137"/>
+                    </a:srgbClr>
+                  </a:outerShdw>
+                </a:effectLst>
+                <a:latin typeface="Consolas" pitchFamily="49" charset="0"/>
+                <a:cs typeface="Consolas" pitchFamily="49" charset="0"/>
+              </a:rPr>
+              <a:t>($assigned);</a:t>
+            </a:r>
+          </a:p>
+        </p:txBody>
+      </p:sp>
+    </p:spTree>
+    <p:extLst>
+      <p:ext uri="{BB962C8B-B14F-4D97-AF65-F5344CB8AC3E}">
+        <p14:creationId xmlns:p14="http://schemas.microsoft.com/office/powerpoint/2010/main" val="813176738"/>
+      </p:ext>
+    </p:extLst>
+  </p:cSld>
+  <p:clrMapOvr>
+    <a:masterClrMapping/>
+  </p:clrMapOvr>
+  <p:timing>
+    <p:tnLst>
+      <p:par>
+        <p:cTn id="1" dur="indefinite" restart="never" nodeType="tmRoot"/>
+      </p:par>
+    </p:tnLst>
+  </p:timing>
+</p:sld>
+</file>
+
+<file path=ppt/slides/slide37.xml><?xml version="1.0" encoding="utf-8"?>
+<p:sld xmlns:a="http://schemas.openxmlformats.org/drawingml/2006/main" xmlns:r="http://schemas.openxmlformats.org/officeDocument/2006/relationships" xmlns:p="http://schemas.openxmlformats.org/presentationml/2006/main">
+  <p:cSld>
+    <p:spTree>
+      <p:nvGrpSpPr>
+        <p:cNvPr id="1" name=""/>
+        <p:cNvGrpSpPr/>
+        <p:nvPr/>
+      </p:nvGrpSpPr>
+      <p:grpSpPr>
+        <a:xfrm>
+          <a:off x="0" y="0"/>
+          <a:ext cx="0" cy="0"/>
+          <a:chOff x="0" y="0"/>
+          <a:chExt cx="0" cy="0"/>
+        </a:xfrm>
+      </p:grpSpPr>
+      <p:sp>
+        <p:nvSpPr>
+          <p:cNvPr id="2" name="Title 1"/>
+          <p:cNvSpPr>
+            <a:spLocks noGrp="1"/>
+          </p:cNvSpPr>
+          <p:nvPr>
+            <p:ph type="title"/>
+          </p:nvPr>
+        </p:nvSpPr>
+        <p:spPr>
+          <a:xfrm>
+            <a:off x="1828800" y="162086"/>
+            <a:ext cx="7086600" cy="914400"/>
+          </a:xfrm>
+        </p:spPr>
+        <p:txBody>
+          <a:bodyPr/>
+          <a:lstStyle/>
+          <a:p>
+            <a:r>
+              <a:rPr lang="en-US" dirty="0"/>
+              <a:t>Utility classes</a:t>
+            </a:r>
+          </a:p>
+        </p:txBody>
+      </p:sp>
+      <p:sp>
+        <p:nvSpPr>
+          <p:cNvPr id="3" name="Content Placeholder 2"/>
+          <p:cNvSpPr>
+            <a:spLocks noGrp="1"/>
+          </p:cNvSpPr>
+          <p:nvPr>
+            <p:ph idx="1"/>
+          </p:nvPr>
+        </p:nvSpPr>
+        <p:spPr>
+          <a:xfrm>
+            <a:off x="228600" y="1371600"/>
+            <a:ext cx="8153400" cy="3651348"/>
+          </a:xfrm>
+        </p:spPr>
+        <p:txBody>
+          <a:bodyPr/>
+          <a:lstStyle/>
+          <a:p>
+            <a:pPr lvl="1">
+              <a:lnSpc>
+                <a:spcPct val="100000"/>
+              </a:lnSpc>
+            </a:pPr>
+            <a:r>
+              <a:rPr lang="en-US" dirty="0" smtClean="0"/>
+              <a:t>Creating static methods</a:t>
+            </a:r>
+          </a:p>
+          <a:p>
+            <a:pPr lvl="1">
+              <a:lnSpc>
+                <a:spcPct val="100000"/>
+              </a:lnSpc>
+            </a:pPr>
+            <a:endParaRPr lang="en-US" dirty="0"/>
+          </a:p>
+          <a:p>
+            <a:pPr lvl="1">
+              <a:lnSpc>
+                <a:spcPct val="100000"/>
+              </a:lnSpc>
+            </a:pPr>
+            <a:endParaRPr lang="en-US" dirty="0" smtClean="0"/>
+          </a:p>
+          <a:p>
+            <a:pPr lvl="1">
+              <a:lnSpc>
+                <a:spcPct val="100000"/>
+              </a:lnSpc>
+            </a:pPr>
+            <a:endParaRPr lang="en-US" dirty="0"/>
+          </a:p>
+          <a:p>
+            <a:pPr lvl="1">
+              <a:lnSpc>
+                <a:spcPct val="100000"/>
+              </a:lnSpc>
+            </a:pPr>
+            <a:endParaRPr lang="en-US" dirty="0" smtClean="0"/>
+          </a:p>
+          <a:p>
+            <a:pPr lvl="1">
+              <a:lnSpc>
+                <a:spcPct val="100000"/>
+              </a:lnSpc>
+            </a:pPr>
+            <a:r>
+              <a:rPr lang="en-US" dirty="0" smtClean="0"/>
+              <a:t>Calling static methods</a:t>
+            </a:r>
+          </a:p>
+          <a:p>
+            <a:pPr lvl="1">
+              <a:lnSpc>
+                <a:spcPct val="100000"/>
+              </a:lnSpc>
+            </a:pPr>
+            <a:endParaRPr lang="en-US" dirty="0" smtClean="0"/>
+          </a:p>
+          <a:p>
+            <a:pPr marL="357188" lvl="1" indent="0">
+              <a:lnSpc>
+                <a:spcPct val="100000"/>
+              </a:lnSpc>
+              <a:buNone/>
+            </a:pPr>
+            <a:endParaRPr lang="en-US" dirty="0"/>
+          </a:p>
+        </p:txBody>
+      </p:sp>
+      <p:sp>
+        <p:nvSpPr>
+          <p:cNvPr id="5" name="Rectangle 4"/>
+          <p:cNvSpPr>
+            <a:spLocks noChangeArrowheads="1"/>
+          </p:cNvSpPr>
+          <p:nvPr/>
+        </p:nvSpPr>
+        <p:spPr bwMode="auto">
+          <a:xfrm>
+            <a:off x="594360" y="2057400"/>
+            <a:ext cx="8153400" cy="1815882"/>
+          </a:xfrm>
+          <a:prstGeom prst="rect">
+            <a:avLst/>
+          </a:prstGeom>
+          <a:solidFill>
+            <a:schemeClr val="accent5">
+              <a:lumMod val="40000"/>
+              <a:lumOff val="60000"/>
+              <a:alpha val="15000"/>
+            </a:schemeClr>
+          </a:solidFill>
+          <a:ln w="12700">
+            <a:solidFill>
+              <a:schemeClr val="accent5">
+                <a:lumMod val="60000"/>
+                <a:lumOff val="40000"/>
+              </a:schemeClr>
+            </a:solidFill>
+          </a:ln>
+        </p:spPr>
+        <p:txBody>
+          <a:bodyPr wrap="square">
+            <a:spAutoFit/>
+          </a:bodyPr>
+          <a:lstStyle/>
+          <a:p>
+            <a:pPr>
+              <a:lnSpc>
+                <a:spcPct val="100000"/>
+              </a:lnSpc>
+              <a:spcBef>
+                <a:spcPts val="0"/>
+              </a:spcBef>
+              <a:buClr>
+                <a:schemeClr val="accent5">
+                  <a:lumMod val="40000"/>
+                  <a:lumOff val="60000"/>
+                </a:schemeClr>
+              </a:buClr>
+              <a:buSzPct val="70000"/>
+            </a:pPr>
+            <a:r>
+              <a:rPr lang="en-US" sz="1600" b="1" noProof="1" smtClean="0">
+                <a:solidFill>
+                  <a:srgbClr val="8CF4F2"/>
+                </a:solidFill>
+                <a:effectLst>
+                  <a:outerShdw blurRad="38100" dist="38100" dir="2700000" algn="tl">
+                    <a:srgbClr val="000000">
+                      <a:alpha val="43137"/>
+                    </a:srgbClr>
+                  </a:outerShdw>
+                </a:effectLst>
+                <a:latin typeface="Consolas" pitchFamily="49" charset="0"/>
+                <a:cs typeface="Consolas" pitchFamily="49" charset="0"/>
+              </a:rPr>
+              <a:t>class </a:t>
+            </a:r>
+            <a:r>
+              <a:rPr lang="en-US" sz="1600" b="1" noProof="1">
+                <a:solidFill>
+                  <a:srgbClr val="8CF4F2"/>
+                </a:solidFill>
+                <a:effectLst>
+                  <a:outerShdw blurRad="38100" dist="38100" dir="2700000" algn="tl">
+                    <a:srgbClr val="000000">
+                      <a:alpha val="43137"/>
+                    </a:srgbClr>
+                  </a:outerShdw>
+                </a:effectLst>
+                <a:latin typeface="Consolas" pitchFamily="49" charset="0"/>
+                <a:cs typeface="Consolas" pitchFamily="49" charset="0"/>
+              </a:rPr>
+              <a:t>Printer</a:t>
+            </a:r>
+          </a:p>
+          <a:p>
+            <a:pPr>
+              <a:lnSpc>
+                <a:spcPct val="100000"/>
+              </a:lnSpc>
+              <a:spcBef>
+                <a:spcPts val="0"/>
+              </a:spcBef>
+              <a:buClr>
+                <a:schemeClr val="accent5">
+                  <a:lumMod val="40000"/>
+                  <a:lumOff val="60000"/>
+                </a:schemeClr>
+              </a:buClr>
+              <a:buSzPct val="70000"/>
+            </a:pPr>
+            <a:r>
+              <a:rPr lang="en-US" sz="1600" b="1" noProof="1" smtClean="0">
+                <a:solidFill>
+                  <a:srgbClr val="8CF4F2"/>
+                </a:solidFill>
+                <a:effectLst>
+                  <a:outerShdw blurRad="38100" dist="38100" dir="2700000" algn="tl">
+                    <a:srgbClr val="000000">
+                      <a:alpha val="43137"/>
+                    </a:srgbClr>
+                  </a:outerShdw>
+                </a:effectLst>
+                <a:latin typeface="Consolas" pitchFamily="49" charset="0"/>
+                <a:cs typeface="Consolas" pitchFamily="49" charset="0"/>
+              </a:rPr>
+              <a:t>{</a:t>
+            </a:r>
+            <a:endParaRPr lang="en-US" sz="1600" b="1" noProof="1">
+              <a:solidFill>
+                <a:srgbClr val="8CF4F2"/>
+              </a:solidFill>
+              <a:effectLst>
+                <a:outerShdw blurRad="38100" dist="38100" dir="2700000" algn="tl">
+                  <a:srgbClr val="000000">
+                    <a:alpha val="43137"/>
+                  </a:srgbClr>
+                </a:outerShdw>
+              </a:effectLst>
+              <a:latin typeface="Consolas" pitchFamily="49" charset="0"/>
+              <a:cs typeface="Consolas" pitchFamily="49" charset="0"/>
+            </a:endParaRPr>
+          </a:p>
+          <a:p>
+            <a:pPr>
+              <a:lnSpc>
+                <a:spcPct val="100000"/>
+              </a:lnSpc>
+              <a:spcBef>
+                <a:spcPts val="0"/>
+              </a:spcBef>
+              <a:buClr>
+                <a:schemeClr val="accent5">
+                  <a:lumMod val="40000"/>
+                  <a:lumOff val="60000"/>
+                </a:schemeClr>
+              </a:buClr>
+              <a:buSzPct val="70000"/>
+            </a:pPr>
+            <a:r>
+              <a:rPr lang="en-US" sz="1600" b="1" noProof="1">
+                <a:solidFill>
+                  <a:srgbClr val="8CF4F2"/>
+                </a:solidFill>
+                <a:effectLst>
+                  <a:outerShdw blurRad="38100" dist="38100" dir="2700000" algn="tl">
+                    <a:srgbClr val="000000">
+                      <a:alpha val="43137"/>
+                    </a:srgbClr>
+                  </a:outerShdw>
+                </a:effectLst>
+                <a:latin typeface="Consolas" pitchFamily="49" charset="0"/>
+                <a:cs typeface="Consolas" pitchFamily="49" charset="0"/>
+              </a:rPr>
+              <a:t>	</a:t>
+            </a:r>
+            <a:r>
+              <a:rPr lang="en-US" sz="1600" b="1" noProof="1" smtClean="0">
+                <a:solidFill>
+                  <a:srgbClr val="8CF4F2"/>
+                </a:solidFill>
+                <a:effectLst>
+                  <a:outerShdw blurRad="38100" dist="38100" dir="2700000" algn="tl">
+                    <a:srgbClr val="000000">
+                      <a:alpha val="43137"/>
+                    </a:srgbClr>
+                  </a:outerShdw>
+                </a:effectLst>
+                <a:latin typeface="Consolas" pitchFamily="49" charset="0"/>
+                <a:cs typeface="Consolas" pitchFamily="49" charset="0"/>
+              </a:rPr>
+              <a:t>public </a:t>
+            </a:r>
+            <a:r>
+              <a:rPr lang="en-US" sz="1600" b="1" noProof="1">
+                <a:solidFill>
+                  <a:srgbClr val="8CF4F2"/>
+                </a:solidFill>
+                <a:effectLst>
+                  <a:outerShdw blurRad="38100" dist="38100" dir="2700000" algn="tl">
+                    <a:srgbClr val="000000">
+                      <a:alpha val="43137"/>
+                    </a:srgbClr>
+                  </a:outerShdw>
+                </a:effectLst>
+                <a:latin typeface="Consolas" pitchFamily="49" charset="0"/>
+                <a:cs typeface="Consolas" pitchFamily="49" charset="0"/>
+              </a:rPr>
+              <a:t>static function printNewLine($line)</a:t>
+            </a:r>
+          </a:p>
+          <a:p>
+            <a:pPr>
+              <a:lnSpc>
+                <a:spcPct val="100000"/>
+              </a:lnSpc>
+              <a:spcBef>
+                <a:spcPts val="0"/>
+              </a:spcBef>
+              <a:buClr>
+                <a:schemeClr val="accent5">
+                  <a:lumMod val="40000"/>
+                  <a:lumOff val="60000"/>
+                </a:schemeClr>
+              </a:buClr>
+              <a:buSzPct val="70000"/>
+            </a:pPr>
+            <a:r>
+              <a:rPr lang="en-US" sz="1600" b="1" noProof="1">
+                <a:solidFill>
+                  <a:srgbClr val="8CF4F2"/>
+                </a:solidFill>
+                <a:effectLst>
+                  <a:outerShdw blurRad="38100" dist="38100" dir="2700000" algn="tl">
+                    <a:srgbClr val="000000">
+                      <a:alpha val="43137"/>
+                    </a:srgbClr>
+                  </a:outerShdw>
+                </a:effectLst>
+                <a:latin typeface="Consolas" pitchFamily="49" charset="0"/>
+                <a:cs typeface="Consolas" pitchFamily="49" charset="0"/>
+              </a:rPr>
+              <a:t>	</a:t>
+            </a:r>
+            <a:r>
+              <a:rPr lang="en-US" sz="1600" b="1" noProof="1" smtClean="0">
+                <a:solidFill>
+                  <a:srgbClr val="8CF4F2"/>
+                </a:solidFill>
+                <a:effectLst>
+                  <a:outerShdw blurRad="38100" dist="38100" dir="2700000" algn="tl">
+                    <a:srgbClr val="000000">
+                      <a:alpha val="43137"/>
+                    </a:srgbClr>
+                  </a:outerShdw>
+                </a:effectLst>
+                <a:latin typeface="Consolas" pitchFamily="49" charset="0"/>
+                <a:cs typeface="Consolas" pitchFamily="49" charset="0"/>
+              </a:rPr>
+              <a:t>{</a:t>
+            </a:r>
+            <a:endParaRPr lang="en-US" sz="1600" b="1" noProof="1">
+              <a:solidFill>
+                <a:srgbClr val="8CF4F2"/>
+              </a:solidFill>
+              <a:effectLst>
+                <a:outerShdw blurRad="38100" dist="38100" dir="2700000" algn="tl">
+                  <a:srgbClr val="000000">
+                    <a:alpha val="43137"/>
+                  </a:srgbClr>
+                </a:outerShdw>
+              </a:effectLst>
+              <a:latin typeface="Consolas" pitchFamily="49" charset="0"/>
+              <a:cs typeface="Consolas" pitchFamily="49" charset="0"/>
+            </a:endParaRPr>
+          </a:p>
+          <a:p>
+            <a:pPr>
+              <a:lnSpc>
+                <a:spcPct val="100000"/>
+              </a:lnSpc>
+              <a:spcBef>
+                <a:spcPts val="0"/>
+              </a:spcBef>
+              <a:buClr>
+                <a:schemeClr val="accent5">
+                  <a:lumMod val="40000"/>
+                  <a:lumOff val="60000"/>
+                </a:schemeClr>
+              </a:buClr>
+              <a:buSzPct val="70000"/>
+            </a:pPr>
+            <a:r>
+              <a:rPr lang="en-US" sz="1600" b="1" noProof="1">
+                <a:solidFill>
+                  <a:srgbClr val="8CF4F2"/>
+                </a:solidFill>
+                <a:effectLst>
+                  <a:outerShdw blurRad="38100" dist="38100" dir="2700000" algn="tl">
+                    <a:srgbClr val="000000">
+                      <a:alpha val="43137"/>
+                    </a:srgbClr>
+                  </a:outerShdw>
+                </a:effectLst>
+                <a:latin typeface="Consolas" pitchFamily="49" charset="0"/>
+                <a:cs typeface="Consolas" pitchFamily="49" charset="0"/>
+              </a:rPr>
+              <a:t>	</a:t>
+            </a:r>
+            <a:r>
+              <a:rPr lang="en-US" sz="1600" b="1" noProof="1">
+                <a:solidFill>
+                  <a:srgbClr val="8CF4F2"/>
+                </a:solidFill>
+                <a:effectLst>
+                  <a:outerShdw blurRad="38100" dist="38100" dir="2700000" algn="tl">
+                    <a:srgbClr val="000000">
+                      <a:alpha val="43137"/>
+                    </a:srgbClr>
+                  </a:outerShdw>
+                </a:effectLst>
+                <a:latin typeface="Consolas" pitchFamily="49" charset="0"/>
+                <a:cs typeface="Consolas" pitchFamily="49" charset="0"/>
+              </a:rPr>
+              <a:t>	echo "\n".$line;</a:t>
+            </a:r>
+          </a:p>
+          <a:p>
+            <a:pPr>
+              <a:lnSpc>
+                <a:spcPct val="100000"/>
+              </a:lnSpc>
+              <a:spcBef>
+                <a:spcPts val="0"/>
+              </a:spcBef>
+              <a:buClr>
+                <a:schemeClr val="accent5">
+                  <a:lumMod val="40000"/>
+                  <a:lumOff val="60000"/>
+                </a:schemeClr>
+              </a:buClr>
+              <a:buSzPct val="70000"/>
+            </a:pPr>
+            <a:r>
+              <a:rPr lang="en-US" sz="1600" b="1" noProof="1">
+                <a:solidFill>
+                  <a:srgbClr val="8CF4F2"/>
+                </a:solidFill>
+                <a:effectLst>
+                  <a:outerShdw blurRad="38100" dist="38100" dir="2700000" algn="tl">
+                    <a:srgbClr val="000000">
+                      <a:alpha val="43137"/>
+                    </a:srgbClr>
+                  </a:outerShdw>
+                </a:effectLst>
+                <a:latin typeface="Consolas" pitchFamily="49" charset="0"/>
+                <a:cs typeface="Consolas" pitchFamily="49" charset="0"/>
+              </a:rPr>
+              <a:t>	</a:t>
+            </a:r>
+            <a:r>
+              <a:rPr lang="en-US" sz="1600" b="1" noProof="1" smtClean="0">
+                <a:solidFill>
+                  <a:srgbClr val="8CF4F2"/>
+                </a:solidFill>
+                <a:effectLst>
+                  <a:outerShdw blurRad="38100" dist="38100" dir="2700000" algn="tl">
+                    <a:srgbClr val="000000">
+                      <a:alpha val="43137"/>
+                    </a:srgbClr>
+                  </a:outerShdw>
+                </a:effectLst>
+                <a:latin typeface="Consolas" pitchFamily="49" charset="0"/>
+                <a:cs typeface="Consolas" pitchFamily="49" charset="0"/>
+              </a:rPr>
+              <a:t>}</a:t>
+            </a:r>
+            <a:r>
+              <a:rPr lang="en-US" sz="1600" b="1" noProof="1">
+                <a:solidFill>
+                  <a:srgbClr val="8CF4F2"/>
+                </a:solidFill>
+                <a:effectLst>
+                  <a:outerShdw blurRad="38100" dist="38100" dir="2700000" algn="tl">
+                    <a:srgbClr val="000000">
+                      <a:alpha val="43137"/>
+                    </a:srgbClr>
+                  </a:outerShdw>
+                </a:effectLst>
+                <a:latin typeface="Consolas" pitchFamily="49" charset="0"/>
+                <a:cs typeface="Consolas" pitchFamily="49" charset="0"/>
+              </a:rPr>
+              <a:t>	</a:t>
+            </a:r>
+          </a:p>
+          <a:p>
+            <a:pPr>
+              <a:lnSpc>
+                <a:spcPct val="100000"/>
+              </a:lnSpc>
+              <a:spcBef>
+                <a:spcPts val="0"/>
+              </a:spcBef>
+              <a:buClr>
+                <a:schemeClr val="accent5">
+                  <a:lumMod val="40000"/>
+                  <a:lumOff val="60000"/>
+                </a:schemeClr>
+              </a:buClr>
+              <a:buSzPct val="70000"/>
+            </a:pPr>
+            <a:r>
+              <a:rPr lang="en-US" sz="1600" b="1" noProof="1" smtClean="0">
+                <a:solidFill>
+                  <a:srgbClr val="8CF4F2"/>
+                </a:solidFill>
+                <a:effectLst>
+                  <a:outerShdw blurRad="38100" dist="38100" dir="2700000" algn="tl">
+                    <a:srgbClr val="000000">
+                      <a:alpha val="43137"/>
+                    </a:srgbClr>
+                  </a:outerShdw>
+                </a:effectLst>
+                <a:latin typeface="Consolas" pitchFamily="49" charset="0"/>
+                <a:cs typeface="Consolas" pitchFamily="49" charset="0"/>
+              </a:rPr>
+              <a:t>}</a:t>
+            </a:r>
+            <a:endParaRPr lang="en-US" sz="1600" b="1" noProof="1">
+              <a:solidFill>
+                <a:srgbClr val="8CF4F2"/>
+              </a:solidFill>
+              <a:effectLst>
+                <a:outerShdw blurRad="38100" dist="38100" dir="2700000" algn="tl">
+                  <a:srgbClr val="000000">
+                    <a:alpha val="43137"/>
+                  </a:srgbClr>
+                </a:outerShdw>
+              </a:effectLst>
+              <a:latin typeface="Consolas" pitchFamily="49" charset="0"/>
+              <a:cs typeface="Consolas" pitchFamily="49" charset="0"/>
+            </a:endParaRPr>
+          </a:p>
+        </p:txBody>
+      </p:sp>
+      <p:sp>
+        <p:nvSpPr>
+          <p:cNvPr id="6" name="Rectangle 4"/>
+          <p:cNvSpPr>
+            <a:spLocks noChangeArrowheads="1"/>
+          </p:cNvSpPr>
+          <p:nvPr/>
+        </p:nvSpPr>
+        <p:spPr bwMode="auto">
+          <a:xfrm>
+            <a:off x="609600" y="5105400"/>
+            <a:ext cx="8153400" cy="584775"/>
+          </a:xfrm>
+          <a:prstGeom prst="rect">
+            <a:avLst/>
+          </a:prstGeom>
+          <a:solidFill>
+            <a:schemeClr val="accent5">
+              <a:lumMod val="40000"/>
+              <a:lumOff val="60000"/>
+              <a:alpha val="15000"/>
+            </a:schemeClr>
+          </a:solidFill>
+          <a:ln w="12700">
+            <a:solidFill>
+              <a:schemeClr val="accent5">
+                <a:lumMod val="60000"/>
+                <a:lumOff val="40000"/>
+              </a:schemeClr>
+            </a:solidFill>
+          </a:ln>
+        </p:spPr>
+        <p:txBody>
+          <a:bodyPr wrap="square">
+            <a:spAutoFit/>
+          </a:bodyPr>
+          <a:lstStyle/>
+          <a:p>
+            <a:pPr>
+              <a:lnSpc>
+                <a:spcPct val="100000"/>
+              </a:lnSpc>
+              <a:spcBef>
+                <a:spcPts val="0"/>
+              </a:spcBef>
+              <a:buClr>
+                <a:schemeClr val="accent5">
+                  <a:lumMod val="40000"/>
+                  <a:lumOff val="60000"/>
+                </a:schemeClr>
+              </a:buClr>
+              <a:buSzPct val="70000"/>
+            </a:pPr>
+            <a:r>
+              <a:rPr lang="en-US" sz="1600" b="1" noProof="1" smtClean="0">
+                <a:solidFill>
+                  <a:srgbClr val="8CF4F2"/>
+                </a:solidFill>
+                <a:effectLst>
+                  <a:outerShdw blurRad="38100" dist="38100" dir="2700000" algn="tl">
+                    <a:srgbClr val="000000">
+                      <a:alpha val="43137"/>
+                    </a:srgbClr>
+                  </a:outerShdw>
+                </a:effectLst>
+                <a:latin typeface="Consolas" pitchFamily="49" charset="0"/>
+                <a:cs typeface="Consolas" pitchFamily="49" charset="0"/>
+              </a:rPr>
+              <a:t>Printer</a:t>
+            </a:r>
+            <a:r>
+              <a:rPr lang="en-US" sz="1600" b="1" noProof="1">
+                <a:solidFill>
+                  <a:srgbClr val="8CF4F2"/>
+                </a:solidFill>
+                <a:effectLst>
+                  <a:outerShdw blurRad="38100" dist="38100" dir="2700000" algn="tl">
+                    <a:srgbClr val="000000">
+                      <a:alpha val="43137"/>
+                    </a:srgbClr>
+                  </a:outerShdw>
+                </a:effectLst>
+                <a:latin typeface="Consolas" pitchFamily="49" charset="0"/>
+                <a:cs typeface="Consolas" pitchFamily="49" charset="0"/>
+              </a:rPr>
+              <a:t>::printNewLine("Hello, Ivan!");	</a:t>
+            </a:r>
+          </a:p>
+          <a:p>
+            <a:pPr>
+              <a:lnSpc>
+                <a:spcPct val="100000"/>
+              </a:lnSpc>
+              <a:spcBef>
+                <a:spcPts val="0"/>
+              </a:spcBef>
+              <a:buClr>
+                <a:schemeClr val="accent5">
+                  <a:lumMod val="40000"/>
+                  <a:lumOff val="60000"/>
+                </a:schemeClr>
+              </a:buClr>
+              <a:buSzPct val="70000"/>
+            </a:pPr>
+            <a:r>
+              <a:rPr lang="en-US" sz="1600" b="1" noProof="1" smtClean="0">
+                <a:solidFill>
+                  <a:srgbClr val="8CF4F2"/>
+                </a:solidFill>
+                <a:effectLst>
+                  <a:outerShdw blurRad="38100" dist="38100" dir="2700000" algn="tl">
+                    <a:srgbClr val="000000">
+                      <a:alpha val="43137"/>
+                    </a:srgbClr>
+                  </a:outerShdw>
+                </a:effectLst>
+                <a:latin typeface="Consolas" pitchFamily="49" charset="0"/>
+                <a:cs typeface="Consolas" pitchFamily="49" charset="0"/>
+              </a:rPr>
+              <a:t>Printer</a:t>
+            </a:r>
+            <a:r>
+              <a:rPr lang="en-US" sz="1600" b="1" noProof="1">
+                <a:solidFill>
+                  <a:srgbClr val="8CF4F2"/>
+                </a:solidFill>
+                <a:effectLst>
+                  <a:outerShdw blurRad="38100" dist="38100" dir="2700000" algn="tl">
+                    <a:srgbClr val="000000">
+                      <a:alpha val="43137"/>
+                    </a:srgbClr>
+                  </a:outerShdw>
+                </a:effectLst>
+                <a:latin typeface="Consolas" pitchFamily="49" charset="0"/>
+                <a:cs typeface="Consolas" pitchFamily="49" charset="0"/>
+              </a:rPr>
+              <a:t>::printNewLine("Hello, Petar!");</a:t>
+            </a:r>
+          </a:p>
+        </p:txBody>
+      </p:sp>
+    </p:spTree>
+    <p:extLst>
+      <p:ext uri="{BB962C8B-B14F-4D97-AF65-F5344CB8AC3E}">
+        <p14:creationId xmlns:p14="http://schemas.microsoft.com/office/powerpoint/2010/main" val="3575160455"/>
+      </p:ext>
+    </p:extLst>
+  </p:cSld>
+  <p:clrMapOvr>
+    <a:masterClrMapping/>
+  </p:clrMapOvr>
+  <p:timing>
+    <p:tnLst>
+      <p:par>
+        <p:cTn id="1" dur="indefinite" restart="never" nodeType="tmRoot"/>
+      </p:par>
+    </p:tnLst>
+  </p:timing>
+</p:sld>
+</file>
+
+<file path=ppt/slides/slide38.xml><?xml version="1.0" encoding="utf-8"?>
+<p:sld xmlns:a="http://schemas.openxmlformats.org/drawingml/2006/main" xmlns:r="http://schemas.openxmlformats.org/officeDocument/2006/relationships" xmlns:p="http://schemas.openxmlformats.org/presentationml/2006/main">
+  <p:cSld>
+    <p:spTree>
+      <p:nvGrpSpPr>
+        <p:cNvPr id="1" name=""/>
+        <p:cNvGrpSpPr/>
+        <p:nvPr/>
+      </p:nvGrpSpPr>
+      <p:grpSpPr>
+        <a:xfrm>
+          <a:off x="0" y="0"/>
+          <a:ext cx="0" cy="0"/>
+          <a:chOff x="0" y="0"/>
+          <a:chExt cx="0" cy="0"/>
+        </a:xfrm>
+      </p:grpSpPr>
+      <p:sp>
+        <p:nvSpPr>
+          <p:cNvPr id="2" name="Title 1"/>
+          <p:cNvSpPr>
+            <a:spLocks noGrp="1"/>
+          </p:cNvSpPr>
+          <p:nvPr>
+            <p:ph type="title"/>
+          </p:nvPr>
+        </p:nvSpPr>
+        <p:spPr>
+          <a:xfrm>
+            <a:off x="1828800" y="162086"/>
+            <a:ext cx="7086600" cy="914400"/>
+          </a:xfrm>
+        </p:spPr>
+        <p:txBody>
+          <a:bodyPr/>
+          <a:lstStyle/>
+          <a:p>
+            <a:r>
+              <a:rPr lang="en-US" dirty="0"/>
+              <a:t>Interfaces</a:t>
+            </a:r>
+          </a:p>
+        </p:txBody>
+      </p:sp>
+      <p:sp>
+        <p:nvSpPr>
+          <p:cNvPr id="3" name="Content Placeholder 2"/>
+          <p:cNvSpPr>
+            <a:spLocks noGrp="1"/>
+          </p:cNvSpPr>
+          <p:nvPr>
+            <p:ph idx="1"/>
+          </p:nvPr>
+        </p:nvSpPr>
+        <p:spPr>
+          <a:xfrm>
+            <a:off x="228600" y="1371600"/>
+            <a:ext cx="8153400" cy="3651348"/>
+          </a:xfrm>
+        </p:spPr>
+        <p:txBody>
+          <a:bodyPr/>
+          <a:lstStyle/>
+          <a:p>
+            <a:pPr lvl="1">
+              <a:lnSpc>
+                <a:spcPct val="100000"/>
+              </a:lnSpc>
+            </a:pPr>
+            <a:r>
+              <a:rPr lang="en-US" dirty="0" smtClean="0"/>
+              <a:t>Example interface</a:t>
+            </a:r>
+          </a:p>
+          <a:p>
+            <a:pPr lvl="1">
+              <a:lnSpc>
+                <a:spcPct val="100000"/>
+              </a:lnSpc>
+            </a:pPr>
+            <a:endParaRPr lang="en-US" dirty="0"/>
+          </a:p>
+          <a:p>
+            <a:pPr lvl="1">
+              <a:lnSpc>
+                <a:spcPct val="100000"/>
+              </a:lnSpc>
+            </a:pPr>
+            <a:endParaRPr lang="en-US" dirty="0" smtClean="0"/>
+          </a:p>
+          <a:p>
+            <a:pPr marL="357188" lvl="1" indent="0">
+              <a:lnSpc>
+                <a:spcPct val="100000"/>
+              </a:lnSpc>
+              <a:buNone/>
+            </a:pPr>
+            <a:endParaRPr lang="en-US" dirty="0" smtClean="0"/>
+          </a:p>
+          <a:p>
+            <a:pPr lvl="1">
+              <a:lnSpc>
+                <a:spcPct val="100000"/>
+              </a:lnSpc>
+            </a:pPr>
+            <a:endParaRPr lang="en-US" dirty="0" smtClean="0"/>
+          </a:p>
+          <a:p>
+            <a:pPr lvl="1">
+              <a:lnSpc>
+                <a:spcPct val="100000"/>
+              </a:lnSpc>
+            </a:pPr>
+            <a:r>
+              <a:rPr lang="en-US" dirty="0" smtClean="0"/>
+              <a:t>Implementing interfaces with </a:t>
+            </a:r>
+            <a:r>
+              <a:rPr lang="en-US" dirty="0" smtClean="0">
+                <a:solidFill>
+                  <a:schemeClr val="tx1"/>
+                </a:solidFill>
+              </a:rPr>
+              <a:t>implements</a:t>
+            </a:r>
+          </a:p>
+          <a:p>
+            <a:pPr marL="357188" lvl="1" indent="0">
+              <a:lnSpc>
+                <a:spcPct val="100000"/>
+              </a:lnSpc>
+              <a:buNone/>
+            </a:pPr>
+            <a:endParaRPr lang="en-US" dirty="0"/>
+          </a:p>
+        </p:txBody>
+      </p:sp>
+      <p:sp>
+        <p:nvSpPr>
+          <p:cNvPr id="5" name="Rectangle 4"/>
+          <p:cNvSpPr>
+            <a:spLocks noChangeArrowheads="1"/>
+          </p:cNvSpPr>
+          <p:nvPr/>
+        </p:nvSpPr>
+        <p:spPr bwMode="auto">
+          <a:xfrm>
+            <a:off x="594360" y="2057400"/>
+            <a:ext cx="8153400" cy="2062103"/>
+          </a:xfrm>
+          <a:prstGeom prst="rect">
+            <a:avLst/>
+          </a:prstGeom>
+          <a:solidFill>
+            <a:schemeClr val="accent5">
+              <a:lumMod val="40000"/>
+              <a:lumOff val="60000"/>
+              <a:alpha val="15000"/>
+            </a:schemeClr>
+          </a:solidFill>
+          <a:ln w="12700">
+            <a:solidFill>
+              <a:schemeClr val="accent5">
+                <a:lumMod val="60000"/>
+                <a:lumOff val="40000"/>
+              </a:schemeClr>
+            </a:solidFill>
+          </a:ln>
+        </p:spPr>
+        <p:txBody>
+          <a:bodyPr wrap="square">
+            <a:spAutoFit/>
+          </a:bodyPr>
+          <a:lstStyle/>
+          <a:p>
+            <a:pPr>
+              <a:lnSpc>
+                <a:spcPct val="100000"/>
+              </a:lnSpc>
+              <a:spcBef>
+                <a:spcPts val="0"/>
+              </a:spcBef>
+              <a:buClr>
+                <a:schemeClr val="accent5">
+                  <a:lumMod val="40000"/>
+                  <a:lumOff val="60000"/>
+                </a:schemeClr>
+              </a:buClr>
+              <a:buSzPct val="70000"/>
+            </a:pPr>
+            <a:r>
+              <a:rPr lang="en-US" sz="1600" b="1" noProof="1">
+                <a:solidFill>
+                  <a:srgbClr val="8CF4F2"/>
+                </a:solidFill>
+                <a:effectLst>
+                  <a:outerShdw blurRad="38100" dist="38100" dir="2700000" algn="tl">
+                    <a:srgbClr val="000000">
+                      <a:alpha val="43137"/>
+                    </a:srgbClr>
+                  </a:outerShdw>
+                </a:effectLst>
+                <a:latin typeface="Consolas" pitchFamily="49" charset="0"/>
+                <a:cs typeface="Consolas" pitchFamily="49" charset="0"/>
+              </a:rPr>
+              <a:t>interface iBattery</a:t>
+            </a:r>
+          </a:p>
+          <a:p>
+            <a:pPr>
+              <a:lnSpc>
+                <a:spcPct val="100000"/>
+              </a:lnSpc>
+              <a:spcBef>
+                <a:spcPts val="0"/>
+              </a:spcBef>
+              <a:buClr>
+                <a:schemeClr val="accent5">
+                  <a:lumMod val="40000"/>
+                  <a:lumOff val="60000"/>
+                </a:schemeClr>
+              </a:buClr>
+              <a:buSzPct val="70000"/>
+            </a:pPr>
+            <a:r>
+              <a:rPr lang="en-US" sz="1600" b="1" noProof="1" smtClean="0">
+                <a:solidFill>
+                  <a:srgbClr val="8CF4F2"/>
+                </a:solidFill>
+                <a:effectLst>
+                  <a:outerShdw blurRad="38100" dist="38100" dir="2700000" algn="tl">
+                    <a:srgbClr val="000000">
+                      <a:alpha val="43137"/>
+                    </a:srgbClr>
+                  </a:outerShdw>
+                </a:effectLst>
+                <a:latin typeface="Consolas" pitchFamily="49" charset="0"/>
+                <a:cs typeface="Consolas" pitchFamily="49" charset="0"/>
+              </a:rPr>
+              <a:t>{</a:t>
+            </a:r>
+            <a:endParaRPr lang="en-US" sz="1600" b="1" noProof="1">
+              <a:solidFill>
+                <a:srgbClr val="8CF4F2"/>
+              </a:solidFill>
+              <a:effectLst>
+                <a:outerShdw blurRad="38100" dist="38100" dir="2700000" algn="tl">
+                  <a:srgbClr val="000000">
+                    <a:alpha val="43137"/>
+                  </a:srgbClr>
+                </a:outerShdw>
+              </a:effectLst>
+              <a:latin typeface="Consolas" pitchFamily="49" charset="0"/>
+              <a:cs typeface="Consolas" pitchFamily="49" charset="0"/>
+            </a:endParaRPr>
+          </a:p>
+          <a:p>
+            <a:pPr>
+              <a:lnSpc>
+                <a:spcPct val="100000"/>
+              </a:lnSpc>
+              <a:spcBef>
+                <a:spcPts val="0"/>
+              </a:spcBef>
+              <a:buClr>
+                <a:schemeClr val="accent5">
+                  <a:lumMod val="40000"/>
+                  <a:lumOff val="60000"/>
+                </a:schemeClr>
+              </a:buClr>
+              <a:buSzPct val="70000"/>
+            </a:pPr>
+            <a:r>
+              <a:rPr lang="en-US" sz="1600" b="1" noProof="1" smtClean="0">
+                <a:solidFill>
+                  <a:srgbClr val="8CF4F2"/>
+                </a:solidFill>
+                <a:effectLst>
+                  <a:outerShdw blurRad="38100" dist="38100" dir="2700000" algn="tl">
+                    <a:srgbClr val="000000">
+                      <a:alpha val="43137"/>
+                    </a:srgbClr>
+                  </a:outerShdw>
+                </a:effectLst>
+                <a:latin typeface="Consolas" pitchFamily="49" charset="0"/>
+                <a:cs typeface="Consolas" pitchFamily="49" charset="0"/>
+              </a:rPr>
+              <a:t>	public </a:t>
+            </a:r>
+            <a:r>
+              <a:rPr lang="en-US" sz="1600" b="1" noProof="1">
+                <a:solidFill>
+                  <a:srgbClr val="8CF4F2"/>
+                </a:solidFill>
+                <a:effectLst>
+                  <a:outerShdw blurRad="38100" dist="38100" dir="2700000" algn="tl">
+                    <a:srgbClr val="000000">
+                      <a:alpha val="43137"/>
+                    </a:srgbClr>
+                  </a:outerShdw>
+                </a:effectLst>
+                <a:latin typeface="Consolas" pitchFamily="49" charset="0"/>
+                <a:cs typeface="Consolas" pitchFamily="49" charset="0"/>
+              </a:rPr>
+              <a:t>function charge($</a:t>
+            </a:r>
+            <a:r>
+              <a:rPr lang="en-US" sz="1600" b="1" noProof="1">
+                <a:solidFill>
+                  <a:srgbClr val="8CF4F2"/>
+                </a:solidFill>
+                <a:effectLst>
+                  <a:outerShdw blurRad="38100" dist="38100" dir="2700000" algn="tl">
+                    <a:srgbClr val="000000">
+                      <a:alpha val="43137"/>
+                    </a:srgbClr>
+                  </a:outerShdw>
+                </a:effectLst>
+                <a:latin typeface="Consolas" pitchFamily="49" charset="0"/>
+                <a:cs typeface="Consolas" pitchFamily="49" charset="0"/>
+              </a:rPr>
+              <a:t>power_input</a:t>
+            </a:r>
+            <a:r>
+              <a:rPr lang="en-US" sz="1600" b="1" noProof="1" smtClean="0">
+                <a:solidFill>
+                  <a:srgbClr val="8CF4F2"/>
+                </a:solidFill>
+                <a:effectLst>
+                  <a:outerShdw blurRad="38100" dist="38100" dir="2700000" algn="tl">
+                    <a:srgbClr val="000000">
+                      <a:alpha val="43137"/>
+                    </a:srgbClr>
+                  </a:outerShdw>
+                </a:effectLst>
+                <a:latin typeface="Consolas" pitchFamily="49" charset="0"/>
+                <a:cs typeface="Consolas" pitchFamily="49" charset="0"/>
+              </a:rPr>
+              <a:t>);</a:t>
+            </a:r>
+          </a:p>
+          <a:p>
+            <a:pPr>
+              <a:lnSpc>
+                <a:spcPct val="100000"/>
+              </a:lnSpc>
+              <a:spcBef>
+                <a:spcPts val="0"/>
+              </a:spcBef>
+              <a:buClr>
+                <a:schemeClr val="accent5">
+                  <a:lumMod val="40000"/>
+                  <a:lumOff val="60000"/>
+                </a:schemeClr>
+              </a:buClr>
+              <a:buSzPct val="70000"/>
+            </a:pPr>
+            <a:r>
+              <a:rPr lang="en-US" sz="1600" b="1" noProof="1">
+                <a:solidFill>
+                  <a:srgbClr val="8CF4F2"/>
+                </a:solidFill>
+                <a:effectLst>
+                  <a:outerShdw blurRad="38100" dist="38100" dir="2700000" algn="tl">
+                    <a:srgbClr val="000000">
+                      <a:alpha val="43137"/>
+                    </a:srgbClr>
+                  </a:outerShdw>
+                </a:effectLst>
+                <a:latin typeface="Consolas" pitchFamily="49" charset="0"/>
+                <a:cs typeface="Consolas" pitchFamily="49" charset="0"/>
+              </a:rPr>
+              <a:t>	    	</a:t>
+            </a:r>
+            <a:r>
+              <a:rPr lang="en-US" sz="1600" b="1" noProof="1">
+                <a:solidFill>
+                  <a:srgbClr val="8CF4F2"/>
+                </a:solidFill>
+                <a:effectLst>
+                  <a:outerShdw blurRad="38100" dist="38100" dir="2700000" algn="tl">
+                    <a:srgbClr val="000000">
+                      <a:alpha val="43137"/>
+                    </a:srgbClr>
+                  </a:outerShdw>
+                </a:effectLst>
+                <a:latin typeface="Consolas" pitchFamily="49" charset="0"/>
+                <a:cs typeface="Consolas" pitchFamily="49" charset="0"/>
+              </a:rPr>
+              <a:t>   </a:t>
+            </a:r>
+            <a:endParaRPr lang="en-US" sz="1600" b="1" noProof="1">
+              <a:solidFill>
+                <a:srgbClr val="8CF4F2"/>
+              </a:solidFill>
+              <a:effectLst>
+                <a:outerShdw blurRad="38100" dist="38100" dir="2700000" algn="tl">
+                  <a:srgbClr val="000000">
+                    <a:alpha val="43137"/>
+                  </a:srgbClr>
+                </a:outerShdw>
+              </a:effectLst>
+              <a:latin typeface="Consolas" pitchFamily="49" charset="0"/>
+              <a:cs typeface="Consolas" pitchFamily="49" charset="0"/>
+            </a:endParaRPr>
+          </a:p>
+          <a:p>
+            <a:pPr>
+              <a:lnSpc>
+                <a:spcPct val="100000"/>
+              </a:lnSpc>
+              <a:spcBef>
+                <a:spcPts val="0"/>
+              </a:spcBef>
+              <a:buClr>
+                <a:schemeClr val="accent5">
+                  <a:lumMod val="40000"/>
+                  <a:lumOff val="60000"/>
+                </a:schemeClr>
+              </a:buClr>
+              <a:buSzPct val="70000"/>
+            </a:pPr>
+            <a:r>
+              <a:rPr lang="en-US" sz="1600" b="1" noProof="1" smtClean="0">
+                <a:solidFill>
+                  <a:srgbClr val="8CF4F2"/>
+                </a:solidFill>
+                <a:effectLst>
+                  <a:outerShdw blurRad="38100" dist="38100" dir="2700000" algn="tl">
+                    <a:srgbClr val="000000">
+                      <a:alpha val="43137"/>
+                    </a:srgbClr>
+                  </a:outerShdw>
+                </a:effectLst>
+                <a:latin typeface="Consolas" pitchFamily="49" charset="0"/>
+                <a:cs typeface="Consolas" pitchFamily="49" charset="0"/>
+              </a:rPr>
+              <a:t>	public </a:t>
+            </a:r>
+            <a:r>
+              <a:rPr lang="en-US" sz="1600" b="1" noProof="1">
+                <a:solidFill>
+                  <a:srgbClr val="8CF4F2"/>
+                </a:solidFill>
+                <a:effectLst>
+                  <a:outerShdw blurRad="38100" dist="38100" dir="2700000" algn="tl">
+                    <a:srgbClr val="000000">
+                      <a:alpha val="43137"/>
+                    </a:srgbClr>
+                  </a:outerShdw>
+                </a:effectLst>
+                <a:latin typeface="Consolas" pitchFamily="49" charset="0"/>
+                <a:cs typeface="Consolas" pitchFamily="49" charset="0"/>
+              </a:rPr>
+              <a:t>function </a:t>
+            </a:r>
+            <a:r>
+              <a:rPr lang="en-US" sz="1600" b="1" noProof="1">
+                <a:solidFill>
+                  <a:srgbClr val="8CF4F2"/>
+                </a:solidFill>
+                <a:effectLst>
+                  <a:outerShdw blurRad="38100" dist="38100" dir="2700000" algn="tl">
+                    <a:srgbClr val="000000">
+                      <a:alpha val="43137"/>
+                    </a:srgbClr>
+                  </a:outerShdw>
+                </a:effectLst>
+                <a:latin typeface="Consolas" pitchFamily="49" charset="0"/>
+                <a:cs typeface="Consolas" pitchFamily="49" charset="0"/>
+              </a:rPr>
+              <a:t>getCharge</a:t>
+            </a:r>
+            <a:r>
+              <a:rPr lang="en-US" sz="1600" b="1" noProof="1" smtClean="0">
+                <a:solidFill>
+                  <a:srgbClr val="8CF4F2"/>
+                </a:solidFill>
+                <a:effectLst>
+                  <a:outerShdw blurRad="38100" dist="38100" dir="2700000" algn="tl">
+                    <a:srgbClr val="000000">
+                      <a:alpha val="43137"/>
+                    </a:srgbClr>
+                  </a:outerShdw>
+                </a:effectLst>
+                <a:latin typeface="Consolas" pitchFamily="49" charset="0"/>
+                <a:cs typeface="Consolas" pitchFamily="49" charset="0"/>
+              </a:rPr>
+              <a:t>();</a:t>
+            </a:r>
+          </a:p>
+          <a:p>
+            <a:pPr>
+              <a:lnSpc>
+                <a:spcPct val="100000"/>
+              </a:lnSpc>
+              <a:spcBef>
+                <a:spcPts val="0"/>
+              </a:spcBef>
+              <a:buClr>
+                <a:schemeClr val="accent5">
+                  <a:lumMod val="40000"/>
+                  <a:lumOff val="60000"/>
+                </a:schemeClr>
+              </a:buClr>
+              <a:buSzPct val="70000"/>
+            </a:pPr>
+            <a:endParaRPr lang="en-US" sz="1600" b="1" noProof="1">
+              <a:solidFill>
+                <a:srgbClr val="8CF4F2"/>
+              </a:solidFill>
+              <a:effectLst>
+                <a:outerShdw blurRad="38100" dist="38100" dir="2700000" algn="tl">
+                  <a:srgbClr val="000000">
+                    <a:alpha val="43137"/>
+                  </a:srgbClr>
+                </a:outerShdw>
+              </a:effectLst>
+              <a:latin typeface="Consolas" pitchFamily="49" charset="0"/>
+              <a:cs typeface="Consolas" pitchFamily="49" charset="0"/>
+            </a:endParaRPr>
+          </a:p>
+          <a:p>
+            <a:pPr>
+              <a:lnSpc>
+                <a:spcPct val="100000"/>
+              </a:lnSpc>
+              <a:spcBef>
+                <a:spcPts val="0"/>
+              </a:spcBef>
+              <a:buClr>
+                <a:schemeClr val="accent5">
+                  <a:lumMod val="40000"/>
+                  <a:lumOff val="60000"/>
+                </a:schemeClr>
+              </a:buClr>
+              <a:buSzPct val="70000"/>
+            </a:pPr>
+            <a:r>
+              <a:rPr lang="en-US" sz="1600" b="1" noProof="1" smtClean="0">
+                <a:solidFill>
+                  <a:srgbClr val="8CF4F2"/>
+                </a:solidFill>
+                <a:effectLst>
+                  <a:outerShdw blurRad="38100" dist="38100" dir="2700000" algn="tl">
+                    <a:srgbClr val="000000">
+                      <a:alpha val="43137"/>
+                    </a:srgbClr>
+                  </a:outerShdw>
+                </a:effectLst>
+                <a:latin typeface="Consolas" pitchFamily="49" charset="0"/>
+                <a:cs typeface="Consolas" pitchFamily="49" charset="0"/>
+              </a:rPr>
+              <a:t>	public </a:t>
+            </a:r>
+            <a:r>
+              <a:rPr lang="en-US" sz="1600" b="1" noProof="1">
+                <a:solidFill>
+                  <a:srgbClr val="8CF4F2"/>
+                </a:solidFill>
+                <a:effectLst>
+                  <a:outerShdw blurRad="38100" dist="38100" dir="2700000" algn="tl">
+                    <a:srgbClr val="000000">
+                      <a:alpha val="43137"/>
+                    </a:srgbClr>
+                  </a:outerShdw>
+                </a:effectLst>
+                <a:latin typeface="Consolas" pitchFamily="49" charset="0"/>
+                <a:cs typeface="Consolas" pitchFamily="49" charset="0"/>
+              </a:rPr>
+              <a:t>function discharge($power_output);</a:t>
+            </a:r>
+          </a:p>
+          <a:p>
+            <a:pPr>
+              <a:lnSpc>
+                <a:spcPct val="100000"/>
+              </a:lnSpc>
+              <a:spcBef>
+                <a:spcPts val="0"/>
+              </a:spcBef>
+              <a:buClr>
+                <a:schemeClr val="accent5">
+                  <a:lumMod val="40000"/>
+                  <a:lumOff val="60000"/>
+                </a:schemeClr>
+              </a:buClr>
+              <a:buSzPct val="70000"/>
+            </a:pPr>
+            <a:r>
+              <a:rPr lang="en-US" sz="1600" b="1" noProof="1" smtClean="0">
+                <a:solidFill>
+                  <a:srgbClr val="8CF4F2"/>
+                </a:solidFill>
+                <a:effectLst>
+                  <a:outerShdw blurRad="38100" dist="38100" dir="2700000" algn="tl">
+                    <a:srgbClr val="000000">
+                      <a:alpha val="43137"/>
+                    </a:srgbClr>
+                  </a:outerShdw>
+                </a:effectLst>
+                <a:latin typeface="Consolas" pitchFamily="49" charset="0"/>
+                <a:cs typeface="Consolas" pitchFamily="49" charset="0"/>
+              </a:rPr>
+              <a:t>}</a:t>
+            </a:r>
+            <a:endParaRPr lang="en-US" sz="1600" b="1" noProof="1">
+              <a:solidFill>
+                <a:srgbClr val="8CF4F2"/>
+              </a:solidFill>
+              <a:effectLst>
+                <a:outerShdw blurRad="38100" dist="38100" dir="2700000" algn="tl">
+                  <a:srgbClr val="000000">
+                    <a:alpha val="43137"/>
+                  </a:srgbClr>
+                </a:outerShdw>
+              </a:effectLst>
+              <a:latin typeface="Consolas" pitchFamily="49" charset="0"/>
+              <a:cs typeface="Consolas" pitchFamily="49" charset="0"/>
+            </a:endParaRPr>
+          </a:p>
+        </p:txBody>
+      </p:sp>
+      <p:sp>
+        <p:nvSpPr>
+          <p:cNvPr id="6" name="Rectangle 4"/>
+          <p:cNvSpPr>
+            <a:spLocks noChangeArrowheads="1"/>
+          </p:cNvSpPr>
+          <p:nvPr/>
+        </p:nvSpPr>
+        <p:spPr bwMode="auto">
+          <a:xfrm>
+            <a:off x="609600" y="5094982"/>
+            <a:ext cx="8153400" cy="1077218"/>
+          </a:xfrm>
+          <a:prstGeom prst="rect">
+            <a:avLst/>
+          </a:prstGeom>
+          <a:solidFill>
+            <a:schemeClr val="accent5">
+              <a:lumMod val="40000"/>
+              <a:lumOff val="60000"/>
+              <a:alpha val="15000"/>
+            </a:schemeClr>
+          </a:solidFill>
+          <a:ln w="12700">
+            <a:solidFill>
+              <a:schemeClr val="accent5">
+                <a:lumMod val="60000"/>
+                <a:lumOff val="40000"/>
+              </a:schemeClr>
+            </a:solidFill>
+          </a:ln>
+        </p:spPr>
+        <p:txBody>
+          <a:bodyPr wrap="square">
+            <a:spAutoFit/>
+          </a:bodyPr>
+          <a:lstStyle/>
+          <a:p>
+            <a:pPr>
+              <a:lnSpc>
+                <a:spcPct val="100000"/>
+              </a:lnSpc>
+              <a:spcBef>
+                <a:spcPts val="0"/>
+              </a:spcBef>
+              <a:buClr>
+                <a:schemeClr val="accent5">
+                  <a:lumMod val="40000"/>
+                  <a:lumOff val="60000"/>
+                </a:schemeClr>
+              </a:buClr>
+              <a:buSzPct val="70000"/>
+            </a:pPr>
+            <a:r>
+              <a:rPr lang="en-US" sz="1600" b="1" noProof="1">
+                <a:solidFill>
+                  <a:srgbClr val="8CF4F2"/>
+                </a:solidFill>
+                <a:effectLst>
+                  <a:outerShdw blurRad="38100" dist="38100" dir="2700000" algn="tl">
+                    <a:srgbClr val="000000">
+                      <a:alpha val="43137"/>
+                    </a:srgbClr>
+                  </a:outerShdw>
+                </a:effectLst>
+                <a:latin typeface="Consolas" pitchFamily="49" charset="0"/>
+                <a:cs typeface="Consolas" pitchFamily="49" charset="0"/>
+              </a:rPr>
+              <a:t>abstract class Battery </a:t>
+            </a:r>
+            <a:r>
+              <a:rPr lang="en-US" sz="1600" b="1" noProof="1">
+                <a:solidFill>
+                  <a:srgbClr val="8CF4F2"/>
+                </a:solidFill>
+                <a:effectLst>
+                  <a:outerShdw blurRad="38100" dist="38100" dir="2700000" algn="tl">
+                    <a:srgbClr val="000000">
+                      <a:alpha val="43137"/>
+                    </a:srgbClr>
+                  </a:outerShdw>
+                </a:effectLst>
+                <a:latin typeface="Consolas" pitchFamily="49" charset="0"/>
+                <a:cs typeface="Consolas" pitchFamily="49" charset="0"/>
+              </a:rPr>
+              <a:t>implements </a:t>
+            </a:r>
+            <a:r>
+              <a:rPr lang="en-US" sz="1600" b="1" noProof="1" smtClean="0">
+                <a:solidFill>
+                  <a:srgbClr val="8CF4F2"/>
+                </a:solidFill>
+                <a:effectLst>
+                  <a:outerShdw blurRad="38100" dist="38100" dir="2700000" algn="tl">
+                    <a:srgbClr val="000000">
+                      <a:alpha val="43137"/>
+                    </a:srgbClr>
+                  </a:outerShdw>
+                </a:effectLst>
+                <a:latin typeface="Consolas" pitchFamily="49" charset="0"/>
+                <a:cs typeface="Consolas" pitchFamily="49" charset="0"/>
+              </a:rPr>
+              <a:t>iBattery</a:t>
+            </a:r>
+          </a:p>
+          <a:p>
+            <a:pPr>
+              <a:lnSpc>
+                <a:spcPct val="100000"/>
+              </a:lnSpc>
+              <a:spcBef>
+                <a:spcPts val="0"/>
+              </a:spcBef>
+              <a:buClr>
+                <a:schemeClr val="accent5">
+                  <a:lumMod val="40000"/>
+                  <a:lumOff val="60000"/>
+                </a:schemeClr>
+              </a:buClr>
+              <a:buSzPct val="70000"/>
+            </a:pPr>
+            <a:r>
+              <a:rPr lang="en-US" sz="1600" b="1" noProof="1" smtClean="0">
+                <a:solidFill>
+                  <a:srgbClr val="8CF4F2"/>
+                </a:solidFill>
+                <a:effectLst>
+                  <a:outerShdw blurRad="38100" dist="38100" dir="2700000" algn="tl">
+                    <a:srgbClr val="000000">
+                      <a:alpha val="43137"/>
+                    </a:srgbClr>
+                  </a:outerShdw>
+                </a:effectLst>
+                <a:latin typeface="Consolas" pitchFamily="49" charset="0"/>
+                <a:cs typeface="Consolas" pitchFamily="49" charset="0"/>
+              </a:rPr>
+              <a:t>{</a:t>
+            </a:r>
+          </a:p>
+          <a:p>
+            <a:pPr>
+              <a:lnSpc>
+                <a:spcPct val="100000"/>
+              </a:lnSpc>
+              <a:spcBef>
+                <a:spcPts val="0"/>
+              </a:spcBef>
+              <a:buClr>
+                <a:schemeClr val="accent5">
+                  <a:lumMod val="40000"/>
+                  <a:lumOff val="60000"/>
+                </a:schemeClr>
+              </a:buClr>
+              <a:buSzPct val="70000"/>
+            </a:pPr>
+            <a:r>
+              <a:rPr lang="en-US" sz="1600" b="1" noProof="1" smtClean="0">
+                <a:solidFill>
+                  <a:srgbClr val="8CF4F2"/>
+                </a:solidFill>
+                <a:effectLst>
+                  <a:outerShdw blurRad="38100" dist="38100" dir="2700000" algn="tl">
+                    <a:srgbClr val="000000">
+                      <a:alpha val="43137"/>
+                    </a:srgbClr>
+                  </a:outerShdw>
+                </a:effectLst>
+                <a:latin typeface="Consolas" pitchFamily="49" charset="0"/>
+                <a:cs typeface="Consolas" pitchFamily="49" charset="0"/>
+              </a:rPr>
+              <a:t>	...</a:t>
+            </a:r>
+            <a:endParaRPr lang="en-US" sz="1600" b="1" noProof="1">
+              <a:solidFill>
+                <a:srgbClr val="8CF4F2"/>
+              </a:solidFill>
+              <a:effectLst>
+                <a:outerShdw blurRad="38100" dist="38100" dir="2700000" algn="tl">
+                  <a:srgbClr val="000000">
+                    <a:alpha val="43137"/>
+                  </a:srgbClr>
+                </a:outerShdw>
+              </a:effectLst>
+              <a:latin typeface="Consolas" pitchFamily="49" charset="0"/>
+              <a:cs typeface="Consolas" pitchFamily="49" charset="0"/>
+            </a:endParaRPr>
+          </a:p>
+          <a:p>
+            <a:pPr>
+              <a:lnSpc>
+                <a:spcPct val="100000"/>
+              </a:lnSpc>
+              <a:spcBef>
+                <a:spcPts val="0"/>
+              </a:spcBef>
+              <a:buClr>
+                <a:schemeClr val="accent5">
+                  <a:lumMod val="40000"/>
+                  <a:lumOff val="60000"/>
+                </a:schemeClr>
+              </a:buClr>
+              <a:buSzPct val="70000"/>
+            </a:pPr>
+            <a:r>
+              <a:rPr lang="en-US" sz="1600" b="1" noProof="1" smtClean="0">
+                <a:solidFill>
+                  <a:srgbClr val="8CF4F2"/>
+                </a:solidFill>
+                <a:effectLst>
+                  <a:outerShdw blurRad="38100" dist="38100" dir="2700000" algn="tl">
+                    <a:srgbClr val="000000">
+                      <a:alpha val="43137"/>
+                    </a:srgbClr>
+                  </a:outerShdw>
+                </a:effectLst>
+                <a:latin typeface="Consolas" pitchFamily="49" charset="0"/>
+                <a:cs typeface="Consolas" pitchFamily="49" charset="0"/>
+              </a:rPr>
+              <a:t>}</a:t>
+            </a:r>
+            <a:endParaRPr lang="en-US" sz="1600" b="1" noProof="1">
+              <a:solidFill>
+                <a:srgbClr val="8CF4F2"/>
+              </a:solidFill>
+              <a:effectLst>
+                <a:outerShdw blurRad="38100" dist="38100" dir="2700000" algn="tl">
+                  <a:srgbClr val="000000">
+                    <a:alpha val="43137"/>
+                  </a:srgbClr>
+                </a:outerShdw>
+              </a:effectLst>
+              <a:latin typeface="Consolas" pitchFamily="49" charset="0"/>
+              <a:cs typeface="Consolas" pitchFamily="49" charset="0"/>
+            </a:endParaRPr>
+          </a:p>
+        </p:txBody>
+      </p:sp>
+    </p:spTree>
+    <p:extLst>
+      <p:ext uri="{BB962C8B-B14F-4D97-AF65-F5344CB8AC3E}">
+        <p14:creationId xmlns:p14="http://schemas.microsoft.com/office/powerpoint/2010/main" val="421075232"/>
+      </p:ext>
+    </p:extLst>
+  </p:cSld>
+  <p:clrMapOvr>
+    <a:masterClrMapping/>
+  </p:clrMapOvr>
+  <p:timing>
+    <p:tnLst>
+      <p:par>
+        <p:cTn id="1" dur="indefinite" restart="never" nodeType="tmRoot"/>
+      </p:par>
+    </p:tnLst>
+  </p:timing>
+</p:sld>
+</file>
+
+<file path=ppt/slides/slide39.xml><?xml version="1.0" encoding="utf-8"?>
+<p:sld xmlns:a="http://schemas.openxmlformats.org/drawingml/2006/main" xmlns:r="http://schemas.openxmlformats.org/officeDocument/2006/relationships" xmlns:p="http://schemas.openxmlformats.org/presentationml/2006/main">
+  <p:cSld>
+    <p:spTree>
+      <p:nvGrpSpPr>
+        <p:cNvPr id="1" name=""/>
+        <p:cNvGrpSpPr/>
+        <p:nvPr/>
+      </p:nvGrpSpPr>
+      <p:grpSpPr>
+        <a:xfrm>
+          <a:off x="0" y="0"/>
+          <a:ext cx="0" cy="0"/>
+          <a:chOff x="0" y="0"/>
+          <a:chExt cx="0" cy="0"/>
+        </a:xfrm>
+      </p:grpSpPr>
+      <p:sp>
+        <p:nvSpPr>
+          <p:cNvPr id="2" name="Title 1"/>
+          <p:cNvSpPr>
+            <a:spLocks noGrp="1"/>
+          </p:cNvSpPr>
+          <p:nvPr>
+            <p:ph type="title"/>
+          </p:nvPr>
+        </p:nvSpPr>
+        <p:spPr>
+          <a:xfrm>
+            <a:off x="1828800" y="162086"/>
+            <a:ext cx="7086600" cy="914400"/>
+          </a:xfrm>
+        </p:spPr>
+        <p:txBody>
+          <a:bodyPr/>
+          <a:lstStyle/>
+          <a:p>
+            <a:r>
+              <a:rPr lang="en-US" dirty="0"/>
+              <a:t>Enumeration like abstract classes</a:t>
+            </a:r>
+          </a:p>
+        </p:txBody>
+      </p:sp>
+      <p:sp>
+        <p:nvSpPr>
+          <p:cNvPr id="3" name="Content Placeholder 2"/>
+          <p:cNvSpPr>
+            <a:spLocks noGrp="1"/>
+          </p:cNvSpPr>
+          <p:nvPr>
+            <p:ph idx="1"/>
+          </p:nvPr>
+        </p:nvSpPr>
+        <p:spPr>
+          <a:xfrm>
+            <a:off x="228600" y="1371600"/>
+            <a:ext cx="8153400" cy="3651348"/>
+          </a:xfrm>
+        </p:spPr>
+        <p:txBody>
+          <a:bodyPr/>
+          <a:lstStyle/>
+          <a:p>
+            <a:pPr lvl="1">
+              <a:lnSpc>
+                <a:spcPct val="100000"/>
+              </a:lnSpc>
+            </a:pPr>
+            <a:r>
+              <a:rPr lang="en-US" dirty="0" smtClean="0"/>
+              <a:t>Example enumeration like class</a:t>
+            </a:r>
+            <a:endParaRPr lang="en-US" dirty="0"/>
+          </a:p>
+          <a:p>
+            <a:pPr lvl="1">
+              <a:lnSpc>
+                <a:spcPct val="100000"/>
+              </a:lnSpc>
+            </a:pPr>
+            <a:endParaRPr lang="en-US" dirty="0" smtClean="0"/>
+          </a:p>
+          <a:p>
+            <a:pPr marL="357188" lvl="1" indent="0">
+              <a:lnSpc>
+                <a:spcPct val="100000"/>
+              </a:lnSpc>
+              <a:buNone/>
+            </a:pPr>
+            <a:endParaRPr lang="en-US" dirty="0" smtClean="0"/>
+          </a:p>
+          <a:p>
+            <a:pPr lvl="1">
+              <a:lnSpc>
+                <a:spcPct val="100000"/>
+              </a:lnSpc>
+            </a:pPr>
+            <a:endParaRPr lang="en-US" dirty="0" smtClean="0"/>
+          </a:p>
+          <a:p>
+            <a:pPr marL="357188" lvl="1" indent="0">
+              <a:lnSpc>
+                <a:spcPct val="100000"/>
+              </a:lnSpc>
+              <a:buNone/>
+            </a:pPr>
+            <a:endParaRPr lang="en-US" dirty="0" smtClean="0"/>
+          </a:p>
+          <a:p>
+            <a:pPr marL="357188" lvl="1" indent="0">
+              <a:lnSpc>
+                <a:spcPct val="100000"/>
+              </a:lnSpc>
+              <a:buNone/>
+            </a:pPr>
+            <a:endParaRPr lang="en-US" dirty="0" smtClean="0"/>
+          </a:p>
+          <a:p>
+            <a:pPr lvl="1">
+              <a:lnSpc>
+                <a:spcPct val="100000"/>
+              </a:lnSpc>
+            </a:pPr>
+            <a:r>
+              <a:rPr lang="en-US" dirty="0" smtClean="0"/>
+              <a:t>Usage</a:t>
+            </a:r>
+            <a:endParaRPr lang="en-US" dirty="0" smtClean="0">
+              <a:solidFill>
+                <a:schemeClr val="tx1"/>
+              </a:solidFill>
+            </a:endParaRPr>
+          </a:p>
+          <a:p>
+            <a:pPr marL="357188" lvl="1" indent="0">
+              <a:lnSpc>
+                <a:spcPct val="100000"/>
+              </a:lnSpc>
+              <a:buNone/>
+            </a:pPr>
+            <a:endParaRPr lang="en-US" dirty="0"/>
+          </a:p>
+        </p:txBody>
+      </p:sp>
+      <p:sp>
+        <p:nvSpPr>
+          <p:cNvPr id="5" name="Rectangle 4"/>
+          <p:cNvSpPr>
+            <a:spLocks noChangeArrowheads="1"/>
+          </p:cNvSpPr>
+          <p:nvPr/>
+        </p:nvSpPr>
+        <p:spPr bwMode="auto">
+          <a:xfrm>
+            <a:off x="591312" y="2057400"/>
+            <a:ext cx="8153400" cy="2554545"/>
+          </a:xfrm>
+          <a:prstGeom prst="rect">
+            <a:avLst/>
+          </a:prstGeom>
+          <a:solidFill>
+            <a:schemeClr val="accent5">
+              <a:lumMod val="40000"/>
+              <a:lumOff val="60000"/>
+              <a:alpha val="15000"/>
+            </a:schemeClr>
+          </a:solidFill>
+          <a:ln w="12700">
+            <a:solidFill>
+              <a:schemeClr val="accent5">
+                <a:lumMod val="60000"/>
+                <a:lumOff val="40000"/>
+              </a:schemeClr>
+            </a:solidFill>
+          </a:ln>
+        </p:spPr>
+        <p:txBody>
+          <a:bodyPr wrap="square">
+            <a:spAutoFit/>
+          </a:bodyPr>
+          <a:lstStyle/>
+          <a:p>
+            <a:pPr>
+              <a:lnSpc>
+                <a:spcPct val="100000"/>
+              </a:lnSpc>
+              <a:spcBef>
+                <a:spcPts val="0"/>
+              </a:spcBef>
+              <a:buClr>
+                <a:schemeClr val="accent5">
+                  <a:lumMod val="40000"/>
+                  <a:lumOff val="60000"/>
+                </a:schemeClr>
+              </a:buClr>
+              <a:buSzPct val="70000"/>
+            </a:pPr>
+            <a:r>
+              <a:rPr lang="en-US" sz="1600" b="1" noProof="1" smtClean="0">
+                <a:solidFill>
+                  <a:srgbClr val="8CF4F2"/>
+                </a:solidFill>
+                <a:effectLst>
+                  <a:outerShdw blurRad="38100" dist="38100" dir="2700000" algn="tl">
+                    <a:srgbClr val="000000">
+                      <a:alpha val="43137"/>
+                    </a:srgbClr>
+                  </a:outerShdw>
+                </a:effectLst>
+                <a:latin typeface="Consolas" pitchFamily="49" charset="0"/>
+                <a:cs typeface="Consolas" pitchFamily="49" charset="0"/>
+              </a:rPr>
+              <a:t>abstract </a:t>
+            </a:r>
+            <a:r>
+              <a:rPr lang="en-US" sz="1600" b="1" noProof="1">
+                <a:solidFill>
+                  <a:srgbClr val="8CF4F2"/>
+                </a:solidFill>
+                <a:effectLst>
+                  <a:outerShdw blurRad="38100" dist="38100" dir="2700000" algn="tl">
+                    <a:srgbClr val="000000">
+                      <a:alpha val="43137"/>
+                    </a:srgbClr>
+                  </a:outerShdw>
+                </a:effectLst>
+                <a:latin typeface="Consolas" pitchFamily="49" charset="0"/>
+                <a:cs typeface="Consolas" pitchFamily="49" charset="0"/>
+              </a:rPr>
+              <a:t>class DaysOfWeek</a:t>
+            </a:r>
+          </a:p>
+          <a:p>
+            <a:pPr>
+              <a:lnSpc>
+                <a:spcPct val="100000"/>
+              </a:lnSpc>
+              <a:spcBef>
+                <a:spcPts val="0"/>
+              </a:spcBef>
+              <a:buClr>
+                <a:schemeClr val="accent5">
+                  <a:lumMod val="40000"/>
+                  <a:lumOff val="60000"/>
+                </a:schemeClr>
+              </a:buClr>
+              <a:buSzPct val="70000"/>
+            </a:pPr>
+            <a:r>
+              <a:rPr lang="en-US" sz="1600" b="1" noProof="1" smtClean="0">
+                <a:solidFill>
+                  <a:srgbClr val="8CF4F2"/>
+                </a:solidFill>
+                <a:effectLst>
+                  <a:outerShdw blurRad="38100" dist="38100" dir="2700000" algn="tl">
+                    <a:srgbClr val="000000">
+                      <a:alpha val="43137"/>
+                    </a:srgbClr>
+                  </a:outerShdw>
+                </a:effectLst>
+                <a:latin typeface="Consolas" pitchFamily="49" charset="0"/>
+                <a:cs typeface="Consolas" pitchFamily="49" charset="0"/>
+              </a:rPr>
+              <a:t>{</a:t>
+            </a:r>
+            <a:endParaRPr lang="en-US" sz="1600" b="1" noProof="1">
+              <a:solidFill>
+                <a:srgbClr val="8CF4F2"/>
+              </a:solidFill>
+              <a:effectLst>
+                <a:outerShdw blurRad="38100" dist="38100" dir="2700000" algn="tl">
+                  <a:srgbClr val="000000">
+                    <a:alpha val="43137"/>
+                  </a:srgbClr>
+                </a:outerShdw>
+              </a:effectLst>
+              <a:latin typeface="Consolas" pitchFamily="49" charset="0"/>
+              <a:cs typeface="Consolas" pitchFamily="49" charset="0"/>
+            </a:endParaRPr>
+          </a:p>
+          <a:p>
+            <a:pPr>
+              <a:lnSpc>
+                <a:spcPct val="100000"/>
+              </a:lnSpc>
+              <a:spcBef>
+                <a:spcPts val="0"/>
+              </a:spcBef>
+              <a:buClr>
+                <a:schemeClr val="accent5">
+                  <a:lumMod val="40000"/>
+                  <a:lumOff val="60000"/>
+                </a:schemeClr>
+              </a:buClr>
+              <a:buSzPct val="70000"/>
+            </a:pPr>
+            <a:r>
+              <a:rPr lang="en-US" sz="1600" b="1" noProof="1">
+                <a:solidFill>
+                  <a:srgbClr val="8CF4F2"/>
+                </a:solidFill>
+                <a:effectLst>
+                  <a:outerShdw blurRad="38100" dist="38100" dir="2700000" algn="tl">
+                    <a:srgbClr val="000000">
+                      <a:alpha val="43137"/>
+                    </a:srgbClr>
+                  </a:outerShdw>
+                </a:effectLst>
+                <a:latin typeface="Consolas" pitchFamily="49" charset="0"/>
+                <a:cs typeface="Consolas" pitchFamily="49" charset="0"/>
+              </a:rPr>
+              <a:t>	const Monday = </a:t>
+            </a:r>
+            <a:r>
+              <a:rPr lang="en-US" sz="1600" b="1" noProof="1">
+                <a:solidFill>
+                  <a:srgbClr val="8CF4F2"/>
+                </a:solidFill>
+                <a:effectLst>
+                  <a:outerShdw blurRad="38100" dist="38100" dir="2700000" algn="tl">
+                    <a:srgbClr val="000000">
+                      <a:alpha val="43137"/>
+                    </a:srgbClr>
+                  </a:outerShdw>
+                </a:effectLst>
+                <a:latin typeface="Consolas" pitchFamily="49" charset="0"/>
+                <a:cs typeface="Consolas" pitchFamily="49" charset="0"/>
+              </a:rPr>
+              <a:t>1</a:t>
+            </a:r>
+            <a:r>
+              <a:rPr lang="en-US" sz="1600" b="1" noProof="1" smtClean="0">
+                <a:solidFill>
+                  <a:srgbClr val="8CF4F2"/>
+                </a:solidFill>
+                <a:effectLst>
+                  <a:outerShdw blurRad="38100" dist="38100" dir="2700000" algn="tl">
+                    <a:srgbClr val="000000">
+                      <a:alpha val="43137"/>
+                    </a:srgbClr>
+                  </a:outerShdw>
+                </a:effectLst>
+                <a:latin typeface="Consolas" pitchFamily="49" charset="0"/>
+                <a:cs typeface="Consolas" pitchFamily="49" charset="0"/>
+              </a:rPr>
+              <a:t>;</a:t>
+            </a:r>
+          </a:p>
+          <a:p>
+            <a:pPr>
+              <a:spcBef>
+                <a:spcPts val="0"/>
+              </a:spcBef>
+              <a:buClr>
+                <a:schemeClr val="accent5">
+                  <a:lumMod val="40000"/>
+                  <a:lumOff val="60000"/>
+                </a:schemeClr>
+              </a:buClr>
+              <a:buSzPct val="70000"/>
+            </a:pPr>
+            <a:r>
+              <a:rPr lang="en-US" sz="1600" b="1" noProof="1">
+                <a:solidFill>
+                  <a:srgbClr val="8CF4F2"/>
+                </a:solidFill>
+                <a:effectLst>
+                  <a:outerShdw blurRad="38100" dist="38100" dir="2700000" algn="tl">
+                    <a:srgbClr val="000000">
+                      <a:alpha val="43137"/>
+                    </a:srgbClr>
+                  </a:outerShdw>
+                </a:effectLst>
+                <a:latin typeface="Consolas" pitchFamily="49" charset="0"/>
+                <a:cs typeface="Consolas" pitchFamily="49" charset="0"/>
+              </a:rPr>
+              <a:t>	</a:t>
+            </a:r>
+            <a:r>
+              <a:rPr lang="en-US" sz="1600" b="1" noProof="1">
+                <a:solidFill>
+                  <a:srgbClr val="8CF4F2"/>
+                </a:solidFill>
+                <a:effectLst>
+                  <a:outerShdw blurRad="38100" dist="38100" dir="2700000" algn="tl">
+                    <a:srgbClr val="000000">
+                      <a:alpha val="43137"/>
+                    </a:srgbClr>
+                  </a:outerShdw>
+                </a:effectLst>
+                <a:latin typeface="Consolas" pitchFamily="49" charset="0"/>
+                <a:cs typeface="Consolas" pitchFamily="49" charset="0"/>
+              </a:rPr>
+              <a:t>const </a:t>
+            </a:r>
+            <a:r>
+              <a:rPr lang="en-US" sz="1600" b="1" noProof="1" smtClean="0">
+                <a:solidFill>
+                  <a:srgbClr val="8CF4F2"/>
+                </a:solidFill>
+                <a:effectLst>
+                  <a:outerShdw blurRad="38100" dist="38100" dir="2700000" algn="tl">
+                    <a:srgbClr val="000000">
+                      <a:alpha val="43137"/>
+                    </a:srgbClr>
+                  </a:outerShdw>
+                </a:effectLst>
+                <a:latin typeface="Consolas" pitchFamily="49" charset="0"/>
+                <a:cs typeface="Consolas" pitchFamily="49" charset="0"/>
+              </a:rPr>
+              <a:t>Tuesday </a:t>
+            </a:r>
+            <a:r>
+              <a:rPr lang="en-US" sz="1600" b="1" noProof="1">
+                <a:solidFill>
+                  <a:srgbClr val="8CF4F2"/>
+                </a:solidFill>
+                <a:effectLst>
+                  <a:outerShdw blurRad="38100" dist="38100" dir="2700000" algn="tl">
+                    <a:srgbClr val="000000">
+                      <a:alpha val="43137"/>
+                    </a:srgbClr>
+                  </a:outerShdw>
+                </a:effectLst>
+                <a:latin typeface="Consolas" pitchFamily="49" charset="0"/>
+                <a:cs typeface="Consolas" pitchFamily="49" charset="0"/>
+              </a:rPr>
+              <a:t>= </a:t>
+            </a:r>
+            <a:r>
+              <a:rPr lang="en-US" sz="1600" b="1" noProof="1" smtClean="0">
+                <a:solidFill>
+                  <a:srgbClr val="8CF4F2"/>
+                </a:solidFill>
+                <a:effectLst>
+                  <a:outerShdw blurRad="38100" dist="38100" dir="2700000" algn="tl">
+                    <a:srgbClr val="000000">
+                      <a:alpha val="43137"/>
+                    </a:srgbClr>
+                  </a:outerShdw>
+                </a:effectLst>
+                <a:latin typeface="Consolas" pitchFamily="49" charset="0"/>
+                <a:cs typeface="Consolas" pitchFamily="49" charset="0"/>
+              </a:rPr>
+              <a:t>2;</a:t>
+            </a:r>
+          </a:p>
+          <a:p>
+            <a:pPr>
+              <a:spcBef>
+                <a:spcPts val="0"/>
+              </a:spcBef>
+              <a:buClr>
+                <a:schemeClr val="accent5">
+                  <a:lumMod val="40000"/>
+                  <a:lumOff val="60000"/>
+                </a:schemeClr>
+              </a:buClr>
+              <a:buSzPct val="70000"/>
+            </a:pPr>
+            <a:r>
+              <a:rPr lang="en-US" sz="1600" b="1" noProof="1">
+                <a:solidFill>
+                  <a:srgbClr val="8CF4F2"/>
+                </a:solidFill>
+                <a:effectLst>
+                  <a:outerShdw blurRad="38100" dist="38100" dir="2700000" algn="tl">
+                    <a:srgbClr val="000000">
+                      <a:alpha val="43137"/>
+                    </a:srgbClr>
+                  </a:outerShdw>
+                </a:effectLst>
+                <a:latin typeface="Consolas" pitchFamily="49" charset="0"/>
+                <a:cs typeface="Consolas" pitchFamily="49" charset="0"/>
+              </a:rPr>
+              <a:t>	</a:t>
+            </a:r>
+            <a:r>
+              <a:rPr lang="en-US" sz="1600" b="1" noProof="1">
+                <a:solidFill>
+                  <a:srgbClr val="8CF4F2"/>
+                </a:solidFill>
+                <a:effectLst>
+                  <a:outerShdw blurRad="38100" dist="38100" dir="2700000" algn="tl">
+                    <a:srgbClr val="000000">
+                      <a:alpha val="43137"/>
+                    </a:srgbClr>
+                  </a:outerShdw>
+                </a:effectLst>
+                <a:latin typeface="Consolas" pitchFamily="49" charset="0"/>
+                <a:cs typeface="Consolas" pitchFamily="49" charset="0"/>
+              </a:rPr>
+              <a:t>const </a:t>
+            </a:r>
+            <a:r>
+              <a:rPr lang="en-US" sz="1600" b="1" noProof="1" smtClean="0">
+                <a:solidFill>
+                  <a:srgbClr val="8CF4F2"/>
+                </a:solidFill>
+                <a:effectLst>
+                  <a:outerShdw blurRad="38100" dist="38100" dir="2700000" algn="tl">
+                    <a:srgbClr val="000000">
+                      <a:alpha val="43137"/>
+                    </a:srgbClr>
+                  </a:outerShdw>
+                </a:effectLst>
+                <a:latin typeface="Consolas" pitchFamily="49" charset="0"/>
+                <a:cs typeface="Consolas" pitchFamily="49" charset="0"/>
+              </a:rPr>
+              <a:t>Wednesday </a:t>
+            </a:r>
+            <a:r>
+              <a:rPr lang="en-US" sz="1600" b="1" noProof="1">
+                <a:solidFill>
+                  <a:srgbClr val="8CF4F2"/>
+                </a:solidFill>
+                <a:effectLst>
+                  <a:outerShdw blurRad="38100" dist="38100" dir="2700000" algn="tl">
+                    <a:srgbClr val="000000">
+                      <a:alpha val="43137"/>
+                    </a:srgbClr>
+                  </a:outerShdw>
+                </a:effectLst>
+                <a:latin typeface="Consolas" pitchFamily="49" charset="0"/>
+                <a:cs typeface="Consolas" pitchFamily="49" charset="0"/>
+              </a:rPr>
+              <a:t>= </a:t>
+            </a:r>
+            <a:r>
+              <a:rPr lang="en-US" sz="1600" b="1" noProof="1" smtClean="0">
+                <a:solidFill>
+                  <a:srgbClr val="8CF4F2"/>
+                </a:solidFill>
+                <a:effectLst>
+                  <a:outerShdw blurRad="38100" dist="38100" dir="2700000" algn="tl">
+                    <a:srgbClr val="000000">
+                      <a:alpha val="43137"/>
+                    </a:srgbClr>
+                  </a:outerShdw>
+                </a:effectLst>
+                <a:latin typeface="Consolas" pitchFamily="49" charset="0"/>
+                <a:cs typeface="Consolas" pitchFamily="49" charset="0"/>
+              </a:rPr>
+              <a:t>3;</a:t>
+            </a:r>
+          </a:p>
+          <a:p>
+            <a:pPr>
+              <a:spcBef>
+                <a:spcPts val="0"/>
+              </a:spcBef>
+              <a:buClr>
+                <a:schemeClr val="accent5">
+                  <a:lumMod val="40000"/>
+                  <a:lumOff val="60000"/>
+                </a:schemeClr>
+              </a:buClr>
+              <a:buSzPct val="70000"/>
+            </a:pPr>
+            <a:r>
+              <a:rPr lang="en-US" sz="1600" b="1" noProof="1">
+                <a:solidFill>
+                  <a:srgbClr val="8CF4F2"/>
+                </a:solidFill>
+                <a:effectLst>
+                  <a:outerShdw blurRad="38100" dist="38100" dir="2700000" algn="tl">
+                    <a:srgbClr val="000000">
+                      <a:alpha val="43137"/>
+                    </a:srgbClr>
+                  </a:outerShdw>
+                </a:effectLst>
+                <a:latin typeface="Consolas" pitchFamily="49" charset="0"/>
+                <a:cs typeface="Consolas" pitchFamily="49" charset="0"/>
+              </a:rPr>
+              <a:t>	</a:t>
+            </a:r>
+            <a:r>
+              <a:rPr lang="en-US" sz="1600" b="1" noProof="1">
+                <a:solidFill>
+                  <a:srgbClr val="8CF4F2"/>
+                </a:solidFill>
+                <a:effectLst>
+                  <a:outerShdw blurRad="38100" dist="38100" dir="2700000" algn="tl">
+                    <a:srgbClr val="000000">
+                      <a:alpha val="43137"/>
+                    </a:srgbClr>
+                  </a:outerShdw>
+                </a:effectLst>
+                <a:latin typeface="Consolas" pitchFamily="49" charset="0"/>
+                <a:cs typeface="Consolas" pitchFamily="49" charset="0"/>
+              </a:rPr>
+              <a:t>const </a:t>
+            </a:r>
+            <a:r>
+              <a:rPr lang="en-US" sz="1600" b="1" noProof="1" smtClean="0">
+                <a:solidFill>
+                  <a:srgbClr val="8CF4F2"/>
+                </a:solidFill>
+                <a:effectLst>
+                  <a:outerShdw blurRad="38100" dist="38100" dir="2700000" algn="tl">
+                    <a:srgbClr val="000000">
+                      <a:alpha val="43137"/>
+                    </a:srgbClr>
+                  </a:outerShdw>
+                </a:effectLst>
+                <a:latin typeface="Consolas" pitchFamily="49" charset="0"/>
+                <a:cs typeface="Consolas" pitchFamily="49" charset="0"/>
+              </a:rPr>
+              <a:t>Thursday </a:t>
+            </a:r>
+            <a:r>
+              <a:rPr lang="en-US" sz="1600" b="1" noProof="1">
+                <a:solidFill>
+                  <a:srgbClr val="8CF4F2"/>
+                </a:solidFill>
+                <a:effectLst>
+                  <a:outerShdw blurRad="38100" dist="38100" dir="2700000" algn="tl">
+                    <a:srgbClr val="000000">
+                      <a:alpha val="43137"/>
+                    </a:srgbClr>
+                  </a:outerShdw>
+                </a:effectLst>
+                <a:latin typeface="Consolas" pitchFamily="49" charset="0"/>
+                <a:cs typeface="Consolas" pitchFamily="49" charset="0"/>
+              </a:rPr>
+              <a:t>= </a:t>
+            </a:r>
+            <a:r>
+              <a:rPr lang="en-US" sz="1600" b="1" noProof="1" smtClean="0">
+                <a:solidFill>
+                  <a:srgbClr val="8CF4F2"/>
+                </a:solidFill>
+                <a:effectLst>
+                  <a:outerShdw blurRad="38100" dist="38100" dir="2700000" algn="tl">
+                    <a:srgbClr val="000000">
+                      <a:alpha val="43137"/>
+                    </a:srgbClr>
+                  </a:outerShdw>
+                </a:effectLst>
+                <a:latin typeface="Consolas" pitchFamily="49" charset="0"/>
+                <a:cs typeface="Consolas" pitchFamily="49" charset="0"/>
+              </a:rPr>
+              <a:t>4;</a:t>
+            </a:r>
+            <a:endParaRPr lang="en-US" sz="1600" b="1" noProof="1">
+              <a:solidFill>
+                <a:srgbClr val="8CF4F2"/>
+              </a:solidFill>
+              <a:effectLst>
+                <a:outerShdw blurRad="38100" dist="38100" dir="2700000" algn="tl">
+                  <a:srgbClr val="000000">
+                    <a:alpha val="43137"/>
+                  </a:srgbClr>
+                </a:outerShdw>
+              </a:effectLst>
+              <a:latin typeface="Consolas" pitchFamily="49" charset="0"/>
+              <a:cs typeface="Consolas" pitchFamily="49" charset="0"/>
+            </a:endParaRPr>
+          </a:p>
+          <a:p>
+            <a:pPr>
+              <a:spcBef>
+                <a:spcPts val="0"/>
+              </a:spcBef>
+              <a:buClr>
+                <a:schemeClr val="accent5">
+                  <a:lumMod val="40000"/>
+                  <a:lumOff val="60000"/>
+                </a:schemeClr>
+              </a:buClr>
+              <a:buSzPct val="70000"/>
+            </a:pPr>
+            <a:r>
+              <a:rPr lang="en-US" sz="1600" b="1" noProof="1">
+                <a:solidFill>
+                  <a:srgbClr val="8CF4F2"/>
+                </a:solidFill>
+                <a:effectLst>
+                  <a:outerShdw blurRad="38100" dist="38100" dir="2700000" algn="tl">
+                    <a:srgbClr val="000000">
+                      <a:alpha val="43137"/>
+                    </a:srgbClr>
+                  </a:outerShdw>
+                </a:effectLst>
+                <a:latin typeface="Consolas" pitchFamily="49" charset="0"/>
+                <a:cs typeface="Consolas" pitchFamily="49" charset="0"/>
+              </a:rPr>
+              <a:t>	</a:t>
+            </a:r>
+            <a:r>
+              <a:rPr lang="en-US" sz="1600" b="1" noProof="1">
+                <a:solidFill>
+                  <a:srgbClr val="8CF4F2"/>
+                </a:solidFill>
+                <a:effectLst>
+                  <a:outerShdw blurRad="38100" dist="38100" dir="2700000" algn="tl">
+                    <a:srgbClr val="000000">
+                      <a:alpha val="43137"/>
+                    </a:srgbClr>
+                  </a:outerShdw>
+                </a:effectLst>
+                <a:latin typeface="Consolas" pitchFamily="49" charset="0"/>
+                <a:cs typeface="Consolas" pitchFamily="49" charset="0"/>
+              </a:rPr>
+              <a:t>const </a:t>
+            </a:r>
+            <a:r>
+              <a:rPr lang="en-US" sz="1600" b="1" noProof="1" smtClean="0">
+                <a:solidFill>
+                  <a:srgbClr val="8CF4F2"/>
+                </a:solidFill>
+                <a:effectLst>
+                  <a:outerShdw blurRad="38100" dist="38100" dir="2700000" algn="tl">
+                    <a:srgbClr val="000000">
+                      <a:alpha val="43137"/>
+                    </a:srgbClr>
+                  </a:outerShdw>
+                </a:effectLst>
+                <a:latin typeface="Consolas" pitchFamily="49" charset="0"/>
+                <a:cs typeface="Consolas" pitchFamily="49" charset="0"/>
+              </a:rPr>
+              <a:t>Friday </a:t>
+            </a:r>
+            <a:r>
+              <a:rPr lang="en-US" sz="1600" b="1" noProof="1">
+                <a:solidFill>
+                  <a:srgbClr val="8CF4F2"/>
+                </a:solidFill>
+                <a:effectLst>
+                  <a:outerShdw blurRad="38100" dist="38100" dir="2700000" algn="tl">
+                    <a:srgbClr val="000000">
+                      <a:alpha val="43137"/>
+                    </a:srgbClr>
+                  </a:outerShdw>
+                </a:effectLst>
+                <a:latin typeface="Consolas" pitchFamily="49" charset="0"/>
+                <a:cs typeface="Consolas" pitchFamily="49" charset="0"/>
+              </a:rPr>
+              <a:t>= </a:t>
+            </a:r>
+            <a:r>
+              <a:rPr lang="en-US" sz="1600" b="1" noProof="1" smtClean="0">
+                <a:solidFill>
+                  <a:srgbClr val="8CF4F2"/>
+                </a:solidFill>
+                <a:effectLst>
+                  <a:outerShdw blurRad="38100" dist="38100" dir="2700000" algn="tl">
+                    <a:srgbClr val="000000">
+                      <a:alpha val="43137"/>
+                    </a:srgbClr>
+                  </a:outerShdw>
+                </a:effectLst>
+                <a:latin typeface="Consolas" pitchFamily="49" charset="0"/>
+                <a:cs typeface="Consolas" pitchFamily="49" charset="0"/>
+              </a:rPr>
+              <a:t>5;</a:t>
+            </a:r>
+          </a:p>
+          <a:p>
+            <a:pPr>
+              <a:spcBef>
+                <a:spcPts val="0"/>
+              </a:spcBef>
+              <a:buClr>
+                <a:schemeClr val="accent5">
+                  <a:lumMod val="40000"/>
+                  <a:lumOff val="60000"/>
+                </a:schemeClr>
+              </a:buClr>
+              <a:buSzPct val="70000"/>
+            </a:pPr>
+            <a:r>
+              <a:rPr lang="en-US" sz="1600" b="1" noProof="1" smtClean="0">
+                <a:solidFill>
+                  <a:srgbClr val="8CF4F2"/>
+                </a:solidFill>
+                <a:effectLst>
+                  <a:outerShdw blurRad="38100" dist="38100" dir="2700000" algn="tl">
+                    <a:srgbClr val="000000">
+                      <a:alpha val="43137"/>
+                    </a:srgbClr>
+                  </a:outerShdw>
+                </a:effectLst>
+                <a:latin typeface="Consolas" pitchFamily="49" charset="0"/>
+                <a:cs typeface="Consolas" pitchFamily="49" charset="0"/>
+              </a:rPr>
+              <a:t>	const Saturday </a:t>
+            </a:r>
+            <a:r>
+              <a:rPr lang="en-US" sz="1600" b="1" noProof="1">
+                <a:solidFill>
+                  <a:srgbClr val="8CF4F2"/>
+                </a:solidFill>
+                <a:effectLst>
+                  <a:outerShdw blurRad="38100" dist="38100" dir="2700000" algn="tl">
+                    <a:srgbClr val="000000">
+                      <a:alpha val="43137"/>
+                    </a:srgbClr>
+                  </a:outerShdw>
+                </a:effectLst>
+                <a:latin typeface="Consolas" pitchFamily="49" charset="0"/>
+                <a:cs typeface="Consolas" pitchFamily="49" charset="0"/>
+              </a:rPr>
+              <a:t>= </a:t>
+            </a:r>
+            <a:r>
+              <a:rPr lang="en-US" sz="1600" b="1" noProof="1" smtClean="0">
+                <a:solidFill>
+                  <a:srgbClr val="8CF4F2"/>
+                </a:solidFill>
+                <a:effectLst>
+                  <a:outerShdw blurRad="38100" dist="38100" dir="2700000" algn="tl">
+                    <a:srgbClr val="000000">
+                      <a:alpha val="43137"/>
+                    </a:srgbClr>
+                  </a:outerShdw>
+                </a:effectLst>
+                <a:latin typeface="Consolas" pitchFamily="49" charset="0"/>
+                <a:cs typeface="Consolas" pitchFamily="49" charset="0"/>
+              </a:rPr>
+              <a:t>6</a:t>
+            </a:r>
+            <a:r>
+              <a:rPr lang="en-US" sz="1600" b="1" noProof="1" smtClean="0">
+                <a:solidFill>
+                  <a:srgbClr val="8CF4F2"/>
+                </a:solidFill>
+                <a:effectLst>
+                  <a:outerShdw blurRad="38100" dist="38100" dir="2700000" algn="tl">
+                    <a:srgbClr val="000000">
+                      <a:alpha val="43137"/>
+                    </a:srgbClr>
+                  </a:outerShdw>
+                </a:effectLst>
+                <a:latin typeface="Consolas" pitchFamily="49" charset="0"/>
+                <a:cs typeface="Consolas" pitchFamily="49" charset="0"/>
+              </a:rPr>
+              <a:t>;</a:t>
+            </a:r>
+          </a:p>
+          <a:p>
+            <a:pPr>
+              <a:spcBef>
+                <a:spcPts val="0"/>
+              </a:spcBef>
+              <a:buClr>
+                <a:schemeClr val="accent5">
+                  <a:lumMod val="40000"/>
+                  <a:lumOff val="60000"/>
+                </a:schemeClr>
+              </a:buClr>
+              <a:buSzPct val="70000"/>
+            </a:pPr>
+            <a:r>
+              <a:rPr lang="en-US" sz="1600" b="1" noProof="1" smtClean="0">
+                <a:solidFill>
+                  <a:srgbClr val="8CF4F2"/>
+                </a:solidFill>
+                <a:effectLst>
+                  <a:outerShdw blurRad="38100" dist="38100" dir="2700000" algn="tl">
+                    <a:srgbClr val="000000">
+                      <a:alpha val="43137"/>
+                    </a:srgbClr>
+                  </a:outerShdw>
+                </a:effectLst>
+                <a:latin typeface="Consolas" pitchFamily="49" charset="0"/>
+                <a:cs typeface="Consolas" pitchFamily="49" charset="0"/>
+              </a:rPr>
+              <a:t>	const Sunday </a:t>
+            </a:r>
+            <a:r>
+              <a:rPr lang="en-US" sz="1600" b="1" noProof="1">
+                <a:solidFill>
+                  <a:srgbClr val="8CF4F2"/>
+                </a:solidFill>
+                <a:effectLst>
+                  <a:outerShdw blurRad="38100" dist="38100" dir="2700000" algn="tl">
+                    <a:srgbClr val="000000">
+                      <a:alpha val="43137"/>
+                    </a:srgbClr>
+                  </a:outerShdw>
+                </a:effectLst>
+                <a:latin typeface="Consolas" pitchFamily="49" charset="0"/>
+                <a:cs typeface="Consolas" pitchFamily="49" charset="0"/>
+              </a:rPr>
+              <a:t>= </a:t>
+            </a:r>
+            <a:r>
+              <a:rPr lang="en-US" sz="1600" b="1" noProof="1" smtClean="0">
+                <a:solidFill>
+                  <a:srgbClr val="8CF4F2"/>
+                </a:solidFill>
+                <a:effectLst>
+                  <a:outerShdw blurRad="38100" dist="38100" dir="2700000" algn="tl">
+                    <a:srgbClr val="000000">
+                      <a:alpha val="43137"/>
+                    </a:srgbClr>
+                  </a:outerShdw>
+                </a:effectLst>
+                <a:latin typeface="Consolas" pitchFamily="49" charset="0"/>
+                <a:cs typeface="Consolas" pitchFamily="49" charset="0"/>
+              </a:rPr>
+              <a:t>7</a:t>
+            </a:r>
+            <a:r>
+              <a:rPr lang="en-US" sz="1600" b="1" noProof="1" smtClean="0">
+                <a:solidFill>
+                  <a:srgbClr val="8CF4F2"/>
+                </a:solidFill>
+                <a:effectLst>
+                  <a:outerShdw blurRad="38100" dist="38100" dir="2700000" algn="tl">
+                    <a:srgbClr val="000000">
+                      <a:alpha val="43137"/>
+                    </a:srgbClr>
+                  </a:outerShdw>
+                </a:effectLst>
+                <a:latin typeface="Consolas" pitchFamily="49" charset="0"/>
+                <a:cs typeface="Consolas" pitchFamily="49" charset="0"/>
+              </a:rPr>
+              <a:t>;</a:t>
+            </a:r>
+          </a:p>
+          <a:p>
+            <a:pPr>
+              <a:lnSpc>
+                <a:spcPct val="100000"/>
+              </a:lnSpc>
+              <a:spcBef>
+                <a:spcPts val="0"/>
+              </a:spcBef>
+              <a:buClr>
+                <a:schemeClr val="accent5">
+                  <a:lumMod val="40000"/>
+                  <a:lumOff val="60000"/>
+                </a:schemeClr>
+              </a:buClr>
+              <a:buSzPct val="70000"/>
+            </a:pPr>
+            <a:r>
+              <a:rPr lang="en-US" sz="1600" b="1" noProof="1" smtClean="0">
+                <a:solidFill>
+                  <a:srgbClr val="8CF4F2"/>
+                </a:solidFill>
+                <a:effectLst>
+                  <a:outerShdw blurRad="38100" dist="38100" dir="2700000" algn="tl">
+                    <a:srgbClr val="000000">
+                      <a:alpha val="43137"/>
+                    </a:srgbClr>
+                  </a:outerShdw>
+                </a:effectLst>
+                <a:latin typeface="Consolas" pitchFamily="49" charset="0"/>
+                <a:cs typeface="Consolas" pitchFamily="49" charset="0"/>
+              </a:rPr>
+              <a:t>}</a:t>
+            </a:r>
+          </a:p>
+        </p:txBody>
+      </p:sp>
+      <p:sp>
+        <p:nvSpPr>
+          <p:cNvPr id="6" name="Rectangle 4"/>
+          <p:cNvSpPr>
+            <a:spLocks noChangeArrowheads="1"/>
+          </p:cNvSpPr>
+          <p:nvPr/>
+        </p:nvSpPr>
+        <p:spPr bwMode="auto">
+          <a:xfrm>
+            <a:off x="609600" y="5681246"/>
+            <a:ext cx="8153400" cy="338554"/>
+          </a:xfrm>
+          <a:prstGeom prst="rect">
+            <a:avLst/>
+          </a:prstGeom>
+          <a:solidFill>
+            <a:schemeClr val="accent5">
+              <a:lumMod val="40000"/>
+              <a:lumOff val="60000"/>
+              <a:alpha val="15000"/>
+            </a:schemeClr>
+          </a:solidFill>
+          <a:ln w="12700">
+            <a:solidFill>
+              <a:schemeClr val="accent5">
+                <a:lumMod val="60000"/>
+                <a:lumOff val="40000"/>
+              </a:schemeClr>
+            </a:solidFill>
+          </a:ln>
+        </p:spPr>
+        <p:txBody>
+          <a:bodyPr wrap="square">
+            <a:spAutoFit/>
+          </a:bodyPr>
+          <a:lstStyle/>
+          <a:p>
+            <a:pPr>
+              <a:lnSpc>
+                <a:spcPct val="100000"/>
+              </a:lnSpc>
+              <a:spcBef>
+                <a:spcPts val="0"/>
+              </a:spcBef>
+              <a:buClr>
+                <a:schemeClr val="accent5">
+                  <a:lumMod val="40000"/>
+                  <a:lumOff val="60000"/>
+                </a:schemeClr>
+              </a:buClr>
+              <a:buSzPct val="70000"/>
+            </a:pPr>
+            <a:r>
+              <a:rPr lang="en-US" sz="1600" b="1" noProof="1">
+                <a:solidFill>
+                  <a:srgbClr val="8CF4F2"/>
+                </a:solidFill>
+                <a:effectLst>
+                  <a:outerShdw blurRad="38100" dist="38100" dir="2700000" algn="tl">
+                    <a:srgbClr val="000000">
+                      <a:alpha val="43137"/>
+                    </a:srgbClr>
+                  </a:outerShdw>
+                </a:effectLst>
+                <a:latin typeface="Consolas" pitchFamily="49" charset="0"/>
+                <a:cs typeface="Consolas" pitchFamily="49" charset="0"/>
+              </a:rPr>
+              <a:t>$today = DaysOfWeek::Sunday;</a:t>
+            </a:r>
+          </a:p>
+        </p:txBody>
+      </p:sp>
+    </p:spTree>
+    <p:extLst>
+      <p:ext uri="{BB962C8B-B14F-4D97-AF65-F5344CB8AC3E}">
+        <p14:creationId xmlns:p14="http://schemas.microsoft.com/office/powerpoint/2010/main" val="3308709572"/>
+      </p:ext>
+    </p:extLst>
+  </p:cSld>
+  <p:clrMapOvr>
+    <a:masterClrMapping/>
+  </p:clrMapOvr>
+  <p:timing>
+    <p:tnLst>
+      <p:par>
+        <p:cTn id="1" dur="indefinite" restart="never" nodeType="tmRoot"/>
+      </p:par>
+    </p:tnLst>
+  </p:timing>
+</p:sld>
+</file>
+
+<file path=ppt/slides/slide4.xml><?xml version="1.0" encoding="utf-8"?>
+<p:sld xmlns:a="http://schemas.openxmlformats.org/drawingml/2006/main" xmlns:r="http://schemas.openxmlformats.org/officeDocument/2006/relationships" xmlns:p="http://schemas.openxmlformats.org/presentationml/2006/main">
+  <p:cSld>
+    <p:spTree>
+      <p:nvGrpSpPr>
+        <p:cNvPr id="1" name=""/>
+        <p:cNvGrpSpPr/>
+        <p:nvPr/>
+      </p:nvGrpSpPr>
+      <p:grpSpPr>
+        <a:xfrm>
+          <a:off x="0" y="0"/>
+          <a:ext cx="0" cy="0"/>
+          <a:chOff x="0" y="0"/>
+          <a:chExt cx="0" cy="0"/>
+        </a:xfrm>
+      </p:grpSpPr>
+      <p:sp>
+        <p:nvSpPr>
+          <p:cNvPr id="2" name="Title 1"/>
+          <p:cNvSpPr>
+            <a:spLocks noGrp="1"/>
+          </p:cNvSpPr>
+          <p:nvPr>
+            <p:ph type="title"/>
+          </p:nvPr>
+        </p:nvSpPr>
+        <p:spPr>
+          <a:xfrm>
+            <a:off x="1828800" y="162086"/>
+            <a:ext cx="7086600" cy="914400"/>
+          </a:xfrm>
+        </p:spPr>
+        <p:txBody>
+          <a:bodyPr/>
+          <a:lstStyle/>
+          <a:p>
+            <a:r>
+              <a:rPr lang="en-US" dirty="0" smtClean="0"/>
+              <a:t>PHP Origins</a:t>
+            </a:r>
+            <a:endParaRPr lang="en-US" dirty="0"/>
+          </a:p>
+        </p:txBody>
+      </p:sp>
+      <p:sp>
+        <p:nvSpPr>
+          <p:cNvPr id="3" name="Content Placeholder 2"/>
+          <p:cNvSpPr>
+            <a:spLocks noGrp="1"/>
+          </p:cNvSpPr>
+          <p:nvPr>
+            <p:ph idx="1"/>
+          </p:nvPr>
+        </p:nvSpPr>
+        <p:spPr>
+          <a:xfrm>
+            <a:off x="228600" y="2063652"/>
+            <a:ext cx="8686800" cy="3651348"/>
+          </a:xfrm>
+        </p:spPr>
+        <p:txBody>
+          <a:bodyPr/>
+          <a:lstStyle/>
+          <a:p>
+            <a:pPr>
+              <a:lnSpc>
+                <a:spcPct val="100000"/>
+              </a:lnSpc>
+            </a:pPr>
+            <a:r>
+              <a:rPr lang="en-US" dirty="0"/>
+              <a:t>Created in 1994 by </a:t>
+            </a:r>
+            <a:r>
+              <a:rPr lang="en-US" dirty="0" err="1"/>
+              <a:t>Rasmus</a:t>
+            </a:r>
+            <a:r>
+              <a:rPr lang="en-US" dirty="0"/>
+              <a:t> </a:t>
             </a:r>
             <a:r>
               <a:rPr lang="en-US" dirty="0" err="1" smtClean="0"/>
-              <a:t>convensions</a:t>
+              <a:t>Lerdorf</a:t>
+            </a:r>
+            <a:endParaRPr lang="en-US" dirty="0" smtClean="0"/>
+          </a:p>
+          <a:p>
+            <a:pPr lvl="1">
+              <a:lnSpc>
+                <a:spcPct val="100000"/>
+              </a:lnSpc>
+            </a:pPr>
+            <a:r>
+              <a:rPr lang="en-US" dirty="0"/>
+              <a:t>Originally used for tracking visits to his online </a:t>
+            </a:r>
+            <a:r>
+              <a:rPr lang="en-US" dirty="0" smtClean="0"/>
+              <a:t>resume.</a:t>
+            </a:r>
+          </a:p>
+          <a:p>
+            <a:pPr lvl="1">
+              <a:lnSpc>
+                <a:spcPct val="100000"/>
+              </a:lnSpc>
+            </a:pPr>
+            <a:r>
+              <a:rPr lang="en-GB" dirty="0" smtClean="0"/>
+              <a:t>Back then PHP meant Personal </a:t>
+            </a:r>
+            <a:r>
+              <a:rPr lang="en-GB" dirty="0"/>
+              <a:t>Home </a:t>
+            </a:r>
+            <a:r>
+              <a:rPr lang="en-GB" dirty="0" smtClean="0"/>
+              <a:t>Page.</a:t>
+            </a:r>
+          </a:p>
+          <a:p>
+            <a:pPr>
+              <a:lnSpc>
+                <a:spcPct val="100000"/>
+              </a:lnSpc>
+            </a:pPr>
+            <a:r>
+              <a:rPr lang="en-US" dirty="0" smtClean="0"/>
+              <a:t>In </a:t>
+            </a:r>
+            <a:r>
+              <a:rPr lang="en-US" dirty="0"/>
+              <a:t>June of 1995, </a:t>
+            </a:r>
+            <a:r>
+              <a:rPr lang="en-US" dirty="0" err="1" smtClean="0"/>
+              <a:t>Rasmus</a:t>
+            </a:r>
+            <a:r>
+              <a:rPr lang="en-US" dirty="0" smtClean="0"/>
+              <a:t> released an improved version of  the PHP Tools to the public</a:t>
+            </a:r>
+          </a:p>
+          <a:p>
+            <a:pPr lvl="1">
+              <a:lnSpc>
+                <a:spcPct val="100000"/>
+              </a:lnSpc>
+            </a:pPr>
+            <a:endParaRPr lang="en-US" dirty="0" smtClean="0">
+              <a:solidFill>
+                <a:schemeClr val="accent5">
+                  <a:lumMod val="20000"/>
+                  <a:lumOff val="80000"/>
+                </a:schemeClr>
+              </a:solidFill>
+            </a:endParaRPr>
+          </a:p>
+        </p:txBody>
+      </p:sp>
+    </p:spTree>
+    <p:extLst>
+      <p:ext uri="{BB962C8B-B14F-4D97-AF65-F5344CB8AC3E}">
+        <p14:creationId xmlns:p14="http://schemas.microsoft.com/office/powerpoint/2010/main" val="2841986280"/>
+      </p:ext>
+    </p:extLst>
+  </p:cSld>
+  <p:clrMapOvr>
+    <a:masterClrMapping/>
+  </p:clrMapOvr>
+  <p:timing>
+    <p:tnLst>
+      <p:par>
+        <p:cTn id="1" dur="indefinite" restart="never" nodeType="tmRoot"/>
+      </p:par>
+    </p:tnLst>
+  </p:timing>
+</p:sld>
+</file>
+
+<file path=ppt/slides/slide40.xml><?xml version="1.0" encoding="utf-8"?>
+<p:sld xmlns:a="http://schemas.openxmlformats.org/drawingml/2006/main" xmlns:r="http://schemas.openxmlformats.org/officeDocument/2006/relationships" xmlns:p="http://schemas.openxmlformats.org/presentationml/2006/main">
+  <p:cSld>
+    <p:spTree>
+      <p:nvGrpSpPr>
+        <p:cNvPr id="1" name=""/>
+        <p:cNvGrpSpPr/>
+        <p:nvPr/>
+      </p:nvGrpSpPr>
+      <p:grpSpPr>
+        <a:xfrm>
+          <a:off x="0" y="0"/>
+          <a:ext cx="0" cy="0"/>
+          <a:chOff x="0" y="0"/>
+          <a:chExt cx="0" cy="0"/>
+        </a:xfrm>
+      </p:grpSpPr>
+      <p:sp>
+        <p:nvSpPr>
+          <p:cNvPr id="2" name="Title 1"/>
+          <p:cNvSpPr>
+            <a:spLocks noGrp="1"/>
+          </p:cNvSpPr>
+          <p:nvPr>
+            <p:ph type="title"/>
+          </p:nvPr>
+        </p:nvSpPr>
+        <p:spPr>
+          <a:xfrm>
+            <a:off x="1828800" y="162086"/>
+            <a:ext cx="7086600" cy="914400"/>
+          </a:xfrm>
+        </p:spPr>
+        <p:txBody>
+          <a:bodyPr/>
+          <a:lstStyle/>
+          <a:p>
+            <a:r>
+              <a:rPr lang="en-US" dirty="0" smtClean="0"/>
+              <a:t>Using singleton</a:t>
             </a:r>
             <a:endParaRPr lang="en-US" dirty="0"/>
+          </a:p>
+        </p:txBody>
+      </p:sp>
+      <p:sp>
+        <p:nvSpPr>
+          <p:cNvPr id="3" name="Content Placeholder 2"/>
+          <p:cNvSpPr>
+            <a:spLocks noGrp="1"/>
+          </p:cNvSpPr>
+          <p:nvPr>
+            <p:ph idx="1"/>
+          </p:nvPr>
+        </p:nvSpPr>
+        <p:spPr>
+          <a:xfrm>
+            <a:off x="228600" y="1371600"/>
+            <a:ext cx="8153400" cy="3651348"/>
+          </a:xfrm>
+        </p:spPr>
+        <p:txBody>
+          <a:bodyPr/>
+          <a:lstStyle/>
+          <a:p>
+            <a:pPr lvl="1">
+              <a:lnSpc>
+                <a:spcPct val="100000"/>
+              </a:lnSpc>
+            </a:pPr>
+            <a:r>
+              <a:rPr lang="en-US" dirty="0" smtClean="0"/>
+              <a:t>Example implementation</a:t>
+            </a:r>
+            <a:endParaRPr lang="en-US" dirty="0"/>
+          </a:p>
+          <a:p>
+            <a:pPr lvl="1">
+              <a:lnSpc>
+                <a:spcPct val="100000"/>
+              </a:lnSpc>
+            </a:pPr>
+            <a:endParaRPr lang="en-US" dirty="0" smtClean="0"/>
+          </a:p>
+          <a:p>
+            <a:pPr marL="357188" lvl="1" indent="0">
+              <a:lnSpc>
+                <a:spcPct val="100000"/>
+              </a:lnSpc>
+              <a:buNone/>
+            </a:pPr>
+            <a:endParaRPr lang="en-US" dirty="0" smtClean="0"/>
+          </a:p>
+          <a:p>
+            <a:pPr lvl="1">
+              <a:lnSpc>
+                <a:spcPct val="100000"/>
+              </a:lnSpc>
+            </a:pPr>
+            <a:endParaRPr lang="en-US" dirty="0" smtClean="0"/>
+          </a:p>
+          <a:p>
+            <a:pPr marL="357188" lvl="1" indent="0">
+              <a:lnSpc>
+                <a:spcPct val="100000"/>
+              </a:lnSpc>
+              <a:buNone/>
+            </a:pPr>
+            <a:endParaRPr lang="en-US" dirty="0"/>
+          </a:p>
+          <a:p>
+            <a:pPr marL="357188" lvl="1" indent="0">
+              <a:lnSpc>
+                <a:spcPct val="100000"/>
+              </a:lnSpc>
+              <a:buNone/>
+            </a:pPr>
+            <a:endParaRPr lang="en-US" dirty="0" smtClean="0"/>
+          </a:p>
+          <a:p>
+            <a:pPr marL="357188" lvl="1" indent="0">
+              <a:lnSpc>
+                <a:spcPct val="100000"/>
+              </a:lnSpc>
+              <a:buNone/>
+            </a:pPr>
+            <a:endParaRPr lang="en-US" dirty="0"/>
+          </a:p>
+        </p:txBody>
+      </p:sp>
+      <p:sp>
+        <p:nvSpPr>
+          <p:cNvPr id="5" name="Rectangle 4"/>
+          <p:cNvSpPr>
+            <a:spLocks noChangeArrowheads="1"/>
+          </p:cNvSpPr>
+          <p:nvPr/>
+        </p:nvSpPr>
+        <p:spPr bwMode="auto">
+          <a:xfrm>
+            <a:off x="591312" y="2057400"/>
+            <a:ext cx="8153400" cy="3539430"/>
+          </a:xfrm>
+          <a:prstGeom prst="rect">
+            <a:avLst/>
+          </a:prstGeom>
+          <a:solidFill>
+            <a:schemeClr val="accent5">
+              <a:lumMod val="40000"/>
+              <a:lumOff val="60000"/>
+              <a:alpha val="15000"/>
+            </a:schemeClr>
+          </a:solidFill>
+          <a:ln w="12700">
+            <a:solidFill>
+              <a:schemeClr val="accent5">
+                <a:lumMod val="60000"/>
+                <a:lumOff val="40000"/>
+              </a:schemeClr>
+            </a:solidFill>
+          </a:ln>
+        </p:spPr>
+        <p:txBody>
+          <a:bodyPr wrap="square">
+            <a:spAutoFit/>
+          </a:bodyPr>
+          <a:lstStyle/>
+          <a:p>
+            <a:pPr>
+              <a:lnSpc>
+                <a:spcPct val="100000"/>
+              </a:lnSpc>
+              <a:spcBef>
+                <a:spcPts val="0"/>
+              </a:spcBef>
+              <a:buClr>
+                <a:schemeClr val="accent5">
+                  <a:lumMod val="40000"/>
+                  <a:lumOff val="60000"/>
+                </a:schemeClr>
+              </a:buClr>
+              <a:buSzPct val="70000"/>
+            </a:pPr>
+            <a:r>
+              <a:rPr lang="en-US" sz="1600" b="1" noProof="1" smtClean="0">
+                <a:solidFill>
+                  <a:srgbClr val="8CF4F2"/>
+                </a:solidFill>
+                <a:effectLst>
+                  <a:outerShdw blurRad="38100" dist="38100" dir="2700000" algn="tl">
+                    <a:srgbClr val="000000">
+                      <a:alpha val="43137"/>
+                    </a:srgbClr>
+                  </a:outerShdw>
+                </a:effectLst>
+                <a:latin typeface="Consolas" pitchFamily="49" charset="0"/>
+                <a:cs typeface="Consolas" pitchFamily="49" charset="0"/>
+              </a:rPr>
+              <a:t>class Connection</a:t>
+            </a:r>
+          </a:p>
+          <a:p>
+            <a:pPr>
+              <a:lnSpc>
+                <a:spcPct val="100000"/>
+              </a:lnSpc>
+              <a:spcBef>
+                <a:spcPts val="0"/>
+              </a:spcBef>
+              <a:buClr>
+                <a:schemeClr val="accent5">
+                  <a:lumMod val="40000"/>
+                  <a:lumOff val="60000"/>
+                </a:schemeClr>
+              </a:buClr>
+              <a:buSzPct val="70000"/>
+            </a:pPr>
+            <a:r>
+              <a:rPr lang="en-US" sz="1600" b="1" noProof="1">
+                <a:solidFill>
+                  <a:srgbClr val="8CF4F2"/>
+                </a:solidFill>
+                <a:effectLst>
+                  <a:outerShdw blurRad="38100" dist="38100" dir="2700000" algn="tl">
+                    <a:srgbClr val="000000">
+                      <a:alpha val="43137"/>
+                    </a:srgbClr>
+                  </a:outerShdw>
+                </a:effectLst>
+                <a:latin typeface="Consolas" pitchFamily="49" charset="0"/>
+                <a:cs typeface="Consolas" pitchFamily="49" charset="0"/>
+              </a:rPr>
+              <a:t>{</a:t>
+            </a:r>
+            <a:endParaRPr lang="en-US" sz="1600" b="1" noProof="1" smtClean="0">
+              <a:solidFill>
+                <a:srgbClr val="8CF4F2"/>
+              </a:solidFill>
+              <a:effectLst>
+                <a:outerShdw blurRad="38100" dist="38100" dir="2700000" algn="tl">
+                  <a:srgbClr val="000000">
+                    <a:alpha val="43137"/>
+                  </a:srgbClr>
+                </a:outerShdw>
+              </a:effectLst>
+              <a:latin typeface="Consolas" pitchFamily="49" charset="0"/>
+              <a:cs typeface="Consolas" pitchFamily="49" charset="0"/>
+            </a:endParaRPr>
+          </a:p>
+          <a:p>
+            <a:pPr lvl="1">
+              <a:spcBef>
+                <a:spcPts val="0"/>
+              </a:spcBef>
+              <a:buClr>
+                <a:schemeClr val="accent5">
+                  <a:lumMod val="40000"/>
+                  <a:lumOff val="60000"/>
+                </a:schemeClr>
+              </a:buClr>
+              <a:buSzPct val="70000"/>
+            </a:pPr>
+            <a:r>
+              <a:rPr lang="en-US" sz="1600" b="1" noProof="1" smtClean="0">
+                <a:solidFill>
+                  <a:srgbClr val="8CF4F2"/>
+                </a:solidFill>
+                <a:effectLst>
+                  <a:outerShdw blurRad="38100" dist="38100" dir="2700000" algn="tl">
+                    <a:srgbClr val="000000">
+                      <a:alpha val="43137"/>
+                    </a:srgbClr>
+                  </a:outerShdw>
+                </a:effectLst>
+                <a:latin typeface="Consolas" pitchFamily="49" charset="0"/>
+                <a:cs typeface="Consolas" pitchFamily="49" charset="0"/>
+              </a:rPr>
+              <a:t>public __construct(){}</a:t>
+            </a:r>
+          </a:p>
+          <a:p>
+            <a:pPr lvl="1">
+              <a:spcBef>
+                <a:spcPts val="0"/>
+              </a:spcBef>
+              <a:buClr>
+                <a:schemeClr val="accent5">
+                  <a:lumMod val="40000"/>
+                  <a:lumOff val="60000"/>
+                </a:schemeClr>
+              </a:buClr>
+              <a:buSzPct val="70000"/>
+            </a:pPr>
+            <a:endParaRPr lang="en-US" sz="1600" b="1" noProof="1">
+              <a:solidFill>
+                <a:srgbClr val="8CF4F2"/>
+              </a:solidFill>
+              <a:effectLst>
+                <a:outerShdw blurRad="38100" dist="38100" dir="2700000" algn="tl">
+                  <a:srgbClr val="000000">
+                    <a:alpha val="43137"/>
+                  </a:srgbClr>
+                </a:outerShdw>
+              </a:effectLst>
+              <a:latin typeface="Consolas" pitchFamily="49" charset="0"/>
+              <a:cs typeface="Consolas" pitchFamily="49" charset="0"/>
+            </a:endParaRPr>
+          </a:p>
+          <a:p>
+            <a:pPr lvl="1">
+              <a:spcBef>
+                <a:spcPts val="0"/>
+              </a:spcBef>
+              <a:buClr>
+                <a:schemeClr val="accent5">
+                  <a:lumMod val="40000"/>
+                  <a:lumOff val="60000"/>
+                </a:schemeClr>
+              </a:buClr>
+              <a:buSzPct val="70000"/>
+            </a:pPr>
+            <a:r>
+              <a:rPr lang="en-US" sz="1600" b="1" noProof="1" smtClean="0">
+                <a:solidFill>
+                  <a:srgbClr val="8CF4F2"/>
+                </a:solidFill>
+                <a:effectLst>
+                  <a:outerShdw blurRad="38100" dist="38100" dir="2700000" algn="tl">
+                    <a:srgbClr val="000000">
+                      <a:alpha val="43137"/>
+                    </a:srgbClr>
+                  </a:outerShdw>
+                </a:effectLst>
+                <a:latin typeface="Consolas" pitchFamily="49" charset="0"/>
+                <a:cs typeface="Consolas" pitchFamily="49" charset="0"/>
+              </a:rPr>
+              <a:t>public </a:t>
+            </a:r>
+            <a:r>
+              <a:rPr lang="en-US" sz="1600" b="1" noProof="1">
+                <a:solidFill>
+                  <a:srgbClr val="8CF4F2"/>
+                </a:solidFill>
+                <a:effectLst>
+                  <a:outerShdw blurRad="38100" dist="38100" dir="2700000" algn="tl">
+                    <a:srgbClr val="000000">
+                      <a:alpha val="43137"/>
+                    </a:srgbClr>
+                  </a:outerShdw>
+                </a:effectLst>
+                <a:latin typeface="Consolas" pitchFamily="49" charset="0"/>
+                <a:cs typeface="Consolas" pitchFamily="49" charset="0"/>
+              </a:rPr>
+              <a:t>static function </a:t>
+            </a:r>
+            <a:r>
+              <a:rPr lang="en-US" sz="1600" b="1" noProof="1">
+                <a:solidFill>
+                  <a:srgbClr val="8CF4F2"/>
+                </a:solidFill>
+                <a:effectLst>
+                  <a:outerShdw blurRad="38100" dist="38100" dir="2700000" algn="tl">
+                    <a:srgbClr val="000000">
+                      <a:alpha val="43137"/>
+                    </a:srgbClr>
+                  </a:outerShdw>
+                </a:effectLst>
+                <a:latin typeface="Consolas" pitchFamily="49" charset="0"/>
+                <a:cs typeface="Consolas" pitchFamily="49" charset="0"/>
+              </a:rPr>
+              <a:t>create</a:t>
+            </a:r>
+            <a:r>
+              <a:rPr lang="en-US" sz="1600" b="1" noProof="1" smtClean="0">
+                <a:solidFill>
+                  <a:srgbClr val="8CF4F2"/>
+                </a:solidFill>
+                <a:effectLst>
+                  <a:outerShdw blurRad="38100" dist="38100" dir="2700000" algn="tl">
+                    <a:srgbClr val="000000">
+                      <a:alpha val="43137"/>
+                    </a:srgbClr>
+                  </a:outerShdw>
+                </a:effectLst>
+                <a:latin typeface="Consolas" pitchFamily="49" charset="0"/>
+                <a:cs typeface="Consolas" pitchFamily="49" charset="0"/>
+              </a:rPr>
+              <a:t>()</a:t>
+            </a:r>
+            <a:endParaRPr lang="en-US" sz="1600" b="1" noProof="1">
+              <a:solidFill>
+                <a:srgbClr val="8CF4F2"/>
+              </a:solidFill>
+              <a:effectLst>
+                <a:outerShdw blurRad="38100" dist="38100" dir="2700000" algn="tl">
+                  <a:srgbClr val="000000">
+                    <a:alpha val="43137"/>
+                  </a:srgbClr>
+                </a:outerShdw>
+              </a:effectLst>
+              <a:latin typeface="Consolas" pitchFamily="49" charset="0"/>
+              <a:cs typeface="Consolas" pitchFamily="49" charset="0"/>
+            </a:endParaRPr>
+          </a:p>
+          <a:p>
+            <a:pPr lvl="1">
+              <a:spcBef>
+                <a:spcPts val="0"/>
+              </a:spcBef>
+              <a:buClr>
+                <a:schemeClr val="accent5">
+                  <a:lumMod val="40000"/>
+                  <a:lumOff val="60000"/>
+                </a:schemeClr>
+              </a:buClr>
+              <a:buSzPct val="70000"/>
+            </a:pPr>
+            <a:r>
+              <a:rPr lang="en-US" sz="1600" b="1" noProof="1" smtClean="0">
+                <a:solidFill>
+                  <a:srgbClr val="8CF4F2"/>
+                </a:solidFill>
+                <a:effectLst>
+                  <a:outerShdw blurRad="38100" dist="38100" dir="2700000" algn="tl">
+                    <a:srgbClr val="000000">
+                      <a:alpha val="43137"/>
+                    </a:srgbClr>
+                  </a:outerShdw>
+                </a:effectLst>
+                <a:latin typeface="Consolas" pitchFamily="49" charset="0"/>
+                <a:cs typeface="Consolas" pitchFamily="49" charset="0"/>
+              </a:rPr>
+              <a:t>{</a:t>
+            </a:r>
+            <a:endParaRPr lang="en-US" sz="1600" b="1" noProof="1">
+              <a:solidFill>
+                <a:srgbClr val="8CF4F2"/>
+              </a:solidFill>
+              <a:effectLst>
+                <a:outerShdw blurRad="38100" dist="38100" dir="2700000" algn="tl">
+                  <a:srgbClr val="000000">
+                    <a:alpha val="43137"/>
+                  </a:srgbClr>
+                </a:outerShdw>
+              </a:effectLst>
+              <a:latin typeface="Consolas" pitchFamily="49" charset="0"/>
+              <a:cs typeface="Consolas" pitchFamily="49" charset="0"/>
+            </a:endParaRPr>
+          </a:p>
+          <a:p>
+            <a:pPr lvl="1">
+              <a:spcBef>
+                <a:spcPts val="0"/>
+              </a:spcBef>
+              <a:buClr>
+                <a:schemeClr val="accent5">
+                  <a:lumMod val="40000"/>
+                  <a:lumOff val="60000"/>
+                </a:schemeClr>
+              </a:buClr>
+              <a:buSzPct val="70000"/>
+            </a:pPr>
+            <a:r>
+              <a:rPr lang="en-US" sz="1600" b="1" noProof="1" smtClean="0">
+                <a:solidFill>
+                  <a:srgbClr val="8CF4F2"/>
+                </a:solidFill>
+                <a:effectLst>
+                  <a:outerShdw blurRad="38100" dist="38100" dir="2700000" algn="tl">
+                    <a:srgbClr val="000000">
+                      <a:alpha val="43137"/>
+                    </a:srgbClr>
+                  </a:outerShdw>
+                </a:effectLst>
+                <a:latin typeface="Consolas" pitchFamily="49" charset="0"/>
+                <a:cs typeface="Consolas" pitchFamily="49" charset="0"/>
+              </a:rPr>
+              <a:t>	static </a:t>
+            </a:r>
+            <a:r>
+              <a:rPr lang="en-US" sz="1600" b="1" noProof="1">
+                <a:solidFill>
+                  <a:srgbClr val="8CF4F2"/>
+                </a:solidFill>
+                <a:effectLst>
+                  <a:outerShdw blurRad="38100" dist="38100" dir="2700000" algn="tl">
+                    <a:srgbClr val="000000">
+                      <a:alpha val="43137"/>
+                    </a:srgbClr>
+                  </a:outerShdw>
+                </a:effectLst>
+                <a:latin typeface="Consolas" pitchFamily="49" charset="0"/>
+                <a:cs typeface="Consolas" pitchFamily="49" charset="0"/>
+              </a:rPr>
+              <a:t>$instance = null;</a:t>
+            </a:r>
+          </a:p>
+          <a:p>
+            <a:pPr lvl="1">
+              <a:spcBef>
+                <a:spcPts val="0"/>
+              </a:spcBef>
+              <a:buClr>
+                <a:schemeClr val="accent5">
+                  <a:lumMod val="40000"/>
+                  <a:lumOff val="60000"/>
+                </a:schemeClr>
+              </a:buClr>
+              <a:buSzPct val="70000"/>
+            </a:pPr>
+            <a:r>
+              <a:rPr lang="en-US" sz="1600" b="1" noProof="1">
+                <a:solidFill>
+                  <a:srgbClr val="8CF4F2"/>
+                </a:solidFill>
+                <a:effectLst>
+                  <a:outerShdw blurRad="38100" dist="38100" dir="2700000" algn="tl">
+                    <a:srgbClr val="000000">
+                      <a:alpha val="43137"/>
+                    </a:srgbClr>
+                  </a:outerShdw>
+                </a:effectLst>
+                <a:latin typeface="Consolas" pitchFamily="49" charset="0"/>
+                <a:cs typeface="Consolas" pitchFamily="49" charset="0"/>
+              </a:rPr>
+              <a:t>	</a:t>
+            </a:r>
+            <a:r>
+              <a:rPr lang="en-US" sz="1600" b="1" noProof="1" smtClean="0">
+                <a:solidFill>
+                  <a:srgbClr val="8CF4F2"/>
+                </a:solidFill>
+                <a:effectLst>
+                  <a:outerShdw blurRad="38100" dist="38100" dir="2700000" algn="tl">
+                    <a:srgbClr val="000000">
+                      <a:alpha val="43137"/>
+                    </a:srgbClr>
+                  </a:outerShdw>
+                </a:effectLst>
+                <a:latin typeface="Consolas" pitchFamily="49" charset="0"/>
+                <a:cs typeface="Consolas" pitchFamily="49" charset="0"/>
+              </a:rPr>
+              <a:t>if </a:t>
+            </a:r>
+            <a:r>
+              <a:rPr lang="en-US" sz="1600" b="1" noProof="1">
+                <a:solidFill>
+                  <a:srgbClr val="8CF4F2"/>
+                </a:solidFill>
+                <a:effectLst>
+                  <a:outerShdw blurRad="38100" dist="38100" dir="2700000" algn="tl">
+                    <a:srgbClr val="000000">
+                      <a:alpha val="43137"/>
+                    </a:srgbClr>
+                  </a:outerShdw>
+                </a:effectLst>
+                <a:latin typeface="Consolas" pitchFamily="49" charset="0"/>
+                <a:cs typeface="Consolas" pitchFamily="49" charset="0"/>
+              </a:rPr>
+              <a:t>(null === $instance) {</a:t>
+            </a:r>
+          </a:p>
+          <a:p>
+            <a:pPr lvl="1">
+              <a:spcBef>
+                <a:spcPts val="0"/>
+              </a:spcBef>
+              <a:buClr>
+                <a:schemeClr val="accent5">
+                  <a:lumMod val="40000"/>
+                  <a:lumOff val="60000"/>
+                </a:schemeClr>
+              </a:buClr>
+              <a:buSzPct val="70000"/>
+            </a:pPr>
+            <a:r>
+              <a:rPr lang="en-US" sz="1600" b="1" noProof="1" smtClean="0">
+                <a:solidFill>
+                  <a:srgbClr val="8CF4F2"/>
+                </a:solidFill>
+                <a:effectLst>
+                  <a:outerShdw blurRad="38100" dist="38100" dir="2700000" algn="tl">
+                    <a:srgbClr val="000000">
+                      <a:alpha val="43137"/>
+                    </a:srgbClr>
+                  </a:outerShdw>
+                </a:effectLst>
+                <a:latin typeface="Consolas" pitchFamily="49" charset="0"/>
+                <a:cs typeface="Consolas" pitchFamily="49" charset="0"/>
+              </a:rPr>
+              <a:t>		$</a:t>
+            </a:r>
+            <a:r>
+              <a:rPr lang="en-US" sz="1600" b="1" noProof="1">
+                <a:solidFill>
+                  <a:srgbClr val="8CF4F2"/>
+                </a:solidFill>
+                <a:effectLst>
+                  <a:outerShdw blurRad="38100" dist="38100" dir="2700000" algn="tl">
+                    <a:srgbClr val="000000">
+                      <a:alpha val="43137"/>
+                    </a:srgbClr>
+                  </a:outerShdw>
+                </a:effectLst>
+                <a:latin typeface="Consolas" pitchFamily="49" charset="0"/>
+                <a:cs typeface="Consolas" pitchFamily="49" charset="0"/>
+              </a:rPr>
+              <a:t>instance = new </a:t>
+            </a:r>
+            <a:r>
+              <a:rPr lang="en-US" sz="1600" b="1" noProof="1">
+                <a:solidFill>
+                  <a:srgbClr val="8CF4F2"/>
+                </a:solidFill>
+                <a:effectLst>
+                  <a:outerShdw blurRad="38100" dist="38100" dir="2700000" algn="tl">
+                    <a:srgbClr val="000000">
+                      <a:alpha val="43137"/>
+                    </a:srgbClr>
+                  </a:outerShdw>
+                </a:effectLst>
+                <a:latin typeface="Consolas" pitchFamily="49" charset="0"/>
+                <a:cs typeface="Consolas" pitchFamily="49" charset="0"/>
+              </a:rPr>
+              <a:t>static</a:t>
+            </a:r>
+            <a:r>
+              <a:rPr lang="en-US" sz="1600" b="1" noProof="1" smtClean="0">
+                <a:solidFill>
+                  <a:srgbClr val="8CF4F2"/>
+                </a:solidFill>
+                <a:effectLst>
+                  <a:outerShdw blurRad="38100" dist="38100" dir="2700000" algn="tl">
+                    <a:srgbClr val="000000">
+                      <a:alpha val="43137"/>
+                    </a:srgbClr>
+                  </a:outerShdw>
+                </a:effectLst>
+                <a:latin typeface="Consolas" pitchFamily="49" charset="0"/>
+                <a:cs typeface="Consolas" pitchFamily="49" charset="0"/>
+              </a:rPr>
+              <a:t>();</a:t>
+            </a:r>
+            <a:endParaRPr lang="en-US" sz="1600" b="1" noProof="1">
+              <a:solidFill>
+                <a:srgbClr val="8CF4F2"/>
+              </a:solidFill>
+              <a:effectLst>
+                <a:outerShdw blurRad="38100" dist="38100" dir="2700000" algn="tl">
+                  <a:srgbClr val="000000">
+                    <a:alpha val="43137"/>
+                  </a:srgbClr>
+                </a:outerShdw>
+              </a:effectLst>
+              <a:latin typeface="Consolas" pitchFamily="49" charset="0"/>
+              <a:cs typeface="Consolas" pitchFamily="49" charset="0"/>
+            </a:endParaRPr>
+          </a:p>
+          <a:p>
+            <a:pPr lvl="1">
+              <a:spcBef>
+                <a:spcPts val="0"/>
+              </a:spcBef>
+              <a:buClr>
+                <a:schemeClr val="accent5">
+                  <a:lumMod val="40000"/>
+                  <a:lumOff val="60000"/>
+                </a:schemeClr>
+              </a:buClr>
+              <a:buSzPct val="70000"/>
+            </a:pPr>
+            <a:r>
+              <a:rPr lang="en-US" sz="1600" b="1" noProof="1" smtClean="0">
+                <a:solidFill>
+                  <a:srgbClr val="8CF4F2"/>
+                </a:solidFill>
+                <a:effectLst>
+                  <a:outerShdw blurRad="38100" dist="38100" dir="2700000" algn="tl">
+                    <a:srgbClr val="000000">
+                      <a:alpha val="43137"/>
+                    </a:srgbClr>
+                  </a:outerShdw>
+                </a:effectLst>
+                <a:latin typeface="Consolas" pitchFamily="49" charset="0"/>
+                <a:cs typeface="Consolas" pitchFamily="49" charset="0"/>
+              </a:rPr>
+              <a:t>	}</a:t>
+            </a:r>
+            <a:endParaRPr lang="en-US" sz="1600" b="1" noProof="1">
+              <a:solidFill>
+                <a:srgbClr val="8CF4F2"/>
+              </a:solidFill>
+              <a:effectLst>
+                <a:outerShdw blurRad="38100" dist="38100" dir="2700000" algn="tl">
+                  <a:srgbClr val="000000">
+                    <a:alpha val="43137"/>
+                  </a:srgbClr>
+                </a:outerShdw>
+              </a:effectLst>
+              <a:latin typeface="Consolas" pitchFamily="49" charset="0"/>
+              <a:cs typeface="Consolas" pitchFamily="49" charset="0"/>
+            </a:endParaRPr>
+          </a:p>
+          <a:p>
+            <a:pPr lvl="1">
+              <a:spcBef>
+                <a:spcPts val="0"/>
+              </a:spcBef>
+              <a:buClr>
+                <a:schemeClr val="accent5">
+                  <a:lumMod val="40000"/>
+                  <a:lumOff val="60000"/>
+                </a:schemeClr>
+              </a:buClr>
+              <a:buSzPct val="70000"/>
+            </a:pPr>
+            <a:endParaRPr lang="en-US" sz="1600" b="1" noProof="1">
+              <a:solidFill>
+                <a:srgbClr val="8CF4F2"/>
+              </a:solidFill>
+              <a:effectLst>
+                <a:outerShdw blurRad="38100" dist="38100" dir="2700000" algn="tl">
+                  <a:srgbClr val="000000">
+                    <a:alpha val="43137"/>
+                  </a:srgbClr>
+                </a:outerShdw>
+              </a:effectLst>
+              <a:latin typeface="Consolas" pitchFamily="49" charset="0"/>
+              <a:cs typeface="Consolas" pitchFamily="49" charset="0"/>
+            </a:endParaRPr>
+          </a:p>
+          <a:p>
+            <a:pPr lvl="1">
+              <a:spcBef>
+                <a:spcPts val="0"/>
+              </a:spcBef>
+              <a:buClr>
+                <a:schemeClr val="accent5">
+                  <a:lumMod val="40000"/>
+                  <a:lumOff val="60000"/>
+                </a:schemeClr>
+              </a:buClr>
+              <a:buSzPct val="70000"/>
+            </a:pPr>
+            <a:r>
+              <a:rPr lang="en-US" sz="1600" b="1" noProof="1" smtClean="0">
+                <a:solidFill>
+                  <a:srgbClr val="8CF4F2"/>
+                </a:solidFill>
+                <a:effectLst>
+                  <a:outerShdw blurRad="38100" dist="38100" dir="2700000" algn="tl">
+                    <a:srgbClr val="000000">
+                      <a:alpha val="43137"/>
+                    </a:srgbClr>
+                  </a:outerShdw>
+                </a:effectLst>
+                <a:latin typeface="Consolas" pitchFamily="49" charset="0"/>
+                <a:cs typeface="Consolas" pitchFamily="49" charset="0"/>
+              </a:rPr>
+              <a:t>	return </a:t>
+            </a:r>
+            <a:r>
+              <a:rPr lang="en-US" sz="1600" b="1" noProof="1">
+                <a:solidFill>
+                  <a:srgbClr val="8CF4F2"/>
+                </a:solidFill>
+                <a:effectLst>
+                  <a:outerShdw blurRad="38100" dist="38100" dir="2700000" algn="tl">
+                    <a:srgbClr val="000000">
+                      <a:alpha val="43137"/>
+                    </a:srgbClr>
+                  </a:outerShdw>
+                </a:effectLst>
+                <a:latin typeface="Consolas" pitchFamily="49" charset="0"/>
+                <a:cs typeface="Consolas" pitchFamily="49" charset="0"/>
+              </a:rPr>
+              <a:t>$instance;			</a:t>
+            </a:r>
+          </a:p>
+          <a:p>
+            <a:pPr lvl="1">
+              <a:spcBef>
+                <a:spcPts val="0"/>
+              </a:spcBef>
+              <a:buClr>
+                <a:schemeClr val="accent5">
+                  <a:lumMod val="40000"/>
+                  <a:lumOff val="60000"/>
+                </a:schemeClr>
+              </a:buClr>
+              <a:buSzPct val="70000"/>
+            </a:pPr>
+            <a:r>
+              <a:rPr lang="en-US" sz="1600" b="1" noProof="1" smtClean="0">
+                <a:solidFill>
+                  <a:srgbClr val="8CF4F2"/>
+                </a:solidFill>
+                <a:effectLst>
+                  <a:outerShdw blurRad="38100" dist="38100" dir="2700000" algn="tl">
+                    <a:srgbClr val="000000">
+                      <a:alpha val="43137"/>
+                    </a:srgbClr>
+                  </a:outerShdw>
+                </a:effectLst>
+                <a:latin typeface="Consolas" pitchFamily="49" charset="0"/>
+                <a:cs typeface="Consolas" pitchFamily="49" charset="0"/>
+              </a:rPr>
+              <a:t>}</a:t>
+            </a:r>
+          </a:p>
+          <a:p>
+            <a:pPr>
+              <a:lnSpc>
+                <a:spcPct val="100000"/>
+              </a:lnSpc>
+              <a:spcBef>
+                <a:spcPts val="0"/>
+              </a:spcBef>
+              <a:buClr>
+                <a:schemeClr val="accent5">
+                  <a:lumMod val="40000"/>
+                  <a:lumOff val="60000"/>
+                </a:schemeClr>
+              </a:buClr>
+              <a:buSzPct val="70000"/>
+            </a:pPr>
+            <a:r>
+              <a:rPr lang="en-US" sz="1600" b="1" noProof="1">
+                <a:solidFill>
+                  <a:srgbClr val="8CF4F2"/>
+                </a:solidFill>
+                <a:effectLst>
+                  <a:outerShdw blurRad="38100" dist="38100" dir="2700000" algn="tl">
+                    <a:srgbClr val="000000">
+                      <a:alpha val="43137"/>
+                    </a:srgbClr>
+                  </a:outerShdw>
+                </a:effectLst>
+                <a:latin typeface="Consolas" pitchFamily="49" charset="0"/>
+                <a:cs typeface="Consolas" pitchFamily="49" charset="0"/>
+              </a:rPr>
+              <a:t>}</a:t>
+            </a:r>
+          </a:p>
+        </p:txBody>
+      </p:sp>
+    </p:spTree>
+    <p:extLst>
+      <p:ext uri="{BB962C8B-B14F-4D97-AF65-F5344CB8AC3E}">
+        <p14:creationId xmlns:p14="http://schemas.microsoft.com/office/powerpoint/2010/main" val="4218249102"/>
+      </p:ext>
+    </p:extLst>
+  </p:cSld>
+  <p:clrMapOvr>
+    <a:masterClrMapping/>
+  </p:clrMapOvr>
+  <p:timing>
+    <p:tnLst>
+      <p:par>
+        <p:cTn id="1" dur="indefinite" restart="never" nodeType="tmRoot"/>
+      </p:par>
+    </p:tnLst>
+  </p:timing>
+</p:sld>
+</file>
+
+<file path=ppt/slides/slide41.xml><?xml version="1.0" encoding="utf-8"?>
+<p:sld xmlns:a="http://schemas.openxmlformats.org/drawingml/2006/main" xmlns:r="http://schemas.openxmlformats.org/officeDocument/2006/relationships" xmlns:p="http://schemas.openxmlformats.org/presentationml/2006/main">
+  <p:cSld>
+    <p:spTree>
+      <p:nvGrpSpPr>
+        <p:cNvPr id="1" name=""/>
+        <p:cNvGrpSpPr/>
+        <p:nvPr/>
+      </p:nvGrpSpPr>
+      <p:grpSpPr>
+        <a:xfrm>
+          <a:off x="0" y="0"/>
+          <a:ext cx="0" cy="0"/>
+          <a:chOff x="0" y="0"/>
+          <a:chExt cx="0" cy="0"/>
+        </a:xfrm>
+      </p:grpSpPr>
+      <p:sp>
+        <p:nvSpPr>
+          <p:cNvPr id="2" name="Title 1"/>
+          <p:cNvSpPr>
+            <a:spLocks noGrp="1"/>
+          </p:cNvSpPr>
+          <p:nvPr>
+            <p:ph type="title"/>
+          </p:nvPr>
+        </p:nvSpPr>
+        <p:spPr>
+          <a:xfrm>
+            <a:off x="1828800" y="162086"/>
+            <a:ext cx="7086600" cy="914400"/>
+          </a:xfrm>
+        </p:spPr>
+        <p:txBody>
+          <a:bodyPr/>
+          <a:lstStyle/>
+          <a:p>
+            <a:r>
+              <a:rPr lang="en-US" dirty="0" smtClean="0"/>
+              <a:t>Namespaces</a:t>
+            </a:r>
+            <a:endParaRPr lang="en-US" dirty="0"/>
+          </a:p>
+        </p:txBody>
+      </p:sp>
+      <p:sp>
+        <p:nvSpPr>
+          <p:cNvPr id="3" name="Content Placeholder 2"/>
+          <p:cNvSpPr>
+            <a:spLocks noGrp="1"/>
+          </p:cNvSpPr>
+          <p:nvPr>
+            <p:ph idx="1"/>
+          </p:nvPr>
+        </p:nvSpPr>
+        <p:spPr>
+          <a:xfrm>
+            <a:off x="228600" y="1371600"/>
+            <a:ext cx="8153400" cy="3651348"/>
+          </a:xfrm>
+        </p:spPr>
+        <p:txBody>
+          <a:bodyPr/>
+          <a:lstStyle/>
+          <a:p>
+            <a:pPr lvl="1">
+              <a:lnSpc>
+                <a:spcPct val="100000"/>
+              </a:lnSpc>
+            </a:pPr>
+            <a:r>
+              <a:rPr lang="en-US" dirty="0" smtClean="0"/>
+              <a:t>Creating namespaces</a:t>
+            </a:r>
+          </a:p>
+          <a:p>
+            <a:pPr lvl="1">
+              <a:lnSpc>
+                <a:spcPct val="100000"/>
+              </a:lnSpc>
+            </a:pPr>
+            <a:endParaRPr lang="en-US" dirty="0"/>
+          </a:p>
+          <a:p>
+            <a:pPr lvl="1">
+              <a:lnSpc>
+                <a:spcPct val="100000"/>
+              </a:lnSpc>
+            </a:pPr>
+            <a:endParaRPr lang="en-US" dirty="0" smtClean="0"/>
+          </a:p>
+          <a:p>
+            <a:pPr lvl="1">
+              <a:lnSpc>
+                <a:spcPct val="100000"/>
+              </a:lnSpc>
+            </a:pPr>
+            <a:endParaRPr lang="en-US" dirty="0"/>
+          </a:p>
+          <a:p>
+            <a:pPr lvl="1">
+              <a:lnSpc>
+                <a:spcPct val="100000"/>
+              </a:lnSpc>
+            </a:pPr>
+            <a:r>
+              <a:rPr lang="en-US" dirty="0" smtClean="0"/>
+              <a:t>Using classes from namespaces</a:t>
+            </a:r>
+            <a:endParaRPr lang="en-US" dirty="0"/>
+          </a:p>
+          <a:p>
+            <a:pPr lvl="1">
+              <a:lnSpc>
+                <a:spcPct val="100000"/>
+              </a:lnSpc>
+            </a:pPr>
+            <a:endParaRPr lang="en-US" dirty="0" smtClean="0"/>
+          </a:p>
+          <a:p>
+            <a:pPr marL="357188" lvl="1" indent="0">
+              <a:lnSpc>
+                <a:spcPct val="100000"/>
+              </a:lnSpc>
+              <a:buNone/>
+            </a:pPr>
+            <a:endParaRPr lang="en-US" dirty="0" smtClean="0"/>
+          </a:p>
+          <a:p>
+            <a:pPr lvl="1">
+              <a:lnSpc>
+                <a:spcPct val="100000"/>
+              </a:lnSpc>
+            </a:pPr>
+            <a:endParaRPr lang="en-US" dirty="0" smtClean="0"/>
+          </a:p>
+          <a:p>
+            <a:pPr marL="357188" lvl="1" indent="0">
+              <a:lnSpc>
+                <a:spcPct val="100000"/>
+              </a:lnSpc>
+              <a:buNone/>
+            </a:pPr>
+            <a:endParaRPr lang="en-US" dirty="0"/>
+          </a:p>
+          <a:p>
+            <a:pPr marL="357188" lvl="1" indent="0">
+              <a:lnSpc>
+                <a:spcPct val="100000"/>
+              </a:lnSpc>
+              <a:buNone/>
+            </a:pPr>
+            <a:endParaRPr lang="en-US" dirty="0" smtClean="0"/>
+          </a:p>
+          <a:p>
+            <a:pPr marL="357188" lvl="1" indent="0">
+              <a:lnSpc>
+                <a:spcPct val="100000"/>
+              </a:lnSpc>
+              <a:buNone/>
+            </a:pPr>
+            <a:endParaRPr lang="en-US" dirty="0"/>
+          </a:p>
+        </p:txBody>
+      </p:sp>
+      <p:sp>
+        <p:nvSpPr>
+          <p:cNvPr id="5" name="Rectangle 4"/>
+          <p:cNvSpPr>
+            <a:spLocks noChangeArrowheads="1"/>
+          </p:cNvSpPr>
+          <p:nvPr/>
+        </p:nvSpPr>
+        <p:spPr bwMode="auto">
+          <a:xfrm>
+            <a:off x="591312" y="2057400"/>
+            <a:ext cx="8153400" cy="1569660"/>
+          </a:xfrm>
+          <a:prstGeom prst="rect">
+            <a:avLst/>
+          </a:prstGeom>
+          <a:solidFill>
+            <a:schemeClr val="accent5">
+              <a:lumMod val="40000"/>
+              <a:lumOff val="60000"/>
+              <a:alpha val="15000"/>
+            </a:schemeClr>
+          </a:solidFill>
+          <a:ln w="12700">
+            <a:solidFill>
+              <a:schemeClr val="accent5">
+                <a:lumMod val="60000"/>
+                <a:lumOff val="40000"/>
+              </a:schemeClr>
+            </a:solidFill>
+          </a:ln>
+        </p:spPr>
+        <p:txBody>
+          <a:bodyPr wrap="square">
+            <a:spAutoFit/>
+          </a:bodyPr>
+          <a:lstStyle/>
+          <a:p>
+            <a:pPr>
+              <a:lnSpc>
+                <a:spcPct val="100000"/>
+              </a:lnSpc>
+              <a:spcBef>
+                <a:spcPts val="0"/>
+              </a:spcBef>
+              <a:buClr>
+                <a:schemeClr val="accent5">
+                  <a:lumMod val="40000"/>
+                  <a:lumOff val="60000"/>
+                </a:schemeClr>
+              </a:buClr>
+              <a:buSzPct val="70000"/>
+            </a:pPr>
+            <a:r>
+              <a:rPr lang="en-US" sz="1600" b="1" noProof="1" smtClean="0">
+                <a:solidFill>
+                  <a:srgbClr val="8CF4F2"/>
+                </a:solidFill>
+                <a:effectLst>
+                  <a:outerShdw blurRad="38100" dist="38100" dir="2700000" algn="tl">
+                    <a:srgbClr val="000000">
+                      <a:alpha val="43137"/>
+                    </a:srgbClr>
+                  </a:outerShdw>
+                </a:effectLst>
+                <a:latin typeface="Consolas" pitchFamily="49" charset="0"/>
+                <a:cs typeface="Consolas" pitchFamily="49" charset="0"/>
+              </a:rPr>
+              <a:t>/namespace </a:t>
+            </a:r>
+            <a:r>
+              <a:rPr lang="en-US" sz="1600" b="1" noProof="1">
+                <a:solidFill>
+                  <a:srgbClr val="8CF4F2"/>
+                </a:solidFill>
+                <a:effectLst>
+                  <a:outerShdw blurRad="38100" dist="38100" dir="2700000" algn="tl">
+                    <a:srgbClr val="000000">
+                      <a:alpha val="43137"/>
+                    </a:srgbClr>
+                  </a:outerShdw>
+                </a:effectLst>
+                <a:latin typeface="Consolas" pitchFamily="49" charset="0"/>
+                <a:cs typeface="Consolas" pitchFamily="49" charset="0"/>
+              </a:rPr>
+              <a:t>Classes</a:t>
+            </a:r>
+          </a:p>
+          <a:p>
+            <a:pPr>
+              <a:lnSpc>
+                <a:spcPct val="100000"/>
+              </a:lnSpc>
+              <a:spcBef>
+                <a:spcPts val="0"/>
+              </a:spcBef>
+              <a:buClr>
+                <a:schemeClr val="accent5">
+                  <a:lumMod val="40000"/>
+                  <a:lumOff val="60000"/>
+                </a:schemeClr>
+              </a:buClr>
+              <a:buSzPct val="70000"/>
+            </a:pPr>
+            <a:r>
+              <a:rPr lang="en-US" sz="1600" b="1" noProof="1">
+                <a:solidFill>
+                  <a:srgbClr val="8CF4F2"/>
+                </a:solidFill>
+                <a:effectLst>
+                  <a:outerShdw blurRad="38100" dist="38100" dir="2700000" algn="tl">
+                    <a:srgbClr val="000000">
+                      <a:alpha val="43137"/>
+                    </a:srgbClr>
+                  </a:outerShdw>
+                </a:effectLst>
+                <a:latin typeface="Consolas" pitchFamily="49" charset="0"/>
+                <a:cs typeface="Consolas" pitchFamily="49" charset="0"/>
+              </a:rPr>
+              <a:t>{</a:t>
+            </a:r>
+          </a:p>
+          <a:p>
+            <a:pPr>
+              <a:lnSpc>
+                <a:spcPct val="100000"/>
+              </a:lnSpc>
+              <a:spcBef>
+                <a:spcPts val="0"/>
+              </a:spcBef>
+              <a:buClr>
+                <a:schemeClr val="accent5">
+                  <a:lumMod val="40000"/>
+                  <a:lumOff val="60000"/>
+                </a:schemeClr>
+              </a:buClr>
+              <a:buSzPct val="70000"/>
+            </a:pPr>
+            <a:r>
+              <a:rPr lang="en-US" sz="1600" b="1" noProof="1" smtClean="0">
+                <a:solidFill>
+                  <a:srgbClr val="8CF4F2"/>
+                </a:solidFill>
+                <a:effectLst>
+                  <a:outerShdw blurRad="38100" dist="38100" dir="2700000" algn="tl">
+                    <a:srgbClr val="000000">
+                      <a:alpha val="43137"/>
+                    </a:srgbClr>
+                  </a:outerShdw>
+                </a:effectLst>
+                <a:latin typeface="Consolas" pitchFamily="49" charset="0"/>
+                <a:cs typeface="Consolas" pitchFamily="49" charset="0"/>
+              </a:rPr>
+              <a:t>	</a:t>
+            </a:r>
+          </a:p>
+          <a:p>
+            <a:pPr>
+              <a:lnSpc>
+                <a:spcPct val="100000"/>
+              </a:lnSpc>
+              <a:spcBef>
+                <a:spcPts val="0"/>
+              </a:spcBef>
+              <a:buClr>
+                <a:schemeClr val="accent5">
+                  <a:lumMod val="40000"/>
+                  <a:lumOff val="60000"/>
+                </a:schemeClr>
+              </a:buClr>
+              <a:buSzPct val="70000"/>
+            </a:pPr>
+            <a:r>
+              <a:rPr lang="en-US" sz="1600" b="1" noProof="1">
+                <a:solidFill>
+                  <a:srgbClr val="8CF4F2"/>
+                </a:solidFill>
+                <a:effectLst>
+                  <a:outerShdw blurRad="38100" dist="38100" dir="2700000" algn="tl">
+                    <a:srgbClr val="000000">
+                      <a:alpha val="43137"/>
+                    </a:srgbClr>
+                  </a:outerShdw>
+                </a:effectLst>
+                <a:latin typeface="Consolas" pitchFamily="49" charset="0"/>
+                <a:cs typeface="Consolas" pitchFamily="49" charset="0"/>
+              </a:rPr>
+              <a:t>	</a:t>
+            </a:r>
+            <a:r>
+              <a:rPr lang="en-US" sz="1600" b="1" noProof="1" smtClean="0">
+                <a:solidFill>
+                  <a:srgbClr val="8CF4F2"/>
+                </a:solidFill>
+                <a:effectLst>
+                  <a:outerShdw blurRad="38100" dist="38100" dir="2700000" algn="tl">
+                    <a:srgbClr val="000000">
+                      <a:alpha val="43137"/>
+                    </a:srgbClr>
+                  </a:outerShdw>
+                </a:effectLst>
+                <a:latin typeface="Consolas" pitchFamily="49" charset="0"/>
+                <a:cs typeface="Consolas" pitchFamily="49" charset="0"/>
+              </a:rPr>
+              <a:t>...</a:t>
+            </a:r>
+          </a:p>
+          <a:p>
+            <a:pPr>
+              <a:lnSpc>
+                <a:spcPct val="100000"/>
+              </a:lnSpc>
+              <a:spcBef>
+                <a:spcPts val="0"/>
+              </a:spcBef>
+              <a:buClr>
+                <a:schemeClr val="accent5">
+                  <a:lumMod val="40000"/>
+                  <a:lumOff val="60000"/>
+                </a:schemeClr>
+              </a:buClr>
+              <a:buSzPct val="70000"/>
+            </a:pPr>
+            <a:r>
+              <a:rPr lang="en-US" sz="1600" b="1" noProof="1" smtClean="0">
+                <a:solidFill>
+                  <a:srgbClr val="8CF4F2"/>
+                </a:solidFill>
+                <a:effectLst>
+                  <a:outerShdw blurRad="38100" dist="38100" dir="2700000" algn="tl">
+                    <a:srgbClr val="000000">
+                      <a:alpha val="43137"/>
+                    </a:srgbClr>
+                  </a:outerShdw>
+                </a:effectLst>
+                <a:latin typeface="Consolas" pitchFamily="49" charset="0"/>
+                <a:cs typeface="Consolas" pitchFamily="49" charset="0"/>
+              </a:rPr>
+              <a:t>	</a:t>
+            </a:r>
+          </a:p>
+          <a:p>
+            <a:pPr>
+              <a:lnSpc>
+                <a:spcPct val="100000"/>
+              </a:lnSpc>
+              <a:spcBef>
+                <a:spcPts val="0"/>
+              </a:spcBef>
+              <a:buClr>
+                <a:schemeClr val="accent5">
+                  <a:lumMod val="40000"/>
+                  <a:lumOff val="60000"/>
+                </a:schemeClr>
+              </a:buClr>
+              <a:buSzPct val="70000"/>
+            </a:pPr>
+            <a:r>
+              <a:rPr lang="en-US" sz="1600" b="1" noProof="1" smtClean="0">
+                <a:solidFill>
+                  <a:srgbClr val="8CF4F2"/>
+                </a:solidFill>
+                <a:effectLst>
+                  <a:outerShdw blurRad="38100" dist="38100" dir="2700000" algn="tl">
+                    <a:srgbClr val="000000">
+                      <a:alpha val="43137"/>
+                    </a:srgbClr>
+                  </a:outerShdw>
+                </a:effectLst>
+                <a:latin typeface="Consolas" pitchFamily="49" charset="0"/>
+                <a:cs typeface="Consolas" pitchFamily="49" charset="0"/>
+              </a:rPr>
+              <a:t>}</a:t>
+            </a:r>
+            <a:endParaRPr lang="en-US" sz="1600" b="1" noProof="1">
+              <a:solidFill>
+                <a:srgbClr val="8CF4F2"/>
+              </a:solidFill>
+              <a:effectLst>
+                <a:outerShdw blurRad="38100" dist="38100" dir="2700000" algn="tl">
+                  <a:srgbClr val="000000">
+                    <a:alpha val="43137"/>
+                  </a:srgbClr>
+                </a:outerShdw>
+              </a:effectLst>
+              <a:latin typeface="Consolas" pitchFamily="49" charset="0"/>
+              <a:cs typeface="Consolas" pitchFamily="49" charset="0"/>
+            </a:endParaRPr>
+          </a:p>
+        </p:txBody>
+      </p:sp>
+      <p:sp>
+        <p:nvSpPr>
+          <p:cNvPr id="6" name="Rectangle 4"/>
+          <p:cNvSpPr>
+            <a:spLocks noChangeArrowheads="1"/>
+          </p:cNvSpPr>
+          <p:nvPr/>
+        </p:nvSpPr>
+        <p:spPr bwMode="auto">
+          <a:xfrm>
+            <a:off x="609600" y="4572000"/>
+            <a:ext cx="8153400" cy="830997"/>
+          </a:xfrm>
+          <a:prstGeom prst="rect">
+            <a:avLst/>
+          </a:prstGeom>
+          <a:solidFill>
+            <a:schemeClr val="accent5">
+              <a:lumMod val="40000"/>
+              <a:lumOff val="60000"/>
+              <a:alpha val="15000"/>
+            </a:schemeClr>
+          </a:solidFill>
+          <a:ln w="12700">
+            <a:solidFill>
+              <a:schemeClr val="accent5">
+                <a:lumMod val="60000"/>
+                <a:lumOff val="40000"/>
+              </a:schemeClr>
+            </a:solidFill>
+          </a:ln>
+        </p:spPr>
+        <p:txBody>
+          <a:bodyPr wrap="square">
+            <a:spAutoFit/>
+          </a:bodyPr>
+          <a:lstStyle/>
+          <a:p>
+            <a:pPr>
+              <a:spcBef>
+                <a:spcPts val="0"/>
+              </a:spcBef>
+              <a:buClr>
+                <a:schemeClr val="accent5">
+                  <a:lumMod val="40000"/>
+                  <a:lumOff val="60000"/>
+                </a:schemeClr>
+              </a:buClr>
+              <a:buSzPct val="70000"/>
+            </a:pPr>
+            <a:r>
+              <a:rPr lang="en-US" sz="1600" b="1" noProof="1" smtClean="0">
+                <a:solidFill>
+                  <a:srgbClr val="8CF4F2"/>
+                </a:solidFill>
+                <a:effectLst>
+                  <a:outerShdw blurRad="38100" dist="38100" dir="2700000" algn="tl">
+                    <a:srgbClr val="000000">
+                      <a:alpha val="43137"/>
+                    </a:srgbClr>
+                  </a:outerShdw>
+                </a:effectLst>
+                <a:latin typeface="Consolas" pitchFamily="49" charset="0"/>
+                <a:cs typeface="Consolas" pitchFamily="49" charset="0"/>
+              </a:rPr>
+              <a:t>use </a:t>
+            </a:r>
+            <a:r>
+              <a:rPr lang="en-US" sz="1600" b="1" noProof="1">
+                <a:solidFill>
+                  <a:srgbClr val="8CF4F2"/>
+                </a:solidFill>
+                <a:effectLst>
+                  <a:outerShdw blurRad="38100" dist="38100" dir="2700000" algn="tl">
+                    <a:srgbClr val="000000">
+                      <a:alpha val="43137"/>
+                    </a:srgbClr>
+                  </a:outerShdw>
+                </a:effectLst>
+                <a:latin typeface="Consolas" pitchFamily="49" charset="0"/>
+                <a:cs typeface="Consolas" pitchFamily="49" charset="0"/>
+              </a:rPr>
+              <a:t>\Exception as </a:t>
+            </a:r>
+            <a:r>
+              <a:rPr lang="en-US" sz="1600" b="1" noProof="1">
+                <a:solidFill>
+                  <a:srgbClr val="8CF4F2"/>
+                </a:solidFill>
+                <a:effectLst>
+                  <a:outerShdw blurRad="38100" dist="38100" dir="2700000" algn="tl">
+                    <a:srgbClr val="000000">
+                      <a:alpha val="43137"/>
+                    </a:srgbClr>
+                  </a:outerShdw>
+                </a:effectLst>
+                <a:latin typeface="Consolas" pitchFamily="49" charset="0"/>
+                <a:cs typeface="Consolas" pitchFamily="49" charset="0"/>
+              </a:rPr>
+              <a:t>Exception</a:t>
+            </a:r>
+            <a:r>
+              <a:rPr lang="en-US" sz="1600" b="1" noProof="1" smtClean="0">
+                <a:solidFill>
+                  <a:srgbClr val="8CF4F2"/>
+                </a:solidFill>
+                <a:effectLst>
+                  <a:outerShdw blurRad="38100" dist="38100" dir="2700000" algn="tl">
+                    <a:srgbClr val="000000">
+                      <a:alpha val="43137"/>
+                    </a:srgbClr>
+                  </a:outerShdw>
+                </a:effectLst>
+                <a:latin typeface="Consolas" pitchFamily="49" charset="0"/>
+                <a:cs typeface="Consolas" pitchFamily="49" charset="0"/>
+              </a:rPr>
+              <a:t>;</a:t>
+            </a:r>
+          </a:p>
+          <a:p>
+            <a:pPr>
+              <a:spcBef>
+                <a:spcPts val="0"/>
+              </a:spcBef>
+              <a:buClr>
+                <a:schemeClr val="accent5">
+                  <a:lumMod val="40000"/>
+                  <a:lumOff val="60000"/>
+                </a:schemeClr>
+              </a:buClr>
+              <a:buSzPct val="70000"/>
+            </a:pPr>
+            <a:endParaRPr lang="en-US" sz="1600" b="1" noProof="1" smtClean="0">
+              <a:solidFill>
+                <a:srgbClr val="8CF4F2"/>
+              </a:solidFill>
+              <a:effectLst>
+                <a:outerShdw blurRad="38100" dist="38100" dir="2700000" algn="tl">
+                  <a:srgbClr val="000000">
+                    <a:alpha val="43137"/>
+                  </a:srgbClr>
+                </a:outerShdw>
+              </a:effectLst>
+              <a:latin typeface="Consolas" pitchFamily="49" charset="0"/>
+              <a:cs typeface="Consolas" pitchFamily="49" charset="0"/>
+            </a:endParaRPr>
+          </a:p>
+          <a:p>
+            <a:pPr>
+              <a:lnSpc>
+                <a:spcPct val="100000"/>
+              </a:lnSpc>
+              <a:spcBef>
+                <a:spcPts val="0"/>
+              </a:spcBef>
+              <a:buClr>
+                <a:schemeClr val="accent5">
+                  <a:lumMod val="40000"/>
+                  <a:lumOff val="60000"/>
+                </a:schemeClr>
+              </a:buClr>
+              <a:buSzPct val="70000"/>
+            </a:pPr>
+            <a:r>
+              <a:rPr lang="en-US" sz="1600" b="1" noProof="1" smtClean="0">
+                <a:solidFill>
+                  <a:srgbClr val="8CF4F2"/>
+                </a:solidFill>
+                <a:effectLst>
+                  <a:outerShdw blurRad="38100" dist="38100" dir="2700000" algn="tl">
+                    <a:srgbClr val="000000">
+                      <a:alpha val="43137"/>
+                    </a:srgbClr>
+                  </a:outerShdw>
+                </a:effectLst>
+                <a:latin typeface="Consolas" pitchFamily="49" charset="0"/>
+                <a:cs typeface="Consolas" pitchFamily="49" charset="0"/>
+              </a:rPr>
+              <a:t>use </a:t>
+            </a:r>
+            <a:r>
+              <a:rPr lang="en-US" sz="1600" b="1" noProof="1">
+                <a:solidFill>
+                  <a:srgbClr val="8CF4F2"/>
+                </a:solidFill>
+                <a:effectLst>
+                  <a:outerShdw blurRad="38100" dist="38100" dir="2700000" algn="tl">
+                    <a:srgbClr val="000000">
+                      <a:alpha val="43137"/>
+                    </a:srgbClr>
+                  </a:outerShdw>
+                </a:effectLst>
+                <a:latin typeface="Consolas" pitchFamily="49" charset="0"/>
+                <a:cs typeface="Consolas" pitchFamily="49" charset="0"/>
+              </a:rPr>
+              <a:t>Classes\Class as </a:t>
+            </a:r>
+            <a:r>
+              <a:rPr lang="en-US" sz="1600" b="1" noProof="1">
+                <a:solidFill>
+                  <a:srgbClr val="8CF4F2"/>
+                </a:solidFill>
+                <a:effectLst>
+                  <a:outerShdw blurRad="38100" dist="38100" dir="2700000" algn="tl">
+                    <a:srgbClr val="000000">
+                      <a:alpha val="43137"/>
+                    </a:srgbClr>
+                  </a:outerShdw>
+                </a:effectLst>
+                <a:latin typeface="Consolas" pitchFamily="49" charset="0"/>
+                <a:cs typeface="Consolas" pitchFamily="49" charset="0"/>
+              </a:rPr>
+              <a:t>Class</a:t>
+            </a:r>
+            <a:r>
+              <a:rPr lang="en-US" sz="1600" b="1" noProof="1" smtClean="0">
+                <a:solidFill>
+                  <a:srgbClr val="8CF4F2"/>
+                </a:solidFill>
+                <a:effectLst>
+                  <a:outerShdw blurRad="38100" dist="38100" dir="2700000" algn="tl">
+                    <a:srgbClr val="000000">
+                      <a:alpha val="43137"/>
+                    </a:srgbClr>
+                  </a:outerShdw>
+                </a:effectLst>
+                <a:latin typeface="Consolas" pitchFamily="49" charset="0"/>
+                <a:cs typeface="Consolas" pitchFamily="49" charset="0"/>
+              </a:rPr>
+              <a:t>;</a:t>
+            </a:r>
+            <a:endParaRPr lang="en-US" sz="1600" b="1" noProof="1">
+              <a:solidFill>
+                <a:srgbClr val="8CF4F2"/>
+              </a:solidFill>
+              <a:effectLst>
+                <a:outerShdw blurRad="38100" dist="38100" dir="2700000" algn="tl">
+                  <a:srgbClr val="000000">
+                    <a:alpha val="43137"/>
+                  </a:srgbClr>
+                </a:outerShdw>
+              </a:effectLst>
+              <a:latin typeface="Consolas" pitchFamily="49" charset="0"/>
+              <a:cs typeface="Consolas" pitchFamily="49" charset="0"/>
+            </a:endParaRPr>
+          </a:p>
+        </p:txBody>
+      </p:sp>
+    </p:spTree>
+    <p:extLst>
+      <p:ext uri="{BB962C8B-B14F-4D97-AF65-F5344CB8AC3E}">
+        <p14:creationId xmlns:p14="http://schemas.microsoft.com/office/powerpoint/2010/main" val="2247743268"/>
+      </p:ext>
+    </p:extLst>
+  </p:cSld>
+  <p:clrMapOvr>
+    <a:masterClrMapping/>
+  </p:clrMapOvr>
+  <p:timing>
+    <p:tnLst>
+      <p:par>
+        <p:cTn id="1" dur="indefinite" restart="never" nodeType="tmRoot"/>
+      </p:par>
+    </p:tnLst>
+  </p:timing>
+</p:sld>
+</file>
+
+<file path=ppt/slides/slide42.xml><?xml version="1.0" encoding="utf-8"?>
+<p:sld xmlns:a="http://schemas.openxmlformats.org/drawingml/2006/main" xmlns:r="http://schemas.openxmlformats.org/officeDocument/2006/relationships" xmlns:p="http://schemas.openxmlformats.org/presentationml/2006/main">
+  <p:cSld>
+    <p:spTree>
+      <p:nvGrpSpPr>
+        <p:cNvPr id="1" name=""/>
+        <p:cNvGrpSpPr/>
+        <p:nvPr/>
+      </p:nvGrpSpPr>
+      <p:grpSpPr>
+        <a:xfrm>
+          <a:off x="0" y="0"/>
+          <a:ext cx="0" cy="0"/>
+          <a:chOff x="0" y="0"/>
+          <a:chExt cx="0" cy="0"/>
+        </a:xfrm>
+      </p:grpSpPr>
+      <p:sp>
+        <p:nvSpPr>
+          <p:cNvPr id="2" name="Title 1"/>
+          <p:cNvSpPr>
+            <a:spLocks noGrp="1"/>
+          </p:cNvSpPr>
+          <p:nvPr>
+            <p:ph type="title"/>
+          </p:nvPr>
+        </p:nvSpPr>
+        <p:spPr>
+          <a:xfrm>
+            <a:off x="1828800" y="162086"/>
+            <a:ext cx="7086600" cy="914400"/>
+          </a:xfrm>
+        </p:spPr>
+        <p:txBody>
+          <a:bodyPr/>
+          <a:lstStyle/>
+          <a:p>
+            <a:r>
+              <a:rPr lang="en-US" dirty="0"/>
+              <a:t>Naming conventions</a:t>
+            </a:r>
           </a:p>
         </p:txBody>
       </p:sp>
@@ -20514,7 +27455,6 @@
               <a:rPr lang="en-US" dirty="0" smtClean="0"/>
               <a:t>Depends on the project</a:t>
             </a:r>
-            <a:endParaRPr lang="en-US" dirty="0" smtClean="0"/>
           </a:p>
         </p:txBody>
       </p:sp>
@@ -20538,7 +27478,7 @@
 </p:sld>
 </file>
 
-<file path=ppt/slides/slide35.xml><?xml version="1.0" encoding="utf-8"?>
+<file path=ppt/slides/slide43.xml><?xml version="1.0" encoding="utf-8"?>
 <p:sld xmlns:a="http://schemas.openxmlformats.org/drawingml/2006/main" xmlns:r="http://schemas.openxmlformats.org/officeDocument/2006/relationships" xmlns:p="http://schemas.openxmlformats.org/presentationml/2006/main">
   <p:cSld>
     <p:spTree>
@@ -20576,16 +27516,16 @@
           <a:lstStyle/>
           <a:p>
             <a:r>
+              <a:rPr lang="en-US" dirty="0"/>
+              <a:t>Naming </a:t>
+            </a:r>
+            <a:r>
               <a:rPr lang="en-US" dirty="0" smtClean="0"/>
-              <a:t>Naming </a:t>
-            </a:r>
-            <a:r>
-              <a:rPr lang="en-US" dirty="0" err="1" smtClean="0"/>
-              <a:t>convensions</a:t>
-            </a:r>
-            <a:r>
-              <a:rPr lang="en-US" dirty="0" smtClean="0"/>
-              <a:t>(2)</a:t>
+              <a:t>conventions(2</a:t>
+            </a:r>
+            <a:r>
+              <a:rPr lang="en-US" dirty="0"/>
+              <a:t>)</a:t>
             </a:r>
             <a:endParaRPr lang="en-US" dirty="0"/>
           </a:p>
@@ -20955,188 +27895,6 @@
     <p:extLst>
       <p:ext uri="{BB962C8B-B14F-4D97-AF65-F5344CB8AC3E}">
         <p14:creationId xmlns:p14="http://schemas.microsoft.com/office/powerpoint/2010/main" val="181046617"/>
-      </p:ext>
-    </p:extLst>
-  </p:cSld>
-  <p:clrMapOvr>
-    <a:masterClrMapping/>
-  </p:clrMapOvr>
-  <p:timing>
-    <p:tnLst>
-      <p:par>
-        <p:cTn id="1" dur="indefinite" restart="never" nodeType="tmRoot"/>
-      </p:par>
-    </p:tnLst>
-  </p:timing>
-</p:sld>
-</file>
-
-<file path=ppt/slides/slide4.xml><?xml version="1.0" encoding="utf-8"?>
-<p:sld xmlns:a="http://schemas.openxmlformats.org/drawingml/2006/main" xmlns:r="http://schemas.openxmlformats.org/officeDocument/2006/relationships" xmlns:p="http://schemas.openxmlformats.org/presentationml/2006/main">
-  <p:cSld>
-    <p:spTree>
-      <p:nvGrpSpPr>
-        <p:cNvPr id="1" name=""/>
-        <p:cNvGrpSpPr/>
-        <p:nvPr/>
-      </p:nvGrpSpPr>
-      <p:grpSpPr>
-        <a:xfrm>
-          <a:off x="0" y="0"/>
-          <a:ext cx="0" cy="0"/>
-          <a:chOff x="0" y="0"/>
-          <a:chExt cx="0" cy="0"/>
-        </a:xfrm>
-      </p:grpSpPr>
-      <p:sp>
-        <p:nvSpPr>
-          <p:cNvPr id="2" name="Title 1"/>
-          <p:cNvSpPr>
-            <a:spLocks noGrp="1"/>
-          </p:cNvSpPr>
-          <p:nvPr>
-            <p:ph type="title"/>
-          </p:nvPr>
-        </p:nvSpPr>
-        <p:spPr>
-          <a:xfrm>
-            <a:off x="1828800" y="162086"/>
-            <a:ext cx="7086600" cy="914400"/>
-          </a:xfrm>
-        </p:spPr>
-        <p:txBody>
-          <a:bodyPr/>
-          <a:lstStyle/>
-          <a:p>
-            <a:r>
-              <a:rPr lang="en-US" dirty="0" smtClean="0"/>
-              <a:t>PHP Origins</a:t>
-            </a:r>
-            <a:endParaRPr lang="en-US" dirty="0"/>
-          </a:p>
-        </p:txBody>
-      </p:sp>
-      <p:sp>
-        <p:nvSpPr>
-          <p:cNvPr id="3" name="Content Placeholder 2"/>
-          <p:cNvSpPr>
-            <a:spLocks noGrp="1"/>
-          </p:cNvSpPr>
-          <p:nvPr>
-            <p:ph idx="1"/>
-          </p:nvPr>
-        </p:nvSpPr>
-        <p:spPr>
-          <a:xfrm>
-            <a:off x="228600" y="2063652"/>
-            <a:ext cx="8686800" cy="3651348"/>
-          </a:xfrm>
-        </p:spPr>
-        <p:txBody>
-          <a:bodyPr/>
-          <a:lstStyle/>
-          <a:p>
-            <a:pPr>
-              <a:lnSpc>
-                <a:spcPct val="100000"/>
-              </a:lnSpc>
-            </a:pPr>
-            <a:r>
-              <a:rPr lang="en-US" dirty="0"/>
-              <a:t>Created in 1994 by </a:t>
-            </a:r>
-            <a:r>
-              <a:rPr lang="en-US" dirty="0" err="1"/>
-              <a:t>Rasmus</a:t>
-            </a:r>
-            <a:r>
-              <a:rPr lang="en-US" dirty="0"/>
-              <a:t> </a:t>
-            </a:r>
-            <a:r>
-              <a:rPr lang="en-US" dirty="0" err="1" smtClean="0"/>
-              <a:t>Lerdorf</a:t>
-            </a:r>
-            <a:endParaRPr lang="en-US" dirty="0" smtClean="0"/>
-          </a:p>
-          <a:p>
-            <a:pPr lvl="1">
-              <a:lnSpc>
-                <a:spcPct val="100000"/>
-              </a:lnSpc>
-            </a:pPr>
-            <a:r>
-              <a:rPr lang="en-US" dirty="0"/>
-              <a:t>Originally used for tracking visits to his online </a:t>
-            </a:r>
-            <a:r>
-              <a:rPr lang="en-US" dirty="0" smtClean="0"/>
-              <a:t>resume.</a:t>
-            </a:r>
-          </a:p>
-          <a:p>
-            <a:pPr lvl="1">
-              <a:lnSpc>
-                <a:spcPct val="100000"/>
-              </a:lnSpc>
-            </a:pPr>
-            <a:r>
-              <a:rPr lang="en-GB" dirty="0" smtClean="0"/>
-              <a:t>Back then PHP meant Personal </a:t>
-            </a:r>
-            <a:r>
-              <a:rPr lang="en-GB" dirty="0"/>
-              <a:t>Home </a:t>
-            </a:r>
-            <a:r>
-              <a:rPr lang="en-GB" dirty="0" smtClean="0"/>
-              <a:t>Page.</a:t>
-            </a:r>
-          </a:p>
-          <a:p>
-            <a:pPr>
-              <a:lnSpc>
-                <a:spcPct val="100000"/>
-              </a:lnSpc>
-            </a:pPr>
-            <a:r>
-              <a:rPr lang="en-US" dirty="0" smtClean="0"/>
-              <a:t>In </a:t>
-            </a:r>
-            <a:r>
-              <a:rPr lang="en-US" dirty="0"/>
-              <a:t>June of 1995, </a:t>
-            </a:r>
-            <a:r>
-              <a:rPr lang="en-US" dirty="0" err="1" smtClean="0"/>
-              <a:t>Rasmus</a:t>
-            </a:r>
-            <a:r>
-              <a:rPr lang="en-US" dirty="0" smtClean="0"/>
-              <a:t> released an improved version of  the PHP Tools to the public</a:t>
-            </a:r>
-          </a:p>
-          <a:p>
-            <a:pPr lvl="1">
-              <a:lnSpc>
-                <a:spcPct val="100000"/>
-              </a:lnSpc>
-            </a:pPr>
-            <a:endParaRPr lang="en-US" dirty="0" smtClean="0">
-              <a:solidFill>
-                <a:schemeClr val="accent5">
-                  <a:lumMod val="20000"/>
-                  <a:lumOff val="80000"/>
-                </a:schemeClr>
-              </a:solidFill>
-            </a:endParaRPr>
-          </a:p>
-        </p:txBody>
-      </p:sp>
-    </p:spTree>
-    <p:extLst>
-      <p:ext uri="{BB962C8B-B14F-4D97-AF65-F5344CB8AC3E}">
-        <p14:creationId xmlns:p14="http://schemas.microsoft.com/office/powerpoint/2010/main" val="2841986280"/>
       </p:ext>
     </p:extLst>
   </p:cSld>

--- a/PHP_MVC.pptx
+++ b/PHP_MVC.pptx
@@ -5,10 +5,10 @@
     <p:sldMasterId id="2147483672" r:id="rId1"/>
   </p:sldMasterIdLst>
   <p:notesMasterIdLst>
-    <p:notesMasterId r:id="rId54"/>
+    <p:notesMasterId r:id="rId55"/>
   </p:notesMasterIdLst>
   <p:handoutMasterIdLst>
-    <p:handoutMasterId r:id="rId55"/>
+    <p:handoutMasterId r:id="rId56"/>
   </p:handoutMasterIdLst>
   <p:sldIdLst>
     <p:sldId id="382" r:id="rId2"/>
@@ -63,6 +63,7 @@
     <p:sldId id="458" r:id="rId51"/>
     <p:sldId id="452" r:id="rId52"/>
     <p:sldId id="453" r:id="rId53"/>
+    <p:sldId id="460" r:id="rId54"/>
   </p:sldIdLst>
   <p:sldSz cx="9144000" cy="6858000" type="screen4x3"/>
   <p:notesSz cx="6881813" cy="9296400"/>
@@ -193,7 +194,7 @@
   </p:defaultTextStyle>
   <p:extLst>
     <p:ext uri="{EFAFB233-063F-42B5-8137-9DF3F51BA10A}">
-      <p15:sldGuideLst xmlns:p15="http://schemas.microsoft.com/office/powerpoint/2012/main" xmlns="">
+      <p15:sldGuideLst xmlns="" xmlns:p15="http://schemas.microsoft.com/office/powerpoint/2012/main">
         <p15:guide id="1" orient="horz" pos="2160">
           <p15:clr>
             <a:srgbClr val="A4A3A4"/>
@@ -207,7 +208,7 @@
       </p15:sldGuideLst>
     </p:ext>
     <p:ext uri="{2D200454-40CA-4A62-9FC3-DE9A4176ACB9}">
-      <p15:notesGuideLst xmlns:p15="http://schemas.microsoft.com/office/powerpoint/2012/main" xmlns="">
+      <p15:notesGuideLst xmlns="" xmlns:p15="http://schemas.microsoft.com/office/powerpoint/2012/main">
         <p15:guide id="1" orient="horz" pos="2928">
           <p15:clr>
             <a:srgbClr val="A4A3A4"/>
@@ -339,7 +340,7 @@
             <a:fld id="{3BF7C7B5-275F-4D1F-9AB4-9255447DBC73}" type="datetimeFigureOut">
               <a:rPr lang="en-US"/>
               <a:pPr/>
-              <a:t>11/10/2014</a:t>
+              <a:t>11/11/2014</a:t>
             </a:fld>
             <a:endParaRPr lang="en-US" dirty="0"/>
           </a:p>
@@ -570,7 +571,7 @@
             <a:fld id="{9B46F231-FB2B-4655-A644-E2477325E686}" type="datetimeFigureOut">
               <a:rPr lang="en-US"/>
               <a:pPr/>
-              <a:t>11/10/2014</a:t>
+              <a:t>11/11/2014</a:t>
             </a:fld>
             <a:endParaRPr lang="en-US" dirty="0"/>
           </a:p>
@@ -1201,7 +1202,7 @@
                 </a:solidFill>
               </a:rPr>
               <a:pPr/>
-              <a:t>11/10/2014</a:t>
+              <a:t>11/11/2014</a:t>
             </a:fld>
             <a:r>
               <a:rPr lang="en-US" sz="1100" b="0" dirty="0">
@@ -1843,7 +1844,7 @@
                 </a:solidFill>
               </a:rPr>
               <a:pPr/>
-              <a:t>11/10/2014</a:t>
+              <a:t>11/11/2014</a:t>
             </a:fld>
             <a:r>
               <a:rPr lang="en-US" sz="1100" b="0" dirty="0">
@@ -2485,7 +2486,7 @@
                 </a:solidFill>
               </a:rPr>
               <a:pPr/>
-              <a:t>11/10/2014</a:t>
+              <a:t>11/11/2014</a:t>
             </a:fld>
             <a:r>
               <a:rPr lang="en-US" sz="1100" b="0" dirty="0">
@@ -3127,7 +3128,7 @@
                 </a:solidFill>
               </a:rPr>
               <a:pPr/>
-              <a:t>11/10/2014</a:t>
+              <a:t>11/11/2014</a:t>
             </a:fld>
             <a:r>
               <a:rPr lang="en-US" sz="1100" b="0" dirty="0">
@@ -3769,7 +3770,7 @@
                 </a:solidFill>
               </a:rPr>
               <a:pPr/>
-              <a:t>11/10/2014</a:t>
+              <a:t>11/11/2014</a:t>
             </a:fld>
             <a:r>
               <a:rPr lang="en-US" sz="1100" b="0" dirty="0">
@@ -4411,7 +4412,7 @@
                 </a:solidFill>
               </a:rPr>
               <a:pPr/>
-              <a:t>11/10/2014</a:t>
+              <a:t>11/11/2014</a:t>
             </a:fld>
             <a:r>
               <a:rPr lang="en-US" sz="1100" b="0" dirty="0">
@@ -5138,7 +5139,7 @@
                 </a:solidFill>
               </a:rPr>
               <a:pPr/>
-              <a:t>11/10/2014</a:t>
+              <a:t>11/11/2014</a:t>
             </a:fld>
             <a:r>
               <a:rPr lang="en-US" sz="1100" b="0" dirty="0">
@@ -5950,7 +5951,7 @@
                 </a:solidFill>
               </a:rPr>
               <a:pPr/>
-              <a:t>11/10/2014</a:t>
+              <a:t>11/11/2014</a:t>
             </a:fld>
             <a:r>
               <a:rPr lang="en-US" sz="1100" b="0" dirty="0">
@@ -29839,7 +29840,6 @@
               <a:rPr lang="en-US" dirty="0"/>
               <a:t>Writing a native PHP application</a:t>
             </a:r>
-            <a:endParaRPr lang="en-US" dirty="0"/>
           </a:p>
         </p:txBody>
       </p:sp>
@@ -31816,11 +31816,7 @@
           <a:p>
             <a:r>
               <a:rPr lang="en-US" dirty="0" smtClean="0"/>
-              <a:t>Generating </a:t>
-            </a:r>
-            <a:r>
-              <a:rPr lang="en-US" dirty="0" smtClean="0"/>
-              <a:t> HTML</a:t>
+              <a:t>Generating  HTML</a:t>
             </a:r>
             <a:endParaRPr lang="en-US" dirty="0"/>
           </a:p>
@@ -33528,7 +33524,6 @@
               <a:rPr lang="en-US" dirty="0" smtClean="0"/>
               <a:t> functions</a:t>
             </a:r>
-            <a:endParaRPr lang="en-US" dirty="0" smtClean="0"/>
           </a:p>
           <a:p>
             <a:pPr lvl="1">
@@ -33790,20 +33785,6 @@
               </a:rPr>
               <a:t> &lt;/li&gt;</a:t>
             </a:r>
-            <a:endParaRPr lang="en-US" sz="1400" b="1" noProof="1" smtClean="0">
-              <a:solidFill>
-                <a:srgbClr val="8CF4F2"/>
-              </a:solidFill>
-              <a:effectLst>
-                <a:outerShdw blurRad="38100" dist="38100" dir="2700000" algn="tl">
-                  <a:srgbClr val="000000">
-                    <a:alpha val="43137"/>
-                  </a:srgbClr>
-                </a:outerShdw>
-              </a:effectLst>
-              <a:latin typeface="Consolas" pitchFamily="49" charset="0"/>
-              <a:cs typeface="Consolas" pitchFamily="49" charset="0"/>
-            </a:endParaRPr>
           </a:p>
           <a:p>
             <a:pPr>
@@ -33904,24 +33885,7 @@
                 <a:latin typeface="Consolas" pitchFamily="49" charset="0"/>
                 <a:cs typeface="Consolas" pitchFamily="49" charset="0"/>
               </a:rPr>
-              <a:t>  &lt;/</a:t>
-            </a:r>
-            <a:r>
-              <a:rPr lang="en-US" sz="1400" b="1" noProof="1">
-                <a:solidFill>
-                  <a:srgbClr val="8CF4F2"/>
-                </a:solidFill>
-                <a:effectLst>
-                  <a:outerShdw blurRad="38100" dist="38100" dir="2700000" algn="tl">
-                    <a:srgbClr val="000000">
-                      <a:alpha val="43137"/>
-                    </a:srgbClr>
-                  </a:outerShdw>
-                </a:effectLst>
-                <a:latin typeface="Consolas" pitchFamily="49" charset="0"/>
-                <a:cs typeface="Consolas" pitchFamily="49" charset="0"/>
-              </a:rPr>
-              <a:t>li</a:t>
+              <a:t>  &lt;/li</a:t>
             </a:r>
             <a:r>
               <a:rPr lang="en-US" sz="1400" b="1" noProof="1" smtClean="0">
@@ -34006,24 +33970,7 @@
                 <a:latin typeface="Consolas" pitchFamily="49" charset="0"/>
                 <a:cs typeface="Consolas" pitchFamily="49" charset="0"/>
               </a:rPr>
-              <a:t>    &lt;a </a:t>
-            </a:r>
-            <a:r>
-              <a:rPr lang="en-US" sz="1400" b="1" noProof="1">
-                <a:solidFill>
-                  <a:srgbClr val="8CF4F2"/>
-                </a:solidFill>
-                <a:effectLst>
-                  <a:outerShdw blurRad="38100" dist="38100" dir="2700000" algn="tl">
-                    <a:srgbClr val="000000">
-                      <a:alpha val="43137"/>
-                    </a:srgbClr>
-                  </a:outerShdw>
-                </a:effectLst>
-                <a:latin typeface="Consolas" pitchFamily="49" charset="0"/>
-                <a:cs typeface="Consolas" pitchFamily="49" charset="0"/>
-              </a:rPr>
-              <a:t>href</a:t>
+              <a:t>    &lt;a href</a:t>
             </a:r>
             <a:r>
               <a:rPr lang="en-US" sz="1400" b="1" noProof="1" smtClean="0">
@@ -34091,24 +34038,7 @@
                 <a:latin typeface="Consolas" pitchFamily="49" charset="0"/>
                 <a:cs typeface="Consolas" pitchFamily="49" charset="0"/>
               </a:rPr>
-              <a:t>  &lt;/</a:t>
-            </a:r>
-            <a:r>
-              <a:rPr lang="en-US" sz="1400" b="1" noProof="1">
-                <a:solidFill>
-                  <a:srgbClr val="8CF4F2"/>
-                </a:solidFill>
-                <a:effectLst>
-                  <a:outerShdw blurRad="38100" dist="38100" dir="2700000" algn="tl">
-                    <a:srgbClr val="000000">
-                      <a:alpha val="43137"/>
-                    </a:srgbClr>
-                  </a:outerShdw>
-                </a:effectLst>
-                <a:latin typeface="Consolas" pitchFamily="49" charset="0"/>
-                <a:cs typeface="Consolas" pitchFamily="49" charset="0"/>
-              </a:rPr>
-              <a:t>li</a:t>
+              <a:t>  &lt;/li</a:t>
             </a:r>
             <a:r>
               <a:rPr lang="en-US" sz="1400" b="1" noProof="1" smtClean="0">
@@ -34372,6 +34302,173 @@
       <p:transition spd="slow"/>
     </mc:Fallback>
   </mc:AlternateContent>
+  <p:timing>
+    <p:tnLst>
+      <p:par>
+        <p:cTn id="1" dur="indefinite" restart="never" nodeType="tmRoot"/>
+      </p:par>
+    </p:tnLst>
+  </p:timing>
+</p:sld>
+</file>
+
+<file path=ppt/slides/slide53.xml><?xml version="1.0" encoding="utf-8"?>
+<p:sld xmlns:a="http://schemas.openxmlformats.org/drawingml/2006/main" xmlns:r="http://schemas.openxmlformats.org/officeDocument/2006/relationships" xmlns:p="http://schemas.openxmlformats.org/presentationml/2006/main">
+  <p:cSld>
+    <p:spTree>
+      <p:nvGrpSpPr>
+        <p:cNvPr id="1" name=""/>
+        <p:cNvGrpSpPr/>
+        <p:nvPr/>
+      </p:nvGrpSpPr>
+      <p:grpSpPr>
+        <a:xfrm>
+          <a:off x="0" y="0"/>
+          <a:ext cx="0" cy="0"/>
+          <a:chOff x="0" y="0"/>
+          <a:chExt cx="0" cy="0"/>
+        </a:xfrm>
+      </p:grpSpPr>
+      <p:sp>
+        <p:nvSpPr>
+          <p:cNvPr id="2" name="Title 1"/>
+          <p:cNvSpPr>
+            <a:spLocks noGrp="1"/>
+          </p:cNvSpPr>
+          <p:nvPr>
+            <p:ph type="title"/>
+          </p:nvPr>
+        </p:nvSpPr>
+        <p:spPr>
+          <a:xfrm>
+            <a:off x="1828800" y="162086"/>
+            <a:ext cx="7086600" cy="914400"/>
+          </a:xfrm>
+        </p:spPr>
+        <p:txBody>
+          <a:bodyPr/>
+          <a:lstStyle/>
+          <a:p>
+            <a:r>
+              <a:rPr lang="en-US" dirty="0"/>
+              <a:t>Using </a:t>
+            </a:r>
+            <a:r>
+              <a:rPr lang="en-US" dirty="0" err="1"/>
+              <a:t>Laravel</a:t>
+            </a:r>
+            <a:r>
+              <a:rPr lang="en-US" dirty="0"/>
+              <a:t> MVC</a:t>
+            </a:r>
+            <a:endParaRPr lang="en-US" dirty="0"/>
+          </a:p>
+        </p:txBody>
+      </p:sp>
+      <p:sp>
+        <p:nvSpPr>
+          <p:cNvPr id="3" name="Content Placeholder 2"/>
+          <p:cNvSpPr>
+            <a:spLocks noGrp="1"/>
+          </p:cNvSpPr>
+          <p:nvPr>
+            <p:ph idx="1"/>
+          </p:nvPr>
+        </p:nvSpPr>
+        <p:spPr>
+          <a:xfrm>
+            <a:off x="228600" y="1219200"/>
+            <a:ext cx="8686800" cy="3651348"/>
+          </a:xfrm>
+        </p:spPr>
+        <p:txBody>
+          <a:bodyPr/>
+          <a:lstStyle/>
+          <a:p>
+            <a:pPr>
+              <a:lnSpc>
+                <a:spcPct val="100000"/>
+              </a:lnSpc>
+            </a:pPr>
+            <a:r>
+              <a:rPr lang="en-US" dirty="0" smtClean="0">
+                <a:solidFill>
+                  <a:srgbClr val="F4FCD8"/>
+                </a:solidFill>
+              </a:rPr>
+              <a:t>First PHP script</a:t>
+            </a:r>
+          </a:p>
+          <a:p>
+            <a:pPr>
+              <a:lnSpc>
+                <a:spcPct val="100000"/>
+              </a:lnSpc>
+            </a:pPr>
+            <a:r>
+              <a:rPr lang="en-US" dirty="0" smtClean="0">
+                <a:solidFill>
+                  <a:srgbClr val="F4FCD8"/>
+                </a:solidFill>
+              </a:rPr>
+              <a:t>Fetching data</a:t>
+            </a:r>
+          </a:p>
+          <a:p>
+            <a:pPr>
+              <a:lnSpc>
+                <a:spcPct val="100000"/>
+              </a:lnSpc>
+            </a:pPr>
+            <a:r>
+              <a:rPr lang="en-US" dirty="0"/>
+              <a:t>Generating </a:t>
+            </a:r>
+            <a:r>
+              <a:rPr lang="en-US" dirty="0" smtClean="0"/>
+              <a:t>HTML</a:t>
+            </a:r>
+          </a:p>
+          <a:p>
+            <a:pPr>
+              <a:lnSpc>
+                <a:spcPct val="100000"/>
+              </a:lnSpc>
+            </a:pPr>
+            <a:r>
+              <a:rPr lang="en-US" dirty="0"/>
+              <a:t>Connecting files</a:t>
+            </a:r>
+            <a:endParaRPr lang="en-US" dirty="0" smtClean="0">
+              <a:solidFill>
+                <a:srgbClr val="F4FCD8"/>
+              </a:solidFill>
+            </a:endParaRPr>
+          </a:p>
+          <a:p>
+            <a:pPr>
+              <a:lnSpc>
+                <a:spcPct val="100000"/>
+              </a:lnSpc>
+            </a:pPr>
+            <a:endParaRPr lang="en-US" dirty="0" smtClean="0">
+              <a:solidFill>
+                <a:srgbClr val="F4FCD8"/>
+              </a:solidFill>
+            </a:endParaRPr>
+          </a:p>
+        </p:txBody>
+      </p:sp>
+    </p:spTree>
+    <p:extLst>
+      <p:ext uri="{BB962C8B-B14F-4D97-AF65-F5344CB8AC3E}">
+        <p14:creationId xmlns:p14="http://schemas.microsoft.com/office/powerpoint/2010/main" val="1135914032"/>
+      </p:ext>
+    </p:extLst>
+  </p:cSld>
+  <p:clrMapOvr>
+    <a:masterClrMapping/>
+  </p:clrMapOvr>
   <p:timing>
     <p:tnLst>
       <p:par>

--- a/PHP_MVC.pptx
+++ b/PHP_MVC.pptx
@@ -5,10 +5,10 @@
     <p:sldMasterId id="2147483672" r:id="rId1"/>
   </p:sldMasterIdLst>
   <p:notesMasterIdLst>
-    <p:notesMasterId r:id="rId55"/>
+    <p:notesMasterId r:id="rId66"/>
   </p:notesMasterIdLst>
   <p:handoutMasterIdLst>
-    <p:handoutMasterId r:id="rId56"/>
+    <p:handoutMasterId r:id="rId67"/>
   </p:handoutMasterIdLst>
   <p:sldIdLst>
     <p:sldId id="382" r:id="rId2"/>
@@ -62,8 +62,19 @@
     <p:sldId id="457" r:id="rId50"/>
     <p:sldId id="458" r:id="rId51"/>
     <p:sldId id="452" r:id="rId52"/>
-    <p:sldId id="453" r:id="rId53"/>
-    <p:sldId id="460" r:id="rId54"/>
+    <p:sldId id="461" r:id="rId53"/>
+    <p:sldId id="462" r:id="rId54"/>
+    <p:sldId id="463" r:id="rId55"/>
+    <p:sldId id="464" r:id="rId56"/>
+    <p:sldId id="465" r:id="rId57"/>
+    <p:sldId id="468" r:id="rId58"/>
+    <p:sldId id="466" r:id="rId59"/>
+    <p:sldId id="469" r:id="rId60"/>
+    <p:sldId id="470" r:id="rId61"/>
+    <p:sldId id="471" r:id="rId62"/>
+    <p:sldId id="472" r:id="rId63"/>
+    <p:sldId id="453" r:id="rId64"/>
+    <p:sldId id="460" r:id="rId65"/>
   </p:sldIdLst>
   <p:sldSz cx="9144000" cy="6858000" type="screen4x3"/>
   <p:notesSz cx="6881813" cy="9296400"/>
@@ -194,7 +205,7 @@
   </p:defaultTextStyle>
   <p:extLst>
     <p:ext uri="{EFAFB233-063F-42B5-8137-9DF3F51BA10A}">
-      <p15:sldGuideLst xmlns="" xmlns:p15="http://schemas.microsoft.com/office/powerpoint/2012/main">
+      <p15:sldGuideLst xmlns:p15="http://schemas.microsoft.com/office/powerpoint/2012/main" xmlns="">
         <p15:guide id="1" orient="horz" pos="2160">
           <p15:clr>
             <a:srgbClr val="A4A3A4"/>
@@ -208,7 +219,7 @@
       </p15:sldGuideLst>
     </p:ext>
     <p:ext uri="{2D200454-40CA-4A62-9FC3-DE9A4176ACB9}">
-      <p15:notesGuideLst xmlns="" xmlns:p15="http://schemas.microsoft.com/office/powerpoint/2012/main">
+      <p15:notesGuideLst xmlns:p15="http://schemas.microsoft.com/office/powerpoint/2012/main" xmlns="">
         <p15:guide id="1" orient="horz" pos="2928">
           <p15:clr>
             <a:srgbClr val="A4A3A4"/>
@@ -340,7 +351,7 @@
             <a:fld id="{3BF7C7B5-275F-4D1F-9AB4-9255447DBC73}" type="datetimeFigureOut">
               <a:rPr lang="en-US"/>
               <a:pPr/>
-              <a:t>11/11/2014</a:t>
+              <a:t>11/13/2014</a:t>
             </a:fld>
             <a:endParaRPr lang="en-US" dirty="0"/>
           </a:p>
@@ -571,7 +582,7 @@
             <a:fld id="{9B46F231-FB2B-4655-A644-E2477325E686}" type="datetimeFigureOut">
               <a:rPr lang="en-US"/>
               <a:pPr/>
-              <a:t>11/11/2014</a:t>
+              <a:t>11/13/2014</a:t>
             </a:fld>
             <a:endParaRPr lang="en-US" dirty="0"/>
           </a:p>
@@ -1202,7 +1213,7 @@
                 </a:solidFill>
               </a:rPr>
               <a:pPr/>
-              <a:t>11/11/2014</a:t>
+              <a:t>11/13/2014</a:t>
             </a:fld>
             <a:r>
               <a:rPr lang="en-US" sz="1100" b="0" dirty="0">
@@ -1844,7 +1855,7 @@
                 </a:solidFill>
               </a:rPr>
               <a:pPr/>
-              <a:t>11/11/2014</a:t>
+              <a:t>11/13/2014</a:t>
             </a:fld>
             <a:r>
               <a:rPr lang="en-US" sz="1100" b="0" dirty="0">
@@ -2486,7 +2497,7 @@
                 </a:solidFill>
               </a:rPr>
               <a:pPr/>
-              <a:t>11/11/2014</a:t>
+              <a:t>11/13/2014</a:t>
             </a:fld>
             <a:r>
               <a:rPr lang="en-US" sz="1100" b="0" dirty="0">
@@ -2775,7 +2786,7 @@
                 </a:solidFill>
               </a:rPr>
               <a:pPr/>
-              <a:t>52</a:t>
+              <a:t>63</a:t>
             </a:fld>
             <a:r>
               <a:rPr lang="en-US" sz="1100" b="0" dirty="0">
@@ -3128,7 +3139,7 @@
                 </a:solidFill>
               </a:rPr>
               <a:pPr/>
-              <a:t>11/11/2014</a:t>
+              <a:t>11/13/2014</a:t>
             </a:fld>
             <a:r>
               <a:rPr lang="en-US" sz="1100" b="0" dirty="0">
@@ -3770,7 +3781,7 @@
                 </a:solidFill>
               </a:rPr>
               <a:pPr/>
-              <a:t>11/11/2014</a:t>
+              <a:t>11/13/2014</a:t>
             </a:fld>
             <a:r>
               <a:rPr lang="en-US" sz="1100" b="0" dirty="0">
@@ -4412,7 +4423,7 @@
                 </a:solidFill>
               </a:rPr>
               <a:pPr/>
-              <a:t>11/11/2014</a:t>
+              <a:t>11/13/2014</a:t>
             </a:fld>
             <a:r>
               <a:rPr lang="en-US" sz="1100" b="0" dirty="0">
@@ -5139,7 +5150,7 @@
                 </a:solidFill>
               </a:rPr>
               <a:pPr/>
-              <a:t>11/11/2014</a:t>
+              <a:t>11/13/2014</a:t>
             </a:fld>
             <a:r>
               <a:rPr lang="en-US" sz="1100" b="0" dirty="0">
@@ -5951,7 +5962,7 @@
                 </a:solidFill>
               </a:rPr>
               <a:pPr/>
-              <a:t>11/11/2014</a:t>
+              <a:t>11/13/2014</a:t>
             </a:fld>
             <a:r>
               <a:rPr lang="en-US" sz="1100" b="0" dirty="0">
@@ -34246,62 +34257,211 @@
       </p:grpSpPr>
       <p:sp>
         <p:nvSpPr>
-          <p:cNvPr id="344066" name="Rectangle 2"/>
+          <p:cNvPr id="2" name="Title 1"/>
           <p:cNvSpPr>
-            <a:spLocks noGrp="1" noChangeArrowheads="1"/>
+            <a:spLocks noGrp="1"/>
           </p:cNvSpPr>
           <p:nvPr>
-            <p:ph type="ctrTitle"/>
+            <p:ph type="title"/>
           </p:nvPr>
         </p:nvSpPr>
         <p:spPr>
           <a:xfrm>
-            <a:off x="609600" y="4255368"/>
-            <a:ext cx="7924800" cy="1693912"/>
+            <a:off x="1828800" y="162086"/>
+            <a:ext cx="7086600" cy="914400"/>
           </a:xfrm>
         </p:spPr>
         <p:txBody>
           <a:bodyPr/>
           <a:lstStyle/>
           <a:p>
-            <a:pPr marL="514350" indent="-514350">
-              <a:lnSpc>
-                <a:spcPct val="110000"/>
-              </a:lnSpc>
-            </a:pPr>
-            <a:r>
-              <a:rPr lang="en-US" dirty="0"/>
-              <a:t>Using </a:t>
-            </a:r>
-            <a:r>
-              <a:rPr lang="en-US" dirty="0" err="1"/>
-              <a:t>Laravel</a:t>
-            </a:r>
-            <a:r>
-              <a:rPr lang="en-US" dirty="0"/>
-              <a:t> MVC</a:t>
-            </a:r>
+            <a:r>
+              <a:rPr lang="en-US" dirty="0" err="1" smtClean="0"/>
+              <a:t>CodeIgniter</a:t>
+            </a:r>
+            <a:endParaRPr lang="en-US" dirty="0"/>
+          </a:p>
+        </p:txBody>
+      </p:sp>
+      <p:sp>
+        <p:nvSpPr>
+          <p:cNvPr id="3" name="Content Placeholder 2"/>
+          <p:cNvSpPr>
+            <a:spLocks noGrp="1"/>
+          </p:cNvSpPr>
+          <p:nvPr>
+            <p:ph idx="1"/>
+          </p:nvPr>
+        </p:nvSpPr>
+        <p:spPr>
+          <a:xfrm>
+            <a:off x="228600" y="1219200"/>
+            <a:ext cx="8686800" cy="3651348"/>
+          </a:xfrm>
+        </p:spPr>
+        <p:txBody>
+          <a:bodyPr/>
+          <a:lstStyle/>
+          <a:p>
+            <a:pPr>
+              <a:lnSpc>
+                <a:spcPct val="100000"/>
+              </a:lnSpc>
+            </a:pPr>
+            <a:r>
+              <a:rPr lang="en-US" sz="2800" dirty="0" smtClean="0">
+                <a:solidFill>
+                  <a:srgbClr val="F4FCD8"/>
+                </a:solidFill>
+              </a:rPr>
+              <a:t>Installation </a:t>
+            </a:r>
+            <a:r>
+              <a:rPr lang="en-US" sz="2800" dirty="0">
+                <a:solidFill>
+                  <a:srgbClr val="F4FCD8"/>
+                </a:solidFill>
+              </a:rPr>
+              <a:t>&amp; Useful </a:t>
+            </a:r>
+            <a:r>
+              <a:rPr lang="en-US" sz="2800" dirty="0" smtClean="0">
+                <a:solidFill>
+                  <a:srgbClr val="F4FCD8"/>
+                </a:solidFill>
+              </a:rPr>
+              <a:t>plugins</a:t>
+            </a:r>
+            <a:endParaRPr lang="en-US" sz="2800" dirty="0" smtClean="0">
+              <a:solidFill>
+                <a:srgbClr val="F4FCD8"/>
+              </a:solidFill>
+            </a:endParaRPr>
+          </a:p>
+          <a:p>
+            <a:pPr>
+              <a:lnSpc>
+                <a:spcPct val="100000"/>
+              </a:lnSpc>
+            </a:pPr>
+            <a:r>
+              <a:rPr lang="en-US" sz="2800" dirty="0" err="1" smtClean="0"/>
+              <a:t>Configs</a:t>
+            </a:r>
+            <a:endParaRPr lang="en-US" sz="2800" dirty="0" smtClean="0">
+              <a:solidFill>
+                <a:srgbClr val="F4FCD8"/>
+              </a:solidFill>
+            </a:endParaRPr>
+          </a:p>
+          <a:p>
+            <a:pPr>
+              <a:lnSpc>
+                <a:spcPct val="100000"/>
+              </a:lnSpc>
+            </a:pPr>
+            <a:r>
+              <a:rPr lang="en-US" sz="2800" dirty="0" smtClean="0">
+                <a:solidFill>
+                  <a:srgbClr val="F4FCD8"/>
+                </a:solidFill>
+              </a:rPr>
+              <a:t>Controllers and actions</a:t>
+            </a:r>
+            <a:endParaRPr lang="en-US" sz="2800" dirty="0" smtClean="0">
+              <a:solidFill>
+                <a:srgbClr val="F4FCD8"/>
+              </a:solidFill>
+            </a:endParaRPr>
+          </a:p>
+          <a:p>
+            <a:pPr>
+              <a:lnSpc>
+                <a:spcPct val="100000"/>
+              </a:lnSpc>
+            </a:pPr>
+            <a:r>
+              <a:rPr lang="en-US" sz="2800" dirty="0" smtClean="0">
+                <a:solidFill>
+                  <a:srgbClr val="F4FCD8"/>
+                </a:solidFill>
+              </a:rPr>
+              <a:t>Views</a:t>
+            </a:r>
+            <a:endParaRPr lang="en-US" sz="2800" dirty="0" smtClean="0">
+              <a:solidFill>
+                <a:srgbClr val="F4FCD8"/>
+              </a:solidFill>
+            </a:endParaRPr>
+          </a:p>
+          <a:p>
+            <a:pPr>
+              <a:lnSpc>
+                <a:spcPct val="100000"/>
+              </a:lnSpc>
+            </a:pPr>
+            <a:r>
+              <a:rPr lang="en-US" sz="2800" dirty="0" smtClean="0"/>
+              <a:t>Models and </a:t>
+            </a:r>
+            <a:r>
+              <a:rPr lang="en-US" sz="2800" dirty="0" err="1" smtClean="0"/>
+              <a:t>ActiveRecords</a:t>
+            </a:r>
+            <a:endParaRPr lang="en-US" sz="2800" dirty="0" smtClean="0"/>
+          </a:p>
+          <a:p>
+            <a:pPr>
+              <a:lnSpc>
+                <a:spcPct val="100000"/>
+              </a:lnSpc>
+            </a:pPr>
+            <a:r>
+              <a:rPr lang="en-US" sz="2800" dirty="0" smtClean="0"/>
+              <a:t>Extending CI controllers and models</a:t>
+            </a:r>
+            <a:endParaRPr lang="en-US" sz="2800" dirty="0" smtClean="0"/>
+          </a:p>
+          <a:p>
+            <a:pPr>
+              <a:lnSpc>
+                <a:spcPct val="100000"/>
+              </a:lnSpc>
+            </a:pPr>
+            <a:r>
+              <a:rPr lang="en-US" sz="2800" dirty="0" err="1" smtClean="0">
+                <a:solidFill>
+                  <a:srgbClr val="F4FCD8"/>
+                </a:solidFill>
+              </a:rPr>
+              <a:t>DataMapper</a:t>
+            </a:r>
+            <a:r>
+              <a:rPr lang="en-US" sz="2800" dirty="0" smtClean="0">
+                <a:solidFill>
+                  <a:srgbClr val="F4FCD8"/>
+                </a:solidFill>
+              </a:rPr>
+              <a:t> ORM</a:t>
+            </a:r>
+            <a:endParaRPr lang="en-US" sz="2800" dirty="0" smtClean="0">
+              <a:solidFill>
+                <a:srgbClr val="F4FCD8"/>
+              </a:solidFill>
+            </a:endParaRPr>
           </a:p>
         </p:txBody>
       </p:sp>
     </p:spTree>
     <p:extLst>
       <p:ext uri="{BB962C8B-B14F-4D97-AF65-F5344CB8AC3E}">
-        <p14:creationId xmlns:p14="http://schemas.microsoft.com/office/powerpoint/2010/main" val="1136888485"/>
+        <p14:creationId xmlns:p14="http://schemas.microsoft.com/office/powerpoint/2010/main" val="4040753548"/>
       </p:ext>
     </p:extLst>
   </p:cSld>
   <p:clrMapOvr>
     <a:masterClrMapping/>
   </p:clrMapOvr>
-  <mc:AlternateContent xmlns:mc="http://schemas.openxmlformats.org/markup-compatibility/2006" xmlns:p14="http://schemas.microsoft.com/office/powerpoint/2010/main">
-    <mc:Choice Requires="p14">
-      <p:transition spd="slow" p14:dur="2000"/>
-    </mc:Choice>
-    <mc:Fallback xmlns="">
-      <p:transition spd="slow"/>
-    </mc:Fallback>
-  </mc:AlternateContent>
   <p:timing>
     <p:tnLst>
       <p:par>
@@ -34350,16 +34510,12 @@
           <a:lstStyle/>
           <a:p>
             <a:r>
+              <a:rPr lang="en-US" dirty="0" smtClean="0"/>
+              <a:t>Installation &amp; useful </a:t>
+            </a:r>
+            <a:r>
               <a:rPr lang="en-US" dirty="0"/>
-              <a:t>Using </a:t>
-            </a:r>
-            <a:r>
-              <a:rPr lang="en-US" dirty="0" err="1"/>
-              <a:t>Laravel</a:t>
-            </a:r>
-            <a:r>
-              <a:rPr lang="en-US" dirty="0"/>
-              <a:t> MVC</a:t>
+              <a:t>plugins</a:t>
             </a:r>
             <a:endParaRPr lang="en-US" dirty="0"/>
           </a:p>
@@ -34391,67 +34547,170 @@
               </a:lnSpc>
             </a:pPr>
             <a:r>
-              <a:rPr lang="en-US" dirty="0" smtClean="0">
+              <a:rPr lang="en-US" sz="2800" dirty="0" smtClean="0">
                 <a:solidFill>
                   <a:srgbClr val="F4FCD8"/>
                 </a:solidFill>
               </a:rPr>
-              <a:t>First PHP script</a:t>
-            </a:r>
-          </a:p>
-          <a:p>
-            <a:pPr>
-              <a:lnSpc>
-                <a:spcPct val="100000"/>
-              </a:lnSpc>
-            </a:pPr>
-            <a:r>
-              <a:rPr lang="en-US" dirty="0" smtClean="0">
+              <a:t>Download </a:t>
+            </a:r>
+            <a:r>
+              <a:rPr lang="en-US" sz="2800" dirty="0" err="1" smtClean="0">
                 <a:solidFill>
                   <a:srgbClr val="F4FCD8"/>
                 </a:solidFill>
               </a:rPr>
-              <a:t>Fetching data</a:t>
-            </a:r>
-          </a:p>
-          <a:p>
-            <a:pPr>
-              <a:lnSpc>
-                <a:spcPct val="100000"/>
-              </a:lnSpc>
-            </a:pPr>
-            <a:r>
-              <a:rPr lang="en-US" dirty="0"/>
-              <a:t>Generating </a:t>
-            </a:r>
-            <a:r>
-              <a:rPr lang="en-US" dirty="0" smtClean="0"/>
-              <a:t>HTML</a:t>
-            </a:r>
-          </a:p>
-          <a:p>
-            <a:pPr>
-              <a:lnSpc>
-                <a:spcPct val="100000"/>
-              </a:lnSpc>
-            </a:pPr>
-            <a:r>
-              <a:rPr lang="en-US" dirty="0"/>
-              <a:t>Connecting files</a:t>
-            </a:r>
-            <a:endParaRPr lang="en-US" dirty="0" smtClean="0">
+              <a:t>CodeIgniter</a:t>
+            </a:r>
+            <a:r>
+              <a:rPr lang="en-US" sz="2800" dirty="0" smtClean="0">
+                <a:solidFill>
+                  <a:srgbClr val="F4FCD8"/>
+                </a:solidFill>
+              </a:rPr>
+              <a:t> project files</a:t>
+            </a:r>
+          </a:p>
+          <a:p>
+            <a:pPr lvl="1">
+              <a:lnSpc>
+                <a:spcPct val="100000"/>
+              </a:lnSpc>
+            </a:pPr>
+            <a:r>
+              <a:rPr lang="en-US" sz="2600" dirty="0" smtClean="0">
+                <a:solidFill>
+                  <a:srgbClr val="F4FCD8"/>
+                </a:solidFill>
+              </a:rPr>
+              <a:t>Get </a:t>
+            </a:r>
+            <a:r>
+              <a:rPr lang="en-US" sz="2600" dirty="0" err="1" smtClean="0">
+                <a:solidFill>
+                  <a:srgbClr val="F4FCD8"/>
+                </a:solidFill>
+              </a:rPr>
+              <a:t>CodeIgniter</a:t>
+            </a:r>
+            <a:endParaRPr lang="en-US" sz="2600" dirty="0" smtClean="0">
               <a:solidFill>
                 <a:srgbClr val="F4FCD8"/>
               </a:solidFill>
             </a:endParaRPr>
           </a:p>
           <a:p>
+            <a:pPr lvl="2">
+              <a:lnSpc>
+                <a:spcPct val="100000"/>
+              </a:lnSpc>
+            </a:pPr>
+            <a:r>
+              <a:rPr lang="en-US" sz="2400" dirty="0">
+                <a:solidFill>
+                  <a:srgbClr val="F4FCD8"/>
+                </a:solidFill>
+                <a:hlinkClick r:id="rId2"/>
+              </a:rPr>
+              <a:t>https://</a:t>
+            </a:r>
+            <a:r>
+              <a:rPr lang="en-US" sz="2400" dirty="0" smtClean="0">
+                <a:solidFill>
+                  <a:srgbClr val="F4FCD8"/>
+                </a:solidFill>
+                <a:hlinkClick r:id="rId2"/>
+              </a:rPr>
+              <a:t>github.com/bcit-ci/CodeIgniter</a:t>
+            </a:r>
+            <a:endParaRPr lang="en-US" sz="2400" dirty="0" smtClean="0">
+              <a:solidFill>
+                <a:srgbClr val="F4FCD8"/>
+              </a:solidFill>
+            </a:endParaRPr>
+          </a:p>
+          <a:p>
+            <a:pPr lvl="1">
+              <a:lnSpc>
+                <a:spcPct val="100000"/>
+              </a:lnSpc>
+            </a:pPr>
+            <a:r>
+              <a:rPr lang="en-US" sz="2600" dirty="0" smtClean="0">
+                <a:solidFill>
+                  <a:srgbClr val="F4FCD8"/>
+                </a:solidFill>
+              </a:rPr>
+              <a:t>Get </a:t>
+            </a:r>
+            <a:r>
+              <a:rPr lang="en-US" sz="2600" dirty="0" err="1" smtClean="0">
+                <a:solidFill>
+                  <a:srgbClr val="F4FCD8"/>
+                </a:solidFill>
+              </a:rPr>
+              <a:t>CodeIgniter-restserver</a:t>
+            </a:r>
+            <a:r>
+              <a:rPr lang="en-US" sz="2600" dirty="0" smtClean="0">
+                <a:solidFill>
+                  <a:srgbClr val="F4FCD8"/>
+                </a:solidFill>
+              </a:rPr>
+              <a:t>(extended with REST)</a:t>
+            </a:r>
+          </a:p>
+          <a:p>
+            <a:pPr lvl="2">
+              <a:lnSpc>
+                <a:spcPct val="100000"/>
+              </a:lnSpc>
+            </a:pPr>
+            <a:r>
+              <a:rPr lang="en-US" sz="2400" dirty="0">
+                <a:solidFill>
+                  <a:srgbClr val="F4FCD8"/>
+                </a:solidFill>
+                <a:hlinkClick r:id="rId3"/>
+              </a:rPr>
+              <a:t>https://github.com/chriskacerguis/codeigniter-restserver</a:t>
+            </a:r>
+            <a:endParaRPr lang="en-US" sz="2400" dirty="0" smtClean="0">
+              <a:solidFill>
+                <a:srgbClr val="F4FCD8"/>
+              </a:solidFill>
+            </a:endParaRPr>
+          </a:p>
+          <a:p>
             <a:pPr>
               <a:lnSpc>
                 <a:spcPct val="100000"/>
               </a:lnSpc>
             </a:pPr>
-            <a:endParaRPr lang="en-US" dirty="0" smtClean="0">
+            <a:r>
+              <a:rPr lang="en-US" sz="2800" dirty="0" smtClean="0">
+                <a:solidFill>
+                  <a:srgbClr val="F4FCD8"/>
+                </a:solidFill>
+              </a:rPr>
+              <a:t>Create project</a:t>
+            </a:r>
+          </a:p>
+          <a:p>
+            <a:pPr lvl="1">
+              <a:lnSpc>
+                <a:spcPct val="100000"/>
+              </a:lnSpc>
+            </a:pPr>
+            <a:r>
+              <a:rPr lang="en-US" sz="2600" dirty="0" smtClean="0">
+                <a:solidFill>
+                  <a:srgbClr val="F4FCD8"/>
+                </a:solidFill>
+              </a:rPr>
+              <a:t>By simply copying the downloaded files into a new folder on your web server</a:t>
+            </a:r>
+            <a:endParaRPr lang="en-US" sz="2600" dirty="0" smtClean="0">
               <a:solidFill>
                 <a:srgbClr val="F4FCD8"/>
               </a:solidFill>
@@ -34462,7 +34721,4046 @@
     </p:spTree>
     <p:extLst>
       <p:ext uri="{BB962C8B-B14F-4D97-AF65-F5344CB8AC3E}">
-        <p14:creationId xmlns:p14="http://schemas.microsoft.com/office/powerpoint/2010/main" val="1135914032"/>
+        <p14:creationId xmlns:p14="http://schemas.microsoft.com/office/powerpoint/2010/main" val="3151514040"/>
+      </p:ext>
+    </p:extLst>
+  </p:cSld>
+  <p:clrMapOvr>
+    <a:masterClrMapping/>
+  </p:clrMapOvr>
+  <p:timing>
+    <p:tnLst>
+      <p:par>
+        <p:cTn id="1" dur="indefinite" restart="never" nodeType="tmRoot"/>
+      </p:par>
+    </p:tnLst>
+  </p:timing>
+</p:sld>
+</file>
+
+<file path=ppt/slides/slide54.xml><?xml version="1.0" encoding="utf-8"?>
+<p:sld xmlns:a="http://schemas.openxmlformats.org/drawingml/2006/main" xmlns:r="http://schemas.openxmlformats.org/officeDocument/2006/relationships" xmlns:p="http://schemas.openxmlformats.org/presentationml/2006/main">
+  <p:cSld>
+    <p:spTree>
+      <p:nvGrpSpPr>
+        <p:cNvPr id="1" name=""/>
+        <p:cNvGrpSpPr/>
+        <p:nvPr/>
+      </p:nvGrpSpPr>
+      <p:grpSpPr>
+        <a:xfrm>
+          <a:off x="0" y="0"/>
+          <a:ext cx="0" cy="0"/>
+          <a:chOff x="0" y="0"/>
+          <a:chExt cx="0" cy="0"/>
+        </a:xfrm>
+      </p:grpSpPr>
+      <p:sp>
+        <p:nvSpPr>
+          <p:cNvPr id="2" name="Title 1"/>
+          <p:cNvSpPr>
+            <a:spLocks noGrp="1"/>
+          </p:cNvSpPr>
+          <p:nvPr>
+            <p:ph type="title"/>
+          </p:nvPr>
+        </p:nvSpPr>
+        <p:spPr>
+          <a:xfrm>
+            <a:off x="1828800" y="162086"/>
+            <a:ext cx="7086600" cy="914400"/>
+          </a:xfrm>
+        </p:spPr>
+        <p:txBody>
+          <a:bodyPr/>
+          <a:lstStyle/>
+          <a:p>
+            <a:r>
+              <a:rPr lang="en-US" dirty="0"/>
+              <a:t>Installation &amp; useful </a:t>
+            </a:r>
+            <a:r>
+              <a:rPr lang="en-US" dirty="0" smtClean="0"/>
+              <a:t>plugins(2)</a:t>
+            </a:r>
+            <a:endParaRPr lang="en-US" dirty="0"/>
+          </a:p>
+        </p:txBody>
+      </p:sp>
+      <p:sp>
+        <p:nvSpPr>
+          <p:cNvPr id="3" name="Content Placeholder 2"/>
+          <p:cNvSpPr>
+            <a:spLocks noGrp="1"/>
+          </p:cNvSpPr>
+          <p:nvPr>
+            <p:ph idx="1"/>
+          </p:nvPr>
+        </p:nvSpPr>
+        <p:spPr>
+          <a:xfrm>
+            <a:off x="228600" y="1219200"/>
+            <a:ext cx="8686800" cy="3651348"/>
+          </a:xfrm>
+        </p:spPr>
+        <p:txBody>
+          <a:bodyPr/>
+          <a:lstStyle/>
+          <a:p>
+            <a:pPr>
+              <a:lnSpc>
+                <a:spcPct val="100000"/>
+              </a:lnSpc>
+            </a:pPr>
+            <a:r>
+              <a:rPr lang="en-US" sz="2800" dirty="0" err="1" smtClean="0">
+                <a:solidFill>
+                  <a:srgbClr val="F4FCD8"/>
+                </a:solidFill>
+              </a:rPr>
+              <a:t>DataMapper</a:t>
+            </a:r>
+            <a:r>
+              <a:rPr lang="en-US" sz="2800" dirty="0" smtClean="0">
+                <a:solidFill>
+                  <a:srgbClr val="F4FCD8"/>
+                </a:solidFill>
+              </a:rPr>
+              <a:t> ORM</a:t>
+            </a:r>
+          </a:p>
+          <a:p>
+            <a:pPr lvl="1">
+              <a:lnSpc>
+                <a:spcPct val="100000"/>
+              </a:lnSpc>
+            </a:pPr>
+            <a:r>
+              <a:rPr lang="en-US" sz="2600" dirty="0">
+                <a:solidFill>
+                  <a:srgbClr val="F4FCD8"/>
+                </a:solidFill>
+                <a:hlinkClick r:id="rId2"/>
+              </a:rPr>
+              <a:t>http://datamapper.wanwizard.eu</a:t>
+            </a:r>
+            <a:r>
+              <a:rPr lang="en-US" sz="2600" dirty="0" smtClean="0">
+                <a:solidFill>
+                  <a:srgbClr val="F4FCD8"/>
+                </a:solidFill>
+                <a:hlinkClick r:id="rId2"/>
+              </a:rPr>
+              <a:t>/</a:t>
+            </a:r>
+            <a:endParaRPr lang="en-US" sz="2800" dirty="0" smtClean="0">
+              <a:solidFill>
+                <a:srgbClr val="F4FCD8"/>
+              </a:solidFill>
+            </a:endParaRPr>
+          </a:p>
+          <a:p>
+            <a:pPr>
+              <a:lnSpc>
+                <a:spcPct val="100000"/>
+              </a:lnSpc>
+            </a:pPr>
+            <a:r>
+              <a:rPr lang="en-US" sz="2800" dirty="0" smtClean="0">
+                <a:solidFill>
+                  <a:srgbClr val="F4FCD8"/>
+                </a:solidFill>
+              </a:rPr>
+              <a:t>Provided with the lecture </a:t>
+            </a:r>
+          </a:p>
+          <a:p>
+            <a:pPr lvl="1">
+              <a:lnSpc>
+                <a:spcPct val="100000"/>
+              </a:lnSpc>
+            </a:pPr>
+            <a:r>
+              <a:rPr lang="en-US" sz="2600" dirty="0" smtClean="0">
+                <a:solidFill>
+                  <a:srgbClr val="F4FCD8"/>
+                </a:solidFill>
+              </a:rPr>
+              <a:t>Messages library</a:t>
+            </a:r>
+          </a:p>
+          <a:p>
+            <a:pPr lvl="1">
+              <a:lnSpc>
+                <a:spcPct val="100000"/>
+              </a:lnSpc>
+            </a:pPr>
+            <a:r>
+              <a:rPr lang="en-US" sz="2600" dirty="0" smtClean="0">
+                <a:solidFill>
+                  <a:srgbClr val="F4FCD8"/>
+                </a:solidFill>
+              </a:rPr>
+              <a:t>Template library</a:t>
+            </a:r>
+          </a:p>
+          <a:p>
+            <a:pPr lvl="1">
+              <a:lnSpc>
+                <a:spcPct val="100000"/>
+              </a:lnSpc>
+            </a:pPr>
+            <a:r>
+              <a:rPr lang="en-US" sz="2600" dirty="0" smtClean="0">
+                <a:solidFill>
+                  <a:srgbClr val="F4FCD8"/>
+                </a:solidFill>
+              </a:rPr>
+              <a:t>Less compiler for code igniter</a:t>
+            </a:r>
+          </a:p>
+          <a:p>
+            <a:pPr lvl="1">
+              <a:lnSpc>
+                <a:spcPct val="100000"/>
+              </a:lnSpc>
+            </a:pPr>
+            <a:r>
+              <a:rPr lang="en-US" sz="2600" dirty="0" smtClean="0">
+                <a:solidFill>
+                  <a:srgbClr val="F4FCD8"/>
+                </a:solidFill>
+              </a:rPr>
+              <a:t>…</a:t>
+            </a:r>
+          </a:p>
+        </p:txBody>
+      </p:sp>
+    </p:spTree>
+    <p:extLst>
+      <p:ext uri="{BB962C8B-B14F-4D97-AF65-F5344CB8AC3E}">
+        <p14:creationId xmlns:p14="http://schemas.microsoft.com/office/powerpoint/2010/main" val="4015271325"/>
+      </p:ext>
+    </p:extLst>
+  </p:cSld>
+  <p:clrMapOvr>
+    <a:masterClrMapping/>
+  </p:clrMapOvr>
+  <p:timing>
+    <p:tnLst>
+      <p:par>
+        <p:cTn id="1" dur="indefinite" restart="never" nodeType="tmRoot"/>
+      </p:par>
+    </p:tnLst>
+  </p:timing>
+</p:sld>
+</file>
+
+<file path=ppt/slides/slide55.xml><?xml version="1.0" encoding="utf-8"?>
+<p:sld xmlns:a="http://schemas.openxmlformats.org/drawingml/2006/main" xmlns:r="http://schemas.openxmlformats.org/officeDocument/2006/relationships" xmlns:p="http://schemas.openxmlformats.org/presentationml/2006/main">
+  <p:cSld>
+    <p:spTree>
+      <p:nvGrpSpPr>
+        <p:cNvPr id="1" name=""/>
+        <p:cNvGrpSpPr/>
+        <p:nvPr/>
+      </p:nvGrpSpPr>
+      <p:grpSpPr>
+        <a:xfrm>
+          <a:off x="0" y="0"/>
+          <a:ext cx="0" cy="0"/>
+          <a:chOff x="0" y="0"/>
+          <a:chExt cx="0" cy="0"/>
+        </a:xfrm>
+      </p:grpSpPr>
+      <p:sp>
+        <p:nvSpPr>
+          <p:cNvPr id="2" name="Title 1"/>
+          <p:cNvSpPr>
+            <a:spLocks noGrp="1"/>
+          </p:cNvSpPr>
+          <p:nvPr>
+            <p:ph type="title"/>
+          </p:nvPr>
+        </p:nvSpPr>
+        <p:spPr>
+          <a:xfrm>
+            <a:off x="1828800" y="162086"/>
+            <a:ext cx="7086600" cy="914400"/>
+          </a:xfrm>
+        </p:spPr>
+        <p:txBody>
+          <a:bodyPr/>
+          <a:lstStyle/>
+          <a:p>
+            <a:r>
+              <a:rPr lang="en-US" dirty="0" err="1" smtClean="0"/>
+              <a:t>Configs</a:t>
+            </a:r>
+            <a:endParaRPr lang="en-US" dirty="0"/>
+          </a:p>
+        </p:txBody>
+      </p:sp>
+      <p:sp>
+        <p:nvSpPr>
+          <p:cNvPr id="3" name="Content Placeholder 2"/>
+          <p:cNvSpPr>
+            <a:spLocks noGrp="1"/>
+          </p:cNvSpPr>
+          <p:nvPr>
+            <p:ph idx="1"/>
+          </p:nvPr>
+        </p:nvSpPr>
+        <p:spPr>
+          <a:xfrm>
+            <a:off x="265796" y="1377852"/>
+            <a:ext cx="5525404" cy="3651348"/>
+          </a:xfrm>
+        </p:spPr>
+        <p:txBody>
+          <a:bodyPr/>
+          <a:lstStyle/>
+          <a:p>
+            <a:pPr>
+              <a:lnSpc>
+                <a:spcPct val="100000"/>
+              </a:lnSpc>
+            </a:pPr>
+            <a:r>
+              <a:rPr lang="en-US" sz="2400" dirty="0" smtClean="0">
+                <a:solidFill>
+                  <a:srgbClr val="F4FCD8"/>
+                </a:solidFill>
+              </a:rPr>
+              <a:t>Located in </a:t>
+            </a:r>
+            <a:r>
+              <a:rPr lang="en-US" sz="2400" dirty="0" smtClean="0">
+                <a:solidFill>
+                  <a:schemeClr val="tx1"/>
+                </a:solidFill>
+              </a:rPr>
+              <a:t>&lt;project&gt;/application/</a:t>
+            </a:r>
+            <a:r>
+              <a:rPr lang="en-US" sz="2400" dirty="0" err="1" smtClean="0">
+                <a:solidFill>
+                  <a:schemeClr val="tx1"/>
+                </a:solidFill>
+              </a:rPr>
+              <a:t>config</a:t>
+            </a:r>
+            <a:r>
+              <a:rPr lang="en-US" sz="2400" dirty="0" smtClean="0">
+                <a:solidFill>
+                  <a:schemeClr val="tx1"/>
+                </a:solidFill>
+              </a:rPr>
+              <a:t> </a:t>
+            </a:r>
+            <a:r>
+              <a:rPr lang="en-US" sz="2400" dirty="0" smtClean="0">
+                <a:solidFill>
+                  <a:srgbClr val="F4FCD8"/>
+                </a:solidFill>
+              </a:rPr>
+              <a:t>folder</a:t>
+            </a:r>
+          </a:p>
+          <a:p>
+            <a:pPr lvl="1">
+              <a:lnSpc>
+                <a:spcPct val="100000"/>
+              </a:lnSpc>
+            </a:pPr>
+            <a:r>
+              <a:rPr lang="en-US" sz="2400" dirty="0" err="1" smtClean="0">
+                <a:solidFill>
+                  <a:srgbClr val="F4FCD8"/>
+                </a:solidFill>
+              </a:rPr>
+              <a:t>c</a:t>
+            </a:r>
+            <a:r>
+              <a:rPr lang="en-US" sz="2400" dirty="0" err="1" smtClean="0">
+                <a:solidFill>
+                  <a:srgbClr val="F4FCD8"/>
+                </a:solidFill>
+              </a:rPr>
+              <a:t>onfig.php</a:t>
+            </a:r>
+            <a:endParaRPr lang="en-US" sz="2400" dirty="0" smtClean="0">
+              <a:solidFill>
+                <a:srgbClr val="F4FCD8"/>
+              </a:solidFill>
+            </a:endParaRPr>
+          </a:p>
+          <a:p>
+            <a:pPr lvl="2">
+              <a:lnSpc>
+                <a:spcPct val="100000"/>
+              </a:lnSpc>
+            </a:pPr>
+            <a:r>
+              <a:rPr lang="en-US" sz="2000" dirty="0" smtClean="0">
+                <a:solidFill>
+                  <a:srgbClr val="F4FCD8"/>
+                </a:solidFill>
+              </a:rPr>
+              <a:t>set default application language</a:t>
+            </a:r>
+          </a:p>
+          <a:p>
+            <a:pPr lvl="2">
+              <a:lnSpc>
+                <a:spcPct val="100000"/>
+              </a:lnSpc>
+            </a:pPr>
+            <a:r>
+              <a:rPr lang="en-US" sz="2000" dirty="0">
+                <a:solidFill>
+                  <a:srgbClr val="F4FCD8"/>
+                </a:solidFill>
+              </a:rPr>
+              <a:t>s</a:t>
+            </a:r>
+            <a:r>
+              <a:rPr lang="en-US" sz="2000" dirty="0" smtClean="0">
+                <a:solidFill>
+                  <a:srgbClr val="F4FCD8"/>
+                </a:solidFill>
+              </a:rPr>
+              <a:t>et subclass prefix</a:t>
+            </a:r>
+          </a:p>
+          <a:p>
+            <a:pPr lvl="2">
+              <a:lnSpc>
+                <a:spcPct val="100000"/>
+              </a:lnSpc>
+            </a:pPr>
+            <a:r>
+              <a:rPr lang="en-US" sz="2000" dirty="0">
+                <a:solidFill>
+                  <a:srgbClr val="F4FCD8"/>
+                </a:solidFill>
+              </a:rPr>
+              <a:t>s</a:t>
+            </a:r>
+            <a:r>
+              <a:rPr lang="en-US" sz="2000" dirty="0" smtClean="0">
+                <a:solidFill>
+                  <a:srgbClr val="F4FCD8"/>
+                </a:solidFill>
+              </a:rPr>
+              <a:t>et application encryption key</a:t>
+            </a:r>
+          </a:p>
+          <a:p>
+            <a:pPr lvl="1">
+              <a:lnSpc>
+                <a:spcPct val="100000"/>
+              </a:lnSpc>
+            </a:pPr>
+            <a:r>
+              <a:rPr lang="en-US" sz="2400" dirty="0" err="1" smtClean="0">
+                <a:solidFill>
+                  <a:srgbClr val="F4FCD8"/>
+                </a:solidFill>
+              </a:rPr>
+              <a:t>autoload.php</a:t>
+            </a:r>
+            <a:endParaRPr lang="en-US" sz="2400" dirty="0" smtClean="0">
+              <a:solidFill>
+                <a:srgbClr val="F4FCD8"/>
+              </a:solidFill>
+            </a:endParaRPr>
+          </a:p>
+          <a:p>
+            <a:pPr lvl="2">
+              <a:lnSpc>
+                <a:spcPct val="100000"/>
+              </a:lnSpc>
+            </a:pPr>
+            <a:r>
+              <a:rPr lang="en-US" sz="2000" dirty="0" smtClean="0">
+                <a:solidFill>
+                  <a:srgbClr val="F4FCD8"/>
+                </a:solidFill>
+              </a:rPr>
+              <a:t>Load libraries and helpers</a:t>
+            </a:r>
+          </a:p>
+          <a:p>
+            <a:pPr lvl="1">
+              <a:lnSpc>
+                <a:spcPct val="100000"/>
+              </a:lnSpc>
+            </a:pPr>
+            <a:r>
+              <a:rPr lang="en-US" sz="2400" dirty="0" err="1" smtClean="0">
+                <a:solidFill>
+                  <a:srgbClr val="F4FCD8"/>
+                </a:solidFill>
+              </a:rPr>
+              <a:t>database.php</a:t>
+            </a:r>
+            <a:endParaRPr lang="en-US" sz="2400" dirty="0" smtClean="0">
+              <a:solidFill>
+                <a:srgbClr val="F4FCD8"/>
+              </a:solidFill>
+            </a:endParaRPr>
+          </a:p>
+          <a:p>
+            <a:pPr lvl="2">
+              <a:lnSpc>
+                <a:spcPct val="100000"/>
+              </a:lnSpc>
+            </a:pPr>
+            <a:r>
+              <a:rPr lang="en-US" sz="2000" dirty="0" smtClean="0">
+                <a:solidFill>
+                  <a:srgbClr val="F4FCD8"/>
+                </a:solidFill>
+              </a:rPr>
+              <a:t>Configure database connection</a:t>
+            </a:r>
+          </a:p>
+          <a:p>
+            <a:pPr>
+              <a:lnSpc>
+                <a:spcPct val="100000"/>
+              </a:lnSpc>
+            </a:pPr>
+            <a:endParaRPr lang="en-US" sz="2400" dirty="0" smtClean="0">
+              <a:solidFill>
+                <a:srgbClr val="F4FCD8"/>
+              </a:solidFill>
+            </a:endParaRPr>
+          </a:p>
+        </p:txBody>
+      </p:sp>
+      <p:pic>
+        <p:nvPicPr>
+          <p:cNvPr id="1026" name="Picture 2"/>
+          <p:cNvPicPr>
+            <a:picLocks noChangeAspect="1" noChangeArrowheads="1"/>
+          </p:cNvPicPr>
+          <p:nvPr/>
+        </p:nvPicPr>
+        <p:blipFill>
+          <a:blip r:embed="rId2">
+            <a:extLst>
+              <a:ext uri="{28A0092B-C50C-407E-A947-70E740481C1C}">
+                <a14:useLocalDpi xmlns:a14="http://schemas.microsoft.com/office/drawing/2010/main" val="0"/>
+              </a:ext>
+            </a:extLst>
+          </a:blip>
+          <a:srcRect/>
+          <a:stretch>
+            <a:fillRect/>
+          </a:stretch>
+        </p:blipFill>
+        <p:spPr bwMode="auto">
+          <a:xfrm>
+            <a:off x="5754004" y="1524000"/>
+            <a:ext cx="3028428" cy="4191000"/>
+          </a:xfrm>
+          <a:prstGeom prst="rect">
+            <a:avLst/>
+          </a:prstGeom>
+          <a:ln>
+            <a:noFill/>
+          </a:ln>
+          <a:effectLst>
+            <a:outerShdw blurRad="190500" algn="tl" rotWithShape="0">
+              <a:srgbClr val="000000">
+                <a:alpha val="70000"/>
+              </a:srgbClr>
+            </a:outerShdw>
+          </a:effectLst>
+          <a:extLst>
+            <a:ext uri="{909E8E84-426E-40DD-AFC4-6F175D3DCCD1}">
+              <a14:hiddenFill xmlns:a14="http://schemas.microsoft.com/office/drawing/2010/main">
+                <a:solidFill>
+                  <a:schemeClr val="accent1"/>
+                </a:solidFill>
+              </a14:hiddenFill>
+            </a:ext>
+            <a:ext uri="{91240B29-F687-4F45-9708-019B960494DF}">
+              <a14:hiddenLine xmlns:a14="http://schemas.microsoft.com/office/drawing/2010/main" w="9525">
+                <a:solidFill>
+                  <a:schemeClr val="tx1"/>
+                </a:solidFill>
+                <a:miter lim="800000"/>
+                <a:headEnd/>
+                <a:tailEnd/>
+              </a14:hiddenLine>
+            </a:ext>
+          </a:extLst>
+        </p:spPr>
+      </p:pic>
+    </p:spTree>
+    <p:extLst>
+      <p:ext uri="{BB962C8B-B14F-4D97-AF65-F5344CB8AC3E}">
+        <p14:creationId xmlns:p14="http://schemas.microsoft.com/office/powerpoint/2010/main" val="2664845798"/>
+      </p:ext>
+    </p:extLst>
+  </p:cSld>
+  <p:clrMapOvr>
+    <a:masterClrMapping/>
+  </p:clrMapOvr>
+  <p:timing>
+    <p:tnLst>
+      <p:par>
+        <p:cTn id="1" dur="indefinite" restart="never" nodeType="tmRoot"/>
+      </p:par>
+    </p:tnLst>
+  </p:timing>
+</p:sld>
+</file>
+
+<file path=ppt/slides/slide56.xml><?xml version="1.0" encoding="utf-8"?>
+<p:sld xmlns:a="http://schemas.openxmlformats.org/drawingml/2006/main" xmlns:r="http://schemas.openxmlformats.org/officeDocument/2006/relationships" xmlns:p="http://schemas.openxmlformats.org/presentationml/2006/main">
+  <p:cSld>
+    <p:spTree>
+      <p:nvGrpSpPr>
+        <p:cNvPr id="1" name=""/>
+        <p:cNvGrpSpPr/>
+        <p:nvPr/>
+      </p:nvGrpSpPr>
+      <p:grpSpPr>
+        <a:xfrm>
+          <a:off x="0" y="0"/>
+          <a:ext cx="0" cy="0"/>
+          <a:chOff x="0" y="0"/>
+          <a:chExt cx="0" cy="0"/>
+        </a:xfrm>
+      </p:grpSpPr>
+      <p:sp>
+        <p:nvSpPr>
+          <p:cNvPr id="2" name="Title 1"/>
+          <p:cNvSpPr>
+            <a:spLocks noGrp="1"/>
+          </p:cNvSpPr>
+          <p:nvPr>
+            <p:ph type="title"/>
+          </p:nvPr>
+        </p:nvSpPr>
+        <p:spPr>
+          <a:xfrm>
+            <a:off x="1828800" y="162086"/>
+            <a:ext cx="7086600" cy="914400"/>
+          </a:xfrm>
+        </p:spPr>
+        <p:txBody>
+          <a:bodyPr/>
+          <a:lstStyle/>
+          <a:p>
+            <a:r>
+              <a:rPr lang="en-US" dirty="0" smtClean="0"/>
+              <a:t>Controllers and actions</a:t>
+            </a:r>
+            <a:endParaRPr lang="en-US" dirty="0"/>
+          </a:p>
+        </p:txBody>
+      </p:sp>
+      <p:sp>
+        <p:nvSpPr>
+          <p:cNvPr id="3" name="Content Placeholder 2"/>
+          <p:cNvSpPr>
+            <a:spLocks noGrp="1"/>
+          </p:cNvSpPr>
+          <p:nvPr>
+            <p:ph idx="1"/>
+          </p:nvPr>
+        </p:nvSpPr>
+        <p:spPr>
+          <a:xfrm>
+            <a:off x="265796" y="1377852"/>
+            <a:ext cx="8497204" cy="3651348"/>
+          </a:xfrm>
+        </p:spPr>
+        <p:txBody>
+          <a:bodyPr/>
+          <a:lstStyle/>
+          <a:p>
+            <a:pPr>
+              <a:lnSpc>
+                <a:spcPct val="100000"/>
+              </a:lnSpc>
+            </a:pPr>
+            <a:r>
+              <a:rPr lang="en-US" sz="2800" dirty="0" smtClean="0">
+                <a:solidFill>
+                  <a:srgbClr val="F4FCD8"/>
+                </a:solidFill>
+              </a:rPr>
+              <a:t>Basic controller</a:t>
+            </a:r>
+          </a:p>
+          <a:p>
+            <a:pPr lvl="1">
+              <a:lnSpc>
+                <a:spcPct val="100000"/>
+              </a:lnSpc>
+            </a:pPr>
+            <a:r>
+              <a:rPr lang="en-US" sz="2600" dirty="0">
+                <a:solidFill>
+                  <a:srgbClr val="F4FCD8"/>
+                </a:solidFill>
+              </a:rPr>
+              <a:t>Extends </a:t>
+            </a:r>
+            <a:r>
+              <a:rPr lang="en-US" sz="2600" dirty="0" err="1">
+                <a:solidFill>
+                  <a:schemeClr val="tx1"/>
+                </a:solidFill>
+              </a:rPr>
+              <a:t>CI_Controller</a:t>
+            </a:r>
+            <a:endParaRPr lang="en-US" sz="2600" dirty="0" smtClean="0">
+              <a:solidFill>
+                <a:schemeClr val="tx1"/>
+              </a:solidFill>
+            </a:endParaRPr>
+          </a:p>
+          <a:p>
+            <a:pPr lvl="1">
+              <a:lnSpc>
+                <a:spcPct val="100000"/>
+              </a:lnSpc>
+            </a:pPr>
+            <a:r>
+              <a:rPr lang="en-US" sz="2600" dirty="0">
+                <a:solidFill>
+                  <a:srgbClr val="F4FCD8"/>
+                </a:solidFill>
+              </a:rPr>
+              <a:t>P</a:t>
+            </a:r>
+            <a:r>
+              <a:rPr lang="en-US" sz="2600" dirty="0" smtClean="0">
+                <a:solidFill>
+                  <a:srgbClr val="F4FCD8"/>
+                </a:solidFill>
+              </a:rPr>
+              <a:t>ublic functions represent actions</a:t>
+            </a:r>
+          </a:p>
+        </p:txBody>
+      </p:sp>
+      <p:sp>
+        <p:nvSpPr>
+          <p:cNvPr id="5" name="Rectangle 4"/>
+          <p:cNvSpPr>
+            <a:spLocks noChangeArrowheads="1"/>
+          </p:cNvSpPr>
+          <p:nvPr/>
+        </p:nvSpPr>
+        <p:spPr bwMode="auto">
+          <a:xfrm>
+            <a:off x="521208" y="3279100"/>
+            <a:ext cx="7848600" cy="2893100"/>
+          </a:xfrm>
+          <a:prstGeom prst="rect">
+            <a:avLst/>
+          </a:prstGeom>
+          <a:solidFill>
+            <a:schemeClr val="accent5">
+              <a:lumMod val="40000"/>
+              <a:lumOff val="60000"/>
+              <a:alpha val="15000"/>
+            </a:schemeClr>
+          </a:solidFill>
+          <a:ln w="12700">
+            <a:solidFill>
+              <a:schemeClr val="accent5">
+                <a:lumMod val="60000"/>
+                <a:lumOff val="40000"/>
+              </a:schemeClr>
+            </a:solidFill>
+          </a:ln>
+        </p:spPr>
+        <p:txBody>
+          <a:bodyPr wrap="square">
+            <a:spAutoFit/>
+          </a:bodyPr>
+          <a:lstStyle/>
+          <a:p>
+            <a:pPr>
+              <a:lnSpc>
+                <a:spcPct val="100000"/>
+              </a:lnSpc>
+              <a:spcBef>
+                <a:spcPts val="0"/>
+              </a:spcBef>
+              <a:buClr>
+                <a:schemeClr val="accent5">
+                  <a:lumMod val="40000"/>
+                  <a:lumOff val="60000"/>
+                </a:schemeClr>
+              </a:buClr>
+              <a:buSzPct val="70000"/>
+            </a:pPr>
+            <a:r>
+              <a:rPr lang="en-US" sz="1400" b="1" noProof="1">
+                <a:solidFill>
+                  <a:srgbClr val="8CF4F2"/>
+                </a:solidFill>
+                <a:effectLst>
+                  <a:outerShdw blurRad="38100" dist="38100" dir="2700000" algn="tl">
+                    <a:srgbClr val="000000">
+                      <a:alpha val="43137"/>
+                    </a:srgbClr>
+                  </a:outerShdw>
+                </a:effectLst>
+                <a:latin typeface="Consolas" pitchFamily="49" charset="0"/>
+                <a:cs typeface="Consolas" pitchFamily="49" charset="0"/>
+              </a:rPr>
+              <a:t>&lt;?php</a:t>
+            </a:r>
+          </a:p>
+          <a:p>
+            <a:pPr>
+              <a:lnSpc>
+                <a:spcPct val="100000"/>
+              </a:lnSpc>
+              <a:spcBef>
+                <a:spcPts val="0"/>
+              </a:spcBef>
+              <a:buClr>
+                <a:schemeClr val="accent5">
+                  <a:lumMod val="40000"/>
+                  <a:lumOff val="60000"/>
+                </a:schemeClr>
+              </a:buClr>
+              <a:buSzPct val="70000"/>
+            </a:pPr>
+            <a:r>
+              <a:rPr lang="en-US" sz="1400" b="1" noProof="1">
+                <a:solidFill>
+                  <a:srgbClr val="8CF4F2"/>
+                </a:solidFill>
+                <a:effectLst>
+                  <a:outerShdw blurRad="38100" dist="38100" dir="2700000" algn="tl">
+                    <a:srgbClr val="000000">
+                      <a:alpha val="43137"/>
+                    </a:srgbClr>
+                  </a:outerShdw>
+                </a:effectLst>
+                <a:latin typeface="Consolas" pitchFamily="49" charset="0"/>
+                <a:cs typeface="Consolas" pitchFamily="49" charset="0"/>
+              </a:rPr>
+              <a:t>class Blog extends CI_Controller {</a:t>
+            </a:r>
+          </a:p>
+          <a:p>
+            <a:pPr>
+              <a:lnSpc>
+                <a:spcPct val="100000"/>
+              </a:lnSpc>
+              <a:spcBef>
+                <a:spcPts val="0"/>
+              </a:spcBef>
+              <a:buClr>
+                <a:schemeClr val="accent5">
+                  <a:lumMod val="40000"/>
+                  <a:lumOff val="60000"/>
+                </a:schemeClr>
+              </a:buClr>
+              <a:buSzPct val="70000"/>
+            </a:pPr>
+            <a:r>
+              <a:rPr lang="en-US" sz="1400" b="1" noProof="1" smtClean="0">
+                <a:solidFill>
+                  <a:srgbClr val="8CF4F2"/>
+                </a:solidFill>
+                <a:effectLst>
+                  <a:outerShdw blurRad="38100" dist="38100" dir="2700000" algn="tl">
+                    <a:srgbClr val="000000">
+                      <a:alpha val="43137"/>
+                    </a:srgbClr>
+                  </a:outerShdw>
+                </a:effectLst>
+                <a:latin typeface="Consolas" pitchFamily="49" charset="0"/>
+                <a:cs typeface="Consolas" pitchFamily="49" charset="0"/>
+              </a:rPr>
+              <a:t>  public </a:t>
+            </a:r>
+            <a:r>
+              <a:rPr lang="en-US" sz="1400" b="1" noProof="1">
+                <a:solidFill>
+                  <a:srgbClr val="8CF4F2"/>
+                </a:solidFill>
+                <a:effectLst>
+                  <a:outerShdw blurRad="38100" dist="38100" dir="2700000" algn="tl">
+                    <a:srgbClr val="000000">
+                      <a:alpha val="43137"/>
+                    </a:srgbClr>
+                  </a:outerShdw>
+                </a:effectLst>
+                <a:latin typeface="Consolas" pitchFamily="49" charset="0"/>
+                <a:cs typeface="Consolas" pitchFamily="49" charset="0"/>
+              </a:rPr>
+              <a:t>function index()</a:t>
+            </a:r>
+          </a:p>
+          <a:p>
+            <a:pPr>
+              <a:lnSpc>
+                <a:spcPct val="100000"/>
+              </a:lnSpc>
+              <a:spcBef>
+                <a:spcPts val="0"/>
+              </a:spcBef>
+              <a:buClr>
+                <a:schemeClr val="accent5">
+                  <a:lumMod val="40000"/>
+                  <a:lumOff val="60000"/>
+                </a:schemeClr>
+              </a:buClr>
+              <a:buSzPct val="70000"/>
+            </a:pPr>
+            <a:r>
+              <a:rPr lang="en-US" sz="1400" b="1" noProof="1" smtClean="0">
+                <a:solidFill>
+                  <a:srgbClr val="8CF4F2"/>
+                </a:solidFill>
+                <a:effectLst>
+                  <a:outerShdw blurRad="38100" dist="38100" dir="2700000" algn="tl">
+                    <a:srgbClr val="000000">
+                      <a:alpha val="43137"/>
+                    </a:srgbClr>
+                  </a:outerShdw>
+                </a:effectLst>
+                <a:latin typeface="Consolas" pitchFamily="49" charset="0"/>
+                <a:cs typeface="Consolas" pitchFamily="49" charset="0"/>
+              </a:rPr>
+              <a:t>  {</a:t>
+            </a:r>
+            <a:endParaRPr lang="en-US" sz="1400" b="1" noProof="1">
+              <a:solidFill>
+                <a:srgbClr val="8CF4F2"/>
+              </a:solidFill>
+              <a:effectLst>
+                <a:outerShdw blurRad="38100" dist="38100" dir="2700000" algn="tl">
+                  <a:srgbClr val="000000">
+                    <a:alpha val="43137"/>
+                  </a:srgbClr>
+                </a:outerShdw>
+              </a:effectLst>
+              <a:latin typeface="Consolas" pitchFamily="49" charset="0"/>
+              <a:cs typeface="Consolas" pitchFamily="49" charset="0"/>
+            </a:endParaRPr>
+          </a:p>
+          <a:p>
+            <a:pPr>
+              <a:lnSpc>
+                <a:spcPct val="100000"/>
+              </a:lnSpc>
+              <a:spcBef>
+                <a:spcPts val="0"/>
+              </a:spcBef>
+              <a:buClr>
+                <a:schemeClr val="accent5">
+                  <a:lumMod val="40000"/>
+                  <a:lumOff val="60000"/>
+                </a:schemeClr>
+              </a:buClr>
+              <a:buSzPct val="70000"/>
+            </a:pPr>
+            <a:r>
+              <a:rPr lang="en-US" sz="1400" b="1" noProof="1" smtClean="0">
+                <a:solidFill>
+                  <a:srgbClr val="8CF4F2"/>
+                </a:solidFill>
+                <a:effectLst>
+                  <a:outerShdw blurRad="38100" dist="38100" dir="2700000" algn="tl">
+                    <a:srgbClr val="000000">
+                      <a:alpha val="43137"/>
+                    </a:srgbClr>
+                  </a:outerShdw>
+                </a:effectLst>
+                <a:latin typeface="Consolas" pitchFamily="49" charset="0"/>
+                <a:cs typeface="Consolas" pitchFamily="49" charset="0"/>
+              </a:rPr>
+              <a:t>    echo </a:t>
+            </a:r>
+            <a:r>
+              <a:rPr lang="en-US" sz="1400" b="1" noProof="1">
+                <a:solidFill>
+                  <a:srgbClr val="8CF4F2"/>
+                </a:solidFill>
+                <a:effectLst>
+                  <a:outerShdw blurRad="38100" dist="38100" dir="2700000" algn="tl">
+                    <a:srgbClr val="000000">
+                      <a:alpha val="43137"/>
+                    </a:srgbClr>
+                  </a:outerShdw>
+                </a:effectLst>
+                <a:latin typeface="Consolas" pitchFamily="49" charset="0"/>
+                <a:cs typeface="Consolas" pitchFamily="49" charset="0"/>
+              </a:rPr>
+              <a:t>'Hello World!';</a:t>
+            </a:r>
+          </a:p>
+          <a:p>
+            <a:pPr>
+              <a:lnSpc>
+                <a:spcPct val="100000"/>
+              </a:lnSpc>
+              <a:spcBef>
+                <a:spcPts val="0"/>
+              </a:spcBef>
+              <a:buClr>
+                <a:schemeClr val="accent5">
+                  <a:lumMod val="40000"/>
+                  <a:lumOff val="60000"/>
+                </a:schemeClr>
+              </a:buClr>
+              <a:buSzPct val="70000"/>
+            </a:pPr>
+            <a:r>
+              <a:rPr lang="en-US" sz="1400" b="1" noProof="1" smtClean="0">
+                <a:solidFill>
+                  <a:srgbClr val="8CF4F2"/>
+                </a:solidFill>
+                <a:effectLst>
+                  <a:outerShdw blurRad="38100" dist="38100" dir="2700000" algn="tl">
+                    <a:srgbClr val="000000">
+                      <a:alpha val="43137"/>
+                    </a:srgbClr>
+                  </a:outerShdw>
+                </a:effectLst>
+                <a:latin typeface="Consolas" pitchFamily="49" charset="0"/>
+                <a:cs typeface="Consolas" pitchFamily="49" charset="0"/>
+              </a:rPr>
+              <a:t>  }</a:t>
+            </a:r>
+            <a:endParaRPr lang="en-US" sz="1400" b="1" noProof="1">
+              <a:solidFill>
+                <a:srgbClr val="8CF4F2"/>
+              </a:solidFill>
+              <a:effectLst>
+                <a:outerShdw blurRad="38100" dist="38100" dir="2700000" algn="tl">
+                  <a:srgbClr val="000000">
+                    <a:alpha val="43137"/>
+                  </a:srgbClr>
+                </a:outerShdw>
+              </a:effectLst>
+              <a:latin typeface="Consolas" pitchFamily="49" charset="0"/>
+              <a:cs typeface="Consolas" pitchFamily="49" charset="0"/>
+            </a:endParaRPr>
+          </a:p>
+          <a:p>
+            <a:pPr>
+              <a:lnSpc>
+                <a:spcPct val="100000"/>
+              </a:lnSpc>
+              <a:spcBef>
+                <a:spcPts val="0"/>
+              </a:spcBef>
+              <a:buClr>
+                <a:schemeClr val="accent5">
+                  <a:lumMod val="40000"/>
+                  <a:lumOff val="60000"/>
+                </a:schemeClr>
+              </a:buClr>
+              <a:buSzPct val="70000"/>
+            </a:pPr>
+            <a:endParaRPr lang="en-US" sz="1400" b="1" noProof="1">
+              <a:solidFill>
+                <a:srgbClr val="8CF4F2"/>
+              </a:solidFill>
+              <a:effectLst>
+                <a:outerShdw blurRad="38100" dist="38100" dir="2700000" algn="tl">
+                  <a:srgbClr val="000000">
+                    <a:alpha val="43137"/>
+                  </a:srgbClr>
+                </a:outerShdw>
+              </a:effectLst>
+              <a:latin typeface="Consolas" pitchFamily="49" charset="0"/>
+              <a:cs typeface="Consolas" pitchFamily="49" charset="0"/>
+            </a:endParaRPr>
+          </a:p>
+          <a:p>
+            <a:pPr>
+              <a:lnSpc>
+                <a:spcPct val="100000"/>
+              </a:lnSpc>
+              <a:spcBef>
+                <a:spcPts val="0"/>
+              </a:spcBef>
+              <a:buClr>
+                <a:schemeClr val="accent5">
+                  <a:lumMod val="40000"/>
+                  <a:lumOff val="60000"/>
+                </a:schemeClr>
+              </a:buClr>
+              <a:buSzPct val="70000"/>
+            </a:pPr>
+            <a:r>
+              <a:rPr lang="en-US" sz="1400" b="1" noProof="1" smtClean="0">
+                <a:solidFill>
+                  <a:srgbClr val="8CF4F2"/>
+                </a:solidFill>
+                <a:effectLst>
+                  <a:outerShdw blurRad="38100" dist="38100" dir="2700000" algn="tl">
+                    <a:srgbClr val="000000">
+                      <a:alpha val="43137"/>
+                    </a:srgbClr>
+                  </a:outerShdw>
+                </a:effectLst>
+                <a:latin typeface="Consolas" pitchFamily="49" charset="0"/>
+                <a:cs typeface="Consolas" pitchFamily="49" charset="0"/>
+              </a:rPr>
+              <a:t>  public </a:t>
+            </a:r>
+            <a:r>
+              <a:rPr lang="en-US" sz="1400" b="1" noProof="1">
+                <a:solidFill>
+                  <a:srgbClr val="8CF4F2"/>
+                </a:solidFill>
+                <a:effectLst>
+                  <a:outerShdw blurRad="38100" dist="38100" dir="2700000" algn="tl">
+                    <a:srgbClr val="000000">
+                      <a:alpha val="43137"/>
+                    </a:srgbClr>
+                  </a:outerShdw>
+                </a:effectLst>
+                <a:latin typeface="Consolas" pitchFamily="49" charset="0"/>
+                <a:cs typeface="Consolas" pitchFamily="49" charset="0"/>
+              </a:rPr>
+              <a:t>function </a:t>
+            </a:r>
+            <a:r>
+              <a:rPr lang="en-US" sz="1400" b="1" noProof="1" smtClean="0">
+                <a:solidFill>
+                  <a:srgbClr val="8CF4F2"/>
+                </a:solidFill>
+                <a:effectLst>
+                  <a:outerShdw blurRad="38100" dist="38100" dir="2700000" algn="tl">
+                    <a:srgbClr val="000000">
+                      <a:alpha val="43137"/>
+                    </a:srgbClr>
+                  </a:outerShdw>
+                </a:effectLst>
+                <a:latin typeface="Consolas" pitchFamily="49" charset="0"/>
+                <a:cs typeface="Consolas" pitchFamily="49" charset="0"/>
+              </a:rPr>
+              <a:t>posts($page)</a:t>
+            </a:r>
+            <a:endParaRPr lang="en-US" sz="1400" b="1" noProof="1">
+              <a:solidFill>
+                <a:srgbClr val="8CF4F2"/>
+              </a:solidFill>
+              <a:effectLst>
+                <a:outerShdw blurRad="38100" dist="38100" dir="2700000" algn="tl">
+                  <a:srgbClr val="000000">
+                    <a:alpha val="43137"/>
+                  </a:srgbClr>
+                </a:outerShdw>
+              </a:effectLst>
+              <a:latin typeface="Consolas" pitchFamily="49" charset="0"/>
+              <a:cs typeface="Consolas" pitchFamily="49" charset="0"/>
+            </a:endParaRPr>
+          </a:p>
+          <a:p>
+            <a:pPr>
+              <a:lnSpc>
+                <a:spcPct val="100000"/>
+              </a:lnSpc>
+              <a:spcBef>
+                <a:spcPts val="0"/>
+              </a:spcBef>
+              <a:buClr>
+                <a:schemeClr val="accent5">
+                  <a:lumMod val="40000"/>
+                  <a:lumOff val="60000"/>
+                </a:schemeClr>
+              </a:buClr>
+              <a:buSzPct val="70000"/>
+            </a:pPr>
+            <a:r>
+              <a:rPr lang="en-US" sz="1400" b="1" noProof="1" smtClean="0">
+                <a:solidFill>
+                  <a:srgbClr val="8CF4F2"/>
+                </a:solidFill>
+                <a:effectLst>
+                  <a:outerShdw blurRad="38100" dist="38100" dir="2700000" algn="tl">
+                    <a:srgbClr val="000000">
+                      <a:alpha val="43137"/>
+                    </a:srgbClr>
+                  </a:outerShdw>
+                </a:effectLst>
+                <a:latin typeface="Consolas" pitchFamily="49" charset="0"/>
+                <a:cs typeface="Consolas" pitchFamily="49" charset="0"/>
+              </a:rPr>
+              <a:t>  {</a:t>
+            </a:r>
+            <a:endParaRPr lang="en-US" sz="1400" b="1" noProof="1">
+              <a:solidFill>
+                <a:srgbClr val="8CF4F2"/>
+              </a:solidFill>
+              <a:effectLst>
+                <a:outerShdw blurRad="38100" dist="38100" dir="2700000" algn="tl">
+                  <a:srgbClr val="000000">
+                    <a:alpha val="43137"/>
+                  </a:srgbClr>
+                </a:outerShdw>
+              </a:effectLst>
+              <a:latin typeface="Consolas" pitchFamily="49" charset="0"/>
+              <a:cs typeface="Consolas" pitchFamily="49" charset="0"/>
+            </a:endParaRPr>
+          </a:p>
+          <a:p>
+            <a:pPr>
+              <a:lnSpc>
+                <a:spcPct val="100000"/>
+              </a:lnSpc>
+              <a:spcBef>
+                <a:spcPts val="0"/>
+              </a:spcBef>
+              <a:buClr>
+                <a:schemeClr val="accent5">
+                  <a:lumMod val="40000"/>
+                  <a:lumOff val="60000"/>
+                </a:schemeClr>
+              </a:buClr>
+              <a:buSzPct val="70000"/>
+            </a:pPr>
+            <a:r>
+              <a:rPr lang="en-US" sz="1400" b="1" noProof="1" smtClean="0">
+                <a:solidFill>
+                  <a:srgbClr val="8CF4F2"/>
+                </a:solidFill>
+                <a:effectLst>
+                  <a:outerShdw blurRad="38100" dist="38100" dir="2700000" algn="tl">
+                    <a:srgbClr val="000000">
+                      <a:alpha val="43137"/>
+                    </a:srgbClr>
+                  </a:outerShdw>
+                </a:effectLst>
+                <a:latin typeface="Consolas" pitchFamily="49" charset="0"/>
+                <a:cs typeface="Consolas" pitchFamily="49" charset="0"/>
+              </a:rPr>
+              <a:t>    echo </a:t>
+            </a:r>
+            <a:r>
+              <a:rPr lang="en-US" sz="1400" b="1" noProof="1">
+                <a:solidFill>
+                  <a:srgbClr val="8CF4F2"/>
+                </a:solidFill>
+                <a:effectLst>
+                  <a:outerShdw blurRad="38100" dist="38100" dir="2700000" algn="tl">
+                    <a:srgbClr val="000000">
+                      <a:alpha val="43137"/>
+                    </a:srgbClr>
+                  </a:outerShdw>
+                </a:effectLst>
+                <a:latin typeface="Consolas" pitchFamily="49" charset="0"/>
+                <a:cs typeface="Consolas" pitchFamily="49" charset="0"/>
+              </a:rPr>
+              <a:t>'Look at this!';</a:t>
+            </a:r>
+          </a:p>
+          <a:p>
+            <a:pPr>
+              <a:lnSpc>
+                <a:spcPct val="100000"/>
+              </a:lnSpc>
+              <a:spcBef>
+                <a:spcPts val="0"/>
+              </a:spcBef>
+              <a:buClr>
+                <a:schemeClr val="accent5">
+                  <a:lumMod val="40000"/>
+                  <a:lumOff val="60000"/>
+                </a:schemeClr>
+              </a:buClr>
+              <a:buSzPct val="70000"/>
+            </a:pPr>
+            <a:r>
+              <a:rPr lang="en-US" sz="1400" b="1" noProof="1" smtClean="0">
+                <a:solidFill>
+                  <a:srgbClr val="8CF4F2"/>
+                </a:solidFill>
+                <a:effectLst>
+                  <a:outerShdw blurRad="38100" dist="38100" dir="2700000" algn="tl">
+                    <a:srgbClr val="000000">
+                      <a:alpha val="43137"/>
+                    </a:srgbClr>
+                  </a:outerShdw>
+                </a:effectLst>
+                <a:latin typeface="Consolas" pitchFamily="49" charset="0"/>
+                <a:cs typeface="Consolas" pitchFamily="49" charset="0"/>
+              </a:rPr>
+              <a:t>  }</a:t>
+            </a:r>
+            <a:endParaRPr lang="en-US" sz="1400" b="1" noProof="1">
+              <a:solidFill>
+                <a:srgbClr val="8CF4F2"/>
+              </a:solidFill>
+              <a:effectLst>
+                <a:outerShdw blurRad="38100" dist="38100" dir="2700000" algn="tl">
+                  <a:srgbClr val="000000">
+                    <a:alpha val="43137"/>
+                  </a:srgbClr>
+                </a:outerShdw>
+              </a:effectLst>
+              <a:latin typeface="Consolas" pitchFamily="49" charset="0"/>
+              <a:cs typeface="Consolas" pitchFamily="49" charset="0"/>
+            </a:endParaRPr>
+          </a:p>
+          <a:p>
+            <a:pPr>
+              <a:lnSpc>
+                <a:spcPct val="100000"/>
+              </a:lnSpc>
+              <a:spcBef>
+                <a:spcPts val="0"/>
+              </a:spcBef>
+              <a:buClr>
+                <a:schemeClr val="accent5">
+                  <a:lumMod val="40000"/>
+                  <a:lumOff val="60000"/>
+                </a:schemeClr>
+              </a:buClr>
+              <a:buSzPct val="70000"/>
+            </a:pPr>
+            <a:r>
+              <a:rPr lang="en-US" sz="1400" b="1" noProof="1">
+                <a:solidFill>
+                  <a:srgbClr val="8CF4F2"/>
+                </a:solidFill>
+                <a:effectLst>
+                  <a:outerShdw blurRad="38100" dist="38100" dir="2700000" algn="tl">
+                    <a:srgbClr val="000000">
+                      <a:alpha val="43137"/>
+                    </a:srgbClr>
+                  </a:outerShdw>
+                </a:effectLst>
+                <a:latin typeface="Consolas" pitchFamily="49" charset="0"/>
+                <a:cs typeface="Consolas" pitchFamily="49" charset="0"/>
+              </a:rPr>
+              <a:t>}</a:t>
+            </a:r>
+          </a:p>
+          <a:p>
+            <a:pPr>
+              <a:lnSpc>
+                <a:spcPct val="100000"/>
+              </a:lnSpc>
+              <a:spcBef>
+                <a:spcPts val="0"/>
+              </a:spcBef>
+              <a:buClr>
+                <a:schemeClr val="accent5">
+                  <a:lumMod val="40000"/>
+                  <a:lumOff val="60000"/>
+                </a:schemeClr>
+              </a:buClr>
+              <a:buSzPct val="70000"/>
+            </a:pPr>
+            <a:r>
+              <a:rPr lang="en-US" sz="1400" b="1" noProof="1">
+                <a:solidFill>
+                  <a:srgbClr val="8CF4F2"/>
+                </a:solidFill>
+                <a:effectLst>
+                  <a:outerShdw blurRad="38100" dist="38100" dir="2700000" algn="tl">
+                    <a:srgbClr val="000000">
+                      <a:alpha val="43137"/>
+                    </a:srgbClr>
+                  </a:outerShdw>
+                </a:effectLst>
+                <a:latin typeface="Consolas" pitchFamily="49" charset="0"/>
+                <a:cs typeface="Consolas" pitchFamily="49" charset="0"/>
+              </a:rPr>
+              <a:t>?&gt;</a:t>
+            </a:r>
+          </a:p>
+        </p:txBody>
+      </p:sp>
+      <p:sp>
+        <p:nvSpPr>
+          <p:cNvPr id="4" name="Правоъгълно изнесено означение 3"/>
+          <p:cNvSpPr/>
+          <p:nvPr/>
+        </p:nvSpPr>
+        <p:spPr>
+          <a:xfrm>
+            <a:off x="3810000" y="4799350"/>
+            <a:ext cx="3733800" cy="763250"/>
+          </a:xfrm>
+          <a:prstGeom prst="wedgeRectCallout">
+            <a:avLst>
+              <a:gd name="adj1" fmla="val -55031"/>
+              <a:gd name="adj2" fmla="val -30148"/>
+            </a:avLst>
+          </a:prstGeom>
+        </p:spPr>
+        <p:style>
+          <a:lnRef idx="1">
+            <a:schemeClr val="accent5"/>
+          </a:lnRef>
+          <a:fillRef idx="2">
+            <a:schemeClr val="accent5"/>
+          </a:fillRef>
+          <a:effectRef idx="1">
+            <a:schemeClr val="accent5"/>
+          </a:effectRef>
+          <a:fontRef idx="minor">
+            <a:schemeClr val="dk1"/>
+          </a:fontRef>
+        </p:style>
+        <p:txBody>
+          <a:bodyPr rtlCol="0" anchor="ctr"/>
+          <a:lstStyle/>
+          <a:p>
+            <a:pPr algn="ctr"/>
+            <a:r>
+              <a:rPr lang="en-US" sz="1800" dirty="0" smtClean="0"/>
+              <a:t>action parameters can be passed directly as shown</a:t>
+            </a:r>
+            <a:endParaRPr lang="bg-BG" sz="1800" dirty="0"/>
+          </a:p>
+        </p:txBody>
+      </p:sp>
+    </p:spTree>
+    <p:extLst>
+      <p:ext uri="{BB962C8B-B14F-4D97-AF65-F5344CB8AC3E}">
+        <p14:creationId xmlns:p14="http://schemas.microsoft.com/office/powerpoint/2010/main" val="3281973053"/>
+      </p:ext>
+    </p:extLst>
+  </p:cSld>
+  <p:clrMapOvr>
+    <a:masterClrMapping/>
+  </p:clrMapOvr>
+  <p:timing>
+    <p:tnLst>
+      <p:par>
+        <p:cTn id="1" dur="indefinite" restart="never" nodeType="tmRoot">
+          <p:childTnLst>
+            <p:seq concurrent="1" nextAc="seek">
+              <p:cTn id="2" dur="indefinite" nodeType="mainSeq">
+                <p:childTnLst>
+                  <p:par>
+                    <p:cTn id="3" fill="hold">
+                      <p:stCondLst>
+                        <p:cond delay="indefinite"/>
+                      </p:stCondLst>
+                      <p:childTnLst>
+                        <p:par>
+                          <p:cTn id="4" fill="hold">
+                            <p:stCondLst>
+                              <p:cond delay="0"/>
+                            </p:stCondLst>
+                            <p:childTnLst>
+                              <p:par>
+                                <p:cTn id="5" presetID="1" presetClass="entr" presetSubtype="0" fill="hold" grpId="0" nodeType="clickEffect">
+                                  <p:stCondLst>
+                                    <p:cond delay="0"/>
+                                  </p:stCondLst>
+                                  <p:childTnLst>
+                                    <p:set>
+                                      <p:cBhvr>
+                                        <p:cTn id="6" dur="1" fill="hold">
+                                          <p:stCondLst>
+                                            <p:cond delay="0"/>
+                                          </p:stCondLst>
+                                        </p:cTn>
+                                        <p:tgtEl>
+                                          <p:spTgt spid="4"/>
+                                        </p:tgtEl>
+                                        <p:attrNameLst>
+                                          <p:attrName>style.visibility</p:attrName>
+                                        </p:attrNameLst>
+                                      </p:cBhvr>
+                                      <p:to>
+                                        <p:strVal val="visible"/>
+                                      </p:to>
+                                    </p:set>
+                                  </p:childTnLst>
+                                </p:cTn>
+                              </p:par>
+                            </p:childTnLst>
+                          </p:cTn>
+                        </p:par>
+                      </p:childTnLst>
+                    </p:cTn>
+                  </p:par>
+                </p:childTnLst>
+              </p:cTn>
+              <p:prevCondLst>
+                <p:cond evt="onPrev" delay="0">
+                  <p:tgtEl>
+                    <p:sldTgt/>
+                  </p:tgtEl>
+                </p:cond>
+              </p:prevCondLst>
+              <p:nextCondLst>
+                <p:cond evt="onNext" delay="0">
+                  <p:tgtEl>
+                    <p:sldTgt/>
+                  </p:tgtEl>
+                </p:cond>
+              </p:nextCondLst>
+            </p:seq>
+          </p:childTnLst>
+        </p:cTn>
+      </p:par>
+    </p:tnLst>
+    <p:bldLst>
+      <p:bldP spid="4" grpId="0" animBg="1"/>
+    </p:bldLst>
+  </p:timing>
+</p:sld>
+</file>
+
+<file path=ppt/slides/slide57.xml><?xml version="1.0" encoding="utf-8"?>
+<p:sld xmlns:a="http://schemas.openxmlformats.org/drawingml/2006/main" xmlns:r="http://schemas.openxmlformats.org/officeDocument/2006/relationships" xmlns:p="http://schemas.openxmlformats.org/presentationml/2006/main">
+  <p:cSld>
+    <p:spTree>
+      <p:nvGrpSpPr>
+        <p:cNvPr id="1" name=""/>
+        <p:cNvGrpSpPr/>
+        <p:nvPr/>
+      </p:nvGrpSpPr>
+      <p:grpSpPr>
+        <a:xfrm>
+          <a:off x="0" y="0"/>
+          <a:ext cx="0" cy="0"/>
+          <a:chOff x="0" y="0"/>
+          <a:chExt cx="0" cy="0"/>
+        </a:xfrm>
+      </p:grpSpPr>
+      <p:sp>
+        <p:nvSpPr>
+          <p:cNvPr id="2" name="Title 1"/>
+          <p:cNvSpPr>
+            <a:spLocks noGrp="1"/>
+          </p:cNvSpPr>
+          <p:nvPr>
+            <p:ph type="title"/>
+          </p:nvPr>
+        </p:nvSpPr>
+        <p:spPr>
+          <a:xfrm>
+            <a:off x="1828800" y="162086"/>
+            <a:ext cx="7086600" cy="914400"/>
+          </a:xfrm>
+        </p:spPr>
+        <p:txBody>
+          <a:bodyPr/>
+          <a:lstStyle/>
+          <a:p>
+            <a:r>
+              <a:rPr lang="en-US" dirty="0" smtClean="0"/>
+              <a:t>Views</a:t>
+            </a:r>
+            <a:endParaRPr lang="en-US" dirty="0"/>
+          </a:p>
+        </p:txBody>
+      </p:sp>
+      <p:sp>
+        <p:nvSpPr>
+          <p:cNvPr id="3" name="Content Placeholder 2"/>
+          <p:cNvSpPr>
+            <a:spLocks noGrp="1"/>
+          </p:cNvSpPr>
+          <p:nvPr>
+            <p:ph idx="1"/>
+          </p:nvPr>
+        </p:nvSpPr>
+        <p:spPr>
+          <a:xfrm>
+            <a:off x="113396" y="1377852"/>
+            <a:ext cx="8878204" cy="3651348"/>
+          </a:xfrm>
+        </p:spPr>
+        <p:txBody>
+          <a:bodyPr/>
+          <a:lstStyle/>
+          <a:p>
+            <a:pPr lvl="1">
+              <a:lnSpc>
+                <a:spcPct val="100000"/>
+              </a:lnSpc>
+            </a:pPr>
+            <a:r>
+              <a:rPr lang="en-US" sz="2600" dirty="0" smtClean="0">
+                <a:solidFill>
+                  <a:srgbClr val="F4FCD8"/>
+                </a:solidFill>
+              </a:rPr>
+              <a:t>Basic View</a:t>
+            </a:r>
+          </a:p>
+          <a:p>
+            <a:pPr lvl="2">
+              <a:lnSpc>
+                <a:spcPct val="100000"/>
+              </a:lnSpc>
+            </a:pPr>
+            <a:r>
+              <a:rPr lang="en-US" sz="2400" dirty="0" smtClean="0">
+                <a:solidFill>
+                  <a:srgbClr val="F4FCD8"/>
+                </a:solidFill>
+              </a:rPr>
+              <a:t>Contains HTML markup and nested PHP code</a:t>
+            </a:r>
+          </a:p>
+        </p:txBody>
+      </p:sp>
+      <p:sp>
+        <p:nvSpPr>
+          <p:cNvPr id="5" name="Rectangle 4"/>
+          <p:cNvSpPr>
+            <a:spLocks noChangeArrowheads="1"/>
+          </p:cNvSpPr>
+          <p:nvPr/>
+        </p:nvSpPr>
+        <p:spPr bwMode="auto">
+          <a:xfrm>
+            <a:off x="533400" y="2667000"/>
+            <a:ext cx="7848600" cy="3108543"/>
+          </a:xfrm>
+          <a:prstGeom prst="rect">
+            <a:avLst/>
+          </a:prstGeom>
+          <a:solidFill>
+            <a:schemeClr val="accent5">
+              <a:lumMod val="40000"/>
+              <a:lumOff val="60000"/>
+              <a:alpha val="15000"/>
+            </a:schemeClr>
+          </a:solidFill>
+          <a:ln w="12700">
+            <a:solidFill>
+              <a:schemeClr val="accent5">
+                <a:lumMod val="60000"/>
+                <a:lumOff val="40000"/>
+              </a:schemeClr>
+            </a:solidFill>
+          </a:ln>
+        </p:spPr>
+        <p:txBody>
+          <a:bodyPr wrap="square">
+            <a:spAutoFit/>
+          </a:bodyPr>
+          <a:lstStyle/>
+          <a:p>
+            <a:pPr>
+              <a:lnSpc>
+                <a:spcPct val="100000"/>
+              </a:lnSpc>
+              <a:spcBef>
+                <a:spcPts val="0"/>
+              </a:spcBef>
+              <a:buClr>
+                <a:schemeClr val="accent5">
+                  <a:lumMod val="40000"/>
+                  <a:lumOff val="60000"/>
+                </a:schemeClr>
+              </a:buClr>
+              <a:buSzPct val="70000"/>
+            </a:pPr>
+            <a:r>
+              <a:rPr lang="en-US" sz="1400" b="1" noProof="1">
+                <a:solidFill>
+                  <a:srgbClr val="8CF4F2"/>
+                </a:solidFill>
+                <a:effectLst>
+                  <a:outerShdw blurRad="38100" dist="38100" dir="2700000" algn="tl">
+                    <a:srgbClr val="000000">
+                      <a:alpha val="43137"/>
+                    </a:srgbClr>
+                  </a:outerShdw>
+                </a:effectLst>
+                <a:latin typeface="Consolas" pitchFamily="49" charset="0"/>
+                <a:cs typeface="Consolas" pitchFamily="49" charset="0"/>
+              </a:rPr>
+              <a:t>&lt;html&gt;</a:t>
+            </a:r>
+          </a:p>
+          <a:p>
+            <a:pPr>
+              <a:lnSpc>
+                <a:spcPct val="100000"/>
+              </a:lnSpc>
+              <a:spcBef>
+                <a:spcPts val="0"/>
+              </a:spcBef>
+              <a:buClr>
+                <a:schemeClr val="accent5">
+                  <a:lumMod val="40000"/>
+                  <a:lumOff val="60000"/>
+                </a:schemeClr>
+              </a:buClr>
+              <a:buSzPct val="70000"/>
+            </a:pPr>
+            <a:r>
+              <a:rPr lang="en-US" sz="1400" b="1" noProof="1" smtClean="0">
+                <a:solidFill>
+                  <a:srgbClr val="8CF4F2"/>
+                </a:solidFill>
+                <a:effectLst>
+                  <a:outerShdw blurRad="38100" dist="38100" dir="2700000" algn="tl">
+                    <a:srgbClr val="000000">
+                      <a:alpha val="43137"/>
+                    </a:srgbClr>
+                  </a:outerShdw>
+                </a:effectLst>
+                <a:latin typeface="Consolas" pitchFamily="49" charset="0"/>
+                <a:cs typeface="Consolas" pitchFamily="49" charset="0"/>
+              </a:rPr>
+              <a:t>  &lt;</a:t>
+            </a:r>
+            <a:r>
+              <a:rPr lang="en-US" sz="1400" b="1" noProof="1">
+                <a:solidFill>
+                  <a:srgbClr val="8CF4F2"/>
+                </a:solidFill>
+                <a:effectLst>
+                  <a:outerShdw blurRad="38100" dist="38100" dir="2700000" algn="tl">
+                    <a:srgbClr val="000000">
+                      <a:alpha val="43137"/>
+                    </a:srgbClr>
+                  </a:outerShdw>
+                </a:effectLst>
+                <a:latin typeface="Consolas" pitchFamily="49" charset="0"/>
+                <a:cs typeface="Consolas" pitchFamily="49" charset="0"/>
+              </a:rPr>
+              <a:t>head&gt;</a:t>
+            </a:r>
+          </a:p>
+          <a:p>
+            <a:pPr>
+              <a:lnSpc>
+                <a:spcPct val="100000"/>
+              </a:lnSpc>
+              <a:spcBef>
+                <a:spcPts val="0"/>
+              </a:spcBef>
+              <a:buClr>
+                <a:schemeClr val="accent5">
+                  <a:lumMod val="40000"/>
+                  <a:lumOff val="60000"/>
+                </a:schemeClr>
+              </a:buClr>
+              <a:buSzPct val="70000"/>
+            </a:pPr>
+            <a:r>
+              <a:rPr lang="en-US" sz="1400" b="1" noProof="1" smtClean="0">
+                <a:solidFill>
+                  <a:srgbClr val="8CF4F2"/>
+                </a:solidFill>
+                <a:effectLst>
+                  <a:outerShdw blurRad="38100" dist="38100" dir="2700000" algn="tl">
+                    <a:srgbClr val="000000">
+                      <a:alpha val="43137"/>
+                    </a:srgbClr>
+                  </a:outerShdw>
+                </a:effectLst>
+                <a:latin typeface="Consolas" pitchFamily="49" charset="0"/>
+                <a:cs typeface="Consolas" pitchFamily="49" charset="0"/>
+              </a:rPr>
+              <a:t>    &lt;</a:t>
+            </a:r>
+            <a:r>
+              <a:rPr lang="en-US" sz="1400" b="1" noProof="1">
+                <a:solidFill>
+                  <a:srgbClr val="8CF4F2"/>
+                </a:solidFill>
+                <a:effectLst>
+                  <a:outerShdw blurRad="38100" dist="38100" dir="2700000" algn="tl">
+                    <a:srgbClr val="000000">
+                      <a:alpha val="43137"/>
+                    </a:srgbClr>
+                  </a:outerShdw>
+                </a:effectLst>
+                <a:latin typeface="Consolas" pitchFamily="49" charset="0"/>
+                <a:cs typeface="Consolas" pitchFamily="49" charset="0"/>
+              </a:rPr>
+              <a:t>title&gt;&lt;?php echo $title;?&gt;&lt;/title&gt;</a:t>
+            </a:r>
+          </a:p>
+          <a:p>
+            <a:pPr>
+              <a:lnSpc>
+                <a:spcPct val="100000"/>
+              </a:lnSpc>
+              <a:spcBef>
+                <a:spcPts val="0"/>
+              </a:spcBef>
+              <a:buClr>
+                <a:schemeClr val="accent5">
+                  <a:lumMod val="40000"/>
+                  <a:lumOff val="60000"/>
+                </a:schemeClr>
+              </a:buClr>
+              <a:buSzPct val="70000"/>
+            </a:pPr>
+            <a:r>
+              <a:rPr lang="en-US" sz="1400" b="1" noProof="1" smtClean="0">
+                <a:solidFill>
+                  <a:srgbClr val="8CF4F2"/>
+                </a:solidFill>
+                <a:effectLst>
+                  <a:outerShdw blurRad="38100" dist="38100" dir="2700000" algn="tl">
+                    <a:srgbClr val="000000">
+                      <a:alpha val="43137"/>
+                    </a:srgbClr>
+                  </a:outerShdw>
+                </a:effectLst>
+                <a:latin typeface="Consolas" pitchFamily="49" charset="0"/>
+                <a:cs typeface="Consolas" pitchFamily="49" charset="0"/>
+              </a:rPr>
+              <a:t>  &lt;/</a:t>
+            </a:r>
+            <a:r>
+              <a:rPr lang="en-US" sz="1400" b="1" noProof="1">
+                <a:solidFill>
+                  <a:srgbClr val="8CF4F2"/>
+                </a:solidFill>
+                <a:effectLst>
+                  <a:outerShdw blurRad="38100" dist="38100" dir="2700000" algn="tl">
+                    <a:srgbClr val="000000">
+                      <a:alpha val="43137"/>
+                    </a:srgbClr>
+                  </a:outerShdw>
+                </a:effectLst>
+                <a:latin typeface="Consolas" pitchFamily="49" charset="0"/>
+                <a:cs typeface="Consolas" pitchFamily="49" charset="0"/>
+              </a:rPr>
+              <a:t>head&gt;</a:t>
+            </a:r>
+          </a:p>
+          <a:p>
+            <a:pPr>
+              <a:lnSpc>
+                <a:spcPct val="100000"/>
+              </a:lnSpc>
+              <a:spcBef>
+                <a:spcPts val="0"/>
+              </a:spcBef>
+              <a:buClr>
+                <a:schemeClr val="accent5">
+                  <a:lumMod val="40000"/>
+                  <a:lumOff val="60000"/>
+                </a:schemeClr>
+              </a:buClr>
+              <a:buSzPct val="70000"/>
+            </a:pPr>
+            <a:r>
+              <a:rPr lang="en-US" sz="1400" b="1" noProof="1" smtClean="0">
+                <a:solidFill>
+                  <a:srgbClr val="8CF4F2"/>
+                </a:solidFill>
+                <a:effectLst>
+                  <a:outerShdw blurRad="38100" dist="38100" dir="2700000" algn="tl">
+                    <a:srgbClr val="000000">
+                      <a:alpha val="43137"/>
+                    </a:srgbClr>
+                  </a:outerShdw>
+                </a:effectLst>
+                <a:latin typeface="Consolas" pitchFamily="49" charset="0"/>
+                <a:cs typeface="Consolas" pitchFamily="49" charset="0"/>
+              </a:rPr>
+              <a:t>  &lt;</a:t>
+            </a:r>
+            <a:r>
+              <a:rPr lang="en-US" sz="1400" b="1" noProof="1">
+                <a:solidFill>
+                  <a:srgbClr val="8CF4F2"/>
+                </a:solidFill>
+                <a:effectLst>
+                  <a:outerShdw blurRad="38100" dist="38100" dir="2700000" algn="tl">
+                    <a:srgbClr val="000000">
+                      <a:alpha val="43137"/>
+                    </a:srgbClr>
+                  </a:outerShdw>
+                </a:effectLst>
+                <a:latin typeface="Consolas" pitchFamily="49" charset="0"/>
+                <a:cs typeface="Consolas" pitchFamily="49" charset="0"/>
+              </a:rPr>
+              <a:t>body&gt;</a:t>
+            </a:r>
+          </a:p>
+          <a:p>
+            <a:pPr>
+              <a:lnSpc>
+                <a:spcPct val="100000"/>
+              </a:lnSpc>
+              <a:spcBef>
+                <a:spcPts val="0"/>
+              </a:spcBef>
+              <a:buClr>
+                <a:schemeClr val="accent5">
+                  <a:lumMod val="40000"/>
+                  <a:lumOff val="60000"/>
+                </a:schemeClr>
+              </a:buClr>
+              <a:buSzPct val="70000"/>
+            </a:pPr>
+            <a:r>
+              <a:rPr lang="en-US" sz="1400" b="1" noProof="1" smtClean="0">
+                <a:solidFill>
+                  <a:srgbClr val="8CF4F2"/>
+                </a:solidFill>
+                <a:effectLst>
+                  <a:outerShdw blurRad="38100" dist="38100" dir="2700000" algn="tl">
+                    <a:srgbClr val="000000">
+                      <a:alpha val="43137"/>
+                    </a:srgbClr>
+                  </a:outerShdw>
+                </a:effectLst>
+                <a:latin typeface="Consolas" pitchFamily="49" charset="0"/>
+                <a:cs typeface="Consolas" pitchFamily="49" charset="0"/>
+              </a:rPr>
+              <a:t>    &lt;</a:t>
+            </a:r>
+            <a:r>
+              <a:rPr lang="en-US" sz="1400" b="1" noProof="1">
+                <a:solidFill>
+                  <a:srgbClr val="8CF4F2"/>
+                </a:solidFill>
+                <a:effectLst>
+                  <a:outerShdw blurRad="38100" dist="38100" dir="2700000" algn="tl">
+                    <a:srgbClr val="000000">
+                      <a:alpha val="43137"/>
+                    </a:srgbClr>
+                  </a:outerShdw>
+                </a:effectLst>
+                <a:latin typeface="Consolas" pitchFamily="49" charset="0"/>
+                <a:cs typeface="Consolas" pitchFamily="49" charset="0"/>
+              </a:rPr>
+              <a:t>h1&gt;&lt;?php echo $heading;?&gt;&lt;/h1&gt;</a:t>
+            </a:r>
+          </a:p>
+          <a:p>
+            <a:pPr>
+              <a:lnSpc>
+                <a:spcPct val="100000"/>
+              </a:lnSpc>
+              <a:spcBef>
+                <a:spcPts val="0"/>
+              </a:spcBef>
+              <a:buClr>
+                <a:schemeClr val="accent5">
+                  <a:lumMod val="40000"/>
+                  <a:lumOff val="60000"/>
+                </a:schemeClr>
+              </a:buClr>
+              <a:buSzPct val="70000"/>
+            </a:pPr>
+            <a:r>
+              <a:rPr lang="en-US" sz="1400" b="1" noProof="1" smtClean="0">
+                <a:solidFill>
+                  <a:srgbClr val="8CF4F2"/>
+                </a:solidFill>
+                <a:effectLst>
+                  <a:outerShdw blurRad="38100" dist="38100" dir="2700000" algn="tl">
+                    <a:srgbClr val="000000">
+                      <a:alpha val="43137"/>
+                    </a:srgbClr>
+                  </a:outerShdw>
+                </a:effectLst>
+                <a:latin typeface="Consolas" pitchFamily="49" charset="0"/>
+                <a:cs typeface="Consolas" pitchFamily="49" charset="0"/>
+              </a:rPr>
+              <a:t>    &lt;</a:t>
+            </a:r>
+            <a:r>
+              <a:rPr lang="en-US" sz="1400" b="1" noProof="1">
+                <a:solidFill>
+                  <a:srgbClr val="8CF4F2"/>
+                </a:solidFill>
+                <a:effectLst>
+                  <a:outerShdw blurRad="38100" dist="38100" dir="2700000" algn="tl">
+                    <a:srgbClr val="000000">
+                      <a:alpha val="43137"/>
+                    </a:srgbClr>
+                  </a:outerShdw>
+                </a:effectLst>
+                <a:latin typeface="Consolas" pitchFamily="49" charset="0"/>
+                <a:cs typeface="Consolas" pitchFamily="49" charset="0"/>
+              </a:rPr>
+              <a:t>h3&gt;My Todo List&lt;/h3&gt;</a:t>
+            </a:r>
+          </a:p>
+          <a:p>
+            <a:pPr>
+              <a:lnSpc>
+                <a:spcPct val="100000"/>
+              </a:lnSpc>
+              <a:spcBef>
+                <a:spcPts val="0"/>
+              </a:spcBef>
+              <a:buClr>
+                <a:schemeClr val="accent5">
+                  <a:lumMod val="40000"/>
+                  <a:lumOff val="60000"/>
+                </a:schemeClr>
+              </a:buClr>
+              <a:buSzPct val="70000"/>
+            </a:pPr>
+            <a:r>
+              <a:rPr lang="en-US" sz="1400" b="1" noProof="1" smtClean="0">
+                <a:solidFill>
+                  <a:srgbClr val="8CF4F2"/>
+                </a:solidFill>
+                <a:effectLst>
+                  <a:outerShdw blurRad="38100" dist="38100" dir="2700000" algn="tl">
+                    <a:srgbClr val="000000">
+                      <a:alpha val="43137"/>
+                    </a:srgbClr>
+                  </a:outerShdw>
+                </a:effectLst>
+                <a:latin typeface="Consolas" pitchFamily="49" charset="0"/>
+                <a:cs typeface="Consolas" pitchFamily="49" charset="0"/>
+              </a:rPr>
+              <a:t>    &lt;</a:t>
+            </a:r>
+            <a:r>
+              <a:rPr lang="en-US" sz="1400" b="1" noProof="1">
+                <a:solidFill>
+                  <a:srgbClr val="8CF4F2"/>
+                </a:solidFill>
+                <a:effectLst>
+                  <a:outerShdw blurRad="38100" dist="38100" dir="2700000" algn="tl">
+                    <a:srgbClr val="000000">
+                      <a:alpha val="43137"/>
+                    </a:srgbClr>
+                  </a:outerShdw>
+                </a:effectLst>
+                <a:latin typeface="Consolas" pitchFamily="49" charset="0"/>
+                <a:cs typeface="Consolas" pitchFamily="49" charset="0"/>
+              </a:rPr>
+              <a:t>ul&gt;</a:t>
+            </a:r>
+          </a:p>
+          <a:p>
+            <a:pPr>
+              <a:lnSpc>
+                <a:spcPct val="100000"/>
+              </a:lnSpc>
+              <a:spcBef>
+                <a:spcPts val="0"/>
+              </a:spcBef>
+              <a:buClr>
+                <a:schemeClr val="accent5">
+                  <a:lumMod val="40000"/>
+                  <a:lumOff val="60000"/>
+                </a:schemeClr>
+              </a:buClr>
+              <a:buSzPct val="70000"/>
+            </a:pPr>
+            <a:r>
+              <a:rPr lang="en-US" sz="1400" b="1" noProof="1" smtClean="0">
+                <a:solidFill>
+                  <a:srgbClr val="8CF4F2"/>
+                </a:solidFill>
+                <a:effectLst>
+                  <a:outerShdw blurRad="38100" dist="38100" dir="2700000" algn="tl">
+                    <a:srgbClr val="000000">
+                      <a:alpha val="43137"/>
+                    </a:srgbClr>
+                  </a:outerShdw>
+                </a:effectLst>
+                <a:latin typeface="Consolas" pitchFamily="49" charset="0"/>
+                <a:cs typeface="Consolas" pitchFamily="49" charset="0"/>
+              </a:rPr>
+              <a:t>    &lt;?</a:t>
+            </a:r>
+            <a:r>
+              <a:rPr lang="en-US" sz="1400" b="1" noProof="1">
+                <a:solidFill>
+                  <a:srgbClr val="8CF4F2"/>
+                </a:solidFill>
+                <a:effectLst>
+                  <a:outerShdw blurRad="38100" dist="38100" dir="2700000" algn="tl">
+                    <a:srgbClr val="000000">
+                      <a:alpha val="43137"/>
+                    </a:srgbClr>
+                  </a:outerShdw>
+                </a:effectLst>
+                <a:latin typeface="Consolas" pitchFamily="49" charset="0"/>
+                <a:cs typeface="Consolas" pitchFamily="49" charset="0"/>
+              </a:rPr>
+              <a:t>php foreach ($todo_list as $item):?&gt;</a:t>
+            </a:r>
+          </a:p>
+          <a:p>
+            <a:pPr>
+              <a:lnSpc>
+                <a:spcPct val="100000"/>
+              </a:lnSpc>
+              <a:spcBef>
+                <a:spcPts val="0"/>
+              </a:spcBef>
+              <a:buClr>
+                <a:schemeClr val="accent5">
+                  <a:lumMod val="40000"/>
+                  <a:lumOff val="60000"/>
+                </a:schemeClr>
+              </a:buClr>
+              <a:buSzPct val="70000"/>
+            </a:pPr>
+            <a:r>
+              <a:rPr lang="en-US" sz="1400" b="1" noProof="1" smtClean="0">
+                <a:solidFill>
+                  <a:srgbClr val="8CF4F2"/>
+                </a:solidFill>
+                <a:effectLst>
+                  <a:outerShdw blurRad="38100" dist="38100" dir="2700000" algn="tl">
+                    <a:srgbClr val="000000">
+                      <a:alpha val="43137"/>
+                    </a:srgbClr>
+                  </a:outerShdw>
+                </a:effectLst>
+                <a:latin typeface="Consolas" pitchFamily="49" charset="0"/>
+                <a:cs typeface="Consolas" pitchFamily="49" charset="0"/>
+              </a:rPr>
+              <a:t>      &lt;</a:t>
+            </a:r>
+            <a:r>
+              <a:rPr lang="en-US" sz="1400" b="1" noProof="1">
+                <a:solidFill>
+                  <a:srgbClr val="8CF4F2"/>
+                </a:solidFill>
+                <a:effectLst>
+                  <a:outerShdw blurRad="38100" dist="38100" dir="2700000" algn="tl">
+                    <a:srgbClr val="000000">
+                      <a:alpha val="43137"/>
+                    </a:srgbClr>
+                  </a:outerShdw>
+                </a:effectLst>
+                <a:latin typeface="Consolas" pitchFamily="49" charset="0"/>
+                <a:cs typeface="Consolas" pitchFamily="49" charset="0"/>
+              </a:rPr>
+              <a:t>li&gt;&lt;?php echo $item;?&gt;&lt;/li&gt;</a:t>
+            </a:r>
+          </a:p>
+          <a:p>
+            <a:pPr>
+              <a:lnSpc>
+                <a:spcPct val="100000"/>
+              </a:lnSpc>
+              <a:spcBef>
+                <a:spcPts val="0"/>
+              </a:spcBef>
+              <a:buClr>
+                <a:schemeClr val="accent5">
+                  <a:lumMod val="40000"/>
+                  <a:lumOff val="60000"/>
+                </a:schemeClr>
+              </a:buClr>
+              <a:buSzPct val="70000"/>
+            </a:pPr>
+            <a:r>
+              <a:rPr lang="en-US" sz="1400" b="1" noProof="1" smtClean="0">
+                <a:solidFill>
+                  <a:srgbClr val="8CF4F2"/>
+                </a:solidFill>
+                <a:effectLst>
+                  <a:outerShdw blurRad="38100" dist="38100" dir="2700000" algn="tl">
+                    <a:srgbClr val="000000">
+                      <a:alpha val="43137"/>
+                    </a:srgbClr>
+                  </a:outerShdw>
+                </a:effectLst>
+                <a:latin typeface="Consolas" pitchFamily="49" charset="0"/>
+                <a:cs typeface="Consolas" pitchFamily="49" charset="0"/>
+              </a:rPr>
+              <a:t>    &lt;?</a:t>
+            </a:r>
+            <a:r>
+              <a:rPr lang="en-US" sz="1400" b="1" noProof="1">
+                <a:solidFill>
+                  <a:srgbClr val="8CF4F2"/>
+                </a:solidFill>
+                <a:effectLst>
+                  <a:outerShdw blurRad="38100" dist="38100" dir="2700000" algn="tl">
+                    <a:srgbClr val="000000">
+                      <a:alpha val="43137"/>
+                    </a:srgbClr>
+                  </a:outerShdw>
+                </a:effectLst>
+                <a:latin typeface="Consolas" pitchFamily="49" charset="0"/>
+                <a:cs typeface="Consolas" pitchFamily="49" charset="0"/>
+              </a:rPr>
+              <a:t>php endforeach;?&gt;</a:t>
+            </a:r>
+          </a:p>
+          <a:p>
+            <a:pPr>
+              <a:lnSpc>
+                <a:spcPct val="100000"/>
+              </a:lnSpc>
+              <a:spcBef>
+                <a:spcPts val="0"/>
+              </a:spcBef>
+              <a:buClr>
+                <a:schemeClr val="accent5">
+                  <a:lumMod val="40000"/>
+                  <a:lumOff val="60000"/>
+                </a:schemeClr>
+              </a:buClr>
+              <a:buSzPct val="70000"/>
+            </a:pPr>
+            <a:r>
+              <a:rPr lang="en-US" sz="1400" b="1" noProof="1" smtClean="0">
+                <a:solidFill>
+                  <a:srgbClr val="8CF4F2"/>
+                </a:solidFill>
+                <a:effectLst>
+                  <a:outerShdw blurRad="38100" dist="38100" dir="2700000" algn="tl">
+                    <a:srgbClr val="000000">
+                      <a:alpha val="43137"/>
+                    </a:srgbClr>
+                  </a:outerShdw>
+                </a:effectLst>
+                <a:latin typeface="Consolas" pitchFamily="49" charset="0"/>
+                <a:cs typeface="Consolas" pitchFamily="49" charset="0"/>
+              </a:rPr>
+              <a:t>    &lt;/</a:t>
+            </a:r>
+            <a:r>
+              <a:rPr lang="en-US" sz="1400" b="1" noProof="1">
+                <a:solidFill>
+                  <a:srgbClr val="8CF4F2"/>
+                </a:solidFill>
+                <a:effectLst>
+                  <a:outerShdw blurRad="38100" dist="38100" dir="2700000" algn="tl">
+                    <a:srgbClr val="000000">
+                      <a:alpha val="43137"/>
+                    </a:srgbClr>
+                  </a:outerShdw>
+                </a:effectLst>
+                <a:latin typeface="Consolas" pitchFamily="49" charset="0"/>
+                <a:cs typeface="Consolas" pitchFamily="49" charset="0"/>
+              </a:rPr>
+              <a:t>ul&gt;</a:t>
+            </a:r>
+          </a:p>
+          <a:p>
+            <a:pPr>
+              <a:lnSpc>
+                <a:spcPct val="100000"/>
+              </a:lnSpc>
+              <a:spcBef>
+                <a:spcPts val="0"/>
+              </a:spcBef>
+              <a:buClr>
+                <a:schemeClr val="accent5">
+                  <a:lumMod val="40000"/>
+                  <a:lumOff val="60000"/>
+                </a:schemeClr>
+              </a:buClr>
+              <a:buSzPct val="70000"/>
+            </a:pPr>
+            <a:r>
+              <a:rPr lang="en-US" sz="1400" b="1" noProof="1" smtClean="0">
+                <a:solidFill>
+                  <a:srgbClr val="8CF4F2"/>
+                </a:solidFill>
+                <a:effectLst>
+                  <a:outerShdw blurRad="38100" dist="38100" dir="2700000" algn="tl">
+                    <a:srgbClr val="000000">
+                      <a:alpha val="43137"/>
+                    </a:srgbClr>
+                  </a:outerShdw>
+                </a:effectLst>
+                <a:latin typeface="Consolas" pitchFamily="49" charset="0"/>
+                <a:cs typeface="Consolas" pitchFamily="49" charset="0"/>
+              </a:rPr>
+              <a:t>  &lt;/</a:t>
+            </a:r>
+            <a:r>
+              <a:rPr lang="en-US" sz="1400" b="1" noProof="1">
+                <a:solidFill>
+                  <a:srgbClr val="8CF4F2"/>
+                </a:solidFill>
+                <a:effectLst>
+                  <a:outerShdw blurRad="38100" dist="38100" dir="2700000" algn="tl">
+                    <a:srgbClr val="000000">
+                      <a:alpha val="43137"/>
+                    </a:srgbClr>
+                  </a:outerShdw>
+                </a:effectLst>
+                <a:latin typeface="Consolas" pitchFamily="49" charset="0"/>
+                <a:cs typeface="Consolas" pitchFamily="49" charset="0"/>
+              </a:rPr>
+              <a:t>body&gt;</a:t>
+            </a:r>
+          </a:p>
+          <a:p>
+            <a:pPr>
+              <a:lnSpc>
+                <a:spcPct val="100000"/>
+              </a:lnSpc>
+              <a:spcBef>
+                <a:spcPts val="0"/>
+              </a:spcBef>
+              <a:buClr>
+                <a:schemeClr val="accent5">
+                  <a:lumMod val="40000"/>
+                  <a:lumOff val="60000"/>
+                </a:schemeClr>
+              </a:buClr>
+              <a:buSzPct val="70000"/>
+            </a:pPr>
+            <a:r>
+              <a:rPr lang="en-US" sz="1400" b="1" noProof="1">
+                <a:solidFill>
+                  <a:srgbClr val="8CF4F2"/>
+                </a:solidFill>
+                <a:effectLst>
+                  <a:outerShdw blurRad="38100" dist="38100" dir="2700000" algn="tl">
+                    <a:srgbClr val="000000">
+                      <a:alpha val="43137"/>
+                    </a:srgbClr>
+                  </a:outerShdw>
+                </a:effectLst>
+                <a:latin typeface="Consolas" pitchFamily="49" charset="0"/>
+                <a:cs typeface="Consolas" pitchFamily="49" charset="0"/>
+              </a:rPr>
+              <a:t>&lt;/html&gt;</a:t>
+            </a:r>
+          </a:p>
+        </p:txBody>
+      </p:sp>
+    </p:spTree>
+    <p:extLst>
+      <p:ext uri="{BB962C8B-B14F-4D97-AF65-F5344CB8AC3E}">
+        <p14:creationId xmlns:p14="http://schemas.microsoft.com/office/powerpoint/2010/main" val="508370737"/>
+      </p:ext>
+    </p:extLst>
+  </p:cSld>
+  <p:clrMapOvr>
+    <a:masterClrMapping/>
+  </p:clrMapOvr>
+  <p:timing>
+    <p:tnLst>
+      <p:par>
+        <p:cTn id="1" dur="indefinite" restart="never" nodeType="tmRoot"/>
+      </p:par>
+    </p:tnLst>
+  </p:timing>
+</p:sld>
+</file>
+
+<file path=ppt/slides/slide58.xml><?xml version="1.0" encoding="utf-8"?>
+<p:sld xmlns:a="http://schemas.openxmlformats.org/drawingml/2006/main" xmlns:r="http://schemas.openxmlformats.org/officeDocument/2006/relationships" xmlns:p="http://schemas.openxmlformats.org/presentationml/2006/main">
+  <p:cSld>
+    <p:spTree>
+      <p:nvGrpSpPr>
+        <p:cNvPr id="1" name=""/>
+        <p:cNvGrpSpPr/>
+        <p:nvPr/>
+      </p:nvGrpSpPr>
+      <p:grpSpPr>
+        <a:xfrm>
+          <a:off x="0" y="0"/>
+          <a:ext cx="0" cy="0"/>
+          <a:chOff x="0" y="0"/>
+          <a:chExt cx="0" cy="0"/>
+        </a:xfrm>
+      </p:grpSpPr>
+      <p:sp>
+        <p:nvSpPr>
+          <p:cNvPr id="2" name="Title 1"/>
+          <p:cNvSpPr>
+            <a:spLocks noGrp="1"/>
+          </p:cNvSpPr>
+          <p:nvPr>
+            <p:ph type="title"/>
+          </p:nvPr>
+        </p:nvSpPr>
+        <p:spPr>
+          <a:xfrm>
+            <a:off x="1828800" y="162086"/>
+            <a:ext cx="7086600" cy="914400"/>
+          </a:xfrm>
+        </p:spPr>
+        <p:txBody>
+          <a:bodyPr/>
+          <a:lstStyle/>
+          <a:p>
+            <a:r>
+              <a:rPr lang="en-US" dirty="0" smtClean="0"/>
+              <a:t>Views(2)</a:t>
+            </a:r>
+            <a:endParaRPr lang="en-US" dirty="0"/>
+          </a:p>
+        </p:txBody>
+      </p:sp>
+      <p:sp>
+        <p:nvSpPr>
+          <p:cNvPr id="3" name="Content Placeholder 2"/>
+          <p:cNvSpPr>
+            <a:spLocks noGrp="1"/>
+          </p:cNvSpPr>
+          <p:nvPr>
+            <p:ph idx="1"/>
+          </p:nvPr>
+        </p:nvSpPr>
+        <p:spPr>
+          <a:xfrm>
+            <a:off x="113396" y="1377852"/>
+            <a:ext cx="8878204" cy="3651348"/>
+          </a:xfrm>
+        </p:spPr>
+        <p:txBody>
+          <a:bodyPr/>
+          <a:lstStyle/>
+          <a:p>
+            <a:pPr lvl="1">
+              <a:lnSpc>
+                <a:spcPct val="100000"/>
+              </a:lnSpc>
+            </a:pPr>
+            <a:r>
+              <a:rPr lang="en-US" sz="2600" dirty="0" smtClean="0">
+                <a:solidFill>
+                  <a:srgbClr val="F4FCD8"/>
+                </a:solidFill>
+              </a:rPr>
+              <a:t>Displaying views</a:t>
+            </a:r>
+          </a:p>
+          <a:p>
+            <a:pPr lvl="2">
+              <a:lnSpc>
+                <a:spcPct val="100000"/>
+              </a:lnSpc>
+            </a:pPr>
+            <a:r>
+              <a:rPr lang="en-US" sz="2400" dirty="0" smtClean="0">
+                <a:solidFill>
+                  <a:srgbClr val="F4FCD8"/>
+                </a:solidFill>
+              </a:rPr>
+              <a:t>Passing data as associative array</a:t>
+            </a:r>
+          </a:p>
+          <a:p>
+            <a:pPr lvl="2">
+              <a:lnSpc>
+                <a:spcPct val="100000"/>
+              </a:lnSpc>
+            </a:pPr>
+            <a:r>
+              <a:rPr lang="en-US" sz="2400" dirty="0" smtClean="0">
+                <a:solidFill>
+                  <a:srgbClr val="F4FCD8"/>
+                </a:solidFill>
+              </a:rPr>
+              <a:t>The key-value pairs are transformed  into variables</a:t>
+            </a:r>
+          </a:p>
+        </p:txBody>
+      </p:sp>
+      <p:sp>
+        <p:nvSpPr>
+          <p:cNvPr id="5" name="Rectangle 4"/>
+          <p:cNvSpPr>
+            <a:spLocks noChangeArrowheads="1"/>
+          </p:cNvSpPr>
+          <p:nvPr/>
+        </p:nvSpPr>
+        <p:spPr bwMode="auto">
+          <a:xfrm>
+            <a:off x="609600" y="3252787"/>
+            <a:ext cx="7848600" cy="2462213"/>
+          </a:xfrm>
+          <a:prstGeom prst="rect">
+            <a:avLst/>
+          </a:prstGeom>
+          <a:solidFill>
+            <a:schemeClr val="accent5">
+              <a:lumMod val="40000"/>
+              <a:lumOff val="60000"/>
+              <a:alpha val="15000"/>
+            </a:schemeClr>
+          </a:solidFill>
+          <a:ln w="12700">
+            <a:solidFill>
+              <a:schemeClr val="accent5">
+                <a:lumMod val="60000"/>
+                <a:lumOff val="40000"/>
+              </a:schemeClr>
+            </a:solidFill>
+          </a:ln>
+        </p:spPr>
+        <p:txBody>
+          <a:bodyPr wrap="square">
+            <a:spAutoFit/>
+          </a:bodyPr>
+          <a:lstStyle/>
+          <a:p>
+            <a:pPr>
+              <a:lnSpc>
+                <a:spcPct val="100000"/>
+              </a:lnSpc>
+              <a:spcBef>
+                <a:spcPts val="0"/>
+              </a:spcBef>
+              <a:buClr>
+                <a:schemeClr val="accent5">
+                  <a:lumMod val="40000"/>
+                  <a:lumOff val="60000"/>
+                </a:schemeClr>
+              </a:buClr>
+              <a:buSzPct val="70000"/>
+            </a:pPr>
+            <a:r>
+              <a:rPr lang="en-US" sz="1400" b="1" noProof="1">
+                <a:solidFill>
+                  <a:srgbClr val="8CF4F2"/>
+                </a:solidFill>
+                <a:effectLst>
+                  <a:outerShdw blurRad="38100" dist="38100" dir="2700000" algn="tl">
+                    <a:srgbClr val="000000">
+                      <a:alpha val="43137"/>
+                    </a:srgbClr>
+                  </a:outerShdw>
+                </a:effectLst>
+                <a:latin typeface="Consolas" pitchFamily="49" charset="0"/>
+                <a:cs typeface="Consolas" pitchFamily="49" charset="0"/>
+              </a:rPr>
+              <a:t>&lt;?php</a:t>
+            </a:r>
+          </a:p>
+          <a:p>
+            <a:pPr>
+              <a:lnSpc>
+                <a:spcPct val="100000"/>
+              </a:lnSpc>
+              <a:spcBef>
+                <a:spcPts val="0"/>
+              </a:spcBef>
+              <a:buClr>
+                <a:schemeClr val="accent5">
+                  <a:lumMod val="40000"/>
+                  <a:lumOff val="60000"/>
+                </a:schemeClr>
+              </a:buClr>
+              <a:buSzPct val="70000"/>
+            </a:pPr>
+            <a:r>
+              <a:rPr lang="en-US" sz="1400" b="1" noProof="1">
+                <a:solidFill>
+                  <a:srgbClr val="8CF4F2"/>
+                </a:solidFill>
+                <a:effectLst>
+                  <a:outerShdw blurRad="38100" dist="38100" dir="2700000" algn="tl">
+                    <a:srgbClr val="000000">
+                      <a:alpha val="43137"/>
+                    </a:srgbClr>
+                  </a:outerShdw>
+                </a:effectLst>
+                <a:latin typeface="Consolas" pitchFamily="49" charset="0"/>
+                <a:cs typeface="Consolas" pitchFamily="49" charset="0"/>
+              </a:rPr>
+              <a:t>class Blog extends CI_Controller {</a:t>
+            </a:r>
+          </a:p>
+          <a:p>
+            <a:pPr>
+              <a:lnSpc>
+                <a:spcPct val="100000"/>
+              </a:lnSpc>
+              <a:spcBef>
+                <a:spcPts val="0"/>
+              </a:spcBef>
+              <a:buClr>
+                <a:schemeClr val="accent5">
+                  <a:lumMod val="40000"/>
+                  <a:lumOff val="60000"/>
+                </a:schemeClr>
+              </a:buClr>
+              <a:buSzPct val="70000"/>
+            </a:pPr>
+            <a:r>
+              <a:rPr lang="en-US" sz="1400" b="1" noProof="1" smtClean="0">
+                <a:solidFill>
+                  <a:srgbClr val="8CF4F2"/>
+                </a:solidFill>
+                <a:effectLst>
+                  <a:outerShdw blurRad="38100" dist="38100" dir="2700000" algn="tl">
+                    <a:srgbClr val="000000">
+                      <a:alpha val="43137"/>
+                    </a:srgbClr>
+                  </a:outerShdw>
+                </a:effectLst>
+                <a:latin typeface="Consolas" pitchFamily="49" charset="0"/>
+                <a:cs typeface="Consolas" pitchFamily="49" charset="0"/>
+              </a:rPr>
+              <a:t>  function </a:t>
+            </a:r>
+            <a:r>
+              <a:rPr lang="en-US" sz="1400" b="1" noProof="1">
+                <a:solidFill>
+                  <a:srgbClr val="8CF4F2"/>
+                </a:solidFill>
+                <a:effectLst>
+                  <a:outerShdw blurRad="38100" dist="38100" dir="2700000" algn="tl">
+                    <a:srgbClr val="000000">
+                      <a:alpha val="43137"/>
+                    </a:srgbClr>
+                  </a:outerShdw>
+                </a:effectLst>
+                <a:latin typeface="Consolas" pitchFamily="49" charset="0"/>
+                <a:cs typeface="Consolas" pitchFamily="49" charset="0"/>
+              </a:rPr>
+              <a:t>index()</a:t>
+            </a:r>
+          </a:p>
+          <a:p>
+            <a:pPr>
+              <a:lnSpc>
+                <a:spcPct val="100000"/>
+              </a:lnSpc>
+              <a:spcBef>
+                <a:spcPts val="0"/>
+              </a:spcBef>
+              <a:buClr>
+                <a:schemeClr val="accent5">
+                  <a:lumMod val="40000"/>
+                  <a:lumOff val="60000"/>
+                </a:schemeClr>
+              </a:buClr>
+              <a:buSzPct val="70000"/>
+            </a:pPr>
+            <a:r>
+              <a:rPr lang="en-US" sz="1400" b="1" noProof="1" smtClean="0">
+                <a:solidFill>
+                  <a:srgbClr val="8CF4F2"/>
+                </a:solidFill>
+                <a:effectLst>
+                  <a:outerShdw blurRad="38100" dist="38100" dir="2700000" algn="tl">
+                    <a:srgbClr val="000000">
+                      <a:alpha val="43137"/>
+                    </a:srgbClr>
+                  </a:outerShdw>
+                </a:effectLst>
+                <a:latin typeface="Consolas" pitchFamily="49" charset="0"/>
+                <a:cs typeface="Consolas" pitchFamily="49" charset="0"/>
+              </a:rPr>
+              <a:t>  {</a:t>
+            </a:r>
+            <a:endParaRPr lang="en-US" sz="1400" b="1" noProof="1">
+              <a:solidFill>
+                <a:srgbClr val="8CF4F2"/>
+              </a:solidFill>
+              <a:effectLst>
+                <a:outerShdw blurRad="38100" dist="38100" dir="2700000" algn="tl">
+                  <a:srgbClr val="000000">
+                    <a:alpha val="43137"/>
+                  </a:srgbClr>
+                </a:outerShdw>
+              </a:effectLst>
+              <a:latin typeface="Consolas" pitchFamily="49" charset="0"/>
+              <a:cs typeface="Consolas" pitchFamily="49" charset="0"/>
+            </a:endParaRPr>
+          </a:p>
+          <a:p>
+            <a:pPr>
+              <a:lnSpc>
+                <a:spcPct val="100000"/>
+              </a:lnSpc>
+              <a:spcBef>
+                <a:spcPts val="0"/>
+              </a:spcBef>
+              <a:buClr>
+                <a:schemeClr val="accent5">
+                  <a:lumMod val="40000"/>
+                  <a:lumOff val="60000"/>
+                </a:schemeClr>
+              </a:buClr>
+              <a:buSzPct val="70000"/>
+            </a:pPr>
+            <a:r>
+              <a:rPr lang="en-US" sz="1400" b="1" noProof="1" smtClean="0">
+                <a:solidFill>
+                  <a:srgbClr val="8CF4F2"/>
+                </a:solidFill>
+                <a:effectLst>
+                  <a:outerShdw blurRad="38100" dist="38100" dir="2700000" algn="tl">
+                    <a:srgbClr val="000000">
+                      <a:alpha val="43137"/>
+                    </a:srgbClr>
+                  </a:outerShdw>
+                </a:effectLst>
+                <a:latin typeface="Consolas" pitchFamily="49" charset="0"/>
+                <a:cs typeface="Consolas" pitchFamily="49" charset="0"/>
+              </a:rPr>
+              <a:t>    $</a:t>
+            </a:r>
+            <a:r>
+              <a:rPr lang="en-US" sz="1400" b="1" noProof="1">
+                <a:solidFill>
+                  <a:srgbClr val="8CF4F2"/>
+                </a:solidFill>
+                <a:effectLst>
+                  <a:outerShdw blurRad="38100" dist="38100" dir="2700000" algn="tl">
+                    <a:srgbClr val="000000">
+                      <a:alpha val="43137"/>
+                    </a:srgbClr>
+                  </a:outerShdw>
+                </a:effectLst>
+                <a:latin typeface="Consolas" pitchFamily="49" charset="0"/>
+                <a:cs typeface="Consolas" pitchFamily="49" charset="0"/>
+              </a:rPr>
+              <a:t>data['todo_list'] = array('Clean House', 'Call Mom', 'Run Errands');</a:t>
+            </a:r>
+          </a:p>
+          <a:p>
+            <a:pPr>
+              <a:lnSpc>
+                <a:spcPct val="100000"/>
+              </a:lnSpc>
+              <a:spcBef>
+                <a:spcPts val="0"/>
+              </a:spcBef>
+              <a:buClr>
+                <a:schemeClr val="accent5">
+                  <a:lumMod val="40000"/>
+                  <a:lumOff val="60000"/>
+                </a:schemeClr>
+              </a:buClr>
+              <a:buSzPct val="70000"/>
+            </a:pPr>
+            <a:r>
+              <a:rPr lang="en-US" sz="1400" b="1" noProof="1" smtClean="0">
+                <a:solidFill>
+                  <a:srgbClr val="8CF4F2"/>
+                </a:solidFill>
+                <a:effectLst>
+                  <a:outerShdw blurRad="38100" dist="38100" dir="2700000" algn="tl">
+                    <a:srgbClr val="000000">
+                      <a:alpha val="43137"/>
+                    </a:srgbClr>
+                  </a:outerShdw>
+                </a:effectLst>
+                <a:latin typeface="Consolas" pitchFamily="49" charset="0"/>
+                <a:cs typeface="Consolas" pitchFamily="49" charset="0"/>
+              </a:rPr>
+              <a:t>    $</a:t>
+            </a:r>
+            <a:r>
+              <a:rPr lang="en-US" sz="1400" b="1" noProof="1">
+                <a:solidFill>
+                  <a:srgbClr val="8CF4F2"/>
+                </a:solidFill>
+                <a:effectLst>
+                  <a:outerShdw blurRad="38100" dist="38100" dir="2700000" algn="tl">
+                    <a:srgbClr val="000000">
+                      <a:alpha val="43137"/>
+                    </a:srgbClr>
+                  </a:outerShdw>
+                </a:effectLst>
+                <a:latin typeface="Consolas" pitchFamily="49" charset="0"/>
+                <a:cs typeface="Consolas" pitchFamily="49" charset="0"/>
+              </a:rPr>
+              <a:t>data['title'] = "My Real Title";</a:t>
+            </a:r>
+          </a:p>
+          <a:p>
+            <a:pPr>
+              <a:lnSpc>
+                <a:spcPct val="100000"/>
+              </a:lnSpc>
+              <a:spcBef>
+                <a:spcPts val="0"/>
+              </a:spcBef>
+              <a:buClr>
+                <a:schemeClr val="accent5">
+                  <a:lumMod val="40000"/>
+                  <a:lumOff val="60000"/>
+                </a:schemeClr>
+              </a:buClr>
+              <a:buSzPct val="70000"/>
+            </a:pPr>
+            <a:r>
+              <a:rPr lang="en-US" sz="1400" b="1" noProof="1" smtClean="0">
+                <a:solidFill>
+                  <a:srgbClr val="8CF4F2"/>
+                </a:solidFill>
+                <a:effectLst>
+                  <a:outerShdw blurRad="38100" dist="38100" dir="2700000" algn="tl">
+                    <a:srgbClr val="000000">
+                      <a:alpha val="43137"/>
+                    </a:srgbClr>
+                  </a:outerShdw>
+                </a:effectLst>
+                <a:latin typeface="Consolas" pitchFamily="49" charset="0"/>
+                <a:cs typeface="Consolas" pitchFamily="49" charset="0"/>
+              </a:rPr>
+              <a:t>    $data</a:t>
+            </a:r>
+            <a:r>
+              <a:rPr lang="en-US" sz="1400" b="1" noProof="1">
+                <a:solidFill>
+                  <a:srgbClr val="8CF4F2"/>
+                </a:solidFill>
+                <a:effectLst>
+                  <a:outerShdw blurRad="38100" dist="38100" dir="2700000" algn="tl">
+                    <a:srgbClr val="000000">
+                      <a:alpha val="43137"/>
+                    </a:srgbClr>
+                  </a:outerShdw>
+                </a:effectLst>
+                <a:latin typeface="Consolas" pitchFamily="49" charset="0"/>
+                <a:cs typeface="Consolas" pitchFamily="49" charset="0"/>
+              </a:rPr>
+              <a:t>['heading'] = "My Real Heading";</a:t>
+            </a:r>
+          </a:p>
+          <a:p>
+            <a:pPr>
+              <a:lnSpc>
+                <a:spcPct val="100000"/>
+              </a:lnSpc>
+              <a:spcBef>
+                <a:spcPts val="0"/>
+              </a:spcBef>
+              <a:buClr>
+                <a:schemeClr val="accent5">
+                  <a:lumMod val="40000"/>
+                  <a:lumOff val="60000"/>
+                </a:schemeClr>
+              </a:buClr>
+              <a:buSzPct val="70000"/>
+            </a:pPr>
+            <a:r>
+              <a:rPr lang="en-US" sz="1400" b="1" noProof="1" smtClean="0">
+                <a:solidFill>
+                  <a:srgbClr val="8CF4F2"/>
+                </a:solidFill>
+                <a:effectLst>
+                  <a:outerShdw blurRad="38100" dist="38100" dir="2700000" algn="tl">
+                    <a:srgbClr val="000000">
+                      <a:alpha val="43137"/>
+                    </a:srgbClr>
+                  </a:outerShdw>
+                </a:effectLst>
+                <a:latin typeface="Consolas" pitchFamily="49" charset="0"/>
+                <a:cs typeface="Consolas" pitchFamily="49" charset="0"/>
+              </a:rPr>
+              <a:t>    $</a:t>
+            </a:r>
+            <a:r>
+              <a:rPr lang="en-US" sz="1400" b="1" noProof="1">
+                <a:solidFill>
+                  <a:srgbClr val="8CF4F2"/>
+                </a:solidFill>
+                <a:effectLst>
+                  <a:outerShdw blurRad="38100" dist="38100" dir="2700000" algn="tl">
+                    <a:srgbClr val="000000">
+                      <a:alpha val="43137"/>
+                    </a:srgbClr>
+                  </a:outerShdw>
+                </a:effectLst>
+                <a:latin typeface="Consolas" pitchFamily="49" charset="0"/>
+                <a:cs typeface="Consolas" pitchFamily="49" charset="0"/>
+              </a:rPr>
+              <a:t>this-&gt;load-&gt;view('blogview', $data);</a:t>
+            </a:r>
+          </a:p>
+          <a:p>
+            <a:pPr>
+              <a:lnSpc>
+                <a:spcPct val="100000"/>
+              </a:lnSpc>
+              <a:spcBef>
+                <a:spcPts val="0"/>
+              </a:spcBef>
+              <a:buClr>
+                <a:schemeClr val="accent5">
+                  <a:lumMod val="40000"/>
+                  <a:lumOff val="60000"/>
+                </a:schemeClr>
+              </a:buClr>
+              <a:buSzPct val="70000"/>
+            </a:pPr>
+            <a:r>
+              <a:rPr lang="en-US" sz="1400" b="1" noProof="1" smtClean="0">
+                <a:solidFill>
+                  <a:srgbClr val="8CF4F2"/>
+                </a:solidFill>
+                <a:effectLst>
+                  <a:outerShdw blurRad="38100" dist="38100" dir="2700000" algn="tl">
+                    <a:srgbClr val="000000">
+                      <a:alpha val="43137"/>
+                    </a:srgbClr>
+                  </a:outerShdw>
+                </a:effectLst>
+                <a:latin typeface="Consolas" pitchFamily="49" charset="0"/>
+                <a:cs typeface="Consolas" pitchFamily="49" charset="0"/>
+              </a:rPr>
+              <a:t>  }</a:t>
+            </a:r>
+            <a:endParaRPr lang="en-US" sz="1400" b="1" noProof="1">
+              <a:solidFill>
+                <a:srgbClr val="8CF4F2"/>
+              </a:solidFill>
+              <a:effectLst>
+                <a:outerShdw blurRad="38100" dist="38100" dir="2700000" algn="tl">
+                  <a:srgbClr val="000000">
+                    <a:alpha val="43137"/>
+                  </a:srgbClr>
+                </a:outerShdw>
+              </a:effectLst>
+              <a:latin typeface="Consolas" pitchFamily="49" charset="0"/>
+              <a:cs typeface="Consolas" pitchFamily="49" charset="0"/>
+            </a:endParaRPr>
+          </a:p>
+          <a:p>
+            <a:pPr>
+              <a:lnSpc>
+                <a:spcPct val="100000"/>
+              </a:lnSpc>
+              <a:spcBef>
+                <a:spcPts val="0"/>
+              </a:spcBef>
+              <a:buClr>
+                <a:schemeClr val="accent5">
+                  <a:lumMod val="40000"/>
+                  <a:lumOff val="60000"/>
+                </a:schemeClr>
+              </a:buClr>
+              <a:buSzPct val="70000"/>
+            </a:pPr>
+            <a:r>
+              <a:rPr lang="en-US" sz="1400" b="1" noProof="1">
+                <a:solidFill>
+                  <a:srgbClr val="8CF4F2"/>
+                </a:solidFill>
+                <a:effectLst>
+                  <a:outerShdw blurRad="38100" dist="38100" dir="2700000" algn="tl">
+                    <a:srgbClr val="000000">
+                      <a:alpha val="43137"/>
+                    </a:srgbClr>
+                  </a:outerShdw>
+                </a:effectLst>
+                <a:latin typeface="Consolas" pitchFamily="49" charset="0"/>
+                <a:cs typeface="Consolas" pitchFamily="49" charset="0"/>
+              </a:rPr>
+              <a:t>}</a:t>
+            </a:r>
+          </a:p>
+          <a:p>
+            <a:pPr>
+              <a:lnSpc>
+                <a:spcPct val="100000"/>
+              </a:lnSpc>
+              <a:spcBef>
+                <a:spcPts val="0"/>
+              </a:spcBef>
+              <a:buClr>
+                <a:schemeClr val="accent5">
+                  <a:lumMod val="40000"/>
+                  <a:lumOff val="60000"/>
+                </a:schemeClr>
+              </a:buClr>
+              <a:buSzPct val="70000"/>
+            </a:pPr>
+            <a:r>
+              <a:rPr lang="en-US" sz="1400" b="1" noProof="1">
+                <a:solidFill>
+                  <a:srgbClr val="8CF4F2"/>
+                </a:solidFill>
+                <a:effectLst>
+                  <a:outerShdw blurRad="38100" dist="38100" dir="2700000" algn="tl">
+                    <a:srgbClr val="000000">
+                      <a:alpha val="43137"/>
+                    </a:srgbClr>
+                  </a:outerShdw>
+                </a:effectLst>
+                <a:latin typeface="Consolas" pitchFamily="49" charset="0"/>
+                <a:cs typeface="Consolas" pitchFamily="49" charset="0"/>
+              </a:rPr>
+              <a:t>?&gt;</a:t>
+            </a:r>
+          </a:p>
+        </p:txBody>
+      </p:sp>
+    </p:spTree>
+    <p:extLst>
+      <p:ext uri="{BB962C8B-B14F-4D97-AF65-F5344CB8AC3E}">
+        <p14:creationId xmlns:p14="http://schemas.microsoft.com/office/powerpoint/2010/main" val="2893871957"/>
+      </p:ext>
+    </p:extLst>
+  </p:cSld>
+  <p:clrMapOvr>
+    <a:masterClrMapping/>
+  </p:clrMapOvr>
+  <p:timing>
+    <p:tnLst>
+      <p:par>
+        <p:cTn id="1" dur="indefinite" restart="never" nodeType="tmRoot"/>
+      </p:par>
+    </p:tnLst>
+  </p:timing>
+</p:sld>
+</file>
+
+<file path=ppt/slides/slide59.xml><?xml version="1.0" encoding="utf-8"?>
+<p:sld xmlns:a="http://schemas.openxmlformats.org/drawingml/2006/main" xmlns:r="http://schemas.openxmlformats.org/officeDocument/2006/relationships" xmlns:p="http://schemas.openxmlformats.org/presentationml/2006/main">
+  <p:cSld>
+    <p:spTree>
+      <p:nvGrpSpPr>
+        <p:cNvPr id="1" name=""/>
+        <p:cNvGrpSpPr/>
+        <p:nvPr/>
+      </p:nvGrpSpPr>
+      <p:grpSpPr>
+        <a:xfrm>
+          <a:off x="0" y="0"/>
+          <a:ext cx="0" cy="0"/>
+          <a:chOff x="0" y="0"/>
+          <a:chExt cx="0" cy="0"/>
+        </a:xfrm>
+      </p:grpSpPr>
+      <p:sp>
+        <p:nvSpPr>
+          <p:cNvPr id="2" name="Title 1"/>
+          <p:cNvSpPr>
+            <a:spLocks noGrp="1"/>
+          </p:cNvSpPr>
+          <p:nvPr>
+            <p:ph type="title"/>
+          </p:nvPr>
+        </p:nvSpPr>
+        <p:spPr>
+          <a:xfrm>
+            <a:off x="1828800" y="162086"/>
+            <a:ext cx="7086600" cy="914400"/>
+          </a:xfrm>
+        </p:spPr>
+        <p:txBody>
+          <a:bodyPr/>
+          <a:lstStyle/>
+          <a:p>
+            <a:r>
+              <a:rPr lang="en-US" dirty="0" smtClean="0"/>
+              <a:t>Models and </a:t>
+            </a:r>
+            <a:r>
+              <a:rPr lang="en-US" dirty="0" err="1" smtClean="0"/>
+              <a:t>ActiveRecords</a:t>
+            </a:r>
+            <a:endParaRPr lang="en-US" dirty="0"/>
+          </a:p>
+        </p:txBody>
+      </p:sp>
+      <p:sp>
+        <p:nvSpPr>
+          <p:cNvPr id="3" name="Content Placeholder 2"/>
+          <p:cNvSpPr>
+            <a:spLocks noGrp="1"/>
+          </p:cNvSpPr>
+          <p:nvPr>
+            <p:ph idx="1"/>
+          </p:nvPr>
+        </p:nvSpPr>
+        <p:spPr>
+          <a:xfrm>
+            <a:off x="113396" y="1377852"/>
+            <a:ext cx="8878204" cy="3651348"/>
+          </a:xfrm>
+        </p:spPr>
+        <p:txBody>
+          <a:bodyPr/>
+          <a:lstStyle/>
+          <a:p>
+            <a:pPr lvl="1">
+              <a:lnSpc>
+                <a:spcPct val="100000"/>
+              </a:lnSpc>
+            </a:pPr>
+            <a:r>
+              <a:rPr lang="en-US" sz="2600" dirty="0" smtClean="0">
+                <a:solidFill>
+                  <a:srgbClr val="F4FCD8"/>
+                </a:solidFill>
+              </a:rPr>
+              <a:t>Basic model</a:t>
+            </a:r>
+          </a:p>
+        </p:txBody>
+      </p:sp>
+      <p:sp>
+        <p:nvSpPr>
+          <p:cNvPr id="5" name="Rectangle 4"/>
+          <p:cNvSpPr>
+            <a:spLocks noChangeArrowheads="1"/>
+          </p:cNvSpPr>
+          <p:nvPr/>
+        </p:nvSpPr>
+        <p:spPr bwMode="auto">
+          <a:xfrm>
+            <a:off x="533400" y="2057400"/>
+            <a:ext cx="7848600" cy="4154984"/>
+          </a:xfrm>
+          <a:prstGeom prst="rect">
+            <a:avLst/>
+          </a:prstGeom>
+          <a:solidFill>
+            <a:schemeClr val="accent5">
+              <a:lumMod val="40000"/>
+              <a:lumOff val="60000"/>
+              <a:alpha val="15000"/>
+            </a:schemeClr>
+          </a:solidFill>
+          <a:ln w="12700">
+            <a:solidFill>
+              <a:schemeClr val="accent5">
+                <a:lumMod val="60000"/>
+                <a:lumOff val="40000"/>
+              </a:schemeClr>
+            </a:solidFill>
+          </a:ln>
+        </p:spPr>
+        <p:txBody>
+          <a:bodyPr wrap="square">
+            <a:spAutoFit/>
+          </a:bodyPr>
+          <a:lstStyle/>
+          <a:p>
+            <a:pPr>
+              <a:lnSpc>
+                <a:spcPct val="100000"/>
+              </a:lnSpc>
+              <a:spcBef>
+                <a:spcPts val="0"/>
+              </a:spcBef>
+              <a:buClr>
+                <a:schemeClr val="accent5">
+                  <a:lumMod val="40000"/>
+                  <a:lumOff val="60000"/>
+                </a:schemeClr>
+              </a:buClr>
+              <a:buSzPct val="70000"/>
+            </a:pPr>
+            <a:r>
+              <a:rPr lang="en-US" sz="1200" b="1" noProof="1">
+                <a:solidFill>
+                  <a:srgbClr val="8CF4F2"/>
+                </a:solidFill>
+                <a:effectLst>
+                  <a:outerShdw blurRad="38100" dist="38100" dir="2700000" algn="tl">
+                    <a:srgbClr val="000000">
+                      <a:alpha val="43137"/>
+                    </a:srgbClr>
+                  </a:outerShdw>
+                </a:effectLst>
+                <a:latin typeface="Consolas" pitchFamily="49" charset="0"/>
+                <a:cs typeface="Consolas" pitchFamily="49" charset="0"/>
+              </a:rPr>
+              <a:t>class Model_name extends </a:t>
+            </a:r>
+            <a:r>
+              <a:rPr lang="en-US" sz="1200" b="1" noProof="1">
+                <a:solidFill>
+                  <a:srgbClr val="8CF4F2"/>
+                </a:solidFill>
+                <a:effectLst>
+                  <a:outerShdw blurRad="38100" dist="38100" dir="2700000" algn="tl">
+                    <a:srgbClr val="000000">
+                      <a:alpha val="43137"/>
+                    </a:srgbClr>
+                  </a:outerShdw>
+                </a:effectLst>
+                <a:latin typeface="Consolas" pitchFamily="49" charset="0"/>
+                <a:cs typeface="Consolas" pitchFamily="49" charset="0"/>
+              </a:rPr>
+              <a:t>CI_Model </a:t>
+            </a:r>
+            <a:r>
+              <a:rPr lang="en-US" sz="1200" b="1" noProof="1" smtClean="0">
+                <a:solidFill>
+                  <a:srgbClr val="8CF4F2"/>
+                </a:solidFill>
+                <a:effectLst>
+                  <a:outerShdw blurRad="38100" dist="38100" dir="2700000" algn="tl">
+                    <a:srgbClr val="000000">
+                      <a:alpha val="43137"/>
+                    </a:srgbClr>
+                  </a:outerShdw>
+                </a:effectLst>
+                <a:latin typeface="Consolas" pitchFamily="49" charset="0"/>
+                <a:cs typeface="Consolas" pitchFamily="49" charset="0"/>
+              </a:rPr>
+              <a:t>{</a:t>
+            </a:r>
+          </a:p>
+          <a:p>
+            <a:pPr>
+              <a:lnSpc>
+                <a:spcPct val="100000"/>
+              </a:lnSpc>
+              <a:spcBef>
+                <a:spcPts val="0"/>
+              </a:spcBef>
+              <a:buClr>
+                <a:schemeClr val="accent5">
+                  <a:lumMod val="40000"/>
+                  <a:lumOff val="60000"/>
+                </a:schemeClr>
+              </a:buClr>
+              <a:buSzPct val="70000"/>
+            </a:pPr>
+            <a:endParaRPr lang="en-US" sz="1200" b="1" noProof="1">
+              <a:solidFill>
+                <a:srgbClr val="8CF4F2"/>
+              </a:solidFill>
+              <a:effectLst>
+                <a:outerShdw blurRad="38100" dist="38100" dir="2700000" algn="tl">
+                  <a:srgbClr val="000000">
+                    <a:alpha val="43137"/>
+                  </a:srgbClr>
+                </a:outerShdw>
+              </a:effectLst>
+              <a:latin typeface="Consolas" pitchFamily="49" charset="0"/>
+              <a:cs typeface="Consolas" pitchFamily="49" charset="0"/>
+            </a:endParaRPr>
+          </a:p>
+          <a:p>
+            <a:pPr>
+              <a:lnSpc>
+                <a:spcPct val="100000"/>
+              </a:lnSpc>
+              <a:spcBef>
+                <a:spcPts val="0"/>
+              </a:spcBef>
+              <a:buClr>
+                <a:schemeClr val="accent5">
+                  <a:lumMod val="40000"/>
+                  <a:lumOff val="60000"/>
+                </a:schemeClr>
+              </a:buClr>
+              <a:buSzPct val="70000"/>
+            </a:pPr>
+            <a:r>
+              <a:rPr lang="en-US" sz="1200" b="1" noProof="1">
+                <a:solidFill>
+                  <a:srgbClr val="8CF4F2"/>
+                </a:solidFill>
+                <a:effectLst>
+                  <a:outerShdw blurRad="38100" dist="38100" dir="2700000" algn="tl">
+                    <a:srgbClr val="000000">
+                      <a:alpha val="43137"/>
+                    </a:srgbClr>
+                  </a:outerShdw>
+                </a:effectLst>
+                <a:latin typeface="Consolas" pitchFamily="49" charset="0"/>
+                <a:cs typeface="Consolas" pitchFamily="49" charset="0"/>
+              </a:rPr>
+              <a:t>    var $title   = '';</a:t>
+            </a:r>
+          </a:p>
+          <a:p>
+            <a:pPr>
+              <a:lnSpc>
+                <a:spcPct val="100000"/>
+              </a:lnSpc>
+              <a:spcBef>
+                <a:spcPts val="0"/>
+              </a:spcBef>
+              <a:buClr>
+                <a:schemeClr val="accent5">
+                  <a:lumMod val="40000"/>
+                  <a:lumOff val="60000"/>
+                </a:schemeClr>
+              </a:buClr>
+              <a:buSzPct val="70000"/>
+            </a:pPr>
+            <a:r>
+              <a:rPr lang="en-US" sz="1200" b="1" noProof="1">
+                <a:solidFill>
+                  <a:srgbClr val="8CF4F2"/>
+                </a:solidFill>
+                <a:effectLst>
+                  <a:outerShdw blurRad="38100" dist="38100" dir="2700000" algn="tl">
+                    <a:srgbClr val="000000">
+                      <a:alpha val="43137"/>
+                    </a:srgbClr>
+                  </a:outerShdw>
+                </a:effectLst>
+                <a:latin typeface="Consolas" pitchFamily="49" charset="0"/>
+                <a:cs typeface="Consolas" pitchFamily="49" charset="0"/>
+              </a:rPr>
+              <a:t>    var $content </a:t>
+            </a:r>
+            <a:r>
+              <a:rPr lang="en-US" sz="1200" b="1" noProof="1">
+                <a:solidFill>
+                  <a:srgbClr val="8CF4F2"/>
+                </a:solidFill>
+                <a:effectLst>
+                  <a:outerShdw blurRad="38100" dist="38100" dir="2700000" algn="tl">
+                    <a:srgbClr val="000000">
+                      <a:alpha val="43137"/>
+                    </a:srgbClr>
+                  </a:outerShdw>
+                </a:effectLst>
+                <a:latin typeface="Consolas" pitchFamily="49" charset="0"/>
+                <a:cs typeface="Consolas" pitchFamily="49" charset="0"/>
+              </a:rPr>
+              <a:t>= </a:t>
+            </a:r>
+            <a:r>
+              <a:rPr lang="en-US" sz="1200" b="1" noProof="1" smtClean="0">
+                <a:solidFill>
+                  <a:srgbClr val="8CF4F2"/>
+                </a:solidFill>
+                <a:effectLst>
+                  <a:outerShdw blurRad="38100" dist="38100" dir="2700000" algn="tl">
+                    <a:srgbClr val="000000">
+                      <a:alpha val="43137"/>
+                    </a:srgbClr>
+                  </a:outerShdw>
+                </a:effectLst>
+                <a:latin typeface="Consolas" pitchFamily="49" charset="0"/>
+                <a:cs typeface="Consolas" pitchFamily="49" charset="0"/>
+              </a:rPr>
+              <a:t>'';</a:t>
+            </a:r>
+          </a:p>
+          <a:p>
+            <a:pPr>
+              <a:lnSpc>
+                <a:spcPct val="100000"/>
+              </a:lnSpc>
+              <a:spcBef>
+                <a:spcPts val="0"/>
+              </a:spcBef>
+              <a:buClr>
+                <a:schemeClr val="accent5">
+                  <a:lumMod val="40000"/>
+                  <a:lumOff val="60000"/>
+                </a:schemeClr>
+              </a:buClr>
+              <a:buSzPct val="70000"/>
+            </a:pPr>
+            <a:endParaRPr lang="en-US" sz="1200" b="1" noProof="1">
+              <a:solidFill>
+                <a:srgbClr val="8CF4F2"/>
+              </a:solidFill>
+              <a:effectLst>
+                <a:outerShdw blurRad="38100" dist="38100" dir="2700000" algn="tl">
+                  <a:srgbClr val="000000">
+                    <a:alpha val="43137"/>
+                  </a:srgbClr>
+                </a:outerShdw>
+              </a:effectLst>
+              <a:latin typeface="Consolas" pitchFamily="49" charset="0"/>
+              <a:cs typeface="Consolas" pitchFamily="49" charset="0"/>
+            </a:endParaRPr>
+          </a:p>
+          <a:p>
+            <a:pPr>
+              <a:lnSpc>
+                <a:spcPct val="100000"/>
+              </a:lnSpc>
+              <a:spcBef>
+                <a:spcPts val="0"/>
+              </a:spcBef>
+              <a:buClr>
+                <a:schemeClr val="accent5">
+                  <a:lumMod val="40000"/>
+                  <a:lumOff val="60000"/>
+                </a:schemeClr>
+              </a:buClr>
+              <a:buSzPct val="70000"/>
+            </a:pPr>
+            <a:r>
+              <a:rPr lang="en-US" sz="1200" b="1" noProof="1">
+                <a:solidFill>
+                  <a:srgbClr val="8CF4F2"/>
+                </a:solidFill>
+                <a:effectLst>
+                  <a:outerShdw blurRad="38100" dist="38100" dir="2700000" algn="tl">
+                    <a:srgbClr val="000000">
+                      <a:alpha val="43137"/>
+                    </a:srgbClr>
+                  </a:outerShdw>
+                </a:effectLst>
+                <a:latin typeface="Consolas" pitchFamily="49" charset="0"/>
+                <a:cs typeface="Consolas" pitchFamily="49" charset="0"/>
+              </a:rPr>
+              <a:t>    function __</a:t>
+            </a:r>
+            <a:r>
+              <a:rPr lang="en-US" sz="1200" b="1" noProof="1">
+                <a:solidFill>
+                  <a:srgbClr val="8CF4F2"/>
+                </a:solidFill>
+                <a:effectLst>
+                  <a:outerShdw blurRad="38100" dist="38100" dir="2700000" algn="tl">
+                    <a:srgbClr val="000000">
+                      <a:alpha val="43137"/>
+                    </a:srgbClr>
+                  </a:outerShdw>
+                </a:effectLst>
+                <a:latin typeface="Consolas" pitchFamily="49" charset="0"/>
+                <a:cs typeface="Consolas" pitchFamily="49" charset="0"/>
+              </a:rPr>
+              <a:t>construct</a:t>
+            </a:r>
+            <a:r>
+              <a:rPr lang="en-US" sz="1200" b="1" noProof="1" smtClean="0">
+                <a:solidFill>
+                  <a:srgbClr val="8CF4F2"/>
+                </a:solidFill>
+                <a:effectLst>
+                  <a:outerShdw blurRad="38100" dist="38100" dir="2700000" algn="tl">
+                    <a:srgbClr val="000000">
+                      <a:alpha val="43137"/>
+                    </a:srgbClr>
+                  </a:outerShdw>
+                </a:effectLst>
+                <a:latin typeface="Consolas" pitchFamily="49" charset="0"/>
+                <a:cs typeface="Consolas" pitchFamily="49" charset="0"/>
+              </a:rPr>
+              <a:t>() { parent</a:t>
+            </a:r>
+            <a:r>
+              <a:rPr lang="en-US" sz="1200" b="1" noProof="1">
+                <a:solidFill>
+                  <a:srgbClr val="8CF4F2"/>
+                </a:solidFill>
+                <a:effectLst>
+                  <a:outerShdw blurRad="38100" dist="38100" dir="2700000" algn="tl">
+                    <a:srgbClr val="000000">
+                      <a:alpha val="43137"/>
+                    </a:srgbClr>
+                  </a:outerShdw>
+                </a:effectLst>
+                <a:latin typeface="Consolas" pitchFamily="49" charset="0"/>
+                <a:cs typeface="Consolas" pitchFamily="49" charset="0"/>
+              </a:rPr>
+              <a:t>::__</a:t>
+            </a:r>
+            <a:r>
+              <a:rPr lang="en-US" sz="1200" b="1" noProof="1">
+                <a:solidFill>
+                  <a:srgbClr val="8CF4F2"/>
+                </a:solidFill>
+                <a:effectLst>
+                  <a:outerShdw blurRad="38100" dist="38100" dir="2700000" algn="tl">
+                    <a:srgbClr val="000000">
+                      <a:alpha val="43137"/>
+                    </a:srgbClr>
+                  </a:outerShdw>
+                </a:effectLst>
+                <a:latin typeface="Consolas" pitchFamily="49" charset="0"/>
+                <a:cs typeface="Consolas" pitchFamily="49" charset="0"/>
+              </a:rPr>
+              <a:t>construct</a:t>
+            </a:r>
+            <a:r>
+              <a:rPr lang="en-US" sz="1200" b="1" noProof="1" smtClean="0">
+                <a:solidFill>
+                  <a:srgbClr val="8CF4F2"/>
+                </a:solidFill>
+                <a:effectLst>
+                  <a:outerShdw blurRad="38100" dist="38100" dir="2700000" algn="tl">
+                    <a:srgbClr val="000000">
+                      <a:alpha val="43137"/>
+                    </a:srgbClr>
+                  </a:outerShdw>
+                </a:effectLst>
+                <a:latin typeface="Consolas" pitchFamily="49" charset="0"/>
+                <a:cs typeface="Consolas" pitchFamily="49" charset="0"/>
+              </a:rPr>
+              <a:t>(); }</a:t>
+            </a:r>
+          </a:p>
+          <a:p>
+            <a:pPr>
+              <a:lnSpc>
+                <a:spcPct val="100000"/>
+              </a:lnSpc>
+              <a:spcBef>
+                <a:spcPts val="0"/>
+              </a:spcBef>
+              <a:buClr>
+                <a:schemeClr val="accent5">
+                  <a:lumMod val="40000"/>
+                  <a:lumOff val="60000"/>
+                </a:schemeClr>
+              </a:buClr>
+              <a:buSzPct val="70000"/>
+            </a:pPr>
+            <a:r>
+              <a:rPr lang="en-US" sz="1200" b="1" noProof="1">
+                <a:solidFill>
+                  <a:srgbClr val="8CF4F2"/>
+                </a:solidFill>
+                <a:effectLst>
+                  <a:outerShdw blurRad="38100" dist="38100" dir="2700000" algn="tl">
+                    <a:srgbClr val="000000">
+                      <a:alpha val="43137"/>
+                    </a:srgbClr>
+                  </a:outerShdw>
+                </a:effectLst>
+                <a:latin typeface="Consolas" pitchFamily="49" charset="0"/>
+                <a:cs typeface="Consolas" pitchFamily="49" charset="0"/>
+              </a:rPr>
+              <a:t> </a:t>
+            </a:r>
+            <a:r>
+              <a:rPr lang="en-US" sz="1200" b="1" noProof="1" smtClean="0">
+                <a:solidFill>
+                  <a:srgbClr val="8CF4F2"/>
+                </a:solidFill>
+                <a:effectLst>
+                  <a:outerShdw blurRad="38100" dist="38100" dir="2700000" algn="tl">
+                    <a:srgbClr val="000000">
+                      <a:alpha val="43137"/>
+                    </a:srgbClr>
+                  </a:outerShdw>
+                </a:effectLst>
+                <a:latin typeface="Consolas" pitchFamily="49" charset="0"/>
+                <a:cs typeface="Consolas" pitchFamily="49" charset="0"/>
+              </a:rPr>
+              <a:t>   function </a:t>
+            </a:r>
+            <a:r>
+              <a:rPr lang="en-US" sz="1200" b="1" noProof="1">
+                <a:solidFill>
+                  <a:srgbClr val="8CF4F2"/>
+                </a:solidFill>
+                <a:effectLst>
+                  <a:outerShdw blurRad="38100" dist="38100" dir="2700000" algn="tl">
+                    <a:srgbClr val="000000">
+                      <a:alpha val="43137"/>
+                    </a:srgbClr>
+                  </a:outerShdw>
+                </a:effectLst>
+                <a:latin typeface="Consolas" pitchFamily="49" charset="0"/>
+                <a:cs typeface="Consolas" pitchFamily="49" charset="0"/>
+              </a:rPr>
+              <a:t>insert_entry()</a:t>
+            </a:r>
+          </a:p>
+          <a:p>
+            <a:pPr>
+              <a:lnSpc>
+                <a:spcPct val="100000"/>
+              </a:lnSpc>
+              <a:spcBef>
+                <a:spcPts val="0"/>
+              </a:spcBef>
+              <a:buClr>
+                <a:schemeClr val="accent5">
+                  <a:lumMod val="40000"/>
+                  <a:lumOff val="60000"/>
+                </a:schemeClr>
+              </a:buClr>
+              <a:buSzPct val="70000"/>
+            </a:pPr>
+            <a:r>
+              <a:rPr lang="en-US" sz="1200" b="1" noProof="1">
+                <a:solidFill>
+                  <a:srgbClr val="8CF4F2"/>
+                </a:solidFill>
+                <a:effectLst>
+                  <a:outerShdw blurRad="38100" dist="38100" dir="2700000" algn="tl">
+                    <a:srgbClr val="000000">
+                      <a:alpha val="43137"/>
+                    </a:srgbClr>
+                  </a:outerShdw>
+                </a:effectLst>
+                <a:latin typeface="Consolas" pitchFamily="49" charset="0"/>
+                <a:cs typeface="Consolas" pitchFamily="49" charset="0"/>
+              </a:rPr>
+              <a:t>    {</a:t>
+            </a:r>
+          </a:p>
+          <a:p>
+            <a:pPr>
+              <a:lnSpc>
+                <a:spcPct val="100000"/>
+              </a:lnSpc>
+              <a:spcBef>
+                <a:spcPts val="0"/>
+              </a:spcBef>
+              <a:buClr>
+                <a:schemeClr val="accent5">
+                  <a:lumMod val="40000"/>
+                  <a:lumOff val="60000"/>
+                </a:schemeClr>
+              </a:buClr>
+              <a:buSzPct val="70000"/>
+            </a:pPr>
+            <a:r>
+              <a:rPr lang="en-US" sz="1200" b="1" noProof="1">
+                <a:solidFill>
+                  <a:srgbClr val="8CF4F2"/>
+                </a:solidFill>
+                <a:effectLst>
+                  <a:outerShdw blurRad="38100" dist="38100" dir="2700000" algn="tl">
+                    <a:srgbClr val="000000">
+                      <a:alpha val="43137"/>
+                    </a:srgbClr>
+                  </a:outerShdw>
+                </a:effectLst>
+                <a:latin typeface="Consolas" pitchFamily="49" charset="0"/>
+                <a:cs typeface="Consolas" pitchFamily="49" charset="0"/>
+              </a:rPr>
+              <a:t>        $this-&gt;title   = $_POST['title']; // please read the below note</a:t>
+            </a:r>
+          </a:p>
+          <a:p>
+            <a:pPr>
+              <a:lnSpc>
+                <a:spcPct val="100000"/>
+              </a:lnSpc>
+              <a:spcBef>
+                <a:spcPts val="0"/>
+              </a:spcBef>
+              <a:buClr>
+                <a:schemeClr val="accent5">
+                  <a:lumMod val="40000"/>
+                  <a:lumOff val="60000"/>
+                </a:schemeClr>
+              </a:buClr>
+              <a:buSzPct val="70000"/>
+            </a:pPr>
+            <a:r>
+              <a:rPr lang="en-US" sz="1200" b="1" noProof="1">
+                <a:solidFill>
+                  <a:srgbClr val="8CF4F2"/>
+                </a:solidFill>
+                <a:effectLst>
+                  <a:outerShdw blurRad="38100" dist="38100" dir="2700000" algn="tl">
+                    <a:srgbClr val="000000">
+                      <a:alpha val="43137"/>
+                    </a:srgbClr>
+                  </a:outerShdw>
+                </a:effectLst>
+                <a:latin typeface="Consolas" pitchFamily="49" charset="0"/>
+                <a:cs typeface="Consolas" pitchFamily="49" charset="0"/>
+              </a:rPr>
+              <a:t>        $this-&gt;content = $_POST['content'];</a:t>
+            </a:r>
+          </a:p>
+          <a:p>
+            <a:pPr>
+              <a:lnSpc>
+                <a:spcPct val="100000"/>
+              </a:lnSpc>
+              <a:spcBef>
+                <a:spcPts val="0"/>
+              </a:spcBef>
+              <a:buClr>
+                <a:schemeClr val="accent5">
+                  <a:lumMod val="40000"/>
+                  <a:lumOff val="60000"/>
+                </a:schemeClr>
+              </a:buClr>
+              <a:buSzPct val="70000"/>
+            </a:pPr>
+            <a:endParaRPr lang="en-US" sz="1200" b="1" noProof="1">
+              <a:solidFill>
+                <a:srgbClr val="8CF4F2"/>
+              </a:solidFill>
+              <a:effectLst>
+                <a:outerShdw blurRad="38100" dist="38100" dir="2700000" algn="tl">
+                  <a:srgbClr val="000000">
+                    <a:alpha val="43137"/>
+                  </a:srgbClr>
+                </a:outerShdw>
+              </a:effectLst>
+              <a:latin typeface="Consolas" pitchFamily="49" charset="0"/>
+              <a:cs typeface="Consolas" pitchFamily="49" charset="0"/>
+            </a:endParaRPr>
+          </a:p>
+          <a:p>
+            <a:pPr>
+              <a:lnSpc>
+                <a:spcPct val="100000"/>
+              </a:lnSpc>
+              <a:spcBef>
+                <a:spcPts val="0"/>
+              </a:spcBef>
+              <a:buClr>
+                <a:schemeClr val="accent5">
+                  <a:lumMod val="40000"/>
+                  <a:lumOff val="60000"/>
+                </a:schemeClr>
+              </a:buClr>
+              <a:buSzPct val="70000"/>
+            </a:pPr>
+            <a:r>
+              <a:rPr lang="en-US" sz="1200" b="1" noProof="1">
+                <a:solidFill>
+                  <a:srgbClr val="8CF4F2"/>
+                </a:solidFill>
+                <a:effectLst>
+                  <a:outerShdw blurRad="38100" dist="38100" dir="2700000" algn="tl">
+                    <a:srgbClr val="000000">
+                      <a:alpha val="43137"/>
+                    </a:srgbClr>
+                  </a:outerShdw>
+                </a:effectLst>
+                <a:latin typeface="Consolas" pitchFamily="49" charset="0"/>
+                <a:cs typeface="Consolas" pitchFamily="49" charset="0"/>
+              </a:rPr>
+              <a:t>        $this-&gt;db-&gt;insert('entries', $this);</a:t>
+            </a:r>
+          </a:p>
+          <a:p>
+            <a:pPr>
+              <a:lnSpc>
+                <a:spcPct val="100000"/>
+              </a:lnSpc>
+              <a:spcBef>
+                <a:spcPts val="0"/>
+              </a:spcBef>
+              <a:buClr>
+                <a:schemeClr val="accent5">
+                  <a:lumMod val="40000"/>
+                  <a:lumOff val="60000"/>
+                </a:schemeClr>
+              </a:buClr>
+              <a:buSzPct val="70000"/>
+            </a:pPr>
+            <a:r>
+              <a:rPr lang="en-US" sz="1200" b="1" noProof="1">
+                <a:solidFill>
+                  <a:srgbClr val="8CF4F2"/>
+                </a:solidFill>
+                <a:effectLst>
+                  <a:outerShdw blurRad="38100" dist="38100" dir="2700000" algn="tl">
+                    <a:srgbClr val="000000">
+                      <a:alpha val="43137"/>
+                    </a:srgbClr>
+                  </a:outerShdw>
+                </a:effectLst>
+                <a:latin typeface="Consolas" pitchFamily="49" charset="0"/>
+                <a:cs typeface="Consolas" pitchFamily="49" charset="0"/>
+              </a:rPr>
+              <a:t>    }</a:t>
+            </a:r>
+          </a:p>
+          <a:p>
+            <a:pPr>
+              <a:lnSpc>
+                <a:spcPct val="100000"/>
+              </a:lnSpc>
+              <a:spcBef>
+                <a:spcPts val="0"/>
+              </a:spcBef>
+              <a:buClr>
+                <a:schemeClr val="accent5">
+                  <a:lumMod val="40000"/>
+                  <a:lumOff val="60000"/>
+                </a:schemeClr>
+              </a:buClr>
+              <a:buSzPct val="70000"/>
+            </a:pPr>
+            <a:endParaRPr lang="en-US" sz="1200" b="1" noProof="1">
+              <a:solidFill>
+                <a:srgbClr val="8CF4F2"/>
+              </a:solidFill>
+              <a:effectLst>
+                <a:outerShdw blurRad="38100" dist="38100" dir="2700000" algn="tl">
+                  <a:srgbClr val="000000">
+                    <a:alpha val="43137"/>
+                  </a:srgbClr>
+                </a:outerShdw>
+              </a:effectLst>
+              <a:latin typeface="Consolas" pitchFamily="49" charset="0"/>
+              <a:cs typeface="Consolas" pitchFamily="49" charset="0"/>
+            </a:endParaRPr>
+          </a:p>
+          <a:p>
+            <a:pPr>
+              <a:lnSpc>
+                <a:spcPct val="100000"/>
+              </a:lnSpc>
+              <a:spcBef>
+                <a:spcPts val="0"/>
+              </a:spcBef>
+              <a:buClr>
+                <a:schemeClr val="accent5">
+                  <a:lumMod val="40000"/>
+                  <a:lumOff val="60000"/>
+                </a:schemeClr>
+              </a:buClr>
+              <a:buSzPct val="70000"/>
+            </a:pPr>
+            <a:r>
+              <a:rPr lang="en-US" sz="1200" b="1" noProof="1">
+                <a:solidFill>
+                  <a:srgbClr val="8CF4F2"/>
+                </a:solidFill>
+                <a:effectLst>
+                  <a:outerShdw blurRad="38100" dist="38100" dir="2700000" algn="tl">
+                    <a:srgbClr val="000000">
+                      <a:alpha val="43137"/>
+                    </a:srgbClr>
+                  </a:outerShdw>
+                </a:effectLst>
+                <a:latin typeface="Consolas" pitchFamily="49" charset="0"/>
+                <a:cs typeface="Consolas" pitchFamily="49" charset="0"/>
+              </a:rPr>
+              <a:t>    function update_entry()</a:t>
+            </a:r>
+          </a:p>
+          <a:p>
+            <a:pPr>
+              <a:lnSpc>
+                <a:spcPct val="100000"/>
+              </a:lnSpc>
+              <a:spcBef>
+                <a:spcPts val="0"/>
+              </a:spcBef>
+              <a:buClr>
+                <a:schemeClr val="accent5">
+                  <a:lumMod val="40000"/>
+                  <a:lumOff val="60000"/>
+                </a:schemeClr>
+              </a:buClr>
+              <a:buSzPct val="70000"/>
+            </a:pPr>
+            <a:r>
+              <a:rPr lang="en-US" sz="1200" b="1" noProof="1">
+                <a:solidFill>
+                  <a:srgbClr val="8CF4F2"/>
+                </a:solidFill>
+                <a:effectLst>
+                  <a:outerShdw blurRad="38100" dist="38100" dir="2700000" algn="tl">
+                    <a:srgbClr val="000000">
+                      <a:alpha val="43137"/>
+                    </a:srgbClr>
+                  </a:outerShdw>
+                </a:effectLst>
+                <a:latin typeface="Consolas" pitchFamily="49" charset="0"/>
+                <a:cs typeface="Consolas" pitchFamily="49" charset="0"/>
+              </a:rPr>
+              <a:t>    {</a:t>
+            </a:r>
+          </a:p>
+          <a:p>
+            <a:pPr>
+              <a:lnSpc>
+                <a:spcPct val="100000"/>
+              </a:lnSpc>
+              <a:spcBef>
+                <a:spcPts val="0"/>
+              </a:spcBef>
+              <a:buClr>
+                <a:schemeClr val="accent5">
+                  <a:lumMod val="40000"/>
+                  <a:lumOff val="60000"/>
+                </a:schemeClr>
+              </a:buClr>
+              <a:buSzPct val="70000"/>
+            </a:pPr>
+            <a:r>
+              <a:rPr lang="en-US" sz="1200" b="1" noProof="1">
+                <a:solidFill>
+                  <a:srgbClr val="8CF4F2"/>
+                </a:solidFill>
+                <a:effectLst>
+                  <a:outerShdw blurRad="38100" dist="38100" dir="2700000" algn="tl">
+                    <a:srgbClr val="000000">
+                      <a:alpha val="43137"/>
+                    </a:srgbClr>
+                  </a:outerShdw>
+                </a:effectLst>
+                <a:latin typeface="Consolas" pitchFamily="49" charset="0"/>
+                <a:cs typeface="Consolas" pitchFamily="49" charset="0"/>
+              </a:rPr>
+              <a:t>        $this-&gt;title   = $_POST['title'];</a:t>
+            </a:r>
+          </a:p>
+          <a:p>
+            <a:pPr>
+              <a:lnSpc>
+                <a:spcPct val="100000"/>
+              </a:lnSpc>
+              <a:spcBef>
+                <a:spcPts val="0"/>
+              </a:spcBef>
+              <a:buClr>
+                <a:schemeClr val="accent5">
+                  <a:lumMod val="40000"/>
+                  <a:lumOff val="60000"/>
+                </a:schemeClr>
+              </a:buClr>
+              <a:buSzPct val="70000"/>
+            </a:pPr>
+            <a:r>
+              <a:rPr lang="en-US" sz="1200" b="1" noProof="1">
+                <a:solidFill>
+                  <a:srgbClr val="8CF4F2"/>
+                </a:solidFill>
+                <a:effectLst>
+                  <a:outerShdw blurRad="38100" dist="38100" dir="2700000" algn="tl">
+                    <a:srgbClr val="000000">
+                      <a:alpha val="43137"/>
+                    </a:srgbClr>
+                  </a:outerShdw>
+                </a:effectLst>
+                <a:latin typeface="Consolas" pitchFamily="49" charset="0"/>
+                <a:cs typeface="Consolas" pitchFamily="49" charset="0"/>
+              </a:rPr>
+              <a:t>        $this-&gt;content = $_POST['content'];</a:t>
+            </a:r>
+          </a:p>
+          <a:p>
+            <a:pPr>
+              <a:lnSpc>
+                <a:spcPct val="100000"/>
+              </a:lnSpc>
+              <a:spcBef>
+                <a:spcPts val="0"/>
+              </a:spcBef>
+              <a:buClr>
+                <a:schemeClr val="accent5">
+                  <a:lumMod val="40000"/>
+                  <a:lumOff val="60000"/>
+                </a:schemeClr>
+              </a:buClr>
+              <a:buSzPct val="70000"/>
+            </a:pPr>
+            <a:endParaRPr lang="en-US" sz="1200" b="1" noProof="1">
+              <a:solidFill>
+                <a:srgbClr val="8CF4F2"/>
+              </a:solidFill>
+              <a:effectLst>
+                <a:outerShdw blurRad="38100" dist="38100" dir="2700000" algn="tl">
+                  <a:srgbClr val="000000">
+                    <a:alpha val="43137"/>
+                  </a:srgbClr>
+                </a:outerShdw>
+              </a:effectLst>
+              <a:latin typeface="Consolas" pitchFamily="49" charset="0"/>
+              <a:cs typeface="Consolas" pitchFamily="49" charset="0"/>
+            </a:endParaRPr>
+          </a:p>
+          <a:p>
+            <a:pPr>
+              <a:lnSpc>
+                <a:spcPct val="100000"/>
+              </a:lnSpc>
+              <a:spcBef>
+                <a:spcPts val="0"/>
+              </a:spcBef>
+              <a:buClr>
+                <a:schemeClr val="accent5">
+                  <a:lumMod val="40000"/>
+                  <a:lumOff val="60000"/>
+                </a:schemeClr>
+              </a:buClr>
+              <a:buSzPct val="70000"/>
+            </a:pPr>
+            <a:r>
+              <a:rPr lang="en-US" sz="1200" b="1" noProof="1">
+                <a:solidFill>
+                  <a:srgbClr val="8CF4F2"/>
+                </a:solidFill>
+                <a:effectLst>
+                  <a:outerShdw blurRad="38100" dist="38100" dir="2700000" algn="tl">
+                    <a:srgbClr val="000000">
+                      <a:alpha val="43137"/>
+                    </a:srgbClr>
+                  </a:outerShdw>
+                </a:effectLst>
+                <a:latin typeface="Consolas" pitchFamily="49" charset="0"/>
+                <a:cs typeface="Consolas" pitchFamily="49" charset="0"/>
+              </a:rPr>
+              <a:t>        $this-&gt;db-&gt;update('entries', $this, array('id' =&gt; $_POST['id']));</a:t>
+            </a:r>
+          </a:p>
+          <a:p>
+            <a:pPr>
+              <a:lnSpc>
+                <a:spcPct val="100000"/>
+              </a:lnSpc>
+              <a:spcBef>
+                <a:spcPts val="0"/>
+              </a:spcBef>
+              <a:buClr>
+                <a:schemeClr val="accent5">
+                  <a:lumMod val="40000"/>
+                  <a:lumOff val="60000"/>
+                </a:schemeClr>
+              </a:buClr>
+              <a:buSzPct val="70000"/>
+            </a:pPr>
+            <a:r>
+              <a:rPr lang="en-US" sz="1200" b="1" noProof="1">
+                <a:solidFill>
+                  <a:srgbClr val="8CF4F2"/>
+                </a:solidFill>
+                <a:effectLst>
+                  <a:outerShdw blurRad="38100" dist="38100" dir="2700000" algn="tl">
+                    <a:srgbClr val="000000">
+                      <a:alpha val="43137"/>
+                    </a:srgbClr>
+                  </a:outerShdw>
+                </a:effectLst>
+                <a:latin typeface="Consolas" pitchFamily="49" charset="0"/>
+                <a:cs typeface="Consolas" pitchFamily="49" charset="0"/>
+              </a:rPr>
+              <a:t>    }</a:t>
+            </a:r>
+          </a:p>
+          <a:p>
+            <a:pPr>
+              <a:lnSpc>
+                <a:spcPct val="100000"/>
+              </a:lnSpc>
+              <a:spcBef>
+                <a:spcPts val="0"/>
+              </a:spcBef>
+              <a:buClr>
+                <a:schemeClr val="accent5">
+                  <a:lumMod val="40000"/>
+                  <a:lumOff val="60000"/>
+                </a:schemeClr>
+              </a:buClr>
+              <a:buSzPct val="70000"/>
+            </a:pPr>
+            <a:r>
+              <a:rPr lang="en-US" sz="1200" b="1" noProof="1">
+                <a:solidFill>
+                  <a:srgbClr val="8CF4F2"/>
+                </a:solidFill>
+                <a:effectLst>
+                  <a:outerShdw blurRad="38100" dist="38100" dir="2700000" algn="tl">
+                    <a:srgbClr val="000000">
+                      <a:alpha val="43137"/>
+                    </a:srgbClr>
+                  </a:outerShdw>
+                </a:effectLst>
+                <a:latin typeface="Consolas" pitchFamily="49" charset="0"/>
+                <a:cs typeface="Consolas" pitchFamily="49" charset="0"/>
+              </a:rPr>
+              <a:t>}</a:t>
+            </a:r>
+          </a:p>
+        </p:txBody>
+      </p:sp>
+    </p:spTree>
+    <p:extLst>
+      <p:ext uri="{BB962C8B-B14F-4D97-AF65-F5344CB8AC3E}">
+        <p14:creationId xmlns:p14="http://schemas.microsoft.com/office/powerpoint/2010/main" val="773426902"/>
       </p:ext>
     </p:extLst>
   </p:cSld>
@@ -34726,6 +39024,2078 @@
     <p:extLst>
       <p:ext uri="{BB962C8B-B14F-4D97-AF65-F5344CB8AC3E}">
         <p14:creationId xmlns:p14="http://schemas.microsoft.com/office/powerpoint/2010/main" val="1345385053"/>
+      </p:ext>
+    </p:extLst>
+  </p:cSld>
+  <p:clrMapOvr>
+    <a:masterClrMapping/>
+  </p:clrMapOvr>
+  <p:timing>
+    <p:tnLst>
+      <p:par>
+        <p:cTn id="1" dur="indefinite" restart="never" nodeType="tmRoot"/>
+      </p:par>
+    </p:tnLst>
+  </p:timing>
+</p:sld>
+</file>
+
+<file path=ppt/slides/slide60.xml><?xml version="1.0" encoding="utf-8"?>
+<p:sld xmlns:a="http://schemas.openxmlformats.org/drawingml/2006/main" xmlns:r="http://schemas.openxmlformats.org/officeDocument/2006/relationships" xmlns:p="http://schemas.openxmlformats.org/presentationml/2006/main">
+  <p:cSld>
+    <p:spTree>
+      <p:nvGrpSpPr>
+        <p:cNvPr id="1" name=""/>
+        <p:cNvGrpSpPr/>
+        <p:nvPr/>
+      </p:nvGrpSpPr>
+      <p:grpSpPr>
+        <a:xfrm>
+          <a:off x="0" y="0"/>
+          <a:ext cx="0" cy="0"/>
+          <a:chOff x="0" y="0"/>
+          <a:chExt cx="0" cy="0"/>
+        </a:xfrm>
+      </p:grpSpPr>
+      <p:sp>
+        <p:nvSpPr>
+          <p:cNvPr id="2" name="Title 1"/>
+          <p:cNvSpPr>
+            <a:spLocks noGrp="1"/>
+          </p:cNvSpPr>
+          <p:nvPr>
+            <p:ph type="title"/>
+          </p:nvPr>
+        </p:nvSpPr>
+        <p:spPr>
+          <a:xfrm>
+            <a:off x="1828800" y="162086"/>
+            <a:ext cx="7086600" cy="914400"/>
+          </a:xfrm>
+        </p:spPr>
+        <p:txBody>
+          <a:bodyPr/>
+          <a:lstStyle/>
+          <a:p>
+            <a:r>
+              <a:rPr lang="en-US" dirty="0" smtClean="0"/>
+              <a:t>Models and </a:t>
+            </a:r>
+            <a:r>
+              <a:rPr lang="en-US" dirty="0" err="1" smtClean="0"/>
+              <a:t>ActiveRecords</a:t>
+            </a:r>
+            <a:r>
+              <a:rPr lang="en-US" dirty="0" smtClean="0"/>
+              <a:t>(2)</a:t>
+            </a:r>
+            <a:endParaRPr lang="en-US" dirty="0"/>
+          </a:p>
+        </p:txBody>
+      </p:sp>
+      <p:sp>
+        <p:nvSpPr>
+          <p:cNvPr id="3" name="Content Placeholder 2"/>
+          <p:cNvSpPr>
+            <a:spLocks noGrp="1"/>
+          </p:cNvSpPr>
+          <p:nvPr>
+            <p:ph idx="1"/>
+          </p:nvPr>
+        </p:nvSpPr>
+        <p:spPr>
+          <a:xfrm>
+            <a:off x="113396" y="1377852"/>
+            <a:ext cx="8878204" cy="3651348"/>
+          </a:xfrm>
+        </p:spPr>
+        <p:txBody>
+          <a:bodyPr/>
+          <a:lstStyle/>
+          <a:p>
+            <a:pPr lvl="1">
+              <a:lnSpc>
+                <a:spcPct val="100000"/>
+              </a:lnSpc>
+            </a:pPr>
+            <a:r>
+              <a:rPr lang="en-US" sz="2600" dirty="0" smtClean="0">
+                <a:solidFill>
+                  <a:srgbClr val="F4FCD8"/>
+                </a:solidFill>
+              </a:rPr>
+              <a:t>Using models</a:t>
+            </a:r>
+          </a:p>
+          <a:p>
+            <a:pPr lvl="2">
+              <a:lnSpc>
+                <a:spcPct val="100000"/>
+              </a:lnSpc>
+            </a:pPr>
+            <a:r>
+              <a:rPr lang="en-US" sz="2400" dirty="0" smtClean="0">
+                <a:solidFill>
+                  <a:srgbClr val="F4FCD8"/>
+                </a:solidFill>
+              </a:rPr>
+              <a:t>The model needs to be loaded before using it</a:t>
+            </a:r>
+          </a:p>
+          <a:p>
+            <a:pPr lvl="3">
+              <a:lnSpc>
+                <a:spcPct val="100000"/>
+              </a:lnSpc>
+            </a:pPr>
+            <a:r>
+              <a:rPr lang="en-US" sz="2200" dirty="0" smtClean="0">
+                <a:solidFill>
+                  <a:srgbClr val="F4FCD8"/>
+                </a:solidFill>
+              </a:rPr>
+              <a:t>The loading of the model can be done in the </a:t>
+            </a:r>
+            <a:r>
+              <a:rPr lang="en-US" sz="2200" dirty="0" smtClean="0">
+                <a:solidFill>
+                  <a:schemeClr val="tx1"/>
+                </a:solidFill>
+              </a:rPr>
+              <a:t>__construct</a:t>
+            </a:r>
+            <a:r>
+              <a:rPr lang="en-US" sz="2200" dirty="0" smtClean="0">
+                <a:solidFill>
+                  <a:srgbClr val="F4FCD8"/>
+                </a:solidFill>
+              </a:rPr>
+              <a:t> method</a:t>
+            </a:r>
+          </a:p>
+          <a:p>
+            <a:pPr lvl="3">
+              <a:lnSpc>
+                <a:spcPct val="100000"/>
+              </a:lnSpc>
+            </a:pPr>
+            <a:r>
+              <a:rPr lang="en-US" sz="2200" dirty="0" smtClean="0">
+                <a:solidFill>
+                  <a:srgbClr val="F4FCD8"/>
+                </a:solidFill>
+              </a:rPr>
+              <a:t>It can be loaded  right before its usage</a:t>
+            </a:r>
+          </a:p>
+        </p:txBody>
+      </p:sp>
+      <p:sp>
+        <p:nvSpPr>
+          <p:cNvPr id="5" name="Rectangle 4"/>
+          <p:cNvSpPr>
+            <a:spLocks noChangeArrowheads="1"/>
+          </p:cNvSpPr>
+          <p:nvPr/>
+        </p:nvSpPr>
+        <p:spPr bwMode="auto">
+          <a:xfrm>
+            <a:off x="609600" y="4038600"/>
+            <a:ext cx="7848600" cy="2031325"/>
+          </a:xfrm>
+          <a:prstGeom prst="rect">
+            <a:avLst/>
+          </a:prstGeom>
+          <a:solidFill>
+            <a:schemeClr val="accent5">
+              <a:lumMod val="40000"/>
+              <a:lumOff val="60000"/>
+              <a:alpha val="15000"/>
+            </a:schemeClr>
+          </a:solidFill>
+          <a:ln w="12700">
+            <a:solidFill>
+              <a:schemeClr val="accent5">
+                <a:lumMod val="60000"/>
+                <a:lumOff val="40000"/>
+              </a:schemeClr>
+            </a:solidFill>
+          </a:ln>
+        </p:spPr>
+        <p:txBody>
+          <a:bodyPr wrap="square">
+            <a:spAutoFit/>
+          </a:bodyPr>
+          <a:lstStyle/>
+          <a:p>
+            <a:pPr>
+              <a:lnSpc>
+                <a:spcPct val="100000"/>
+              </a:lnSpc>
+              <a:spcBef>
+                <a:spcPts val="0"/>
+              </a:spcBef>
+              <a:buClr>
+                <a:schemeClr val="accent5">
+                  <a:lumMod val="40000"/>
+                  <a:lumOff val="60000"/>
+                </a:schemeClr>
+              </a:buClr>
+              <a:buSzPct val="70000"/>
+            </a:pPr>
+            <a:r>
+              <a:rPr lang="en-US" sz="1400" b="1" noProof="1">
+                <a:solidFill>
+                  <a:srgbClr val="8CF4F2"/>
+                </a:solidFill>
+                <a:effectLst>
+                  <a:outerShdw blurRad="38100" dist="38100" dir="2700000" algn="tl">
+                    <a:srgbClr val="000000">
+                      <a:alpha val="43137"/>
+                    </a:srgbClr>
+                  </a:outerShdw>
+                </a:effectLst>
+                <a:latin typeface="Consolas" pitchFamily="49" charset="0"/>
+                <a:cs typeface="Consolas" pitchFamily="49" charset="0"/>
+              </a:rPr>
+              <a:t>class Blog_controller extends CI_Controller {</a:t>
+            </a:r>
+          </a:p>
+          <a:p>
+            <a:pPr>
+              <a:lnSpc>
+                <a:spcPct val="100000"/>
+              </a:lnSpc>
+              <a:spcBef>
+                <a:spcPts val="0"/>
+              </a:spcBef>
+              <a:buClr>
+                <a:schemeClr val="accent5">
+                  <a:lumMod val="40000"/>
+                  <a:lumOff val="60000"/>
+                </a:schemeClr>
+              </a:buClr>
+              <a:buSzPct val="70000"/>
+            </a:pPr>
+            <a:endParaRPr lang="en-US" sz="1400" b="1" noProof="1">
+              <a:solidFill>
+                <a:srgbClr val="8CF4F2"/>
+              </a:solidFill>
+              <a:effectLst>
+                <a:outerShdw blurRad="38100" dist="38100" dir="2700000" algn="tl">
+                  <a:srgbClr val="000000">
+                    <a:alpha val="43137"/>
+                  </a:srgbClr>
+                </a:outerShdw>
+              </a:effectLst>
+              <a:latin typeface="Consolas" pitchFamily="49" charset="0"/>
+              <a:cs typeface="Consolas" pitchFamily="49" charset="0"/>
+            </a:endParaRPr>
+          </a:p>
+          <a:p>
+            <a:pPr>
+              <a:lnSpc>
+                <a:spcPct val="100000"/>
+              </a:lnSpc>
+              <a:spcBef>
+                <a:spcPts val="0"/>
+              </a:spcBef>
+              <a:buClr>
+                <a:schemeClr val="accent5">
+                  <a:lumMod val="40000"/>
+                  <a:lumOff val="60000"/>
+                </a:schemeClr>
+              </a:buClr>
+              <a:buSzPct val="70000"/>
+            </a:pPr>
+            <a:r>
+              <a:rPr lang="en-US" sz="1400" b="1" noProof="1">
+                <a:solidFill>
+                  <a:srgbClr val="8CF4F2"/>
+                </a:solidFill>
+                <a:effectLst>
+                  <a:outerShdw blurRad="38100" dist="38100" dir="2700000" algn="tl">
+                    <a:srgbClr val="000000">
+                      <a:alpha val="43137"/>
+                    </a:srgbClr>
+                  </a:outerShdw>
+                </a:effectLst>
+                <a:latin typeface="Consolas" pitchFamily="49" charset="0"/>
+                <a:cs typeface="Consolas" pitchFamily="49" charset="0"/>
+              </a:rPr>
+              <a:t>    </a:t>
+            </a:r>
+            <a:r>
+              <a:rPr lang="en-US" sz="1400" b="1" noProof="1">
+                <a:solidFill>
+                  <a:srgbClr val="8CF4F2"/>
+                </a:solidFill>
+                <a:effectLst>
+                  <a:outerShdw blurRad="38100" dist="38100" dir="2700000" algn="tl">
+                    <a:srgbClr val="000000">
+                      <a:alpha val="43137"/>
+                    </a:srgbClr>
+                  </a:outerShdw>
+                </a:effectLst>
+                <a:latin typeface="Consolas" pitchFamily="49" charset="0"/>
+                <a:cs typeface="Consolas" pitchFamily="49" charset="0"/>
+              </a:rPr>
+              <a:t>function </a:t>
+            </a:r>
+            <a:r>
+              <a:rPr lang="en-US" sz="1400" b="1" noProof="1" smtClean="0">
+                <a:solidFill>
+                  <a:srgbClr val="8CF4F2"/>
+                </a:solidFill>
+                <a:effectLst>
+                  <a:outerShdw blurRad="38100" dist="38100" dir="2700000" algn="tl">
+                    <a:srgbClr val="000000">
+                      <a:alpha val="43137"/>
+                    </a:srgbClr>
+                  </a:outerShdw>
+                </a:effectLst>
+                <a:latin typeface="Consolas" pitchFamily="49" charset="0"/>
+                <a:cs typeface="Consolas" pitchFamily="49" charset="0"/>
+              </a:rPr>
+              <a:t>blog()</a:t>
+            </a:r>
+            <a:endParaRPr lang="en-US" sz="1400" b="1" noProof="1">
+              <a:solidFill>
+                <a:srgbClr val="8CF4F2"/>
+              </a:solidFill>
+              <a:effectLst>
+                <a:outerShdw blurRad="38100" dist="38100" dir="2700000" algn="tl">
+                  <a:srgbClr val="000000">
+                    <a:alpha val="43137"/>
+                  </a:srgbClr>
+                </a:outerShdw>
+              </a:effectLst>
+              <a:latin typeface="Consolas" pitchFamily="49" charset="0"/>
+              <a:cs typeface="Consolas" pitchFamily="49" charset="0"/>
+            </a:endParaRPr>
+          </a:p>
+          <a:p>
+            <a:pPr>
+              <a:lnSpc>
+                <a:spcPct val="100000"/>
+              </a:lnSpc>
+              <a:spcBef>
+                <a:spcPts val="0"/>
+              </a:spcBef>
+              <a:buClr>
+                <a:schemeClr val="accent5">
+                  <a:lumMod val="40000"/>
+                  <a:lumOff val="60000"/>
+                </a:schemeClr>
+              </a:buClr>
+              <a:buSzPct val="70000"/>
+            </a:pPr>
+            <a:r>
+              <a:rPr lang="en-US" sz="1400" b="1" noProof="1">
+                <a:solidFill>
+                  <a:srgbClr val="8CF4F2"/>
+                </a:solidFill>
+                <a:effectLst>
+                  <a:outerShdw blurRad="38100" dist="38100" dir="2700000" algn="tl">
+                    <a:srgbClr val="000000">
+                      <a:alpha val="43137"/>
+                    </a:srgbClr>
+                  </a:outerShdw>
+                </a:effectLst>
+                <a:latin typeface="Consolas" pitchFamily="49" charset="0"/>
+                <a:cs typeface="Consolas" pitchFamily="49" charset="0"/>
+              </a:rPr>
+              <a:t>    {</a:t>
+            </a:r>
+          </a:p>
+          <a:p>
+            <a:pPr>
+              <a:lnSpc>
+                <a:spcPct val="100000"/>
+              </a:lnSpc>
+              <a:spcBef>
+                <a:spcPts val="0"/>
+              </a:spcBef>
+              <a:buClr>
+                <a:schemeClr val="accent5">
+                  <a:lumMod val="40000"/>
+                  <a:lumOff val="60000"/>
+                </a:schemeClr>
+              </a:buClr>
+              <a:buSzPct val="70000"/>
+            </a:pPr>
+            <a:r>
+              <a:rPr lang="en-US" sz="1400" b="1" noProof="1">
+                <a:solidFill>
+                  <a:srgbClr val="8CF4F2"/>
+                </a:solidFill>
+                <a:effectLst>
+                  <a:outerShdw blurRad="38100" dist="38100" dir="2700000" algn="tl">
+                    <a:srgbClr val="000000">
+                      <a:alpha val="43137"/>
+                    </a:srgbClr>
+                  </a:outerShdw>
+                </a:effectLst>
+                <a:latin typeface="Consolas" pitchFamily="49" charset="0"/>
+                <a:cs typeface="Consolas" pitchFamily="49" charset="0"/>
+              </a:rPr>
+              <a:t>        $this-&gt;load-&gt;model(</a:t>
+            </a:r>
+            <a:r>
+              <a:rPr lang="en-US" sz="1400" b="1" noProof="1">
+                <a:solidFill>
+                  <a:srgbClr val="8CF4F2"/>
+                </a:solidFill>
+                <a:effectLst>
+                  <a:outerShdw blurRad="38100" dist="38100" dir="2700000" algn="tl">
+                    <a:srgbClr val="000000">
+                      <a:alpha val="43137"/>
+                    </a:srgbClr>
+                  </a:outerShdw>
+                </a:effectLst>
+                <a:latin typeface="Consolas" pitchFamily="49" charset="0"/>
+                <a:cs typeface="Consolas" pitchFamily="49" charset="0"/>
+              </a:rPr>
+              <a:t>'Blog</a:t>
+            </a:r>
+            <a:r>
+              <a:rPr lang="en-US" sz="1400" b="1" noProof="1" smtClean="0">
+                <a:solidFill>
+                  <a:srgbClr val="8CF4F2"/>
+                </a:solidFill>
+                <a:effectLst>
+                  <a:outerShdw blurRad="38100" dist="38100" dir="2700000" algn="tl">
+                    <a:srgbClr val="000000">
+                      <a:alpha val="43137"/>
+                    </a:srgbClr>
+                  </a:outerShdw>
+                </a:effectLst>
+                <a:latin typeface="Consolas" pitchFamily="49" charset="0"/>
+                <a:cs typeface="Consolas" pitchFamily="49" charset="0"/>
+              </a:rPr>
+              <a:t>');</a:t>
+            </a:r>
+            <a:endParaRPr lang="en-US" sz="1400" b="1" noProof="1">
+              <a:solidFill>
+                <a:srgbClr val="8CF4F2"/>
+              </a:solidFill>
+              <a:effectLst>
+                <a:outerShdw blurRad="38100" dist="38100" dir="2700000" algn="tl">
+                  <a:srgbClr val="000000">
+                    <a:alpha val="43137"/>
+                  </a:srgbClr>
+                </a:outerShdw>
+              </a:effectLst>
+              <a:latin typeface="Consolas" pitchFamily="49" charset="0"/>
+              <a:cs typeface="Consolas" pitchFamily="49" charset="0"/>
+            </a:endParaRPr>
+          </a:p>
+          <a:p>
+            <a:pPr>
+              <a:lnSpc>
+                <a:spcPct val="100000"/>
+              </a:lnSpc>
+              <a:spcBef>
+                <a:spcPts val="0"/>
+              </a:spcBef>
+              <a:buClr>
+                <a:schemeClr val="accent5">
+                  <a:lumMod val="40000"/>
+                  <a:lumOff val="60000"/>
+                </a:schemeClr>
+              </a:buClr>
+              <a:buSzPct val="70000"/>
+            </a:pPr>
+            <a:r>
+              <a:rPr lang="en-US" sz="1400" b="1" noProof="1">
+                <a:solidFill>
+                  <a:srgbClr val="8CF4F2"/>
+                </a:solidFill>
+                <a:effectLst>
+                  <a:outerShdw blurRad="38100" dist="38100" dir="2700000" algn="tl">
+                    <a:srgbClr val="000000">
+                      <a:alpha val="43137"/>
+                    </a:srgbClr>
+                  </a:outerShdw>
+                </a:effectLst>
+                <a:latin typeface="Consolas" pitchFamily="49" charset="0"/>
+                <a:cs typeface="Consolas" pitchFamily="49" charset="0"/>
+              </a:rPr>
+              <a:t>        $data['query'] = $this-&gt;Blog-&gt;</a:t>
+            </a:r>
+            <a:r>
+              <a:rPr lang="en-US" sz="1400" b="1" noProof="1">
+                <a:solidFill>
+                  <a:srgbClr val="8CF4F2"/>
+                </a:solidFill>
+                <a:effectLst>
+                  <a:outerShdw blurRad="38100" dist="38100" dir="2700000" algn="tl">
+                    <a:srgbClr val="000000">
+                      <a:alpha val="43137"/>
+                    </a:srgbClr>
+                  </a:outerShdw>
+                </a:effectLst>
+                <a:latin typeface="Consolas" pitchFamily="49" charset="0"/>
+                <a:cs typeface="Consolas" pitchFamily="49" charset="0"/>
+              </a:rPr>
+              <a:t>get_last_ten_entries</a:t>
+            </a:r>
+            <a:r>
+              <a:rPr lang="en-US" sz="1400" b="1" noProof="1" smtClean="0">
+                <a:solidFill>
+                  <a:srgbClr val="8CF4F2"/>
+                </a:solidFill>
+                <a:effectLst>
+                  <a:outerShdw blurRad="38100" dist="38100" dir="2700000" algn="tl">
+                    <a:srgbClr val="000000">
+                      <a:alpha val="43137"/>
+                    </a:srgbClr>
+                  </a:outerShdw>
+                </a:effectLst>
+                <a:latin typeface="Consolas" pitchFamily="49" charset="0"/>
+                <a:cs typeface="Consolas" pitchFamily="49" charset="0"/>
+              </a:rPr>
+              <a:t>();</a:t>
+            </a:r>
+            <a:endParaRPr lang="en-US" sz="1400" b="1" noProof="1">
+              <a:solidFill>
+                <a:srgbClr val="8CF4F2"/>
+              </a:solidFill>
+              <a:effectLst>
+                <a:outerShdw blurRad="38100" dist="38100" dir="2700000" algn="tl">
+                  <a:srgbClr val="000000">
+                    <a:alpha val="43137"/>
+                  </a:srgbClr>
+                </a:outerShdw>
+              </a:effectLst>
+              <a:latin typeface="Consolas" pitchFamily="49" charset="0"/>
+              <a:cs typeface="Consolas" pitchFamily="49" charset="0"/>
+            </a:endParaRPr>
+          </a:p>
+          <a:p>
+            <a:pPr>
+              <a:lnSpc>
+                <a:spcPct val="100000"/>
+              </a:lnSpc>
+              <a:spcBef>
+                <a:spcPts val="0"/>
+              </a:spcBef>
+              <a:buClr>
+                <a:schemeClr val="accent5">
+                  <a:lumMod val="40000"/>
+                  <a:lumOff val="60000"/>
+                </a:schemeClr>
+              </a:buClr>
+              <a:buSzPct val="70000"/>
+            </a:pPr>
+            <a:r>
+              <a:rPr lang="en-US" sz="1400" b="1" noProof="1">
+                <a:solidFill>
+                  <a:srgbClr val="8CF4F2"/>
+                </a:solidFill>
+                <a:effectLst>
+                  <a:outerShdw blurRad="38100" dist="38100" dir="2700000" algn="tl">
+                    <a:srgbClr val="000000">
+                      <a:alpha val="43137"/>
+                    </a:srgbClr>
+                  </a:outerShdw>
+                </a:effectLst>
+                <a:latin typeface="Consolas" pitchFamily="49" charset="0"/>
+                <a:cs typeface="Consolas" pitchFamily="49" charset="0"/>
+              </a:rPr>
+              <a:t>        $this-&gt;load-&gt;view('blog', $data);</a:t>
+            </a:r>
+          </a:p>
+          <a:p>
+            <a:pPr>
+              <a:lnSpc>
+                <a:spcPct val="100000"/>
+              </a:lnSpc>
+              <a:spcBef>
+                <a:spcPts val="0"/>
+              </a:spcBef>
+              <a:buClr>
+                <a:schemeClr val="accent5">
+                  <a:lumMod val="40000"/>
+                  <a:lumOff val="60000"/>
+                </a:schemeClr>
+              </a:buClr>
+              <a:buSzPct val="70000"/>
+            </a:pPr>
+            <a:r>
+              <a:rPr lang="en-US" sz="1400" b="1" noProof="1">
+                <a:solidFill>
+                  <a:srgbClr val="8CF4F2"/>
+                </a:solidFill>
+                <a:effectLst>
+                  <a:outerShdw blurRad="38100" dist="38100" dir="2700000" algn="tl">
+                    <a:srgbClr val="000000">
+                      <a:alpha val="43137"/>
+                    </a:srgbClr>
+                  </a:outerShdw>
+                </a:effectLst>
+                <a:latin typeface="Consolas" pitchFamily="49" charset="0"/>
+                <a:cs typeface="Consolas" pitchFamily="49" charset="0"/>
+              </a:rPr>
+              <a:t>    }</a:t>
+            </a:r>
+          </a:p>
+          <a:p>
+            <a:pPr>
+              <a:lnSpc>
+                <a:spcPct val="100000"/>
+              </a:lnSpc>
+              <a:spcBef>
+                <a:spcPts val="0"/>
+              </a:spcBef>
+              <a:buClr>
+                <a:schemeClr val="accent5">
+                  <a:lumMod val="40000"/>
+                  <a:lumOff val="60000"/>
+                </a:schemeClr>
+              </a:buClr>
+              <a:buSzPct val="70000"/>
+            </a:pPr>
+            <a:r>
+              <a:rPr lang="en-US" sz="1400" b="1" noProof="1">
+                <a:solidFill>
+                  <a:srgbClr val="8CF4F2"/>
+                </a:solidFill>
+                <a:effectLst>
+                  <a:outerShdw blurRad="38100" dist="38100" dir="2700000" algn="tl">
+                    <a:srgbClr val="000000">
+                      <a:alpha val="43137"/>
+                    </a:srgbClr>
+                  </a:outerShdw>
+                </a:effectLst>
+                <a:latin typeface="Consolas" pitchFamily="49" charset="0"/>
+                <a:cs typeface="Consolas" pitchFamily="49" charset="0"/>
+              </a:rPr>
+              <a:t>}</a:t>
+            </a:r>
+          </a:p>
+        </p:txBody>
+      </p:sp>
+    </p:spTree>
+    <p:extLst>
+      <p:ext uri="{BB962C8B-B14F-4D97-AF65-F5344CB8AC3E}">
+        <p14:creationId xmlns:p14="http://schemas.microsoft.com/office/powerpoint/2010/main" val="1968581400"/>
+      </p:ext>
+    </p:extLst>
+  </p:cSld>
+  <p:clrMapOvr>
+    <a:masterClrMapping/>
+  </p:clrMapOvr>
+  <p:timing>
+    <p:tnLst>
+      <p:par>
+        <p:cTn id="1" dur="indefinite" restart="never" nodeType="tmRoot"/>
+      </p:par>
+    </p:tnLst>
+  </p:timing>
+</p:sld>
+</file>
+
+<file path=ppt/slides/slide61.xml><?xml version="1.0" encoding="utf-8"?>
+<p:sld xmlns:a="http://schemas.openxmlformats.org/drawingml/2006/main" xmlns:r="http://schemas.openxmlformats.org/officeDocument/2006/relationships" xmlns:p="http://schemas.openxmlformats.org/presentationml/2006/main">
+  <p:cSld>
+    <p:spTree>
+      <p:nvGrpSpPr>
+        <p:cNvPr id="1" name=""/>
+        <p:cNvGrpSpPr/>
+        <p:nvPr/>
+      </p:nvGrpSpPr>
+      <p:grpSpPr>
+        <a:xfrm>
+          <a:off x="0" y="0"/>
+          <a:ext cx="0" cy="0"/>
+          <a:chOff x="0" y="0"/>
+          <a:chExt cx="0" cy="0"/>
+        </a:xfrm>
+      </p:grpSpPr>
+      <p:sp>
+        <p:nvSpPr>
+          <p:cNvPr id="2" name="Title 1"/>
+          <p:cNvSpPr>
+            <a:spLocks noGrp="1"/>
+          </p:cNvSpPr>
+          <p:nvPr>
+            <p:ph type="title"/>
+          </p:nvPr>
+        </p:nvSpPr>
+        <p:spPr>
+          <a:xfrm>
+            <a:off x="1828800" y="162086"/>
+            <a:ext cx="7086600" cy="914400"/>
+          </a:xfrm>
+        </p:spPr>
+        <p:txBody>
+          <a:bodyPr/>
+          <a:lstStyle/>
+          <a:p>
+            <a:r>
+              <a:rPr lang="en-US" dirty="0" smtClean="0"/>
+              <a:t>Extending CI controllers and models</a:t>
+            </a:r>
+            <a:endParaRPr lang="en-US" dirty="0"/>
+          </a:p>
+        </p:txBody>
+      </p:sp>
+      <p:sp>
+        <p:nvSpPr>
+          <p:cNvPr id="3" name="Content Placeholder 2"/>
+          <p:cNvSpPr>
+            <a:spLocks noGrp="1"/>
+          </p:cNvSpPr>
+          <p:nvPr>
+            <p:ph idx="1"/>
+          </p:nvPr>
+        </p:nvSpPr>
+        <p:spPr>
+          <a:xfrm>
+            <a:off x="113396" y="1377852"/>
+            <a:ext cx="8878204" cy="3651348"/>
+          </a:xfrm>
+        </p:spPr>
+        <p:txBody>
+          <a:bodyPr/>
+          <a:lstStyle/>
+          <a:p>
+            <a:pPr lvl="1">
+              <a:lnSpc>
+                <a:spcPct val="100000"/>
+              </a:lnSpc>
+            </a:pPr>
+            <a:r>
+              <a:rPr lang="en-US" sz="2600" dirty="0" err="1" smtClean="0">
+                <a:solidFill>
+                  <a:srgbClr val="F4FCD8"/>
+                </a:solidFill>
+              </a:rPr>
+              <a:t>config.php</a:t>
+            </a:r>
+            <a:endParaRPr lang="en-US" sz="2600" dirty="0" smtClean="0">
+              <a:solidFill>
+                <a:srgbClr val="F4FCD8"/>
+              </a:solidFill>
+            </a:endParaRPr>
+          </a:p>
+          <a:p>
+            <a:pPr lvl="1">
+              <a:lnSpc>
+                <a:spcPct val="100000"/>
+              </a:lnSpc>
+            </a:pPr>
+            <a:endParaRPr lang="en-US" sz="2600" dirty="0" smtClean="0">
+              <a:solidFill>
+                <a:srgbClr val="F4FCD8"/>
+              </a:solidFill>
+            </a:endParaRPr>
+          </a:p>
+          <a:p>
+            <a:pPr lvl="1">
+              <a:lnSpc>
+                <a:spcPct val="100000"/>
+              </a:lnSpc>
+            </a:pPr>
+            <a:endParaRPr lang="en-US" sz="2600" dirty="0">
+              <a:solidFill>
+                <a:srgbClr val="F4FCD8"/>
+              </a:solidFill>
+            </a:endParaRPr>
+          </a:p>
+          <a:p>
+            <a:pPr lvl="1">
+              <a:lnSpc>
+                <a:spcPct val="100000"/>
+              </a:lnSpc>
+            </a:pPr>
+            <a:r>
+              <a:rPr lang="en-US" sz="2600" dirty="0" smtClean="0">
+                <a:solidFill>
+                  <a:srgbClr val="F4FCD8"/>
+                </a:solidFill>
+              </a:rPr>
+              <a:t>Extended model and controller must be in  </a:t>
+            </a:r>
+            <a:r>
+              <a:rPr lang="en-US" sz="2600" dirty="0" smtClean="0">
+                <a:solidFill>
+                  <a:schemeClr val="tx1"/>
+                </a:solidFill>
+              </a:rPr>
+              <a:t>&lt;project&gt;/application/core</a:t>
+            </a:r>
+            <a:r>
+              <a:rPr lang="en-US" sz="2600" dirty="0" smtClean="0">
+                <a:solidFill>
+                  <a:srgbClr val="F4FCD8"/>
+                </a:solidFill>
+              </a:rPr>
+              <a:t> folder</a:t>
+            </a:r>
+          </a:p>
+          <a:p>
+            <a:pPr lvl="1">
+              <a:lnSpc>
+                <a:spcPct val="100000"/>
+              </a:lnSpc>
+            </a:pPr>
+            <a:r>
+              <a:rPr lang="en-US" sz="2600" dirty="0" smtClean="0">
+                <a:solidFill>
+                  <a:srgbClr val="F4FCD8"/>
+                </a:solidFill>
+              </a:rPr>
+              <a:t>Extending these basic classes can be done only on one level</a:t>
+            </a:r>
+          </a:p>
+        </p:txBody>
+      </p:sp>
+      <p:sp>
+        <p:nvSpPr>
+          <p:cNvPr id="5" name="Rectangle 4"/>
+          <p:cNvSpPr>
+            <a:spLocks noChangeArrowheads="1"/>
+          </p:cNvSpPr>
+          <p:nvPr/>
+        </p:nvSpPr>
+        <p:spPr bwMode="auto">
+          <a:xfrm>
+            <a:off x="609600" y="2133600"/>
+            <a:ext cx="7848600" cy="307777"/>
+          </a:xfrm>
+          <a:prstGeom prst="rect">
+            <a:avLst/>
+          </a:prstGeom>
+          <a:solidFill>
+            <a:schemeClr val="accent5">
+              <a:lumMod val="40000"/>
+              <a:lumOff val="60000"/>
+              <a:alpha val="15000"/>
+            </a:schemeClr>
+          </a:solidFill>
+          <a:ln w="12700">
+            <a:solidFill>
+              <a:schemeClr val="accent5">
+                <a:lumMod val="60000"/>
+                <a:lumOff val="40000"/>
+              </a:schemeClr>
+            </a:solidFill>
+          </a:ln>
+        </p:spPr>
+        <p:txBody>
+          <a:bodyPr wrap="square">
+            <a:spAutoFit/>
+          </a:bodyPr>
+          <a:lstStyle/>
+          <a:p>
+            <a:pPr>
+              <a:lnSpc>
+                <a:spcPct val="100000"/>
+              </a:lnSpc>
+              <a:spcBef>
+                <a:spcPts val="0"/>
+              </a:spcBef>
+              <a:buClr>
+                <a:schemeClr val="accent5">
+                  <a:lumMod val="40000"/>
+                  <a:lumOff val="60000"/>
+                </a:schemeClr>
+              </a:buClr>
+              <a:buSzPct val="70000"/>
+            </a:pPr>
+            <a:r>
+              <a:rPr lang="en-US" sz="1400" b="1" noProof="1">
+                <a:solidFill>
+                  <a:srgbClr val="8CF4F2"/>
+                </a:solidFill>
+                <a:effectLst>
+                  <a:outerShdw blurRad="38100" dist="38100" dir="2700000" algn="tl">
+                    <a:srgbClr val="000000">
+                      <a:alpha val="43137"/>
+                    </a:srgbClr>
+                  </a:outerShdw>
+                </a:effectLst>
+                <a:latin typeface="Consolas" pitchFamily="49" charset="0"/>
+                <a:cs typeface="Consolas" pitchFamily="49" charset="0"/>
+              </a:rPr>
+              <a:t>$config['subclass_prefix'] = 'MY_';</a:t>
+            </a:r>
+          </a:p>
+        </p:txBody>
+      </p:sp>
+      <p:sp>
+        <p:nvSpPr>
+          <p:cNvPr id="6" name="Rectangle 4"/>
+          <p:cNvSpPr>
+            <a:spLocks noChangeArrowheads="1"/>
+          </p:cNvSpPr>
+          <p:nvPr/>
+        </p:nvSpPr>
+        <p:spPr bwMode="auto">
+          <a:xfrm>
+            <a:off x="612648" y="5026223"/>
+            <a:ext cx="7848600" cy="1384995"/>
+          </a:xfrm>
+          <a:prstGeom prst="rect">
+            <a:avLst/>
+          </a:prstGeom>
+          <a:solidFill>
+            <a:schemeClr val="accent5">
+              <a:lumMod val="40000"/>
+              <a:lumOff val="60000"/>
+              <a:alpha val="15000"/>
+            </a:schemeClr>
+          </a:solidFill>
+          <a:ln w="12700">
+            <a:solidFill>
+              <a:schemeClr val="accent5">
+                <a:lumMod val="60000"/>
+                <a:lumOff val="40000"/>
+              </a:schemeClr>
+            </a:solidFill>
+          </a:ln>
+        </p:spPr>
+        <p:txBody>
+          <a:bodyPr wrap="square">
+            <a:spAutoFit/>
+          </a:bodyPr>
+          <a:lstStyle/>
+          <a:p>
+            <a:pPr>
+              <a:lnSpc>
+                <a:spcPct val="100000"/>
+              </a:lnSpc>
+              <a:spcBef>
+                <a:spcPts val="0"/>
+              </a:spcBef>
+              <a:buClr>
+                <a:schemeClr val="accent5">
+                  <a:lumMod val="40000"/>
+                  <a:lumOff val="60000"/>
+                </a:schemeClr>
+              </a:buClr>
+              <a:buSzPct val="70000"/>
+            </a:pPr>
+            <a:r>
+              <a:rPr lang="en-US" sz="1400" b="1" noProof="1">
+                <a:solidFill>
+                  <a:srgbClr val="8CF4F2"/>
+                </a:solidFill>
+                <a:effectLst>
+                  <a:outerShdw blurRad="38100" dist="38100" dir="2700000" algn="tl">
+                    <a:srgbClr val="000000">
+                      <a:alpha val="43137"/>
+                    </a:srgbClr>
+                  </a:outerShdw>
+                </a:effectLst>
+                <a:latin typeface="Consolas" pitchFamily="49" charset="0"/>
+                <a:cs typeface="Consolas" pitchFamily="49" charset="0"/>
+              </a:rPr>
+              <a:t>&lt;?</a:t>
+            </a:r>
+            <a:r>
+              <a:rPr lang="en-US" sz="1400" b="1" noProof="1" smtClean="0">
+                <a:solidFill>
+                  <a:srgbClr val="8CF4F2"/>
+                </a:solidFill>
+                <a:effectLst>
+                  <a:outerShdw blurRad="38100" dist="38100" dir="2700000" algn="tl">
+                    <a:srgbClr val="000000">
+                      <a:alpha val="43137"/>
+                    </a:srgbClr>
+                  </a:outerShdw>
+                </a:effectLst>
+                <a:latin typeface="Consolas" pitchFamily="49" charset="0"/>
+                <a:cs typeface="Consolas" pitchFamily="49" charset="0"/>
+              </a:rPr>
+              <a:t>php</a:t>
+            </a:r>
+          </a:p>
+          <a:p>
+            <a:pPr>
+              <a:lnSpc>
+                <a:spcPct val="100000"/>
+              </a:lnSpc>
+              <a:spcBef>
+                <a:spcPts val="0"/>
+              </a:spcBef>
+              <a:buClr>
+                <a:schemeClr val="accent5">
+                  <a:lumMod val="40000"/>
+                  <a:lumOff val="60000"/>
+                </a:schemeClr>
+              </a:buClr>
+              <a:buSzPct val="70000"/>
+            </a:pPr>
+            <a:r>
+              <a:rPr lang="en-US" sz="1400" b="1" noProof="1" smtClean="0">
+                <a:solidFill>
+                  <a:srgbClr val="8CF4F2"/>
+                </a:solidFill>
+                <a:effectLst>
+                  <a:outerShdw blurRad="38100" dist="38100" dir="2700000" algn="tl">
+                    <a:srgbClr val="000000">
+                      <a:alpha val="43137"/>
+                    </a:srgbClr>
+                  </a:outerShdw>
+                </a:effectLst>
+                <a:latin typeface="Consolas" pitchFamily="49" charset="0"/>
+                <a:cs typeface="Consolas" pitchFamily="49" charset="0"/>
+              </a:rPr>
+              <a:t>class </a:t>
+            </a:r>
+            <a:r>
+              <a:rPr lang="en-US" sz="1400" b="1" noProof="1">
+                <a:solidFill>
+                  <a:srgbClr val="8CF4F2"/>
+                </a:solidFill>
+                <a:effectLst>
+                  <a:outerShdw blurRad="38100" dist="38100" dir="2700000" algn="tl">
+                    <a:srgbClr val="000000">
+                      <a:alpha val="43137"/>
+                    </a:srgbClr>
+                  </a:outerShdw>
+                </a:effectLst>
+                <a:latin typeface="Consolas" pitchFamily="49" charset="0"/>
+                <a:cs typeface="Consolas" pitchFamily="49" charset="0"/>
+              </a:rPr>
+              <a:t>AFB_Controller </a:t>
+            </a:r>
+            <a:r>
+              <a:rPr lang="en-US" sz="1400" b="1" noProof="1">
+                <a:solidFill>
+                  <a:srgbClr val="8CF4F2"/>
+                </a:solidFill>
+                <a:effectLst>
+                  <a:outerShdw blurRad="38100" dist="38100" dir="2700000" algn="tl">
+                    <a:srgbClr val="000000">
+                      <a:alpha val="43137"/>
+                    </a:srgbClr>
+                  </a:outerShdw>
+                </a:effectLst>
+                <a:latin typeface="Consolas" pitchFamily="49" charset="0"/>
+                <a:cs typeface="Consolas" pitchFamily="49" charset="0"/>
+              </a:rPr>
+              <a:t>extends </a:t>
+            </a:r>
+            <a:r>
+              <a:rPr lang="en-US" sz="1400" b="1" noProof="1" smtClean="0">
+                <a:solidFill>
+                  <a:srgbClr val="8CF4F2"/>
+                </a:solidFill>
+                <a:effectLst>
+                  <a:outerShdw blurRad="38100" dist="38100" dir="2700000" algn="tl">
+                    <a:srgbClr val="000000">
+                      <a:alpha val="43137"/>
+                    </a:srgbClr>
+                  </a:outerShdw>
+                </a:effectLst>
+                <a:latin typeface="Consolas" pitchFamily="49" charset="0"/>
+                <a:cs typeface="Consolas" pitchFamily="49" charset="0"/>
+              </a:rPr>
+              <a:t>CI_Controller</a:t>
+            </a:r>
+          </a:p>
+          <a:p>
+            <a:pPr>
+              <a:lnSpc>
+                <a:spcPct val="100000"/>
+              </a:lnSpc>
+              <a:spcBef>
+                <a:spcPts val="0"/>
+              </a:spcBef>
+              <a:buClr>
+                <a:schemeClr val="accent5">
+                  <a:lumMod val="40000"/>
+                  <a:lumOff val="60000"/>
+                </a:schemeClr>
+              </a:buClr>
+              <a:buSzPct val="70000"/>
+            </a:pPr>
+            <a:r>
+              <a:rPr lang="en-US" sz="1400" b="1" noProof="1" smtClean="0">
+                <a:solidFill>
+                  <a:srgbClr val="8CF4F2"/>
+                </a:solidFill>
+                <a:effectLst>
+                  <a:outerShdw blurRad="38100" dist="38100" dir="2700000" algn="tl">
+                    <a:srgbClr val="000000">
+                      <a:alpha val="43137"/>
+                    </a:srgbClr>
+                  </a:outerShdw>
+                </a:effectLst>
+                <a:latin typeface="Consolas" pitchFamily="49" charset="0"/>
+                <a:cs typeface="Consolas" pitchFamily="49" charset="0"/>
+              </a:rPr>
+              <a:t>{</a:t>
+            </a:r>
+            <a:r>
+              <a:rPr lang="en-US" sz="1400" b="1" noProof="1">
+                <a:solidFill>
+                  <a:srgbClr val="8CF4F2"/>
+                </a:solidFill>
+                <a:effectLst>
+                  <a:outerShdw blurRad="38100" dist="38100" dir="2700000" algn="tl">
+                    <a:srgbClr val="000000">
+                      <a:alpha val="43137"/>
+                    </a:srgbClr>
+                  </a:outerShdw>
+                </a:effectLst>
+                <a:latin typeface="Consolas" pitchFamily="49" charset="0"/>
+                <a:cs typeface="Consolas" pitchFamily="49" charset="0"/>
+              </a:rPr>
+              <a:t>	</a:t>
+            </a:r>
+            <a:endParaRPr lang="en-US" sz="1400" b="1" noProof="1" smtClean="0">
+              <a:solidFill>
+                <a:srgbClr val="8CF4F2"/>
+              </a:solidFill>
+              <a:effectLst>
+                <a:outerShdw blurRad="38100" dist="38100" dir="2700000" algn="tl">
+                  <a:srgbClr val="000000">
+                    <a:alpha val="43137"/>
+                  </a:srgbClr>
+                </a:outerShdw>
+              </a:effectLst>
+              <a:latin typeface="Consolas" pitchFamily="49" charset="0"/>
+              <a:cs typeface="Consolas" pitchFamily="49" charset="0"/>
+            </a:endParaRPr>
+          </a:p>
+          <a:p>
+            <a:pPr>
+              <a:lnSpc>
+                <a:spcPct val="100000"/>
+              </a:lnSpc>
+              <a:spcBef>
+                <a:spcPts val="0"/>
+              </a:spcBef>
+              <a:buClr>
+                <a:schemeClr val="accent5">
+                  <a:lumMod val="40000"/>
+                  <a:lumOff val="60000"/>
+                </a:schemeClr>
+              </a:buClr>
+              <a:buSzPct val="70000"/>
+            </a:pPr>
+            <a:r>
+              <a:rPr lang="en-US" sz="1400" b="1" noProof="1">
+                <a:solidFill>
+                  <a:srgbClr val="8CF4F2"/>
+                </a:solidFill>
+                <a:effectLst>
+                  <a:outerShdw blurRad="38100" dist="38100" dir="2700000" algn="tl">
+                    <a:srgbClr val="000000">
+                      <a:alpha val="43137"/>
+                    </a:srgbClr>
+                  </a:outerShdw>
+                </a:effectLst>
+                <a:latin typeface="Consolas" pitchFamily="49" charset="0"/>
+                <a:cs typeface="Consolas" pitchFamily="49" charset="0"/>
+              </a:rPr>
+              <a:t> </a:t>
+            </a:r>
+            <a:r>
+              <a:rPr lang="en-US" sz="1400" b="1" noProof="1" smtClean="0">
+                <a:solidFill>
+                  <a:srgbClr val="8CF4F2"/>
+                </a:solidFill>
+                <a:effectLst>
+                  <a:outerShdw blurRad="38100" dist="38100" dir="2700000" algn="tl">
+                    <a:srgbClr val="000000">
+                      <a:alpha val="43137"/>
+                    </a:srgbClr>
+                  </a:outerShdw>
+                </a:effectLst>
+                <a:latin typeface="Consolas" pitchFamily="49" charset="0"/>
+                <a:cs typeface="Consolas" pitchFamily="49" charset="0"/>
+              </a:rPr>
+              <a:t> public </a:t>
+            </a:r>
+            <a:r>
+              <a:rPr lang="en-US" sz="1400" b="1" noProof="1">
+                <a:solidFill>
+                  <a:srgbClr val="8CF4F2"/>
+                </a:solidFill>
+                <a:effectLst>
+                  <a:outerShdw blurRad="38100" dist="38100" dir="2700000" algn="tl">
+                    <a:srgbClr val="000000">
+                      <a:alpha val="43137"/>
+                    </a:srgbClr>
+                  </a:outerShdw>
+                </a:effectLst>
+                <a:latin typeface="Consolas" pitchFamily="49" charset="0"/>
+                <a:cs typeface="Consolas" pitchFamily="49" charset="0"/>
+              </a:rPr>
+              <a:t>function __</a:t>
+            </a:r>
+            <a:r>
+              <a:rPr lang="en-US" sz="1400" b="1" noProof="1">
+                <a:solidFill>
+                  <a:srgbClr val="8CF4F2"/>
+                </a:solidFill>
+                <a:effectLst>
+                  <a:outerShdw blurRad="38100" dist="38100" dir="2700000" algn="tl">
+                    <a:srgbClr val="000000">
+                      <a:alpha val="43137"/>
+                    </a:srgbClr>
+                  </a:outerShdw>
+                </a:effectLst>
+                <a:latin typeface="Consolas" pitchFamily="49" charset="0"/>
+                <a:cs typeface="Consolas" pitchFamily="49" charset="0"/>
+              </a:rPr>
+              <a:t>construct</a:t>
+            </a:r>
+            <a:r>
+              <a:rPr lang="en-US" sz="1400" b="1" noProof="1" smtClean="0">
+                <a:solidFill>
+                  <a:srgbClr val="8CF4F2"/>
+                </a:solidFill>
+                <a:effectLst>
+                  <a:outerShdw blurRad="38100" dist="38100" dir="2700000" algn="tl">
+                    <a:srgbClr val="000000">
+                      <a:alpha val="43137"/>
+                    </a:srgbClr>
+                  </a:outerShdw>
+                </a:effectLst>
+                <a:latin typeface="Consolas" pitchFamily="49" charset="0"/>
+                <a:cs typeface="Consolas" pitchFamily="49" charset="0"/>
+              </a:rPr>
+              <a:t>()</a:t>
+            </a:r>
+            <a:r>
+              <a:rPr lang="en-US" sz="1400" b="1" noProof="1" smtClean="0">
+                <a:solidFill>
+                  <a:srgbClr val="8CF4F2"/>
+                </a:solidFill>
+                <a:effectLst>
+                  <a:outerShdw blurRad="38100" dist="38100" dir="2700000" algn="tl">
+                    <a:srgbClr val="000000">
+                      <a:alpha val="43137"/>
+                    </a:srgbClr>
+                  </a:outerShdw>
+                </a:effectLst>
+                <a:latin typeface="Consolas" pitchFamily="49" charset="0"/>
+                <a:cs typeface="Consolas" pitchFamily="49" charset="0"/>
+              </a:rPr>
+              <a:t> </a:t>
+            </a:r>
+            <a:r>
+              <a:rPr lang="en-US" sz="1400" b="1" noProof="1" smtClean="0">
+                <a:solidFill>
+                  <a:srgbClr val="8CF4F2"/>
+                </a:solidFill>
+                <a:effectLst>
+                  <a:outerShdw blurRad="38100" dist="38100" dir="2700000" algn="tl">
+                    <a:srgbClr val="000000">
+                      <a:alpha val="43137"/>
+                    </a:srgbClr>
+                  </a:outerShdw>
+                </a:effectLst>
+                <a:latin typeface="Consolas" pitchFamily="49" charset="0"/>
+                <a:cs typeface="Consolas" pitchFamily="49" charset="0"/>
+              </a:rPr>
+              <a:t>{ parent</a:t>
+            </a:r>
+            <a:r>
+              <a:rPr lang="en-US" sz="1400" b="1" noProof="1">
+                <a:solidFill>
+                  <a:srgbClr val="8CF4F2"/>
+                </a:solidFill>
+                <a:effectLst>
+                  <a:outerShdw blurRad="38100" dist="38100" dir="2700000" algn="tl">
+                    <a:srgbClr val="000000">
+                      <a:alpha val="43137"/>
+                    </a:srgbClr>
+                  </a:outerShdw>
+                </a:effectLst>
+                <a:latin typeface="Consolas" pitchFamily="49" charset="0"/>
+                <a:cs typeface="Consolas" pitchFamily="49" charset="0"/>
+              </a:rPr>
+              <a:t>::__</a:t>
+            </a:r>
+            <a:r>
+              <a:rPr lang="en-US" sz="1400" b="1" noProof="1">
+                <a:solidFill>
+                  <a:srgbClr val="8CF4F2"/>
+                </a:solidFill>
+                <a:effectLst>
+                  <a:outerShdw blurRad="38100" dist="38100" dir="2700000" algn="tl">
+                    <a:srgbClr val="000000">
+                      <a:alpha val="43137"/>
+                    </a:srgbClr>
+                  </a:outerShdw>
+                </a:effectLst>
+                <a:latin typeface="Consolas" pitchFamily="49" charset="0"/>
+                <a:cs typeface="Consolas" pitchFamily="49" charset="0"/>
+              </a:rPr>
+              <a:t>construct</a:t>
+            </a:r>
+            <a:r>
+              <a:rPr lang="en-US" sz="1400" b="1" noProof="1" smtClean="0">
+                <a:solidFill>
+                  <a:srgbClr val="8CF4F2"/>
+                </a:solidFill>
+                <a:effectLst>
+                  <a:outerShdw blurRad="38100" dist="38100" dir="2700000" algn="tl">
+                    <a:srgbClr val="000000">
+                      <a:alpha val="43137"/>
+                    </a:srgbClr>
+                  </a:outerShdw>
+                </a:effectLst>
+                <a:latin typeface="Consolas" pitchFamily="49" charset="0"/>
+                <a:cs typeface="Consolas" pitchFamily="49" charset="0"/>
+              </a:rPr>
+              <a:t>(); }</a:t>
+            </a:r>
+          </a:p>
+          <a:p>
+            <a:pPr>
+              <a:lnSpc>
+                <a:spcPct val="100000"/>
+              </a:lnSpc>
+              <a:spcBef>
+                <a:spcPts val="0"/>
+              </a:spcBef>
+              <a:buClr>
+                <a:schemeClr val="accent5">
+                  <a:lumMod val="40000"/>
+                  <a:lumOff val="60000"/>
+                </a:schemeClr>
+              </a:buClr>
+              <a:buSzPct val="70000"/>
+            </a:pPr>
+            <a:r>
+              <a:rPr lang="en-US" sz="1400" b="1" noProof="1" smtClean="0">
+                <a:solidFill>
+                  <a:srgbClr val="8CF4F2"/>
+                </a:solidFill>
+                <a:effectLst>
+                  <a:outerShdw blurRad="38100" dist="38100" dir="2700000" algn="tl">
+                    <a:srgbClr val="000000">
+                      <a:alpha val="43137"/>
+                    </a:srgbClr>
+                  </a:outerShdw>
+                </a:effectLst>
+                <a:latin typeface="Consolas" pitchFamily="49" charset="0"/>
+                <a:cs typeface="Consolas" pitchFamily="49" charset="0"/>
+              </a:rPr>
+              <a:t>  ...</a:t>
+            </a:r>
+          </a:p>
+          <a:p>
+            <a:pPr>
+              <a:lnSpc>
+                <a:spcPct val="100000"/>
+              </a:lnSpc>
+              <a:spcBef>
+                <a:spcPts val="0"/>
+              </a:spcBef>
+              <a:buClr>
+                <a:schemeClr val="accent5">
+                  <a:lumMod val="40000"/>
+                  <a:lumOff val="60000"/>
+                </a:schemeClr>
+              </a:buClr>
+              <a:buSzPct val="70000"/>
+            </a:pPr>
+            <a:r>
+              <a:rPr lang="en-US" sz="1400" b="1" noProof="1">
+                <a:solidFill>
+                  <a:srgbClr val="8CF4F2"/>
+                </a:solidFill>
+                <a:effectLst>
+                  <a:outerShdw blurRad="38100" dist="38100" dir="2700000" algn="tl">
+                    <a:srgbClr val="000000">
+                      <a:alpha val="43137"/>
+                    </a:srgbClr>
+                  </a:outerShdw>
+                </a:effectLst>
+                <a:latin typeface="Consolas" pitchFamily="49" charset="0"/>
+                <a:cs typeface="Consolas" pitchFamily="49" charset="0"/>
+              </a:rPr>
+              <a:t>}</a:t>
+            </a:r>
+          </a:p>
+        </p:txBody>
+      </p:sp>
+    </p:spTree>
+    <p:extLst>
+      <p:ext uri="{BB962C8B-B14F-4D97-AF65-F5344CB8AC3E}">
+        <p14:creationId xmlns:p14="http://schemas.microsoft.com/office/powerpoint/2010/main" val="3914300150"/>
+      </p:ext>
+    </p:extLst>
+  </p:cSld>
+  <p:clrMapOvr>
+    <a:masterClrMapping/>
+  </p:clrMapOvr>
+  <p:timing>
+    <p:tnLst>
+      <p:par>
+        <p:cTn id="1" dur="indefinite" restart="never" nodeType="tmRoot"/>
+      </p:par>
+    </p:tnLst>
+  </p:timing>
+</p:sld>
+</file>
+
+<file path=ppt/slides/slide62.xml><?xml version="1.0" encoding="utf-8"?>
+<p:sld xmlns:a="http://schemas.openxmlformats.org/drawingml/2006/main" xmlns:r="http://schemas.openxmlformats.org/officeDocument/2006/relationships" xmlns:p="http://schemas.openxmlformats.org/presentationml/2006/main">
+  <p:cSld>
+    <p:spTree>
+      <p:nvGrpSpPr>
+        <p:cNvPr id="1" name=""/>
+        <p:cNvGrpSpPr/>
+        <p:nvPr/>
+      </p:nvGrpSpPr>
+      <p:grpSpPr>
+        <a:xfrm>
+          <a:off x="0" y="0"/>
+          <a:ext cx="0" cy="0"/>
+          <a:chOff x="0" y="0"/>
+          <a:chExt cx="0" cy="0"/>
+        </a:xfrm>
+      </p:grpSpPr>
+      <p:sp>
+        <p:nvSpPr>
+          <p:cNvPr id="2" name="Title 1"/>
+          <p:cNvSpPr>
+            <a:spLocks noGrp="1"/>
+          </p:cNvSpPr>
+          <p:nvPr>
+            <p:ph type="title"/>
+          </p:nvPr>
+        </p:nvSpPr>
+        <p:spPr>
+          <a:xfrm>
+            <a:off x="1828800" y="162086"/>
+            <a:ext cx="7086600" cy="914400"/>
+          </a:xfrm>
+        </p:spPr>
+        <p:txBody>
+          <a:bodyPr/>
+          <a:lstStyle/>
+          <a:p>
+            <a:r>
+              <a:rPr lang="en-US" dirty="0" err="1" smtClean="0"/>
+              <a:t>DataMapper</a:t>
+            </a:r>
+            <a:r>
+              <a:rPr lang="en-US" dirty="0" smtClean="0"/>
+              <a:t> ORM</a:t>
+            </a:r>
+            <a:endParaRPr lang="en-US" dirty="0"/>
+          </a:p>
+        </p:txBody>
+      </p:sp>
+      <p:sp>
+        <p:nvSpPr>
+          <p:cNvPr id="3" name="Content Placeholder 2"/>
+          <p:cNvSpPr>
+            <a:spLocks noGrp="1"/>
+          </p:cNvSpPr>
+          <p:nvPr>
+            <p:ph idx="1"/>
+          </p:nvPr>
+        </p:nvSpPr>
+        <p:spPr>
+          <a:xfrm>
+            <a:off x="113396" y="1377852"/>
+            <a:ext cx="5373004" cy="3651348"/>
+          </a:xfrm>
+        </p:spPr>
+        <p:txBody>
+          <a:bodyPr/>
+          <a:lstStyle/>
+          <a:p>
+            <a:pPr lvl="1">
+              <a:lnSpc>
+                <a:spcPct val="100000"/>
+              </a:lnSpc>
+            </a:pPr>
+            <a:r>
+              <a:rPr lang="en-US" sz="2600" dirty="0" smtClean="0">
+                <a:solidFill>
+                  <a:srgbClr val="F4FCD8"/>
+                </a:solidFill>
+              </a:rPr>
+              <a:t>Object relational mapper</a:t>
+            </a:r>
+          </a:p>
+          <a:p>
+            <a:pPr lvl="1">
+              <a:lnSpc>
+                <a:spcPct val="100000"/>
+              </a:lnSpc>
+            </a:pPr>
+            <a:r>
+              <a:rPr lang="en-US" sz="2600" dirty="0" smtClean="0">
+                <a:solidFill>
+                  <a:srgbClr val="F4FCD8"/>
+                </a:solidFill>
+              </a:rPr>
+              <a:t>Uses “Database first” approach</a:t>
+            </a:r>
+          </a:p>
+          <a:p>
+            <a:pPr lvl="2">
+              <a:lnSpc>
+                <a:spcPct val="100000"/>
+              </a:lnSpc>
+            </a:pPr>
+            <a:r>
+              <a:rPr lang="en-US" sz="2400" dirty="0" smtClean="0">
+                <a:solidFill>
+                  <a:srgbClr val="F4FCD8"/>
+                </a:solidFill>
+              </a:rPr>
+              <a:t>The database must be predefined</a:t>
+            </a:r>
+          </a:p>
+          <a:p>
+            <a:pPr lvl="2">
+              <a:lnSpc>
+                <a:spcPct val="100000"/>
+              </a:lnSpc>
+            </a:pPr>
+            <a:r>
+              <a:rPr lang="en-US" sz="2400" dirty="0" smtClean="0">
+                <a:solidFill>
+                  <a:srgbClr val="F4FCD8"/>
+                </a:solidFill>
+              </a:rPr>
+              <a:t>There are specific conventions that need to be followed, in order for the mapper </a:t>
+            </a:r>
+            <a:r>
+              <a:rPr lang="en-US" sz="2400" dirty="0">
+                <a:solidFill>
+                  <a:srgbClr val="F4FCD8"/>
+                </a:solidFill>
+              </a:rPr>
+              <a:t>t</a:t>
+            </a:r>
+            <a:r>
+              <a:rPr lang="en-US" sz="2400" dirty="0" smtClean="0">
+                <a:solidFill>
+                  <a:srgbClr val="F4FCD8"/>
+                </a:solidFill>
+              </a:rPr>
+              <a:t>o work</a:t>
+            </a:r>
+          </a:p>
+          <a:p>
+            <a:pPr marL="649288" lvl="2" indent="0">
+              <a:lnSpc>
+                <a:spcPct val="100000"/>
+              </a:lnSpc>
+              <a:buNone/>
+            </a:pPr>
+            <a:endParaRPr lang="en-US" sz="2400" dirty="0" smtClean="0">
+              <a:solidFill>
+                <a:srgbClr val="F4FCD8"/>
+              </a:solidFill>
+            </a:endParaRPr>
+          </a:p>
+          <a:p>
+            <a:pPr lvl="1">
+              <a:lnSpc>
+                <a:spcPct val="100000"/>
+              </a:lnSpc>
+            </a:pPr>
+            <a:r>
+              <a:rPr lang="en-US" dirty="0" smtClean="0">
+                <a:solidFill>
+                  <a:srgbClr val="F4FCD8"/>
+                </a:solidFill>
+              </a:rPr>
+              <a:t>Full documentation at </a:t>
+            </a:r>
+            <a:r>
+              <a:rPr lang="en-US" sz="2400" dirty="0" smtClean="0">
+                <a:solidFill>
+                  <a:srgbClr val="F4FCD8"/>
+                </a:solidFill>
+                <a:hlinkClick r:id="rId2"/>
+              </a:rPr>
+              <a:t>http</a:t>
+            </a:r>
+            <a:r>
+              <a:rPr lang="en-US" sz="2400" dirty="0">
+                <a:solidFill>
+                  <a:srgbClr val="F4FCD8"/>
+                </a:solidFill>
+                <a:hlinkClick r:id="rId2"/>
+              </a:rPr>
+              <a:t>://datamapper.wanwizard.eu</a:t>
+            </a:r>
+            <a:r>
+              <a:rPr lang="en-US" sz="2400" dirty="0" smtClean="0">
+                <a:solidFill>
+                  <a:srgbClr val="F4FCD8"/>
+                </a:solidFill>
+                <a:hlinkClick r:id="rId2"/>
+              </a:rPr>
+              <a:t>/</a:t>
+            </a:r>
+            <a:endParaRPr lang="en-US" sz="2400" dirty="0" smtClean="0">
+              <a:solidFill>
+                <a:srgbClr val="F4FCD8"/>
+              </a:solidFill>
+            </a:endParaRPr>
+          </a:p>
+        </p:txBody>
+      </p:sp>
+      <p:pic>
+        <p:nvPicPr>
+          <p:cNvPr id="2052" name="Picture 4" descr="http://www.edzynda.com/media/orm.jpg"/>
+          <p:cNvPicPr>
+            <a:picLocks noChangeAspect="1" noChangeArrowheads="1"/>
+          </p:cNvPicPr>
+          <p:nvPr/>
+        </p:nvPicPr>
+        <p:blipFill>
+          <a:blip r:embed="rId3">
+            <a:extLst>
+              <a:ext uri="{28A0092B-C50C-407E-A947-70E740481C1C}">
+                <a14:useLocalDpi xmlns:a14="http://schemas.microsoft.com/office/drawing/2010/main" val="0"/>
+              </a:ext>
+            </a:extLst>
+          </a:blip>
+          <a:srcRect/>
+          <a:stretch>
+            <a:fillRect/>
+          </a:stretch>
+        </p:blipFill>
+        <p:spPr bwMode="auto">
+          <a:xfrm>
+            <a:off x="6107221" y="1295400"/>
+            <a:ext cx="2503379" cy="3028951"/>
+          </a:xfrm>
+          <a:prstGeom prst="roundRect">
+            <a:avLst>
+              <a:gd name="adj" fmla="val 4167"/>
+            </a:avLst>
+          </a:prstGeom>
+          <a:solidFill>
+            <a:srgbClr val="FFFFFF"/>
+          </a:solidFill>
+          <a:ln w="76200" cap="sq">
+            <a:solidFill>
+              <a:srgbClr val="EAEAEA"/>
+            </a:solidFill>
+            <a:miter lim="800000"/>
+          </a:ln>
+          <a:effectLst>
+            <a:reflection blurRad="12700" stA="33000" endPos="28000" dist="5000" dir="5400000" sy="-100000" algn="bl" rotWithShape="0"/>
+          </a:effectLst>
+          <a:scene3d>
+            <a:camera prst="orthographicFront"/>
+            <a:lightRig rig="threePt" dir="t">
+              <a:rot lat="0" lon="0" rev="2700000"/>
+            </a:lightRig>
+          </a:scene3d>
+          <a:sp3d contourW="6350">
+            <a:bevelT h="38100"/>
+            <a:contourClr>
+              <a:srgbClr val="C0C0C0"/>
+            </a:contourClr>
+          </a:sp3d>
+          <a:extLst>
+            <a:ext uri="{909E8E84-426E-40DD-AFC4-6F175D3DCCD1}">
+              <a14:hiddenFill xmlns:a14="http://schemas.microsoft.com/office/drawing/2010/main">
+                <a:solidFill>
+                  <a:srgbClr val="FFFFFF"/>
+                </a:solidFill>
+              </a14:hiddenFill>
+            </a:ext>
+          </a:extLst>
+        </p:spPr>
+      </p:pic>
+      <p:pic>
+        <p:nvPicPr>
+          <p:cNvPr id="8" name="Picture 2"/>
+          <p:cNvPicPr>
+            <a:picLocks noChangeAspect="1" noChangeArrowheads="1"/>
+          </p:cNvPicPr>
+          <p:nvPr/>
+        </p:nvPicPr>
+        <p:blipFill>
+          <a:blip r:embed="rId4">
+            <a:extLst>
+              <a:ext uri="{28A0092B-C50C-407E-A947-70E740481C1C}">
+                <a14:useLocalDpi xmlns:a14="http://schemas.microsoft.com/office/drawing/2010/main" val="0"/>
+              </a:ext>
+            </a:extLst>
+          </a:blip>
+          <a:srcRect/>
+          <a:stretch>
+            <a:fillRect/>
+          </a:stretch>
+        </p:blipFill>
+        <p:spPr bwMode="auto">
+          <a:xfrm rot="258772">
+            <a:off x="6548508" y="4156849"/>
+            <a:ext cx="2286000" cy="2237362"/>
+          </a:xfrm>
+          <a:prstGeom prst="rect">
+            <a:avLst/>
+          </a:prstGeom>
+          <a:ln>
+            <a:noFill/>
+          </a:ln>
+          <a:effectLst>
+            <a:outerShdw blurRad="190500" algn="tl" rotWithShape="0">
+              <a:srgbClr val="000000">
+                <a:alpha val="70000"/>
+              </a:srgbClr>
+            </a:outerShdw>
+          </a:effectLst>
+          <a:extLst>
+            <a:ext uri="{909E8E84-426E-40DD-AFC4-6F175D3DCCD1}">
+              <a14:hiddenFill xmlns:a14="http://schemas.microsoft.com/office/drawing/2010/main">
+                <a:solidFill>
+                  <a:schemeClr val="accent1"/>
+                </a:solidFill>
+              </a14:hiddenFill>
+            </a:ext>
+            <a:ext uri="{91240B29-F687-4F45-9708-019B960494DF}">
+              <a14:hiddenLine xmlns:a14="http://schemas.microsoft.com/office/drawing/2010/main" w="9525">
+                <a:solidFill>
+                  <a:schemeClr val="tx1"/>
+                </a:solidFill>
+                <a:miter lim="800000"/>
+                <a:headEnd/>
+                <a:tailEnd/>
+              </a14:hiddenLine>
+            </a:ext>
+          </a:extLst>
+        </p:spPr>
+      </p:pic>
+    </p:spTree>
+    <p:extLst>
+      <p:ext uri="{BB962C8B-B14F-4D97-AF65-F5344CB8AC3E}">
+        <p14:creationId xmlns:p14="http://schemas.microsoft.com/office/powerpoint/2010/main" val="1196273784"/>
+      </p:ext>
+    </p:extLst>
+  </p:cSld>
+  <p:clrMapOvr>
+    <a:masterClrMapping/>
+  </p:clrMapOvr>
+  <p:timing>
+    <p:tnLst>
+      <p:par>
+        <p:cTn id="1" dur="indefinite" restart="never" nodeType="tmRoot"/>
+      </p:par>
+    </p:tnLst>
+  </p:timing>
+</p:sld>
+</file>
+
+<file path=ppt/slides/slide63.xml><?xml version="1.0" encoding="utf-8"?>
+<p:sld xmlns:a="http://schemas.openxmlformats.org/drawingml/2006/main" xmlns:r="http://schemas.openxmlformats.org/officeDocument/2006/relationships" xmlns:p="http://schemas.openxmlformats.org/presentationml/2006/main">
+  <p:cSld>
+    <p:spTree>
+      <p:nvGrpSpPr>
+        <p:cNvPr id="1" name=""/>
+        <p:cNvGrpSpPr/>
+        <p:nvPr/>
+      </p:nvGrpSpPr>
+      <p:grpSpPr>
+        <a:xfrm>
+          <a:off x="0" y="0"/>
+          <a:ext cx="0" cy="0"/>
+          <a:chOff x="0" y="0"/>
+          <a:chExt cx="0" cy="0"/>
+        </a:xfrm>
+      </p:grpSpPr>
+      <p:sp>
+        <p:nvSpPr>
+          <p:cNvPr id="344066" name="Rectangle 2"/>
+          <p:cNvSpPr>
+            <a:spLocks noGrp="1" noChangeArrowheads="1"/>
+          </p:cNvSpPr>
+          <p:nvPr>
+            <p:ph type="ctrTitle"/>
+          </p:nvPr>
+        </p:nvSpPr>
+        <p:spPr>
+          <a:xfrm>
+            <a:off x="609600" y="4255368"/>
+            <a:ext cx="7924800" cy="1693912"/>
+          </a:xfrm>
+        </p:spPr>
+        <p:txBody>
+          <a:bodyPr/>
+          <a:lstStyle/>
+          <a:p>
+            <a:pPr marL="514350" indent="-514350">
+              <a:lnSpc>
+                <a:spcPct val="110000"/>
+              </a:lnSpc>
+            </a:pPr>
+            <a:r>
+              <a:rPr lang="en-US" dirty="0"/>
+              <a:t>Using </a:t>
+            </a:r>
+            <a:r>
+              <a:rPr lang="en-US" dirty="0" err="1"/>
+              <a:t>Laravel</a:t>
+            </a:r>
+            <a:r>
+              <a:rPr lang="en-US" dirty="0"/>
+              <a:t> MVC</a:t>
+            </a:r>
+          </a:p>
+        </p:txBody>
+      </p:sp>
+    </p:spTree>
+    <p:extLst>
+      <p:ext uri="{BB962C8B-B14F-4D97-AF65-F5344CB8AC3E}">
+        <p14:creationId xmlns:p14="http://schemas.microsoft.com/office/powerpoint/2010/main" val="1136888485"/>
+      </p:ext>
+    </p:extLst>
+  </p:cSld>
+  <p:clrMapOvr>
+    <a:masterClrMapping/>
+  </p:clrMapOvr>
+  <mc:AlternateContent xmlns:mc="http://schemas.openxmlformats.org/markup-compatibility/2006" xmlns:p14="http://schemas.microsoft.com/office/powerpoint/2010/main">
+    <mc:Choice Requires="p14">
+      <p:transition spd="slow" p14:dur="2000"/>
+    </mc:Choice>
+    <mc:Fallback xmlns="">
+      <p:transition spd="slow"/>
+    </mc:Fallback>
+  </mc:AlternateContent>
+  <p:timing>
+    <p:tnLst>
+      <p:par>
+        <p:cTn id="1" dur="indefinite" restart="never" nodeType="tmRoot"/>
+      </p:par>
+    </p:tnLst>
+  </p:timing>
+</p:sld>
+</file>
+
+<file path=ppt/slides/slide64.xml><?xml version="1.0" encoding="utf-8"?>
+<p:sld xmlns:a="http://schemas.openxmlformats.org/drawingml/2006/main" xmlns:r="http://schemas.openxmlformats.org/officeDocument/2006/relationships" xmlns:p="http://schemas.openxmlformats.org/presentationml/2006/main">
+  <p:cSld>
+    <p:spTree>
+      <p:nvGrpSpPr>
+        <p:cNvPr id="1" name=""/>
+        <p:cNvGrpSpPr/>
+        <p:nvPr/>
+      </p:nvGrpSpPr>
+      <p:grpSpPr>
+        <a:xfrm>
+          <a:off x="0" y="0"/>
+          <a:ext cx="0" cy="0"/>
+          <a:chOff x="0" y="0"/>
+          <a:chExt cx="0" cy="0"/>
+        </a:xfrm>
+      </p:grpSpPr>
+      <p:sp>
+        <p:nvSpPr>
+          <p:cNvPr id="2" name="Title 1"/>
+          <p:cNvSpPr>
+            <a:spLocks noGrp="1"/>
+          </p:cNvSpPr>
+          <p:nvPr>
+            <p:ph type="title"/>
+          </p:nvPr>
+        </p:nvSpPr>
+        <p:spPr>
+          <a:xfrm>
+            <a:off x="1828800" y="162086"/>
+            <a:ext cx="7086600" cy="914400"/>
+          </a:xfrm>
+        </p:spPr>
+        <p:txBody>
+          <a:bodyPr/>
+          <a:lstStyle/>
+          <a:p>
+            <a:r>
+              <a:rPr lang="en-US" dirty="0"/>
+              <a:t>Using </a:t>
+            </a:r>
+            <a:r>
+              <a:rPr lang="en-US" dirty="0" err="1"/>
+              <a:t>Laravel</a:t>
+            </a:r>
+            <a:r>
+              <a:rPr lang="en-US" dirty="0"/>
+              <a:t> MVC</a:t>
+            </a:r>
+          </a:p>
+        </p:txBody>
+      </p:sp>
+      <p:sp>
+        <p:nvSpPr>
+          <p:cNvPr id="3" name="Content Placeholder 2"/>
+          <p:cNvSpPr>
+            <a:spLocks noGrp="1"/>
+          </p:cNvSpPr>
+          <p:nvPr>
+            <p:ph idx="1"/>
+          </p:nvPr>
+        </p:nvSpPr>
+        <p:spPr>
+          <a:xfrm>
+            <a:off x="228600" y="1219200"/>
+            <a:ext cx="8686800" cy="3651348"/>
+          </a:xfrm>
+        </p:spPr>
+        <p:txBody>
+          <a:bodyPr/>
+          <a:lstStyle/>
+          <a:p>
+            <a:pPr>
+              <a:lnSpc>
+                <a:spcPct val="100000"/>
+              </a:lnSpc>
+            </a:pPr>
+            <a:r>
+              <a:rPr lang="en-US" dirty="0" smtClean="0">
+                <a:solidFill>
+                  <a:srgbClr val="F4FCD8"/>
+                </a:solidFill>
+              </a:rPr>
+              <a:t>Installation &amp; </a:t>
+            </a:r>
+            <a:r>
+              <a:rPr lang="en-US" dirty="0" err="1" smtClean="0">
+                <a:solidFill>
+                  <a:srgbClr val="F4FCD8"/>
+                </a:solidFill>
+              </a:rPr>
+              <a:t>configs</a:t>
+            </a:r>
+            <a:endParaRPr lang="en-US" dirty="0" smtClean="0">
+              <a:solidFill>
+                <a:srgbClr val="F4FCD8"/>
+              </a:solidFill>
+            </a:endParaRPr>
+          </a:p>
+          <a:p>
+            <a:pPr>
+              <a:lnSpc>
+                <a:spcPct val="100000"/>
+              </a:lnSpc>
+            </a:pPr>
+            <a:r>
+              <a:rPr lang="en-US" dirty="0" smtClean="0"/>
+              <a:t>Migrations &amp; Seeding</a:t>
+            </a:r>
+            <a:endParaRPr lang="en-US" dirty="0" smtClean="0"/>
+          </a:p>
+          <a:p>
+            <a:pPr>
+              <a:lnSpc>
+                <a:spcPct val="100000"/>
+              </a:lnSpc>
+            </a:pPr>
+            <a:r>
+              <a:rPr lang="en-US" dirty="0" smtClean="0">
+                <a:solidFill>
+                  <a:srgbClr val="F4FCD8"/>
+                </a:solidFill>
+              </a:rPr>
+              <a:t>Controllers and actions</a:t>
+            </a:r>
+          </a:p>
+          <a:p>
+            <a:pPr>
+              <a:lnSpc>
+                <a:spcPct val="100000"/>
+              </a:lnSpc>
+            </a:pPr>
+            <a:r>
+              <a:rPr lang="en-US" dirty="0" smtClean="0">
+                <a:solidFill>
+                  <a:srgbClr val="F4FCD8"/>
+                </a:solidFill>
+              </a:rPr>
+              <a:t>Views and Blade engine</a:t>
+            </a:r>
+          </a:p>
+          <a:p>
+            <a:pPr>
+              <a:lnSpc>
+                <a:spcPct val="100000"/>
+              </a:lnSpc>
+            </a:pPr>
+            <a:r>
+              <a:rPr lang="en-US" dirty="0" smtClean="0">
+                <a:solidFill>
+                  <a:srgbClr val="F4FCD8"/>
+                </a:solidFill>
+              </a:rPr>
+              <a:t>Routes</a:t>
+            </a:r>
+          </a:p>
+          <a:p>
+            <a:pPr>
+              <a:lnSpc>
+                <a:spcPct val="100000"/>
+              </a:lnSpc>
+            </a:pPr>
+            <a:r>
+              <a:rPr lang="en-US" dirty="0" smtClean="0">
+                <a:solidFill>
+                  <a:srgbClr val="F4FCD8"/>
+                </a:solidFill>
+              </a:rPr>
+              <a:t>Models</a:t>
+            </a:r>
+          </a:p>
+          <a:p>
+            <a:pPr>
+              <a:lnSpc>
+                <a:spcPct val="100000"/>
+              </a:lnSpc>
+            </a:pPr>
+            <a:r>
+              <a:rPr lang="en-US" dirty="0" smtClean="0">
+                <a:solidFill>
+                  <a:srgbClr val="F4FCD8"/>
+                </a:solidFill>
+              </a:rPr>
+              <a:t>Filters</a:t>
+            </a:r>
+          </a:p>
+          <a:p>
+            <a:pPr>
+              <a:lnSpc>
+                <a:spcPct val="100000"/>
+              </a:lnSpc>
+            </a:pPr>
+            <a:r>
+              <a:rPr lang="en-US" dirty="0" smtClean="0">
+                <a:solidFill>
+                  <a:srgbClr val="F4FCD8"/>
+                </a:solidFill>
+              </a:rPr>
+              <a:t>Security</a:t>
+            </a:r>
+          </a:p>
+          <a:p>
+            <a:pPr>
+              <a:lnSpc>
+                <a:spcPct val="100000"/>
+              </a:lnSpc>
+            </a:pPr>
+            <a:endParaRPr lang="en-US" dirty="0" smtClean="0">
+              <a:solidFill>
+                <a:srgbClr val="F4FCD8"/>
+              </a:solidFill>
+            </a:endParaRPr>
+          </a:p>
+        </p:txBody>
+      </p:sp>
+    </p:spTree>
+    <p:extLst>
+      <p:ext uri="{BB962C8B-B14F-4D97-AF65-F5344CB8AC3E}">
+        <p14:creationId xmlns:p14="http://schemas.microsoft.com/office/powerpoint/2010/main" val="1135914032"/>
       </p:ext>
     </p:extLst>
   </p:cSld>
